--- a/Poster_1.pptx
+++ b/Poster_1.pptx
@@ -243,7 +243,7 @@
           <a:p>
             <a:fld id="{A8490EA5-CA6F-8D4B-8D24-9E860C725A80}" type="datetimeFigureOut">
               <a:rPr lang="fr-FR" smtClean="0"/>
-              <a:t>28/01/2018</a:t>
+              <a:t>30/01/2018</a:t>
             </a:fld>
             <a:endParaRPr lang="fr-FR"/>
           </a:p>
@@ -408,7 +408,7 @@
           <a:p>
             <a:fld id="{A8490EA5-CA6F-8D4B-8D24-9E860C725A80}" type="datetimeFigureOut">
               <a:rPr lang="fr-FR" smtClean="0"/>
-              <a:t>28/01/2018</a:t>
+              <a:t>30/01/2018</a:t>
             </a:fld>
             <a:endParaRPr lang="fr-FR"/>
           </a:p>
@@ -583,7 +583,7 @@
           <a:p>
             <a:fld id="{A8490EA5-CA6F-8D4B-8D24-9E860C725A80}" type="datetimeFigureOut">
               <a:rPr lang="fr-FR" smtClean="0"/>
-              <a:t>28/01/2018</a:t>
+              <a:t>30/01/2018</a:t>
             </a:fld>
             <a:endParaRPr lang="fr-FR"/>
           </a:p>
@@ -748,7 +748,7 @@
           <a:p>
             <a:fld id="{A8490EA5-CA6F-8D4B-8D24-9E860C725A80}" type="datetimeFigureOut">
               <a:rPr lang="fr-FR" smtClean="0"/>
-              <a:t>28/01/2018</a:t>
+              <a:t>30/01/2018</a:t>
             </a:fld>
             <a:endParaRPr lang="fr-FR"/>
           </a:p>
@@ -987,7 +987,7 @@
           <a:p>
             <a:fld id="{A8490EA5-CA6F-8D4B-8D24-9E860C725A80}" type="datetimeFigureOut">
               <a:rPr lang="fr-FR" smtClean="0"/>
-              <a:t>28/01/2018</a:t>
+              <a:t>30/01/2018</a:t>
             </a:fld>
             <a:endParaRPr lang="fr-FR"/>
           </a:p>
@@ -1214,7 +1214,7 @@
           <a:p>
             <a:fld id="{A8490EA5-CA6F-8D4B-8D24-9E860C725A80}" type="datetimeFigureOut">
               <a:rPr lang="fr-FR" smtClean="0"/>
-              <a:t>28/01/2018</a:t>
+              <a:t>30/01/2018</a:t>
             </a:fld>
             <a:endParaRPr lang="fr-FR"/>
           </a:p>
@@ -1576,7 +1576,7 @@
           <a:p>
             <a:fld id="{A8490EA5-CA6F-8D4B-8D24-9E860C725A80}" type="datetimeFigureOut">
               <a:rPr lang="fr-FR" smtClean="0"/>
-              <a:t>28/01/2018</a:t>
+              <a:t>30/01/2018</a:t>
             </a:fld>
             <a:endParaRPr lang="fr-FR"/>
           </a:p>
@@ -1689,7 +1689,7 @@
           <a:p>
             <a:fld id="{A8490EA5-CA6F-8D4B-8D24-9E860C725A80}" type="datetimeFigureOut">
               <a:rPr lang="fr-FR" smtClean="0"/>
-              <a:t>28/01/2018</a:t>
+              <a:t>30/01/2018</a:t>
             </a:fld>
             <a:endParaRPr lang="fr-FR"/>
           </a:p>
@@ -1779,7 +1779,7 @@
           <a:p>
             <a:fld id="{A8490EA5-CA6F-8D4B-8D24-9E860C725A80}" type="datetimeFigureOut">
               <a:rPr lang="fr-FR" smtClean="0"/>
-              <a:t>28/01/2018</a:t>
+              <a:t>30/01/2018</a:t>
             </a:fld>
             <a:endParaRPr lang="fr-FR"/>
           </a:p>
@@ -2051,7 +2051,7 @@
           <a:p>
             <a:fld id="{A8490EA5-CA6F-8D4B-8D24-9E860C725A80}" type="datetimeFigureOut">
               <a:rPr lang="fr-FR" smtClean="0"/>
-              <a:t>28/01/2018</a:t>
+              <a:t>30/01/2018</a:t>
             </a:fld>
             <a:endParaRPr lang="fr-FR"/>
           </a:p>
@@ -2303,7 +2303,7 @@
           <a:p>
             <a:fld id="{A8490EA5-CA6F-8D4B-8D24-9E860C725A80}" type="datetimeFigureOut">
               <a:rPr lang="fr-FR" smtClean="0"/>
-              <a:t>28/01/2018</a:t>
+              <a:t>30/01/2018</a:t>
             </a:fld>
             <a:endParaRPr lang="fr-FR"/>
           </a:p>
@@ -2511,7 +2511,7 @@
           <a:p>
             <a:fld id="{A8490EA5-CA6F-8D4B-8D24-9E860C725A80}" type="datetimeFigureOut">
               <a:rPr lang="fr-FR" smtClean="0"/>
-              <a:t>28/01/2018</a:t>
+              <a:t>30/01/2018</a:t>
             </a:fld>
             <a:endParaRPr lang="fr-FR"/>
           </a:p>
@@ -2916,8 +2916,8 @@
           <a:chExt cx="0" cy="0"/>
         </a:xfrm>
       </p:grpSpPr>
-      <mc:AlternateContent xmlns:mc="http://schemas.openxmlformats.org/markup-compatibility/2006">
-        <mc:Choice xmlns:a14="http://schemas.microsoft.com/office/drawing/2010/main" Requires="a14">
+      <mc:AlternateContent xmlns:mc="http://schemas.openxmlformats.org/markup-compatibility/2006" xmlns:a14="http://schemas.microsoft.com/office/drawing/2010/main">
+        <mc:Choice Requires="a14">
           <p:sp>
             <p:nvSpPr>
               <p:cNvPr id="73" name="TextBox 72"/>
@@ -3384,7 +3384,7 @@
             </p:txBody>
           </p:sp>
         </mc:Choice>
-        <mc:Fallback>
+        <mc:Fallback xmlns="">
           <p:sp>
             <p:nvSpPr>
               <p:cNvPr id="73" name="TextBox 72"/>
@@ -3484,62 +3484,7 @@
                 <a:ea typeface="Arial" charset="0"/>
                 <a:cs typeface="Arial" charset="0"/>
               </a:rPr>
-              <a:t>Réalisé </a:t>
-            </a:r>
-            <a:r>
-              <a:rPr lang="fr-FR" sz="1600" b="1" dirty="0" smtClean="0">
-                <a:solidFill>
-                  <a:srgbClr val="38ADE3"/>
-                </a:solidFill>
-                <a:latin typeface="Arial" charset="0"/>
-                <a:ea typeface="Arial" charset="0"/>
-                <a:cs typeface="Arial" charset="0"/>
-              </a:rPr>
-              <a:t>Mathieu ROUX et </a:t>
-            </a:r>
-            <a:r>
-              <a:rPr lang="fr-FR" sz="1600" b="1" dirty="0" smtClean="0">
-                <a:solidFill>
-                  <a:srgbClr val="38ADE3"/>
-                </a:solidFill>
-                <a:latin typeface="Arial" charset="0"/>
-                <a:ea typeface="Arial" charset="0"/>
-                <a:cs typeface="Arial" charset="0"/>
-              </a:rPr>
-              <a:t>Théo </a:t>
-            </a:r>
-            <a:r>
-              <a:rPr lang="fr-FR" sz="1600" b="1" dirty="0" smtClean="0">
-                <a:solidFill>
-                  <a:srgbClr val="38ADE3"/>
-                </a:solidFill>
-                <a:latin typeface="Arial" charset="0"/>
-                <a:ea typeface="Arial" charset="0"/>
-                <a:cs typeface="Arial" charset="0"/>
-              </a:rPr>
-              <a:t>VIEL, sous </a:t>
-            </a:r>
-            <a:r>
-              <a:rPr lang="fr-FR" sz="1600" b="1" dirty="0" smtClean="0">
-                <a:solidFill>
-                  <a:srgbClr val="38ADE3"/>
-                </a:solidFill>
-                <a:latin typeface="Arial" charset="0"/>
-                <a:ea typeface="Arial" charset="0"/>
-                <a:cs typeface="Arial" charset="0"/>
-              </a:rPr>
-              <a:t>la direction de </a:t>
-            </a:r>
-            <a:r>
-              <a:rPr lang="fr-FR" sz="1600" b="1" dirty="0" smtClean="0">
-                <a:solidFill>
-                  <a:srgbClr val="38ADE3"/>
-                </a:solidFill>
-                <a:latin typeface="Arial" charset="0"/>
-                <a:ea typeface="Arial" charset="0"/>
-                <a:cs typeface="Arial" charset="0"/>
-              </a:rPr>
-              <a:t>Pierre-André ZITT.</a:t>
+              <a:t>Réalisé Mathieu ROUX et Théo VIEL, sous la direction de Pierre-André ZITT.</a:t>
             </a:r>
             <a:endParaRPr lang="fr-FR" sz="1600" b="1" dirty="0" smtClean="0">
               <a:solidFill>
@@ -3557,13 +3502,18 @@
         </p:nvSpPr>
         <p:spPr>
           <a:xfrm>
-            <a:off x="369400" y="1371047"/>
-            <a:ext cx="3253032" cy="3939540"/>
+            <a:off x="260511" y="1366920"/>
+            <a:ext cx="3253032" cy="4093428"/>
           </a:xfrm>
           <a:prstGeom prst="rect">
             <a:avLst/>
           </a:prstGeom>
           <a:noFill/>
+          <a:ln>
+            <a:solidFill>
+              <a:schemeClr val="tx1"/>
+            </a:solidFill>
+          </a:ln>
         </p:spPr>
         <p:txBody>
           <a:bodyPr wrap="square" rtlCol="0">
@@ -3654,21 +3604,7 @@
                 <a:latin typeface="Arial" panose="020B0604020202020204" pitchFamily="34" charset="0"/>
                 <a:cs typeface="Arial" panose="020B0604020202020204" pitchFamily="34" charset="0"/>
               </a:rPr>
-              <a:t>Le </a:t>
-            </a:r>
-            <a:r>
-              <a:rPr lang="fr-FR" sz="1000" dirty="0" smtClean="0">
-                <a:latin typeface="Arial" panose="020B0604020202020204" pitchFamily="34" charset="0"/>
-                <a:cs typeface="Arial" panose="020B0604020202020204" pitchFamily="34" charset="0"/>
-              </a:rPr>
-              <a:t>but de ce projet </a:t>
-            </a:r>
-            <a:r>
-              <a:rPr lang="fr-FR" sz="1000" dirty="0" smtClean="0">
-                <a:latin typeface="Arial" panose="020B0604020202020204" pitchFamily="34" charset="0"/>
-                <a:cs typeface="Arial" panose="020B0604020202020204" pitchFamily="34" charset="0"/>
-              </a:rPr>
-              <a:t>est de résoudre un puzzle spécifique, grâce à l’implémentation de deux algorithmes abordant le problème de façon différentes. La première méthode est probabiliste et la deuxième déterministe. Il est couplé avec le projet du cours de Développement Logiciel, que nous évoquerons plus succinctement.</a:t>
+              <a:t>Le but de ce projet est de résoudre un puzzle spécifique, grâce à l’implémentation de deux algorithmes abordant le problème de façon différentes. La première méthode est probabiliste et la deuxième déterministe. Il est couplé avec le projet du cours de Développement Logiciel, que nous évoquerons plus succinctement.</a:t>
             </a:r>
           </a:p>
           <a:p>
@@ -3685,14 +3621,7 @@
                 <a:latin typeface="Arial" panose="020B0604020202020204" pitchFamily="34" charset="0"/>
                 <a:cs typeface="Arial" panose="020B0604020202020204" pitchFamily="34" charset="0"/>
               </a:rPr>
-              <a:t>2- Cadre </a:t>
-            </a:r>
-            <a:r>
-              <a:rPr lang="fr-FR" sz="1100" b="1" u="sng" dirty="0" smtClean="0">
-                <a:latin typeface="Arial" panose="020B0604020202020204" pitchFamily="34" charset="0"/>
-                <a:cs typeface="Arial" panose="020B0604020202020204" pitchFamily="34" charset="0"/>
-              </a:rPr>
-              <a:t>d’étude, présentation du puzzle:</a:t>
+              <a:t>2- Cadre d’étude, présentation du puzzle:</a:t>
             </a:r>
           </a:p>
           <a:p>
@@ -3767,7 +3696,21 @@
                 <a:latin typeface="Arial" panose="020B0604020202020204" pitchFamily="34" charset="0"/>
                 <a:cs typeface="Arial" panose="020B0604020202020204" pitchFamily="34" charset="0"/>
               </a:rPr>
-              <a:t> et est représenté ci-dessous: </a:t>
+              <a:t> et est représenté </a:t>
+            </a:r>
+            <a:r>
+              <a:rPr lang="fr-FR" sz="1000" dirty="0" smtClean="0">
+                <a:latin typeface="Arial" panose="020B0604020202020204" pitchFamily="34" charset="0"/>
+                <a:cs typeface="Arial" panose="020B0604020202020204" pitchFamily="34" charset="0"/>
+              </a:rPr>
+              <a:t>ci-dessous</a:t>
+            </a:r>
+            <a:r>
+              <a:rPr lang="fr-FR" sz="1000" dirty="0" smtClean="0">
+                <a:latin typeface="Arial" panose="020B0604020202020204" pitchFamily="34" charset="0"/>
+                <a:cs typeface="Arial" panose="020B0604020202020204" pitchFamily="34" charset="0"/>
+              </a:rPr>
+              <a:t>. Nous avons généralisé à d’autres tailles.</a:t>
             </a:r>
             <a:endParaRPr lang="fr-FR" sz="1000" dirty="0" smtClean="0">
               <a:latin typeface="Arial" panose="020B0604020202020204" pitchFamily="34" charset="0"/>
@@ -3776,8 +3719,8 @@
           </a:p>
         </p:txBody>
       </p:sp>
-      <mc:AlternateContent xmlns:mc="http://schemas.openxmlformats.org/markup-compatibility/2006">
-        <mc:Choice xmlns:a14="http://schemas.microsoft.com/office/drawing/2010/main" Requires="a14">
+      <mc:AlternateContent xmlns:mc="http://schemas.openxmlformats.org/markup-compatibility/2006" xmlns:a14="http://schemas.microsoft.com/office/drawing/2010/main">
+        <mc:Choice Requires="a14">
           <p:sp>
             <p:nvSpPr>
               <p:cNvPr id="27" name="TextBox 19"/>
@@ -4172,7 +4115,7 @@
             </p:txBody>
           </p:sp>
         </mc:Choice>
-        <mc:Fallback>
+        <mc:Fallback xmlns="">
           <p:sp>
             <p:nvSpPr>
               <p:cNvPr id="27" name="TextBox 19"/>
@@ -4626,8 +4569,8 @@
           </a:p>
         </p:txBody>
       </p:sp>
-      <mc:AlternateContent xmlns:mc="http://schemas.openxmlformats.org/markup-compatibility/2006">
-        <mc:Choice xmlns:a14="http://schemas.microsoft.com/office/drawing/2010/main" Requires="a14">
+      <mc:AlternateContent xmlns:mc="http://schemas.openxmlformats.org/markup-compatibility/2006" xmlns:a14="http://schemas.microsoft.com/office/drawing/2010/main">
+        <mc:Choice Requires="a14">
           <p:sp>
             <p:nvSpPr>
               <p:cNvPr id="57" name="TextBox 56"/>
@@ -4727,7 +4670,7 @@
             </p:txBody>
           </p:sp>
         </mc:Choice>
-        <mc:Fallback>
+        <mc:Fallback xmlns="">
           <p:sp>
             <p:nvSpPr>
               <p:cNvPr id="57" name="TextBox 56"/>
@@ -4812,8 +4755,8 @@
           </a:p>
         </p:txBody>
       </p:sp>
-      <mc:AlternateContent xmlns:mc="http://schemas.openxmlformats.org/markup-compatibility/2006">
-        <mc:Choice xmlns:a14="http://schemas.microsoft.com/office/drawing/2010/main" Requires="a14">
+      <mc:AlternateContent xmlns:mc="http://schemas.openxmlformats.org/markup-compatibility/2006" xmlns:a14="http://schemas.microsoft.com/office/drawing/2010/main">
+        <mc:Choice Requires="a14">
           <p:sp>
             <p:nvSpPr>
               <p:cNvPr id="62" name="TextBox 61"/>
@@ -5210,7 +5153,7 @@
                     <m:d>
                       <m:dPr>
                         <m:ctrlPr>
-                          <a:rPr lang="fr-FR" sz="1000" b="0" i="0" smtClean="0">
+                          <a:rPr lang="fr-FR" sz="1000" b="0" i="1" smtClean="0">
                             <a:solidFill>
                               <a:prstClr val="black"/>
                             </a:solidFill>
@@ -5255,7 +5198,7 @@
             </p:txBody>
           </p:sp>
         </mc:Choice>
-        <mc:Fallback>
+        <mc:Fallback xmlns="">
           <p:sp>
             <p:nvSpPr>
               <p:cNvPr id="62" name="TextBox 61"/>
@@ -5294,8 +5237,8 @@
           </p:sp>
         </mc:Fallback>
       </mc:AlternateContent>
-      <mc:AlternateContent xmlns:mc="http://schemas.openxmlformats.org/markup-compatibility/2006">
-        <mc:Choice xmlns:a14="http://schemas.microsoft.com/office/drawing/2010/main" Requires="a14">
+      <mc:AlternateContent xmlns:mc="http://schemas.openxmlformats.org/markup-compatibility/2006" xmlns:a14="http://schemas.microsoft.com/office/drawing/2010/main">
+        <mc:Choice Requires="a14">
           <p:sp>
             <p:nvSpPr>
               <p:cNvPr id="72" name="TextBox 71"/>
@@ -5318,7 +5261,6 @@
               </a:bodyPr>
               <a:lstStyle/>
               <a:p>
-                <a:pPr/>
                 <a14:m>
                   <m:oMath xmlns:m="http://schemas.openxmlformats.org/officeDocument/2006/math">
                     <m:r>
@@ -5474,7 +5416,7 @@
             </p:txBody>
           </p:sp>
         </mc:Choice>
-        <mc:Fallback>
+        <mc:Fallback xmlns="">
           <p:sp>
             <p:nvSpPr>
               <p:cNvPr id="72" name="TextBox 71"/>
@@ -5524,12 +5466,17 @@
             <p:spPr>
               <a:xfrm>
                 <a:off x="3721053" y="1367656"/>
-                <a:ext cx="3249706" cy="10941457"/>
+                <a:ext cx="3249706" cy="11141512"/>
               </a:xfrm>
               <a:prstGeom prst="rect">
                 <a:avLst/>
               </a:prstGeom>
               <a:noFill/>
+              <a:ln>
+                <a:solidFill>
+                  <a:schemeClr val="tx1"/>
+                </a:solidFill>
+              </a:ln>
             </p:spPr>
             <p:txBody>
               <a:bodyPr wrap="square" rtlCol="0">
@@ -5917,7 +5864,7 @@
               </a:p>
               <a:p>
                 <a:pPr lvl="0" algn="just"/>
-                <a:endParaRPr lang="fr-FR" sz="1000" dirty="0">
+                <a:endParaRPr lang="fr-FR" sz="700" dirty="0">
                   <a:solidFill>
                     <a:prstClr val="black"/>
                   </a:solidFill>
@@ -5935,7 +5882,89 @@
                     <a:latin typeface="Arial" panose="020B0604020202020204" pitchFamily="34" charset="0"/>
                     <a:cs typeface="Arial" panose="020B0604020202020204" pitchFamily="34" charset="0"/>
                   </a:rPr>
-                  <a:t>Et nous avons optimisé les paramètres pour le problème 5x5, en regardant sur 30 exécutions le nombre moyen d’itérations nécessaires.</a:t>
+                  <a:t>Et nous avons optimisé les paramètres pour le problème 5x5, en regardant sur 30 exécutions le nombre moyen d’itérations </a:t>
+                </a:r>
+                <a:r>
+                  <a:rPr lang="fr-FR" sz="1000" dirty="0" smtClean="0">
+                    <a:solidFill>
+                      <a:prstClr val="black"/>
+                    </a:solidFill>
+                    <a:latin typeface="Arial" panose="020B0604020202020204" pitchFamily="34" charset="0"/>
+                    <a:cs typeface="Arial" panose="020B0604020202020204" pitchFamily="34" charset="0"/>
+                  </a:rPr>
+                  <a:t>nécessaires pour trouver une solution. Il s’est avéré qu</a:t>
+                </a:r>
+                <a:r>
+                  <a:rPr lang="fr-FR" sz="1000" dirty="0" smtClean="0">
+                    <a:solidFill>
+                      <a:prstClr val="black"/>
+                    </a:solidFill>
+                    <a:latin typeface="Arial" panose="020B0604020202020204" pitchFamily="34" charset="0"/>
+                    <a:cs typeface="Arial" panose="020B0604020202020204" pitchFamily="34" charset="0"/>
+                  </a:rPr>
+                  <a:t>e le choix </a:t>
+                </a:r>
+                <a14:m>
+                  <m:oMath xmlns:m="http://schemas.openxmlformats.org/officeDocument/2006/math">
+                    <m:r>
+                      <a:rPr lang="fr-FR" sz="1000" i="1">
+                        <a:latin typeface="Cambria Math" panose="02040503050406030204" pitchFamily="18" charset="0"/>
+                        <a:ea typeface="Cambria Math" panose="02040503050406030204" pitchFamily="18" charset="0"/>
+                      </a:rPr>
+                      <m:t>𝑎</m:t>
+                    </m:r>
+                    <m:r>
+                      <a:rPr lang="fr-FR" sz="1000" b="0" i="1" smtClean="0">
+                        <a:latin typeface="Cambria Math" panose="02040503050406030204" pitchFamily="18" charset="0"/>
+                        <a:ea typeface="Cambria Math" panose="02040503050406030204" pitchFamily="18" charset="0"/>
+                      </a:rPr>
+                      <m:t>=0.1</m:t>
+                    </m:r>
+                  </m:oMath>
+                </a14:m>
+                <a:r>
+                  <a:rPr lang="fr-FR" sz="1000" dirty="0" smtClean="0">
+                    <a:solidFill>
+                      <a:prstClr val="black"/>
+                    </a:solidFill>
+                    <a:latin typeface="Arial" panose="020B0604020202020204" pitchFamily="34" charset="0"/>
+                    <a:cs typeface="Arial" panose="020B0604020202020204" pitchFamily="34" charset="0"/>
+                  </a:rPr>
+                  <a:t> et </a:t>
+                </a:r>
+                <a14:m>
+                  <m:oMath xmlns:m="http://schemas.openxmlformats.org/officeDocument/2006/math">
+                    <m:r>
+                      <a:rPr lang="fr-FR" sz="1000" b="0" i="1" smtClean="0">
+                        <a:solidFill>
+                          <a:prstClr val="black"/>
+                        </a:solidFill>
+                        <a:latin typeface="Cambria Math" panose="02040503050406030204" pitchFamily="18" charset="0"/>
+                        <a:cs typeface="Arial" panose="020B0604020202020204" pitchFamily="34" charset="0"/>
+                      </a:rPr>
+                      <m:t>𝑏</m:t>
+                    </m:r>
+                    <m:r>
+                      <a:rPr lang="fr-FR" sz="1000" b="0" i="1" smtClean="0">
+                        <a:solidFill>
+                          <a:prstClr val="black"/>
+                        </a:solidFill>
+                        <a:latin typeface="Cambria Math" panose="02040503050406030204" pitchFamily="18" charset="0"/>
+                        <a:cs typeface="Arial" panose="020B0604020202020204" pitchFamily="34" charset="0"/>
+                      </a:rPr>
+                      <m:t>=0.9</m:t>
+                    </m:r>
+                  </m:oMath>
+                </a14:m>
+                <a:r>
+                  <a:rPr lang="fr-FR" sz="1000" dirty="0" smtClean="0">
+                    <a:solidFill>
+                      <a:prstClr val="black"/>
+                    </a:solidFill>
+                    <a:latin typeface="Arial" panose="020B0604020202020204" pitchFamily="34" charset="0"/>
+                    <a:cs typeface="Arial" panose="020B0604020202020204" pitchFamily="34" charset="0"/>
+                  </a:rPr>
+                  <a:t> était le plus performant.</a:t>
                 </a:r>
                 <a:endParaRPr lang="fr-FR" sz="1000" dirty="0">
                   <a:solidFill>
@@ -6037,16 +6066,6 @@
               </a:p>
               <a:p>
                 <a:pPr lvl="0" algn="just"/>
-                <a:endParaRPr lang="fr-FR" sz="1000" b="1" dirty="0" smtClean="0">
-                  <a:solidFill>
-                    <a:prstClr val="black"/>
-                  </a:solidFill>
-                  <a:latin typeface="Arial" panose="020B0604020202020204" pitchFamily="34" charset="0"/>
-                  <a:cs typeface="Arial" panose="020B0604020202020204" pitchFamily="34" charset="0"/>
-                </a:endParaRPr>
-              </a:p>
-              <a:p>
-                <a:pPr lvl="0" algn="just"/>
                 <a:endParaRPr lang="fr-FR" sz="1000" b="1" dirty="0">
                   <a:solidFill>
                     <a:prstClr val="black"/>
@@ -6057,7 +6076,17 @@
               </a:p>
               <a:p>
                 <a:pPr lvl="0" algn="just"/>
-                <a:endParaRPr lang="fr-FR" sz="1000" b="1" dirty="0" smtClean="0">
+                <a:endParaRPr lang="fr-FR" sz="900" b="1" dirty="0">
+                  <a:solidFill>
+                    <a:prstClr val="black"/>
+                  </a:solidFill>
+                  <a:latin typeface="Arial" panose="020B0604020202020204" pitchFamily="34" charset="0"/>
+                  <a:cs typeface="Arial" panose="020B0604020202020204" pitchFamily="34" charset="0"/>
+                </a:endParaRPr>
+              </a:p>
+              <a:p>
+                <a:pPr lvl="0" algn="just"/>
+                <a:endParaRPr lang="fr-FR" sz="700" b="1" dirty="0" smtClean="0">
                   <a:solidFill>
                     <a:prstClr val="black"/>
                   </a:solidFill>
@@ -6115,7 +6144,27 @@
                     <a:latin typeface="Arial" panose="020B0604020202020204" pitchFamily="34" charset="0"/>
                     <a:cs typeface="Arial" panose="020B0604020202020204" pitchFamily="34" charset="0"/>
                   </a:rPr>
-                  <a:t>, un puzzle 5x5 à 6 pièces de géométrie non triviale est résolu en 15 000 itérations en moyenne. Ce qui est satisfaisant puisqu’il y a plus d’un milliard de possibilités.</a:t>
+                  <a:t>, un puzzle 5x5 à 6 pièces de géométrie non triviale est résolu en </a:t>
+                </a:r>
+                <a:r>
+                  <a:rPr lang="fr-FR" sz="1000" dirty="0" smtClean="0">
+                    <a:solidFill>
+                      <a:prstClr val="black"/>
+                    </a:solidFill>
+                    <a:latin typeface="Arial" panose="020B0604020202020204" pitchFamily="34" charset="0"/>
+                    <a:cs typeface="Arial" panose="020B0604020202020204" pitchFamily="34" charset="0"/>
+                  </a:rPr>
+                  <a:t>13 500 </a:t>
+                </a:r>
+                <a:r>
+                  <a:rPr lang="fr-FR" sz="1000" dirty="0" smtClean="0">
+                    <a:solidFill>
+                      <a:prstClr val="black"/>
+                    </a:solidFill>
+                    <a:latin typeface="Arial" panose="020B0604020202020204" pitchFamily="34" charset="0"/>
+                    <a:cs typeface="Arial" panose="020B0604020202020204" pitchFamily="34" charset="0"/>
+                  </a:rPr>
+                  <a:t>itérations en moyenne. Ce qui est satisfaisant puisqu’il y a plus d’un milliard de possibilités.</a:t>
                 </a:r>
                 <a:endParaRPr lang="fr-FR" sz="1000" dirty="0">
                   <a:solidFill>
@@ -6263,7 +6312,7 @@
             <p:spPr>
               <a:xfrm>
                 <a:off x="3721053" y="1367656"/>
-                <a:ext cx="3249706" cy="10941457"/>
+                <a:ext cx="3249706" cy="11141512"/>
               </a:xfrm>
               <a:prstGeom prst="rect">
                 <a:avLst/>
@@ -6271,9 +6320,14 @@
               <a:blipFill rotWithShape="0">
                 <a:blip r:embed="rId9"/>
                 <a:stretch>
-                  <a:fillRect t="-56"/>
+                  <a:fillRect/>
                 </a:stretch>
               </a:blipFill>
+              <a:ln>
+                <a:solidFill>
+                  <a:schemeClr val="tx1"/>
+                </a:solidFill>
+              </a:ln>
             </p:spPr>
             <p:txBody>
               <a:bodyPr/>
@@ -6290,8 +6344,8 @@
           </p:sp>
         </mc:Fallback>
       </mc:AlternateContent>
-      <mc:AlternateContent xmlns:mc="http://schemas.openxmlformats.org/markup-compatibility/2006">
-        <mc:Choice xmlns:a14="http://schemas.microsoft.com/office/drawing/2010/main" Requires="a14">
+      <mc:AlternateContent xmlns:mc="http://schemas.openxmlformats.org/markup-compatibility/2006" xmlns:a14="http://schemas.microsoft.com/office/drawing/2010/main">
+        <mc:Choice Requires="a14">
           <p:sp>
             <p:nvSpPr>
               <p:cNvPr id="77" name="TextBox 76"/>
@@ -6397,7 +6451,7 @@
             </p:txBody>
           </p:sp>
         </mc:Choice>
-        <mc:Fallback>
+        <mc:Fallback xmlns="">
           <p:sp>
             <p:nvSpPr>
               <p:cNvPr id="77" name="TextBox 76"/>
@@ -6458,7 +6512,7 @@
         </p:blipFill>
         <p:spPr>
           <a:xfrm>
-            <a:off x="3838131" y="2042378"/>
+            <a:off x="3838131" y="2032852"/>
             <a:ext cx="3015549" cy="1719831"/>
           </a:xfrm>
           <a:prstGeom prst="rect">
@@ -6518,7 +6572,7 @@
         </p:blipFill>
         <p:spPr>
           <a:xfrm>
-            <a:off x="3960394" y="7834315"/>
+            <a:off x="3960394" y="8096253"/>
             <a:ext cx="2771021" cy="1592580"/>
           </a:xfrm>
           <a:prstGeom prst="rect">
@@ -6539,7 +6593,7 @@
         </p:nvSpPr>
         <p:spPr>
           <a:xfrm>
-            <a:off x="3943145" y="9175880"/>
+            <a:off x="3943145" y="9437818"/>
             <a:ext cx="2866476" cy="246221"/>
           </a:xfrm>
           <a:prstGeom prst="rect">
@@ -6559,6 +6613,277 @@
               <a:t>Heuristique d’optimisation des paramètres a et b</a:t>
             </a:r>
             <a:endParaRPr lang="fr-FR" sz="1000" i="1" dirty="0"/>
+          </a:p>
+        </p:txBody>
+      </p:sp>
+      <p:sp>
+        <p:nvSpPr>
+          <p:cNvPr id="28" name="ZoneTexte 18"/>
+          <p:cNvSpPr txBox="1"/>
+          <p:nvPr/>
+        </p:nvSpPr>
+        <p:spPr>
+          <a:xfrm>
+            <a:off x="7192558" y="6205004"/>
+            <a:ext cx="3253032" cy="3693319"/>
+          </a:xfrm>
+          <a:prstGeom prst="rect">
+            <a:avLst/>
+          </a:prstGeom>
+          <a:noFill/>
+          <a:ln>
+            <a:solidFill>
+              <a:schemeClr val="tx1"/>
+            </a:solidFill>
+          </a:ln>
+        </p:spPr>
+        <p:txBody>
+          <a:bodyPr wrap="square" rtlCol="0">
+            <a:spAutoFit/>
+          </a:bodyPr>
+          <a:lstStyle/>
+          <a:p>
+            <a:pPr algn="just"/>
+            <a:r>
+              <a:rPr lang="fr-FR" sz="1100" b="1" dirty="0" smtClean="0">
+                <a:uFill>
+                  <a:solidFill>
+                    <a:srgbClr val="FF0000"/>
+                  </a:solidFill>
+                </a:uFill>
+                <a:latin typeface="Arial" panose="020B0604020202020204" pitchFamily="34" charset="0"/>
+                <a:cs typeface="Arial" panose="020B0604020202020204" pitchFamily="34" charset="0"/>
+              </a:rPr>
+              <a:t>    </a:t>
+            </a:r>
+            <a:r>
+              <a:rPr lang="fr-FR" sz="1200" b="1" u="sng" dirty="0" smtClean="0">
+                <a:uFill>
+                  <a:solidFill>
+                    <a:srgbClr val="FF0000"/>
+                  </a:solidFill>
+                </a:uFill>
+                <a:latin typeface="Arial" panose="020B0604020202020204" pitchFamily="34" charset="0"/>
+                <a:cs typeface="Arial" panose="020B0604020202020204" pitchFamily="34" charset="0"/>
+              </a:rPr>
+              <a:t>III – Méthode déterministe</a:t>
+            </a:r>
+          </a:p>
+          <a:p>
+            <a:pPr algn="just"/>
+            <a:endParaRPr lang="fr-FR" sz="700" b="1" u="sng" dirty="0" smtClean="0">
+              <a:latin typeface="Arial" panose="020B0604020202020204" pitchFamily="34" charset="0"/>
+              <a:cs typeface="Arial" panose="020B0604020202020204" pitchFamily="34" charset="0"/>
+            </a:endParaRPr>
+          </a:p>
+          <a:p>
+            <a:pPr algn="just"/>
+            <a:r>
+              <a:rPr lang="fr-FR" sz="1100" b="1" u="sng" dirty="0" smtClean="0">
+                <a:latin typeface="Arial" panose="020B0604020202020204" pitchFamily="34" charset="0"/>
+                <a:cs typeface="Arial" panose="020B0604020202020204" pitchFamily="34" charset="0"/>
+              </a:rPr>
+              <a:t>1- Objectif :</a:t>
+            </a:r>
+          </a:p>
+          <a:p>
+            <a:pPr algn="just"/>
+            <a:r>
+              <a:rPr lang="fr-FR" sz="500" b="1" u="sng" dirty="0" smtClean="0">
+                <a:latin typeface="Arial" panose="020B0604020202020204" pitchFamily="34" charset="0"/>
+                <a:cs typeface="Arial" panose="020B0604020202020204" pitchFamily="34" charset="0"/>
+              </a:rPr>
+              <a:t> </a:t>
+            </a:r>
+            <a:endParaRPr lang="fr-FR" sz="400" b="1" u="sng" dirty="0" smtClean="0">
+              <a:latin typeface="Arial" panose="020B0604020202020204" pitchFamily="34" charset="0"/>
+              <a:cs typeface="Arial" panose="020B0604020202020204" pitchFamily="34" charset="0"/>
+            </a:endParaRPr>
+          </a:p>
+          <a:p>
+            <a:pPr algn="just"/>
+            <a:r>
+              <a:rPr lang="fr-FR" sz="900" dirty="0" smtClean="0">
+                <a:latin typeface="Arial" panose="020B0604020202020204" pitchFamily="34" charset="0"/>
+                <a:cs typeface="Arial" panose="020B0604020202020204" pitchFamily="34" charset="0"/>
+              </a:rPr>
+              <a:t>    </a:t>
+            </a:r>
+            <a:r>
+              <a:rPr lang="fr-FR" sz="1000" dirty="0" smtClean="0">
+                <a:latin typeface="Arial" panose="020B0604020202020204" pitchFamily="34" charset="0"/>
+                <a:cs typeface="Arial" panose="020B0604020202020204" pitchFamily="34" charset="0"/>
+              </a:rPr>
+              <a:t>Le but de ce projet est de résoudre un puzzle spécifique, grâce à l’implémentation de deux algorithmes abordant le problème de façon différentes. La première méthode est probabiliste et la deuxième déterministe. Il est couplé avec le projet du cours de Développement Logiciel, que nous évoquerons plus succinctement.</a:t>
+            </a:r>
+          </a:p>
+          <a:p>
+            <a:pPr algn="just"/>
+            <a:endParaRPr lang="fr-FR" sz="1000" dirty="0">
+              <a:latin typeface="Arial" panose="020B0604020202020204" pitchFamily="34" charset="0"/>
+              <a:cs typeface="Arial" panose="020B0604020202020204" pitchFamily="34" charset="0"/>
+            </a:endParaRPr>
+          </a:p>
+          <a:p>
+            <a:pPr algn="just"/>
+            <a:endParaRPr lang="fr-FR" sz="1000" dirty="0" smtClean="0">
+              <a:latin typeface="Arial" panose="020B0604020202020204" pitchFamily="34" charset="0"/>
+              <a:cs typeface="Arial" panose="020B0604020202020204" pitchFamily="34" charset="0"/>
+            </a:endParaRPr>
+          </a:p>
+          <a:p>
+            <a:pPr algn="just"/>
+            <a:endParaRPr lang="fr-FR" sz="1000" dirty="0" smtClean="0">
+              <a:latin typeface="Arial" panose="020B0604020202020204" pitchFamily="34" charset="0"/>
+              <a:cs typeface="Arial" panose="020B0604020202020204" pitchFamily="34" charset="0"/>
+            </a:endParaRPr>
+          </a:p>
+          <a:p>
+            <a:pPr algn="just"/>
+            <a:r>
+              <a:rPr lang="fr-FR" sz="1100" b="1" dirty="0" smtClean="0">
+                <a:uFill>
+                  <a:solidFill>
+                    <a:srgbClr val="FF0000"/>
+                  </a:solidFill>
+                </a:uFill>
+                <a:latin typeface="Arial" panose="020B0604020202020204" pitchFamily="34" charset="0"/>
+                <a:cs typeface="Arial" panose="020B0604020202020204" pitchFamily="34" charset="0"/>
+              </a:rPr>
+              <a:t>    </a:t>
+            </a:r>
+            <a:r>
+              <a:rPr lang="fr-FR" sz="1100" b="1" u="sng" dirty="0" smtClean="0">
+                <a:uFill>
+                  <a:solidFill>
+                    <a:srgbClr val="FF0000"/>
+                  </a:solidFill>
+                </a:uFill>
+                <a:latin typeface="Arial" panose="020B0604020202020204" pitchFamily="34" charset="0"/>
+                <a:cs typeface="Arial" panose="020B0604020202020204" pitchFamily="34" charset="0"/>
+              </a:rPr>
+              <a:t>IV </a:t>
+            </a:r>
+            <a:r>
+              <a:rPr lang="fr-FR" sz="1100" b="1" u="sng" dirty="0">
+                <a:uFill>
+                  <a:solidFill>
+                    <a:srgbClr val="FF0000"/>
+                  </a:solidFill>
+                </a:uFill>
+                <a:latin typeface="Arial" panose="020B0604020202020204" pitchFamily="34" charset="0"/>
+                <a:cs typeface="Arial" panose="020B0604020202020204" pitchFamily="34" charset="0"/>
+              </a:rPr>
+              <a:t>– </a:t>
+            </a:r>
+            <a:r>
+              <a:rPr lang="fr-FR" sz="1100" b="1" u="sng" dirty="0" smtClean="0">
+                <a:uFill>
+                  <a:solidFill>
+                    <a:srgbClr val="FF0000"/>
+                  </a:solidFill>
+                </a:uFill>
+                <a:latin typeface="Arial" panose="020B0604020202020204" pitchFamily="34" charset="0"/>
+                <a:cs typeface="Arial" panose="020B0604020202020204" pitchFamily="34" charset="0"/>
+              </a:rPr>
+              <a:t>Bibliographie</a:t>
+            </a:r>
+          </a:p>
+          <a:p>
+            <a:pPr algn="just"/>
+            <a:endParaRPr lang="fr-FR" sz="1100" b="1" u="sng" dirty="0">
+              <a:uFill>
+                <a:solidFill>
+                  <a:srgbClr val="FF0000"/>
+                </a:solidFill>
+              </a:uFill>
+              <a:latin typeface="Arial" panose="020B0604020202020204" pitchFamily="34" charset="0"/>
+              <a:cs typeface="Arial" panose="020B0604020202020204" pitchFamily="34" charset="0"/>
+            </a:endParaRPr>
+          </a:p>
+          <a:p>
+            <a:pPr algn="just"/>
+            <a:endParaRPr lang="fr-FR" sz="1100" b="1" u="sng" dirty="0" smtClean="0">
+              <a:uFill>
+                <a:solidFill>
+                  <a:srgbClr val="FF0000"/>
+                </a:solidFill>
+              </a:uFill>
+              <a:latin typeface="Arial" panose="020B0604020202020204" pitchFamily="34" charset="0"/>
+              <a:cs typeface="Arial" panose="020B0604020202020204" pitchFamily="34" charset="0"/>
+            </a:endParaRPr>
+          </a:p>
+          <a:p>
+            <a:pPr algn="just"/>
+            <a:endParaRPr lang="fr-FR" sz="1100" b="1" u="sng" dirty="0">
+              <a:uFill>
+                <a:solidFill>
+                  <a:srgbClr val="FF0000"/>
+                </a:solidFill>
+              </a:uFill>
+              <a:latin typeface="Arial" panose="020B0604020202020204" pitchFamily="34" charset="0"/>
+              <a:cs typeface="Arial" panose="020B0604020202020204" pitchFamily="34" charset="0"/>
+            </a:endParaRPr>
+          </a:p>
+          <a:p>
+            <a:pPr algn="just"/>
+            <a:endParaRPr lang="fr-FR" sz="1100" b="1" u="sng" dirty="0" smtClean="0">
+              <a:uFill>
+                <a:solidFill>
+                  <a:srgbClr val="FF0000"/>
+                </a:solidFill>
+              </a:uFill>
+              <a:latin typeface="Arial" panose="020B0604020202020204" pitchFamily="34" charset="0"/>
+              <a:cs typeface="Arial" panose="020B0604020202020204" pitchFamily="34" charset="0"/>
+            </a:endParaRPr>
+          </a:p>
+          <a:p>
+            <a:pPr algn="just"/>
+            <a:endParaRPr lang="fr-FR" sz="1100" b="1" u="sng" dirty="0">
+              <a:uFill>
+                <a:solidFill>
+                  <a:srgbClr val="FF0000"/>
+                </a:solidFill>
+              </a:uFill>
+              <a:latin typeface="Arial" panose="020B0604020202020204" pitchFamily="34" charset="0"/>
+              <a:cs typeface="Arial" panose="020B0604020202020204" pitchFamily="34" charset="0"/>
+            </a:endParaRPr>
+          </a:p>
+          <a:p>
+            <a:pPr algn="just"/>
+            <a:endParaRPr lang="fr-FR" sz="1100" b="1" u="sng" dirty="0" smtClean="0">
+              <a:uFill>
+                <a:solidFill>
+                  <a:srgbClr val="FF0000"/>
+                </a:solidFill>
+              </a:uFill>
+              <a:latin typeface="Arial" panose="020B0604020202020204" pitchFamily="34" charset="0"/>
+              <a:cs typeface="Arial" panose="020B0604020202020204" pitchFamily="34" charset="0"/>
+            </a:endParaRPr>
+          </a:p>
+          <a:p>
+            <a:pPr algn="just"/>
+            <a:endParaRPr lang="fr-FR" sz="1100" b="1" u="sng" dirty="0">
+              <a:uFill>
+                <a:solidFill>
+                  <a:srgbClr val="FF0000"/>
+                </a:solidFill>
+              </a:uFill>
+              <a:latin typeface="Arial" panose="020B0604020202020204" pitchFamily="34" charset="0"/>
+              <a:cs typeface="Arial" panose="020B0604020202020204" pitchFamily="34" charset="0"/>
+            </a:endParaRPr>
+          </a:p>
+          <a:p>
+            <a:pPr algn="just"/>
+            <a:endParaRPr lang="fr-FR" sz="1100" b="1" u="sng" dirty="0">
+              <a:uFill>
+                <a:solidFill>
+                  <a:srgbClr val="FF0000"/>
+                </a:solidFill>
+              </a:uFill>
+              <a:latin typeface="Arial" panose="020B0604020202020204" pitchFamily="34" charset="0"/>
+              <a:cs typeface="Arial" panose="020B0604020202020204" pitchFamily="34" charset="0"/>
+            </a:endParaRPr>
           </a:p>
         </p:txBody>
       </p:sp>

--- a/Poster_1.pptx
+++ b/Poster_1.pptx
@@ -2916,8 +2916,8 @@
           <a:chExt cx="0" cy="0"/>
         </a:xfrm>
       </p:grpSpPr>
-      <mc:AlternateContent xmlns:mc="http://schemas.openxmlformats.org/markup-compatibility/2006" xmlns:a14="http://schemas.microsoft.com/office/drawing/2010/main">
-        <mc:Choice Requires="a14">
+      <mc:AlternateContent xmlns:mc="http://schemas.openxmlformats.org/markup-compatibility/2006">
+        <mc:Choice xmlns:a14="http://schemas.microsoft.com/office/drawing/2010/main" Requires="a14">
           <p:sp>
             <p:nvSpPr>
               <p:cNvPr id="73" name="TextBox 72"/>
@@ -2926,13 +2926,18 @@
             </p:nvSpPr>
             <p:spPr>
               <a:xfrm>
-                <a:off x="369400" y="11974922"/>
-                <a:ext cx="3249706" cy="2323713"/>
+                <a:off x="271538" y="12051130"/>
+                <a:ext cx="3249706" cy="2169825"/>
               </a:xfrm>
               <a:prstGeom prst="rect">
                 <a:avLst/>
               </a:prstGeom>
               <a:noFill/>
+              <a:ln>
+                <a:solidFill>
+                  <a:schemeClr val="bg2"/>
+                </a:solidFill>
+              </a:ln>
             </p:spPr>
             <p:txBody>
               <a:bodyPr wrap="square" rtlCol="0">
@@ -2942,7 +2947,7 @@
               <a:p>
                 <a:pPr lvl="0" algn="just"/>
                 <a:r>
-                  <a:rPr lang="fr-FR" sz="1000" dirty="0" smtClean="0">
+                  <a:rPr lang="fr-FR" sz="900" dirty="0" smtClean="0">
                     <a:solidFill>
                       <a:prstClr val="black"/>
                     </a:solidFill>
@@ -2952,7 +2957,7 @@
                   <a:t>La convergence du recuit simulé est prouvée par l’algorithme de </a:t>
                 </a:r>
                 <a:r>
-                  <a:rPr lang="fr-FR" sz="1000" dirty="0" err="1" smtClean="0">
+                  <a:rPr lang="fr-FR" sz="900" dirty="0" err="1" smtClean="0">
                     <a:solidFill>
                       <a:prstClr val="black"/>
                     </a:solidFill>
@@ -2962,7 +2967,7 @@
                   <a:t>Metropolis</a:t>
                 </a:r>
                 <a:r>
-                  <a:rPr lang="fr-FR" sz="1000" dirty="0" smtClean="0">
+                  <a:rPr lang="fr-FR" sz="900" dirty="0" smtClean="0">
                     <a:solidFill>
                       <a:prstClr val="black"/>
                     </a:solidFill>
@@ -2972,7 +2977,7 @@
                   <a:t>-Hastings (</a:t>
                 </a:r>
                 <a:r>
-                  <a:rPr lang="fr-FR" sz="1000" dirty="0" err="1" smtClean="0">
+                  <a:rPr lang="fr-FR" sz="900" dirty="0" err="1" smtClean="0">
                     <a:solidFill>
                       <a:prstClr val="black"/>
                     </a:solidFill>
@@ -2982,7 +2987,7 @@
                   <a:t>c.f</a:t>
                 </a:r>
                 <a:r>
-                  <a:rPr lang="fr-FR" sz="1000" dirty="0" smtClean="0">
+                  <a:rPr lang="fr-FR" sz="900" dirty="0" smtClean="0">
                     <a:solidFill>
                       <a:prstClr val="black"/>
                     </a:solidFill>
@@ -2991,7 +2996,7 @@
                   </a:rPr>
                   <a:t>. [1])</a:t>
                 </a:r>
-                <a:endParaRPr lang="fr-FR" sz="1000" b="1" u="sng" dirty="0" smtClean="0">
+                <a:endParaRPr lang="fr-FR" sz="900" b="1" u="sng" dirty="0" smtClean="0">
                   <a:solidFill>
                     <a:prstClr val="black"/>
                   </a:solidFill>
@@ -3012,7 +3017,7 @@
               <a:p>
                 <a:pPr lvl="0" algn="just"/>
                 <a:r>
-                  <a:rPr lang="fr-FR" sz="1100" b="1" u="sng" dirty="0">
+                  <a:rPr lang="fr-FR" sz="1050" b="1" u="sng" dirty="0">
                     <a:solidFill>
                       <a:prstClr val="black"/>
                     </a:solidFill>
@@ -3022,7 +3027,7 @@
                   <a:t>2</a:t>
                 </a:r>
                 <a:r>
-                  <a:rPr lang="fr-FR" sz="1100" b="1" u="sng" dirty="0" smtClean="0">
+                  <a:rPr lang="fr-FR" sz="1050" b="1" u="sng" dirty="0" smtClean="0">
                     <a:solidFill>
                       <a:prstClr val="black"/>
                     </a:solidFill>
@@ -3031,7 +3036,7 @@
                   </a:rPr>
                   <a:t>- La mesure de Gibbs</a:t>
                 </a:r>
-                <a:endParaRPr lang="fr-FR" sz="1100" b="1" u="sng" dirty="0">
+                <a:endParaRPr lang="fr-FR" sz="1050" b="1" u="sng" dirty="0">
                   <a:solidFill>
                     <a:prstClr val="black"/>
                   </a:solidFill>
@@ -3062,7 +3067,7 @@
               <a:p>
                 <a:pPr lvl="0" algn="just"/>
                 <a:r>
-                  <a:rPr lang="fr-FR" sz="900" dirty="0">
+                  <a:rPr lang="fr-FR" sz="800" dirty="0">
                     <a:solidFill>
                       <a:prstClr val="black"/>
                     </a:solidFill>
@@ -3072,7 +3077,7 @@
                   <a:t>    </a:t>
                 </a:r>
                 <a:r>
-                  <a:rPr lang="fr-FR" sz="1000" dirty="0" smtClean="0">
+                  <a:rPr lang="fr-FR" sz="900" dirty="0" smtClean="0">
                     <a:solidFill>
                       <a:prstClr val="black"/>
                     </a:solidFill>
@@ -3084,7 +3089,7 @@
                 <a14:m>
                   <m:oMath xmlns:m="http://schemas.openxmlformats.org/officeDocument/2006/math">
                     <m:r>
-                      <a:rPr lang="fr-FR" sz="1000" b="0" i="1" smtClean="0">
+                      <a:rPr lang="fr-FR" sz="900" b="0" i="1" smtClean="0">
                         <a:solidFill>
                           <a:prstClr val="black"/>
                         </a:solidFill>
@@ -3096,7 +3101,7 @@
                   </m:oMath>
                 </a14:m>
                 <a:r>
-                  <a:rPr lang="fr-FR" sz="1000" dirty="0" smtClean="0">
+                  <a:rPr lang="fr-FR" sz="900" dirty="0" smtClean="0">
                     <a:solidFill>
                       <a:prstClr val="black"/>
                     </a:solidFill>
@@ -3108,7 +3113,7 @@
                 <a14:m>
                   <m:oMath xmlns:m="http://schemas.openxmlformats.org/officeDocument/2006/math">
                     <m:r>
-                      <a:rPr lang="fr-FR" sz="1000" i="1" smtClean="0">
+                      <a:rPr lang="fr-FR" sz="900" i="1" smtClean="0">
                         <a:solidFill>
                           <a:prstClr val="black"/>
                         </a:solidFill>
@@ -3120,7 +3125,7 @@
                   </m:oMath>
                 </a14:m>
                 <a:r>
-                  <a:rPr lang="fr-FR" sz="1000" dirty="0" smtClean="0">
+                  <a:rPr lang="fr-FR" sz="900" dirty="0" smtClean="0">
                     <a:solidFill>
                       <a:prstClr val="black"/>
                     </a:solidFill>
@@ -3134,7 +3139,7 @@
                     <m:sSup>
                       <m:sSupPr>
                         <m:ctrlPr>
-                          <a:rPr lang="fr-FR" sz="1000" i="1">
+                          <a:rPr lang="fr-FR" sz="900" i="1">
                             <a:solidFill>
                               <a:prstClr val="black"/>
                             </a:solidFill>
@@ -3145,7 +3150,7 @@
                       </m:sSupPr>
                       <m:e>
                         <m:r>
-                          <a:rPr lang="fr-FR" sz="1000" i="1">
+                          <a:rPr lang="fr-FR" sz="900" i="1">
                             <a:solidFill>
                               <a:prstClr val="black"/>
                             </a:solidFill>
@@ -3157,7 +3162,7 @@
                       </m:e>
                       <m:sup>
                         <m:r>
-                          <a:rPr lang="fr-FR" sz="1000" i="1">
+                          <a:rPr lang="fr-FR" sz="900" i="1">
                             <a:solidFill>
                               <a:prstClr val="black"/>
                             </a:solidFill>
@@ -3171,7 +3176,7 @@
                   </m:oMath>
                 </a14:m>
                 <a:r>
-                  <a:rPr lang="fr-FR" sz="1000" dirty="0" smtClean="0">
+                  <a:rPr lang="fr-FR" sz="900" dirty="0" smtClean="0">
                     <a:solidFill>
                       <a:prstClr val="black"/>
                     </a:solidFill>
@@ -3204,7 +3209,7 @@
               <a:p>
                 <a:pPr lvl="0" algn="just"/>
                 <a:r>
-                  <a:rPr lang="fr-FR" sz="1000" dirty="0" smtClean="0">
+                  <a:rPr lang="fr-FR" sz="900" dirty="0" smtClean="0">
                     <a:solidFill>
                       <a:prstClr val="black"/>
                     </a:solidFill>
@@ -3216,7 +3221,7 @@
                 <a14:m>
                   <m:oMath xmlns:m="http://schemas.openxmlformats.org/officeDocument/2006/math">
                     <m:r>
-                      <a:rPr lang="fr-FR" sz="1000" i="1" dirty="0">
+                      <a:rPr lang="fr-FR" sz="900" i="1" dirty="0">
                         <a:latin typeface="Cambria Math" panose="02040503050406030204" pitchFamily="18" charset="0"/>
                         <a:ea typeface="Cambria Math" panose="02040503050406030204" pitchFamily="18" charset="0"/>
                       </a:rPr>
@@ -3225,7 +3230,7 @@
                     <m:d>
                       <m:dPr>
                         <m:ctrlPr>
-                          <a:rPr lang="fr-FR" sz="1000" i="1" dirty="0" smtClean="0">
+                          <a:rPr lang="fr-FR" sz="900" i="1" dirty="0" smtClean="0">
                             <a:latin typeface="Cambria Math" panose="02040503050406030204" pitchFamily="18" charset="0"/>
                             <a:ea typeface="Cambria Math" panose="02040503050406030204" pitchFamily="18" charset="0"/>
                           </a:rPr>
@@ -3233,7 +3238,7 @@
                       </m:dPr>
                       <m:e>
                         <m:r>
-                          <a:rPr lang="fr-FR" sz="1000" i="1" dirty="0">
+                          <a:rPr lang="fr-FR" sz="900" i="1" dirty="0">
                             <a:latin typeface="Cambria Math" panose="02040503050406030204" pitchFamily="18" charset="0"/>
                             <a:ea typeface="Cambria Math" panose="02040503050406030204" pitchFamily="18" charset="0"/>
                           </a:rPr>
@@ -3244,7 +3249,7 @@
                   </m:oMath>
                 </a14:m>
                 <a:r>
-                  <a:rPr lang="fr-FR" sz="1000" dirty="0" smtClean="0">
+                  <a:rPr lang="fr-FR" sz="900" dirty="0" smtClean="0">
                     <a:solidFill>
                       <a:prstClr val="black"/>
                     </a:solidFill>
@@ -3256,7 +3261,7 @@
                 <a14:m>
                   <m:oMath xmlns:m="http://schemas.openxmlformats.org/officeDocument/2006/math">
                     <m:r>
-                      <a:rPr lang="fr-FR" sz="1000" i="1" dirty="0">
+                      <a:rPr lang="fr-FR" sz="900" i="1" dirty="0">
                         <a:latin typeface="Cambria Math" panose="02040503050406030204" pitchFamily="18" charset="0"/>
                         <a:ea typeface="Cambria Math" panose="02040503050406030204" pitchFamily="18" charset="0"/>
                       </a:rPr>
@@ -3265,7 +3270,7 @@
                     <m:d>
                       <m:dPr>
                         <m:ctrlPr>
-                          <a:rPr lang="fr-FR" sz="1000" i="1" dirty="0">
+                          <a:rPr lang="fr-FR" sz="900" i="1" dirty="0">
                             <a:latin typeface="Cambria Math" panose="02040503050406030204" pitchFamily="18" charset="0"/>
                             <a:ea typeface="Cambria Math" panose="02040503050406030204" pitchFamily="18" charset="0"/>
                           </a:rPr>
@@ -3273,7 +3278,7 @@
                       </m:dPr>
                       <m:e>
                         <m:r>
-                          <a:rPr lang="fr-FR" sz="1000" i="1" dirty="0">
+                          <a:rPr lang="fr-FR" sz="900" i="1" dirty="0">
                             <a:latin typeface="Cambria Math" panose="02040503050406030204" pitchFamily="18" charset="0"/>
                             <a:ea typeface="Cambria Math" panose="02040503050406030204" pitchFamily="18" charset="0"/>
                           </a:rPr>
@@ -3282,7 +3287,7 @@
                       </m:e>
                     </m:d>
                     <m:r>
-                      <a:rPr lang="fr-FR" sz="1000" b="0" i="1" dirty="0" smtClean="0">
+                      <a:rPr lang="fr-FR" sz="900" b="0" i="1" dirty="0" smtClean="0">
                         <a:latin typeface="Cambria Math" panose="02040503050406030204" pitchFamily="18" charset="0"/>
                         <a:ea typeface="Cambria Math" panose="02040503050406030204" pitchFamily="18" charset="0"/>
                       </a:rPr>
@@ -3291,7 +3296,7 @@
                   </m:oMath>
                 </a14:m>
                 <a:r>
-                  <a:rPr lang="fr-FR" sz="1000" dirty="0" smtClean="0">
+                  <a:rPr lang="fr-FR" sz="900" dirty="0" smtClean="0">
                     <a:solidFill>
                       <a:prstClr val="black"/>
                     </a:solidFill>
@@ -3303,7 +3308,7 @@
                 <a14:m>
                   <m:oMath xmlns:m="http://schemas.openxmlformats.org/officeDocument/2006/math">
                     <m:r>
-                      <a:rPr lang="fr-FR" sz="1000" i="1" dirty="0">
+                      <a:rPr lang="fr-FR" sz="900" i="1" dirty="0">
                         <a:latin typeface="Cambria Math" panose="02040503050406030204" pitchFamily="18" charset="0"/>
                         <a:ea typeface="Cambria Math" panose="02040503050406030204" pitchFamily="18" charset="0"/>
                       </a:rPr>
@@ -3312,7 +3317,7 @@
                     <m:d>
                       <m:dPr>
                         <m:ctrlPr>
-                          <a:rPr lang="fr-FR" sz="1000" i="1" dirty="0">
+                          <a:rPr lang="fr-FR" sz="900" i="1" dirty="0">
                             <a:latin typeface="Cambria Math" panose="02040503050406030204" pitchFamily="18" charset="0"/>
                             <a:ea typeface="Cambria Math" panose="02040503050406030204" pitchFamily="18" charset="0"/>
                           </a:rPr>
@@ -3320,7 +3325,7 @@
                       </m:dPr>
                       <m:e>
                         <m:r>
-                          <a:rPr lang="fr-FR" sz="1000" i="1" dirty="0">
+                          <a:rPr lang="fr-FR" sz="900" i="1" dirty="0">
                             <a:latin typeface="Cambria Math" panose="02040503050406030204" pitchFamily="18" charset="0"/>
                             <a:ea typeface="Cambria Math" panose="02040503050406030204" pitchFamily="18" charset="0"/>
                           </a:rPr>
@@ -3331,7 +3336,7 @@
                   </m:oMath>
                 </a14:m>
                 <a:r>
-                  <a:rPr lang="fr-FR" sz="1000" dirty="0" smtClean="0">
+                  <a:rPr lang="fr-FR" sz="900" dirty="0" smtClean="0">
                     <a:solidFill>
                       <a:prstClr val="black"/>
                     </a:solidFill>
@@ -3343,7 +3348,7 @@
                 <a14:m>
                   <m:oMath xmlns:m="http://schemas.openxmlformats.org/officeDocument/2006/math">
                     <m:r>
-                      <a:rPr lang="fr-FR" sz="1000" i="1" dirty="0">
+                      <a:rPr lang="fr-FR" sz="900" i="1" dirty="0">
                         <a:latin typeface="Cambria Math" panose="02040503050406030204" pitchFamily="18" charset="0"/>
                         <a:ea typeface="Cambria Math" panose="02040503050406030204" pitchFamily="18" charset="0"/>
                       </a:rPr>
@@ -3352,7 +3357,7 @@
                     <m:d>
                       <m:dPr>
                         <m:ctrlPr>
-                          <a:rPr lang="fr-FR" sz="1000" i="1" dirty="0">
+                          <a:rPr lang="fr-FR" sz="900" i="1" dirty="0">
                             <a:latin typeface="Cambria Math" panose="02040503050406030204" pitchFamily="18" charset="0"/>
                             <a:ea typeface="Cambria Math" panose="02040503050406030204" pitchFamily="18" charset="0"/>
                           </a:rPr>
@@ -3360,7 +3365,7 @@
                       </m:dPr>
                       <m:e>
                         <m:r>
-                          <a:rPr lang="fr-FR" sz="1000" i="1" dirty="0">
+                          <a:rPr lang="fr-FR" sz="900" i="1" dirty="0">
                             <a:latin typeface="Cambria Math" panose="02040503050406030204" pitchFamily="18" charset="0"/>
                             <a:ea typeface="Cambria Math" panose="02040503050406030204" pitchFamily="18" charset="0"/>
                           </a:rPr>
@@ -3371,7 +3376,7 @@
                   </m:oMath>
                 </a14:m>
                 <a:r>
-                  <a:rPr lang="fr-FR" sz="1000" dirty="0" smtClean="0">
+                  <a:rPr lang="fr-FR" sz="900" dirty="0" smtClean="0">
                     <a:solidFill>
                       <a:prstClr val="black"/>
                     </a:solidFill>
@@ -3384,7 +3389,7 @@
             </p:txBody>
           </p:sp>
         </mc:Choice>
-        <mc:Fallback xmlns="">
+        <mc:Fallback>
           <p:sp>
             <p:nvSpPr>
               <p:cNvPr id="73" name="TextBox 72"/>
@@ -3395,8 +3400,8 @@
             </p:nvSpPr>
             <p:spPr>
               <a:xfrm>
-                <a:off x="369400" y="11974922"/>
-                <a:ext cx="3249706" cy="2323713"/>
+                <a:off x="271538" y="12051130"/>
+                <a:ext cx="3249706" cy="2169825"/>
               </a:xfrm>
               <a:prstGeom prst="rect">
                 <a:avLst/>
@@ -3404,9 +3409,14 @@
               <a:blipFill rotWithShape="0">
                 <a:blip r:embed="rId2"/>
                 <a:stretch>
-                  <a:fillRect b="-262"/>
+                  <a:fillRect/>
                 </a:stretch>
               </a:blipFill>
+              <a:ln>
+                <a:solidFill>
+                  <a:schemeClr val="bg2"/>
+                </a:solidFill>
+              </a:ln>
             </p:spPr>
             <p:txBody>
               <a:bodyPr/>
@@ -3445,7 +3455,7 @@
         </p:blipFill>
         <p:spPr>
           <a:xfrm>
-            <a:off x="747937" y="5306267"/>
+            <a:off x="766372" y="6081287"/>
             <a:ext cx="2238048" cy="1409932"/>
           </a:xfrm>
           <a:prstGeom prst="rect">
@@ -3503,7 +3513,7 @@
         <p:spPr>
           <a:xfrm>
             <a:off x="260511" y="1366920"/>
-            <a:ext cx="3253032" cy="4093428"/>
+            <a:ext cx="3253032" cy="1454244"/>
           </a:xfrm>
           <a:prstGeom prst="rect">
             <a:avLst/>
@@ -3511,7 +3521,7 @@
           <a:noFill/>
           <a:ln>
             <a:solidFill>
-              <a:schemeClr val="tx1"/>
+              <a:schemeClr val="bg2"/>
             </a:solidFill>
           </a:ln>
         </p:spPr>
@@ -3569,7 +3579,7 @@
           <a:p>
             <a:pPr algn="just"/>
             <a:r>
-              <a:rPr lang="fr-FR" sz="1100" b="1" u="sng" dirty="0" smtClean="0">
+              <a:rPr lang="fr-FR" sz="1050" b="1" u="sng" dirty="0" smtClean="0">
                 <a:latin typeface="Arial" panose="020B0604020202020204" pitchFamily="34" charset="0"/>
                 <a:cs typeface="Arial" panose="020B0604020202020204" pitchFamily="34" charset="0"/>
               </a:rPr>
@@ -3597,130 +3607,52 @@
                 <a:latin typeface="Arial" panose="020B0604020202020204" pitchFamily="34" charset="0"/>
                 <a:cs typeface="Arial" panose="020B0604020202020204" pitchFamily="34" charset="0"/>
               </a:rPr>
-              <a:t>    </a:t>
-            </a:r>
-            <a:r>
-              <a:rPr lang="fr-FR" sz="1000" dirty="0" smtClean="0">
+              <a:t>    Le but de ce projet est de résoudre un </a:t>
+            </a:r>
+            <a:r>
+              <a:rPr lang="fr-FR" sz="900" dirty="0" smtClean="0">
                 <a:latin typeface="Arial" panose="020B0604020202020204" pitchFamily="34" charset="0"/>
                 <a:cs typeface="Arial" panose="020B0604020202020204" pitchFamily="34" charset="0"/>
               </a:rPr>
-              <a:t>Le but de ce projet est de résoudre un puzzle spécifique, grâce à l’implémentation de deux algorithmes abordant le problème de façon différentes. La première méthode est probabiliste et la deuxième déterministe. Il est couplé avec le projet du cours de Développement Logiciel, que nous évoquerons plus succinctement.</a:t>
-            </a:r>
-          </a:p>
-          <a:p>
-            <a:pPr algn="just"/>
-            <a:endParaRPr lang="fr-FR" sz="1000" dirty="0">
+              <a:t>puzzle tel que celui-ci dessous, en implémentant deux </a:t>
+            </a:r>
+            <a:r>
+              <a:rPr lang="fr-FR" sz="900" dirty="0" smtClean="0">
+                <a:latin typeface="Arial" panose="020B0604020202020204" pitchFamily="34" charset="0"/>
+                <a:cs typeface="Arial" panose="020B0604020202020204" pitchFamily="34" charset="0"/>
+              </a:rPr>
+              <a:t>algorithmes abordant le problème de façon </a:t>
+            </a:r>
+            <a:r>
+              <a:rPr lang="fr-FR" sz="900" dirty="0" smtClean="0">
+                <a:latin typeface="Arial" panose="020B0604020202020204" pitchFamily="34" charset="0"/>
+                <a:cs typeface="Arial" panose="020B0604020202020204" pitchFamily="34" charset="0"/>
+              </a:rPr>
+              <a:t>différentes: un probabiliste et un déterministe. </a:t>
+            </a:r>
+            <a:r>
+              <a:rPr lang="fr-FR" sz="900" dirty="0" smtClean="0">
+                <a:latin typeface="Arial" panose="020B0604020202020204" pitchFamily="34" charset="0"/>
+                <a:cs typeface="Arial" panose="020B0604020202020204" pitchFamily="34" charset="0"/>
+              </a:rPr>
+              <a:t>Il est couplé avec le projet du cours de Développement Logiciel</a:t>
+            </a:r>
+            <a:r>
+              <a:rPr lang="fr-FR" sz="900" dirty="0" smtClean="0">
+                <a:latin typeface="Arial" panose="020B0604020202020204" pitchFamily="34" charset="0"/>
+                <a:cs typeface="Arial" panose="020B0604020202020204" pitchFamily="34" charset="0"/>
+              </a:rPr>
+              <a:t>, dans le cadre duquel nous avons développé une interface graphique.</a:t>
+            </a:r>
+            <a:endParaRPr lang="fr-FR" sz="900" dirty="0" smtClean="0">
               <a:latin typeface="Arial" panose="020B0604020202020204" pitchFamily="34" charset="0"/>
               <a:cs typeface="Arial" panose="020B0604020202020204" pitchFamily="34" charset="0"/>
             </a:endParaRPr>
           </a:p>
-          <a:p>
-            <a:pPr algn="just"/>
-            <a:r>
-              <a:rPr lang="fr-FR" sz="1100" b="1" u="sng" dirty="0" smtClean="0">
-                <a:latin typeface="Arial" panose="020B0604020202020204" pitchFamily="34" charset="0"/>
-                <a:cs typeface="Arial" panose="020B0604020202020204" pitchFamily="34" charset="0"/>
-              </a:rPr>
-              <a:t>2- Cadre d’étude, présentation du puzzle:</a:t>
-            </a:r>
-          </a:p>
-          <a:p>
-            <a:pPr algn="just"/>
-            <a:endParaRPr lang="fr-FR" sz="400" b="1" u="sng" dirty="0" smtClean="0">
-              <a:latin typeface="Arial" panose="020B0604020202020204" pitchFamily="34" charset="0"/>
-              <a:cs typeface="Arial" panose="020B0604020202020204" pitchFamily="34" charset="0"/>
-            </a:endParaRPr>
-          </a:p>
-          <a:p>
-            <a:pPr algn="just"/>
-            <a:r>
-              <a:rPr lang="fr-FR" sz="1000" dirty="0" smtClean="0">
-                <a:latin typeface="Arial" panose="020B0604020202020204" pitchFamily="34" charset="0"/>
-                <a:cs typeface="Arial" panose="020B0604020202020204" pitchFamily="34" charset="0"/>
-              </a:rPr>
-              <a:t>    Le puzzle étudié est un puzzle bidimensionnel. Il s’agit d’un plateau carrée sur lequel le but est d’encastrer toutes les pièces. Il y a deux types de pièces: </a:t>
-            </a:r>
-          </a:p>
-          <a:p>
-            <a:pPr algn="just"/>
-            <a:r>
-              <a:rPr lang="fr-FR" sz="1000" dirty="0" smtClean="0">
-                <a:latin typeface="Arial" panose="020B0604020202020204" pitchFamily="34" charset="0"/>
-                <a:cs typeface="Arial" panose="020B0604020202020204" pitchFamily="34" charset="0"/>
-              </a:rPr>
-              <a:t>- Un cylindre, qui a pour caractéristique de ne pas pouvoir être déplacé au cours de la résolution. On choisit de le placer avant de le résoudre.</a:t>
-            </a:r>
-          </a:p>
-          <a:p>
-            <a:pPr algn="just"/>
-            <a:r>
-              <a:rPr lang="fr-FR" sz="1000" dirty="0" smtClean="0">
-                <a:latin typeface="Arial" panose="020B0604020202020204" pitchFamily="34" charset="0"/>
-                <a:cs typeface="Arial" panose="020B0604020202020204" pitchFamily="34" charset="0"/>
-              </a:rPr>
-              <a:t>- Les autres pièces sont des </a:t>
-            </a:r>
-            <a:r>
-              <a:rPr lang="fr-FR" sz="1000" b="1" dirty="0" smtClean="0">
-                <a:latin typeface="Arial" panose="020B0604020202020204" pitchFamily="34" charset="0"/>
-                <a:cs typeface="Arial" panose="020B0604020202020204" pitchFamily="34" charset="0"/>
-              </a:rPr>
-              <a:t>polyominos</a:t>
-            </a:r>
-            <a:r>
-              <a:rPr lang="fr-FR" sz="1000" dirty="0" smtClean="0">
-                <a:latin typeface="Arial" panose="020B0604020202020204" pitchFamily="34" charset="0"/>
-                <a:cs typeface="Arial" panose="020B0604020202020204" pitchFamily="34" charset="0"/>
-              </a:rPr>
-              <a:t>: une réunion de carrés unitaires ayant une arrête coïncidente au moins.</a:t>
-            </a:r>
-          </a:p>
-          <a:p>
-            <a:pPr algn="just"/>
-            <a:r>
-              <a:rPr lang="fr-FR" sz="1000" dirty="0" smtClean="0">
-                <a:latin typeface="Arial" panose="020B0604020202020204" pitchFamily="34" charset="0"/>
-                <a:cs typeface="Arial" panose="020B0604020202020204" pitchFamily="34" charset="0"/>
-              </a:rPr>
-              <a:t>Le puzzle qui nous a été présenté est de taille </a:t>
-            </a:r>
-            <a:r>
-              <a:rPr lang="fr-FR" sz="1000" i="1" dirty="0" smtClean="0">
-                <a:latin typeface="Arial" panose="020B0604020202020204" pitchFamily="34" charset="0"/>
-                <a:cs typeface="Arial" panose="020B0604020202020204" pitchFamily="34" charset="0"/>
-              </a:rPr>
-              <a:t>7x7</a:t>
-            </a:r>
-            <a:r>
-              <a:rPr lang="fr-FR" sz="1000" dirty="0" smtClean="0">
-                <a:latin typeface="Arial" panose="020B0604020202020204" pitchFamily="34" charset="0"/>
-                <a:cs typeface="Arial" panose="020B0604020202020204" pitchFamily="34" charset="0"/>
-              </a:rPr>
-              <a:t> et est représenté </a:t>
-            </a:r>
-            <a:r>
-              <a:rPr lang="fr-FR" sz="1000" dirty="0" smtClean="0">
-                <a:latin typeface="Arial" panose="020B0604020202020204" pitchFamily="34" charset="0"/>
-                <a:cs typeface="Arial" panose="020B0604020202020204" pitchFamily="34" charset="0"/>
-              </a:rPr>
-              <a:t>ci-dessous</a:t>
-            </a:r>
-            <a:r>
-              <a:rPr lang="fr-FR" sz="1000" dirty="0" smtClean="0">
-                <a:latin typeface="Arial" panose="020B0604020202020204" pitchFamily="34" charset="0"/>
-                <a:cs typeface="Arial" panose="020B0604020202020204" pitchFamily="34" charset="0"/>
-              </a:rPr>
-              <a:t>. Nous avons généralisé à d’autres tailles.</a:t>
-            </a:r>
-            <a:endParaRPr lang="fr-FR" sz="1000" dirty="0" smtClean="0">
-              <a:latin typeface="Arial" panose="020B0604020202020204" pitchFamily="34" charset="0"/>
-              <a:cs typeface="Arial" panose="020B0604020202020204" pitchFamily="34" charset="0"/>
-            </a:endParaRPr>
-          </a:p>
-        </p:txBody>
-      </p:sp>
-      <mc:AlternateContent xmlns:mc="http://schemas.openxmlformats.org/markup-compatibility/2006" xmlns:a14="http://schemas.microsoft.com/office/drawing/2010/main">
-        <mc:Choice Requires="a14">
+        </p:txBody>
+      </p:sp>
+      <mc:AlternateContent xmlns:mc="http://schemas.openxmlformats.org/markup-compatibility/2006">
+        <mc:Choice xmlns:a14="http://schemas.microsoft.com/office/drawing/2010/main" Requires="a14">
           <p:sp>
             <p:nvSpPr>
               <p:cNvPr id="27" name="TextBox 19"/>
@@ -3729,13 +3661,18 @@
             </p:nvSpPr>
             <p:spPr>
               <a:xfrm>
-                <a:off x="407963" y="6955848"/>
-                <a:ext cx="3214467" cy="3647152"/>
+                <a:off x="299076" y="7693098"/>
+                <a:ext cx="3214467" cy="3070071"/>
               </a:xfrm>
               <a:prstGeom prst="rect">
                 <a:avLst/>
               </a:prstGeom>
               <a:noFill/>
+              <a:ln>
+                <a:solidFill>
+                  <a:schemeClr val="bg2"/>
+                </a:solidFill>
+              </a:ln>
             </p:spPr>
             <p:txBody>
               <a:bodyPr wrap="square" rtlCol="0">
@@ -3800,13 +3737,13 @@
               <a:p>
                 <a:pPr algn="just"/>
                 <a:r>
-                  <a:rPr lang="fr-FR" sz="1100" b="1" u="sng" dirty="0" smtClean="0">
+                  <a:rPr lang="fr-FR" sz="1050" b="1" u="sng" dirty="0" smtClean="0">
                     <a:latin typeface="Arial" panose="020B0604020202020204" pitchFamily="34" charset="0"/>
                     <a:cs typeface="Arial" panose="020B0604020202020204" pitchFamily="34" charset="0"/>
                   </a:rPr>
                   <a:t>1- Algorithme du recuit simulé</a:t>
                 </a:r>
-                <a:endParaRPr lang="fr-FR" sz="1100" b="1" u="sng" dirty="0">
+                <a:endParaRPr lang="fr-FR" sz="1050" b="1" u="sng" dirty="0">
                   <a:latin typeface="Arial" panose="020B0604020202020204" pitchFamily="34" charset="0"/>
                   <a:cs typeface="Arial" panose="020B0604020202020204" pitchFamily="34" charset="0"/>
                 </a:endParaRPr>
@@ -3828,7 +3765,7 @@
               <a:p>
                 <a:pPr algn="just"/>
                 <a:r>
-                  <a:rPr lang="fr-FR" sz="1000" dirty="0" smtClean="0">
+                  <a:rPr lang="fr-FR" sz="900" dirty="0" smtClean="0">
                     <a:latin typeface="Arial" panose="020B0604020202020204" pitchFamily="34" charset="0"/>
                     <a:cs typeface="Arial" panose="020B0604020202020204" pitchFamily="34" charset="0"/>
                   </a:rPr>
@@ -3837,7 +3774,7 @@
                 <a14:m>
                   <m:oMath xmlns:m="http://schemas.openxmlformats.org/officeDocument/2006/math">
                     <m:r>
-                      <a:rPr lang="fr-FR" sz="1000" i="1">
+                      <a:rPr lang="fr-FR" sz="900" i="1">
                         <a:latin typeface="Cambria Math" panose="02040503050406030204" pitchFamily="18" charset="0"/>
                         <a:ea typeface="Cambria Math" panose="02040503050406030204" pitchFamily="18" charset="0"/>
                       </a:rPr>
@@ -3846,15 +3783,146 @@
                   </m:oMath>
                 </a14:m>
                 <a:r>
-                  <a:rPr lang="fr-FR" sz="1000" dirty="0" smtClean="0">
-                    <a:latin typeface="Arial" panose="020B0604020202020204" pitchFamily="34" charset="0"/>
-                    <a:cs typeface="Arial" panose="020B0604020202020204" pitchFamily="34" charset="0"/>
-                  </a:rPr>
-                  <a:t>) jusqu’à trouver une solution telle que les pièces ne se chevauchent pas. Mathématiquement, on modélise le problème de la façon suivante:</a:t>
+                  <a:rPr lang="fr-FR" sz="900" dirty="0" smtClean="0">
+                    <a:latin typeface="Arial" panose="020B0604020202020204" pitchFamily="34" charset="0"/>
+                    <a:cs typeface="Arial" panose="020B0604020202020204" pitchFamily="34" charset="0"/>
+                  </a:rPr>
+                  <a:t>) jusqu’à trouver une solution telle que les pièces ne se chevauchent pas. Mathématiquement, on modélise le problème de la façon suivante</a:t>
+                </a:r>
+                <a:r>
+                  <a:rPr lang="fr-FR" sz="900" dirty="0" smtClean="0">
+                    <a:latin typeface="Arial" panose="020B0604020202020204" pitchFamily="34" charset="0"/>
+                    <a:cs typeface="Arial" panose="020B0604020202020204" pitchFamily="34" charset="0"/>
+                  </a:rPr>
+                  <a:t>:</a:t>
                 </a:r>
               </a:p>
               <a:p>
                 <a:pPr algn="just"/>
+                <a:endParaRPr lang="fr-FR" sz="700" dirty="0">
+                  <a:latin typeface="Arial" panose="020B0604020202020204" pitchFamily="34" charset="0"/>
+                  <a:cs typeface="Arial" panose="020B0604020202020204" pitchFamily="34" charset="0"/>
+                </a:endParaRPr>
+              </a:p>
+              <a:p>
+                <a:pPr algn="just"/>
+                <a:endParaRPr lang="fr-FR" sz="700" dirty="0" smtClean="0">
+                  <a:latin typeface="Arial" panose="020B0604020202020204" pitchFamily="34" charset="0"/>
+                  <a:cs typeface="Arial" panose="020B0604020202020204" pitchFamily="34" charset="0"/>
+                </a:endParaRPr>
+              </a:p>
+              <a:p>
+                <a:pPr algn="just"/>
+                <a:endParaRPr lang="fr-FR" sz="700" dirty="0">
+                  <a:latin typeface="Arial" panose="020B0604020202020204" pitchFamily="34" charset="0"/>
+                  <a:cs typeface="Arial" panose="020B0604020202020204" pitchFamily="34" charset="0"/>
+                </a:endParaRPr>
+              </a:p>
+              <a:p>
+                <a:pPr algn="just"/>
+                <a:r>
+                  <a:rPr lang="fr-FR" sz="900" dirty="0" smtClean="0">
+                    <a:latin typeface="Arial" panose="020B0604020202020204" pitchFamily="34" charset="0"/>
+                    <a:cs typeface="Arial" panose="020B0604020202020204" pitchFamily="34" charset="0"/>
+                  </a:rPr>
+                  <a:t>Où  </a:t>
+                </a:r>
+                <a14:m>
+                  <m:oMath xmlns:m="http://schemas.openxmlformats.org/officeDocument/2006/math">
+                    <m:r>
+                      <a:rPr lang="fr-FR" sz="900" b="0" i="1" smtClean="0">
+                        <a:latin typeface="Cambria Math" panose="02040503050406030204" pitchFamily="18" charset="0"/>
+                      </a:rPr>
+                      <m:t>𝑉</m:t>
+                    </m:r>
+                    <m:r>
+                      <a:rPr lang="fr-FR" sz="900" i="1">
+                        <a:latin typeface="Cambria Math" panose="02040503050406030204" pitchFamily="18" charset="0"/>
+                      </a:rPr>
+                      <m:t>:</m:t>
+                    </m:r>
+                    <m:r>
+                      <a:rPr lang="fr-FR" sz="900" i="1">
+                        <a:latin typeface="Cambria Math" panose="02040503050406030204" pitchFamily="18" charset="0"/>
+                        <a:ea typeface="Cambria Math" panose="02040503050406030204" pitchFamily="18" charset="0"/>
+                      </a:rPr>
+                      <m:t>𝒞</m:t>
+                    </m:r>
+                    <m:r>
+                      <a:rPr lang="fr-FR" sz="900" i="1">
+                        <a:latin typeface="Cambria Math" panose="02040503050406030204" pitchFamily="18" charset="0"/>
+                      </a:rPr>
+                      <m:t>→ </m:t>
+                    </m:r>
+                    <m:r>
+                      <a:rPr lang="fr-FR" sz="900" i="1">
+                        <a:latin typeface="Cambria Math" panose="02040503050406030204" pitchFamily="18" charset="0"/>
+                        <a:ea typeface="Cambria Math" panose="02040503050406030204" pitchFamily="18" charset="0"/>
+                      </a:rPr>
+                      <m:t>ℕ</m:t>
+                    </m:r>
+                    <m:r>
+                      <a:rPr lang="fr-FR" sz="900">
+                        <a:latin typeface="Cambria Math" panose="02040503050406030204" pitchFamily="18" charset="0"/>
+                        <a:ea typeface="Cambria Math" panose="02040503050406030204" pitchFamily="18" charset="0"/>
+                      </a:rPr>
+                      <m:t>  </m:t>
+                    </m:r>
+                  </m:oMath>
+                </a14:m>
+                <a:r>
+                  <a:rPr lang="fr-FR" sz="900" dirty="0" smtClean="0">
+                    <a:latin typeface="Arial" panose="020B0604020202020204" pitchFamily="34" charset="0"/>
+                    <a:cs typeface="Arial" panose="020B0604020202020204" pitchFamily="34" charset="0"/>
+                  </a:rPr>
+                  <a:t> est </a:t>
+                </a:r>
+                <a:r>
+                  <a:rPr lang="fr-FR" sz="900" dirty="0">
+                    <a:latin typeface="Arial" panose="020B0604020202020204" pitchFamily="34" charset="0"/>
+                    <a:cs typeface="Arial" panose="020B0604020202020204" pitchFamily="34" charset="0"/>
+                  </a:rPr>
+                  <a:t>la fonction </a:t>
+                </a:r>
+                <a:r>
+                  <a:rPr lang="fr-FR" sz="900" b="1" dirty="0">
+                    <a:latin typeface="Arial" panose="020B0604020202020204" pitchFamily="34" charset="0"/>
+                    <a:cs typeface="Arial" panose="020B0604020202020204" pitchFamily="34" charset="0"/>
+                  </a:rPr>
+                  <a:t>potentiel</a:t>
+                </a:r>
+                <a:r>
+                  <a:rPr lang="fr-FR" sz="900" dirty="0">
+                    <a:latin typeface="Arial" panose="020B0604020202020204" pitchFamily="34" charset="0"/>
+                    <a:cs typeface="Arial" panose="020B0604020202020204" pitchFamily="34" charset="0"/>
+                  </a:rPr>
+                  <a:t>, comptant le nombre </a:t>
+                </a:r>
+                <a:r>
+                  <a:rPr lang="fr-FR" sz="900" dirty="0" smtClean="0">
+                    <a:latin typeface="Arial" panose="020B0604020202020204" pitchFamily="34" charset="0"/>
+                    <a:cs typeface="Arial" panose="020B0604020202020204" pitchFamily="34" charset="0"/>
+                  </a:rPr>
+                  <a:t>recouvrement dans la grille. Notons que quand le puzzle est faisable, alors le minimum de </a:t>
+                </a:r>
+                <a14:m>
+                  <m:oMath xmlns:m="http://schemas.openxmlformats.org/officeDocument/2006/math">
+                    <m:r>
+                      <a:rPr lang="fr-FR" sz="900" b="0" i="1" smtClean="0">
+                        <a:latin typeface="Cambria Math" panose="02040503050406030204" pitchFamily="18" charset="0"/>
+                        <a:cs typeface="Arial" panose="020B0604020202020204" pitchFamily="34" charset="0"/>
+                      </a:rPr>
+                      <m:t>𝑉</m:t>
+                    </m:r>
+                  </m:oMath>
+                </a14:m>
+                <a:r>
+                  <a:rPr lang="fr-FR" sz="900" dirty="0" smtClean="0">
+                    <a:latin typeface="Arial" panose="020B0604020202020204" pitchFamily="34" charset="0"/>
+                    <a:cs typeface="Arial" panose="020B0604020202020204" pitchFamily="34" charset="0"/>
+                  </a:rPr>
+                  <a:t> est 0.</a:t>
+                </a:r>
                 <a:endParaRPr lang="fr-FR" sz="900" dirty="0">
                   <a:latin typeface="Arial" panose="020B0604020202020204" pitchFamily="34" charset="0"/>
                   <a:cs typeface="Arial" panose="020B0604020202020204" pitchFamily="34" charset="0"/>
@@ -3862,141 +3930,17 @@
               </a:p>
               <a:p>
                 <a:pPr algn="just"/>
-                <a:endParaRPr lang="fr-FR" sz="900" dirty="0" smtClean="0">
-                  <a:latin typeface="Arial" panose="020B0604020202020204" pitchFamily="34" charset="0"/>
-                  <a:cs typeface="Arial" panose="020B0604020202020204" pitchFamily="34" charset="0"/>
-                </a:endParaRPr>
-              </a:p>
-              <a:p>
-                <a:pPr algn="just"/>
-                <a:endParaRPr lang="fr-FR" sz="600" dirty="0">
-                  <a:latin typeface="Arial" panose="020B0604020202020204" pitchFamily="34" charset="0"/>
-                  <a:cs typeface="Arial" panose="020B0604020202020204" pitchFamily="34" charset="0"/>
-                </a:endParaRPr>
-              </a:p>
-              <a:p>
-                <a:pPr algn="just"/>
-                <a:r>
-                  <a:rPr lang="fr-FR" sz="1000" dirty="0" smtClean="0">
-                    <a:latin typeface="Arial" panose="020B0604020202020204" pitchFamily="34" charset="0"/>
-                    <a:cs typeface="Arial" panose="020B0604020202020204" pitchFamily="34" charset="0"/>
-                  </a:rPr>
-                  <a:t>Où  </a:t>
+                <a:r>
+                  <a:rPr lang="fr-FR" sz="900" dirty="0" smtClean="0">
+                    <a:latin typeface="Arial" panose="020B0604020202020204" pitchFamily="34" charset="0"/>
+                    <a:cs typeface="Arial" panose="020B0604020202020204" pitchFamily="34" charset="0"/>
+                  </a:rPr>
+                  <a:t>Pour cela, on définit le graphe </a:t>
                 </a:r>
                 <a14:m>
                   <m:oMath xmlns:m="http://schemas.openxmlformats.org/officeDocument/2006/math">
                     <m:r>
-                      <a:rPr lang="fr-FR" sz="1000" b="0" i="1" smtClean="0">
-                        <a:latin typeface="Cambria Math" panose="02040503050406030204" pitchFamily="18" charset="0"/>
-                      </a:rPr>
-                      <m:t>𝑉</m:t>
-                    </m:r>
-                    <m:r>
-                      <a:rPr lang="fr-FR" sz="1000" i="1">
-                        <a:latin typeface="Cambria Math" panose="02040503050406030204" pitchFamily="18" charset="0"/>
-                      </a:rPr>
-                      <m:t>:</m:t>
-                    </m:r>
-                    <m:r>
-                      <a:rPr lang="fr-FR" sz="1000" i="1">
-                        <a:latin typeface="Cambria Math" panose="02040503050406030204" pitchFamily="18" charset="0"/>
-                        <a:ea typeface="Cambria Math" panose="02040503050406030204" pitchFamily="18" charset="0"/>
-                      </a:rPr>
-                      <m:t>𝒞</m:t>
-                    </m:r>
-                    <m:r>
-                      <a:rPr lang="fr-FR" sz="1000" i="1">
-                        <a:latin typeface="Cambria Math" panose="02040503050406030204" pitchFamily="18" charset="0"/>
-                      </a:rPr>
-                      <m:t>→ </m:t>
-                    </m:r>
-                    <m:r>
-                      <a:rPr lang="fr-FR" sz="1000" i="1">
-                        <a:latin typeface="Cambria Math" panose="02040503050406030204" pitchFamily="18" charset="0"/>
-                        <a:ea typeface="Cambria Math" panose="02040503050406030204" pitchFamily="18" charset="0"/>
-                      </a:rPr>
-                      <m:t>ℕ</m:t>
-                    </m:r>
-                    <m:r>
-                      <a:rPr lang="fr-FR" sz="1000">
-                        <a:latin typeface="Cambria Math" panose="02040503050406030204" pitchFamily="18" charset="0"/>
-                        <a:ea typeface="Cambria Math" panose="02040503050406030204" pitchFamily="18" charset="0"/>
-                      </a:rPr>
-                      <m:t>  </m:t>
-                    </m:r>
-                  </m:oMath>
-                </a14:m>
-                <a:r>
-                  <a:rPr lang="fr-FR" sz="1000" dirty="0" smtClean="0">
-                    <a:latin typeface="Arial" panose="020B0604020202020204" pitchFamily="34" charset="0"/>
-                    <a:cs typeface="Arial" panose="020B0604020202020204" pitchFamily="34" charset="0"/>
-                  </a:rPr>
-                  <a:t> est </a:t>
-                </a:r>
-                <a:r>
-                  <a:rPr lang="fr-FR" sz="1000" dirty="0">
-                    <a:latin typeface="Arial" panose="020B0604020202020204" pitchFamily="34" charset="0"/>
-                    <a:cs typeface="Arial" panose="020B0604020202020204" pitchFamily="34" charset="0"/>
-                  </a:rPr>
-                  <a:t>la fonction </a:t>
-                </a:r>
-                <a:r>
-                  <a:rPr lang="fr-FR" sz="1000" b="1" dirty="0">
-                    <a:latin typeface="Arial" panose="020B0604020202020204" pitchFamily="34" charset="0"/>
-                    <a:cs typeface="Arial" panose="020B0604020202020204" pitchFamily="34" charset="0"/>
-                  </a:rPr>
-                  <a:t>potentiel</a:t>
-                </a:r>
-                <a:r>
-                  <a:rPr lang="fr-FR" sz="1000" dirty="0">
-                    <a:latin typeface="Arial" panose="020B0604020202020204" pitchFamily="34" charset="0"/>
-                    <a:cs typeface="Arial" panose="020B0604020202020204" pitchFamily="34" charset="0"/>
-                  </a:rPr>
-                  <a:t>, comptant le nombre </a:t>
-                </a:r>
-                <a:r>
-                  <a:rPr lang="fr-FR" sz="1000" dirty="0" smtClean="0">
-                    <a:latin typeface="Arial" panose="020B0604020202020204" pitchFamily="34" charset="0"/>
-                    <a:cs typeface="Arial" panose="020B0604020202020204" pitchFamily="34" charset="0"/>
-                  </a:rPr>
-                  <a:t>recouvrement dans la grille. Notons que quand le puzzle est faisable, alors le minimum de </a:t>
-                </a:r>
-                <a14:m>
-                  <m:oMath xmlns:m="http://schemas.openxmlformats.org/officeDocument/2006/math">
-                    <m:r>
-                      <a:rPr lang="fr-FR" sz="1000" b="0" i="1" smtClean="0">
-                        <a:latin typeface="Cambria Math" panose="02040503050406030204" pitchFamily="18" charset="0"/>
-                        <a:cs typeface="Arial" panose="020B0604020202020204" pitchFamily="34" charset="0"/>
-                      </a:rPr>
-                      <m:t>𝑉</m:t>
-                    </m:r>
-                  </m:oMath>
-                </a14:m>
-                <a:r>
-                  <a:rPr lang="fr-FR" sz="1000" dirty="0" smtClean="0">
-                    <a:latin typeface="Arial" panose="020B0604020202020204" pitchFamily="34" charset="0"/>
-                    <a:cs typeface="Arial" panose="020B0604020202020204" pitchFamily="34" charset="0"/>
-                  </a:rPr>
-                  <a:t> est 0.</a:t>
-                </a:r>
-                <a:endParaRPr lang="fr-FR" sz="1000" dirty="0">
-                  <a:latin typeface="Arial" panose="020B0604020202020204" pitchFamily="34" charset="0"/>
-                  <a:cs typeface="Arial" panose="020B0604020202020204" pitchFamily="34" charset="0"/>
-                </a:endParaRPr>
-              </a:p>
-              <a:p>
-                <a:pPr algn="just"/>
-                <a:r>
-                  <a:rPr lang="fr-FR" sz="1000" dirty="0" smtClean="0">
-                    <a:latin typeface="Arial" panose="020B0604020202020204" pitchFamily="34" charset="0"/>
-                    <a:cs typeface="Arial" panose="020B0604020202020204" pitchFamily="34" charset="0"/>
-                  </a:rPr>
-                  <a:t>Pour cela, on définit le graphe </a:t>
-                </a:r>
-                <a14:m>
-                  <m:oMath xmlns:m="http://schemas.openxmlformats.org/officeDocument/2006/math">
-                    <m:r>
-                      <a:rPr lang="fr-FR" sz="1000" i="1">
+                      <a:rPr lang="fr-FR" sz="900" i="1">
                         <a:latin typeface="Cambria Math" panose="02040503050406030204" pitchFamily="18" charset="0"/>
                         <a:ea typeface="Cambria Math" panose="02040503050406030204" pitchFamily="18" charset="0"/>
                       </a:rPr>
@@ -4005,11 +3949,11 @@
                   </m:oMath>
                 </a14:m>
                 <a:r>
-                  <a:rPr lang="fr-FR" sz="1000" dirty="0" smtClean="0"/>
+                  <a:rPr lang="fr-FR" sz="900" dirty="0" smtClean="0"/>
                   <a:t> </a:t>
                 </a:r>
                 <a:r>
-                  <a:rPr lang="fr-FR" sz="1000" dirty="0" smtClean="0">
+                  <a:rPr lang="fr-FR" sz="900" dirty="0" smtClean="0">
                     <a:latin typeface="Arial" panose="020B0604020202020204" pitchFamily="34" charset="0"/>
                     <a:cs typeface="Arial" panose="020B0604020202020204" pitchFamily="34" charset="0"/>
                   </a:rPr>
@@ -4018,7 +3962,7 @@
                 <a14:m>
                   <m:oMath xmlns:m="http://schemas.openxmlformats.org/officeDocument/2006/math">
                     <m:r>
-                      <a:rPr lang="fr-FR" sz="1000" i="1">
+                      <a:rPr lang="fr-FR" sz="900" i="1">
                         <a:latin typeface="Cambria Math" panose="02040503050406030204" pitchFamily="18" charset="0"/>
                         <a:ea typeface="Cambria Math" panose="02040503050406030204" pitchFamily="18" charset="0"/>
                       </a:rPr>
@@ -4027,7 +3971,7 @@
                   </m:oMath>
                 </a14:m>
                 <a:r>
-                  <a:rPr lang="fr-FR" sz="1000" dirty="0" smtClean="0">
+                  <a:rPr lang="fr-FR" sz="900" dirty="0" smtClean="0">
                     <a:latin typeface="Arial" panose="020B0604020202020204" pitchFamily="34" charset="0"/>
                     <a:cs typeface="Arial" panose="020B0604020202020204" pitchFamily="34" charset="0"/>
                   </a:rPr>
@@ -4036,25 +3980,25 @@
                 <a14:m>
                   <m:oMath xmlns:m="http://schemas.openxmlformats.org/officeDocument/2006/math">
                     <m:r>
-                      <a:rPr lang="fr-FR" sz="1000" i="1">
+                      <a:rPr lang="fr-FR" sz="900" i="1">
                         <a:latin typeface="Cambria Math" panose="02040503050406030204" pitchFamily="18" charset="0"/>
                       </a:rPr>
                       <m:t>𝑉</m:t>
                     </m:r>
                     <m:r>
-                      <a:rPr lang="fr-FR" sz="1000" b="0" i="1" smtClean="0">
+                      <a:rPr lang="fr-FR" sz="900" b="0" i="1" smtClean="0">
                         <a:latin typeface="Cambria Math" panose="02040503050406030204" pitchFamily="18" charset="0"/>
                       </a:rPr>
                       <m:t>(</m:t>
                     </m:r>
                     <m:r>
-                      <a:rPr lang="fr-FR" sz="1000" b="0" i="1" smtClean="0">
+                      <a:rPr lang="fr-FR" sz="900" b="0" i="1" smtClean="0">
                         <a:latin typeface="Cambria Math" panose="02040503050406030204" pitchFamily="18" charset="0"/>
                       </a:rPr>
                       <m:t>𝑐</m:t>
                     </m:r>
                     <m:r>
-                      <a:rPr lang="fr-FR" sz="1000" b="0" i="1" smtClean="0">
+                      <a:rPr lang="fr-FR" sz="900" b="0" i="1" smtClean="0">
                         <a:latin typeface="Cambria Math" panose="02040503050406030204" pitchFamily="18" charset="0"/>
                       </a:rPr>
                       <m:t>)</m:t>
@@ -4062,28 +4006,28 @@
                   </m:oMath>
                 </a14:m>
                 <a:r>
-                  <a:rPr lang="fr-FR" sz="1000" dirty="0" smtClean="0">
+                  <a:rPr lang="fr-FR" sz="900" dirty="0" smtClean="0">
                     <a:latin typeface="Arial" panose="020B0604020202020204" pitchFamily="34" charset="0"/>
                     <a:cs typeface="Arial" panose="020B0604020202020204" pitchFamily="34" charset="0"/>
                   </a:rPr>
                   <a:t>. On choisit ensuite une </a:t>
                 </a:r>
                 <a:r>
-                  <a:rPr lang="fr-FR" sz="1000" b="1" dirty="0" smtClean="0">
+                  <a:rPr lang="fr-FR" sz="900" b="1" dirty="0" smtClean="0">
                     <a:latin typeface="Arial" panose="020B0604020202020204" pitchFamily="34" charset="0"/>
                     <a:cs typeface="Arial" panose="020B0604020202020204" pitchFamily="34" charset="0"/>
                   </a:rPr>
                   <a:t>fonction de voisinage</a:t>
                 </a:r>
                 <a:r>
-                  <a:rPr lang="fr-FR" sz="1000" dirty="0" smtClean="0">
+                  <a:rPr lang="fr-FR" sz="900" dirty="0" smtClean="0">
                     <a:latin typeface="Arial" panose="020B0604020202020204" pitchFamily="34" charset="0"/>
                     <a:cs typeface="Arial" panose="020B0604020202020204" pitchFamily="34" charset="0"/>
                   </a:rPr>
                   <a:t>, qui définit une façon de passer d’une configuration à une autre, de sorte que les arrêtes de</a:t>
                 </a:r>
                 <a:r>
-                  <a:rPr lang="fr-FR" sz="1000" dirty="0">
+                  <a:rPr lang="fr-FR" sz="900" dirty="0">
                     <a:latin typeface="Arial" panose="020B0604020202020204" pitchFamily="34" charset="0"/>
                     <a:cs typeface="Arial" panose="020B0604020202020204" pitchFamily="34" charset="0"/>
                   </a:rPr>
@@ -4092,7 +4036,7 @@
                 <a14:m>
                   <m:oMath xmlns:m="http://schemas.openxmlformats.org/officeDocument/2006/math">
                     <m:r>
-                      <a:rPr lang="fr-FR" sz="1000" i="1">
+                      <a:rPr lang="fr-FR" sz="900" i="1">
                         <a:latin typeface="Cambria Math" panose="02040503050406030204" pitchFamily="18" charset="0"/>
                         <a:ea typeface="Cambria Math" panose="02040503050406030204" pitchFamily="18" charset="0"/>
                       </a:rPr>
@@ -4101,11 +4045,11 @@
                   </m:oMath>
                 </a14:m>
                 <a:r>
-                  <a:rPr lang="fr-FR" sz="1000" dirty="0"/>
+                  <a:rPr lang="fr-FR" sz="900" dirty="0"/>
                   <a:t> </a:t>
                 </a:r>
                 <a:r>
-                  <a:rPr lang="fr-FR" sz="1000" dirty="0" smtClean="0">
+                  <a:rPr lang="fr-FR" sz="900" dirty="0" smtClean="0">
                     <a:latin typeface="Arial" panose="020B0604020202020204" pitchFamily="34" charset="0"/>
                     <a:cs typeface="Arial" panose="020B0604020202020204" pitchFamily="34" charset="0"/>
                   </a:rPr>
@@ -4115,7 +4059,7 @@
             </p:txBody>
           </p:sp>
         </mc:Choice>
-        <mc:Fallback xmlns="">
+        <mc:Fallback>
           <p:sp>
             <p:nvSpPr>
               <p:cNvPr id="27" name="TextBox 19"/>
@@ -4126,8 +4070,8 @@
             </p:nvSpPr>
             <p:spPr>
               <a:xfrm>
-                <a:off x="407963" y="6955848"/>
-                <a:ext cx="3214467" cy="3647152"/>
+                <a:off x="299076" y="7693098"/>
+                <a:ext cx="3214467" cy="3070071"/>
               </a:xfrm>
               <a:prstGeom prst="rect">
                 <a:avLst/>
@@ -4135,9 +4079,14 @@
               <a:blipFill rotWithShape="0">
                 <a:blip r:embed="rId4"/>
                 <a:stretch>
-                  <a:fillRect t="-167"/>
+                  <a:fillRect/>
                 </a:stretch>
               </a:blipFill>
+              <a:ln>
+                <a:solidFill>
+                  <a:schemeClr val="bg2"/>
+                </a:solidFill>
+              </a:ln>
             </p:spPr>
             <p:txBody>
               <a:bodyPr/>
@@ -4162,7 +4111,7 @@
         </p:nvSpPr>
         <p:spPr>
           <a:xfrm>
-            <a:off x="2326723" y="5533512"/>
+            <a:off x="2326723" y="6297434"/>
             <a:ext cx="865430" cy="215444"/>
           </a:xfrm>
           <a:prstGeom prst="rect">
@@ -4192,7 +4141,7 @@
         </p:nvSpPr>
         <p:spPr>
           <a:xfrm>
-            <a:off x="2329746" y="6400385"/>
+            <a:off x="2339272" y="7159544"/>
             <a:ext cx="764381" cy="215444"/>
           </a:xfrm>
           <a:prstGeom prst="rect">
@@ -4222,8 +4171,8 @@
         </p:nvSpPr>
         <p:spPr>
           <a:xfrm>
-            <a:off x="562678" y="6728606"/>
-            <a:ext cx="2866476" cy="246221"/>
+            <a:off x="452158" y="7458384"/>
+            <a:ext cx="2866476" cy="230832"/>
           </a:xfrm>
           <a:prstGeom prst="rect">
             <a:avLst/>
@@ -4238,10 +4187,10 @@
           <a:p>
             <a:pPr algn="ctr"/>
             <a:r>
-              <a:rPr lang="fr-FR" sz="1000" i="1" dirty="0" smtClean="0"/>
+              <a:rPr lang="fr-FR" sz="900" i="1" dirty="0" smtClean="0"/>
               <a:t>Schéma du puzzle étudié résolu et de ses éléments.</a:t>
             </a:r>
-            <a:endParaRPr lang="fr-FR" sz="1000" i="1" dirty="0"/>
+            <a:endParaRPr lang="fr-FR" sz="900" i="1" dirty="0"/>
           </a:p>
         </p:txBody>
       </p:sp>
@@ -4569,8 +4518,8 @@
           </a:p>
         </p:txBody>
       </p:sp>
-      <mc:AlternateContent xmlns:mc="http://schemas.openxmlformats.org/markup-compatibility/2006" xmlns:a14="http://schemas.microsoft.com/office/drawing/2010/main">
-        <mc:Choice Requires="a14">
+      <mc:AlternateContent xmlns:mc="http://schemas.openxmlformats.org/markup-compatibility/2006">
+        <mc:Choice xmlns:a14="http://schemas.microsoft.com/office/drawing/2010/main" Requires="a14">
           <p:sp>
             <p:nvSpPr>
               <p:cNvPr id="57" name="TextBox 56"/>
@@ -4579,7 +4528,7 @@
             </p:nvSpPr>
             <p:spPr>
               <a:xfrm>
-                <a:off x="1005883" y="8353920"/>
+                <a:off x="1006183" y="8955748"/>
                 <a:ext cx="2054857" cy="215444"/>
               </a:xfrm>
               <a:prstGeom prst="rect">
@@ -4670,7 +4619,7 @@
             </p:txBody>
           </p:sp>
         </mc:Choice>
-        <mc:Fallback xmlns="">
+        <mc:Fallback>
           <p:sp>
             <p:nvSpPr>
               <p:cNvPr id="57" name="TextBox 56"/>
@@ -4681,7 +4630,7 @@
             </p:nvSpPr>
             <p:spPr>
               <a:xfrm>
-                <a:off x="1005883" y="8353920"/>
+                <a:off x="1006183" y="8955748"/>
                 <a:ext cx="2054857" cy="215444"/>
               </a:xfrm>
               <a:prstGeom prst="rect">
@@ -4690,7 +4639,7 @@
               <a:blipFill rotWithShape="0">
                 <a:blip r:embed="rId6"/>
                 <a:stretch>
-                  <a:fillRect l="-1187" r="-1187" b="-27778"/>
+                  <a:fillRect l="-1187" r="-1187" b="-31429"/>
                 </a:stretch>
               </a:blipFill>
             </p:spPr>
@@ -4717,8 +4666,8 @@
         </p:nvSpPr>
         <p:spPr>
           <a:xfrm>
-            <a:off x="407963" y="10546962"/>
-            <a:ext cx="3186920" cy="1413170"/>
+            <a:off x="271538" y="10697756"/>
+            <a:ext cx="3227716" cy="1356451"/>
           </a:xfrm>
           <a:prstGeom prst="roundRect">
             <a:avLst/>
@@ -4755,8 +4704,8 @@
           </a:p>
         </p:txBody>
       </p:sp>
-      <mc:AlternateContent xmlns:mc="http://schemas.openxmlformats.org/markup-compatibility/2006" xmlns:a14="http://schemas.microsoft.com/office/drawing/2010/main">
-        <mc:Choice Requires="a14">
+      <mc:AlternateContent xmlns:mc="http://schemas.openxmlformats.org/markup-compatibility/2006">
+        <mc:Choice xmlns:a14="http://schemas.microsoft.com/office/drawing/2010/main" Requires="a14">
           <p:sp>
             <p:nvSpPr>
               <p:cNvPr id="62" name="TextBox 61"/>
@@ -4765,8 +4714,8 @@
             </p:nvSpPr>
             <p:spPr>
               <a:xfrm>
-                <a:off x="450537" y="10589327"/>
-                <a:ext cx="3144346" cy="1323439"/>
+                <a:off x="314657" y="10720007"/>
+                <a:ext cx="3184597" cy="1323439"/>
               </a:xfrm>
               <a:prstGeom prst="rect">
                 <a:avLst/>
@@ -5198,7 +5147,7 @@
             </p:txBody>
           </p:sp>
         </mc:Choice>
-        <mc:Fallback xmlns="">
+        <mc:Fallback>
           <p:sp>
             <p:nvSpPr>
               <p:cNvPr id="62" name="TextBox 61"/>
@@ -5209,8 +5158,8 @@
             </p:nvSpPr>
             <p:spPr>
               <a:xfrm>
-                <a:off x="450537" y="10589327"/>
-                <a:ext cx="3144346" cy="1323439"/>
+                <a:off x="314657" y="10720007"/>
+                <a:ext cx="3184597" cy="1323439"/>
               </a:xfrm>
               <a:prstGeom prst="rect">
                 <a:avLst/>
@@ -5218,7 +5167,7 @@
               <a:blipFill rotWithShape="0">
                 <a:blip r:embed="rId7"/>
                 <a:stretch>
-                  <a:fillRect b="-1382"/>
+                  <a:fillRect t="-461" b="-922"/>
                 </a:stretch>
               </a:blipFill>
             </p:spPr>
@@ -5237,8 +5186,8 @@
           </p:sp>
         </mc:Fallback>
       </mc:AlternateContent>
-      <mc:AlternateContent xmlns:mc="http://schemas.openxmlformats.org/markup-compatibility/2006" xmlns:a14="http://schemas.microsoft.com/office/drawing/2010/main">
-        <mc:Choice Requires="a14">
+      <mc:AlternateContent xmlns:mc="http://schemas.openxmlformats.org/markup-compatibility/2006">
+        <mc:Choice xmlns:a14="http://schemas.microsoft.com/office/drawing/2010/main" Requires="a14">
           <p:sp>
             <p:nvSpPr>
               <p:cNvPr id="72" name="TextBox 71"/>
@@ -5247,7 +5196,7 @@
             </p:nvSpPr>
             <p:spPr>
               <a:xfrm>
-                <a:off x="1196904" y="13063322"/>
+                <a:off x="1132187" y="13053573"/>
                 <a:ext cx="1548244" cy="229935"/>
               </a:xfrm>
               <a:prstGeom prst="rect">
@@ -5416,7 +5365,7 @@
             </p:txBody>
           </p:sp>
         </mc:Choice>
-        <mc:Fallback xmlns="">
+        <mc:Fallback>
           <p:sp>
             <p:nvSpPr>
               <p:cNvPr id="72" name="TextBox 71"/>
@@ -5427,7 +5376,7 @@
             </p:nvSpPr>
             <p:spPr>
               <a:xfrm>
-                <a:off x="1196904" y="13063322"/>
+                <a:off x="1132187" y="13053573"/>
                 <a:ext cx="1548244" cy="229935"/>
               </a:xfrm>
               <a:prstGeom prst="rect">
@@ -5436,7 +5385,7 @@
               <a:blipFill rotWithShape="0">
                 <a:blip r:embed="rId8"/>
                 <a:stretch>
-                  <a:fillRect l="-3937" t="-5263" r="-394" b="-5263"/>
+                  <a:fillRect l="-3937" t="-2632" b="-5263"/>
                 </a:stretch>
               </a:blipFill>
             </p:spPr>
@@ -5466,7 +5415,7 @@
             <p:spPr>
               <a:xfrm>
                 <a:off x="3721053" y="1367656"/>
-                <a:ext cx="3249706" cy="11141512"/>
+                <a:ext cx="3249706" cy="5793894"/>
               </a:xfrm>
               <a:prstGeom prst="rect">
                 <a:avLst/>
@@ -5474,7 +5423,7 @@
               <a:noFill/>
               <a:ln>
                 <a:solidFill>
-                  <a:schemeClr val="tx1"/>
+                  <a:schemeClr val="bg2"/>
                 </a:solidFill>
               </a:ln>
             </p:spPr>
@@ -5536,16 +5485,26 @@
                   <a:t>    </a:t>
                 </a:r>
                 <a:r>
-                  <a:rPr lang="fr-FR" sz="1000" dirty="0" smtClean="0">
+                  <a:rPr lang="fr-FR" sz="900" dirty="0" smtClean="0">
                     <a:solidFill>
                       <a:prstClr val="black"/>
                     </a:solidFill>
                     <a:latin typeface="Arial" panose="020B0604020202020204" pitchFamily="34" charset="0"/>
                     <a:cs typeface="Arial" panose="020B0604020202020204" pitchFamily="34" charset="0"/>
                   </a:rPr>
-                  <a:t>Nous avons choisi d’utiliser Python pour implémenter le recuit simulé. Voici la structure utilisé.</a:t>
-                </a:r>
-                <a:endParaRPr lang="fr-FR" sz="1000" b="1" dirty="0">
+                  <a:t>Nous avons choisi d’utiliser Python pour implémenter le recuit simulé. Voici la structure </a:t>
+                </a:r>
+                <a:r>
+                  <a:rPr lang="fr-FR" sz="900" dirty="0" smtClean="0">
+                    <a:solidFill>
+                      <a:prstClr val="black"/>
+                    </a:solidFill>
+                    <a:latin typeface="Arial" panose="020B0604020202020204" pitchFamily="34" charset="0"/>
+                    <a:cs typeface="Arial" panose="020B0604020202020204" pitchFamily="34" charset="0"/>
+                  </a:rPr>
+                  <a:t>utilisée:</a:t>
+                </a:r>
+                <a:endParaRPr lang="fr-FR" sz="900" b="1" dirty="0">
                   <a:solidFill>
                     <a:prstClr val="black"/>
                   </a:solidFill>
@@ -5696,7 +5655,7 @@
               <a:p>
                 <a:pPr lvl="0" algn="just"/>
                 <a:r>
-                  <a:rPr lang="fr-FR" sz="1000" dirty="0" smtClean="0">
+                  <a:rPr lang="fr-FR" sz="900" dirty="0" smtClean="0">
                     <a:solidFill>
                       <a:prstClr val="black"/>
                     </a:solidFill>
@@ -5705,7 +5664,7 @@
                   </a:rPr>
                   <a:t>Notre programme consiste à placer d’abord le bloc à un endroit prédéfini, et les pièces aléatoirement sur une grille, puis tant que le potentiel n’est pas nul, à explorer les voisinages selon l’algorithme décrit précédemment.</a:t>
                 </a:r>
-                <a:endParaRPr lang="fr-FR" sz="1000" dirty="0">
+                <a:endParaRPr lang="fr-FR" sz="900" dirty="0">
                   <a:solidFill>
                     <a:prstClr val="black"/>
                   </a:solidFill>
@@ -5716,7 +5675,7 @@
               <a:p>
                 <a:pPr lvl="0" algn="just"/>
                 <a:r>
-                  <a:rPr lang="fr-FR" sz="1000" dirty="0" smtClean="0">
+                  <a:rPr lang="fr-FR" sz="900" dirty="0" smtClean="0">
                     <a:solidFill>
                       <a:prstClr val="black"/>
                     </a:solidFill>
@@ -5726,7 +5685,7 @@
                   <a:t>Les premiers voisinages implémentés sont le déplacement d’une pièce d’une case dans une direction et </a:t>
                 </a:r>
                 <a:r>
-                  <a:rPr lang="fr-FR" sz="1000" dirty="0">
+                  <a:rPr lang="fr-FR" sz="900" dirty="0">
                     <a:solidFill>
                       <a:prstClr val="black"/>
                     </a:solidFill>
@@ -5736,7 +5695,7 @@
                   <a:t>s</a:t>
                 </a:r>
                 <a:r>
-                  <a:rPr lang="fr-FR" sz="1000" dirty="0" smtClean="0">
+                  <a:rPr lang="fr-FR" sz="900" dirty="0" smtClean="0">
                     <a:solidFill>
                       <a:prstClr val="black"/>
                     </a:solidFill>
@@ -5746,7 +5705,7 @@
                   <a:t>a rotation (ou non) d’un quart de tour dans le sens horaire. Les fonctions </a:t>
                 </a:r>
                 <a:r>
-                  <a:rPr lang="fr-FR" sz="1000" i="1" dirty="0" err="1" smtClean="0">
+                  <a:rPr lang="fr-FR" sz="900" i="1" dirty="0" err="1" smtClean="0">
                     <a:solidFill>
                       <a:prstClr val="black"/>
                     </a:solidFill>
@@ -5756,19 +5715,29 @@
                   <a:t>varV</a:t>
                 </a:r>
                 <a:r>
-                  <a:rPr lang="fr-FR" sz="1000" dirty="0" smtClean="0">
+                  <a:rPr lang="fr-FR" sz="900" dirty="0" smtClean="0">
                     <a:solidFill>
                       <a:prstClr val="black"/>
                     </a:solidFill>
                     <a:latin typeface="Arial" panose="020B0604020202020204" pitchFamily="34" charset="0"/>
                     <a:cs typeface="Arial" panose="020B0604020202020204" pitchFamily="34" charset="0"/>
                   </a:rPr>
-                  <a:t> associées permettent de calculer de manière optimisée la variation de potentiel engendrée.</a:t>
+                  <a:t> associées permettent de calculer de manière optimisée la variation de potentiel engendrée</a:t>
+                </a:r>
+                <a:r>
+                  <a:rPr lang="fr-FR" sz="900" dirty="0" smtClean="0">
+                    <a:solidFill>
+                      <a:prstClr val="black"/>
+                    </a:solidFill>
+                    <a:latin typeface="Arial" panose="020B0604020202020204" pitchFamily="34" charset="0"/>
+                    <a:cs typeface="Arial" panose="020B0604020202020204" pitchFamily="34" charset="0"/>
+                  </a:rPr>
+                  <a:t>.</a:t>
                 </a:r>
               </a:p>
               <a:p>
                 <a:pPr lvl="0" algn="just"/>
-                <a:endParaRPr lang="fr-FR" sz="1000" dirty="0">
+                <a:endParaRPr lang="fr-FR" sz="900" dirty="0">
                   <a:solidFill>
                     <a:prstClr val="black"/>
                   </a:solidFill>
@@ -5779,7 +5748,7 @@
               <a:p>
                 <a:pPr algn="just"/>
                 <a:r>
-                  <a:rPr lang="fr-FR" sz="1100" b="1" u="sng" dirty="0" smtClean="0">
+                  <a:rPr lang="fr-FR" sz="1050" b="1" u="sng" dirty="0">
                     <a:solidFill>
                       <a:prstClr val="black"/>
                     </a:solidFill>
@@ -5802,7 +5771,7 @@
               <a:p>
                 <a:pPr lvl="0" algn="just"/>
                 <a:r>
-                  <a:rPr lang="fr-FR" sz="1000" dirty="0" smtClean="0">
+                  <a:rPr lang="fr-FR" sz="900" dirty="0">
                     <a:solidFill>
                       <a:prstClr val="black"/>
                     </a:solidFill>
@@ -5814,7 +5783,7 @@
                 <a14:m>
                   <m:oMath xmlns:m="http://schemas.openxmlformats.org/officeDocument/2006/math">
                     <m:r>
-                      <a:rPr lang="fr-FR" sz="1000" i="1">
+                      <a:rPr lang="fr-FR" sz="900" i="1">
                         <a:latin typeface="Cambria Math" panose="02040503050406030204" pitchFamily="18" charset="0"/>
                         <a:ea typeface="Cambria Math" panose="02040503050406030204" pitchFamily="18" charset="0"/>
                       </a:rPr>
@@ -5823,7 +5792,7 @@
                     <m:d>
                       <m:dPr>
                         <m:ctrlPr>
-                          <a:rPr lang="fr-FR" sz="1000" i="1">
+                          <a:rPr lang="fr-FR" sz="900" i="1">
                             <a:latin typeface="Cambria Math" panose="02040503050406030204" pitchFamily="18" charset="0"/>
                             <a:ea typeface="Cambria Math" panose="02040503050406030204" pitchFamily="18" charset="0"/>
                           </a:rPr>
@@ -5831,7 +5800,7 @@
                       </m:dPr>
                       <m:e>
                         <m:r>
-                          <a:rPr lang="fr-FR" sz="1000" i="1">
+                          <a:rPr lang="fr-FR" sz="900" i="1">
                             <a:latin typeface="Cambria Math" panose="02040503050406030204" pitchFamily="18" charset="0"/>
                             <a:ea typeface="Cambria Math" panose="02040503050406030204" pitchFamily="18" charset="0"/>
                           </a:rPr>
@@ -5842,7 +5811,7 @@
                   </m:oMath>
                 </a14:m>
                 <a:r>
-                  <a:rPr lang="fr-FR" sz="1000" dirty="0" smtClean="0">
+                  <a:rPr lang="fr-FR" sz="900" dirty="0">
                     <a:solidFill>
                       <a:prstClr val="black"/>
                     </a:solidFill>
@@ -5854,7 +5823,7 @@
               </a:p>
               <a:p>
                 <a:pPr lvl="0" algn="just"/>
-                <a:endParaRPr lang="fr-FR" sz="1000" dirty="0" smtClean="0">
+                <a:endParaRPr lang="fr-FR" sz="1000" dirty="0">
                   <a:solidFill>
                     <a:prstClr val="black"/>
                   </a:solidFill>
@@ -5875,46 +5844,56 @@
               <a:p>
                 <a:pPr lvl="0" algn="just"/>
                 <a:r>
-                  <a:rPr lang="fr-FR" sz="1000" dirty="0" smtClean="0">
+                  <a:rPr lang="fr-FR" sz="900" dirty="0">
                     <a:solidFill>
                       <a:prstClr val="black"/>
                     </a:solidFill>
                     <a:latin typeface="Arial" panose="020B0604020202020204" pitchFamily="34" charset="0"/>
                     <a:cs typeface="Arial" panose="020B0604020202020204" pitchFamily="34" charset="0"/>
                   </a:rPr>
-                  <a:t>Et nous avons optimisé les paramètres pour le problème 5x5, en regardant sur 30 exécutions le nombre moyen d’itérations </a:t>
-                </a:r>
-                <a:r>
-                  <a:rPr lang="fr-FR" sz="1000" dirty="0" smtClean="0">
+                  <a:t>Et nous avons optimisé les paramètres pour le problème 5x5, en regardant sur 30 </a:t>
+                </a:r>
+                <a:r>
+                  <a:rPr lang="fr-FR" sz="900" dirty="0" smtClean="0">
                     <a:solidFill>
                       <a:prstClr val="black"/>
                     </a:solidFill>
                     <a:latin typeface="Arial" panose="020B0604020202020204" pitchFamily="34" charset="0"/>
                     <a:cs typeface="Arial" panose="020B0604020202020204" pitchFamily="34" charset="0"/>
                   </a:rPr>
-                  <a:t>nécessaires pour trouver une solution. Il s’est avéré qu</a:t>
-                </a:r>
-                <a:r>
-                  <a:rPr lang="fr-FR" sz="1000" dirty="0" smtClean="0">
+                  <a:t>exécutions </a:t>
+                </a:r>
+                <a:r>
+                  <a:rPr lang="fr-FR" sz="900" dirty="0">
                     <a:solidFill>
                       <a:prstClr val="black"/>
                     </a:solidFill>
                     <a:latin typeface="Arial" panose="020B0604020202020204" pitchFamily="34" charset="0"/>
                     <a:cs typeface="Arial" panose="020B0604020202020204" pitchFamily="34" charset="0"/>
                   </a:rPr>
-                  <a:t>e le choix </a:t>
+                  <a:t>le nombre moyen d’itérations nécessaires pour trouver une solution. </a:t>
+                </a:r>
+                <a:r>
+                  <a:rPr lang="fr-FR" sz="900" dirty="0" smtClean="0">
+                    <a:solidFill>
+                      <a:prstClr val="black"/>
+                    </a:solidFill>
+                    <a:latin typeface="Arial" panose="020B0604020202020204" pitchFamily="34" charset="0"/>
+                    <a:cs typeface="Arial" panose="020B0604020202020204" pitchFamily="34" charset="0"/>
+                  </a:rPr>
+                  <a:t>Nous avons donc opté pour le choix  </a:t>
                 </a:r>
                 <a14:m>
                   <m:oMath xmlns:m="http://schemas.openxmlformats.org/officeDocument/2006/math">
                     <m:r>
-                      <a:rPr lang="fr-FR" sz="1000" i="1">
+                      <a:rPr lang="fr-FR" sz="900" i="1">
                         <a:latin typeface="Cambria Math" panose="02040503050406030204" pitchFamily="18" charset="0"/>
                         <a:ea typeface="Cambria Math" panose="02040503050406030204" pitchFamily="18" charset="0"/>
                       </a:rPr>
                       <m:t>𝑎</m:t>
                     </m:r>
                     <m:r>
-                      <a:rPr lang="fr-FR" sz="1000" b="0" i="1" smtClean="0">
+                      <a:rPr lang="fr-FR" sz="900" i="1">
                         <a:latin typeface="Cambria Math" panose="02040503050406030204" pitchFamily="18" charset="0"/>
                         <a:ea typeface="Cambria Math" panose="02040503050406030204" pitchFamily="18" charset="0"/>
                       </a:rPr>
@@ -5923,7 +5902,7 @@
                   </m:oMath>
                 </a14:m>
                 <a:r>
-                  <a:rPr lang="fr-FR" sz="1000" dirty="0" smtClean="0">
+                  <a:rPr lang="fr-FR" sz="900" dirty="0">
                     <a:solidFill>
                       <a:prstClr val="black"/>
                     </a:solidFill>
@@ -5935,7 +5914,7 @@
                 <a14:m>
                   <m:oMath xmlns:m="http://schemas.openxmlformats.org/officeDocument/2006/math">
                     <m:r>
-                      <a:rPr lang="fr-FR" sz="1000" b="0" i="1" smtClean="0">
+                      <a:rPr lang="fr-FR" sz="900" i="1">
                         <a:solidFill>
                           <a:prstClr val="black"/>
                         </a:solidFill>
@@ -5945,7 +5924,7 @@
                       <m:t>𝑏</m:t>
                     </m:r>
                     <m:r>
-                      <a:rPr lang="fr-FR" sz="1000" b="0" i="1" smtClean="0">
+                      <a:rPr lang="fr-FR" sz="900" i="1">
                         <a:solidFill>
                           <a:prstClr val="black"/>
                         </a:solidFill>
@@ -5957,339 +5936,16 @@
                   </m:oMath>
                 </a14:m>
                 <a:r>
-                  <a:rPr lang="fr-FR" sz="1000" dirty="0" smtClean="0">
+                  <a:rPr lang="fr-FR" sz="900" dirty="0" smtClean="0">
                     <a:solidFill>
                       <a:prstClr val="black"/>
                     </a:solidFill>
                     <a:latin typeface="Arial" panose="020B0604020202020204" pitchFamily="34" charset="0"/>
                     <a:cs typeface="Arial" panose="020B0604020202020204" pitchFamily="34" charset="0"/>
                   </a:rPr>
-                  <a:t> était le plus performant.</a:t>
-                </a:r>
-                <a:endParaRPr lang="fr-FR" sz="1000" dirty="0">
-                  <a:solidFill>
-                    <a:prstClr val="black"/>
-                  </a:solidFill>
-                  <a:latin typeface="Arial" panose="020B0604020202020204" pitchFamily="34" charset="0"/>
-                  <a:cs typeface="Arial" panose="020B0604020202020204" pitchFamily="34" charset="0"/>
-                </a:endParaRPr>
-              </a:p>
-              <a:p>
-                <a:pPr lvl="0" algn="just"/>
-                <a:endParaRPr lang="fr-FR" sz="1000" dirty="0" smtClean="0">
-                  <a:solidFill>
-                    <a:prstClr val="black"/>
-                  </a:solidFill>
-                  <a:latin typeface="Arial" panose="020B0604020202020204" pitchFamily="34" charset="0"/>
-                  <a:cs typeface="Arial" panose="020B0604020202020204" pitchFamily="34" charset="0"/>
-                </a:endParaRPr>
-              </a:p>
-              <a:p>
-                <a:pPr lvl="0" algn="just"/>
-                <a:endParaRPr lang="fr-FR" sz="1000" b="1" dirty="0" smtClean="0">
-                  <a:solidFill>
-                    <a:prstClr val="black"/>
-                  </a:solidFill>
-                  <a:latin typeface="Arial" panose="020B0604020202020204" pitchFamily="34" charset="0"/>
-                  <a:cs typeface="Arial" panose="020B0604020202020204" pitchFamily="34" charset="0"/>
-                </a:endParaRPr>
-              </a:p>
-              <a:p>
-                <a:pPr lvl="0" algn="just"/>
-                <a:endParaRPr lang="fr-FR" sz="1000" b="1" dirty="0">
-                  <a:solidFill>
-                    <a:prstClr val="black"/>
-                  </a:solidFill>
-                  <a:latin typeface="Arial" panose="020B0604020202020204" pitchFamily="34" charset="0"/>
-                  <a:cs typeface="Arial" panose="020B0604020202020204" pitchFamily="34" charset="0"/>
-                </a:endParaRPr>
-              </a:p>
-              <a:p>
-                <a:pPr lvl="0" algn="just"/>
-                <a:endParaRPr lang="fr-FR" sz="1000" b="1" dirty="0" smtClean="0">
-                  <a:solidFill>
-                    <a:prstClr val="black"/>
-                  </a:solidFill>
-                  <a:latin typeface="Arial" panose="020B0604020202020204" pitchFamily="34" charset="0"/>
-                  <a:cs typeface="Arial" panose="020B0604020202020204" pitchFamily="34" charset="0"/>
-                </a:endParaRPr>
-              </a:p>
-              <a:p>
-                <a:pPr lvl="0" algn="just"/>
-                <a:endParaRPr lang="fr-FR" sz="1000" b="1" dirty="0">
-                  <a:solidFill>
-                    <a:prstClr val="black"/>
-                  </a:solidFill>
-                  <a:latin typeface="Arial" panose="020B0604020202020204" pitchFamily="34" charset="0"/>
-                  <a:cs typeface="Arial" panose="020B0604020202020204" pitchFamily="34" charset="0"/>
-                </a:endParaRPr>
-              </a:p>
-              <a:p>
-                <a:pPr lvl="0" algn="just"/>
-                <a:endParaRPr lang="fr-FR" sz="1000" b="1" dirty="0" smtClean="0">
-                  <a:solidFill>
-                    <a:prstClr val="black"/>
-                  </a:solidFill>
-                  <a:latin typeface="Arial" panose="020B0604020202020204" pitchFamily="34" charset="0"/>
-                  <a:cs typeface="Arial" panose="020B0604020202020204" pitchFamily="34" charset="0"/>
-                </a:endParaRPr>
-              </a:p>
-              <a:p>
-                <a:pPr lvl="0" algn="just"/>
-                <a:endParaRPr lang="fr-FR" sz="1000" b="1" dirty="0" smtClean="0">
-                  <a:solidFill>
-                    <a:prstClr val="black"/>
-                  </a:solidFill>
-                  <a:latin typeface="Arial" panose="020B0604020202020204" pitchFamily="34" charset="0"/>
-                  <a:cs typeface="Arial" panose="020B0604020202020204" pitchFamily="34" charset="0"/>
-                </a:endParaRPr>
-              </a:p>
-              <a:p>
-                <a:pPr lvl="0" algn="just"/>
-                <a:endParaRPr lang="fr-FR" sz="1000" b="1" dirty="0" smtClean="0">
-                  <a:solidFill>
-                    <a:prstClr val="black"/>
-                  </a:solidFill>
-                  <a:latin typeface="Arial" panose="020B0604020202020204" pitchFamily="34" charset="0"/>
-                  <a:cs typeface="Arial" panose="020B0604020202020204" pitchFamily="34" charset="0"/>
-                </a:endParaRPr>
-              </a:p>
-              <a:p>
-                <a:pPr lvl="0" algn="just"/>
-                <a:endParaRPr lang="fr-FR" sz="1000" b="1" dirty="0">
-                  <a:solidFill>
-                    <a:prstClr val="black"/>
-                  </a:solidFill>
-                  <a:latin typeface="Arial" panose="020B0604020202020204" pitchFamily="34" charset="0"/>
-                  <a:cs typeface="Arial" panose="020B0604020202020204" pitchFamily="34" charset="0"/>
-                </a:endParaRPr>
-              </a:p>
-              <a:p>
-                <a:pPr lvl="0" algn="just"/>
-                <a:endParaRPr lang="fr-FR" sz="1000" b="1" dirty="0">
-                  <a:solidFill>
-                    <a:prstClr val="black"/>
-                  </a:solidFill>
-                  <a:latin typeface="Arial" panose="020B0604020202020204" pitchFamily="34" charset="0"/>
-                  <a:cs typeface="Arial" panose="020B0604020202020204" pitchFamily="34" charset="0"/>
-                </a:endParaRPr>
-              </a:p>
-              <a:p>
-                <a:pPr lvl="0" algn="just"/>
-                <a:endParaRPr lang="fr-FR" sz="900" b="1" dirty="0">
-                  <a:solidFill>
-                    <a:prstClr val="black"/>
-                  </a:solidFill>
-                  <a:latin typeface="Arial" panose="020B0604020202020204" pitchFamily="34" charset="0"/>
-                  <a:cs typeface="Arial" panose="020B0604020202020204" pitchFamily="34" charset="0"/>
-                </a:endParaRPr>
-              </a:p>
-              <a:p>
-                <a:pPr lvl="0" algn="just"/>
-                <a:endParaRPr lang="fr-FR" sz="700" b="1" dirty="0" smtClean="0">
-                  <a:solidFill>
-                    <a:prstClr val="black"/>
-                  </a:solidFill>
-                  <a:latin typeface="Arial" panose="020B0604020202020204" pitchFamily="34" charset="0"/>
-                  <a:cs typeface="Arial" panose="020B0604020202020204" pitchFamily="34" charset="0"/>
-                </a:endParaRPr>
-              </a:p>
-              <a:p>
-                <a:pPr lvl="0" algn="just"/>
-                <a:r>
-                  <a:rPr lang="fr-FR" sz="1000" dirty="0" smtClean="0">
-                    <a:solidFill>
-                      <a:prstClr val="black"/>
-                    </a:solidFill>
-                    <a:latin typeface="Arial" panose="020B0604020202020204" pitchFamily="34" charset="0"/>
-                    <a:cs typeface="Arial" panose="020B0604020202020204" pitchFamily="34" charset="0"/>
-                  </a:rPr>
-                  <a:t>Afin d’améliorer les performances, nous avons ajouté la possibilité de permuter deux pièces choisies aléatoirement au voisinage. Avec la même fonction </a:t>
-                </a:r>
-                <a14:m>
-                  <m:oMath xmlns:m="http://schemas.openxmlformats.org/officeDocument/2006/math">
-                    <m:r>
-                      <a:rPr lang="fr-FR" sz="1000" i="1">
-                        <a:latin typeface="Cambria Math" panose="02040503050406030204" pitchFamily="18" charset="0"/>
-                        <a:ea typeface="Cambria Math" panose="02040503050406030204" pitchFamily="18" charset="0"/>
-                      </a:rPr>
-                      <m:t>𝛽</m:t>
-                    </m:r>
-                    <m:d>
-                      <m:dPr>
-                        <m:ctrlPr>
-                          <a:rPr lang="fr-FR" sz="1000" i="1">
-                            <a:latin typeface="Cambria Math" panose="02040503050406030204" pitchFamily="18" charset="0"/>
-                            <a:ea typeface="Cambria Math" panose="02040503050406030204" pitchFamily="18" charset="0"/>
-                          </a:rPr>
-                        </m:ctrlPr>
-                      </m:dPr>
-                      <m:e>
-                        <m:r>
-                          <a:rPr lang="fr-FR" sz="1000" i="1">
-                            <a:latin typeface="Cambria Math" panose="02040503050406030204" pitchFamily="18" charset="0"/>
-                            <a:ea typeface="Cambria Math" panose="02040503050406030204" pitchFamily="18" charset="0"/>
-                          </a:rPr>
-                          <m:t>𝑡</m:t>
-                        </m:r>
-                      </m:e>
-                    </m:d>
-                  </m:oMath>
-                </a14:m>
-                <a:r>
-                  <a:rPr lang="fr-FR" sz="1000" dirty="0" smtClean="0">
-                    <a:solidFill>
-                      <a:prstClr val="black"/>
-                    </a:solidFill>
-                    <a:latin typeface="Arial" panose="020B0604020202020204" pitchFamily="34" charset="0"/>
-                    <a:cs typeface="Arial" panose="020B0604020202020204" pitchFamily="34" charset="0"/>
-                  </a:rPr>
-                  <a:t>, un puzzle 5x5 à 6 pièces de géométrie non triviale est résolu en </a:t>
-                </a:r>
-                <a:r>
-                  <a:rPr lang="fr-FR" sz="1000" dirty="0" smtClean="0">
-                    <a:solidFill>
-                      <a:prstClr val="black"/>
-                    </a:solidFill>
-                    <a:latin typeface="Arial" panose="020B0604020202020204" pitchFamily="34" charset="0"/>
-                    <a:cs typeface="Arial" panose="020B0604020202020204" pitchFamily="34" charset="0"/>
-                  </a:rPr>
-                  <a:t>13 500 </a:t>
-                </a:r>
-                <a:r>
-                  <a:rPr lang="fr-FR" sz="1000" dirty="0" smtClean="0">
-                    <a:solidFill>
-                      <a:prstClr val="black"/>
-                    </a:solidFill>
-                    <a:latin typeface="Arial" panose="020B0604020202020204" pitchFamily="34" charset="0"/>
-                    <a:cs typeface="Arial" panose="020B0604020202020204" pitchFamily="34" charset="0"/>
-                  </a:rPr>
-                  <a:t>itérations en moyenne. Ce qui est satisfaisant puisqu’il y a plus d’un milliard de possibilités.</a:t>
-                </a:r>
-                <a:endParaRPr lang="fr-FR" sz="1000" dirty="0">
-                  <a:solidFill>
-                    <a:prstClr val="black"/>
-                  </a:solidFill>
-                  <a:latin typeface="Arial" panose="020B0604020202020204" pitchFamily="34" charset="0"/>
-                  <a:cs typeface="Arial" panose="020B0604020202020204" pitchFamily="34" charset="0"/>
-                </a:endParaRPr>
-              </a:p>
-              <a:p>
-                <a:pPr lvl="0" algn="just"/>
-                <a:endParaRPr lang="fr-FR" sz="1000" b="1" dirty="0" smtClean="0">
-                  <a:solidFill>
-                    <a:prstClr val="black"/>
-                  </a:solidFill>
-                  <a:latin typeface="Arial" panose="020B0604020202020204" pitchFamily="34" charset="0"/>
-                  <a:cs typeface="Arial" panose="020B0604020202020204" pitchFamily="34" charset="0"/>
-                </a:endParaRPr>
-              </a:p>
-              <a:p>
-                <a:pPr lvl="0" algn="just"/>
-                <a:endParaRPr lang="fr-FR" sz="1000" dirty="0">
-                  <a:solidFill>
-                    <a:prstClr val="black"/>
-                  </a:solidFill>
-                  <a:latin typeface="Arial" panose="020B0604020202020204" pitchFamily="34" charset="0"/>
-                  <a:cs typeface="Arial" panose="020B0604020202020204" pitchFamily="34" charset="0"/>
-                </a:endParaRPr>
-              </a:p>
-              <a:p>
-                <a:pPr algn="just"/>
-                <a:r>
-                  <a:rPr lang="fr-FR" sz="1000" b="1" u="sng" dirty="0" smtClean="0">
-                    <a:solidFill>
-                      <a:prstClr val="black"/>
-                    </a:solidFill>
-                    <a:latin typeface="Arial" panose="020B0604020202020204" pitchFamily="34" charset="0"/>
-                    <a:cs typeface="Arial" panose="020B0604020202020204" pitchFamily="34" charset="0"/>
-                  </a:rPr>
-                  <a:t>5- Interface</a:t>
-                </a:r>
-              </a:p>
-              <a:p>
-                <a:pPr algn="just"/>
-                <a:endParaRPr lang="fr-FR" sz="1000" b="1" u="sng" dirty="0">
-                  <a:solidFill>
-                    <a:prstClr val="black"/>
-                  </a:solidFill>
-                  <a:latin typeface="Arial" panose="020B0604020202020204" pitchFamily="34" charset="0"/>
-                  <a:cs typeface="Arial" panose="020B0604020202020204" pitchFamily="34" charset="0"/>
-                </a:endParaRPr>
-              </a:p>
-              <a:p>
-                <a:pPr algn="just"/>
-                <a:endParaRPr lang="fr-FR" sz="1000" b="1" u="sng" dirty="0" smtClean="0">
-                  <a:solidFill>
-                    <a:prstClr val="black"/>
-                  </a:solidFill>
-                  <a:latin typeface="Arial" panose="020B0604020202020204" pitchFamily="34" charset="0"/>
-                  <a:cs typeface="Arial" panose="020B0604020202020204" pitchFamily="34" charset="0"/>
-                </a:endParaRPr>
-              </a:p>
-              <a:p>
-                <a:pPr lvl="0" algn="just"/>
-                <a:r>
-                  <a:rPr lang="fr-FR" sz="1000" b="1" u="sng" dirty="0">
-                    <a:solidFill>
-                      <a:prstClr val="black"/>
-                    </a:solidFill>
-                    <a:latin typeface="Arial" panose="020B0604020202020204" pitchFamily="34" charset="0"/>
-                    <a:cs typeface="Arial" panose="020B0604020202020204" pitchFamily="34" charset="0"/>
-                  </a:rPr>
-                  <a:t>6</a:t>
-                </a:r>
-                <a:r>
-                  <a:rPr lang="fr-FR" sz="1000" b="1" u="sng" dirty="0" smtClean="0">
-                    <a:solidFill>
-                      <a:prstClr val="black"/>
-                    </a:solidFill>
-                    <a:latin typeface="Arial" panose="020B0604020202020204" pitchFamily="34" charset="0"/>
-                    <a:cs typeface="Arial" panose="020B0604020202020204" pitchFamily="34" charset="0"/>
-                  </a:rPr>
-                  <a:t>- Résultats</a:t>
-                </a:r>
-                <a:endParaRPr lang="fr-FR" sz="1000" b="1" u="sng" dirty="0">
-                  <a:solidFill>
-                    <a:prstClr val="black"/>
-                  </a:solidFill>
-                  <a:latin typeface="Arial" panose="020B0604020202020204" pitchFamily="34" charset="0"/>
-                  <a:cs typeface="Arial" panose="020B0604020202020204" pitchFamily="34" charset="0"/>
-                </a:endParaRPr>
-              </a:p>
-              <a:p>
-                <a:pPr algn="just"/>
-                <a:endParaRPr lang="fr-FR" sz="1000" b="1" u="sng" dirty="0">
-                  <a:solidFill>
-                    <a:prstClr val="black"/>
-                  </a:solidFill>
-                  <a:latin typeface="Arial" panose="020B0604020202020204" pitchFamily="34" charset="0"/>
-                  <a:cs typeface="Arial" panose="020B0604020202020204" pitchFamily="34" charset="0"/>
-                </a:endParaRPr>
-              </a:p>
-              <a:p>
-                <a:pPr lvl="0" algn="just"/>
-                <a:endParaRPr lang="fr-FR" sz="1000" dirty="0" smtClean="0">
-                  <a:solidFill>
-                    <a:prstClr val="black"/>
-                  </a:solidFill>
-                  <a:latin typeface="Arial" panose="020B0604020202020204" pitchFamily="34" charset="0"/>
-                  <a:cs typeface="Arial" panose="020B0604020202020204" pitchFamily="34" charset="0"/>
-                </a:endParaRPr>
-              </a:p>
-              <a:p>
-                <a:pPr lvl="0" algn="just"/>
-                <a:endParaRPr lang="fr-FR" sz="1000" dirty="0">
-                  <a:solidFill>
-                    <a:prstClr val="black"/>
-                  </a:solidFill>
-                  <a:latin typeface="Arial" panose="020B0604020202020204" pitchFamily="34" charset="0"/>
-                  <a:cs typeface="Arial" panose="020B0604020202020204" pitchFamily="34" charset="0"/>
-                </a:endParaRPr>
-              </a:p>
-              <a:p>
-                <a:pPr lvl="0" algn="just"/>
-                <a:endParaRPr lang="fr-FR" sz="1000" dirty="0" smtClean="0">
+                  <a:t>.</a:t>
+                </a:r>
+                <a:endParaRPr lang="fr-FR" sz="900" dirty="0">
                   <a:solidFill>
                     <a:prstClr val="black"/>
                   </a:solidFill>
@@ -6312,7 +5968,7 @@
             <p:spPr>
               <a:xfrm>
                 <a:off x="3721053" y="1367656"/>
-                <a:ext cx="3249706" cy="11141512"/>
+                <a:ext cx="3249706" cy="5793894"/>
               </a:xfrm>
               <a:prstGeom prst="rect">
                 <a:avLst/>
@@ -6325,7 +5981,7 @@
               </a:blipFill>
               <a:ln>
                 <a:solidFill>
-                  <a:schemeClr val="tx1"/>
+                  <a:schemeClr val="bg2"/>
                 </a:solidFill>
               </a:ln>
             </p:spPr>
@@ -6344,8 +6000,8 @@
           </p:sp>
         </mc:Fallback>
       </mc:AlternateContent>
-      <mc:AlternateContent xmlns:mc="http://schemas.openxmlformats.org/markup-compatibility/2006" xmlns:a14="http://schemas.microsoft.com/office/drawing/2010/main">
-        <mc:Choice Requires="a14">
+      <mc:AlternateContent xmlns:mc="http://schemas.openxmlformats.org/markup-compatibility/2006">
+        <mc:Choice xmlns:a14="http://schemas.microsoft.com/office/drawing/2010/main" Requires="a14">
           <p:sp>
             <p:nvSpPr>
               <p:cNvPr id="77" name="TextBox 76"/>
@@ -6354,7 +6010,7 @@
             </p:nvSpPr>
             <p:spPr>
               <a:xfrm>
-                <a:off x="4987537" y="7007162"/>
+                <a:off x="5027538" y="6294631"/>
                 <a:ext cx="697690" cy="172291"/>
               </a:xfrm>
               <a:prstGeom prst="rect">
@@ -6451,7 +6107,7 @@
             </p:txBody>
           </p:sp>
         </mc:Choice>
-        <mc:Fallback xmlns="">
+        <mc:Fallback>
           <p:sp>
             <p:nvSpPr>
               <p:cNvPr id="77" name="TextBox 76"/>
@@ -6462,7 +6118,7 @@
             </p:nvSpPr>
             <p:spPr>
               <a:xfrm>
-                <a:off x="4987537" y="7007162"/>
+                <a:off x="5027538" y="6294631"/>
                 <a:ext cx="697690" cy="172291"/>
               </a:xfrm>
               <a:prstGeom prst="rect">
@@ -6471,7 +6127,7 @@
               <a:blipFill rotWithShape="0">
                 <a:blip r:embed="rId10"/>
                 <a:stretch>
-                  <a:fillRect l="-6957" r="-1739" b="-31034"/>
+                  <a:fillRect l="-7018" t="-3571" r="-2632" b="-35714"/>
                 </a:stretch>
               </a:blipFill>
             </p:spPr>
@@ -6512,7 +6168,7 @@
         </p:blipFill>
         <p:spPr>
           <a:xfrm>
-            <a:off x="3838131" y="2032852"/>
+            <a:off x="3838131" y="1994748"/>
             <a:ext cx="3015549" cy="1719831"/>
           </a:xfrm>
           <a:prstGeom prst="rect">
@@ -6528,7 +6184,7 @@
         </p:nvSpPr>
         <p:spPr>
           <a:xfrm>
-            <a:off x="3904365" y="3723328"/>
+            <a:off x="3904365" y="3699513"/>
             <a:ext cx="2866476" cy="246221"/>
           </a:xfrm>
           <a:prstGeom prst="rect">
@@ -6545,7 +6201,11 @@
             <a:pPr algn="ctr"/>
             <a:r>
               <a:rPr lang="fr-FR" sz="1000" i="1" dirty="0" smtClean="0"/>
-              <a:t>Diagramme de classes UML du programme Python</a:t>
+              <a:t>Diagramme de classes UML du programme </a:t>
+            </a:r>
+            <a:r>
+              <a:rPr lang="fr-FR" sz="1000" i="1" dirty="0" smtClean="0"/>
+              <a:t>Python.</a:t>
             </a:r>
             <a:endParaRPr lang="fr-FR" sz="1000" i="1" dirty="0"/>
           </a:p>
@@ -6567,13 +6227,13 @@
               </a:ext>
             </a:extLst>
           </a:blip>
-          <a:srcRect l="-2196" t="-3676" r="-2158" b="-11580"/>
+          <a:srcRect l="-2196" t="-3676" r="-2158" b="-7996"/>
           <a:stretch/>
         </p:blipFill>
         <p:spPr>
           <a:xfrm>
-            <a:off x="3960394" y="8096253"/>
-            <a:ext cx="2771021" cy="1592580"/>
+            <a:off x="3943145" y="7165031"/>
+            <a:ext cx="2771021" cy="1543055"/>
           </a:xfrm>
           <a:prstGeom prst="rect">
             <a:avLst/>
@@ -6593,8 +6253,8 @@
         </p:nvSpPr>
         <p:spPr>
           <a:xfrm>
-            <a:off x="3943145" y="9437818"/>
-            <a:ext cx="2866476" cy="246221"/>
+            <a:off x="3943145" y="8484689"/>
+            <a:ext cx="2771021" cy="230832"/>
           </a:xfrm>
           <a:prstGeom prst="rect">
             <a:avLst/>
@@ -6609,10 +6269,10 @@
           <a:p>
             <a:pPr algn="ctr"/>
             <a:r>
-              <a:rPr lang="fr-FR" sz="1000" i="1" dirty="0" smtClean="0"/>
+              <a:rPr lang="fr-FR" sz="900" i="1" dirty="0" smtClean="0"/>
               <a:t>Heuristique d’optimisation des paramètres a et b</a:t>
             </a:r>
-            <a:endParaRPr lang="fr-FR" sz="1000" i="1" dirty="0"/>
+            <a:endParaRPr lang="fr-FR" sz="900" i="1" dirty="0"/>
           </a:p>
         </p:txBody>
       </p:sp>
@@ -6624,8 +6284,8 @@
         </p:nvSpPr>
         <p:spPr>
           <a:xfrm>
-            <a:off x="7192558" y="6205004"/>
-            <a:ext cx="3253032" cy="3693319"/>
+            <a:off x="7188119" y="1363782"/>
+            <a:ext cx="3253032" cy="1123384"/>
           </a:xfrm>
           <a:prstGeom prst="rect">
             <a:avLst/>
@@ -6633,7 +6293,7 @@
           <a:noFill/>
           <a:ln>
             <a:solidFill>
-              <a:schemeClr val="tx1"/>
+              <a:schemeClr val="bg2"/>
             </a:solidFill>
           </a:ln>
         </p:spPr>
@@ -6671,77 +6331,274 @@
           </a:p>
           <a:p>
             <a:pPr algn="just"/>
-            <a:endParaRPr lang="fr-FR" sz="700" b="1" u="sng" dirty="0" smtClean="0">
+            <a:endParaRPr lang="fr-FR" sz="1100" b="1" u="sng" dirty="0" smtClean="0">
+              <a:uFill>
+                <a:solidFill>
+                  <a:srgbClr val="FF0000"/>
+                </a:solidFill>
+              </a:uFill>
               <a:latin typeface="Arial" panose="020B0604020202020204" pitchFamily="34" charset="0"/>
               <a:cs typeface="Arial" panose="020B0604020202020204" pitchFamily="34" charset="0"/>
             </a:endParaRPr>
           </a:p>
           <a:p>
             <a:pPr algn="just"/>
-            <a:r>
-              <a:rPr lang="fr-FR" sz="1100" b="1" u="sng" dirty="0" smtClean="0">
-                <a:latin typeface="Arial" panose="020B0604020202020204" pitchFamily="34" charset="0"/>
-                <a:cs typeface="Arial" panose="020B0604020202020204" pitchFamily="34" charset="0"/>
-              </a:rPr>
-              <a:t>1- Objectif :</a:t>
-            </a:r>
-          </a:p>
-          <a:p>
-            <a:pPr algn="just"/>
-            <a:r>
-              <a:rPr lang="fr-FR" sz="500" b="1" u="sng" dirty="0" smtClean="0">
-                <a:latin typeface="Arial" panose="020B0604020202020204" pitchFamily="34" charset="0"/>
-                <a:cs typeface="Arial" panose="020B0604020202020204" pitchFamily="34" charset="0"/>
-              </a:rPr>
-              <a:t> </a:t>
-            </a:r>
-            <a:endParaRPr lang="fr-FR" sz="400" b="1" u="sng" dirty="0" smtClean="0">
+            <a:endParaRPr lang="fr-FR" sz="1100" b="1" u="sng" dirty="0">
+              <a:uFill>
+                <a:solidFill>
+                  <a:srgbClr val="FF0000"/>
+                </a:solidFill>
+              </a:uFill>
               <a:latin typeface="Arial" panose="020B0604020202020204" pitchFamily="34" charset="0"/>
               <a:cs typeface="Arial" panose="020B0604020202020204" pitchFamily="34" charset="0"/>
             </a:endParaRPr>
           </a:p>
           <a:p>
             <a:pPr algn="just"/>
-            <a:r>
-              <a:rPr lang="fr-FR" sz="900" dirty="0" smtClean="0">
-                <a:latin typeface="Arial" panose="020B0604020202020204" pitchFamily="34" charset="0"/>
-                <a:cs typeface="Arial" panose="020B0604020202020204" pitchFamily="34" charset="0"/>
-              </a:rPr>
-              <a:t>    </a:t>
-            </a:r>
-            <a:r>
-              <a:rPr lang="fr-FR" sz="1000" dirty="0" smtClean="0">
-                <a:latin typeface="Arial" panose="020B0604020202020204" pitchFamily="34" charset="0"/>
-                <a:cs typeface="Arial" panose="020B0604020202020204" pitchFamily="34" charset="0"/>
-              </a:rPr>
-              <a:t>Le but de ce projet est de résoudre un puzzle spécifique, grâce à l’implémentation de deux algorithmes abordant le problème de façon différentes. La première méthode est probabiliste et la deuxième déterministe. Il est couplé avec le projet du cours de Développement Logiciel, que nous évoquerons plus succinctement.</a:t>
-            </a:r>
-          </a:p>
-          <a:p>
-            <a:pPr algn="just"/>
-            <a:endParaRPr lang="fr-FR" sz="1000" dirty="0">
+            <a:endParaRPr lang="fr-FR" sz="1100" b="1" u="sng" dirty="0" smtClean="0">
+              <a:uFill>
+                <a:solidFill>
+                  <a:srgbClr val="FF0000"/>
+                </a:solidFill>
+              </a:uFill>
               <a:latin typeface="Arial" panose="020B0604020202020204" pitchFamily="34" charset="0"/>
               <a:cs typeface="Arial" panose="020B0604020202020204" pitchFamily="34" charset="0"/>
             </a:endParaRPr>
           </a:p>
           <a:p>
             <a:pPr algn="just"/>
-            <a:endParaRPr lang="fr-FR" sz="1000" dirty="0" smtClean="0">
+            <a:endParaRPr lang="fr-FR" sz="1100" b="1" u="sng" dirty="0">
+              <a:uFill>
+                <a:solidFill>
+                  <a:srgbClr val="FF0000"/>
+                </a:solidFill>
+              </a:uFill>
               <a:latin typeface="Arial" panose="020B0604020202020204" pitchFamily="34" charset="0"/>
               <a:cs typeface="Arial" panose="020B0604020202020204" pitchFamily="34" charset="0"/>
             </a:endParaRPr>
           </a:p>
           <a:p>
             <a:pPr algn="just"/>
-            <a:endParaRPr lang="fr-FR" sz="1000" dirty="0" smtClean="0">
+            <a:endParaRPr lang="fr-FR" sz="1100" b="1" u="sng" dirty="0">
+              <a:uFill>
+                <a:solidFill>
+                  <a:srgbClr val="FF0000"/>
+                </a:solidFill>
+              </a:uFill>
               <a:latin typeface="Arial" panose="020B0604020202020204" pitchFamily="34" charset="0"/>
               <a:cs typeface="Arial" panose="020B0604020202020204" pitchFamily="34" charset="0"/>
             </a:endParaRPr>
           </a:p>
-          <a:p>
-            <a:pPr algn="just"/>
-            <a:r>
-              <a:rPr lang="fr-FR" sz="1100" b="1" dirty="0" smtClean="0">
+        </p:txBody>
+      </p:sp>
+      <mc:AlternateContent xmlns:mc="http://schemas.openxmlformats.org/markup-compatibility/2006">
+        <mc:Choice xmlns:a14="http://schemas.microsoft.com/office/drawing/2010/main" Requires="a14">
+          <p:sp>
+            <p:nvSpPr>
+              <p:cNvPr id="31" name="TextBox 30"/>
+              <p:cNvSpPr txBox="1"/>
+              <p:nvPr/>
+            </p:nvSpPr>
+            <p:spPr>
+              <a:xfrm>
+                <a:off x="3721053" y="8722087"/>
+                <a:ext cx="3249706" cy="1231106"/>
+              </a:xfrm>
+              <a:prstGeom prst="rect">
+                <a:avLst/>
+              </a:prstGeom>
+              <a:noFill/>
+              <a:ln>
+                <a:solidFill>
+                  <a:schemeClr val="bg2"/>
+                </a:solidFill>
+              </a:ln>
+            </p:spPr>
+            <p:txBody>
+              <a:bodyPr wrap="square" rtlCol="0">
+                <a:spAutoFit/>
+              </a:bodyPr>
+              <a:lstStyle/>
+              <a:p>
+                <a:pPr lvl="0" algn="just"/>
+                <a:r>
+                  <a:rPr lang="fr-FR" sz="900" dirty="0">
+                    <a:solidFill>
+                      <a:prstClr val="black"/>
+                    </a:solidFill>
+                    <a:latin typeface="Arial" panose="020B0604020202020204" pitchFamily="34" charset="0"/>
+                    <a:cs typeface="Arial" panose="020B0604020202020204" pitchFamily="34" charset="0"/>
+                  </a:rPr>
+                  <a:t>Afin d’améliorer les performances, nous avons ajouté la possibilité de permuter deux pièces choisies aléatoirement au voisinage. Avec la même fonction </a:t>
+                </a:r>
+                <a14:m>
+                  <m:oMath xmlns:m="http://schemas.openxmlformats.org/officeDocument/2006/math">
+                    <m:r>
+                      <a:rPr lang="fr-FR" sz="900" i="1">
+                        <a:latin typeface="Cambria Math" panose="02040503050406030204" pitchFamily="18" charset="0"/>
+                        <a:ea typeface="Cambria Math" panose="02040503050406030204" pitchFamily="18" charset="0"/>
+                      </a:rPr>
+                      <m:t>𝛽</m:t>
+                    </m:r>
+                    <m:d>
+                      <m:dPr>
+                        <m:ctrlPr>
+                          <a:rPr lang="fr-FR" sz="900" i="1">
+                            <a:latin typeface="Cambria Math" panose="02040503050406030204" pitchFamily="18" charset="0"/>
+                            <a:ea typeface="Cambria Math" panose="02040503050406030204" pitchFamily="18" charset="0"/>
+                          </a:rPr>
+                        </m:ctrlPr>
+                      </m:dPr>
+                      <m:e>
+                        <m:r>
+                          <a:rPr lang="fr-FR" sz="900" i="1">
+                            <a:latin typeface="Cambria Math" panose="02040503050406030204" pitchFamily="18" charset="0"/>
+                            <a:ea typeface="Cambria Math" panose="02040503050406030204" pitchFamily="18" charset="0"/>
+                          </a:rPr>
+                          <m:t>𝑡</m:t>
+                        </m:r>
+                      </m:e>
+                    </m:d>
+                  </m:oMath>
+                </a14:m>
+                <a:r>
+                  <a:rPr lang="fr-FR" sz="900" dirty="0">
+                    <a:solidFill>
+                      <a:prstClr val="black"/>
+                    </a:solidFill>
+                    <a:latin typeface="Arial" panose="020B0604020202020204" pitchFamily="34" charset="0"/>
+                    <a:cs typeface="Arial" panose="020B0604020202020204" pitchFamily="34" charset="0"/>
+                  </a:rPr>
+                  <a:t>, un puzzle 5x5 à 6 pièces de géométrie non triviale est résolu en 13 500 itérations en moyenne. </a:t>
+                </a:r>
+                <a:r>
+                  <a:rPr lang="fr-FR" sz="900" dirty="0">
+                    <a:solidFill>
+                      <a:prstClr val="black"/>
+                    </a:solidFill>
+                    <a:latin typeface="Arial" panose="020B0604020202020204" pitchFamily="34" charset="0"/>
+                    <a:cs typeface="Arial" panose="020B0604020202020204" pitchFamily="34" charset="0"/>
+                  </a:rPr>
+                  <a:t>Ce qui est satisfaisant puisqu’il y a plus d’un milliard de possibilités</a:t>
+                </a:r>
+                <a:r>
+                  <a:rPr lang="fr-FR" sz="900" dirty="0" smtClean="0">
+                    <a:solidFill>
+                      <a:prstClr val="black"/>
+                    </a:solidFill>
+                    <a:latin typeface="Arial" panose="020B0604020202020204" pitchFamily="34" charset="0"/>
+                    <a:cs typeface="Arial" panose="020B0604020202020204" pitchFamily="34" charset="0"/>
+                  </a:rPr>
+                  <a:t>.</a:t>
+                </a:r>
+                <a:endParaRPr lang="fr-FR" sz="1000" b="1" u="sng" dirty="0">
+                  <a:solidFill>
+                    <a:prstClr val="black"/>
+                  </a:solidFill>
+                  <a:latin typeface="Arial" panose="020B0604020202020204" pitchFamily="34" charset="0"/>
+                  <a:cs typeface="Arial" panose="020B0604020202020204" pitchFamily="34" charset="0"/>
+                </a:endParaRPr>
+              </a:p>
+              <a:p>
+                <a:pPr algn="just"/>
+                <a:endParaRPr lang="fr-FR" sz="1000" b="1" u="sng" dirty="0">
+                  <a:solidFill>
+                    <a:prstClr val="black"/>
+                  </a:solidFill>
+                  <a:latin typeface="Arial" panose="020B0604020202020204" pitchFamily="34" charset="0"/>
+                  <a:cs typeface="Arial" panose="020B0604020202020204" pitchFamily="34" charset="0"/>
+                </a:endParaRPr>
+              </a:p>
+              <a:p>
+                <a:pPr lvl="0" algn="just"/>
+                <a:r>
+                  <a:rPr lang="fr-FR" sz="1050" b="1" u="sng" dirty="0">
+                    <a:solidFill>
+                      <a:prstClr val="black"/>
+                    </a:solidFill>
+                    <a:latin typeface="Arial" panose="020B0604020202020204" pitchFamily="34" charset="0"/>
+                    <a:cs typeface="Arial" panose="020B0604020202020204" pitchFamily="34" charset="0"/>
+                  </a:rPr>
+                  <a:t>6- Résultats</a:t>
+                </a:r>
+              </a:p>
+            </p:txBody>
+          </p:sp>
+        </mc:Choice>
+        <mc:Fallback>
+          <p:sp>
+            <p:nvSpPr>
+              <p:cNvPr id="31" name="TextBox 30"/>
+              <p:cNvSpPr txBox="1">
+                <a:spLocks noRot="1" noChangeAspect="1" noMove="1" noResize="1" noEditPoints="1" noAdjustHandles="1" noChangeArrowheads="1" noChangeShapeType="1" noTextEdit="1"/>
+              </p:cNvSpPr>
+              <p:nvPr/>
+            </p:nvSpPr>
+            <p:spPr>
+              <a:xfrm>
+                <a:off x="3721053" y="8722087"/>
+                <a:ext cx="3249706" cy="1231106"/>
+              </a:xfrm>
+              <a:prstGeom prst="rect">
+                <a:avLst/>
+              </a:prstGeom>
+              <a:blipFill rotWithShape="0">
+                <a:blip r:embed="rId13"/>
+                <a:stretch>
+                  <a:fillRect b="-1961"/>
+                </a:stretch>
+              </a:blipFill>
+              <a:ln>
+                <a:solidFill>
+                  <a:schemeClr val="bg2"/>
+                </a:solidFill>
+              </a:ln>
+            </p:spPr>
+            <p:txBody>
+              <a:bodyPr/>
+              <a:lstStyle/>
+              <a:p>
+                <a:r>
+                  <a:rPr lang="fr-FR">
+                    <a:noFill/>
+                  </a:rPr>
+                  <a:t> </a:t>
+                </a:r>
+              </a:p>
+            </p:txBody>
+          </p:sp>
+        </mc:Fallback>
+      </mc:AlternateContent>
+      <p:sp>
+        <p:nvSpPr>
+          <p:cNvPr id="33" name="TextBox 32"/>
+          <p:cNvSpPr txBox="1"/>
+          <p:nvPr/>
+        </p:nvSpPr>
+        <p:spPr>
+          <a:xfrm>
+            <a:off x="7191445" y="12137772"/>
+            <a:ext cx="3249706" cy="500137"/>
+          </a:xfrm>
+          <a:prstGeom prst="rect">
+            <a:avLst/>
+          </a:prstGeom>
+          <a:noFill/>
+          <a:ln>
+            <a:solidFill>
+              <a:schemeClr val="bg2"/>
+            </a:solidFill>
+          </a:ln>
+        </p:spPr>
+        <p:txBody>
+          <a:bodyPr wrap="square" rtlCol="0">
+            <a:spAutoFit/>
+          </a:bodyPr>
+          <a:lstStyle/>
+          <a:p>
+            <a:pPr lvl="0" algn="just"/>
+            <a:r>
+              <a:rPr lang="fr-FR" sz="1100" b="1" dirty="0">
                 <a:uFill>
                   <a:solidFill>
                     <a:srgbClr val="FF0000"/>
@@ -6750,19 +6607,7 @@
                 <a:latin typeface="Arial" panose="020B0604020202020204" pitchFamily="34" charset="0"/>
                 <a:cs typeface="Arial" panose="020B0604020202020204" pitchFamily="34" charset="0"/>
               </a:rPr>
-              <a:t>    </a:t>
-            </a:r>
-            <a:r>
-              <a:rPr lang="fr-FR" sz="1100" b="1" u="sng" dirty="0" smtClean="0">
-                <a:uFill>
-                  <a:solidFill>
-                    <a:srgbClr val="FF0000"/>
-                  </a:solidFill>
-                </a:uFill>
-                <a:latin typeface="Arial" panose="020B0604020202020204" pitchFamily="34" charset="0"/>
-                <a:cs typeface="Arial" panose="020B0604020202020204" pitchFamily="34" charset="0"/>
-              </a:rPr>
-              <a:t>IV </a:t>
+              <a:t> </a:t>
             </a:r>
             <a:r>
               <a:rPr lang="fr-FR" sz="1100" b="1" u="sng" dirty="0">
@@ -6774,7 +6619,7 @@
                 <a:latin typeface="Arial" panose="020B0604020202020204" pitchFamily="34" charset="0"/>
                 <a:cs typeface="Arial" panose="020B0604020202020204" pitchFamily="34" charset="0"/>
               </a:rPr>
-              <a:t>– </a:t>
+              <a:t>IV – </a:t>
             </a:r>
             <a:r>
               <a:rPr lang="fr-FR" sz="1100" b="1" u="sng" dirty="0" smtClean="0">
@@ -6790,8 +6635,11 @@
             </a:r>
           </a:p>
           <a:p>
-            <a:pPr algn="just"/>
-            <a:endParaRPr lang="fr-FR" sz="1100" b="1" u="sng" dirty="0">
+            <a:pPr lvl="0" algn="just"/>
+            <a:endParaRPr lang="fr-FR" sz="500" b="1" u="sng" dirty="0">
+              <a:solidFill>
+                <a:prstClr val="black"/>
+              </a:solidFill>
               <a:uFill>
                 <a:solidFill>
                   <a:srgbClr val="FF0000"/>
@@ -6802,88 +6650,415 @@
             </a:endParaRPr>
           </a:p>
           <a:p>
-            <a:pPr algn="just"/>
-            <a:endParaRPr lang="fr-FR" sz="1100" b="1" u="sng" dirty="0" smtClean="0">
-              <a:uFill>
-                <a:solidFill>
-                  <a:srgbClr val="FF0000"/>
-                </a:solidFill>
-              </a:uFill>
+            <a:pPr lvl="0" algn="just"/>
+            <a:endParaRPr lang="fr-FR" sz="1050" dirty="0" smtClean="0">
+              <a:solidFill>
+                <a:prstClr val="black"/>
+              </a:solidFill>
               <a:latin typeface="Arial" panose="020B0604020202020204" pitchFamily="34" charset="0"/>
               <a:cs typeface="Arial" panose="020B0604020202020204" pitchFamily="34" charset="0"/>
             </a:endParaRPr>
           </a:p>
+        </p:txBody>
+      </p:sp>
+      <p:sp>
+        <p:nvSpPr>
+          <p:cNvPr id="32" name="Rectangle 31"/>
+          <p:cNvSpPr/>
+          <p:nvPr/>
+        </p:nvSpPr>
+        <p:spPr>
+          <a:xfrm>
+            <a:off x="6977347" y="1367656"/>
+            <a:ext cx="207510" cy="12854508"/>
+          </a:xfrm>
+          <a:prstGeom prst="rect">
+            <a:avLst/>
+          </a:prstGeom>
+          <a:solidFill>
+            <a:schemeClr val="bg2"/>
+          </a:solidFill>
+          <a:ln>
+            <a:solidFill>
+              <a:schemeClr val="bg2">
+                <a:lumMod val="75000"/>
+              </a:schemeClr>
+            </a:solidFill>
+          </a:ln>
+        </p:spPr>
+        <p:style>
+          <a:lnRef idx="2">
+            <a:schemeClr val="accent1">
+              <a:shade val="50000"/>
+            </a:schemeClr>
+          </a:lnRef>
+          <a:fillRef idx="1">
+            <a:schemeClr val="accent1"/>
+          </a:fillRef>
+          <a:effectRef idx="0">
+            <a:schemeClr val="accent1"/>
+          </a:effectRef>
+          <a:fontRef idx="minor">
+            <a:schemeClr val="lt1"/>
+          </a:fontRef>
+        </p:style>
+        <p:txBody>
+          <a:bodyPr rtlCol="0" anchor="ctr"/>
+          <a:lstStyle/>
+          <a:p>
+            <a:pPr algn="ctr"/>
+            <a:endParaRPr lang="fr-FR"/>
+          </a:p>
+        </p:txBody>
+      </p:sp>
+      <p:sp>
+        <p:nvSpPr>
+          <p:cNvPr id="34" name="ZoneTexte 18"/>
+          <p:cNvSpPr txBox="1"/>
+          <p:nvPr/>
+        </p:nvSpPr>
+        <p:spPr>
+          <a:xfrm>
+            <a:off x="259074" y="4219425"/>
+            <a:ext cx="3253032" cy="1869743"/>
+          </a:xfrm>
+          <a:prstGeom prst="rect">
+            <a:avLst/>
+          </a:prstGeom>
+          <a:noFill/>
+          <a:ln>
+            <a:solidFill>
+              <a:schemeClr val="bg2"/>
+            </a:solidFill>
+          </a:ln>
+        </p:spPr>
+        <p:txBody>
+          <a:bodyPr wrap="square" rtlCol="0">
+            <a:spAutoFit/>
+          </a:bodyPr>
+          <a:lstStyle/>
           <a:p>
             <a:pPr algn="just"/>
-            <a:endParaRPr lang="fr-FR" sz="1100" b="1" u="sng" dirty="0">
-              <a:uFill>
-                <a:solidFill>
-                  <a:srgbClr val="FF0000"/>
-                </a:solidFill>
-              </a:uFill>
+            <a:r>
+              <a:rPr lang="fr-FR" sz="1050" b="1" u="sng" dirty="0" smtClean="0">
+                <a:latin typeface="Arial" panose="020B0604020202020204" pitchFamily="34" charset="0"/>
+                <a:cs typeface="Arial" panose="020B0604020202020204" pitchFamily="34" charset="0"/>
+              </a:rPr>
+              <a:t>2- </a:t>
+            </a:r>
+            <a:r>
+              <a:rPr lang="fr-FR" sz="1050" b="1" u="sng" dirty="0" smtClean="0">
+                <a:latin typeface="Arial" panose="020B0604020202020204" pitchFamily="34" charset="0"/>
+                <a:cs typeface="Arial" panose="020B0604020202020204" pitchFamily="34" charset="0"/>
+              </a:rPr>
+              <a:t>Cadre d’étude, présentation du puzzle:</a:t>
+            </a:r>
+          </a:p>
+          <a:p>
+            <a:pPr algn="just"/>
+            <a:endParaRPr lang="fr-FR" sz="500" b="1" u="sng" dirty="0" smtClean="0">
               <a:latin typeface="Arial" panose="020B0604020202020204" pitchFamily="34" charset="0"/>
               <a:cs typeface="Arial" panose="020B0604020202020204" pitchFamily="34" charset="0"/>
             </a:endParaRPr>
           </a:p>
           <a:p>
             <a:pPr algn="just"/>
-            <a:endParaRPr lang="fr-FR" sz="1100" b="1" u="sng" dirty="0" smtClean="0">
-              <a:uFill>
-                <a:solidFill>
-                  <a:srgbClr val="FF0000"/>
-                </a:solidFill>
-              </a:uFill>
+            <a:r>
+              <a:rPr lang="fr-FR" sz="1000" dirty="0" smtClean="0">
+                <a:latin typeface="Arial" panose="020B0604020202020204" pitchFamily="34" charset="0"/>
+                <a:cs typeface="Arial" panose="020B0604020202020204" pitchFamily="34" charset="0"/>
+              </a:rPr>
+              <a:t>    </a:t>
+            </a:r>
+            <a:r>
+              <a:rPr lang="fr-FR" sz="900" dirty="0" smtClean="0">
+                <a:latin typeface="Arial" panose="020B0604020202020204" pitchFamily="34" charset="0"/>
+                <a:cs typeface="Arial" panose="020B0604020202020204" pitchFamily="34" charset="0"/>
+              </a:rPr>
+              <a:t>Le puzzle étudié est un puzzle bidimensionnel. Il s’agit d’un plateau carrée sur lequel le but est d’encastrer toutes les pièces. Il y a deux types de pièces: </a:t>
+            </a:r>
+          </a:p>
+          <a:p>
+            <a:pPr algn="just"/>
+            <a:r>
+              <a:rPr lang="fr-FR" sz="900" dirty="0" smtClean="0">
+                <a:latin typeface="Arial" panose="020B0604020202020204" pitchFamily="34" charset="0"/>
+                <a:cs typeface="Arial" panose="020B0604020202020204" pitchFamily="34" charset="0"/>
+              </a:rPr>
+              <a:t>- Un </a:t>
+            </a:r>
+            <a:r>
+              <a:rPr lang="fr-FR" sz="900" dirty="0" smtClean="0">
+                <a:latin typeface="Arial" panose="020B0604020202020204" pitchFamily="34" charset="0"/>
+                <a:cs typeface="Arial" panose="020B0604020202020204" pitchFamily="34" charset="0"/>
+              </a:rPr>
+              <a:t>cylindre (bloc), </a:t>
+            </a:r>
+            <a:r>
+              <a:rPr lang="fr-FR" sz="900" dirty="0" smtClean="0">
+                <a:latin typeface="Arial" panose="020B0604020202020204" pitchFamily="34" charset="0"/>
+                <a:cs typeface="Arial" panose="020B0604020202020204" pitchFamily="34" charset="0"/>
+              </a:rPr>
+              <a:t>qui a pour caractéristique de ne pas pouvoir être déplacé au cours de la résolution. On choisit de le placer avant de le résoudre</a:t>
+            </a:r>
+            <a:r>
+              <a:rPr lang="fr-FR" sz="900" dirty="0" smtClean="0">
+                <a:latin typeface="Arial" panose="020B0604020202020204" pitchFamily="34" charset="0"/>
+                <a:cs typeface="Arial" panose="020B0604020202020204" pitchFamily="34" charset="0"/>
+              </a:rPr>
+              <a:t>.</a:t>
+            </a:r>
+            <a:endParaRPr lang="fr-FR" sz="900" dirty="0" smtClean="0">
               <a:latin typeface="Arial" panose="020B0604020202020204" pitchFamily="34" charset="0"/>
               <a:cs typeface="Arial" panose="020B0604020202020204" pitchFamily="34" charset="0"/>
             </a:endParaRPr>
           </a:p>
           <a:p>
             <a:pPr algn="just"/>
-            <a:endParaRPr lang="fr-FR" sz="1100" b="1" u="sng" dirty="0">
-              <a:uFill>
+            <a:r>
+              <a:rPr lang="fr-FR" sz="900" dirty="0" smtClean="0">
+                <a:latin typeface="Arial" panose="020B0604020202020204" pitchFamily="34" charset="0"/>
+                <a:cs typeface="Arial" panose="020B0604020202020204" pitchFamily="34" charset="0"/>
+              </a:rPr>
+              <a:t>- Les autres pièces sont des </a:t>
+            </a:r>
+            <a:r>
+              <a:rPr lang="fr-FR" sz="900" b="1" dirty="0" smtClean="0">
+                <a:latin typeface="Arial" panose="020B0604020202020204" pitchFamily="34" charset="0"/>
+                <a:cs typeface="Arial" panose="020B0604020202020204" pitchFamily="34" charset="0"/>
+              </a:rPr>
+              <a:t>polyominos</a:t>
+            </a:r>
+            <a:r>
+              <a:rPr lang="fr-FR" sz="900" dirty="0" smtClean="0">
+                <a:latin typeface="Arial" panose="020B0604020202020204" pitchFamily="34" charset="0"/>
+                <a:cs typeface="Arial" panose="020B0604020202020204" pitchFamily="34" charset="0"/>
+              </a:rPr>
+              <a:t>: une réunion de carrés unitaires ayant une arrête coïncidente au moins.</a:t>
+            </a:r>
+          </a:p>
+          <a:p>
+            <a:pPr algn="just"/>
+            <a:r>
+              <a:rPr lang="fr-FR" sz="900" dirty="0" smtClean="0">
+                <a:latin typeface="Arial" panose="020B0604020202020204" pitchFamily="34" charset="0"/>
+                <a:cs typeface="Arial" panose="020B0604020202020204" pitchFamily="34" charset="0"/>
+              </a:rPr>
+              <a:t>Le puzzle qui nous a été présenté est de taille </a:t>
+            </a:r>
+            <a:r>
+              <a:rPr lang="fr-FR" sz="900" i="1" dirty="0" smtClean="0">
+                <a:latin typeface="Arial" panose="020B0604020202020204" pitchFamily="34" charset="0"/>
+                <a:cs typeface="Arial" panose="020B0604020202020204" pitchFamily="34" charset="0"/>
+              </a:rPr>
+              <a:t>7x7</a:t>
+            </a:r>
+            <a:r>
+              <a:rPr lang="fr-FR" sz="900" dirty="0" smtClean="0">
+                <a:latin typeface="Arial" panose="020B0604020202020204" pitchFamily="34" charset="0"/>
+                <a:cs typeface="Arial" panose="020B0604020202020204" pitchFamily="34" charset="0"/>
+              </a:rPr>
+              <a:t> et est représenté ci-dessous. Nous avons généralisé à d’autres tailles.</a:t>
+            </a:r>
+          </a:p>
+        </p:txBody>
+      </p:sp>
+      <p:sp>
+        <p:nvSpPr>
+          <p:cNvPr id="2" name="Rectangle 1"/>
+          <p:cNvSpPr/>
+          <p:nvPr/>
+        </p:nvSpPr>
+        <p:spPr>
+          <a:xfrm>
+            <a:off x="3513543" y="1363782"/>
+            <a:ext cx="207510" cy="12858382"/>
+          </a:xfrm>
+          <a:prstGeom prst="rect">
+            <a:avLst/>
+          </a:prstGeom>
+          <a:solidFill>
+            <a:schemeClr val="bg2"/>
+          </a:solidFill>
+          <a:ln>
+            <a:solidFill>
+              <a:schemeClr val="bg2">
+                <a:lumMod val="75000"/>
+              </a:schemeClr>
+            </a:solidFill>
+          </a:ln>
+        </p:spPr>
+        <p:style>
+          <a:lnRef idx="2">
+            <a:schemeClr val="accent1">
+              <a:shade val="50000"/>
+            </a:schemeClr>
+          </a:lnRef>
+          <a:fillRef idx="1">
+            <a:schemeClr val="accent1"/>
+          </a:fillRef>
+          <a:effectRef idx="0">
+            <a:schemeClr val="accent1"/>
+          </a:effectRef>
+          <a:fontRef idx="minor">
+            <a:schemeClr val="lt1"/>
+          </a:fontRef>
+        </p:style>
+        <p:txBody>
+          <a:bodyPr rtlCol="0" anchor="ctr"/>
+          <a:lstStyle/>
+          <a:p>
+            <a:pPr algn="ctr"/>
+            <a:endParaRPr lang="fr-FR"/>
+          </a:p>
+        </p:txBody>
+      </p:sp>
+      <p:sp>
+        <p:nvSpPr>
+          <p:cNvPr id="3" name="Rectangle 2"/>
+          <p:cNvSpPr/>
+          <p:nvPr/>
+        </p:nvSpPr>
+        <p:spPr>
+          <a:xfrm>
+            <a:off x="595145" y="2828848"/>
+            <a:ext cx="2580501" cy="1390577"/>
+          </a:xfrm>
+          <a:prstGeom prst="rect">
+            <a:avLst/>
+          </a:prstGeom>
+          <a:solidFill>
+            <a:schemeClr val="accent1">
+              <a:lumMod val="20000"/>
+              <a:lumOff val="80000"/>
+            </a:schemeClr>
+          </a:solidFill>
+          <a:ln w="12700">
+            <a:solidFill>
+              <a:schemeClr val="accent1">
+                <a:lumMod val="75000"/>
+              </a:schemeClr>
+            </a:solidFill>
+          </a:ln>
+        </p:spPr>
+        <p:style>
+          <a:lnRef idx="1">
+            <a:schemeClr val="accent1"/>
+          </a:lnRef>
+          <a:fillRef idx="2">
+            <a:schemeClr val="accent1"/>
+          </a:fillRef>
+          <a:effectRef idx="1">
+            <a:schemeClr val="accent1"/>
+          </a:effectRef>
+          <a:fontRef idx="minor">
+            <a:schemeClr val="dk1"/>
+          </a:fontRef>
+        </p:style>
+        <p:txBody>
+          <a:bodyPr rtlCol="0" anchor="ctr"/>
+          <a:lstStyle/>
+          <a:p>
+            <a:pPr algn="ctr"/>
+            <a:r>
+              <a:rPr lang="fr-FR" i="1" dirty="0" smtClean="0">
+                <a:ln w="0"/>
                 <a:solidFill>
-                  <a:srgbClr val="FF0000"/>
+                  <a:schemeClr val="tx1"/>
                 </a:solidFill>
-              </a:uFill>
-              <a:latin typeface="Arial" panose="020B0604020202020204" pitchFamily="34" charset="0"/>
-              <a:cs typeface="Arial" panose="020B0604020202020204" pitchFamily="34" charset="0"/>
+                <a:effectLst>
+                  <a:outerShdw blurRad="38100" dist="19050" dir="2700000" algn="tl" rotWithShape="0">
+                    <a:schemeClr val="dk1">
+                      <a:alpha val="40000"/>
+                    </a:schemeClr>
+                  </a:outerShdw>
+                </a:effectLst>
+              </a:rPr>
+              <a:t>Photo du Puzzle</a:t>
+            </a:r>
+            <a:endParaRPr lang="fr-FR" i="1" dirty="0">
+              <a:ln w="0"/>
+              <a:solidFill>
+                <a:schemeClr val="tx1"/>
+              </a:solidFill>
+              <a:effectLst>
+                <a:outerShdw blurRad="38100" dist="19050" dir="2700000" algn="tl" rotWithShape="0">
+                  <a:schemeClr val="dk1">
+                    <a:alpha val="40000"/>
+                  </a:schemeClr>
+                </a:outerShdw>
+              </a:effectLst>
             </a:endParaRPr>
           </a:p>
-          <a:p>
-            <a:pPr algn="just"/>
-            <a:endParaRPr lang="fr-FR" sz="1100" b="1" u="sng" dirty="0" smtClean="0">
-              <a:uFill>
-                <a:solidFill>
-                  <a:srgbClr val="FF0000"/>
-                </a:solidFill>
-              </a:uFill>
-              <a:latin typeface="Arial" panose="020B0604020202020204" pitchFamily="34" charset="0"/>
-              <a:cs typeface="Arial" panose="020B0604020202020204" pitchFamily="34" charset="0"/>
-            </a:endParaRPr>
-          </a:p>
-          <a:p>
-            <a:pPr algn="just"/>
-            <a:endParaRPr lang="fr-FR" sz="1100" b="1" u="sng" dirty="0">
-              <a:uFill>
-                <a:solidFill>
-                  <a:srgbClr val="FF0000"/>
-                </a:solidFill>
-              </a:uFill>
-              <a:latin typeface="Arial" panose="020B0604020202020204" pitchFamily="34" charset="0"/>
-              <a:cs typeface="Arial" panose="020B0604020202020204" pitchFamily="34" charset="0"/>
-            </a:endParaRPr>
-          </a:p>
-          <a:p>
-            <a:pPr algn="just"/>
-            <a:endParaRPr lang="fr-FR" sz="1100" b="1" u="sng" dirty="0">
-              <a:uFill>
-                <a:solidFill>
-                  <a:srgbClr val="FF0000"/>
-                </a:solidFill>
-              </a:uFill>
-              <a:latin typeface="Arial" panose="020B0604020202020204" pitchFamily="34" charset="0"/>
-              <a:cs typeface="Arial" panose="020B0604020202020204" pitchFamily="34" charset="0"/>
-            </a:endParaRPr>
+        </p:txBody>
+      </p:sp>
+      <p:pic>
+        <p:nvPicPr>
+          <p:cNvPr id="4" name="Picture 3"/>
+          <p:cNvPicPr>
+            <a:picLocks noChangeAspect="1"/>
+          </p:cNvPicPr>
+          <p:nvPr/>
+        </p:nvPicPr>
+        <p:blipFill>
+          <a:blip r:embed="rId14">
+            <a:extLst>
+              <a:ext uri="{28A0092B-C50C-407E-A947-70E740481C1C}">
+                <a14:useLocalDpi xmlns:a14="http://schemas.microsoft.com/office/drawing/2010/main" val="0"/>
+              </a:ext>
+            </a:extLst>
+          </a:blip>
+          <a:stretch>
+            <a:fillRect/>
+          </a:stretch>
+        </p:blipFill>
+        <p:spPr>
+          <a:xfrm>
+            <a:off x="3810938" y="11754786"/>
+            <a:ext cx="3078502" cy="2224217"/>
+          </a:xfrm>
+          <a:prstGeom prst="rect">
+            <a:avLst/>
+          </a:prstGeom>
+          <a:ln>
+            <a:solidFill>
+              <a:srgbClr val="38ADE3"/>
+            </a:solidFill>
+          </a:ln>
+        </p:spPr>
+      </p:pic>
+      <p:sp>
+        <p:nvSpPr>
+          <p:cNvPr id="39" name="TextBox 38"/>
+          <p:cNvSpPr txBox="1"/>
+          <p:nvPr/>
+        </p:nvSpPr>
+        <p:spPr>
+          <a:xfrm>
+            <a:off x="3912668" y="13990123"/>
+            <a:ext cx="2866476" cy="230832"/>
+          </a:xfrm>
+          <a:prstGeom prst="rect">
+            <a:avLst/>
+          </a:prstGeom>
+          <a:noFill/>
+        </p:spPr>
+        <p:txBody>
+          <a:bodyPr wrap="square" rtlCol="0">
+            <a:spAutoFit/>
+          </a:bodyPr>
+          <a:lstStyle/>
+          <a:p>
+            <a:pPr algn="ctr"/>
+            <a:r>
+              <a:rPr lang="fr-FR" sz="900" i="1" dirty="0" smtClean="0"/>
+              <a:t>L’API développée dans le cadre du projet </a:t>
+            </a:r>
+            <a:r>
+              <a:rPr lang="fr-FR" sz="900" i="1" dirty="0" err="1" smtClean="0"/>
+              <a:t>TDLog</a:t>
+            </a:r>
+            <a:endParaRPr lang="fr-FR" sz="900" i="1" dirty="0"/>
           </a:p>
         </p:txBody>
       </p:sp>

--- a/Poster_1.pptx
+++ b/Poster_1.pptx
@@ -112,6 +112,1261 @@
 </p:presentation>
 </file>
 
+<file path=ppt/revisionInfo.xml><?xml version="1.0" encoding="utf-8"?>
+<p1510:revInfo xmlns:a="http://schemas.openxmlformats.org/drawingml/2006/main" xmlns:r="http://schemas.openxmlformats.org/officeDocument/2006/relationships" xmlns:p1510="http://schemas.microsoft.com/office/powerpoint/2015/10/main"/>
+</file>
+
+<file path=ppt/charts/chart1.xml><?xml version="1.0" encoding="utf-8"?>
+<c:chartSpace xmlns:c="http://schemas.openxmlformats.org/drawingml/2006/chart" xmlns:a="http://schemas.openxmlformats.org/drawingml/2006/main" xmlns:r="http://schemas.openxmlformats.org/officeDocument/2006/relationships" xmlns:c16r2="http://schemas.microsoft.com/office/drawing/2015/06/chart">
+  <c:date1904 val="0"/>
+  <c:lang val="fr-FR"/>
+  <c:roundedCorners val="0"/>
+  <mc:AlternateContent xmlns:mc="http://schemas.openxmlformats.org/markup-compatibility/2006">
+    <mc:Choice xmlns:c14="http://schemas.microsoft.com/office/drawing/2007/8/2/chart" Requires="c14">
+      <c14:style val="102"/>
+    </mc:Choice>
+    <mc:Fallback>
+      <c:style val="2"/>
+    </mc:Fallback>
+  </mc:AlternateContent>
+  <c:chart>
+    <c:autoTitleDeleted val="1"/>
+    <c:plotArea>
+      <c:layout>
+        <c:manualLayout>
+          <c:layoutTarget val="inner"/>
+          <c:xMode val="edge"/>
+          <c:yMode val="edge"/>
+          <c:x val="0.22773618874939872"/>
+          <c:y val="6.9171577761801495E-2"/>
+          <c:w val="0.72946574508725615"/>
+          <c:h val="0.62865262220274609"/>
+        </c:manualLayout>
+      </c:layout>
+      <c:lineChart>
+        <c:grouping val="standard"/>
+        <c:varyColors val="0"/>
+        <c:ser>
+          <c:idx val="0"/>
+          <c:order val="0"/>
+          <c:tx>
+            <c:v>Basic</c:v>
+          </c:tx>
+          <c:spPr>
+            <a:ln w="28575" cap="rnd">
+              <a:solidFill>
+                <a:schemeClr val="accent1"/>
+              </a:solidFill>
+              <a:round/>
+            </a:ln>
+            <a:effectLst/>
+          </c:spPr>
+          <c:marker>
+            <c:symbol val="circle"/>
+            <c:size val="5"/>
+            <c:spPr>
+              <a:solidFill>
+                <a:schemeClr val="accent1"/>
+              </a:solidFill>
+              <a:ln w="9525">
+                <a:solidFill>
+                  <a:schemeClr val="accent1"/>
+                </a:solidFill>
+              </a:ln>
+              <a:effectLst/>
+            </c:spPr>
+          </c:marker>
+          <c:cat>
+            <c:numRef>
+              <c:f>ComparaisonPerformances5x5!$A$2:$A$8</c:f>
+              <c:numCache>
+                <c:formatCode>General</c:formatCode>
+                <c:ptCount val="7"/>
+                <c:pt idx="0">
+                  <c:v>0</c:v>
+                </c:pt>
+                <c:pt idx="1">
+                  <c:v>1</c:v>
+                </c:pt>
+                <c:pt idx="2">
+                  <c:v>2</c:v>
+                </c:pt>
+                <c:pt idx="3">
+                  <c:v>3</c:v>
+                </c:pt>
+                <c:pt idx="4">
+                  <c:v>4</c:v>
+                </c:pt>
+                <c:pt idx="5">
+                  <c:v>5</c:v>
+                </c:pt>
+                <c:pt idx="6">
+                  <c:v>6</c:v>
+                </c:pt>
+              </c:numCache>
+            </c:numRef>
+          </c:cat>
+          <c:val>
+            <c:numRef>
+              <c:f>ComparaisonPerformances5x5!$F$2:$F$8</c:f>
+              <c:numCache>
+                <c:formatCode>General</c:formatCode>
+                <c:ptCount val="7"/>
+                <c:pt idx="0">
+                  <c:v>0</c:v>
+                </c:pt>
+                <c:pt idx="1">
+                  <c:v>3515</c:v>
+                </c:pt>
+                <c:pt idx="2">
+                  <c:v>7610</c:v>
+                </c:pt>
+                <c:pt idx="3">
+                  <c:v>35939</c:v>
+                </c:pt>
+                <c:pt idx="4">
+                  <c:v>9827</c:v>
+                </c:pt>
+                <c:pt idx="5">
+                  <c:v>3156</c:v>
+                </c:pt>
+                <c:pt idx="6">
+                  <c:v>50</c:v>
+                </c:pt>
+              </c:numCache>
+            </c:numRef>
+          </c:val>
+          <c:smooth val="0"/>
+          <c:extLst>
+            <c:ext xmlns:c16="http://schemas.microsoft.com/office/drawing/2014/chart" uri="{C3380CC4-5D6E-409C-BE32-E72D297353CC}">
+              <c16:uniqueId val="{00000000-A35B-4B5B-B4F6-EBC780F9EB1F}"/>
+            </c:ext>
+          </c:extLst>
+        </c:ser>
+        <c:ser>
+          <c:idx val="1"/>
+          <c:order val="1"/>
+          <c:tx>
+            <c:v>Opti</c:v>
+          </c:tx>
+          <c:spPr>
+            <a:ln w="28575" cap="rnd">
+              <a:solidFill>
+                <a:schemeClr val="accent2"/>
+              </a:solidFill>
+              <a:round/>
+            </a:ln>
+            <a:effectLst/>
+          </c:spPr>
+          <c:marker>
+            <c:symbol val="circle"/>
+            <c:size val="5"/>
+            <c:spPr>
+              <a:solidFill>
+                <a:schemeClr val="accent2"/>
+              </a:solidFill>
+              <a:ln w="9525">
+                <a:solidFill>
+                  <a:schemeClr val="accent2"/>
+                </a:solidFill>
+              </a:ln>
+              <a:effectLst/>
+            </c:spPr>
+          </c:marker>
+          <c:cat>
+            <c:numRef>
+              <c:f>ComparaisonPerformances5x5!$A$2:$A$8</c:f>
+              <c:numCache>
+                <c:formatCode>General</c:formatCode>
+                <c:ptCount val="7"/>
+                <c:pt idx="0">
+                  <c:v>0</c:v>
+                </c:pt>
+                <c:pt idx="1">
+                  <c:v>1</c:v>
+                </c:pt>
+                <c:pt idx="2">
+                  <c:v>2</c:v>
+                </c:pt>
+                <c:pt idx="3">
+                  <c:v>3</c:v>
+                </c:pt>
+                <c:pt idx="4">
+                  <c:v>4</c:v>
+                </c:pt>
+                <c:pt idx="5">
+                  <c:v>5</c:v>
+                </c:pt>
+                <c:pt idx="6">
+                  <c:v>6</c:v>
+                </c:pt>
+              </c:numCache>
+            </c:numRef>
+          </c:cat>
+          <c:val>
+            <c:numRef>
+              <c:f>ComparaisonPerformances5x5!$F$17:$F$23</c:f>
+              <c:numCache>
+                <c:formatCode>General</c:formatCode>
+                <c:ptCount val="7"/>
+                <c:pt idx="0">
+                  <c:v>0</c:v>
+                </c:pt>
+                <c:pt idx="1">
+                  <c:v>602</c:v>
+                </c:pt>
+                <c:pt idx="2">
+                  <c:v>2722</c:v>
+                </c:pt>
+                <c:pt idx="3">
+                  <c:v>8381</c:v>
+                </c:pt>
+                <c:pt idx="4">
+                  <c:v>15785</c:v>
+                </c:pt>
+                <c:pt idx="5">
+                  <c:v>6671</c:v>
+                </c:pt>
+                <c:pt idx="6">
+                  <c:v>58</c:v>
+                </c:pt>
+              </c:numCache>
+            </c:numRef>
+          </c:val>
+          <c:smooth val="0"/>
+          <c:extLst>
+            <c:ext xmlns:c16="http://schemas.microsoft.com/office/drawing/2014/chart" uri="{C3380CC4-5D6E-409C-BE32-E72D297353CC}">
+              <c16:uniqueId val="{00000001-A35B-4B5B-B4F6-EBC780F9EB1F}"/>
+            </c:ext>
+          </c:extLst>
+        </c:ser>
+        <c:dLbls>
+          <c:showLegendKey val="0"/>
+          <c:showVal val="0"/>
+          <c:showCatName val="0"/>
+          <c:showSerName val="0"/>
+          <c:showPercent val="0"/>
+          <c:showBubbleSize val="0"/>
+        </c:dLbls>
+        <c:marker val="1"/>
+        <c:smooth val="0"/>
+        <c:axId val="179462064"/>
+        <c:axId val="179467504"/>
+      </c:lineChart>
+      <c:catAx>
+        <c:axId val="179462064"/>
+        <c:scaling>
+          <c:orientation val="minMax"/>
+        </c:scaling>
+        <c:delete val="0"/>
+        <c:axPos val="b"/>
+        <c:title>
+          <c:tx>
+            <c:rich>
+              <a:bodyPr rot="0" spcFirstLastPara="1" vertOverflow="ellipsis" vert="horz" wrap="square" anchor="ctr" anchorCtr="1"/>
+              <a:lstStyle/>
+              <a:p>
+                <a:pPr>
+                  <a:defRPr sz="1000" b="0" i="0" u="none" strike="noStrike" kern="1200" baseline="0">
+                    <a:solidFill>
+                      <a:schemeClr val="tx1">
+                        <a:lumMod val="65000"/>
+                        <a:lumOff val="35000"/>
+                      </a:schemeClr>
+                    </a:solidFill>
+                    <a:latin typeface="+mn-lt"/>
+                    <a:ea typeface="+mn-ea"/>
+                    <a:cs typeface="+mn-cs"/>
+                  </a:defRPr>
+                </a:pPr>
+                <a:r>
+                  <a:rPr lang="fr-FR" sz="700" dirty="0"/>
+                  <a:t>Profondeur d'exploration</a:t>
+                </a:r>
+              </a:p>
+            </c:rich>
+          </c:tx>
+          <c:layout>
+            <c:manualLayout>
+              <c:xMode val="edge"/>
+              <c:yMode val="edge"/>
+              <c:x val="0.41433464714116014"/>
+              <c:y val="0.80745226040191165"/>
+            </c:manualLayout>
+          </c:layout>
+          <c:overlay val="0"/>
+          <c:spPr>
+            <a:noFill/>
+            <a:ln>
+              <a:noFill/>
+            </a:ln>
+            <a:effectLst/>
+          </c:spPr>
+          <c:txPr>
+            <a:bodyPr rot="0" spcFirstLastPara="1" vertOverflow="ellipsis" vert="horz" wrap="square" anchor="ctr" anchorCtr="1"/>
+            <a:lstStyle/>
+            <a:p>
+              <a:pPr>
+                <a:defRPr sz="1000" b="0" i="0" u="none" strike="noStrike" kern="1200" baseline="0">
+                  <a:solidFill>
+                    <a:schemeClr val="tx1">
+                      <a:lumMod val="65000"/>
+                      <a:lumOff val="35000"/>
+                    </a:schemeClr>
+                  </a:solidFill>
+                  <a:latin typeface="+mn-lt"/>
+                  <a:ea typeface="+mn-ea"/>
+                  <a:cs typeface="+mn-cs"/>
+                </a:defRPr>
+              </a:pPr>
+              <a:endParaRPr lang="fr-FR"/>
+            </a:p>
+          </c:txPr>
+        </c:title>
+        <c:numFmt formatCode="General" sourceLinked="1"/>
+        <c:majorTickMark val="none"/>
+        <c:minorTickMark val="none"/>
+        <c:tickLblPos val="nextTo"/>
+        <c:spPr>
+          <a:noFill/>
+          <a:ln w="9525" cap="flat" cmpd="sng" algn="ctr">
+            <a:solidFill>
+              <a:schemeClr val="tx1">
+                <a:lumMod val="15000"/>
+                <a:lumOff val="85000"/>
+              </a:schemeClr>
+            </a:solidFill>
+            <a:round/>
+          </a:ln>
+          <a:effectLst/>
+        </c:spPr>
+        <c:txPr>
+          <a:bodyPr rot="-60000000" spcFirstLastPara="1" vertOverflow="ellipsis" vert="horz" wrap="square" anchor="ctr" anchorCtr="1"/>
+          <a:lstStyle/>
+          <a:p>
+            <a:pPr>
+              <a:defRPr sz="900" b="0" i="0" u="none" strike="noStrike" kern="1200" baseline="0">
+                <a:solidFill>
+                  <a:schemeClr val="tx1">
+                    <a:lumMod val="65000"/>
+                    <a:lumOff val="35000"/>
+                  </a:schemeClr>
+                </a:solidFill>
+                <a:latin typeface="+mn-lt"/>
+                <a:ea typeface="+mn-ea"/>
+                <a:cs typeface="+mn-cs"/>
+              </a:defRPr>
+            </a:pPr>
+            <a:endParaRPr lang="fr-FR"/>
+          </a:p>
+        </c:txPr>
+        <c:crossAx val="179467504"/>
+        <c:crosses val="autoZero"/>
+        <c:auto val="1"/>
+        <c:lblAlgn val="ctr"/>
+        <c:lblOffset val="100"/>
+        <c:noMultiLvlLbl val="0"/>
+      </c:catAx>
+      <c:valAx>
+        <c:axId val="179467504"/>
+        <c:scaling>
+          <c:orientation val="minMax"/>
+        </c:scaling>
+        <c:delete val="0"/>
+        <c:axPos val="l"/>
+        <c:majorGridlines>
+          <c:spPr>
+            <a:ln w="9525" cap="flat" cmpd="sng" algn="ctr">
+              <a:solidFill>
+                <a:schemeClr val="tx1">
+                  <a:lumMod val="15000"/>
+                  <a:lumOff val="85000"/>
+                </a:schemeClr>
+              </a:solidFill>
+              <a:round/>
+            </a:ln>
+            <a:effectLst/>
+          </c:spPr>
+        </c:majorGridlines>
+        <c:title>
+          <c:tx>
+            <c:rich>
+              <a:bodyPr rot="-5400000" spcFirstLastPara="1" vertOverflow="ellipsis" vert="horz" wrap="square" anchor="ctr" anchorCtr="1"/>
+              <a:lstStyle/>
+              <a:p>
+                <a:pPr>
+                  <a:defRPr sz="1000" b="0" i="0" u="none" strike="noStrike" kern="1200" baseline="0">
+                    <a:solidFill>
+                      <a:schemeClr val="tx1">
+                        <a:lumMod val="65000"/>
+                        <a:lumOff val="35000"/>
+                      </a:schemeClr>
+                    </a:solidFill>
+                    <a:latin typeface="+mn-lt"/>
+                    <a:ea typeface="+mn-ea"/>
+                    <a:cs typeface="+mn-cs"/>
+                  </a:defRPr>
+                </a:pPr>
+                <a:r>
+                  <a:rPr lang="fr-FR" sz="700" dirty="0"/>
+                  <a:t>Nombre</a:t>
+                </a:r>
+                <a:r>
+                  <a:rPr lang="fr-FR" sz="700" baseline="0" dirty="0"/>
+                  <a:t> de </a:t>
+                </a:r>
+                <a:r>
+                  <a:rPr lang="fr-FR" sz="700" baseline="0" dirty="0" err="1"/>
+                  <a:t>màj</a:t>
+                </a:r>
+                <a:r>
+                  <a:rPr lang="fr-FR" sz="700" baseline="0" dirty="0"/>
+                  <a:t> de la matrice</a:t>
+                </a:r>
+                <a:endParaRPr lang="fr-FR" sz="700" dirty="0"/>
+              </a:p>
+            </c:rich>
+          </c:tx>
+          <c:layout>
+            <c:manualLayout>
+              <c:xMode val="edge"/>
+              <c:yMode val="edge"/>
+              <c:x val="4.2316712324572202E-2"/>
+              <c:y val="0.11052486995373992"/>
+            </c:manualLayout>
+          </c:layout>
+          <c:overlay val="0"/>
+          <c:spPr>
+            <a:noFill/>
+            <a:ln>
+              <a:noFill/>
+            </a:ln>
+            <a:effectLst/>
+          </c:spPr>
+          <c:txPr>
+            <a:bodyPr rot="-5400000" spcFirstLastPara="1" vertOverflow="ellipsis" vert="horz" wrap="square" anchor="ctr" anchorCtr="1"/>
+            <a:lstStyle/>
+            <a:p>
+              <a:pPr>
+                <a:defRPr sz="1000" b="0" i="0" u="none" strike="noStrike" kern="1200" baseline="0">
+                  <a:solidFill>
+                    <a:schemeClr val="tx1">
+                      <a:lumMod val="65000"/>
+                      <a:lumOff val="35000"/>
+                    </a:schemeClr>
+                  </a:solidFill>
+                  <a:latin typeface="+mn-lt"/>
+                  <a:ea typeface="+mn-ea"/>
+                  <a:cs typeface="+mn-cs"/>
+                </a:defRPr>
+              </a:pPr>
+              <a:endParaRPr lang="fr-FR"/>
+            </a:p>
+          </c:txPr>
+        </c:title>
+        <c:numFmt formatCode="General" sourceLinked="1"/>
+        <c:majorTickMark val="none"/>
+        <c:minorTickMark val="none"/>
+        <c:tickLblPos val="nextTo"/>
+        <c:spPr>
+          <a:noFill/>
+          <a:ln>
+            <a:noFill/>
+          </a:ln>
+          <a:effectLst/>
+        </c:spPr>
+        <c:txPr>
+          <a:bodyPr rot="-60000000" spcFirstLastPara="1" vertOverflow="ellipsis" vert="horz" wrap="square" anchor="ctr" anchorCtr="1"/>
+          <a:lstStyle/>
+          <a:p>
+            <a:pPr>
+              <a:defRPr sz="900" b="0" i="0" u="none" strike="noStrike" kern="1200" baseline="0">
+                <a:solidFill>
+                  <a:schemeClr val="tx1">
+                    <a:lumMod val="65000"/>
+                    <a:lumOff val="35000"/>
+                  </a:schemeClr>
+                </a:solidFill>
+                <a:latin typeface="+mn-lt"/>
+                <a:ea typeface="+mn-ea"/>
+                <a:cs typeface="+mn-cs"/>
+              </a:defRPr>
+            </a:pPr>
+            <a:endParaRPr lang="fr-FR"/>
+          </a:p>
+        </c:txPr>
+        <c:crossAx val="179462064"/>
+        <c:crosses val="autoZero"/>
+        <c:crossBetween val="between"/>
+        <c:majorUnit val="10000"/>
+      </c:valAx>
+      <c:spPr>
+        <a:noFill/>
+        <a:ln>
+          <a:noFill/>
+        </a:ln>
+        <a:effectLst/>
+      </c:spPr>
+    </c:plotArea>
+    <c:legend>
+      <c:legendPos val="b"/>
+      <c:layout>
+        <c:manualLayout>
+          <c:xMode val="edge"/>
+          <c:yMode val="edge"/>
+          <c:x val="0.60730992011131779"/>
+          <c:y val="9.4216041307755627E-2"/>
+          <c:w val="0.38455293494481135"/>
+          <c:h val="0.10942762318100588"/>
+        </c:manualLayout>
+      </c:layout>
+      <c:overlay val="0"/>
+      <c:spPr>
+        <a:noFill/>
+        <a:ln>
+          <a:noFill/>
+        </a:ln>
+        <a:effectLst/>
+      </c:spPr>
+      <c:txPr>
+        <a:bodyPr rot="0" spcFirstLastPara="1" vertOverflow="ellipsis" vert="horz" wrap="square" anchor="ctr" anchorCtr="1"/>
+        <a:lstStyle/>
+        <a:p>
+          <a:pPr>
+            <a:defRPr sz="900" b="0" i="0" u="none" strike="noStrike" kern="1200" baseline="0">
+              <a:solidFill>
+                <a:schemeClr val="tx1">
+                  <a:lumMod val="65000"/>
+                  <a:lumOff val="35000"/>
+                </a:schemeClr>
+              </a:solidFill>
+              <a:latin typeface="+mn-lt"/>
+              <a:ea typeface="+mn-ea"/>
+              <a:cs typeface="+mn-cs"/>
+            </a:defRPr>
+          </a:pPr>
+          <a:endParaRPr lang="fr-FR"/>
+        </a:p>
+      </c:txPr>
+    </c:legend>
+    <c:plotVisOnly val="1"/>
+    <c:dispBlanksAs val="zero"/>
+    <c:extLst>
+      <c:ext xmlns:c16r3="http://schemas.microsoft.com/office/drawing/2017/03/chart" uri="{56B9EC1D-385E-4148-901F-78D8002777C0}">
+        <c16r3:dataDisplayOptions16>
+          <c16r3:dispNaAsBlank val="1"/>
+        </c16r3:dataDisplayOptions16>
+      </c:ext>
+    </c:extLst>
+    <c:showDLblsOverMax val="0"/>
+  </c:chart>
+  <c:spPr>
+    <a:noFill/>
+    <a:ln>
+      <a:solidFill>
+        <a:srgbClr val="38ADE3"/>
+      </a:solidFill>
+    </a:ln>
+    <a:effectLst/>
+  </c:spPr>
+  <c:txPr>
+    <a:bodyPr/>
+    <a:lstStyle/>
+    <a:p>
+      <a:pPr>
+        <a:defRPr/>
+      </a:pPr>
+      <a:endParaRPr lang="fr-FR"/>
+    </a:p>
+  </c:txPr>
+  <c:externalData r:id="rId3">
+    <c:autoUpdate val="0"/>
+  </c:externalData>
+  <c:userShapes r:id="rId4"/>
+</c:chartSpace>
+</file>
+
+<file path=ppt/charts/colors1.xml><?xml version="1.0" encoding="utf-8"?>
+<cs:colorStyle xmlns:cs="http://schemas.microsoft.com/office/drawing/2012/chartStyle" xmlns:a="http://schemas.openxmlformats.org/drawingml/2006/main" meth="cycle" id="10">
+  <a:schemeClr val="accent1"/>
+  <a:schemeClr val="accent2"/>
+  <a:schemeClr val="accent3"/>
+  <a:schemeClr val="accent4"/>
+  <a:schemeClr val="accent5"/>
+  <a:schemeClr val="accent6"/>
+  <cs:variation/>
+  <cs:variation>
+    <a:lumMod val="60000"/>
+  </cs:variation>
+  <cs:variation>
+    <a:lumMod val="80000"/>
+    <a:lumOff val="20000"/>
+  </cs:variation>
+  <cs:variation>
+    <a:lumMod val="80000"/>
+  </cs:variation>
+  <cs:variation>
+    <a:lumMod val="60000"/>
+    <a:lumOff val="40000"/>
+  </cs:variation>
+  <cs:variation>
+    <a:lumMod val="50000"/>
+  </cs:variation>
+  <cs:variation>
+    <a:lumMod val="70000"/>
+    <a:lumOff val="30000"/>
+  </cs:variation>
+  <cs:variation>
+    <a:lumMod val="70000"/>
+  </cs:variation>
+  <cs:variation>
+    <a:lumMod val="50000"/>
+    <a:lumOff val="50000"/>
+  </cs:variation>
+</cs:colorStyle>
+</file>
+
+<file path=ppt/charts/style1.xml><?xml version="1.0" encoding="utf-8"?>
+<cs:chartStyle xmlns:cs="http://schemas.microsoft.com/office/drawing/2012/chartStyle" xmlns:a="http://schemas.openxmlformats.org/drawingml/2006/main" id="332">
+  <cs:axisTitle>
+    <cs:lnRef idx="0"/>
+    <cs:fillRef idx="0"/>
+    <cs:effectRef idx="0"/>
+    <cs:fontRef idx="minor">
+      <a:schemeClr val="tx1">
+        <a:lumMod val="65000"/>
+        <a:lumOff val="35000"/>
+      </a:schemeClr>
+    </cs:fontRef>
+    <cs:defRPr sz="1000" kern="1200"/>
+  </cs:axisTitle>
+  <cs:categoryAxis>
+    <cs:lnRef idx="0"/>
+    <cs:fillRef idx="0"/>
+    <cs:effectRef idx="0"/>
+    <cs:fontRef idx="minor">
+      <a:schemeClr val="tx1">
+        <a:lumMod val="65000"/>
+        <a:lumOff val="35000"/>
+      </a:schemeClr>
+    </cs:fontRef>
+    <cs:spPr>
+      <a:ln w="9525" cap="flat" cmpd="sng" algn="ctr">
+        <a:solidFill>
+          <a:schemeClr val="tx1">
+            <a:lumMod val="15000"/>
+            <a:lumOff val="85000"/>
+          </a:schemeClr>
+        </a:solidFill>
+        <a:round/>
+      </a:ln>
+    </cs:spPr>
+    <cs:defRPr sz="900" kern="1200"/>
+  </cs:categoryAxis>
+  <cs:chartArea mods="allowNoFillOverride allowNoLineOverride">
+    <cs:lnRef idx="0"/>
+    <cs:fillRef idx="0"/>
+    <cs:effectRef idx="0"/>
+    <cs:fontRef idx="minor">
+      <a:schemeClr val="tx1"/>
+    </cs:fontRef>
+    <cs:spPr>
+      <a:solidFill>
+        <a:schemeClr val="bg1"/>
+      </a:solidFill>
+      <a:ln w="9525" cap="flat" cmpd="sng" algn="ctr">
+        <a:solidFill>
+          <a:schemeClr val="tx1">
+            <a:lumMod val="15000"/>
+            <a:lumOff val="85000"/>
+          </a:schemeClr>
+        </a:solidFill>
+        <a:round/>
+      </a:ln>
+    </cs:spPr>
+    <cs:defRPr sz="1000" kern="1200"/>
+  </cs:chartArea>
+  <cs:dataLabel>
+    <cs:lnRef idx="0"/>
+    <cs:fillRef idx="0"/>
+    <cs:effectRef idx="0"/>
+    <cs:fontRef idx="minor">
+      <a:schemeClr val="tx1">
+        <a:lumMod val="75000"/>
+        <a:lumOff val="25000"/>
+      </a:schemeClr>
+    </cs:fontRef>
+    <cs:defRPr sz="900" kern="1200"/>
+  </cs:dataLabel>
+  <cs:dataLabelCallout>
+    <cs:lnRef idx="0"/>
+    <cs:fillRef idx="0"/>
+    <cs:effectRef idx="0"/>
+    <cs:fontRef idx="minor">
+      <a:schemeClr val="dk1">
+        <a:lumMod val="65000"/>
+        <a:lumOff val="35000"/>
+      </a:schemeClr>
+    </cs:fontRef>
+    <cs:spPr>
+      <a:solidFill>
+        <a:schemeClr val="lt1"/>
+      </a:solidFill>
+      <a:ln>
+        <a:solidFill>
+          <a:schemeClr val="dk1">
+            <a:lumMod val="25000"/>
+            <a:lumOff val="75000"/>
+          </a:schemeClr>
+        </a:solidFill>
+      </a:ln>
+    </cs:spPr>
+    <cs:defRPr sz="900" kern="1200"/>
+    <cs:bodyPr rot="0" spcFirstLastPara="1" vertOverflow="clip" horzOverflow="clip" vert="horz" wrap="square" lIns="36576" tIns="18288" rIns="36576" bIns="18288" anchor="ctr" anchorCtr="1">
+      <a:spAutoFit/>
+    </cs:bodyPr>
+  </cs:dataLabelCallout>
+  <cs:dataPoint>
+    <cs:lnRef idx="0"/>
+    <cs:fillRef idx="1">
+      <cs:styleClr val="auto"/>
+    </cs:fillRef>
+    <cs:effectRef idx="0"/>
+    <cs:fontRef idx="minor">
+      <a:schemeClr val="tx1"/>
+    </cs:fontRef>
+  </cs:dataPoint>
+  <cs:dataPoint3D>
+    <cs:lnRef idx="0"/>
+    <cs:fillRef idx="1">
+      <cs:styleClr val="auto"/>
+    </cs:fillRef>
+    <cs:effectRef idx="0"/>
+    <cs:fontRef idx="minor">
+      <a:schemeClr val="tx1"/>
+    </cs:fontRef>
+  </cs:dataPoint3D>
+  <cs:dataPointLine>
+    <cs:lnRef idx="0">
+      <cs:styleClr val="auto"/>
+    </cs:lnRef>
+    <cs:fillRef idx="1"/>
+    <cs:effectRef idx="0"/>
+    <cs:fontRef idx="minor">
+      <a:schemeClr val="tx1"/>
+    </cs:fontRef>
+    <cs:spPr>
+      <a:ln w="28575" cap="rnd">
+        <a:solidFill>
+          <a:schemeClr val="phClr"/>
+        </a:solidFill>
+        <a:round/>
+      </a:ln>
+    </cs:spPr>
+  </cs:dataPointLine>
+  <cs:dataPointMarker>
+    <cs:lnRef idx="0">
+      <cs:styleClr val="auto"/>
+    </cs:lnRef>
+    <cs:fillRef idx="1">
+      <cs:styleClr val="auto"/>
+    </cs:fillRef>
+    <cs:effectRef idx="0"/>
+    <cs:fontRef idx="minor">
+      <a:schemeClr val="tx1"/>
+    </cs:fontRef>
+    <cs:spPr>
+      <a:ln w="9525">
+        <a:solidFill>
+          <a:schemeClr val="phClr"/>
+        </a:solidFill>
+      </a:ln>
+    </cs:spPr>
+  </cs:dataPointMarker>
+  <cs:dataPointMarkerLayout symbol="circle" size="5"/>
+  <cs:dataPointWireframe>
+    <cs:lnRef idx="0">
+      <cs:styleClr val="auto"/>
+    </cs:lnRef>
+    <cs:fillRef idx="1"/>
+    <cs:effectRef idx="0"/>
+    <cs:fontRef idx="minor">
+      <a:schemeClr val="tx1"/>
+    </cs:fontRef>
+    <cs:spPr>
+      <a:ln w="9525" cap="rnd">
+        <a:solidFill>
+          <a:schemeClr val="phClr"/>
+        </a:solidFill>
+        <a:round/>
+      </a:ln>
+    </cs:spPr>
+  </cs:dataPointWireframe>
+  <cs:dataTable>
+    <cs:lnRef idx="0"/>
+    <cs:fillRef idx="0"/>
+    <cs:effectRef idx="0"/>
+    <cs:fontRef idx="minor">
+      <a:schemeClr val="tx1">
+        <a:lumMod val="65000"/>
+        <a:lumOff val="35000"/>
+      </a:schemeClr>
+    </cs:fontRef>
+    <cs:spPr>
+      <a:noFill/>
+      <a:ln w="9525" cap="flat" cmpd="sng" algn="ctr">
+        <a:solidFill>
+          <a:schemeClr val="tx1">
+            <a:lumMod val="15000"/>
+            <a:lumOff val="85000"/>
+          </a:schemeClr>
+        </a:solidFill>
+        <a:round/>
+      </a:ln>
+    </cs:spPr>
+    <cs:defRPr sz="900" kern="1200"/>
+  </cs:dataTable>
+  <cs:downBar>
+    <cs:lnRef idx="0"/>
+    <cs:fillRef idx="0"/>
+    <cs:effectRef idx="0"/>
+    <cs:fontRef idx="minor">
+      <a:schemeClr val="dk1"/>
+    </cs:fontRef>
+    <cs:spPr>
+      <a:solidFill>
+        <a:schemeClr val="dk1">
+          <a:lumMod val="65000"/>
+          <a:lumOff val="35000"/>
+        </a:schemeClr>
+      </a:solidFill>
+      <a:ln w="9525">
+        <a:solidFill>
+          <a:schemeClr val="tx1">
+            <a:lumMod val="65000"/>
+            <a:lumOff val="35000"/>
+          </a:schemeClr>
+        </a:solidFill>
+      </a:ln>
+    </cs:spPr>
+  </cs:downBar>
+  <cs:dropLine>
+    <cs:lnRef idx="0"/>
+    <cs:fillRef idx="0"/>
+    <cs:effectRef idx="0"/>
+    <cs:fontRef idx="minor">
+      <a:schemeClr val="tx1"/>
+    </cs:fontRef>
+    <cs:spPr>
+      <a:ln w="9525" cap="flat" cmpd="sng" algn="ctr">
+        <a:solidFill>
+          <a:schemeClr val="tx1">
+            <a:lumMod val="35000"/>
+            <a:lumOff val="65000"/>
+          </a:schemeClr>
+        </a:solidFill>
+        <a:round/>
+      </a:ln>
+    </cs:spPr>
+  </cs:dropLine>
+  <cs:errorBar>
+    <cs:lnRef idx="0"/>
+    <cs:fillRef idx="0"/>
+    <cs:effectRef idx="0"/>
+    <cs:fontRef idx="minor">
+      <a:schemeClr val="tx1"/>
+    </cs:fontRef>
+    <cs:spPr>
+      <a:ln w="9525" cap="flat" cmpd="sng" algn="ctr">
+        <a:solidFill>
+          <a:schemeClr val="tx1">
+            <a:lumMod val="65000"/>
+            <a:lumOff val="35000"/>
+          </a:schemeClr>
+        </a:solidFill>
+        <a:round/>
+      </a:ln>
+    </cs:spPr>
+  </cs:errorBar>
+  <cs:floor>
+    <cs:lnRef idx="0"/>
+    <cs:fillRef idx="0"/>
+    <cs:effectRef idx="0"/>
+    <cs:fontRef idx="minor">
+      <a:schemeClr val="tx1"/>
+    </cs:fontRef>
+    <cs:spPr>
+      <a:noFill/>
+      <a:ln>
+        <a:noFill/>
+      </a:ln>
+    </cs:spPr>
+  </cs:floor>
+  <cs:gridlineMajor>
+    <cs:lnRef idx="0"/>
+    <cs:fillRef idx="0"/>
+    <cs:effectRef idx="0"/>
+    <cs:fontRef idx="minor">
+      <a:schemeClr val="tx1"/>
+    </cs:fontRef>
+    <cs:spPr>
+      <a:ln w="9525" cap="flat" cmpd="sng" algn="ctr">
+        <a:solidFill>
+          <a:schemeClr val="tx1">
+            <a:lumMod val="15000"/>
+            <a:lumOff val="85000"/>
+          </a:schemeClr>
+        </a:solidFill>
+        <a:round/>
+      </a:ln>
+    </cs:spPr>
+  </cs:gridlineMajor>
+  <cs:gridlineMinor>
+    <cs:lnRef idx="0"/>
+    <cs:fillRef idx="0"/>
+    <cs:effectRef idx="0"/>
+    <cs:fontRef idx="minor">
+      <a:schemeClr val="tx1"/>
+    </cs:fontRef>
+    <cs:spPr>
+      <a:ln w="9525" cap="flat" cmpd="sng" algn="ctr">
+        <a:solidFill>
+          <a:schemeClr val="tx1">
+            <a:lumMod val="5000"/>
+            <a:lumOff val="95000"/>
+          </a:schemeClr>
+        </a:solidFill>
+        <a:round/>
+      </a:ln>
+    </cs:spPr>
+  </cs:gridlineMinor>
+  <cs:hiLoLine>
+    <cs:lnRef idx="0"/>
+    <cs:fillRef idx="0"/>
+    <cs:effectRef idx="0"/>
+    <cs:fontRef idx="minor">
+      <a:schemeClr val="tx1"/>
+    </cs:fontRef>
+    <cs:spPr>
+      <a:ln w="9525" cap="flat" cmpd="sng" algn="ctr">
+        <a:solidFill>
+          <a:schemeClr val="tx1">
+            <a:lumMod val="75000"/>
+            <a:lumOff val="25000"/>
+          </a:schemeClr>
+        </a:solidFill>
+        <a:round/>
+      </a:ln>
+    </cs:spPr>
+  </cs:hiLoLine>
+  <cs:leaderLine>
+    <cs:lnRef idx="0"/>
+    <cs:fillRef idx="0"/>
+    <cs:effectRef idx="0"/>
+    <cs:fontRef idx="minor">
+      <a:schemeClr val="tx1"/>
+    </cs:fontRef>
+    <cs:spPr>
+      <a:ln w="9525" cap="flat" cmpd="sng" algn="ctr">
+        <a:solidFill>
+          <a:schemeClr val="tx1">
+            <a:lumMod val="35000"/>
+            <a:lumOff val="65000"/>
+          </a:schemeClr>
+        </a:solidFill>
+        <a:round/>
+      </a:ln>
+    </cs:spPr>
+  </cs:leaderLine>
+  <cs:legend>
+    <cs:lnRef idx="0"/>
+    <cs:fillRef idx="0"/>
+    <cs:effectRef idx="0"/>
+    <cs:fontRef idx="minor">
+      <a:schemeClr val="tx1">
+        <a:lumMod val="65000"/>
+        <a:lumOff val="35000"/>
+      </a:schemeClr>
+    </cs:fontRef>
+    <cs:defRPr sz="900" kern="1200"/>
+  </cs:legend>
+  <cs:plotArea mods="allowNoFillOverride allowNoLineOverride">
+    <cs:lnRef idx="0"/>
+    <cs:fillRef idx="0"/>
+    <cs:effectRef idx="0"/>
+    <cs:fontRef idx="minor">
+      <a:schemeClr val="tx1"/>
+    </cs:fontRef>
+  </cs:plotArea>
+  <cs:plotArea3D mods="allowNoFillOverride allowNoLineOverride">
+    <cs:lnRef idx="0"/>
+    <cs:fillRef idx="0"/>
+    <cs:effectRef idx="0"/>
+    <cs:fontRef idx="minor">
+      <a:schemeClr val="tx1"/>
+    </cs:fontRef>
+  </cs:plotArea3D>
+  <cs:seriesAxis>
+    <cs:lnRef idx="0"/>
+    <cs:fillRef idx="0"/>
+    <cs:effectRef idx="0"/>
+    <cs:fontRef idx="minor">
+      <a:schemeClr val="tx1">
+        <a:lumMod val="65000"/>
+        <a:lumOff val="35000"/>
+      </a:schemeClr>
+    </cs:fontRef>
+    <cs:defRPr sz="900" kern="1200"/>
+  </cs:seriesAxis>
+  <cs:seriesLine>
+    <cs:lnRef idx="0"/>
+    <cs:fillRef idx="0"/>
+    <cs:effectRef idx="0"/>
+    <cs:fontRef idx="minor">
+      <a:schemeClr val="tx1"/>
+    </cs:fontRef>
+    <cs:spPr>
+      <a:ln w="9525" cap="flat" cmpd="sng" algn="ctr">
+        <a:solidFill>
+          <a:schemeClr val="tx1">
+            <a:lumMod val="35000"/>
+            <a:lumOff val="65000"/>
+          </a:schemeClr>
+        </a:solidFill>
+        <a:round/>
+      </a:ln>
+    </cs:spPr>
+  </cs:seriesLine>
+  <cs:title>
+    <cs:lnRef idx="0"/>
+    <cs:fillRef idx="0"/>
+    <cs:effectRef idx="0"/>
+    <cs:fontRef idx="minor">
+      <a:schemeClr val="tx1">
+        <a:lumMod val="65000"/>
+        <a:lumOff val="35000"/>
+      </a:schemeClr>
+    </cs:fontRef>
+    <cs:defRPr sz="1400" b="0" kern="1200" spc="0" baseline="0"/>
+  </cs:title>
+  <cs:trendline>
+    <cs:lnRef idx="0">
+      <cs:styleClr val="auto"/>
+    </cs:lnRef>
+    <cs:fillRef idx="0"/>
+    <cs:effectRef idx="0"/>
+    <cs:fontRef idx="minor">
+      <a:schemeClr val="tx1"/>
+    </cs:fontRef>
+    <cs:spPr>
+      <a:ln w="19050" cap="rnd">
+        <a:solidFill>
+          <a:schemeClr val="phClr"/>
+        </a:solidFill>
+        <a:prstDash val="sysDot"/>
+      </a:ln>
+    </cs:spPr>
+  </cs:trendline>
+  <cs:trendlineLabel>
+    <cs:lnRef idx="0"/>
+    <cs:fillRef idx="0"/>
+    <cs:effectRef idx="0"/>
+    <cs:fontRef idx="minor">
+      <a:schemeClr val="tx1">
+        <a:lumMod val="65000"/>
+        <a:lumOff val="35000"/>
+      </a:schemeClr>
+    </cs:fontRef>
+    <cs:defRPr sz="900" kern="1200"/>
+  </cs:trendlineLabel>
+  <cs:upBar>
+    <cs:lnRef idx="0"/>
+    <cs:fillRef idx="0"/>
+    <cs:effectRef idx="0"/>
+    <cs:fontRef idx="minor">
+      <a:schemeClr val="dk1"/>
+    </cs:fontRef>
+    <cs:spPr>
+      <a:solidFill>
+        <a:schemeClr val="lt1"/>
+      </a:solidFill>
+      <a:ln w="9525">
+        <a:solidFill>
+          <a:schemeClr val="tx1">
+            <a:lumMod val="15000"/>
+            <a:lumOff val="85000"/>
+          </a:schemeClr>
+        </a:solidFill>
+      </a:ln>
+    </cs:spPr>
+  </cs:upBar>
+  <cs:valueAxis>
+    <cs:lnRef idx="0"/>
+    <cs:fillRef idx="0"/>
+    <cs:effectRef idx="0"/>
+    <cs:fontRef idx="minor">
+      <a:schemeClr val="tx1">
+        <a:lumMod val="65000"/>
+        <a:lumOff val="35000"/>
+      </a:schemeClr>
+    </cs:fontRef>
+    <cs:defRPr sz="900" kern="1200"/>
+  </cs:valueAxis>
+  <cs:wall>
+    <cs:lnRef idx="0"/>
+    <cs:fillRef idx="0"/>
+    <cs:effectRef idx="0"/>
+    <cs:fontRef idx="minor">
+      <a:schemeClr val="tx1"/>
+    </cs:fontRef>
+    <cs:spPr>
+      <a:noFill/>
+      <a:ln>
+        <a:noFill/>
+      </a:ln>
+    </cs:spPr>
+  </cs:wall>
+</cs:chartStyle>
+</file>
+
+<file path=ppt/drawings/drawing1.xml><?xml version="1.0" encoding="utf-8"?>
+<c:userShapes xmlns:c="http://schemas.openxmlformats.org/drawingml/2006/chart">
+  <cdr:relSizeAnchor xmlns:cdr="http://schemas.openxmlformats.org/drawingml/2006/chartDrawing">
+    <cdr:from>
+      <cdr:x>0.02925</cdr:x>
+      <cdr:y>0.86125</cdr:y>
+    </cdr:from>
+    <cdr:to>
+      <cdr:x>0.98769</cdr:x>
+      <cdr:y>0.99264</cdr:y>
+    </cdr:to>
+    <cdr:sp macro="" textlink="">
+      <cdr:nvSpPr>
+        <cdr:cNvPr id="2" name="TextBox 88"/>
+        <cdr:cNvSpPr txBox="1"/>
+      </cdr:nvSpPr>
+      <cdr:spPr>
+        <a:xfrm xmlns:a="http://schemas.openxmlformats.org/drawingml/2006/main">
+          <a:off x="95489" y="1564438"/>
+          <a:ext cx="3128503" cy="238665"/>
+        </a:xfrm>
+        <a:prstGeom xmlns:a="http://schemas.openxmlformats.org/drawingml/2006/main" prst="rect">
+          <a:avLst/>
+        </a:prstGeom>
+        <a:noFill xmlns:a="http://schemas.openxmlformats.org/drawingml/2006/main"/>
+      </cdr:spPr>
+      <cdr:txBody>
+        <a:bodyPr xmlns:a="http://schemas.openxmlformats.org/drawingml/2006/main" wrap="square" rtlCol="0">
+          <a:spAutoFit/>
+        </a:bodyPr>
+        <a:lstStyle xmlns:a="http://schemas.openxmlformats.org/drawingml/2006/main">
+          <a:defPPr>
+            <a:defRPr lang="fr-FR"/>
+          </a:defPPr>
+          <a:lvl1pPr marL="0" algn="l" defTabSz="914400" rtl="0" eaLnBrk="1" latinLnBrk="0" hangingPunct="1">
+            <a:defRPr sz="1800" kern="1200">
+              <a:solidFill>
+                <a:schemeClr val="tx1"/>
+              </a:solidFill>
+              <a:latin typeface="+mn-lt"/>
+              <a:ea typeface="+mn-ea"/>
+              <a:cs typeface="+mn-cs"/>
+            </a:defRPr>
+          </a:lvl1pPr>
+          <a:lvl2pPr marL="457200" algn="l" defTabSz="914400" rtl="0" eaLnBrk="1" latinLnBrk="0" hangingPunct="1">
+            <a:defRPr sz="1800" kern="1200">
+              <a:solidFill>
+                <a:schemeClr val="tx1"/>
+              </a:solidFill>
+              <a:latin typeface="+mn-lt"/>
+              <a:ea typeface="+mn-ea"/>
+              <a:cs typeface="+mn-cs"/>
+            </a:defRPr>
+          </a:lvl2pPr>
+          <a:lvl3pPr marL="914400" algn="l" defTabSz="914400" rtl="0" eaLnBrk="1" latinLnBrk="0" hangingPunct="1">
+            <a:defRPr sz="1800" kern="1200">
+              <a:solidFill>
+                <a:schemeClr val="tx1"/>
+              </a:solidFill>
+              <a:latin typeface="+mn-lt"/>
+              <a:ea typeface="+mn-ea"/>
+              <a:cs typeface="+mn-cs"/>
+            </a:defRPr>
+          </a:lvl3pPr>
+          <a:lvl4pPr marL="1371600" algn="l" defTabSz="914400" rtl="0" eaLnBrk="1" latinLnBrk="0" hangingPunct="1">
+            <a:defRPr sz="1800" kern="1200">
+              <a:solidFill>
+                <a:schemeClr val="tx1"/>
+              </a:solidFill>
+              <a:latin typeface="+mn-lt"/>
+              <a:ea typeface="+mn-ea"/>
+              <a:cs typeface="+mn-cs"/>
+            </a:defRPr>
+          </a:lvl4pPr>
+          <a:lvl5pPr marL="1828800" algn="l" defTabSz="914400" rtl="0" eaLnBrk="1" latinLnBrk="0" hangingPunct="1">
+            <a:defRPr sz="1800" kern="1200">
+              <a:solidFill>
+                <a:schemeClr val="tx1"/>
+              </a:solidFill>
+              <a:latin typeface="+mn-lt"/>
+              <a:ea typeface="+mn-ea"/>
+              <a:cs typeface="+mn-cs"/>
+            </a:defRPr>
+          </a:lvl5pPr>
+          <a:lvl6pPr marL="2286000" algn="l" defTabSz="914400" rtl="0" eaLnBrk="1" latinLnBrk="0" hangingPunct="1">
+            <a:defRPr sz="1800" kern="1200">
+              <a:solidFill>
+                <a:schemeClr val="tx1"/>
+              </a:solidFill>
+              <a:latin typeface="+mn-lt"/>
+              <a:ea typeface="+mn-ea"/>
+              <a:cs typeface="+mn-cs"/>
+            </a:defRPr>
+          </a:lvl6pPr>
+          <a:lvl7pPr marL="2743200" algn="l" defTabSz="914400" rtl="0" eaLnBrk="1" latinLnBrk="0" hangingPunct="1">
+            <a:defRPr sz="1800" kern="1200">
+              <a:solidFill>
+                <a:schemeClr val="tx1"/>
+              </a:solidFill>
+              <a:latin typeface="+mn-lt"/>
+              <a:ea typeface="+mn-ea"/>
+              <a:cs typeface="+mn-cs"/>
+            </a:defRPr>
+          </a:lvl7pPr>
+          <a:lvl8pPr marL="3200400" algn="l" defTabSz="914400" rtl="0" eaLnBrk="1" latinLnBrk="0" hangingPunct="1">
+            <a:defRPr sz="1800" kern="1200">
+              <a:solidFill>
+                <a:schemeClr val="tx1"/>
+              </a:solidFill>
+              <a:latin typeface="+mn-lt"/>
+              <a:ea typeface="+mn-ea"/>
+              <a:cs typeface="+mn-cs"/>
+            </a:defRPr>
+          </a:lvl8pPr>
+          <a:lvl9pPr marL="3657600" algn="l" defTabSz="914400" rtl="0" eaLnBrk="1" latinLnBrk="0" hangingPunct="1">
+            <a:defRPr sz="1800" kern="1200">
+              <a:solidFill>
+                <a:schemeClr val="tx1"/>
+              </a:solidFill>
+              <a:latin typeface="+mn-lt"/>
+              <a:ea typeface="+mn-ea"/>
+              <a:cs typeface="+mn-cs"/>
+            </a:defRPr>
+          </a:lvl9pPr>
+        </a:lstStyle>
+        <a:p xmlns:a="http://schemas.openxmlformats.org/drawingml/2006/main">
+          <a:pPr algn="ctr"/>
+          <a:r>
+            <a:rPr lang="fr-FR" sz="900" i="1" dirty="0"/>
+            <a:t>Comparaison des méthodes d’explorations</a:t>
+          </a:r>
+        </a:p>
+      </cdr:txBody>
+    </cdr:sp>
+  </cdr:relSizeAnchor>
+</c:userShapes>
+</file>
+
 <file path=ppt/slideLayouts/slideLayout1.xml><?xml version="1.0" encoding="utf-8"?>
 <p:sldLayout xmlns:a="http://schemas.openxmlformats.org/drawingml/2006/main" xmlns:r="http://schemas.openxmlformats.org/officeDocument/2006/relationships" xmlns:p="http://schemas.openxmlformats.org/presentationml/2006/main" type="title" preserve="1">
   <p:cSld name="Diapositive de titre">
@@ -154,7 +1409,7 @@
           </a:lstStyle>
           <a:p>
             <a:r>
-              <a:rPr lang="fr-FR" smtClean="0"/>
+              <a:rPr lang="fr-FR"/>
               <a:t>Cliquez et modifiez le titre</a:t>
             </a:r>
             <a:endParaRPr lang="en-US" dirty="0"/>
@@ -219,7 +1474,7 @@
           </a:lstStyle>
           <a:p>
             <a:r>
-              <a:rPr lang="fr-FR" smtClean="0"/>
+              <a:rPr lang="fr-FR"/>
               <a:t>Cliquez pour modifier le style des sous-titres du masque</a:t>
             </a:r>
             <a:endParaRPr lang="en-US" dirty="0"/>
@@ -243,7 +1498,7 @@
           <a:p>
             <a:fld id="{A8490EA5-CA6F-8D4B-8D24-9E860C725A80}" type="datetimeFigureOut">
               <a:rPr lang="fr-FR" smtClean="0"/>
-              <a:t>30/01/2018</a:t>
+              <a:t>31/01/2018</a:t>
             </a:fld>
             <a:endParaRPr lang="fr-FR"/>
           </a:p>
@@ -285,7 +1540,7 @@
           <a:p>
             <a:fld id="{0E1C6588-574C-564D-9A5F-65E9E31ED340}" type="slidenum">
               <a:rPr lang="fr-FR" smtClean="0"/>
-              <a:t>‹#›</a:t>
+              <a:t>‹N°›</a:t>
             </a:fld>
             <a:endParaRPr lang="fr-FR"/>
           </a:p>
@@ -332,7 +1587,7 @@
           <a:lstStyle/>
           <a:p>
             <a:r>
-              <a:rPr lang="fr-FR" smtClean="0"/>
+              <a:rPr lang="fr-FR"/>
               <a:t>Cliquez et modifiez le titre</a:t>
             </a:r>
             <a:endParaRPr lang="en-US" dirty="0"/>
@@ -356,35 +1611,35 @@
           <a:p>
             <a:pPr lvl="0"/>
             <a:r>
-              <a:rPr lang="fr-FR" smtClean="0"/>
+              <a:rPr lang="fr-FR"/>
               <a:t>Cliquez pour modifier les styles du texte du masque</a:t>
             </a:r>
           </a:p>
           <a:p>
             <a:pPr lvl="1"/>
             <a:r>
-              <a:rPr lang="fr-FR" smtClean="0"/>
+              <a:rPr lang="fr-FR"/>
               <a:t>Deuxième niveau</a:t>
             </a:r>
           </a:p>
           <a:p>
             <a:pPr lvl="2"/>
             <a:r>
-              <a:rPr lang="fr-FR" smtClean="0"/>
+              <a:rPr lang="fr-FR"/>
               <a:t>Troisième niveau</a:t>
             </a:r>
           </a:p>
           <a:p>
             <a:pPr lvl="3"/>
             <a:r>
-              <a:rPr lang="fr-FR" smtClean="0"/>
+              <a:rPr lang="fr-FR"/>
               <a:t>Quatrième niveau</a:t>
             </a:r>
           </a:p>
           <a:p>
             <a:pPr lvl="4"/>
             <a:r>
-              <a:rPr lang="fr-FR" smtClean="0"/>
+              <a:rPr lang="fr-FR"/>
               <a:t>Cinquième niveau</a:t>
             </a:r>
             <a:endParaRPr lang="en-US" dirty="0"/>
@@ -408,7 +1663,7 @@
           <a:p>
             <a:fld id="{A8490EA5-CA6F-8D4B-8D24-9E860C725A80}" type="datetimeFigureOut">
               <a:rPr lang="fr-FR" smtClean="0"/>
-              <a:t>30/01/2018</a:t>
+              <a:t>31/01/2018</a:t>
             </a:fld>
             <a:endParaRPr lang="fr-FR"/>
           </a:p>
@@ -450,7 +1705,7 @@
           <a:p>
             <a:fld id="{0E1C6588-574C-564D-9A5F-65E9E31ED340}" type="slidenum">
               <a:rPr lang="fr-FR" smtClean="0"/>
-              <a:t>‹#›</a:t>
+              <a:t>‹N°›</a:t>
             </a:fld>
             <a:endParaRPr lang="fr-FR"/>
           </a:p>
@@ -502,7 +1757,7 @@
           <a:lstStyle/>
           <a:p>
             <a:r>
-              <a:rPr lang="fr-FR" smtClean="0"/>
+              <a:rPr lang="fr-FR"/>
               <a:t>Cliquez et modifiez le titre</a:t>
             </a:r>
             <a:endParaRPr lang="en-US" dirty="0"/>
@@ -531,35 +1786,35 @@
           <a:p>
             <a:pPr lvl="0"/>
             <a:r>
-              <a:rPr lang="fr-FR" smtClean="0"/>
+              <a:rPr lang="fr-FR"/>
               <a:t>Cliquez pour modifier les styles du texte du masque</a:t>
             </a:r>
           </a:p>
           <a:p>
             <a:pPr lvl="1"/>
             <a:r>
-              <a:rPr lang="fr-FR" smtClean="0"/>
+              <a:rPr lang="fr-FR"/>
               <a:t>Deuxième niveau</a:t>
             </a:r>
           </a:p>
           <a:p>
             <a:pPr lvl="2"/>
             <a:r>
-              <a:rPr lang="fr-FR" smtClean="0"/>
+              <a:rPr lang="fr-FR"/>
               <a:t>Troisième niveau</a:t>
             </a:r>
           </a:p>
           <a:p>
             <a:pPr lvl="3"/>
             <a:r>
-              <a:rPr lang="fr-FR" smtClean="0"/>
+              <a:rPr lang="fr-FR"/>
               <a:t>Quatrième niveau</a:t>
             </a:r>
           </a:p>
           <a:p>
             <a:pPr lvl="4"/>
             <a:r>
-              <a:rPr lang="fr-FR" smtClean="0"/>
+              <a:rPr lang="fr-FR"/>
               <a:t>Cinquième niveau</a:t>
             </a:r>
             <a:endParaRPr lang="en-US" dirty="0"/>
@@ -583,7 +1838,7 @@
           <a:p>
             <a:fld id="{A8490EA5-CA6F-8D4B-8D24-9E860C725A80}" type="datetimeFigureOut">
               <a:rPr lang="fr-FR" smtClean="0"/>
-              <a:t>30/01/2018</a:t>
+              <a:t>31/01/2018</a:t>
             </a:fld>
             <a:endParaRPr lang="fr-FR"/>
           </a:p>
@@ -625,7 +1880,7 @@
           <a:p>
             <a:fld id="{0E1C6588-574C-564D-9A5F-65E9E31ED340}" type="slidenum">
               <a:rPr lang="fr-FR" smtClean="0"/>
-              <a:t>‹#›</a:t>
+              <a:t>‹N°›</a:t>
             </a:fld>
             <a:endParaRPr lang="fr-FR"/>
           </a:p>
@@ -672,7 +1927,7 @@
           <a:lstStyle/>
           <a:p>
             <a:r>
-              <a:rPr lang="fr-FR" smtClean="0"/>
+              <a:rPr lang="fr-FR"/>
               <a:t>Cliquez et modifiez le titre</a:t>
             </a:r>
             <a:endParaRPr lang="en-US" dirty="0"/>
@@ -696,35 +1951,35 @@
           <a:p>
             <a:pPr lvl="0"/>
             <a:r>
-              <a:rPr lang="fr-FR" smtClean="0"/>
+              <a:rPr lang="fr-FR"/>
               <a:t>Cliquez pour modifier les styles du texte du masque</a:t>
             </a:r>
           </a:p>
           <a:p>
             <a:pPr lvl="1"/>
             <a:r>
-              <a:rPr lang="fr-FR" smtClean="0"/>
+              <a:rPr lang="fr-FR"/>
               <a:t>Deuxième niveau</a:t>
             </a:r>
           </a:p>
           <a:p>
             <a:pPr lvl="2"/>
             <a:r>
-              <a:rPr lang="fr-FR" smtClean="0"/>
+              <a:rPr lang="fr-FR"/>
               <a:t>Troisième niveau</a:t>
             </a:r>
           </a:p>
           <a:p>
             <a:pPr lvl="3"/>
             <a:r>
-              <a:rPr lang="fr-FR" smtClean="0"/>
+              <a:rPr lang="fr-FR"/>
               <a:t>Quatrième niveau</a:t>
             </a:r>
           </a:p>
           <a:p>
             <a:pPr lvl="4"/>
             <a:r>
-              <a:rPr lang="fr-FR" smtClean="0"/>
+              <a:rPr lang="fr-FR"/>
               <a:t>Cinquième niveau</a:t>
             </a:r>
             <a:endParaRPr lang="en-US" dirty="0"/>
@@ -748,7 +2003,7 @@
           <a:p>
             <a:fld id="{A8490EA5-CA6F-8D4B-8D24-9E860C725A80}" type="datetimeFigureOut">
               <a:rPr lang="fr-FR" smtClean="0"/>
-              <a:t>30/01/2018</a:t>
+              <a:t>31/01/2018</a:t>
             </a:fld>
             <a:endParaRPr lang="fr-FR"/>
           </a:p>
@@ -790,7 +2045,7 @@
           <a:p>
             <a:fld id="{0E1C6588-574C-564D-9A5F-65E9E31ED340}" type="slidenum">
               <a:rPr lang="fr-FR" smtClean="0"/>
-              <a:t>‹#›</a:t>
+              <a:t>‹N°›</a:t>
             </a:fld>
             <a:endParaRPr lang="fr-FR"/>
           </a:p>
@@ -846,7 +2101,7 @@
           </a:lstStyle>
           <a:p>
             <a:r>
-              <a:rPr lang="fr-FR" smtClean="0"/>
+              <a:rPr lang="fr-FR"/>
               <a:t>Cliquez et modifiez le titre</a:t>
             </a:r>
             <a:endParaRPr lang="en-US" dirty="0"/>
@@ -964,7 +2219,7 @@
           <a:p>
             <a:pPr lvl="0"/>
             <a:r>
-              <a:rPr lang="fr-FR" smtClean="0"/>
+              <a:rPr lang="fr-FR"/>
               <a:t>Cliquez pour modifier les styles du texte du masque</a:t>
             </a:r>
           </a:p>
@@ -987,7 +2242,7 @@
           <a:p>
             <a:fld id="{A8490EA5-CA6F-8D4B-8D24-9E860C725A80}" type="datetimeFigureOut">
               <a:rPr lang="fr-FR" smtClean="0"/>
-              <a:t>30/01/2018</a:t>
+              <a:t>31/01/2018</a:t>
             </a:fld>
             <a:endParaRPr lang="fr-FR"/>
           </a:p>
@@ -1029,7 +2284,7 @@
           <a:p>
             <a:fld id="{0E1C6588-574C-564D-9A5F-65E9E31ED340}" type="slidenum">
               <a:rPr lang="fr-FR" smtClean="0"/>
-              <a:t>‹#›</a:t>
+              <a:t>‹N°›</a:t>
             </a:fld>
             <a:endParaRPr lang="fr-FR"/>
           </a:p>
@@ -1076,7 +2331,7 @@
           <a:lstStyle/>
           <a:p>
             <a:r>
-              <a:rPr lang="fr-FR" smtClean="0"/>
+              <a:rPr lang="fr-FR"/>
               <a:t>Cliquez et modifiez le titre</a:t>
             </a:r>
             <a:endParaRPr lang="en-US" dirty="0"/>
@@ -1105,35 +2360,35 @@
           <a:p>
             <a:pPr lvl="0"/>
             <a:r>
-              <a:rPr lang="fr-FR" smtClean="0"/>
+              <a:rPr lang="fr-FR"/>
               <a:t>Cliquez pour modifier les styles du texte du masque</a:t>
             </a:r>
           </a:p>
           <a:p>
             <a:pPr lvl="1"/>
             <a:r>
-              <a:rPr lang="fr-FR" smtClean="0"/>
+              <a:rPr lang="fr-FR"/>
               <a:t>Deuxième niveau</a:t>
             </a:r>
           </a:p>
           <a:p>
             <a:pPr lvl="2"/>
             <a:r>
-              <a:rPr lang="fr-FR" smtClean="0"/>
+              <a:rPr lang="fr-FR"/>
               <a:t>Troisième niveau</a:t>
             </a:r>
           </a:p>
           <a:p>
             <a:pPr lvl="3"/>
             <a:r>
-              <a:rPr lang="fr-FR" smtClean="0"/>
+              <a:rPr lang="fr-FR"/>
               <a:t>Quatrième niveau</a:t>
             </a:r>
           </a:p>
           <a:p>
             <a:pPr lvl="4"/>
             <a:r>
-              <a:rPr lang="fr-FR" smtClean="0"/>
+              <a:rPr lang="fr-FR"/>
               <a:t>Cinquième niveau</a:t>
             </a:r>
             <a:endParaRPr lang="en-US" dirty="0"/>
@@ -1162,35 +2417,35 @@
           <a:p>
             <a:pPr lvl="0"/>
             <a:r>
-              <a:rPr lang="fr-FR" smtClean="0"/>
+              <a:rPr lang="fr-FR"/>
               <a:t>Cliquez pour modifier les styles du texte du masque</a:t>
             </a:r>
           </a:p>
           <a:p>
             <a:pPr lvl="1"/>
             <a:r>
-              <a:rPr lang="fr-FR" smtClean="0"/>
+              <a:rPr lang="fr-FR"/>
               <a:t>Deuxième niveau</a:t>
             </a:r>
           </a:p>
           <a:p>
             <a:pPr lvl="2"/>
             <a:r>
-              <a:rPr lang="fr-FR" smtClean="0"/>
+              <a:rPr lang="fr-FR"/>
               <a:t>Troisième niveau</a:t>
             </a:r>
           </a:p>
           <a:p>
             <a:pPr lvl="3"/>
             <a:r>
-              <a:rPr lang="fr-FR" smtClean="0"/>
+              <a:rPr lang="fr-FR"/>
               <a:t>Quatrième niveau</a:t>
             </a:r>
           </a:p>
           <a:p>
             <a:pPr lvl="4"/>
             <a:r>
-              <a:rPr lang="fr-FR" smtClean="0"/>
+              <a:rPr lang="fr-FR"/>
               <a:t>Cinquième niveau</a:t>
             </a:r>
             <a:endParaRPr lang="en-US" dirty="0"/>
@@ -1214,7 +2469,7 @@
           <a:p>
             <a:fld id="{A8490EA5-CA6F-8D4B-8D24-9E860C725A80}" type="datetimeFigureOut">
               <a:rPr lang="fr-FR" smtClean="0"/>
-              <a:t>30/01/2018</a:t>
+              <a:t>31/01/2018</a:t>
             </a:fld>
             <a:endParaRPr lang="fr-FR"/>
           </a:p>
@@ -1256,7 +2511,7 @@
           <a:p>
             <a:fld id="{0E1C6588-574C-564D-9A5F-65E9E31ED340}" type="slidenum">
               <a:rPr lang="fr-FR" smtClean="0"/>
-              <a:t>‹#›</a:t>
+              <a:t>‹N°›</a:t>
             </a:fld>
             <a:endParaRPr lang="fr-FR"/>
           </a:p>
@@ -1308,7 +2563,7 @@
           <a:lstStyle/>
           <a:p>
             <a:r>
-              <a:rPr lang="fr-FR" smtClean="0"/>
+              <a:rPr lang="fr-FR"/>
               <a:t>Cliquez et modifiez le titre</a:t>
             </a:r>
             <a:endParaRPr lang="en-US" dirty="0"/>
@@ -1374,7 +2629,7 @@
           <a:p>
             <a:pPr lvl="0"/>
             <a:r>
-              <a:rPr lang="fr-FR" smtClean="0"/>
+              <a:rPr lang="fr-FR"/>
               <a:t>Cliquez pour modifier les styles du texte du masque</a:t>
             </a:r>
           </a:p>
@@ -1402,35 +2657,35 @@
           <a:p>
             <a:pPr lvl="0"/>
             <a:r>
-              <a:rPr lang="fr-FR" smtClean="0"/>
+              <a:rPr lang="fr-FR"/>
               <a:t>Cliquez pour modifier les styles du texte du masque</a:t>
             </a:r>
           </a:p>
           <a:p>
             <a:pPr lvl="1"/>
             <a:r>
-              <a:rPr lang="fr-FR" smtClean="0"/>
+              <a:rPr lang="fr-FR"/>
               <a:t>Deuxième niveau</a:t>
             </a:r>
           </a:p>
           <a:p>
             <a:pPr lvl="2"/>
             <a:r>
-              <a:rPr lang="fr-FR" smtClean="0"/>
+              <a:rPr lang="fr-FR"/>
               <a:t>Troisième niveau</a:t>
             </a:r>
           </a:p>
           <a:p>
             <a:pPr lvl="3"/>
             <a:r>
-              <a:rPr lang="fr-FR" smtClean="0"/>
+              <a:rPr lang="fr-FR"/>
               <a:t>Quatrième niveau</a:t>
             </a:r>
           </a:p>
           <a:p>
             <a:pPr lvl="4"/>
             <a:r>
-              <a:rPr lang="fr-FR" smtClean="0"/>
+              <a:rPr lang="fr-FR"/>
               <a:t>Cinquième niveau</a:t>
             </a:r>
             <a:endParaRPr lang="en-US" dirty="0"/>
@@ -1496,7 +2751,7 @@
           <a:p>
             <a:pPr lvl="0"/>
             <a:r>
-              <a:rPr lang="fr-FR" smtClean="0"/>
+              <a:rPr lang="fr-FR"/>
               <a:t>Cliquez pour modifier les styles du texte du masque</a:t>
             </a:r>
           </a:p>
@@ -1524,35 +2779,35 @@
           <a:p>
             <a:pPr lvl="0"/>
             <a:r>
-              <a:rPr lang="fr-FR" smtClean="0"/>
+              <a:rPr lang="fr-FR"/>
               <a:t>Cliquez pour modifier les styles du texte du masque</a:t>
             </a:r>
           </a:p>
           <a:p>
             <a:pPr lvl="1"/>
             <a:r>
-              <a:rPr lang="fr-FR" smtClean="0"/>
+              <a:rPr lang="fr-FR"/>
               <a:t>Deuxième niveau</a:t>
             </a:r>
           </a:p>
           <a:p>
             <a:pPr lvl="2"/>
             <a:r>
-              <a:rPr lang="fr-FR" smtClean="0"/>
+              <a:rPr lang="fr-FR"/>
               <a:t>Troisième niveau</a:t>
             </a:r>
           </a:p>
           <a:p>
             <a:pPr lvl="3"/>
             <a:r>
-              <a:rPr lang="fr-FR" smtClean="0"/>
+              <a:rPr lang="fr-FR"/>
               <a:t>Quatrième niveau</a:t>
             </a:r>
           </a:p>
           <a:p>
             <a:pPr lvl="4"/>
             <a:r>
-              <a:rPr lang="fr-FR" smtClean="0"/>
+              <a:rPr lang="fr-FR"/>
               <a:t>Cinquième niveau</a:t>
             </a:r>
             <a:endParaRPr lang="en-US" dirty="0"/>
@@ -1576,7 +2831,7 @@
           <a:p>
             <a:fld id="{A8490EA5-CA6F-8D4B-8D24-9E860C725A80}" type="datetimeFigureOut">
               <a:rPr lang="fr-FR" smtClean="0"/>
-              <a:t>30/01/2018</a:t>
+              <a:t>31/01/2018</a:t>
             </a:fld>
             <a:endParaRPr lang="fr-FR"/>
           </a:p>
@@ -1618,7 +2873,7 @@
           <a:p>
             <a:fld id="{0E1C6588-574C-564D-9A5F-65E9E31ED340}" type="slidenum">
               <a:rPr lang="fr-FR" smtClean="0"/>
-              <a:t>‹#›</a:t>
+              <a:t>‹N°›</a:t>
             </a:fld>
             <a:endParaRPr lang="fr-FR"/>
           </a:p>
@@ -1665,7 +2920,7 @@
           <a:lstStyle/>
           <a:p>
             <a:r>
-              <a:rPr lang="fr-FR" smtClean="0"/>
+              <a:rPr lang="fr-FR"/>
               <a:t>Cliquez et modifiez le titre</a:t>
             </a:r>
             <a:endParaRPr lang="en-US" dirty="0"/>
@@ -1689,7 +2944,7 @@
           <a:p>
             <a:fld id="{A8490EA5-CA6F-8D4B-8D24-9E860C725A80}" type="datetimeFigureOut">
               <a:rPr lang="fr-FR" smtClean="0"/>
-              <a:t>30/01/2018</a:t>
+              <a:t>31/01/2018</a:t>
             </a:fld>
             <a:endParaRPr lang="fr-FR"/>
           </a:p>
@@ -1731,7 +2986,7 @@
           <a:p>
             <a:fld id="{0E1C6588-574C-564D-9A5F-65E9E31ED340}" type="slidenum">
               <a:rPr lang="fr-FR" smtClean="0"/>
-              <a:t>‹#›</a:t>
+              <a:t>‹N°›</a:t>
             </a:fld>
             <a:endParaRPr lang="fr-FR"/>
           </a:p>
@@ -1779,7 +3034,7 @@
           <a:p>
             <a:fld id="{A8490EA5-CA6F-8D4B-8D24-9E860C725A80}" type="datetimeFigureOut">
               <a:rPr lang="fr-FR" smtClean="0"/>
-              <a:t>30/01/2018</a:t>
+              <a:t>31/01/2018</a:t>
             </a:fld>
             <a:endParaRPr lang="fr-FR"/>
           </a:p>
@@ -1821,7 +3076,7 @@
           <a:p>
             <a:fld id="{0E1C6588-574C-564D-9A5F-65E9E31ED340}" type="slidenum">
               <a:rPr lang="fr-FR" smtClean="0"/>
-              <a:t>‹#›</a:t>
+              <a:t>‹N°›</a:t>
             </a:fld>
             <a:endParaRPr lang="fr-FR"/>
           </a:p>
@@ -1877,7 +3132,7 @@
           </a:lstStyle>
           <a:p>
             <a:r>
-              <a:rPr lang="fr-FR" smtClean="0"/>
+              <a:rPr lang="fr-FR"/>
               <a:t>Cliquez et modifiez le titre</a:t>
             </a:r>
             <a:endParaRPr lang="en-US" dirty="0"/>
@@ -1934,35 +3189,35 @@
           <a:p>
             <a:pPr lvl="0"/>
             <a:r>
-              <a:rPr lang="fr-FR" smtClean="0"/>
+              <a:rPr lang="fr-FR"/>
               <a:t>Cliquez pour modifier les styles du texte du masque</a:t>
             </a:r>
           </a:p>
           <a:p>
             <a:pPr lvl="1"/>
             <a:r>
-              <a:rPr lang="fr-FR" smtClean="0"/>
+              <a:rPr lang="fr-FR"/>
               <a:t>Deuxième niveau</a:t>
             </a:r>
           </a:p>
           <a:p>
             <a:pPr lvl="2"/>
             <a:r>
-              <a:rPr lang="fr-FR" smtClean="0"/>
+              <a:rPr lang="fr-FR"/>
               <a:t>Troisième niveau</a:t>
             </a:r>
           </a:p>
           <a:p>
             <a:pPr lvl="3"/>
             <a:r>
-              <a:rPr lang="fr-FR" smtClean="0"/>
+              <a:rPr lang="fr-FR"/>
               <a:t>Quatrième niveau</a:t>
             </a:r>
           </a:p>
           <a:p>
             <a:pPr lvl="4"/>
             <a:r>
-              <a:rPr lang="fr-FR" smtClean="0"/>
+              <a:rPr lang="fr-FR"/>
               <a:t>Cinquième niveau</a:t>
             </a:r>
             <a:endParaRPr lang="en-US" dirty="0"/>
@@ -2028,7 +3283,7 @@
           <a:p>
             <a:pPr lvl="0"/>
             <a:r>
-              <a:rPr lang="fr-FR" smtClean="0"/>
+              <a:rPr lang="fr-FR"/>
               <a:t>Cliquez pour modifier les styles du texte du masque</a:t>
             </a:r>
           </a:p>
@@ -2051,7 +3306,7 @@
           <a:p>
             <a:fld id="{A8490EA5-CA6F-8D4B-8D24-9E860C725A80}" type="datetimeFigureOut">
               <a:rPr lang="fr-FR" smtClean="0"/>
-              <a:t>30/01/2018</a:t>
+              <a:t>31/01/2018</a:t>
             </a:fld>
             <a:endParaRPr lang="fr-FR"/>
           </a:p>
@@ -2093,7 +3348,7 @@
           <a:p>
             <a:fld id="{0E1C6588-574C-564D-9A5F-65E9E31ED340}" type="slidenum">
               <a:rPr lang="fr-FR" smtClean="0"/>
-              <a:t>‹#›</a:t>
+              <a:t>‹N°›</a:t>
             </a:fld>
             <a:endParaRPr lang="fr-FR"/>
           </a:p>
@@ -2149,7 +3404,7 @@
           </a:lstStyle>
           <a:p>
             <a:r>
-              <a:rPr lang="fr-FR" smtClean="0"/>
+              <a:rPr lang="fr-FR"/>
               <a:t>Cliquez et modifiez le titre</a:t>
             </a:r>
             <a:endParaRPr lang="en-US" dirty="0"/>
@@ -2214,7 +3469,7 @@
           </a:lstStyle>
           <a:p>
             <a:r>
-              <a:rPr lang="fr-FR" smtClean="0"/>
+              <a:rPr lang="fr-FR"/>
               <a:t>Faire glisser l'image vers l'espace réservé ou cliquer sur l'icône pour l'ajouter</a:t>
             </a:r>
             <a:endParaRPr lang="en-US" dirty="0"/>
@@ -2280,7 +3535,7 @@
           <a:p>
             <a:pPr lvl="0"/>
             <a:r>
-              <a:rPr lang="fr-FR" smtClean="0"/>
+              <a:rPr lang="fr-FR"/>
               <a:t>Cliquez pour modifier les styles du texte du masque</a:t>
             </a:r>
           </a:p>
@@ -2303,7 +3558,7 @@
           <a:p>
             <a:fld id="{A8490EA5-CA6F-8D4B-8D24-9E860C725A80}" type="datetimeFigureOut">
               <a:rPr lang="fr-FR" smtClean="0"/>
-              <a:t>30/01/2018</a:t>
+              <a:t>31/01/2018</a:t>
             </a:fld>
             <a:endParaRPr lang="fr-FR"/>
           </a:p>
@@ -2345,7 +3600,7 @@
           <a:p>
             <a:fld id="{0E1C6588-574C-564D-9A5F-65E9E31ED340}" type="slidenum">
               <a:rPr lang="fr-FR" smtClean="0"/>
-              <a:t>‹#›</a:t>
+              <a:t>‹N°›</a:t>
             </a:fld>
             <a:endParaRPr lang="fr-FR"/>
           </a:p>
@@ -2407,7 +3662,7 @@
           <a:lstStyle/>
           <a:p>
             <a:r>
-              <a:rPr lang="fr-FR" smtClean="0"/>
+              <a:rPr lang="fr-FR"/>
               <a:t>Cliquez et modifiez le titre</a:t>
             </a:r>
             <a:endParaRPr lang="en-US" dirty="0"/>
@@ -2441,35 +3696,35 @@
           <a:p>
             <a:pPr lvl="0"/>
             <a:r>
-              <a:rPr lang="fr-FR" smtClean="0"/>
+              <a:rPr lang="fr-FR"/>
               <a:t>Cliquez pour modifier les styles du texte du masque</a:t>
             </a:r>
           </a:p>
           <a:p>
             <a:pPr lvl="1"/>
             <a:r>
-              <a:rPr lang="fr-FR" smtClean="0"/>
+              <a:rPr lang="fr-FR"/>
               <a:t>Deuxième niveau</a:t>
             </a:r>
           </a:p>
           <a:p>
             <a:pPr lvl="2"/>
             <a:r>
-              <a:rPr lang="fr-FR" smtClean="0"/>
+              <a:rPr lang="fr-FR"/>
               <a:t>Troisième niveau</a:t>
             </a:r>
           </a:p>
           <a:p>
             <a:pPr lvl="3"/>
             <a:r>
-              <a:rPr lang="fr-FR" smtClean="0"/>
+              <a:rPr lang="fr-FR"/>
               <a:t>Quatrième niveau</a:t>
             </a:r>
           </a:p>
           <a:p>
             <a:pPr lvl="4"/>
             <a:r>
-              <a:rPr lang="fr-FR" smtClean="0"/>
+              <a:rPr lang="fr-FR"/>
               <a:t>Cinquième niveau</a:t>
             </a:r>
             <a:endParaRPr lang="en-US" dirty="0"/>
@@ -2511,7 +3766,7 @@
           <a:p>
             <a:fld id="{A8490EA5-CA6F-8D4B-8D24-9E860C725A80}" type="datetimeFigureOut">
               <a:rPr lang="fr-FR" smtClean="0"/>
-              <a:t>30/01/2018</a:t>
+              <a:t>31/01/2018</a:t>
             </a:fld>
             <a:endParaRPr lang="fr-FR"/>
           </a:p>
@@ -2589,7 +3844,7 @@
           <a:p>
             <a:fld id="{0E1C6588-574C-564D-9A5F-65E9E31ED340}" type="slidenum">
               <a:rPr lang="fr-FR" smtClean="0"/>
-              <a:t>‹#›</a:t>
+              <a:t>‹N°›</a:t>
             </a:fld>
             <a:endParaRPr lang="fr-FR"/>
           </a:p>
@@ -2916,8 +4171,8 @@
           <a:chExt cx="0" cy="0"/>
         </a:xfrm>
       </p:grpSpPr>
-      <mc:AlternateContent xmlns:mc="http://schemas.openxmlformats.org/markup-compatibility/2006">
-        <mc:Choice xmlns:a14="http://schemas.microsoft.com/office/drawing/2010/main" Requires="a14">
+      <mc:AlternateContent xmlns:mc="http://schemas.openxmlformats.org/markup-compatibility/2006" xmlns:a14="http://schemas.microsoft.com/office/drawing/2010/main">
+        <mc:Choice Requires="a14">
           <p:sp>
             <p:nvSpPr>
               <p:cNvPr id="73" name="TextBox 72"/>
@@ -2947,7 +4202,7 @@
               <a:p>
                 <a:pPr lvl="0" algn="just"/>
                 <a:r>
-                  <a:rPr lang="fr-FR" sz="900" dirty="0" smtClean="0">
+                  <a:rPr lang="fr-FR" sz="900" dirty="0">
                     <a:solidFill>
                       <a:prstClr val="black"/>
                     </a:solidFill>
@@ -2957,7 +4212,7 @@
                   <a:t>La convergence du recuit simulé est prouvée par l’algorithme de </a:t>
                 </a:r>
                 <a:r>
-                  <a:rPr lang="fr-FR" sz="900" dirty="0" err="1" smtClean="0">
+                  <a:rPr lang="fr-FR" sz="900" dirty="0" err="1">
                     <a:solidFill>
                       <a:prstClr val="black"/>
                     </a:solidFill>
@@ -2967,7 +4222,7 @@
                   <a:t>Metropolis</a:t>
                 </a:r>
                 <a:r>
-                  <a:rPr lang="fr-FR" sz="900" dirty="0" smtClean="0">
+                  <a:rPr lang="fr-FR" sz="900" dirty="0">
                     <a:solidFill>
                       <a:prstClr val="black"/>
                     </a:solidFill>
@@ -2977,7 +4232,7 @@
                   <a:t>-Hastings (</a:t>
                 </a:r>
                 <a:r>
-                  <a:rPr lang="fr-FR" sz="900" dirty="0" err="1" smtClean="0">
+                  <a:rPr lang="fr-FR" sz="900" dirty="0" err="1">
                     <a:solidFill>
                       <a:prstClr val="black"/>
                     </a:solidFill>
@@ -2987,7 +4242,7 @@
                   <a:t>c.f</a:t>
                 </a:r>
                 <a:r>
-                  <a:rPr lang="fr-FR" sz="900" dirty="0" smtClean="0">
+                  <a:rPr lang="fr-FR" sz="900" dirty="0">
                     <a:solidFill>
                       <a:prstClr val="black"/>
                     </a:solidFill>
@@ -2996,7 +4251,7 @@
                   </a:rPr>
                   <a:t>. [1])</a:t>
                 </a:r>
-                <a:endParaRPr lang="fr-FR" sz="900" b="1" u="sng" dirty="0" smtClean="0">
+                <a:endParaRPr lang="fr-FR" sz="900" b="1" u="sng" dirty="0">
                   <a:solidFill>
                     <a:prstClr val="black"/>
                   </a:solidFill>
@@ -3006,7 +4261,7 @@
               </a:p>
               <a:p>
                 <a:pPr lvl="0" algn="just"/>
-                <a:endParaRPr lang="fr-FR" sz="1000" b="1" u="sng" dirty="0" smtClean="0">
+                <a:endParaRPr lang="fr-FR" sz="1000" b="1" u="sng" dirty="0">
                   <a:solidFill>
                     <a:prstClr val="black"/>
                   </a:solidFill>
@@ -3024,25 +4279,8 @@
                     <a:latin typeface="Arial" panose="020B0604020202020204" pitchFamily="34" charset="0"/>
                     <a:cs typeface="Arial" panose="020B0604020202020204" pitchFamily="34" charset="0"/>
                   </a:rPr>
-                  <a:t>2</a:t>
+                  <a:t>2- La mesure de Gibbs</a:t>
                 </a:r>
-                <a:r>
-                  <a:rPr lang="fr-FR" sz="1050" b="1" u="sng" dirty="0" smtClean="0">
-                    <a:solidFill>
-                      <a:prstClr val="black"/>
-                    </a:solidFill>
-                    <a:latin typeface="Arial" panose="020B0604020202020204" pitchFamily="34" charset="0"/>
-                    <a:cs typeface="Arial" panose="020B0604020202020204" pitchFamily="34" charset="0"/>
-                  </a:rPr>
-                  <a:t>- La mesure de Gibbs</a:t>
-                </a:r>
-                <a:endParaRPr lang="fr-FR" sz="1050" b="1" u="sng" dirty="0">
-                  <a:solidFill>
-                    <a:prstClr val="black"/>
-                  </a:solidFill>
-                  <a:latin typeface="Arial" panose="020B0604020202020204" pitchFamily="34" charset="0"/>
-                  <a:cs typeface="Arial" panose="020B0604020202020204" pitchFamily="34" charset="0"/>
-                </a:endParaRPr>
               </a:p>
               <a:p>
                 <a:pPr lvl="0" algn="just"/>
@@ -3077,7 +4315,7 @@
                   <a:t>    </a:t>
                 </a:r>
                 <a:r>
-                  <a:rPr lang="fr-FR" sz="900" dirty="0" smtClean="0">
+                  <a:rPr lang="fr-FR" sz="900" dirty="0">
                     <a:solidFill>
                       <a:prstClr val="black"/>
                     </a:solidFill>
@@ -3101,7 +4339,7 @@
                   </m:oMath>
                 </a14:m>
                 <a:r>
-                  <a:rPr lang="fr-FR" sz="900" dirty="0" smtClean="0">
+                  <a:rPr lang="fr-FR" sz="900" dirty="0">
                     <a:solidFill>
                       <a:prstClr val="black"/>
                     </a:solidFill>
@@ -3125,7 +4363,7 @@
                   </m:oMath>
                 </a14:m>
                 <a:r>
-                  <a:rPr lang="fr-FR" sz="900" dirty="0" smtClean="0">
+                  <a:rPr lang="fr-FR" sz="900" dirty="0">
                     <a:solidFill>
                       <a:prstClr val="black"/>
                     </a:solidFill>
@@ -3176,7 +4414,7 @@
                   </m:oMath>
                 </a14:m>
                 <a:r>
-                  <a:rPr lang="fr-FR" sz="900" dirty="0" smtClean="0">
+                  <a:rPr lang="fr-FR" sz="900" dirty="0">
                     <a:solidFill>
                       <a:prstClr val="black"/>
                     </a:solidFill>
@@ -3188,7 +4426,7 @@
               </a:p>
               <a:p>
                 <a:pPr lvl="0" algn="just"/>
-                <a:endParaRPr lang="fr-FR" sz="1000" dirty="0" smtClean="0">
+                <a:endParaRPr lang="fr-FR" sz="1000" dirty="0">
                   <a:solidFill>
                     <a:prstClr val="black"/>
                   </a:solidFill>
@@ -3209,7 +4447,7 @@
               <a:p>
                 <a:pPr lvl="0" algn="just"/>
                 <a:r>
-                  <a:rPr lang="fr-FR" sz="900" dirty="0" smtClean="0">
+                  <a:rPr lang="fr-FR" sz="900" dirty="0">
                     <a:solidFill>
                       <a:prstClr val="black"/>
                     </a:solidFill>
@@ -3249,7 +4487,7 @@
                   </m:oMath>
                 </a14:m>
                 <a:r>
-                  <a:rPr lang="fr-FR" sz="900" dirty="0" smtClean="0">
+                  <a:rPr lang="fr-FR" sz="900" dirty="0">
                     <a:solidFill>
                       <a:prstClr val="black"/>
                     </a:solidFill>
@@ -3296,7 +4534,7 @@
                   </m:oMath>
                 </a14:m>
                 <a:r>
-                  <a:rPr lang="fr-FR" sz="900" dirty="0" smtClean="0">
+                  <a:rPr lang="fr-FR" sz="900" dirty="0">
                     <a:solidFill>
                       <a:prstClr val="black"/>
                     </a:solidFill>
@@ -3336,7 +4574,7 @@
                   </m:oMath>
                 </a14:m>
                 <a:r>
-                  <a:rPr lang="fr-FR" sz="900" dirty="0" smtClean="0">
+                  <a:rPr lang="fr-FR" sz="900" dirty="0">
                     <a:solidFill>
                       <a:prstClr val="black"/>
                     </a:solidFill>
@@ -3376,7 +4614,7 @@
                   </m:oMath>
                 </a14:m>
                 <a:r>
-                  <a:rPr lang="fr-FR" sz="900" dirty="0" smtClean="0">
+                  <a:rPr lang="fr-FR" sz="900" dirty="0">
                     <a:solidFill>
                       <a:prstClr val="black"/>
                     </a:solidFill>
@@ -3389,7 +4627,7 @@
             </p:txBody>
           </p:sp>
         </mc:Choice>
-        <mc:Fallback>
+        <mc:Fallback xmlns="">
           <p:sp>
             <p:nvSpPr>
               <p:cNvPr id="73" name="TextBox 72"/>
@@ -3471,7 +4709,7 @@
         </p:nvSpPr>
         <p:spPr>
           <a:xfrm>
-            <a:off x="1" y="1025227"/>
+            <a:off x="1" y="1015701"/>
             <a:ext cx="10691812" cy="338554"/>
           </a:xfrm>
           <a:prstGeom prst="rect">
@@ -3486,7 +4724,7 @@
           <a:p>
             <a:pPr algn="ctr"/>
             <a:r>
-              <a:rPr lang="fr-FR" sz="1600" b="1" dirty="0" smtClean="0">
+              <a:rPr lang="fr-FR" sz="1600" b="1" dirty="0">
                 <a:solidFill>
                   <a:srgbClr val="38ADE3"/>
                 </a:solidFill>
@@ -3496,7 +4734,7 @@
               </a:rPr>
               <a:t>Réalisé Mathieu ROUX et Théo VIEL, sous la direction de Pierre-André ZITT.</a:t>
             </a:r>
-            <a:endParaRPr lang="fr-FR" sz="1600" b="1" dirty="0" smtClean="0">
+            <a:endParaRPr lang="fr-FR" sz="1600" b="1" dirty="0">
               <a:solidFill>
                 <a:srgbClr val="38ADE3"/>
               </a:solidFill>
@@ -3542,22 +4780,10 @@
                 <a:latin typeface="Arial" panose="020B0604020202020204" pitchFamily="34" charset="0"/>
                 <a:cs typeface="Arial" panose="020B0604020202020204" pitchFamily="34" charset="0"/>
               </a:rPr>
-              <a:t> </a:t>
+              <a:t>    </a:t>
             </a:r>
             <a:r>
-              <a:rPr lang="fr-FR" sz="1100" b="1" dirty="0" smtClean="0">
-                <a:uFill>
-                  <a:solidFill>
-                    <a:srgbClr val="FF0000"/>
-                  </a:solidFill>
-                </a:uFill>
-                <a:latin typeface="Arial" panose="020B0604020202020204" pitchFamily="34" charset="0"/>
-                <a:cs typeface="Arial" panose="020B0604020202020204" pitchFamily="34" charset="0"/>
-              </a:rPr>
-              <a:t>   </a:t>
-            </a:r>
-            <a:r>
-              <a:rPr lang="fr-FR" sz="1200" b="1" u="sng" dirty="0" smtClean="0">
+              <a:rPr lang="fr-FR" sz="1200" b="1" u="sng" dirty="0">
                 <a:uFill>
                   <a:solidFill>
                     <a:srgbClr val="FF0000"/>
@@ -3579,7 +4805,7 @@
           <a:p>
             <a:pPr algn="just"/>
             <a:r>
-              <a:rPr lang="fr-FR" sz="1050" b="1" u="sng" dirty="0" smtClean="0">
+              <a:rPr lang="fr-FR" sz="1050" b="1" u="sng" dirty="0">
                 <a:latin typeface="Arial" panose="020B0604020202020204" pitchFamily="34" charset="0"/>
                 <a:cs typeface="Arial" panose="020B0604020202020204" pitchFamily="34" charset="0"/>
               </a:rPr>
@@ -3589,13 +4815,13 @@
           <a:p>
             <a:pPr algn="just"/>
             <a:r>
-              <a:rPr lang="fr-FR" sz="500" b="1" u="sng" dirty="0" smtClean="0">
+              <a:rPr lang="fr-FR" sz="500" b="1" u="sng" dirty="0">
                 <a:latin typeface="Arial" panose="020B0604020202020204" pitchFamily="34" charset="0"/>
                 <a:cs typeface="Arial" panose="020B0604020202020204" pitchFamily="34" charset="0"/>
               </a:rPr>
               <a:t> </a:t>
             </a:r>
-            <a:endParaRPr lang="fr-FR" sz="400" b="1" u="sng" dirty="0" smtClean="0">
+            <a:endParaRPr lang="fr-FR" sz="400" b="1" u="sng" dirty="0">
               <a:latin typeface="Arial" panose="020B0604020202020204" pitchFamily="34" charset="0"/>
               <a:cs typeface="Arial" panose="020B0604020202020204" pitchFamily="34" charset="0"/>
             </a:endParaRPr>
@@ -3603,56 +4829,17 @@
           <a:p>
             <a:pPr algn="just"/>
             <a:r>
-              <a:rPr lang="fr-FR" sz="900" dirty="0" smtClean="0">
+              <a:rPr lang="fr-FR" sz="900" dirty="0">
                 <a:latin typeface="Arial" panose="020B0604020202020204" pitchFamily="34" charset="0"/>
                 <a:cs typeface="Arial" panose="020B0604020202020204" pitchFamily="34" charset="0"/>
               </a:rPr>
-              <a:t>    Le but de ce projet est de résoudre un </a:t>
+              <a:t>    Le but de ce projet est de résoudre un puzzle tel que celui-ci dessous, en implémentant deux algorithmes abordant le problème de façon différentes: un probabiliste et un déterministe. Il est couplé avec le projet du cours de Développement Logiciel, dans le cadre duquel nous avons développé une interface graphique.</a:t>
             </a:r>
-            <a:r>
-              <a:rPr lang="fr-FR" sz="900" dirty="0" smtClean="0">
-                <a:latin typeface="Arial" panose="020B0604020202020204" pitchFamily="34" charset="0"/>
-                <a:cs typeface="Arial" panose="020B0604020202020204" pitchFamily="34" charset="0"/>
-              </a:rPr>
-              <a:t>puzzle tel que celui-ci dessous, en implémentant deux </a:t>
-            </a:r>
-            <a:r>
-              <a:rPr lang="fr-FR" sz="900" dirty="0" smtClean="0">
-                <a:latin typeface="Arial" panose="020B0604020202020204" pitchFamily="34" charset="0"/>
-                <a:cs typeface="Arial" panose="020B0604020202020204" pitchFamily="34" charset="0"/>
-              </a:rPr>
-              <a:t>algorithmes abordant le problème de façon </a:t>
-            </a:r>
-            <a:r>
-              <a:rPr lang="fr-FR" sz="900" dirty="0" smtClean="0">
-                <a:latin typeface="Arial" panose="020B0604020202020204" pitchFamily="34" charset="0"/>
-                <a:cs typeface="Arial" panose="020B0604020202020204" pitchFamily="34" charset="0"/>
-              </a:rPr>
-              <a:t>différentes: un probabiliste et un déterministe. </a:t>
-            </a:r>
-            <a:r>
-              <a:rPr lang="fr-FR" sz="900" dirty="0" smtClean="0">
-                <a:latin typeface="Arial" panose="020B0604020202020204" pitchFamily="34" charset="0"/>
-                <a:cs typeface="Arial" panose="020B0604020202020204" pitchFamily="34" charset="0"/>
-              </a:rPr>
-              <a:t>Il est couplé avec le projet du cours de Développement Logiciel</a:t>
-            </a:r>
-            <a:r>
-              <a:rPr lang="fr-FR" sz="900" dirty="0" smtClean="0">
-                <a:latin typeface="Arial" panose="020B0604020202020204" pitchFamily="34" charset="0"/>
-                <a:cs typeface="Arial" panose="020B0604020202020204" pitchFamily="34" charset="0"/>
-              </a:rPr>
-              <a:t>, dans le cadre duquel nous avons développé une interface graphique.</a:t>
-            </a:r>
-            <a:endParaRPr lang="fr-FR" sz="900" dirty="0" smtClean="0">
-              <a:latin typeface="Arial" panose="020B0604020202020204" pitchFamily="34" charset="0"/>
-              <a:cs typeface="Arial" panose="020B0604020202020204" pitchFamily="34" charset="0"/>
-            </a:endParaRPr>
           </a:p>
         </p:txBody>
       </p:sp>
-      <mc:AlternateContent xmlns:mc="http://schemas.openxmlformats.org/markup-compatibility/2006">
-        <mc:Choice xmlns:a14="http://schemas.microsoft.com/office/drawing/2010/main" Requires="a14">
+      <mc:AlternateContent xmlns:mc="http://schemas.openxmlformats.org/markup-compatibility/2006" xmlns:a14="http://schemas.microsoft.com/office/drawing/2010/main">
+        <mc:Choice Requires="a14">
           <p:sp>
             <p:nvSpPr>
               <p:cNvPr id="27" name="TextBox 19"/>
@@ -3691,22 +4878,10 @@
                     <a:latin typeface="Arial" panose="020B0604020202020204" pitchFamily="34" charset="0"/>
                     <a:cs typeface="Arial" panose="020B0604020202020204" pitchFamily="34" charset="0"/>
                   </a:rPr>
-                  <a:t> </a:t>
+                  <a:t>    </a:t>
                 </a:r>
                 <a:r>
-                  <a:rPr lang="fr-FR" sz="1100" b="1" dirty="0" smtClean="0">
-                    <a:uFill>
-                      <a:solidFill>
-                        <a:srgbClr val="FF0000"/>
-                      </a:solidFill>
-                    </a:uFill>
-                    <a:latin typeface="Arial" panose="020B0604020202020204" pitchFamily="34" charset="0"/>
-                    <a:cs typeface="Arial" panose="020B0604020202020204" pitchFamily="34" charset="0"/>
-                  </a:rPr>
-                  <a:t>   </a:t>
-                </a:r>
-                <a:r>
-                  <a:rPr lang="fr-FR" sz="1100" b="1" u="sng" dirty="0" smtClean="0">
+                  <a:rPr lang="fr-FR" sz="1100" b="1" u="sng" dirty="0">
                     <a:uFill>
                       <a:solidFill>
                         <a:srgbClr val="FF0000"/>
@@ -3717,19 +4892,10 @@
                   </a:rPr>
                   <a:t>II- Méthode probabiliste</a:t>
                 </a:r>
-                <a:endParaRPr lang="fr-FR" sz="1100" b="1" u="sng" dirty="0">
-                  <a:uFill>
-                    <a:solidFill>
-                      <a:srgbClr val="FF0000"/>
-                    </a:solidFill>
-                  </a:uFill>
-                  <a:latin typeface="Arial" panose="020B0604020202020204" pitchFamily="34" charset="0"/>
-                  <a:cs typeface="Arial" panose="020B0604020202020204" pitchFamily="34" charset="0"/>
-                </a:endParaRPr>
               </a:p>
               <a:p>
                 <a:pPr algn="just"/>
-                <a:endParaRPr lang="fr-FR" sz="700" b="1" u="sng" dirty="0" smtClean="0">
+                <a:endParaRPr lang="fr-FR" sz="700" b="1" u="sng" dirty="0">
                   <a:latin typeface="Arial" panose="020B0604020202020204" pitchFamily="34" charset="0"/>
                   <a:cs typeface="Arial" panose="020B0604020202020204" pitchFamily="34" charset="0"/>
                 </a:endParaRPr>
@@ -3737,16 +4903,12 @@
               <a:p>
                 <a:pPr algn="just"/>
                 <a:r>
-                  <a:rPr lang="fr-FR" sz="1050" b="1" u="sng" dirty="0" smtClean="0">
+                  <a:rPr lang="fr-FR" sz="1050" b="1" u="sng" dirty="0">
                     <a:latin typeface="Arial" panose="020B0604020202020204" pitchFamily="34" charset="0"/>
                     <a:cs typeface="Arial" panose="020B0604020202020204" pitchFamily="34" charset="0"/>
                   </a:rPr>
                   <a:t>1- Algorithme du recuit simulé</a:t>
                 </a:r>
-                <a:endParaRPr lang="fr-FR" sz="1050" b="1" u="sng" dirty="0">
-                  <a:latin typeface="Arial" panose="020B0604020202020204" pitchFamily="34" charset="0"/>
-                  <a:cs typeface="Arial" panose="020B0604020202020204" pitchFamily="34" charset="0"/>
-                </a:endParaRPr>
               </a:p>
               <a:p>
                 <a:pPr algn="just"/>
@@ -3765,7 +4927,7 @@
               <a:p>
                 <a:pPr algn="just"/>
                 <a:r>
-                  <a:rPr lang="fr-FR" sz="900" dirty="0" smtClean="0">
+                  <a:rPr lang="fr-FR" sz="900" dirty="0">
                     <a:latin typeface="Arial" panose="020B0604020202020204" pitchFamily="34" charset="0"/>
                     <a:cs typeface="Arial" panose="020B0604020202020204" pitchFamily="34" charset="0"/>
                   </a:rPr>
@@ -3783,18 +4945,11 @@
                   </m:oMath>
                 </a14:m>
                 <a:r>
-                  <a:rPr lang="fr-FR" sz="900" dirty="0" smtClean="0">
+                  <a:rPr lang="fr-FR" sz="900" dirty="0">
                     <a:latin typeface="Arial" panose="020B0604020202020204" pitchFamily="34" charset="0"/>
                     <a:cs typeface="Arial" panose="020B0604020202020204" pitchFamily="34" charset="0"/>
                   </a:rPr>
-                  <a:t>) jusqu’à trouver une solution telle que les pièces ne se chevauchent pas. Mathématiquement, on modélise le problème de la façon suivante</a:t>
-                </a:r>
-                <a:r>
-                  <a:rPr lang="fr-FR" sz="900" dirty="0" smtClean="0">
-                    <a:latin typeface="Arial" panose="020B0604020202020204" pitchFamily="34" charset="0"/>
-                    <a:cs typeface="Arial" panose="020B0604020202020204" pitchFamily="34" charset="0"/>
-                  </a:rPr>
-                  <a:t>:</a:t>
+                  <a:t>) jusqu’à trouver une solution telle que les pièces ne se chevauchent pas. Mathématiquement, on modélise le problème de la façon suivante:</a:t>
                 </a:r>
               </a:p>
               <a:p>
@@ -3806,7 +4961,7 @@
               </a:p>
               <a:p>
                 <a:pPr algn="just"/>
-                <a:endParaRPr lang="fr-FR" sz="700" dirty="0" smtClean="0">
+                <a:endParaRPr lang="fr-FR" sz="700" dirty="0">
                   <a:latin typeface="Arial" panose="020B0604020202020204" pitchFamily="34" charset="0"/>
                   <a:cs typeface="Arial" panose="020B0604020202020204" pitchFamily="34" charset="0"/>
                 </a:endParaRPr>
@@ -3821,7 +4976,7 @@
               <a:p>
                 <a:pPr algn="just"/>
                 <a:r>
-                  <a:rPr lang="fr-FR" sz="900" dirty="0" smtClean="0">
+                  <a:rPr lang="fr-FR" sz="900" dirty="0">
                     <a:latin typeface="Arial" panose="020B0604020202020204" pitchFamily="34" charset="0"/>
                     <a:cs typeface="Arial" panose="020B0604020202020204" pitchFamily="34" charset="0"/>
                   </a:rPr>
@@ -3871,18 +5026,11 @@
                   </m:oMath>
                 </a14:m>
                 <a:r>
-                  <a:rPr lang="fr-FR" sz="900" dirty="0" smtClean="0">
-                    <a:latin typeface="Arial" panose="020B0604020202020204" pitchFamily="34" charset="0"/>
-                    <a:cs typeface="Arial" panose="020B0604020202020204" pitchFamily="34" charset="0"/>
-                  </a:rPr>
-                  <a:t> est </a:t>
-                </a:r>
-                <a:r>
                   <a:rPr lang="fr-FR" sz="900" dirty="0">
                     <a:latin typeface="Arial" panose="020B0604020202020204" pitchFamily="34" charset="0"/>
                     <a:cs typeface="Arial" panose="020B0604020202020204" pitchFamily="34" charset="0"/>
                   </a:rPr>
-                  <a:t>la fonction </a:t>
+                  <a:t> est la fonction </a:t>
                 </a:r>
                 <a:r>
                   <a:rPr lang="fr-FR" sz="900" b="1" dirty="0">
@@ -3896,14 +5044,7 @@
                     <a:latin typeface="Arial" panose="020B0604020202020204" pitchFamily="34" charset="0"/>
                     <a:cs typeface="Arial" panose="020B0604020202020204" pitchFamily="34" charset="0"/>
                   </a:rPr>
-                  <a:t>, comptant le nombre </a:t>
-                </a:r>
-                <a:r>
-                  <a:rPr lang="fr-FR" sz="900" dirty="0" smtClean="0">
-                    <a:latin typeface="Arial" panose="020B0604020202020204" pitchFamily="34" charset="0"/>
-                    <a:cs typeface="Arial" panose="020B0604020202020204" pitchFamily="34" charset="0"/>
-                  </a:rPr>
-                  <a:t>recouvrement dans la grille. Notons que quand le puzzle est faisable, alors le minimum de </a:t>
+                  <a:t>, comptant le nombre recouvrement dans la grille. Notons que quand le puzzle est faisable, alors le minimum de </a:t>
                 </a:r>
                 <a14:m>
                   <m:oMath xmlns:m="http://schemas.openxmlformats.org/officeDocument/2006/math">
@@ -3917,21 +5058,17 @@
                   </m:oMath>
                 </a14:m>
                 <a:r>
-                  <a:rPr lang="fr-FR" sz="900" dirty="0" smtClean="0">
+                  <a:rPr lang="fr-FR" sz="900" dirty="0">
                     <a:latin typeface="Arial" panose="020B0604020202020204" pitchFamily="34" charset="0"/>
                     <a:cs typeface="Arial" panose="020B0604020202020204" pitchFamily="34" charset="0"/>
                   </a:rPr>
                   <a:t> est 0.</a:t>
                 </a:r>
-                <a:endParaRPr lang="fr-FR" sz="900" dirty="0">
-                  <a:latin typeface="Arial" panose="020B0604020202020204" pitchFamily="34" charset="0"/>
-                  <a:cs typeface="Arial" panose="020B0604020202020204" pitchFamily="34" charset="0"/>
-                </a:endParaRPr>
               </a:p>
               <a:p>
                 <a:pPr algn="just"/>
                 <a:r>
-                  <a:rPr lang="fr-FR" sz="900" dirty="0" smtClean="0">
+                  <a:rPr lang="fr-FR" sz="900" dirty="0">
                     <a:latin typeface="Arial" panose="020B0604020202020204" pitchFamily="34" charset="0"/>
                     <a:cs typeface="Arial" panose="020B0604020202020204" pitchFamily="34" charset="0"/>
                   </a:rPr>
@@ -3949,11 +5086,11 @@
                   </m:oMath>
                 </a14:m>
                 <a:r>
-                  <a:rPr lang="fr-FR" sz="900" dirty="0" smtClean="0"/>
+                  <a:rPr lang="fr-FR" sz="900" dirty="0"/>
                   <a:t> </a:t>
                 </a:r>
                 <a:r>
-                  <a:rPr lang="fr-FR" sz="900" dirty="0" smtClean="0">
+                  <a:rPr lang="fr-FR" sz="900" dirty="0">
                     <a:latin typeface="Arial" panose="020B0604020202020204" pitchFamily="34" charset="0"/>
                     <a:cs typeface="Arial" panose="020B0604020202020204" pitchFamily="34" charset="0"/>
                   </a:rPr>
@@ -3971,7 +5108,7 @@
                   </m:oMath>
                 </a14:m>
                 <a:r>
-                  <a:rPr lang="fr-FR" sz="900" dirty="0" smtClean="0">
+                  <a:rPr lang="fr-FR" sz="900" dirty="0">
                     <a:latin typeface="Arial" panose="020B0604020202020204" pitchFamily="34" charset="0"/>
                     <a:cs typeface="Arial" panose="020B0604020202020204" pitchFamily="34" charset="0"/>
                   </a:rPr>
@@ -4006,32 +5143,25 @@
                   </m:oMath>
                 </a14:m>
                 <a:r>
-                  <a:rPr lang="fr-FR" sz="900" dirty="0" smtClean="0">
+                  <a:rPr lang="fr-FR" sz="900" dirty="0">
                     <a:latin typeface="Arial" panose="020B0604020202020204" pitchFamily="34" charset="0"/>
                     <a:cs typeface="Arial" panose="020B0604020202020204" pitchFamily="34" charset="0"/>
                   </a:rPr>
                   <a:t>. On choisit ensuite une </a:t>
                 </a:r>
                 <a:r>
-                  <a:rPr lang="fr-FR" sz="900" b="1" dirty="0" smtClean="0">
+                  <a:rPr lang="fr-FR" sz="900" b="1" dirty="0">
                     <a:latin typeface="Arial" panose="020B0604020202020204" pitchFamily="34" charset="0"/>
                     <a:cs typeface="Arial" panose="020B0604020202020204" pitchFamily="34" charset="0"/>
                   </a:rPr>
                   <a:t>fonction de voisinage</a:t>
                 </a:r>
                 <a:r>
-                  <a:rPr lang="fr-FR" sz="900" dirty="0" smtClean="0">
-                    <a:latin typeface="Arial" panose="020B0604020202020204" pitchFamily="34" charset="0"/>
-                    <a:cs typeface="Arial" panose="020B0604020202020204" pitchFamily="34" charset="0"/>
-                  </a:rPr>
-                  <a:t>, qui définit une façon de passer d’une configuration à une autre, de sorte que les arrêtes de</a:t>
-                </a:r>
-                <a:r>
                   <a:rPr lang="fr-FR" sz="900" dirty="0">
                     <a:latin typeface="Arial" panose="020B0604020202020204" pitchFamily="34" charset="0"/>
                     <a:cs typeface="Arial" panose="020B0604020202020204" pitchFamily="34" charset="0"/>
                   </a:rPr>
-                  <a:t> </a:t>
+                  <a:t>, qui définit une façon de passer d’une configuration à une autre, de sorte que les arrêtes de </a:t>
                 </a:r>
                 <a14:m>
                   <m:oMath xmlns:m="http://schemas.openxmlformats.org/officeDocument/2006/math">
@@ -4049,7 +5179,7 @@
                   <a:t> </a:t>
                 </a:r>
                 <a:r>
-                  <a:rPr lang="fr-FR" sz="900" dirty="0" smtClean="0">
+                  <a:rPr lang="fr-FR" sz="900" dirty="0">
                     <a:latin typeface="Arial" panose="020B0604020202020204" pitchFamily="34" charset="0"/>
                     <a:cs typeface="Arial" panose="020B0604020202020204" pitchFamily="34" charset="0"/>
                   </a:rPr>
@@ -4059,7 +5189,7 @@
             </p:txBody>
           </p:sp>
         </mc:Choice>
-        <mc:Fallback>
+        <mc:Fallback xmlns="">
           <p:sp>
             <p:nvSpPr>
               <p:cNvPr id="27" name="TextBox 19"/>
@@ -4126,10 +5256,9 @@
           <a:lstStyle/>
           <a:p>
             <a:r>
-              <a:rPr lang="fr-FR" sz="800" i="1" dirty="0" smtClean="0"/>
+              <a:rPr lang="fr-FR" sz="800" i="1" dirty="0"/>
               <a:t>Le cylindre</a:t>
             </a:r>
-            <a:endParaRPr lang="fr-FR" sz="800" i="1" dirty="0"/>
           </a:p>
         </p:txBody>
       </p:sp>
@@ -4156,10 +5285,9 @@
           <a:lstStyle/>
           <a:p>
             <a:r>
-              <a:rPr lang="fr-FR" sz="800" i="1" dirty="0" smtClean="0"/>
+              <a:rPr lang="fr-FR" sz="800" i="1" dirty="0"/>
               <a:t>Une pièce</a:t>
             </a:r>
-            <a:endParaRPr lang="fr-FR" sz="800" i="1" dirty="0"/>
           </a:p>
         </p:txBody>
       </p:sp>
@@ -4187,10 +5315,9 @@
           <a:p>
             <a:pPr algn="ctr"/>
             <a:r>
-              <a:rPr lang="fr-FR" sz="900" i="1" dirty="0" smtClean="0"/>
+              <a:rPr lang="fr-FR" sz="900" i="1" dirty="0"/>
               <a:t>Schéma du puzzle étudié résolu et de ses éléments.</a:t>
             </a:r>
-            <a:endParaRPr lang="fr-FR" sz="900" i="1" dirty="0"/>
           </a:p>
         </p:txBody>
       </p:sp>
@@ -4265,16 +5392,6 @@
           <a:lstStyle/>
           <a:p>
             <a:r>
-              <a:rPr lang="fr-FR" sz="3200" b="1" dirty="0" smtClean="0">
-                <a:solidFill>
-                  <a:schemeClr val="bg1"/>
-                </a:solidFill>
-                <a:latin typeface="Arial" panose="020B0604020202020204" pitchFamily="34" charset="0"/>
-                <a:cs typeface="Arial" panose="020B0604020202020204" pitchFamily="34" charset="0"/>
-              </a:rPr>
-              <a:t>ALGORITHMES DE R</a:t>
-            </a:r>
-            <a:r>
               <a:rPr lang="fr-FR" sz="3200" b="1" dirty="0">
                 <a:solidFill>
                   <a:schemeClr val="bg1"/>
@@ -4282,25 +5399,8 @@
                 <a:latin typeface="Arial" panose="020B0604020202020204" pitchFamily="34" charset="0"/>
                 <a:cs typeface="Arial" panose="020B0604020202020204" pitchFamily="34" charset="0"/>
               </a:rPr>
-              <a:t>É</a:t>
+              <a:t>ALGORITHMES DE RÉSOLUTION DE PUZZLES</a:t>
             </a:r>
-            <a:r>
-              <a:rPr lang="fr-FR" sz="3200" b="1" dirty="0" smtClean="0">
-                <a:solidFill>
-                  <a:schemeClr val="bg1"/>
-                </a:solidFill>
-                <a:latin typeface="Arial" panose="020B0604020202020204" pitchFamily="34" charset="0"/>
-                <a:cs typeface="Arial" panose="020B0604020202020204" pitchFamily="34" charset="0"/>
-              </a:rPr>
-              <a:t>SOLUTION DE PUZZLES</a:t>
-            </a:r>
-            <a:endParaRPr lang="fr-FR" sz="3200" b="1" dirty="0">
-              <a:solidFill>
-                <a:schemeClr val="bg1"/>
-              </a:solidFill>
-              <a:latin typeface="Arial" panose="020B0604020202020204" pitchFamily="34" charset="0"/>
-              <a:cs typeface="Arial" panose="020B0604020202020204" pitchFamily="34" charset="0"/>
-            </a:endParaRPr>
           </a:p>
         </p:txBody>
       </p:sp>
@@ -4349,10 +5449,9 @@
           <a:p>
             <a:pPr algn="ctr"/>
             <a:r>
-              <a:rPr lang="fr-FR" dirty="0" smtClean="0"/>
+              <a:rPr lang="fr-FR" dirty="0"/>
               <a:t> </a:t>
             </a:r>
-            <a:endParaRPr lang="fr-FR" dirty="0"/>
           </a:p>
         </p:txBody>
       </p:sp>
@@ -4457,7 +5556,7 @@
           <a:lstStyle/>
           <a:p>
             <a:r>
-              <a:rPr lang="fr-FR" sz="2800" b="1" dirty="0" smtClean="0">
+              <a:rPr lang="fr-FR" sz="2800" b="1" dirty="0">
                 <a:solidFill>
                   <a:schemeClr val="bg1"/>
                 </a:solidFill>
@@ -4466,13 +5565,6 @@
               </a:rPr>
               <a:t>PROJET MOPSI</a:t>
             </a:r>
-            <a:endParaRPr lang="fr-FR" sz="2800" b="1" dirty="0">
-              <a:solidFill>
-                <a:schemeClr val="bg1"/>
-              </a:solidFill>
-              <a:latin typeface="Arial" panose="020B0604020202020204" pitchFamily="34" charset="0"/>
-              <a:cs typeface="Arial" panose="020B0604020202020204" pitchFamily="34" charset="0"/>
-            </a:endParaRPr>
           </a:p>
         </p:txBody>
       </p:sp>
@@ -4499,7 +5591,7 @@
           <a:lstStyle/>
           <a:p>
             <a:r>
-              <a:rPr lang="fr-FR" sz="2800" b="1" dirty="0" smtClean="0">
+              <a:rPr lang="fr-FR" sz="2800" b="1" dirty="0">
                 <a:solidFill>
                   <a:schemeClr val="bg1"/>
                 </a:solidFill>
@@ -4508,18 +5600,11 @@
               </a:rPr>
               <a:t>ANNÉE 2017-2018</a:t>
             </a:r>
-            <a:endParaRPr lang="fr-FR" sz="2800" b="1" dirty="0">
-              <a:solidFill>
-                <a:schemeClr val="bg1"/>
-              </a:solidFill>
-              <a:latin typeface="Arial" panose="020B0604020202020204" pitchFamily="34" charset="0"/>
-              <a:cs typeface="Arial" panose="020B0604020202020204" pitchFamily="34" charset="0"/>
-            </a:endParaRPr>
           </a:p>
         </p:txBody>
       </p:sp>
-      <mc:AlternateContent xmlns:mc="http://schemas.openxmlformats.org/markup-compatibility/2006">
-        <mc:Choice xmlns:a14="http://schemas.microsoft.com/office/drawing/2010/main" Requires="a14">
+      <mc:AlternateContent xmlns:mc="http://schemas.openxmlformats.org/markup-compatibility/2006" xmlns:a14="http://schemas.microsoft.com/office/drawing/2010/main">
+        <mc:Choice Requires="a14">
           <p:sp>
             <p:nvSpPr>
               <p:cNvPr id="57" name="TextBox 56"/>
@@ -4619,7 +5704,7 @@
             </p:txBody>
           </p:sp>
         </mc:Choice>
-        <mc:Fallback>
+        <mc:Fallback xmlns="">
           <p:sp>
             <p:nvSpPr>
               <p:cNvPr id="57" name="TextBox 56"/>
@@ -4704,8 +5789,8 @@
           </a:p>
         </p:txBody>
       </p:sp>
-      <mc:AlternateContent xmlns:mc="http://schemas.openxmlformats.org/markup-compatibility/2006">
-        <mc:Choice xmlns:a14="http://schemas.microsoft.com/office/drawing/2010/main" Requires="a14">
+      <mc:AlternateContent xmlns:mc="http://schemas.openxmlformats.org/markup-compatibility/2006" xmlns:a14="http://schemas.microsoft.com/office/drawing/2010/main">
+        <mc:Choice Requires="a14">
           <p:sp>
             <p:nvSpPr>
               <p:cNvPr id="62" name="TextBox 61"/>
@@ -4730,7 +5815,7 @@
               <a:p>
                 <a:pPr lvl="0" algn="just"/>
                 <a:r>
-                  <a:rPr lang="fr-FR" sz="1000" dirty="0" smtClean="0">
+                  <a:rPr lang="fr-FR" sz="1000" dirty="0">
                     <a:solidFill>
                       <a:prstClr val="black"/>
                     </a:solidFill>
@@ -4868,17 +5953,7 @@
                     <a:latin typeface="Arial" panose="020B0604020202020204" pitchFamily="34" charset="0"/>
                     <a:cs typeface="Arial" panose="020B0604020202020204" pitchFamily="34" charset="0"/>
                   </a:rPr>
-                  <a:t>On calcule la variation de potentiel </a:t>
-                </a:r>
-                <a:r>
-                  <a:rPr lang="fr-FR" sz="1000" dirty="0" smtClean="0">
-                    <a:solidFill>
-                      <a:prstClr val="black"/>
-                    </a:solidFill>
-                    <a:latin typeface="Arial" panose="020B0604020202020204" pitchFamily="34" charset="0"/>
-                    <a:cs typeface="Arial" panose="020B0604020202020204" pitchFamily="34" charset="0"/>
-                  </a:rPr>
-                  <a:t>y aller</a:t>
+                  <a:t>On calcule la variation de potentiel y aller</a:t>
                 </a:r>
                 <a:endParaRPr lang="fr-FR" sz="1000" dirty="0">
                   <a:solidFill>
@@ -5038,23 +6113,13 @@
                     <a:latin typeface="Arial" panose="020B0604020202020204" pitchFamily="34" charset="0"/>
                     <a:cs typeface="Arial" panose="020B0604020202020204" pitchFamily="34" charset="0"/>
                   </a:rPr>
-                  <a:t>-sélectionne un voisin </a:t>
-                </a:r>
-                <a:r>
-                  <a:rPr lang="fr-FR" sz="1000" dirty="0" smtClean="0">
-                    <a:solidFill>
-                      <a:prstClr val="black"/>
-                    </a:solidFill>
-                    <a:latin typeface="Arial" panose="020B0604020202020204" pitchFamily="34" charset="0"/>
-                    <a:cs typeface="Arial" panose="020B0604020202020204" pitchFamily="34" charset="0"/>
-                  </a:rPr>
-                  <a:t>aléatoirement</a:t>
+                  <a:t>-sélectionne un voisin aléatoirement</a:t>
                 </a:r>
               </a:p>
               <a:p>
                 <a:pPr lvl="0" algn="just"/>
                 <a:r>
-                  <a:rPr lang="fr-FR" sz="1000" dirty="0" smtClean="0">
+                  <a:rPr lang="fr-FR" sz="1000" dirty="0">
                     <a:solidFill>
                       <a:prstClr val="black"/>
                     </a:solidFill>
@@ -5078,7 +6143,7 @@
                   </m:oMath>
                 </a14:m>
                 <a:r>
-                  <a:rPr lang="fr-FR" sz="1000" dirty="0" smtClean="0">
+                  <a:rPr lang="fr-FR" sz="1000" dirty="0">
                     <a:solidFill>
                       <a:prstClr val="black"/>
                     </a:solidFill>
@@ -5147,7 +6212,7 @@
             </p:txBody>
           </p:sp>
         </mc:Choice>
-        <mc:Fallback>
+        <mc:Fallback xmlns="">
           <p:sp>
             <p:nvSpPr>
               <p:cNvPr id="62" name="TextBox 61"/>
@@ -5186,8 +6251,8 @@
           </p:sp>
         </mc:Fallback>
       </mc:AlternateContent>
-      <mc:AlternateContent xmlns:mc="http://schemas.openxmlformats.org/markup-compatibility/2006">
-        <mc:Choice xmlns:a14="http://schemas.microsoft.com/office/drawing/2010/main" Requires="a14">
+      <mc:AlternateContent xmlns:mc="http://schemas.openxmlformats.org/markup-compatibility/2006" xmlns:a14="http://schemas.microsoft.com/office/drawing/2010/main">
+        <mc:Choice Requires="a14">
           <p:sp>
             <p:nvSpPr>
               <p:cNvPr id="72" name="TextBox 71"/>
@@ -5357,15 +6422,14 @@
                   </m:oMath>
                 </a14:m>
                 <a:r>
-                  <a:rPr lang="fr-FR" sz="1400" dirty="0" smtClean="0"/>
+                  <a:rPr lang="fr-FR" sz="1400" dirty="0"/>
                   <a:t> </a:t>
                 </a:r>
-                <a:endParaRPr lang="fr-FR" sz="1400" dirty="0"/>
               </a:p>
             </p:txBody>
           </p:sp>
         </mc:Choice>
-        <mc:Fallback>
+        <mc:Fallback xmlns="">
           <p:sp>
             <p:nvSpPr>
               <p:cNvPr id="72" name="TextBox 71"/>
@@ -5404,8 +6468,8 @@
           </p:sp>
         </mc:Fallback>
       </mc:AlternateContent>
-      <mc:AlternateContent xmlns:mc="http://schemas.openxmlformats.org/markup-compatibility/2006">
-        <mc:Choice xmlns:a14="http://schemas.microsoft.com/office/drawing/2010/main" Requires="a14">
+      <mc:AlternateContent xmlns:mc="http://schemas.openxmlformats.org/markup-compatibility/2006" xmlns:a14="http://schemas.microsoft.com/office/drawing/2010/main">
+        <mc:Choice Requires="a14">
           <p:sp>
             <p:nvSpPr>
               <p:cNvPr id="75" name="TextBox 74"/>
@@ -5415,7 +6479,7 @@
             <p:spPr>
               <a:xfrm>
                 <a:off x="3721053" y="1367656"/>
-                <a:ext cx="3249706" cy="5793894"/>
+                <a:ext cx="3249706" cy="6070893"/>
               </a:xfrm>
               <a:prstGeom prst="rect">
                 <a:avLst/>
@@ -5435,7 +6499,7 @@
               <a:p>
                 <a:pPr lvl="0" algn="just"/>
                 <a:r>
-                  <a:rPr lang="fr-FR" sz="1100" b="1" u="sng" dirty="0" smtClean="0">
+                  <a:rPr lang="fr-FR" sz="1100" b="1" u="sng" dirty="0">
                     <a:solidFill>
                       <a:prstClr val="black"/>
                     </a:solidFill>
@@ -5444,13 +6508,6 @@
                   </a:rPr>
                   <a:t>3- Implémentation</a:t>
                 </a:r>
-                <a:endParaRPr lang="fr-FR" sz="1100" b="1" u="sng" dirty="0">
-                  <a:solidFill>
-                    <a:prstClr val="black"/>
-                  </a:solidFill>
-                  <a:latin typeface="Arial" panose="020B0604020202020204" pitchFamily="34" charset="0"/>
-                  <a:cs typeface="Arial" panose="020B0604020202020204" pitchFamily="34" charset="0"/>
-                </a:endParaRPr>
               </a:p>
               <a:p>
                 <a:pPr lvl="0" algn="just"/>
@@ -5482,39 +6539,9 @@
                     <a:latin typeface="Arial" panose="020B0604020202020204" pitchFamily="34" charset="0"/>
                     <a:cs typeface="Arial" panose="020B0604020202020204" pitchFamily="34" charset="0"/>
                   </a:rPr>
-                  <a:t>    </a:t>
-                </a:r>
-                <a:r>
-                  <a:rPr lang="fr-FR" sz="900" dirty="0" smtClean="0">
-                    <a:solidFill>
-                      <a:prstClr val="black"/>
-                    </a:solidFill>
-                    <a:latin typeface="Arial" panose="020B0604020202020204" pitchFamily="34" charset="0"/>
-                    <a:cs typeface="Arial" panose="020B0604020202020204" pitchFamily="34" charset="0"/>
-                  </a:rPr>
-                  <a:t>Nous avons choisi d’utiliser Python pour implémenter le recuit simulé. Voici la structure </a:t>
-                </a:r>
-                <a:r>
-                  <a:rPr lang="fr-FR" sz="900" dirty="0" smtClean="0">
-                    <a:solidFill>
-                      <a:prstClr val="black"/>
-                    </a:solidFill>
-                    <a:latin typeface="Arial" panose="020B0604020202020204" pitchFamily="34" charset="0"/>
-                    <a:cs typeface="Arial" panose="020B0604020202020204" pitchFamily="34" charset="0"/>
-                  </a:rPr>
-                  <a:t>utilisée:</a:t>
+                  <a:t>    Nous avons choisi d’utiliser Python pour implémenter le recuit simulé. Voici la structure utilisée:</a:t>
                 </a:r>
                 <a:endParaRPr lang="fr-FR" sz="900" b="1" dirty="0">
-                  <a:solidFill>
-                    <a:prstClr val="black"/>
-                  </a:solidFill>
-                  <a:latin typeface="Arial" panose="020B0604020202020204" pitchFamily="34" charset="0"/>
-                  <a:cs typeface="Arial" panose="020B0604020202020204" pitchFamily="34" charset="0"/>
-                </a:endParaRPr>
-              </a:p>
-              <a:p>
-                <a:pPr lvl="0" algn="just"/>
-                <a:endParaRPr lang="fr-FR" sz="1000" b="1" dirty="0" smtClean="0">
                   <a:solidFill>
                     <a:prstClr val="black"/>
                   </a:solidFill>
@@ -5534,7 +6561,7 @@
               </a:p>
               <a:p>
                 <a:pPr lvl="0" algn="just"/>
-                <a:endParaRPr lang="fr-FR" sz="1000" b="1" dirty="0" smtClean="0">
+                <a:endParaRPr lang="fr-FR" sz="1000" b="1" dirty="0">
                   <a:solidFill>
                     <a:prstClr val="black"/>
                   </a:solidFill>
@@ -5554,7 +6581,7 @@
               </a:p>
               <a:p>
                 <a:pPr lvl="0" algn="just"/>
-                <a:endParaRPr lang="fr-FR" sz="1000" b="1" dirty="0" smtClean="0">
+                <a:endParaRPr lang="fr-FR" sz="1000" b="1" dirty="0">
                   <a:solidFill>
                     <a:prstClr val="black"/>
                   </a:solidFill>
@@ -5574,7 +6601,7 @@
               </a:p>
               <a:p>
                 <a:pPr lvl="0" algn="just"/>
-                <a:endParaRPr lang="fr-FR" sz="1000" b="1" dirty="0" smtClean="0">
+                <a:endParaRPr lang="fr-FR" sz="1000" b="1" dirty="0">
                   <a:solidFill>
                     <a:prstClr val="black"/>
                   </a:solidFill>
@@ -5594,7 +6621,7 @@
               </a:p>
               <a:p>
                 <a:pPr lvl="0" algn="just"/>
-                <a:endParaRPr lang="fr-FR" sz="1000" b="1" dirty="0" smtClean="0">
+                <a:endParaRPr lang="fr-FR" sz="1000" b="1" dirty="0">
                   <a:solidFill>
                     <a:prstClr val="black"/>
                   </a:solidFill>
@@ -5614,7 +6641,7 @@
               </a:p>
               <a:p>
                 <a:pPr lvl="0" algn="just"/>
-                <a:endParaRPr lang="fr-FR" sz="1000" b="1" dirty="0" smtClean="0">
+                <a:endParaRPr lang="fr-FR" sz="1000" b="1" dirty="0">
                   <a:solidFill>
                     <a:prstClr val="black"/>
                   </a:solidFill>
@@ -5634,7 +6661,7 @@
               </a:p>
               <a:p>
                 <a:pPr lvl="0" algn="just"/>
-                <a:endParaRPr lang="fr-FR" sz="600" b="1" dirty="0" smtClean="0">
+                <a:endParaRPr lang="fr-FR" sz="1000" b="1" dirty="0">
                   <a:solidFill>
                     <a:prstClr val="black"/>
                   </a:solidFill>
@@ -5644,7 +6671,17 @@
               </a:p>
               <a:p>
                 <a:pPr lvl="0" algn="just"/>
-                <a:endParaRPr lang="fr-FR" sz="900" b="1" dirty="0" smtClean="0">
+                <a:endParaRPr lang="fr-FR" sz="600" b="1" dirty="0">
+                  <a:solidFill>
+                    <a:prstClr val="black"/>
+                  </a:solidFill>
+                  <a:latin typeface="Arial" panose="020B0604020202020204" pitchFamily="34" charset="0"/>
+                  <a:cs typeface="Arial" panose="020B0604020202020204" pitchFamily="34" charset="0"/>
+                </a:endParaRPr>
+              </a:p>
+              <a:p>
+                <a:pPr lvl="0" algn="just"/>
+                <a:endParaRPr lang="fr-FR" sz="900" b="1" dirty="0">
                   <a:solidFill>
                     <a:prstClr val="black"/>
                   </a:solidFill>
@@ -5655,7 +6692,7 @@
               <a:p>
                 <a:pPr lvl="0" algn="just"/>
                 <a:r>
-                  <a:rPr lang="fr-FR" sz="900" dirty="0" smtClean="0">
+                  <a:rPr lang="fr-FR" sz="900" dirty="0">
                     <a:solidFill>
                       <a:prstClr val="black"/>
                     </a:solidFill>
@@ -5664,25 +6701,28 @@
                   </a:rPr>
                   <a:t>Notre programme consiste à placer d’abord le bloc à un endroit prédéfini, et les pièces aléatoirement sur une grille, puis tant que le potentiel n’est pas nul, à explorer les voisinages selon l’algorithme décrit précédemment.</a:t>
                 </a:r>
-                <a:endParaRPr lang="fr-FR" sz="900" dirty="0">
-                  <a:solidFill>
-                    <a:prstClr val="black"/>
-                  </a:solidFill>
-                  <a:latin typeface="Arial" panose="020B0604020202020204" pitchFamily="34" charset="0"/>
-                  <a:cs typeface="Arial" panose="020B0604020202020204" pitchFamily="34" charset="0"/>
-                </a:endParaRPr>
               </a:p>
               <a:p>
                 <a:pPr lvl="0" algn="just"/>
                 <a:r>
-                  <a:rPr lang="fr-FR" sz="900" dirty="0" smtClean="0">
+                  <a:rPr lang="fr-FR" sz="900" dirty="0">
                     <a:solidFill>
                       <a:prstClr val="black"/>
                     </a:solidFill>
                     <a:latin typeface="Arial" panose="020B0604020202020204" pitchFamily="34" charset="0"/>
                     <a:cs typeface="Arial" panose="020B0604020202020204" pitchFamily="34" charset="0"/>
                   </a:rPr>
-                  <a:t>Les premiers voisinages implémentés sont le déplacement d’une pièce d’une case dans une direction et </a:t>
+                  <a:t>Les premiers voisinages implémentés sont le déplacement d’une pièce d’une case dans une direction et sa rotation (ou non) d’un quart de tour dans le sens horaire. Les fonctions </a:t>
+                </a:r>
+                <a:r>
+                  <a:rPr lang="fr-FR" sz="900" i="1" dirty="0" err="1">
+                    <a:solidFill>
+                      <a:prstClr val="black"/>
+                    </a:solidFill>
+                    <a:latin typeface="Arial" panose="020B0604020202020204" pitchFamily="34" charset="0"/>
+                    <a:cs typeface="Arial" panose="020B0604020202020204" pitchFamily="34" charset="0"/>
+                  </a:rPr>
+                  <a:t>varV</a:t>
                 </a:r>
                 <a:r>
                   <a:rPr lang="fr-FR" sz="900" dirty="0">
@@ -5692,47 +6732,7 @@
                     <a:latin typeface="Arial" panose="020B0604020202020204" pitchFamily="34" charset="0"/>
                     <a:cs typeface="Arial" panose="020B0604020202020204" pitchFamily="34" charset="0"/>
                   </a:rPr>
-                  <a:t>s</a:t>
-                </a:r>
-                <a:r>
-                  <a:rPr lang="fr-FR" sz="900" dirty="0" smtClean="0">
-                    <a:solidFill>
-                      <a:prstClr val="black"/>
-                    </a:solidFill>
-                    <a:latin typeface="Arial" panose="020B0604020202020204" pitchFamily="34" charset="0"/>
-                    <a:cs typeface="Arial" panose="020B0604020202020204" pitchFamily="34" charset="0"/>
-                  </a:rPr>
-                  <a:t>a rotation (ou non) d’un quart de tour dans le sens horaire. Les fonctions </a:t>
-                </a:r>
-                <a:r>
-                  <a:rPr lang="fr-FR" sz="900" i="1" dirty="0" err="1" smtClean="0">
-                    <a:solidFill>
-                      <a:prstClr val="black"/>
-                    </a:solidFill>
-                    <a:latin typeface="Arial" panose="020B0604020202020204" pitchFamily="34" charset="0"/>
-                    <a:cs typeface="Arial" panose="020B0604020202020204" pitchFamily="34" charset="0"/>
-                  </a:rPr>
-                  <a:t>varV</a:t>
-                </a:r>
-                <a:r>
-                  <a:rPr lang="fr-FR" sz="900" dirty="0" smtClean="0">
-                    <a:solidFill>
-                      <a:prstClr val="black"/>
-                    </a:solidFill>
-                    <a:latin typeface="Arial" panose="020B0604020202020204" pitchFamily="34" charset="0"/>
-                    <a:cs typeface="Arial" panose="020B0604020202020204" pitchFamily="34" charset="0"/>
-                  </a:rPr>
-                  <a:t> associées permettent de calculer de manière optimisée la variation de potentiel engendrée</a:t>
-                </a:r>
-                <a:r>
-                  <a:rPr lang="fr-FR" sz="900" dirty="0" smtClean="0">
-                    <a:solidFill>
-                      <a:prstClr val="black"/>
-                    </a:solidFill>
-                    <a:latin typeface="Arial" panose="020B0604020202020204" pitchFamily="34" charset="0"/>
-                    <a:cs typeface="Arial" panose="020B0604020202020204" pitchFamily="34" charset="0"/>
-                  </a:rPr>
-                  <a:t>.</a:t>
+                  <a:t> associées permettent de calculer de manière optimisée la variation de potentiel engendrée.</a:t>
                 </a:r>
               </a:p>
               <a:p>
@@ -5851,37 +6851,7 @@
                     <a:latin typeface="Arial" panose="020B0604020202020204" pitchFamily="34" charset="0"/>
                     <a:cs typeface="Arial" panose="020B0604020202020204" pitchFamily="34" charset="0"/>
                   </a:rPr>
-                  <a:t>Et nous avons optimisé les paramètres pour le problème 5x5, en regardant sur 30 </a:t>
-                </a:r>
-                <a:r>
-                  <a:rPr lang="fr-FR" sz="900" dirty="0" smtClean="0">
-                    <a:solidFill>
-                      <a:prstClr val="black"/>
-                    </a:solidFill>
-                    <a:latin typeface="Arial" panose="020B0604020202020204" pitchFamily="34" charset="0"/>
-                    <a:cs typeface="Arial" panose="020B0604020202020204" pitchFamily="34" charset="0"/>
-                  </a:rPr>
-                  <a:t>exécutions </a:t>
-                </a:r>
-                <a:r>
-                  <a:rPr lang="fr-FR" sz="900" dirty="0">
-                    <a:solidFill>
-                      <a:prstClr val="black"/>
-                    </a:solidFill>
-                    <a:latin typeface="Arial" panose="020B0604020202020204" pitchFamily="34" charset="0"/>
-                    <a:cs typeface="Arial" panose="020B0604020202020204" pitchFamily="34" charset="0"/>
-                  </a:rPr>
-                  <a:t>le nombre moyen d’itérations nécessaires pour trouver une solution. </a:t>
-                </a:r>
-                <a:r>
-                  <a:rPr lang="fr-FR" sz="900" dirty="0" smtClean="0">
-                    <a:solidFill>
-                      <a:prstClr val="black"/>
-                    </a:solidFill>
-                    <a:latin typeface="Arial" panose="020B0604020202020204" pitchFamily="34" charset="0"/>
-                    <a:cs typeface="Arial" panose="020B0604020202020204" pitchFamily="34" charset="0"/>
-                  </a:rPr>
-                  <a:t>Nous avons donc opté pour le choix  </a:t>
+                  <a:t>Et nous avons optimisé les paramètres pour le problème 5x5, en regardant sur 30 exécutions le nombre moyen d’itérations nécessaires pour trouver une solution. Nous avons donc opté pour le choix  </a:t>
                 </a:r>
                 <a14:m>
                   <m:oMath xmlns:m="http://schemas.openxmlformats.org/officeDocument/2006/math">
@@ -5936,27 +6906,20 @@
                   </m:oMath>
                 </a14:m>
                 <a:r>
-                  <a:rPr lang="fr-FR" sz="900" dirty="0" smtClean="0">
+                  <a:rPr lang="fr-FR" sz="900" dirty="0">
                     <a:solidFill>
                       <a:prstClr val="black"/>
                     </a:solidFill>
                     <a:latin typeface="Arial" panose="020B0604020202020204" pitchFamily="34" charset="0"/>
                     <a:cs typeface="Arial" panose="020B0604020202020204" pitchFamily="34" charset="0"/>
                   </a:rPr>
-                  <a:t>.</a:t>
+                  <a:t>. Cette fonction donne 10% de chance d’accepter une variation de potentiel de +1 pour 10000 itérations.</a:t>
                 </a:r>
-                <a:endParaRPr lang="fr-FR" sz="900" dirty="0">
-                  <a:solidFill>
-                    <a:prstClr val="black"/>
-                  </a:solidFill>
-                  <a:latin typeface="Arial" panose="020B0604020202020204" pitchFamily="34" charset="0"/>
-                  <a:cs typeface="Arial" panose="020B0604020202020204" pitchFamily="34" charset="0"/>
-                </a:endParaRPr>
               </a:p>
             </p:txBody>
           </p:sp>
         </mc:Choice>
-        <mc:Fallback>
+        <mc:Fallback xmlns="">
           <p:sp>
             <p:nvSpPr>
               <p:cNvPr id="75" name="TextBox 74"/>
@@ -5968,7 +6931,7 @@
             <p:spPr>
               <a:xfrm>
                 <a:off x="3721053" y="1367656"/>
-                <a:ext cx="3249706" cy="5793894"/>
+                <a:ext cx="3249706" cy="6070893"/>
               </a:xfrm>
               <a:prstGeom prst="rect">
                 <a:avLst/>
@@ -6000,8 +6963,8 @@
           </p:sp>
         </mc:Fallback>
       </mc:AlternateContent>
-      <mc:AlternateContent xmlns:mc="http://schemas.openxmlformats.org/markup-compatibility/2006">
-        <mc:Choice xmlns:a14="http://schemas.microsoft.com/office/drawing/2010/main" Requires="a14">
+      <mc:AlternateContent xmlns:mc="http://schemas.openxmlformats.org/markup-compatibility/2006" xmlns:a14="http://schemas.microsoft.com/office/drawing/2010/main">
+        <mc:Choice Requires="a14">
           <p:sp>
             <p:nvSpPr>
               <p:cNvPr id="77" name="TextBox 76"/>
@@ -6107,7 +7070,7 @@
             </p:txBody>
           </p:sp>
         </mc:Choice>
-        <mc:Fallback>
+        <mc:Fallback xmlns="">
           <p:sp>
             <p:nvSpPr>
               <p:cNvPr id="77" name="TextBox 76"/>
@@ -6200,14 +7163,9 @@
           <a:p>
             <a:pPr algn="ctr"/>
             <a:r>
-              <a:rPr lang="fr-FR" sz="1000" i="1" dirty="0" smtClean="0"/>
-              <a:t>Diagramme de classes UML du programme </a:t>
+              <a:rPr lang="fr-FR" sz="1000" i="1" dirty="0"/>
+              <a:t>Diagramme de classes UML du programme Python.</a:t>
             </a:r>
-            <a:r>
-              <a:rPr lang="fr-FR" sz="1000" i="1" dirty="0" smtClean="0"/>
-              <a:t>Python.</a:t>
-            </a:r>
-            <a:endParaRPr lang="fr-FR" sz="1000" i="1" dirty="0"/>
           </a:p>
         </p:txBody>
       </p:sp>
@@ -6232,7 +7190,7 @@
         </p:blipFill>
         <p:spPr>
           <a:xfrm>
-            <a:off x="3943145" y="7165031"/>
+            <a:off x="3943145" y="7443161"/>
             <a:ext cx="2771021" cy="1543055"/>
           </a:xfrm>
           <a:prstGeom prst="rect">
@@ -6253,7 +7211,7 @@
         </p:nvSpPr>
         <p:spPr>
           <a:xfrm>
-            <a:off x="3943145" y="8484689"/>
+            <a:off x="3943145" y="8762819"/>
             <a:ext cx="2771021" cy="230832"/>
           </a:xfrm>
           <a:prstGeom prst="rect">
@@ -6269,10 +7227,9 @@
           <a:p>
             <a:pPr algn="ctr"/>
             <a:r>
-              <a:rPr lang="fr-FR" sz="900" i="1" dirty="0" smtClean="0"/>
+              <a:rPr lang="fr-FR" sz="900" i="1" dirty="0"/>
               <a:t>Heuristique d’optimisation des paramètres a et b</a:t>
             </a:r>
-            <a:endParaRPr lang="fr-FR" sz="900" i="1" dirty="0"/>
           </a:p>
         </p:txBody>
       </p:sp>
@@ -6285,7 +7242,7 @@
         <p:spPr>
           <a:xfrm>
             <a:off x="7188119" y="1363782"/>
-            <a:ext cx="3253032" cy="1123384"/>
+            <a:ext cx="3253032" cy="2139047"/>
           </a:xfrm>
           <a:prstGeom prst="rect">
             <a:avLst/>
@@ -6305,7 +7262,7 @@
           <a:p>
             <a:pPr algn="just"/>
             <a:r>
-              <a:rPr lang="fr-FR" sz="1100" b="1" dirty="0" smtClean="0">
+              <a:rPr lang="fr-FR" sz="1100" b="1" dirty="0">
                 <a:uFill>
                   <a:solidFill>
                     <a:srgbClr val="FF0000"/>
@@ -6317,7 +7274,7 @@
               <a:t>    </a:t>
             </a:r>
             <a:r>
-              <a:rPr lang="fr-FR" sz="1200" b="1" u="sng" dirty="0" smtClean="0">
+              <a:rPr lang="fr-FR" sz="1200" b="1" u="sng" dirty="0">
                 <a:uFill>
                   <a:solidFill>
                     <a:srgbClr val="FF0000"/>
@@ -6331,7 +7288,7 @@
           </a:p>
           <a:p>
             <a:pPr algn="just"/>
-            <a:endParaRPr lang="fr-FR" sz="1100" b="1" u="sng" dirty="0" smtClean="0">
+            <a:endParaRPr lang="fr-FR" sz="700" b="1" u="sng" dirty="0">
               <a:uFill>
                 <a:solidFill>
                   <a:srgbClr val="FF0000"/>
@@ -6343,7 +7300,17 @@
           </a:p>
           <a:p>
             <a:pPr algn="just"/>
-            <a:endParaRPr lang="fr-FR" sz="1100" b="1" u="sng" dirty="0">
+            <a:r>
+              <a:rPr lang="fr-FR" sz="1100" b="1" u="sng" dirty="0">
+                <a:latin typeface="Arial" panose="020B0604020202020204" pitchFamily="34" charset="0"/>
+                <a:cs typeface="Arial" panose="020B0604020202020204" pitchFamily="34" charset="0"/>
+              </a:rPr>
+              <a:t>1- Modélisation du problème:</a:t>
+            </a:r>
+          </a:p>
+          <a:p>
+            <a:pPr algn="just"/>
+            <a:endParaRPr lang="fr-FR" sz="400" b="1" u="sng" dirty="0">
               <a:uFill>
                 <a:solidFill>
                   <a:srgbClr val="FF0000"/>
@@ -6355,44 +7322,62 @@
           </a:p>
           <a:p>
             <a:pPr algn="just"/>
-            <a:endParaRPr lang="fr-FR" sz="1100" b="1" u="sng" dirty="0" smtClean="0">
-              <a:uFill>
-                <a:solidFill>
-                  <a:srgbClr val="FF0000"/>
-                </a:solidFill>
-              </a:uFill>
-              <a:latin typeface="Arial" panose="020B0604020202020204" pitchFamily="34" charset="0"/>
-              <a:cs typeface="Arial" panose="020B0604020202020204" pitchFamily="34" charset="0"/>
-            </a:endParaRPr>
+            <a:r>
+              <a:rPr lang="fr-FR" sz="900" dirty="0">
+                <a:uFill>
+                  <a:solidFill>
+                    <a:srgbClr val="FF0000"/>
+                  </a:solidFill>
+                </a:uFill>
+                <a:latin typeface="Arial" panose="020B0604020202020204" pitchFamily="34" charset="0"/>
+                <a:cs typeface="Arial" panose="020B0604020202020204" pitchFamily="34" charset="0"/>
+              </a:rPr>
+              <a:t>    Dans un deuxième temps, nous nous sommes intéressés à une manière </a:t>
+            </a:r>
+            <a:r>
+              <a:rPr lang="fr-FR" sz="900" i="1" dirty="0">
+                <a:uFill>
+                  <a:solidFill>
+                    <a:srgbClr val="FF0000"/>
+                  </a:solidFill>
+                </a:uFill>
+                <a:latin typeface="Arial" panose="020B0604020202020204" pitchFamily="34" charset="0"/>
+                <a:cs typeface="Arial" panose="020B0604020202020204" pitchFamily="34" charset="0"/>
+              </a:rPr>
+              <a:t>efficace</a:t>
+            </a:r>
+            <a:r>
+              <a:rPr lang="fr-FR" sz="900" dirty="0">
+                <a:uFill>
+                  <a:solidFill>
+                    <a:srgbClr val="FF0000"/>
+                  </a:solidFill>
+                </a:uFill>
+                <a:latin typeface="Arial" panose="020B0604020202020204" pitchFamily="34" charset="0"/>
+                <a:cs typeface="Arial" panose="020B0604020202020204" pitchFamily="34" charset="0"/>
+              </a:rPr>
+              <a:t> de résoudre ce problème de manière déterministe. L’idée sous-jacente est que pour trouver toutes les solutions, il faut explorer toutes les configurations possibles (et il y en a beaucoup !). Heureusement, une implémentations astucieuses permet de gagner beaucoup de temps.</a:t>
+            </a:r>
           </a:p>
           <a:p>
             <a:pPr algn="just"/>
-            <a:endParaRPr lang="fr-FR" sz="1100" b="1" u="sng" dirty="0">
-              <a:uFill>
-                <a:solidFill>
-                  <a:srgbClr val="FF0000"/>
-                </a:solidFill>
-              </a:uFill>
-              <a:latin typeface="Arial" panose="020B0604020202020204" pitchFamily="34" charset="0"/>
-              <a:cs typeface="Arial" panose="020B0604020202020204" pitchFamily="34" charset="0"/>
-            </a:endParaRPr>
-          </a:p>
-          <a:p>
-            <a:pPr algn="just"/>
-            <a:endParaRPr lang="fr-FR" sz="1100" b="1" u="sng" dirty="0">
-              <a:uFill>
-                <a:solidFill>
-                  <a:srgbClr val="FF0000"/>
-                </a:solidFill>
-              </a:uFill>
-              <a:latin typeface="Arial" panose="020B0604020202020204" pitchFamily="34" charset="0"/>
-              <a:cs typeface="Arial" panose="020B0604020202020204" pitchFamily="34" charset="0"/>
-            </a:endParaRPr>
+            <a:r>
+              <a:rPr lang="fr-FR" sz="900" dirty="0">
+                <a:uFill>
+                  <a:solidFill>
+                    <a:srgbClr val="FF0000"/>
+                  </a:solidFill>
+                </a:uFill>
+                <a:latin typeface="Arial" panose="020B0604020202020204" pitchFamily="34" charset="0"/>
+                <a:cs typeface="Arial" panose="020B0604020202020204" pitchFamily="34" charset="0"/>
+              </a:rPr>
+              <a:t>    On représente toutes les configurations que peut occuper chaque pièce de manière matricielle: on numérote les cases de la grille tel qu’illustré ci-dessous, et on indiquant par un 1 si elle est occupée par tel ou tel placement d’une pièce.</a:t>
+            </a:r>
           </a:p>
         </p:txBody>
       </p:sp>
-      <mc:AlternateContent xmlns:mc="http://schemas.openxmlformats.org/markup-compatibility/2006">
-        <mc:Choice xmlns:a14="http://schemas.microsoft.com/office/drawing/2010/main" Requires="a14">
+      <mc:AlternateContent xmlns:mc="http://schemas.openxmlformats.org/markup-compatibility/2006" xmlns:a14="http://schemas.microsoft.com/office/drawing/2010/main">
+        <mc:Choice Requires="a14">
           <p:sp>
             <p:nvSpPr>
               <p:cNvPr id="31" name="TextBox 30"/>
@@ -6401,7 +7386,7 @@
             </p:nvSpPr>
             <p:spPr>
               <a:xfrm>
-                <a:off x="3721053" y="8722087"/>
+                <a:off x="3721053" y="9000217"/>
                 <a:ext cx="3249706" cy="1231106"/>
               </a:xfrm>
               <a:prstGeom prst="rect">
@@ -6469,27 +7454,7 @@
                     <a:latin typeface="Arial" panose="020B0604020202020204" pitchFamily="34" charset="0"/>
                     <a:cs typeface="Arial" panose="020B0604020202020204" pitchFamily="34" charset="0"/>
                   </a:rPr>
-                  <a:t>, un puzzle 5x5 à 6 pièces de géométrie non triviale est résolu en 13 500 itérations en moyenne. </a:t>
-                </a:r>
-                <a:r>
-                  <a:rPr lang="fr-FR" sz="900" dirty="0">
-                    <a:solidFill>
-                      <a:prstClr val="black"/>
-                    </a:solidFill>
-                    <a:latin typeface="Arial" panose="020B0604020202020204" pitchFamily="34" charset="0"/>
-                    <a:cs typeface="Arial" panose="020B0604020202020204" pitchFamily="34" charset="0"/>
-                  </a:rPr>
-                  <a:t>Ce qui est satisfaisant puisqu’il y a plus d’un milliard de possibilités</a:t>
-                </a:r>
-                <a:r>
-                  <a:rPr lang="fr-FR" sz="900" dirty="0" smtClean="0">
-                    <a:solidFill>
-                      <a:prstClr val="black"/>
-                    </a:solidFill>
-                    <a:latin typeface="Arial" panose="020B0604020202020204" pitchFamily="34" charset="0"/>
-                    <a:cs typeface="Arial" panose="020B0604020202020204" pitchFamily="34" charset="0"/>
-                  </a:rPr>
-                  <a:t>.</a:t>
+                  <a:t>, un puzzle 5x5 à 6 pièces de géométrie non triviale est résolu en 13 500 itérations en moyenne. Ce qui est satisfaisant puisqu’il y a plus d’un milliard de possibilités.</a:t>
                 </a:r>
                 <a:endParaRPr lang="fr-FR" sz="1000" b="1" u="sng" dirty="0">
                   <a:solidFill>
@@ -6525,7 +7490,7 @@
             </p:txBody>
           </p:sp>
         </mc:Choice>
-        <mc:Fallback>
+        <mc:Fallback xmlns="">
           <p:sp>
             <p:nvSpPr>
               <p:cNvPr id="31" name="TextBox 30"/>
@@ -6536,7 +7501,7 @@
             </p:nvSpPr>
             <p:spPr>
               <a:xfrm>
-                <a:off x="3721053" y="8722087"/>
+                <a:off x="3721053" y="9000217"/>
                 <a:ext cx="3249706" cy="1231106"/>
               </a:xfrm>
               <a:prstGeom prst="rect">
@@ -6577,8 +7542,8 @@
         </p:nvSpPr>
         <p:spPr>
           <a:xfrm>
-            <a:off x="7191445" y="12137772"/>
-            <a:ext cx="3249706" cy="500137"/>
+            <a:off x="7175263" y="9491872"/>
+            <a:ext cx="3249706" cy="1077218"/>
           </a:xfrm>
           <a:prstGeom prst="rect">
             <a:avLst/>
@@ -6596,9 +7561,9 @@
           </a:bodyPr>
           <a:lstStyle/>
           <a:p>
-            <a:pPr lvl="0" algn="just"/>
+            <a:pPr algn="just"/>
             <a:r>
-              <a:rPr lang="fr-FR" sz="1100" b="1" dirty="0">
+              <a:rPr lang="fr-FR" sz="900" dirty="0">
                 <a:uFill>
                   <a:solidFill>
                     <a:srgbClr val="FF0000"/>
@@ -6607,10 +7572,10 @@
                 <a:latin typeface="Arial" panose="020B0604020202020204" pitchFamily="34" charset="0"/>
                 <a:cs typeface="Arial" panose="020B0604020202020204" pitchFamily="34" charset="0"/>
               </a:rPr>
-              <a:t> </a:t>
+              <a:t>Afin d’éviter de multiples copies en mémoire de très grosses matrices, qui plus est creuses, nous avons implémenté la méthode des </a:t>
             </a:r>
             <a:r>
-              <a:rPr lang="fr-FR" sz="1100" b="1" u="sng" dirty="0">
+              <a:rPr lang="fr-FR" sz="900" i="1" dirty="0">
                 <a:uFill>
                   <a:solidFill>
                     <a:srgbClr val="FF0000"/>
@@ -6619,10 +7584,10 @@
                 <a:latin typeface="Arial" panose="020B0604020202020204" pitchFamily="34" charset="0"/>
                 <a:cs typeface="Arial" panose="020B0604020202020204" pitchFamily="34" charset="0"/>
               </a:rPr>
-              <a:t>IV – </a:t>
+              <a:t>dancing links </a:t>
             </a:r>
             <a:r>
-              <a:rPr lang="fr-FR" sz="1100" b="1" u="sng" dirty="0" smtClean="0">
+              <a:rPr lang="fr-FR" sz="900" dirty="0">
                 <a:uFill>
                   <a:solidFill>
                     <a:srgbClr val="FF0000"/>
@@ -6631,15 +7596,12 @@
                 <a:latin typeface="Arial" panose="020B0604020202020204" pitchFamily="34" charset="0"/>
                 <a:cs typeface="Arial" panose="020B0604020202020204" pitchFamily="34" charset="0"/>
               </a:rPr>
-              <a:t>Bibliographie</a:t>
+              <a:t>évitant les écritures mémoire successives, en reposant notamment sur une représentation des matrices creuses par listes doublement chaînées.</a:t>
             </a:r>
           </a:p>
           <a:p>
-            <a:pPr lvl="0" algn="just"/>
-            <a:endParaRPr lang="fr-FR" sz="500" b="1" u="sng" dirty="0">
-              <a:solidFill>
-                <a:prstClr val="black"/>
-              </a:solidFill>
+            <a:pPr algn="just"/>
+            <a:endParaRPr lang="fr-FR" sz="900" dirty="0">
               <a:uFill>
                 <a:solidFill>
                   <a:srgbClr val="FF0000"/>
@@ -6650,14 +7612,14 @@
             </a:endParaRPr>
           </a:p>
           <a:p>
-            <a:pPr lvl="0" algn="just"/>
-            <a:endParaRPr lang="fr-FR" sz="1050" dirty="0" smtClean="0">
-              <a:solidFill>
-                <a:prstClr val="black"/>
-              </a:solidFill>
-              <a:latin typeface="Arial" panose="020B0604020202020204" pitchFamily="34" charset="0"/>
-              <a:cs typeface="Arial" panose="020B0604020202020204" pitchFamily="34" charset="0"/>
-            </a:endParaRPr>
+            <a:pPr algn="just"/>
+            <a:r>
+              <a:rPr lang="fr-FR" sz="1000" b="1" u="sng" dirty="0">
+                <a:latin typeface="Arial" panose="020B0604020202020204" pitchFamily="34" charset="0"/>
+                <a:cs typeface="Arial" panose="020B0604020202020204" pitchFamily="34" charset="0"/>
+              </a:rPr>
+              <a:t>3- Aperçu des performances de l’algorithme</a:t>
+            </a:r>
           </a:p>
         </p:txBody>
       </p:sp>
@@ -6740,23 +7702,16 @@
           <a:p>
             <a:pPr algn="just"/>
             <a:r>
-              <a:rPr lang="fr-FR" sz="1050" b="1" u="sng" dirty="0" smtClean="0">
+              <a:rPr lang="fr-FR" sz="1050" b="1" u="sng" dirty="0">
                 <a:latin typeface="Arial" panose="020B0604020202020204" pitchFamily="34" charset="0"/>
                 <a:cs typeface="Arial" panose="020B0604020202020204" pitchFamily="34" charset="0"/>
               </a:rPr>
-              <a:t>2- </a:t>
+              <a:t>2- Cadre d’étude, présentation du puzzle:</a:t>
             </a:r>
-            <a:r>
-              <a:rPr lang="fr-FR" sz="1050" b="1" u="sng" dirty="0" smtClean="0">
-                <a:latin typeface="Arial" panose="020B0604020202020204" pitchFamily="34" charset="0"/>
-                <a:cs typeface="Arial" panose="020B0604020202020204" pitchFamily="34" charset="0"/>
-              </a:rPr>
-              <a:t>Cadre d’étude, présentation du puzzle:</a:t>
-            </a:r>
           </a:p>
           <a:p>
             <a:pPr algn="just"/>
-            <a:endParaRPr lang="fr-FR" sz="500" b="1" u="sng" dirty="0" smtClean="0">
+            <a:endParaRPr lang="fr-FR" sz="500" b="1" u="sng" dirty="0">
               <a:latin typeface="Arial" panose="020B0604020202020204" pitchFamily="34" charset="0"/>
               <a:cs typeface="Arial" panose="020B0604020202020204" pitchFamily="34" charset="0"/>
             </a:endParaRPr>
@@ -6764,14 +7719,14 @@
           <a:p>
             <a:pPr algn="just"/>
             <a:r>
-              <a:rPr lang="fr-FR" sz="1000" dirty="0" smtClean="0">
+              <a:rPr lang="fr-FR" sz="1000" dirty="0">
                 <a:latin typeface="Arial" panose="020B0604020202020204" pitchFamily="34" charset="0"/>
                 <a:cs typeface="Arial" panose="020B0604020202020204" pitchFamily="34" charset="0"/>
               </a:rPr>
               <a:t>    </a:t>
             </a:r>
             <a:r>
-              <a:rPr lang="fr-FR" sz="900" dirty="0" smtClean="0">
+              <a:rPr lang="fr-FR" sz="900" dirty="0">
                 <a:latin typeface="Arial" panose="020B0604020202020204" pitchFamily="34" charset="0"/>
                 <a:cs typeface="Arial" panose="020B0604020202020204" pitchFamily="34" charset="0"/>
               </a:rPr>
@@ -6781,56 +7736,31 @@
           <a:p>
             <a:pPr algn="just"/>
             <a:r>
-              <a:rPr lang="fr-FR" sz="900" dirty="0" smtClean="0">
+              <a:rPr lang="fr-FR" sz="900" dirty="0">
                 <a:latin typeface="Arial" panose="020B0604020202020204" pitchFamily="34" charset="0"/>
                 <a:cs typeface="Arial" panose="020B0604020202020204" pitchFamily="34" charset="0"/>
               </a:rPr>
-              <a:t>- Un </a:t>
+              <a:t>- Un cylindre (bloc), qui a pour caractéristique de ne pas pouvoir être déplacé au cours de la résolution. On choisit de le placer avant de le résoudre.</a:t>
             </a:r>
-            <a:r>
-              <a:rPr lang="fr-FR" sz="900" dirty="0" smtClean="0">
-                <a:latin typeface="Arial" panose="020B0604020202020204" pitchFamily="34" charset="0"/>
-                <a:cs typeface="Arial" panose="020B0604020202020204" pitchFamily="34" charset="0"/>
-              </a:rPr>
-              <a:t>cylindre (bloc), </a:t>
-            </a:r>
-            <a:r>
-              <a:rPr lang="fr-FR" sz="900" dirty="0" smtClean="0">
-                <a:latin typeface="Arial" panose="020B0604020202020204" pitchFamily="34" charset="0"/>
-                <a:cs typeface="Arial" panose="020B0604020202020204" pitchFamily="34" charset="0"/>
-              </a:rPr>
-              <a:t>qui a pour caractéristique de ne pas pouvoir être déplacé au cours de la résolution. On choisit de le placer avant de le résoudre</a:t>
-            </a:r>
-            <a:r>
-              <a:rPr lang="fr-FR" sz="900" dirty="0" smtClean="0">
-                <a:latin typeface="Arial" panose="020B0604020202020204" pitchFamily="34" charset="0"/>
-                <a:cs typeface="Arial" panose="020B0604020202020204" pitchFamily="34" charset="0"/>
-              </a:rPr>
-              <a:t>.</a:t>
-            </a:r>
-            <a:endParaRPr lang="fr-FR" sz="900" dirty="0" smtClean="0">
-              <a:latin typeface="Arial" panose="020B0604020202020204" pitchFamily="34" charset="0"/>
-              <a:cs typeface="Arial" panose="020B0604020202020204" pitchFamily="34" charset="0"/>
-            </a:endParaRPr>
           </a:p>
           <a:p>
             <a:pPr algn="just"/>
             <a:r>
-              <a:rPr lang="fr-FR" sz="900" dirty="0" smtClean="0">
+              <a:rPr lang="fr-FR" sz="900" dirty="0">
                 <a:latin typeface="Arial" panose="020B0604020202020204" pitchFamily="34" charset="0"/>
                 <a:cs typeface="Arial" panose="020B0604020202020204" pitchFamily="34" charset="0"/>
               </a:rPr>
               <a:t>- Les autres pièces sont des </a:t>
             </a:r>
             <a:r>
-              <a:rPr lang="fr-FR" sz="900" b="1" dirty="0" smtClean="0">
+              <a:rPr lang="fr-FR" sz="900" b="1" dirty="0">
                 <a:latin typeface="Arial" panose="020B0604020202020204" pitchFamily="34" charset="0"/>
                 <a:cs typeface="Arial" panose="020B0604020202020204" pitchFamily="34" charset="0"/>
               </a:rPr>
               <a:t>polyominos</a:t>
             </a:r>
             <a:r>
-              <a:rPr lang="fr-FR" sz="900" dirty="0" smtClean="0">
+              <a:rPr lang="fr-FR" sz="900" dirty="0">
                 <a:latin typeface="Arial" panose="020B0604020202020204" pitchFamily="34" charset="0"/>
                 <a:cs typeface="Arial" panose="020B0604020202020204" pitchFamily="34" charset="0"/>
               </a:rPr>
@@ -6840,21 +7770,21 @@
           <a:p>
             <a:pPr algn="just"/>
             <a:r>
-              <a:rPr lang="fr-FR" sz="900" dirty="0" smtClean="0">
+              <a:rPr lang="fr-FR" sz="900" dirty="0">
                 <a:latin typeface="Arial" panose="020B0604020202020204" pitchFamily="34" charset="0"/>
                 <a:cs typeface="Arial" panose="020B0604020202020204" pitchFamily="34" charset="0"/>
               </a:rPr>
               <a:t>Le puzzle qui nous a été présenté est de taille </a:t>
             </a:r>
             <a:r>
-              <a:rPr lang="fr-FR" sz="900" i="1" dirty="0" smtClean="0">
+              <a:rPr lang="fr-FR" sz="900" i="1" dirty="0">
                 <a:latin typeface="Arial" panose="020B0604020202020204" pitchFamily="34" charset="0"/>
                 <a:cs typeface="Arial" panose="020B0604020202020204" pitchFamily="34" charset="0"/>
               </a:rPr>
               <a:t>7x7</a:t>
             </a:r>
             <a:r>
-              <a:rPr lang="fr-FR" sz="900" dirty="0" smtClean="0">
+              <a:rPr lang="fr-FR" sz="900" dirty="0">
                 <a:latin typeface="Arial" panose="020B0604020202020204" pitchFamily="34" charset="0"/>
                 <a:cs typeface="Arial" panose="020B0604020202020204" pitchFamily="34" charset="0"/>
               </a:rPr>
@@ -6961,7 +7891,7 @@
           <a:p>
             <a:pPr algn="ctr"/>
             <a:r>
-              <a:rPr lang="fr-FR" i="1" dirty="0" smtClean="0">
+              <a:rPr lang="fr-FR" i="1" dirty="0">
                 <a:ln w="0"/>
                 <a:solidFill>
                   <a:schemeClr val="tx1"/>
@@ -6976,19 +7906,6 @@
               </a:rPr>
               <a:t>Photo du Puzzle</a:t>
             </a:r>
-            <a:endParaRPr lang="fr-FR" i="1" dirty="0">
-              <a:ln w="0"/>
-              <a:solidFill>
-                <a:schemeClr val="tx1"/>
-              </a:solidFill>
-              <a:effectLst>
-                <a:outerShdw blurRad="38100" dist="19050" dir="2700000" algn="tl" rotWithShape="0">
-                  <a:schemeClr val="dk1">
-                    <a:alpha val="40000"/>
-                  </a:schemeClr>
-                </a:outerShdw>
-              </a:effectLst>
-            </a:endParaRPr>
           </a:p>
         </p:txBody>
       </p:sp>
@@ -7051,14 +7968,2927 @@
           <a:p>
             <a:pPr algn="ctr"/>
             <a:r>
-              <a:rPr lang="fr-FR" sz="900" i="1" dirty="0" smtClean="0"/>
+              <a:rPr lang="fr-FR" sz="900" i="1" dirty="0"/>
               <a:t>L’API développée dans le cadre du projet </a:t>
             </a:r>
             <a:r>
-              <a:rPr lang="fr-FR" sz="900" i="1" dirty="0" err="1" smtClean="0"/>
+              <a:rPr lang="fr-FR" sz="900" i="1" dirty="0" err="1"/>
               <a:t>TDLog</a:t>
             </a:r>
             <a:endParaRPr lang="fr-FR" sz="900" i="1" dirty="0"/>
+          </a:p>
+        </p:txBody>
+      </p:sp>
+      <p:grpSp>
+        <p:nvGrpSpPr>
+          <p:cNvPr id="38" name="Groupe 37">
+            <a:extLst>
+              <a:ext uri="{FF2B5EF4-FFF2-40B4-BE49-F238E27FC236}">
+                <a16:creationId xmlns:a16="http://schemas.microsoft.com/office/drawing/2014/main" id="{2E3EBB30-0B91-497F-AF84-F2AA11CA7282}"/>
+              </a:ext>
+            </a:extLst>
+          </p:cNvPr>
+          <p:cNvGrpSpPr>
+            <a:grpSpLocks noChangeAspect="1"/>
+          </p:cNvGrpSpPr>
+          <p:nvPr/>
+        </p:nvGrpSpPr>
+        <p:grpSpPr>
+          <a:xfrm>
+            <a:off x="7462326" y="3496277"/>
+            <a:ext cx="2769548" cy="1576579"/>
+            <a:chOff x="-590945" y="1602627"/>
+            <a:chExt cx="8201711" cy="4668864"/>
+          </a:xfrm>
+        </p:grpSpPr>
+        <p:pic>
+          <p:nvPicPr>
+            <p:cNvPr id="40" name="Image 39">
+              <a:extLst>
+                <a:ext uri="{FF2B5EF4-FFF2-40B4-BE49-F238E27FC236}">
+                  <a16:creationId xmlns:a16="http://schemas.microsoft.com/office/drawing/2014/main" id="{3E8B0AF2-C6D7-4657-83BB-9BA480CD4BE1}"/>
+                </a:ext>
+              </a:extLst>
+            </p:cNvPr>
+            <p:cNvPicPr>
+              <a:picLocks noChangeAspect="1"/>
+            </p:cNvPicPr>
+            <p:nvPr/>
+          </p:nvPicPr>
+          <p:blipFill rotWithShape="1">
+            <a:blip r:embed="rId15"/>
+            <a:srcRect l="6106" t="7679" r="8909" b="5711"/>
+            <a:stretch/>
+          </p:blipFill>
+          <p:spPr>
+            <a:xfrm>
+              <a:off x="2567708" y="2410690"/>
+              <a:ext cx="5043055" cy="3860801"/>
+            </a:xfrm>
+            <a:prstGeom prst="rect">
+              <a:avLst/>
+            </a:prstGeom>
+          </p:spPr>
+        </p:pic>
+        <p:sp>
+          <p:nvSpPr>
+            <p:cNvPr id="41" name="Accolade fermante 40">
+              <a:extLst>
+                <a:ext uri="{FF2B5EF4-FFF2-40B4-BE49-F238E27FC236}">
+                  <a16:creationId xmlns:a16="http://schemas.microsoft.com/office/drawing/2014/main" id="{939B1627-0915-435F-A777-4608ED76D847}"/>
+                </a:ext>
+              </a:extLst>
+            </p:cNvPr>
+            <p:cNvSpPr/>
+            <p:nvPr/>
+          </p:nvSpPr>
+          <p:spPr>
+            <a:xfrm rot="16200000">
+              <a:off x="3278908" y="1320798"/>
+              <a:ext cx="203201" cy="1625601"/>
+            </a:xfrm>
+            <a:prstGeom prst="rightBrace">
+              <a:avLst/>
+            </a:prstGeom>
+          </p:spPr>
+          <p:style>
+            <a:lnRef idx="1">
+              <a:schemeClr val="dk1"/>
+            </a:lnRef>
+            <a:fillRef idx="0">
+              <a:schemeClr val="dk1"/>
+            </a:fillRef>
+            <a:effectRef idx="0">
+              <a:schemeClr val="dk1"/>
+            </a:effectRef>
+            <a:fontRef idx="minor">
+              <a:schemeClr val="tx1"/>
+            </a:fontRef>
+          </p:style>
+          <p:txBody>
+            <a:bodyPr rtlCol="0" anchor="ctr"/>
+            <a:lstStyle/>
+            <a:p>
+              <a:pPr algn="ctr"/>
+              <a:endParaRPr lang="fr-FR"/>
+            </a:p>
+          </p:txBody>
+        </p:sp>
+        <p:sp>
+          <p:nvSpPr>
+            <p:cNvPr id="42" name="Accolade fermante 41">
+              <a:extLst>
+                <a:ext uri="{FF2B5EF4-FFF2-40B4-BE49-F238E27FC236}">
+                  <a16:creationId xmlns:a16="http://schemas.microsoft.com/office/drawing/2014/main" id="{4B6163BE-EFA6-4C31-9443-38808280EE31}"/>
+                </a:ext>
+              </a:extLst>
+            </p:cNvPr>
+            <p:cNvSpPr/>
+            <p:nvPr/>
+          </p:nvSpPr>
+          <p:spPr>
+            <a:xfrm rot="16200000">
+              <a:off x="5841998" y="466433"/>
+              <a:ext cx="203201" cy="3334329"/>
+            </a:xfrm>
+            <a:prstGeom prst="rightBrace">
+              <a:avLst/>
+            </a:prstGeom>
+          </p:spPr>
+          <p:style>
+            <a:lnRef idx="1">
+              <a:schemeClr val="dk1"/>
+            </a:lnRef>
+            <a:fillRef idx="0">
+              <a:schemeClr val="dk1"/>
+            </a:fillRef>
+            <a:effectRef idx="0">
+              <a:schemeClr val="dk1"/>
+            </a:effectRef>
+            <a:fontRef idx="minor">
+              <a:schemeClr val="tx1"/>
+            </a:fontRef>
+          </p:style>
+          <p:txBody>
+            <a:bodyPr rtlCol="0" anchor="ctr"/>
+            <a:lstStyle/>
+            <a:p>
+              <a:pPr algn="ctr"/>
+              <a:endParaRPr lang="fr-FR"/>
+            </a:p>
+          </p:txBody>
+        </p:sp>
+        <p:sp>
+          <p:nvSpPr>
+            <p:cNvPr id="43" name="ZoneTexte 42">
+              <a:extLst>
+                <a:ext uri="{FF2B5EF4-FFF2-40B4-BE49-F238E27FC236}">
+                  <a16:creationId xmlns:a16="http://schemas.microsoft.com/office/drawing/2014/main" id="{E2002905-8B78-466E-B32D-ECBA62B7412C}"/>
+                </a:ext>
+              </a:extLst>
+            </p:cNvPr>
+            <p:cNvSpPr txBox="1"/>
+            <p:nvPr/>
+          </p:nvSpPr>
+          <p:spPr>
+            <a:xfrm>
+              <a:off x="2594101" y="1602627"/>
+              <a:ext cx="1516078" cy="592441"/>
+            </a:xfrm>
+            <a:prstGeom prst="rect">
+              <a:avLst/>
+            </a:prstGeom>
+            <a:noFill/>
+          </p:spPr>
+          <p:txBody>
+            <a:bodyPr wrap="square" rtlCol="0">
+              <a:spAutoFit/>
+            </a:bodyPr>
+            <a:lstStyle/>
+            <a:p>
+              <a:pPr algn="ctr"/>
+              <a:r>
+                <a:rPr lang="fr-FR" sz="700" dirty="0">
+                  <a:latin typeface="Arial" panose="020B0604020202020204" pitchFamily="34" charset="0"/>
+                  <a:cs typeface="Arial" panose="020B0604020202020204" pitchFamily="34" charset="0"/>
+                </a:rPr>
+                <a:t>Pièces</a:t>
+              </a:r>
+              <a:endParaRPr lang="fr-FR" sz="500" dirty="0">
+                <a:latin typeface="Arial" panose="020B0604020202020204" pitchFamily="34" charset="0"/>
+                <a:cs typeface="Arial" panose="020B0604020202020204" pitchFamily="34" charset="0"/>
+              </a:endParaRPr>
+            </a:p>
+          </p:txBody>
+        </p:sp>
+        <p:sp>
+          <p:nvSpPr>
+            <p:cNvPr id="44" name="ZoneTexte 43">
+              <a:extLst>
+                <a:ext uri="{FF2B5EF4-FFF2-40B4-BE49-F238E27FC236}">
+                  <a16:creationId xmlns:a16="http://schemas.microsoft.com/office/drawing/2014/main" id="{93FD8743-B99C-40BE-A31B-0E02A7191D2A}"/>
+                </a:ext>
+              </a:extLst>
+            </p:cNvPr>
+            <p:cNvSpPr txBox="1"/>
+            <p:nvPr/>
+          </p:nvSpPr>
+          <p:spPr>
+            <a:xfrm>
+              <a:off x="4341093" y="1602627"/>
+              <a:ext cx="3269673" cy="592441"/>
+            </a:xfrm>
+            <a:prstGeom prst="rect">
+              <a:avLst/>
+            </a:prstGeom>
+            <a:noFill/>
+          </p:spPr>
+          <p:txBody>
+            <a:bodyPr wrap="square" rtlCol="0">
+              <a:spAutoFit/>
+            </a:bodyPr>
+            <a:lstStyle/>
+            <a:p>
+              <a:pPr algn="ctr"/>
+              <a:r>
+                <a:rPr lang="fr-FR" sz="700" dirty="0">
+                  <a:latin typeface="Arial" panose="020B0604020202020204" pitchFamily="34" charset="0"/>
+                  <a:cs typeface="Arial" panose="020B0604020202020204" pitchFamily="34" charset="0"/>
+                </a:rPr>
+                <a:t>Cases numérotées</a:t>
+              </a:r>
+            </a:p>
+          </p:txBody>
+        </p:sp>
+        <p:sp>
+          <p:nvSpPr>
+            <p:cNvPr id="45" name="Accolade ouvrante 44">
+              <a:extLst>
+                <a:ext uri="{FF2B5EF4-FFF2-40B4-BE49-F238E27FC236}">
+                  <a16:creationId xmlns:a16="http://schemas.microsoft.com/office/drawing/2014/main" id="{A14E7EAD-FE17-465F-A474-EBAB7D313B1F}"/>
+                </a:ext>
+              </a:extLst>
+            </p:cNvPr>
+            <p:cNvSpPr/>
+            <p:nvPr/>
+          </p:nvSpPr>
+          <p:spPr>
+            <a:xfrm>
+              <a:off x="2022764" y="2835564"/>
+              <a:ext cx="397163" cy="1597891"/>
+            </a:xfrm>
+            <a:prstGeom prst="leftBrace">
+              <a:avLst/>
+            </a:prstGeom>
+          </p:spPr>
+          <p:style>
+            <a:lnRef idx="1">
+              <a:schemeClr val="accent1"/>
+            </a:lnRef>
+            <a:fillRef idx="0">
+              <a:schemeClr val="accent1"/>
+            </a:fillRef>
+            <a:effectRef idx="0">
+              <a:schemeClr val="accent1"/>
+            </a:effectRef>
+            <a:fontRef idx="minor">
+              <a:schemeClr val="tx1"/>
+            </a:fontRef>
+          </p:style>
+          <p:txBody>
+            <a:bodyPr rtlCol="0" anchor="ctr"/>
+            <a:lstStyle/>
+            <a:p>
+              <a:pPr algn="ctr"/>
+              <a:endParaRPr lang="fr-FR"/>
+            </a:p>
+          </p:txBody>
+        </p:sp>
+        <p:sp>
+          <p:nvSpPr>
+            <p:cNvPr id="46" name="Accolade ouvrante 45">
+              <a:extLst>
+                <a:ext uri="{FF2B5EF4-FFF2-40B4-BE49-F238E27FC236}">
+                  <a16:creationId xmlns:a16="http://schemas.microsoft.com/office/drawing/2014/main" id="{A95AC5A2-7C68-456D-B2E7-66DEBD65B54D}"/>
+                </a:ext>
+              </a:extLst>
+            </p:cNvPr>
+            <p:cNvSpPr/>
+            <p:nvPr/>
+          </p:nvSpPr>
+          <p:spPr>
+            <a:xfrm>
+              <a:off x="2022764" y="4618180"/>
+              <a:ext cx="397163" cy="1597892"/>
+            </a:xfrm>
+            <a:prstGeom prst="leftBrace">
+              <a:avLst/>
+            </a:prstGeom>
+          </p:spPr>
+          <p:style>
+            <a:lnRef idx="1">
+              <a:schemeClr val="accent1"/>
+            </a:lnRef>
+            <a:fillRef idx="0">
+              <a:schemeClr val="accent1"/>
+            </a:fillRef>
+            <a:effectRef idx="0">
+              <a:schemeClr val="accent1"/>
+            </a:effectRef>
+            <a:fontRef idx="minor">
+              <a:schemeClr val="tx1"/>
+            </a:fontRef>
+          </p:style>
+          <p:txBody>
+            <a:bodyPr rtlCol="0" anchor="ctr"/>
+            <a:lstStyle/>
+            <a:p>
+              <a:pPr algn="ctr"/>
+              <a:endParaRPr lang="fr-FR"/>
+            </a:p>
+          </p:txBody>
+        </p:sp>
+        <p:sp>
+          <p:nvSpPr>
+            <p:cNvPr id="47" name="ZoneTexte 46">
+              <a:extLst>
+                <a:ext uri="{FF2B5EF4-FFF2-40B4-BE49-F238E27FC236}">
+                  <a16:creationId xmlns:a16="http://schemas.microsoft.com/office/drawing/2014/main" id="{DA00F894-CC19-4F4B-8F01-2BF648AE28F7}"/>
+                </a:ext>
+              </a:extLst>
+            </p:cNvPr>
+            <p:cNvSpPr txBox="1"/>
+            <p:nvPr/>
+          </p:nvSpPr>
+          <p:spPr>
+            <a:xfrm>
+              <a:off x="-455251" y="3108855"/>
+              <a:ext cx="2278111" cy="1230451"/>
+            </a:xfrm>
+            <a:prstGeom prst="rect">
+              <a:avLst/>
+            </a:prstGeom>
+            <a:noFill/>
+          </p:spPr>
+          <p:txBody>
+            <a:bodyPr wrap="square" rtlCol="0">
+              <a:spAutoFit/>
+            </a:bodyPr>
+            <a:lstStyle/>
+            <a:p>
+              <a:pPr algn="ctr"/>
+              <a:r>
+                <a:rPr lang="fr-FR" sz="700" dirty="0">
+                  <a:latin typeface="Arial" panose="020B0604020202020204" pitchFamily="34" charset="0"/>
+                  <a:cs typeface="Arial" panose="020B0604020202020204" pitchFamily="34" charset="0"/>
+                </a:rPr>
+                <a:t>Configurations possibles pour la pièce A</a:t>
+              </a:r>
+            </a:p>
+          </p:txBody>
+        </p:sp>
+        <p:sp>
+          <p:nvSpPr>
+            <p:cNvPr id="48" name="ZoneTexte 47">
+              <a:extLst>
+                <a:ext uri="{FF2B5EF4-FFF2-40B4-BE49-F238E27FC236}">
+                  <a16:creationId xmlns:a16="http://schemas.microsoft.com/office/drawing/2014/main" id="{04C70B37-4FAC-49C7-81AE-E8C65E878619}"/>
+                </a:ext>
+              </a:extLst>
+            </p:cNvPr>
+            <p:cNvSpPr txBox="1"/>
+            <p:nvPr/>
+          </p:nvSpPr>
+          <p:spPr>
+            <a:xfrm>
+              <a:off x="-590945" y="4955461"/>
+              <a:ext cx="2465928" cy="1230451"/>
+            </a:xfrm>
+            <a:prstGeom prst="rect">
+              <a:avLst/>
+            </a:prstGeom>
+            <a:noFill/>
+          </p:spPr>
+          <p:txBody>
+            <a:bodyPr wrap="square" rtlCol="0">
+              <a:spAutoFit/>
+            </a:bodyPr>
+            <a:lstStyle/>
+            <a:p>
+              <a:pPr algn="ctr"/>
+              <a:r>
+                <a:rPr lang="fr-FR" sz="700" dirty="0">
+                  <a:latin typeface="Arial" panose="020B0604020202020204" pitchFamily="34" charset="0"/>
+                  <a:cs typeface="Arial" panose="020B0604020202020204" pitchFamily="34" charset="0"/>
+                </a:rPr>
+                <a:t>Configurations possibles pour la pièce B</a:t>
+              </a:r>
+            </a:p>
+          </p:txBody>
+        </p:sp>
+      </p:grpSp>
+      <p:grpSp>
+        <p:nvGrpSpPr>
+          <p:cNvPr id="49" name="Groupe 48">
+            <a:extLst>
+              <a:ext uri="{FF2B5EF4-FFF2-40B4-BE49-F238E27FC236}">
+                <a16:creationId xmlns:a16="http://schemas.microsoft.com/office/drawing/2014/main" id="{AB032BDB-2565-4D71-80FD-BE57A68770B4}"/>
+              </a:ext>
+            </a:extLst>
+          </p:cNvPr>
+          <p:cNvGrpSpPr>
+            <a:grpSpLocks noChangeAspect="1"/>
+          </p:cNvGrpSpPr>
+          <p:nvPr/>
+        </p:nvGrpSpPr>
+        <p:grpSpPr>
+          <a:xfrm>
+            <a:off x="7220410" y="8090598"/>
+            <a:ext cx="1479291" cy="1103889"/>
+            <a:chOff x="1936429" y="1055988"/>
+            <a:chExt cx="2561680" cy="1783689"/>
+          </a:xfrm>
+        </p:grpSpPr>
+        <p:cxnSp>
+          <p:nvCxnSpPr>
+            <p:cNvPr id="50" name="Connecteur droit 49">
+              <a:extLst>
+                <a:ext uri="{FF2B5EF4-FFF2-40B4-BE49-F238E27FC236}">
+                  <a16:creationId xmlns:a16="http://schemas.microsoft.com/office/drawing/2014/main" id="{784EAA63-4361-4142-97E1-C243EB3A5FA3}"/>
+                </a:ext>
+              </a:extLst>
+            </p:cNvPr>
+            <p:cNvCxnSpPr>
+              <a:cxnSpLocks/>
+              <a:stCxn id="54" idx="3"/>
+              <a:endCxn id="55" idx="1"/>
+            </p:cNvCxnSpPr>
+            <p:nvPr/>
+          </p:nvCxnSpPr>
+          <p:spPr>
+            <a:xfrm flipV="1">
+              <a:off x="2174584" y="1553026"/>
+              <a:ext cx="1761292" cy="783933"/>
+            </a:xfrm>
+            <a:prstGeom prst="line">
+              <a:avLst/>
+            </a:prstGeom>
+          </p:spPr>
+          <p:style>
+            <a:lnRef idx="1">
+              <a:schemeClr val="dk1"/>
+            </a:lnRef>
+            <a:fillRef idx="0">
+              <a:schemeClr val="dk1"/>
+            </a:fillRef>
+            <a:effectRef idx="0">
+              <a:schemeClr val="dk1"/>
+            </a:effectRef>
+            <a:fontRef idx="minor">
+              <a:schemeClr val="tx1"/>
+            </a:fontRef>
+          </p:style>
+        </p:cxnSp>
+        <p:cxnSp>
+          <p:nvCxnSpPr>
+            <p:cNvPr id="51" name="Connecteur droit 50">
+              <a:extLst>
+                <a:ext uri="{FF2B5EF4-FFF2-40B4-BE49-F238E27FC236}">
+                  <a16:creationId xmlns:a16="http://schemas.microsoft.com/office/drawing/2014/main" id="{01A845D8-2CE1-4CB0-BB0D-F7E13F8FA999}"/>
+                </a:ext>
+              </a:extLst>
+            </p:cNvPr>
+            <p:cNvCxnSpPr>
+              <a:cxnSpLocks/>
+              <a:stCxn id="54" idx="3"/>
+              <a:endCxn id="59" idx="1"/>
+            </p:cNvCxnSpPr>
+            <p:nvPr/>
+          </p:nvCxnSpPr>
+          <p:spPr>
+            <a:xfrm flipV="1">
+              <a:off x="2174584" y="2120718"/>
+              <a:ext cx="1998685" cy="216241"/>
+            </a:xfrm>
+            <a:prstGeom prst="line">
+              <a:avLst/>
+            </a:prstGeom>
+          </p:spPr>
+          <p:style>
+            <a:lnRef idx="1">
+              <a:schemeClr val="dk1"/>
+            </a:lnRef>
+            <a:fillRef idx="0">
+              <a:schemeClr val="dk1"/>
+            </a:fillRef>
+            <a:effectRef idx="0">
+              <a:schemeClr val="dk1"/>
+            </a:effectRef>
+            <a:fontRef idx="minor">
+              <a:schemeClr val="tx1"/>
+            </a:fontRef>
+          </p:style>
+        </p:cxnSp>
+        <p:cxnSp>
+          <p:nvCxnSpPr>
+            <p:cNvPr id="53" name="Connecteur droit 52">
+              <a:extLst>
+                <a:ext uri="{FF2B5EF4-FFF2-40B4-BE49-F238E27FC236}">
+                  <a16:creationId xmlns:a16="http://schemas.microsoft.com/office/drawing/2014/main" id="{3E25EF25-8A2A-433B-8E21-A207D639CFFC}"/>
+                </a:ext>
+              </a:extLst>
+            </p:cNvPr>
+            <p:cNvCxnSpPr>
+              <a:cxnSpLocks/>
+              <a:stCxn id="54" idx="3"/>
+              <a:endCxn id="98" idx="1"/>
+            </p:cNvCxnSpPr>
+            <p:nvPr/>
+          </p:nvCxnSpPr>
+          <p:spPr>
+            <a:xfrm>
+              <a:off x="2174584" y="2336959"/>
+              <a:ext cx="1811932" cy="502718"/>
+            </a:xfrm>
+            <a:prstGeom prst="line">
+              <a:avLst/>
+            </a:prstGeom>
+          </p:spPr>
+          <p:style>
+            <a:lnRef idx="1">
+              <a:schemeClr val="dk1"/>
+            </a:lnRef>
+            <a:fillRef idx="0">
+              <a:schemeClr val="dk1"/>
+            </a:fillRef>
+            <a:effectRef idx="0">
+              <a:schemeClr val="dk1"/>
+            </a:effectRef>
+            <a:fontRef idx="minor">
+              <a:schemeClr val="tx1"/>
+            </a:fontRef>
+          </p:style>
+        </p:cxnSp>
+        <mc:AlternateContent xmlns:mc="http://schemas.openxmlformats.org/markup-compatibility/2006" xmlns:a14="http://schemas.microsoft.com/office/drawing/2010/main">
+          <mc:Choice Requires="a14">
+            <p:sp>
+              <p:nvSpPr>
+                <p:cNvPr id="54" name="ZoneTexte 53">
+                  <a:extLst>
+                    <a:ext uri="{FF2B5EF4-FFF2-40B4-BE49-F238E27FC236}">
+                      <a16:creationId xmlns:a16="http://schemas.microsoft.com/office/drawing/2014/main" id="{DDFF042B-8AE8-4662-ACB0-73BAC3690636}"/>
+                    </a:ext>
+                  </a:extLst>
+                </p:cNvPr>
+                <p:cNvSpPr txBox="1"/>
+                <p:nvPr/>
+              </p:nvSpPr>
+              <p:spPr>
+                <a:xfrm>
+                  <a:off x="1936429" y="2138033"/>
+                  <a:ext cx="238155" cy="397850"/>
+                </a:xfrm>
+                <a:prstGeom prst="rect">
+                  <a:avLst/>
+                </a:prstGeom>
+                <a:noFill/>
+              </p:spPr>
+              <p:txBody>
+                <a:bodyPr wrap="square" lIns="0" tIns="0" rIns="0" bIns="0" rtlCol="0">
+                  <a:spAutoFit/>
+                </a:bodyPr>
+                <a:lstStyle/>
+                <a:p>
+                  <a:pPr/>
+                  <a14:m>
+                    <m:oMathPara xmlns:m="http://schemas.openxmlformats.org/officeDocument/2006/math">
+                      <m:oMathParaPr>
+                        <m:jc m:val="centerGroup"/>
+                      </m:oMathParaPr>
+                      <m:oMath xmlns:m="http://schemas.openxmlformats.org/officeDocument/2006/math">
+                        <m:sSub>
+                          <m:sSubPr>
+                            <m:ctrlPr>
+                              <a:rPr lang="fr-FR" sz="800" i="1" smtClean="0">
+                                <a:latin typeface="Cambria Math" panose="02040503050406030204" pitchFamily="18" charset="0"/>
+                              </a:rPr>
+                            </m:ctrlPr>
+                          </m:sSubPr>
+                          <m:e>
+                            <m:r>
+                              <a:rPr lang="fr-FR" sz="800" b="0" i="1" smtClean="0">
+                                <a:latin typeface="Cambria Math" panose="02040503050406030204" pitchFamily="18" charset="0"/>
+                              </a:rPr>
+                              <m:t>𝐴</m:t>
+                            </m:r>
+                          </m:e>
+                          <m:sub>
+                            <m:r>
+                              <a:rPr lang="fr-FR" sz="800" b="0" i="1" smtClean="0">
+                                <a:latin typeface="Cambria Math" panose="02040503050406030204" pitchFamily="18" charset="0"/>
+                              </a:rPr>
+                              <m:t>0</m:t>
+                            </m:r>
+                          </m:sub>
+                        </m:sSub>
+                      </m:oMath>
+                    </m:oMathPara>
+                  </a14:m>
+                  <a:endParaRPr lang="fr-FR" sz="800" b="0" i="1" dirty="0">
+                    <a:latin typeface="Cambria Math" panose="02040503050406030204" pitchFamily="18" charset="0"/>
+                  </a:endParaRPr>
+                </a:p>
+                <a:p>
+                  <a:pPr/>
+                  <a14:m>
+                    <m:oMathPara xmlns:m="http://schemas.openxmlformats.org/officeDocument/2006/math">
+                      <m:oMathParaPr>
+                        <m:jc m:val="centerGroup"/>
+                      </m:oMathParaPr>
+                      <m:oMath xmlns:m="http://schemas.openxmlformats.org/officeDocument/2006/math">
+                        <m:sSub>
+                          <m:sSubPr>
+                            <m:ctrlPr>
+                              <a:rPr lang="fr-FR" sz="800" b="0" i="1" smtClean="0">
+                                <a:latin typeface="Cambria Math" panose="02040503050406030204" pitchFamily="18" charset="0"/>
+                              </a:rPr>
+                            </m:ctrlPr>
+                          </m:sSubPr>
+                          <m:e>
+                            <m:r>
+                              <a:rPr lang="fr-FR" sz="800" b="0" i="1" smtClean="0">
+                                <a:latin typeface="Cambria Math" panose="02040503050406030204" pitchFamily="18" charset="0"/>
+                              </a:rPr>
+                              <m:t>𝑆</m:t>
+                            </m:r>
+                          </m:e>
+                          <m:sub>
+                            <m:r>
+                              <a:rPr lang="fr-FR" sz="800" b="0" i="1" smtClean="0">
+                                <a:latin typeface="Cambria Math" panose="02040503050406030204" pitchFamily="18" charset="0"/>
+                              </a:rPr>
+                              <m:t>0</m:t>
+                            </m:r>
+                          </m:sub>
+                        </m:sSub>
+                      </m:oMath>
+                    </m:oMathPara>
+                  </a14:m>
+                  <a:endParaRPr lang="fr-FR" sz="900" dirty="0"/>
+                </a:p>
+              </p:txBody>
+            </p:sp>
+          </mc:Choice>
+          <mc:Fallback xmlns="">
+            <p:sp>
+              <p:nvSpPr>
+                <p:cNvPr id="54" name="ZoneTexte 53">
+                  <a:extLst>
+                    <a:ext uri="{FF2B5EF4-FFF2-40B4-BE49-F238E27FC236}">
+                      <a16:creationId xmlns="" xmlns:a16="http://schemas.microsoft.com/office/drawing/2014/main" xmlns:a14="http://schemas.microsoft.com/office/drawing/2010/main" id="{DDFF042B-8AE8-4662-ACB0-73BAC3690636}"/>
+                    </a:ext>
+                  </a:extLst>
+                </p:cNvPr>
+                <p:cNvSpPr txBox="1">
+                  <a:spLocks noRot="1" noChangeAspect="1" noMove="1" noResize="1" noEditPoints="1" noAdjustHandles="1" noChangeArrowheads="1" noChangeShapeType="1" noTextEdit="1"/>
+                </p:cNvSpPr>
+                <p:nvPr/>
+              </p:nvSpPr>
+              <p:spPr>
+                <a:xfrm>
+                  <a:off x="1936429" y="2138033"/>
+                  <a:ext cx="238155" cy="397850"/>
+                </a:xfrm>
+                <a:prstGeom prst="rect">
+                  <a:avLst/>
+                </a:prstGeom>
+                <a:blipFill rotWithShape="0">
+                  <a:blip r:embed="rId16"/>
+                  <a:stretch>
+                    <a:fillRect l="-17391" r="-8696" b="-12500"/>
+                  </a:stretch>
+                </a:blipFill>
+              </p:spPr>
+              <p:txBody>
+                <a:bodyPr/>
+                <a:lstStyle/>
+                <a:p>
+                  <a:r>
+                    <a:rPr lang="fr-FR">
+                      <a:noFill/>
+                    </a:rPr>
+                    <a:t> </a:t>
+                  </a:r>
+                </a:p>
+              </p:txBody>
+            </p:sp>
+          </mc:Fallback>
+        </mc:AlternateContent>
+        <mc:AlternateContent xmlns:mc="http://schemas.openxmlformats.org/markup-compatibility/2006" xmlns:a14="http://schemas.microsoft.com/office/drawing/2010/main">
+          <mc:Choice Requires="a14">
+            <p:sp>
+              <p:nvSpPr>
+                <p:cNvPr id="55" name="ZoneTexte 54">
+                  <a:extLst>
+                    <a:ext uri="{FF2B5EF4-FFF2-40B4-BE49-F238E27FC236}">
+                      <a16:creationId xmlns:a16="http://schemas.microsoft.com/office/drawing/2014/main" id="{504D86AE-3572-4429-B2BD-B7A71B9612B0}"/>
+                    </a:ext>
+                  </a:extLst>
+                </p:cNvPr>
+                <p:cNvSpPr txBox="1"/>
+                <p:nvPr/>
+              </p:nvSpPr>
+              <p:spPr>
+                <a:xfrm>
+                  <a:off x="3935876" y="1329234"/>
+                  <a:ext cx="265441" cy="447581"/>
+                </a:xfrm>
+                <a:prstGeom prst="rect">
+                  <a:avLst/>
+                </a:prstGeom>
+                <a:noFill/>
+              </p:spPr>
+              <p:txBody>
+                <a:bodyPr wrap="square" lIns="0" tIns="0" rIns="0" bIns="0" rtlCol="0">
+                  <a:spAutoFit/>
+                </a:bodyPr>
+                <a:lstStyle/>
+                <a:p>
+                  <a:pPr/>
+                  <a14:m>
+                    <m:oMathPara xmlns:m="http://schemas.openxmlformats.org/officeDocument/2006/math">
+                      <m:oMathParaPr>
+                        <m:jc m:val="centerGroup"/>
+                      </m:oMathParaPr>
+                      <m:oMath xmlns:m="http://schemas.openxmlformats.org/officeDocument/2006/math">
+                        <m:sSub>
+                          <m:sSubPr>
+                            <m:ctrlPr>
+                              <a:rPr lang="fr-FR" sz="900" i="1" smtClean="0">
+                                <a:latin typeface="Cambria Math" panose="02040503050406030204" pitchFamily="18" charset="0"/>
+                              </a:rPr>
+                            </m:ctrlPr>
+                          </m:sSubPr>
+                          <m:e>
+                            <m:r>
+                              <a:rPr lang="fr-FR" sz="900" b="0" i="1" smtClean="0">
+                                <a:latin typeface="Cambria Math" panose="02040503050406030204" pitchFamily="18" charset="0"/>
+                              </a:rPr>
+                              <m:t>𝐴</m:t>
+                            </m:r>
+                          </m:e>
+                          <m:sub>
+                            <m:r>
+                              <a:rPr lang="fr-FR" sz="900" b="0" i="1" smtClean="0">
+                                <a:latin typeface="Cambria Math" panose="02040503050406030204" pitchFamily="18" charset="0"/>
+                              </a:rPr>
+                              <m:t>1</m:t>
+                            </m:r>
+                          </m:sub>
+                        </m:sSub>
+                      </m:oMath>
+                    </m:oMathPara>
+                  </a14:m>
+                  <a:endParaRPr lang="fr-FR" sz="900" dirty="0"/>
+                </a:p>
+                <a:p>
+                  <a:pPr/>
+                  <a14:m>
+                    <m:oMathPara xmlns:m="http://schemas.openxmlformats.org/officeDocument/2006/math">
+                      <m:oMathParaPr>
+                        <m:jc m:val="centerGroup"/>
+                      </m:oMathParaPr>
+                      <m:oMath xmlns:m="http://schemas.openxmlformats.org/officeDocument/2006/math">
+                        <m:sSub>
+                          <m:sSubPr>
+                            <m:ctrlPr>
+                              <a:rPr lang="fr-FR" sz="900" i="1">
+                                <a:latin typeface="Cambria Math" panose="02040503050406030204" pitchFamily="18" charset="0"/>
+                              </a:rPr>
+                            </m:ctrlPr>
+                          </m:sSubPr>
+                          <m:e>
+                            <m:r>
+                              <a:rPr lang="fr-FR" sz="900" i="1">
+                                <a:latin typeface="Cambria Math" panose="02040503050406030204" pitchFamily="18" charset="0"/>
+                              </a:rPr>
+                              <m:t>𝑆</m:t>
+                            </m:r>
+                          </m:e>
+                          <m:sub>
+                            <m:r>
+                              <a:rPr lang="fr-FR" sz="900" i="1">
+                                <a:latin typeface="Cambria Math" panose="02040503050406030204" pitchFamily="18" charset="0"/>
+                              </a:rPr>
+                              <m:t>1</m:t>
+                            </m:r>
+                          </m:sub>
+                        </m:sSub>
+                      </m:oMath>
+                    </m:oMathPara>
+                  </a14:m>
+                  <a:endParaRPr lang="fr-FR" sz="900" dirty="0"/>
+                </a:p>
+              </p:txBody>
+            </p:sp>
+          </mc:Choice>
+          <mc:Fallback xmlns="">
+            <p:sp>
+              <p:nvSpPr>
+                <p:cNvPr id="55" name="ZoneTexte 54">
+                  <a:extLst>
+                    <a:ext uri="{FF2B5EF4-FFF2-40B4-BE49-F238E27FC236}">
+                      <a16:creationId xmlns="" xmlns:a16="http://schemas.microsoft.com/office/drawing/2014/main" xmlns:a14="http://schemas.microsoft.com/office/drawing/2010/main" id="{504D86AE-3572-4429-B2BD-B7A71B9612B0}"/>
+                    </a:ext>
+                  </a:extLst>
+                </p:cNvPr>
+                <p:cNvSpPr txBox="1">
+                  <a:spLocks noRot="1" noChangeAspect="1" noMove="1" noResize="1" noEditPoints="1" noAdjustHandles="1" noChangeArrowheads="1" noChangeShapeType="1" noTextEdit="1"/>
+                </p:cNvSpPr>
+                <p:nvPr/>
+              </p:nvSpPr>
+              <p:spPr>
+                <a:xfrm>
+                  <a:off x="3935876" y="1329234"/>
+                  <a:ext cx="265441" cy="447581"/>
+                </a:xfrm>
+                <a:prstGeom prst="rect">
+                  <a:avLst/>
+                </a:prstGeom>
+                <a:blipFill rotWithShape="0">
+                  <a:blip r:embed="rId17"/>
+                  <a:stretch>
+                    <a:fillRect l="-20000" r="-8000" b="-8889"/>
+                  </a:stretch>
+                </a:blipFill>
+              </p:spPr>
+              <p:txBody>
+                <a:bodyPr/>
+                <a:lstStyle/>
+                <a:p>
+                  <a:r>
+                    <a:rPr lang="fr-FR">
+                      <a:noFill/>
+                    </a:rPr>
+                    <a:t> </a:t>
+                  </a:r>
+                </a:p>
+              </p:txBody>
+            </p:sp>
+          </mc:Fallback>
+        </mc:AlternateContent>
+        <mc:AlternateContent xmlns:mc="http://schemas.openxmlformats.org/markup-compatibility/2006" xmlns:a14="http://schemas.microsoft.com/office/drawing/2010/main">
+          <mc:Choice Requires="a14">
+            <p:sp>
+              <p:nvSpPr>
+                <p:cNvPr id="56" name="ZoneTexte 55">
+                  <a:extLst>
+                    <a:ext uri="{FF2B5EF4-FFF2-40B4-BE49-F238E27FC236}">
+                      <a16:creationId xmlns:a16="http://schemas.microsoft.com/office/drawing/2014/main" id="{890482B5-BE1A-40CB-B391-AE7C0AD37D2A}"/>
+                    </a:ext>
+                  </a:extLst>
+                </p:cNvPr>
+                <p:cNvSpPr txBox="1"/>
+                <p:nvPr/>
+              </p:nvSpPr>
+              <p:spPr>
+                <a:xfrm rot="20015514">
+                  <a:off x="2282376" y="1763476"/>
+                  <a:ext cx="1270479" cy="174058"/>
+                </a:xfrm>
+                <a:prstGeom prst="rect">
+                  <a:avLst/>
+                </a:prstGeom>
+                <a:noFill/>
+              </p:spPr>
+              <p:txBody>
+                <a:bodyPr wrap="none" lIns="0" tIns="0" rIns="0" bIns="0" rtlCol="0">
+                  <a:spAutoFit/>
+                </a:bodyPr>
+                <a:lstStyle/>
+                <a:p>
+                  <a:pPr/>
+                  <a14:m>
+                    <m:oMathPara xmlns:m="http://schemas.openxmlformats.org/officeDocument/2006/math">
+                      <m:oMathParaPr>
+                        <m:jc m:val="centerGroup"/>
+                      </m:oMathParaPr>
+                      <m:oMath xmlns:m="http://schemas.openxmlformats.org/officeDocument/2006/math">
+                        <m:sSub>
+                          <m:sSubPr>
+                            <m:ctrlPr>
+                              <a:rPr lang="fr-FR" sz="700" i="1" smtClean="0">
+                                <a:solidFill>
+                                  <a:srgbClr val="C00000"/>
+                                </a:solidFill>
+                                <a:latin typeface="Cambria Math" panose="02040503050406030204" pitchFamily="18" charset="0"/>
+                              </a:rPr>
+                            </m:ctrlPr>
+                          </m:sSubPr>
+                          <m:e>
+                            <m:r>
+                              <a:rPr lang="fr-FR" sz="700" b="0" i="1" smtClean="0">
+                                <a:solidFill>
+                                  <a:srgbClr val="C00000"/>
+                                </a:solidFill>
+                                <a:latin typeface="Cambria Math" panose="02040503050406030204" pitchFamily="18" charset="0"/>
+                              </a:rPr>
+                              <m:t>𝑆</m:t>
+                            </m:r>
+                          </m:e>
+                          <m:sub>
+                            <m:r>
+                              <a:rPr lang="fr-FR" sz="700" b="0" i="1" smtClean="0">
+                                <a:solidFill>
+                                  <a:srgbClr val="C00000"/>
+                                </a:solidFill>
+                                <a:latin typeface="Cambria Math" panose="02040503050406030204" pitchFamily="18" charset="0"/>
+                              </a:rPr>
+                              <m:t>1</m:t>
+                            </m:r>
+                          </m:sub>
+                        </m:sSub>
+                        <m:r>
+                          <a:rPr lang="fr-FR" sz="700" b="0" i="1" smtClean="0">
+                            <a:solidFill>
+                              <a:srgbClr val="C00000"/>
+                            </a:solidFill>
+                            <a:latin typeface="Cambria Math" panose="02040503050406030204" pitchFamily="18" charset="0"/>
+                          </a:rPr>
+                          <m:t>=</m:t>
+                        </m:r>
+                        <m:sSub>
+                          <m:sSubPr>
+                            <m:ctrlPr>
+                              <a:rPr lang="fr-FR" sz="700" b="0" i="1" smtClean="0">
+                                <a:solidFill>
+                                  <a:srgbClr val="C00000"/>
+                                </a:solidFill>
+                                <a:latin typeface="Cambria Math" panose="02040503050406030204" pitchFamily="18" charset="0"/>
+                              </a:rPr>
+                            </m:ctrlPr>
+                          </m:sSubPr>
+                          <m:e>
+                            <m:r>
+                              <a:rPr lang="fr-FR" sz="700" b="0" i="1" smtClean="0">
+                                <a:solidFill>
+                                  <a:srgbClr val="C00000"/>
+                                </a:solidFill>
+                                <a:latin typeface="Cambria Math" panose="02040503050406030204" pitchFamily="18" charset="0"/>
+                              </a:rPr>
+                              <m:t>𝑆</m:t>
+                            </m:r>
+                          </m:e>
+                          <m:sub>
+                            <m:r>
+                              <a:rPr lang="fr-FR" sz="700" b="0" i="1" smtClean="0">
+                                <a:solidFill>
+                                  <a:srgbClr val="C00000"/>
+                                </a:solidFill>
+                                <a:latin typeface="Cambria Math" panose="02040503050406030204" pitchFamily="18" charset="0"/>
+                              </a:rPr>
+                              <m:t>0</m:t>
+                            </m:r>
+                          </m:sub>
+                        </m:sSub>
+                        <m:r>
+                          <a:rPr lang="fr-FR" sz="700" b="0" i="1" smtClean="0">
+                            <a:solidFill>
+                              <a:srgbClr val="C00000"/>
+                            </a:solidFill>
+                            <a:latin typeface="Cambria Math" panose="02040503050406030204" pitchFamily="18" charset="0"/>
+                          </a:rPr>
+                          <m:t>+ </m:t>
+                        </m:r>
+                        <m:r>
+                          <a:rPr lang="fr-FR" sz="700" b="0" i="1" smtClean="0">
+                            <a:solidFill>
+                              <a:srgbClr val="C00000"/>
+                            </a:solidFill>
+                            <a:latin typeface="Cambria Math" panose="02040503050406030204" pitchFamily="18" charset="0"/>
+                          </a:rPr>
+                          <m:t>𝑙𝑖𝑔𝑛𝑒</m:t>
+                        </m:r>
+                        <m:r>
+                          <a:rPr lang="fr-FR" sz="700" b="0" i="1" smtClean="0">
+                            <a:solidFill>
+                              <a:srgbClr val="C00000"/>
+                            </a:solidFill>
+                            <a:latin typeface="Cambria Math" panose="02040503050406030204" pitchFamily="18" charset="0"/>
+                          </a:rPr>
+                          <m:t> </m:t>
+                        </m:r>
+                        <m:sSub>
+                          <m:sSubPr>
+                            <m:ctrlPr>
+                              <a:rPr lang="fr-FR" sz="700" b="0" i="1" smtClean="0">
+                                <a:solidFill>
+                                  <a:srgbClr val="C00000"/>
+                                </a:solidFill>
+                                <a:latin typeface="Cambria Math" panose="02040503050406030204" pitchFamily="18" charset="0"/>
+                              </a:rPr>
+                            </m:ctrlPr>
+                          </m:sSubPr>
+                          <m:e>
+                            <m:r>
+                              <a:rPr lang="fr-FR" sz="700" b="0" i="1" smtClean="0">
+                                <a:solidFill>
+                                  <a:srgbClr val="C00000"/>
+                                </a:solidFill>
+                                <a:latin typeface="Cambria Math" panose="02040503050406030204" pitchFamily="18" charset="0"/>
+                              </a:rPr>
+                              <m:t>𝑖</m:t>
+                            </m:r>
+                          </m:e>
+                          <m:sub>
+                            <m:r>
+                              <a:rPr lang="fr-FR" sz="700" b="0" i="1" smtClean="0">
+                                <a:solidFill>
+                                  <a:srgbClr val="C00000"/>
+                                </a:solidFill>
+                                <a:latin typeface="Cambria Math" panose="02040503050406030204" pitchFamily="18" charset="0"/>
+                              </a:rPr>
+                              <m:t>1</m:t>
+                            </m:r>
+                          </m:sub>
+                        </m:sSub>
+                      </m:oMath>
+                    </m:oMathPara>
+                  </a14:m>
+                  <a:endParaRPr lang="fr-FR" sz="700" dirty="0">
+                    <a:solidFill>
+                      <a:srgbClr val="C00000"/>
+                    </a:solidFill>
+                  </a:endParaRPr>
+                </a:p>
+              </p:txBody>
+            </p:sp>
+          </mc:Choice>
+          <mc:Fallback xmlns="">
+            <p:sp>
+              <p:nvSpPr>
+                <p:cNvPr id="56" name="ZoneTexte 55">
+                  <a:extLst>
+                    <a:ext uri="{FF2B5EF4-FFF2-40B4-BE49-F238E27FC236}">
+                      <a16:creationId xmlns="" xmlns:a16="http://schemas.microsoft.com/office/drawing/2014/main" xmlns:a14="http://schemas.microsoft.com/office/drawing/2010/main" id="{890482B5-BE1A-40CB-B391-AE7C0AD37D2A}"/>
+                    </a:ext>
+                  </a:extLst>
+                </p:cNvPr>
+                <p:cNvSpPr txBox="1">
+                  <a:spLocks noRot="1" noChangeAspect="1" noMove="1" noResize="1" noEditPoints="1" noAdjustHandles="1" noChangeArrowheads="1" noChangeShapeType="1" noTextEdit="1"/>
+                </p:cNvSpPr>
+                <p:nvPr/>
+              </p:nvSpPr>
+              <p:spPr>
+                <a:xfrm rot="20015514">
+                  <a:off x="2282376" y="1763476"/>
+                  <a:ext cx="1270479" cy="174058"/>
+                </a:xfrm>
+                <a:prstGeom prst="rect">
+                  <a:avLst/>
+                </a:prstGeom>
+                <a:blipFill rotWithShape="0">
+                  <a:blip r:embed="rId18"/>
+                  <a:stretch>
+                    <a:fillRect l="-1709" r="-855" b="-4286"/>
+                  </a:stretch>
+                </a:blipFill>
+              </p:spPr>
+              <p:txBody>
+                <a:bodyPr/>
+                <a:lstStyle/>
+                <a:p>
+                  <a:r>
+                    <a:rPr lang="fr-FR">
+                      <a:noFill/>
+                    </a:rPr>
+                    <a:t> </a:t>
+                  </a:r>
+                </a:p>
+              </p:txBody>
+            </p:sp>
+          </mc:Fallback>
+        </mc:AlternateContent>
+        <mc:AlternateContent xmlns:mc="http://schemas.openxmlformats.org/markup-compatibility/2006" xmlns:a14="http://schemas.microsoft.com/office/drawing/2010/main">
+          <mc:Choice Requires="a14">
+            <p:sp>
+              <p:nvSpPr>
+                <p:cNvPr id="58" name="ZoneTexte 57">
+                  <a:extLst>
+                    <a:ext uri="{FF2B5EF4-FFF2-40B4-BE49-F238E27FC236}">
+                      <a16:creationId xmlns:a16="http://schemas.microsoft.com/office/drawing/2014/main" id="{495F5CA5-A3AC-4DA3-B505-37EB48F34ADD}"/>
+                    </a:ext>
+                  </a:extLst>
+                </p:cNvPr>
+                <p:cNvSpPr txBox="1"/>
+                <p:nvPr/>
+              </p:nvSpPr>
+              <p:spPr>
+                <a:xfrm rot="21105771">
+                  <a:off x="2739715" y="1991561"/>
+                  <a:ext cx="1312231" cy="174058"/>
+                </a:xfrm>
+                <a:prstGeom prst="rect">
+                  <a:avLst/>
+                </a:prstGeom>
+                <a:noFill/>
+              </p:spPr>
+              <p:txBody>
+                <a:bodyPr wrap="none" lIns="0" tIns="0" rIns="0" bIns="0" rtlCol="0">
+                  <a:spAutoFit/>
+                </a:bodyPr>
+                <a:lstStyle/>
+                <a:p>
+                  <a:pPr/>
+                  <a14:m>
+                    <m:oMathPara xmlns:m="http://schemas.openxmlformats.org/officeDocument/2006/math">
+                      <m:oMathParaPr>
+                        <m:jc m:val="centerGroup"/>
+                      </m:oMathParaPr>
+                      <m:oMath xmlns:m="http://schemas.openxmlformats.org/officeDocument/2006/math">
+                        <m:sSub>
+                          <m:sSubPr>
+                            <m:ctrlPr>
+                              <a:rPr lang="fr-FR" sz="700" i="1" smtClean="0">
+                                <a:solidFill>
+                                  <a:srgbClr val="C00000"/>
+                                </a:solidFill>
+                                <a:latin typeface="Cambria Math" panose="02040503050406030204" pitchFamily="18" charset="0"/>
+                              </a:rPr>
+                            </m:ctrlPr>
+                          </m:sSubPr>
+                          <m:e>
+                            <m:r>
+                              <a:rPr lang="fr-FR" sz="700" b="0" i="1" smtClean="0">
+                                <a:solidFill>
+                                  <a:srgbClr val="C00000"/>
+                                </a:solidFill>
+                                <a:latin typeface="Cambria Math" panose="02040503050406030204" pitchFamily="18" charset="0"/>
+                              </a:rPr>
+                              <m:t>𝑆</m:t>
+                            </m:r>
+                          </m:e>
+                          <m:sub>
+                            <m:r>
+                              <a:rPr lang="fr-FR" sz="700" b="0" i="1" smtClean="0">
+                                <a:solidFill>
+                                  <a:srgbClr val="C00000"/>
+                                </a:solidFill>
+                                <a:latin typeface="Cambria Math" panose="02040503050406030204" pitchFamily="18" charset="0"/>
+                              </a:rPr>
+                              <m:t>2</m:t>
+                            </m:r>
+                          </m:sub>
+                        </m:sSub>
+                        <m:r>
+                          <a:rPr lang="fr-FR" sz="700" b="0" i="1" smtClean="0">
+                            <a:solidFill>
+                              <a:srgbClr val="C00000"/>
+                            </a:solidFill>
+                            <a:latin typeface="Cambria Math" panose="02040503050406030204" pitchFamily="18" charset="0"/>
+                          </a:rPr>
+                          <m:t>=</m:t>
+                        </m:r>
+                        <m:sSub>
+                          <m:sSubPr>
+                            <m:ctrlPr>
+                              <a:rPr lang="fr-FR" sz="700" b="0" i="1" smtClean="0">
+                                <a:solidFill>
+                                  <a:srgbClr val="C00000"/>
+                                </a:solidFill>
+                                <a:latin typeface="Cambria Math" panose="02040503050406030204" pitchFamily="18" charset="0"/>
+                              </a:rPr>
+                            </m:ctrlPr>
+                          </m:sSubPr>
+                          <m:e>
+                            <m:r>
+                              <a:rPr lang="fr-FR" sz="700" b="0" i="1" smtClean="0">
+                                <a:solidFill>
+                                  <a:srgbClr val="C00000"/>
+                                </a:solidFill>
+                                <a:latin typeface="Cambria Math" panose="02040503050406030204" pitchFamily="18" charset="0"/>
+                              </a:rPr>
+                              <m:t>𝑆</m:t>
+                            </m:r>
+                          </m:e>
+                          <m:sub>
+                            <m:r>
+                              <a:rPr lang="fr-FR" sz="700" b="0" i="1" smtClean="0">
+                                <a:solidFill>
+                                  <a:srgbClr val="C00000"/>
+                                </a:solidFill>
+                                <a:latin typeface="Cambria Math" panose="02040503050406030204" pitchFamily="18" charset="0"/>
+                              </a:rPr>
+                              <m:t>0</m:t>
+                            </m:r>
+                          </m:sub>
+                        </m:sSub>
+                        <m:r>
+                          <a:rPr lang="fr-FR" sz="700" b="0" i="1" smtClean="0">
+                            <a:solidFill>
+                              <a:srgbClr val="C00000"/>
+                            </a:solidFill>
+                            <a:latin typeface="Cambria Math" panose="02040503050406030204" pitchFamily="18" charset="0"/>
+                          </a:rPr>
+                          <m:t>+ </m:t>
+                        </m:r>
+                        <m:r>
+                          <a:rPr lang="fr-FR" sz="700" b="0" i="1" smtClean="0">
+                            <a:solidFill>
+                              <a:srgbClr val="C00000"/>
+                            </a:solidFill>
+                            <a:latin typeface="Cambria Math" panose="02040503050406030204" pitchFamily="18" charset="0"/>
+                          </a:rPr>
+                          <m:t>𝑙𝑖𝑔𝑛𝑒</m:t>
+                        </m:r>
+                        <m:r>
+                          <a:rPr lang="fr-FR" sz="700" b="0" i="1" smtClean="0">
+                            <a:solidFill>
+                              <a:srgbClr val="C00000"/>
+                            </a:solidFill>
+                            <a:latin typeface="Cambria Math" panose="02040503050406030204" pitchFamily="18" charset="0"/>
+                          </a:rPr>
+                          <m:t> </m:t>
+                        </m:r>
+                        <m:sSub>
+                          <m:sSubPr>
+                            <m:ctrlPr>
+                              <a:rPr lang="fr-FR" sz="700" i="1">
+                                <a:solidFill>
+                                  <a:srgbClr val="C00000"/>
+                                </a:solidFill>
+                                <a:latin typeface="Cambria Math" panose="02040503050406030204" pitchFamily="18" charset="0"/>
+                              </a:rPr>
+                            </m:ctrlPr>
+                          </m:sSubPr>
+                          <m:e>
+                            <m:r>
+                              <a:rPr lang="fr-FR" sz="700" i="1">
+                                <a:solidFill>
+                                  <a:srgbClr val="C00000"/>
+                                </a:solidFill>
+                                <a:latin typeface="Cambria Math" panose="02040503050406030204" pitchFamily="18" charset="0"/>
+                              </a:rPr>
+                              <m:t>𝑖</m:t>
+                            </m:r>
+                          </m:e>
+                          <m:sub>
+                            <m:r>
+                              <a:rPr lang="fr-FR" sz="700" b="0" i="1" smtClean="0">
+                                <a:solidFill>
+                                  <a:srgbClr val="C00000"/>
+                                </a:solidFill>
+                                <a:latin typeface="Cambria Math" panose="02040503050406030204" pitchFamily="18" charset="0"/>
+                              </a:rPr>
+                              <m:t>2</m:t>
+                            </m:r>
+                          </m:sub>
+                        </m:sSub>
+                      </m:oMath>
+                    </m:oMathPara>
+                  </a14:m>
+                  <a:endParaRPr lang="fr-FR" sz="700" dirty="0">
+                    <a:solidFill>
+                      <a:srgbClr val="C00000"/>
+                    </a:solidFill>
+                  </a:endParaRPr>
+                </a:p>
+              </p:txBody>
+            </p:sp>
+          </mc:Choice>
+          <mc:Fallback xmlns="">
+            <p:sp>
+              <p:nvSpPr>
+                <p:cNvPr id="58" name="ZoneTexte 57">
+                  <a:extLst>
+                    <a:ext uri="{FF2B5EF4-FFF2-40B4-BE49-F238E27FC236}">
+                      <a16:creationId xmlns="" xmlns:a16="http://schemas.microsoft.com/office/drawing/2014/main" xmlns:a14="http://schemas.microsoft.com/office/drawing/2010/main" id="{495F5CA5-A3AC-4DA3-B505-37EB48F34ADD}"/>
+                    </a:ext>
+                  </a:extLst>
+                </p:cNvPr>
+                <p:cNvSpPr txBox="1">
+                  <a:spLocks noRot="1" noChangeAspect="1" noMove="1" noResize="1" noEditPoints="1" noAdjustHandles="1" noChangeArrowheads="1" noChangeShapeType="1" noTextEdit="1"/>
+                </p:cNvSpPr>
+                <p:nvPr/>
+              </p:nvSpPr>
+              <p:spPr>
+                <a:xfrm rot="21105771">
+                  <a:off x="2739715" y="1991561"/>
+                  <a:ext cx="1312231" cy="174058"/>
+                </a:xfrm>
+                <a:prstGeom prst="rect">
+                  <a:avLst/>
+                </a:prstGeom>
+                <a:blipFill rotWithShape="0">
+                  <a:blip r:embed="rId19"/>
+                  <a:stretch>
+                    <a:fillRect b="-5556"/>
+                  </a:stretch>
+                </a:blipFill>
+              </p:spPr>
+              <p:txBody>
+                <a:bodyPr/>
+                <a:lstStyle/>
+                <a:p>
+                  <a:r>
+                    <a:rPr lang="fr-FR">
+                      <a:noFill/>
+                    </a:rPr>
+                    <a:t> </a:t>
+                  </a:r>
+                </a:p>
+              </p:txBody>
+            </p:sp>
+          </mc:Fallback>
+        </mc:AlternateContent>
+        <mc:AlternateContent xmlns:mc="http://schemas.openxmlformats.org/markup-compatibility/2006" xmlns:a14="http://schemas.microsoft.com/office/drawing/2010/main">
+          <mc:Choice Requires="a14">
+            <p:sp>
+              <p:nvSpPr>
+                <p:cNvPr id="59" name="ZoneTexte 58">
+                  <a:extLst>
+                    <a:ext uri="{FF2B5EF4-FFF2-40B4-BE49-F238E27FC236}">
+                      <a16:creationId xmlns:a16="http://schemas.microsoft.com/office/drawing/2014/main" id="{7C568E3F-E383-4630-8347-82F234079446}"/>
+                    </a:ext>
+                  </a:extLst>
+                </p:cNvPr>
+                <p:cNvSpPr txBox="1"/>
+                <p:nvPr/>
+              </p:nvSpPr>
+              <p:spPr>
+                <a:xfrm>
+                  <a:off x="4173269" y="1896926"/>
+                  <a:ext cx="280195" cy="447581"/>
+                </a:xfrm>
+                <a:prstGeom prst="rect">
+                  <a:avLst/>
+                </a:prstGeom>
+                <a:noFill/>
+              </p:spPr>
+              <p:txBody>
+                <a:bodyPr wrap="square" lIns="0" tIns="0" rIns="0" bIns="0" rtlCol="0">
+                  <a:spAutoFit/>
+                </a:bodyPr>
+                <a:lstStyle/>
+                <a:p>
+                  <a:pPr/>
+                  <a14:m>
+                    <m:oMathPara xmlns:m="http://schemas.openxmlformats.org/officeDocument/2006/math">
+                      <m:oMathParaPr>
+                        <m:jc m:val="centerGroup"/>
+                      </m:oMathParaPr>
+                      <m:oMath xmlns:m="http://schemas.openxmlformats.org/officeDocument/2006/math">
+                        <m:sSub>
+                          <m:sSubPr>
+                            <m:ctrlPr>
+                              <a:rPr lang="fr-FR" sz="900" i="1" smtClean="0">
+                                <a:latin typeface="Cambria Math" panose="02040503050406030204" pitchFamily="18" charset="0"/>
+                              </a:rPr>
+                            </m:ctrlPr>
+                          </m:sSubPr>
+                          <m:e>
+                            <m:r>
+                              <a:rPr lang="fr-FR" sz="900" b="0" i="1" smtClean="0">
+                                <a:latin typeface="Cambria Math" panose="02040503050406030204" pitchFamily="18" charset="0"/>
+                              </a:rPr>
+                              <m:t>𝐴</m:t>
+                            </m:r>
+                          </m:e>
+                          <m:sub>
+                            <m:r>
+                              <a:rPr lang="fr-FR" sz="900" b="0" i="1" smtClean="0">
+                                <a:latin typeface="Cambria Math" panose="02040503050406030204" pitchFamily="18" charset="0"/>
+                              </a:rPr>
+                              <m:t>2</m:t>
+                            </m:r>
+                          </m:sub>
+                        </m:sSub>
+                      </m:oMath>
+                    </m:oMathPara>
+                  </a14:m>
+                  <a:endParaRPr lang="fr-FR" sz="900" dirty="0"/>
+                </a:p>
+                <a:p>
+                  <a:pPr/>
+                  <a14:m>
+                    <m:oMathPara xmlns:m="http://schemas.openxmlformats.org/officeDocument/2006/math">
+                      <m:oMathParaPr>
+                        <m:jc m:val="centerGroup"/>
+                      </m:oMathParaPr>
+                      <m:oMath xmlns:m="http://schemas.openxmlformats.org/officeDocument/2006/math">
+                        <m:sSub>
+                          <m:sSubPr>
+                            <m:ctrlPr>
+                              <a:rPr lang="fr-FR" sz="900" i="1">
+                                <a:latin typeface="Cambria Math" panose="02040503050406030204" pitchFamily="18" charset="0"/>
+                              </a:rPr>
+                            </m:ctrlPr>
+                          </m:sSubPr>
+                          <m:e>
+                            <m:r>
+                              <a:rPr lang="fr-FR" sz="900" i="1">
+                                <a:latin typeface="Cambria Math" panose="02040503050406030204" pitchFamily="18" charset="0"/>
+                              </a:rPr>
+                              <m:t>𝑆</m:t>
+                            </m:r>
+                          </m:e>
+                          <m:sub>
+                            <m:r>
+                              <a:rPr lang="fr-FR" sz="900" i="1">
+                                <a:latin typeface="Cambria Math" panose="02040503050406030204" pitchFamily="18" charset="0"/>
+                              </a:rPr>
+                              <m:t>2</m:t>
+                            </m:r>
+                          </m:sub>
+                        </m:sSub>
+                      </m:oMath>
+                    </m:oMathPara>
+                  </a14:m>
+                  <a:endParaRPr lang="fr-FR" sz="900" dirty="0"/>
+                </a:p>
+              </p:txBody>
+            </p:sp>
+          </mc:Choice>
+          <mc:Fallback xmlns="">
+            <p:sp>
+              <p:nvSpPr>
+                <p:cNvPr id="59" name="ZoneTexte 58">
+                  <a:extLst>
+                    <a:ext uri="{FF2B5EF4-FFF2-40B4-BE49-F238E27FC236}">
+                      <a16:creationId xmlns="" xmlns:a16="http://schemas.microsoft.com/office/drawing/2014/main" xmlns:a14="http://schemas.microsoft.com/office/drawing/2010/main" id="{7C568E3F-E383-4630-8347-82F234079446}"/>
+                    </a:ext>
+                  </a:extLst>
+                </p:cNvPr>
+                <p:cNvSpPr txBox="1">
+                  <a:spLocks noRot="1" noChangeAspect="1" noMove="1" noResize="1" noEditPoints="1" noAdjustHandles="1" noChangeArrowheads="1" noChangeShapeType="1" noTextEdit="1"/>
+                </p:cNvSpPr>
+                <p:nvPr/>
+              </p:nvSpPr>
+              <p:spPr>
+                <a:xfrm>
+                  <a:off x="4173269" y="1896926"/>
+                  <a:ext cx="280195" cy="447581"/>
+                </a:xfrm>
+                <a:prstGeom prst="rect">
+                  <a:avLst/>
+                </a:prstGeom>
+                <a:blipFill rotWithShape="0">
+                  <a:blip r:embed="rId20"/>
+                  <a:stretch>
+                    <a:fillRect l="-14815" r="-3704" b="-8889"/>
+                  </a:stretch>
+                </a:blipFill>
+              </p:spPr>
+              <p:txBody>
+                <a:bodyPr/>
+                <a:lstStyle/>
+                <a:p>
+                  <a:r>
+                    <a:rPr lang="fr-FR">
+                      <a:noFill/>
+                    </a:rPr>
+                    <a:t> </a:t>
+                  </a:r>
+                </a:p>
+              </p:txBody>
+            </p:sp>
+          </mc:Fallback>
+        </mc:AlternateContent>
+        <p:sp>
+          <p:nvSpPr>
+            <p:cNvPr id="63" name="ZoneTexte 62">
+              <a:extLst>
+                <a:ext uri="{FF2B5EF4-FFF2-40B4-BE49-F238E27FC236}">
+                  <a16:creationId xmlns:a16="http://schemas.microsoft.com/office/drawing/2014/main" id="{720A9898-D6EC-4B99-A522-FEE81F1DB4AE}"/>
+                </a:ext>
+              </a:extLst>
+            </p:cNvPr>
+            <p:cNvSpPr txBox="1"/>
+            <p:nvPr/>
+          </p:nvSpPr>
+          <p:spPr>
+            <a:xfrm>
+              <a:off x="4015025" y="2264949"/>
+              <a:ext cx="434760" cy="230830"/>
+            </a:xfrm>
+            <a:prstGeom prst="rect">
+              <a:avLst/>
+            </a:prstGeom>
+            <a:noFill/>
+          </p:spPr>
+          <p:txBody>
+            <a:bodyPr wrap="square" rtlCol="0">
+              <a:spAutoFit/>
+            </a:bodyPr>
+            <a:lstStyle/>
+            <a:p>
+              <a:r>
+                <a:rPr lang="fr-FR" sz="900" dirty="0"/>
+                <a:t>…</a:t>
+              </a:r>
+            </a:p>
+          </p:txBody>
+        </p:sp>
+        <p:sp>
+          <p:nvSpPr>
+            <p:cNvPr id="64" name="ZoneTexte 63">
+              <a:extLst>
+                <a:ext uri="{FF2B5EF4-FFF2-40B4-BE49-F238E27FC236}">
+                  <a16:creationId xmlns:a16="http://schemas.microsoft.com/office/drawing/2014/main" id="{7C942E7D-B77D-47D1-B5D8-0A2A677B301A}"/>
+                </a:ext>
+              </a:extLst>
+            </p:cNvPr>
+            <p:cNvSpPr txBox="1"/>
+            <p:nvPr/>
+          </p:nvSpPr>
+          <p:spPr>
+            <a:xfrm>
+              <a:off x="3679669" y="1055988"/>
+              <a:ext cx="818440" cy="372984"/>
+            </a:xfrm>
+            <a:prstGeom prst="rect">
+              <a:avLst/>
+            </a:prstGeom>
+            <a:noFill/>
+            <a:ln w="9525">
+              <a:noFill/>
+            </a:ln>
+          </p:spPr>
+          <p:txBody>
+            <a:bodyPr wrap="square" rtlCol="0">
+              <a:spAutoFit/>
+            </a:bodyPr>
+            <a:lstStyle/>
+            <a:p>
+              <a:r>
+                <a:rPr lang="fr-FR" sz="900" dirty="0">
+                  <a:solidFill>
+                    <a:srgbClr val="FF0000"/>
+                  </a:solidFill>
+                </a:rPr>
+                <a:t>échec</a:t>
+              </a:r>
+            </a:p>
+          </p:txBody>
+        </p:sp>
+        <p:sp>
+          <p:nvSpPr>
+            <p:cNvPr id="70" name="ZoneTexte 69">
+              <a:extLst>
+                <a:ext uri="{FF2B5EF4-FFF2-40B4-BE49-F238E27FC236}">
+                  <a16:creationId xmlns:a16="http://schemas.microsoft.com/office/drawing/2014/main" id="{DF191EE8-4069-4050-937E-AA2F95551182}"/>
+                </a:ext>
+              </a:extLst>
+            </p:cNvPr>
+            <p:cNvSpPr txBox="1"/>
+            <p:nvPr/>
+          </p:nvSpPr>
+          <p:spPr>
+            <a:xfrm rot="20331904">
+              <a:off x="2203096" y="1263132"/>
+              <a:ext cx="1260668" cy="323253"/>
+            </a:xfrm>
+            <a:prstGeom prst="rect">
+              <a:avLst/>
+            </a:prstGeom>
+            <a:noFill/>
+          </p:spPr>
+          <p:txBody>
+            <a:bodyPr wrap="square" rtlCol="0">
+              <a:spAutoFit/>
+            </a:bodyPr>
+            <a:lstStyle/>
+            <a:p>
+              <a:r>
+                <a:rPr lang="fr-FR" sz="700" b="1" dirty="0">
+                  <a:solidFill>
+                    <a:srgbClr val="38ADE3"/>
+                  </a:solidFill>
+                </a:rPr>
+                <a:t>Backtracking</a:t>
+              </a:r>
+              <a:endParaRPr lang="fr-FR" b="1" dirty="0">
+                <a:solidFill>
+                  <a:srgbClr val="38ADE3"/>
+                </a:solidFill>
+              </a:endParaRPr>
+            </a:p>
+          </p:txBody>
+        </p:sp>
+      </p:grpSp>
+      <p:sp>
+        <p:nvSpPr>
+          <p:cNvPr id="71" name="TextBox 70"/>
+          <p:cNvSpPr txBox="1"/>
+          <p:nvPr/>
+        </p:nvSpPr>
+        <p:spPr>
+          <a:xfrm>
+            <a:off x="7389962" y="5067701"/>
+            <a:ext cx="2866476" cy="246221"/>
+          </a:xfrm>
+          <a:prstGeom prst="rect">
+            <a:avLst/>
+          </a:prstGeom>
+          <a:noFill/>
+        </p:spPr>
+        <p:txBody>
+          <a:bodyPr wrap="square" rtlCol="0">
+            <a:spAutoFit/>
+          </a:bodyPr>
+          <a:lstStyle/>
+          <a:p>
+            <a:pPr algn="ctr"/>
+            <a:r>
+              <a:rPr lang="fr-FR" sz="1000" i="1" dirty="0"/>
+              <a:t>Matrices pièce 1x1 et une en L dans une  grille 2x2</a:t>
+            </a:r>
+          </a:p>
+        </p:txBody>
+      </p:sp>
+      <mc:AlternateContent xmlns:mc="http://schemas.openxmlformats.org/markup-compatibility/2006" xmlns:a14="http://schemas.microsoft.com/office/drawing/2010/main">
+        <mc:Choice Requires="a14">
+          <p:sp>
+            <p:nvSpPr>
+              <p:cNvPr id="74" name="TextBox 73"/>
+              <p:cNvSpPr txBox="1"/>
+              <p:nvPr/>
+            </p:nvSpPr>
+            <p:spPr>
+              <a:xfrm>
+                <a:off x="7197321" y="6066020"/>
+                <a:ext cx="3249706" cy="2069797"/>
+              </a:xfrm>
+              <a:prstGeom prst="rect">
+                <a:avLst/>
+              </a:prstGeom>
+              <a:noFill/>
+              <a:ln>
+                <a:solidFill>
+                  <a:schemeClr val="bg2"/>
+                </a:solidFill>
+              </a:ln>
+            </p:spPr>
+            <p:txBody>
+              <a:bodyPr wrap="square" rtlCol="0">
+                <a:spAutoFit/>
+              </a:bodyPr>
+              <a:lstStyle/>
+              <a:p>
+                <a:pPr algn="just"/>
+                <a:r>
+                  <a:rPr lang="fr-FR" sz="1050" b="1" u="sng" dirty="0">
+                    <a:latin typeface="Arial" panose="020B0604020202020204" pitchFamily="34" charset="0"/>
+                    <a:cs typeface="Arial" panose="020B0604020202020204" pitchFamily="34" charset="0"/>
+                  </a:rPr>
+                  <a:t>2- La méthode des </a:t>
+                </a:r>
+                <a:r>
+                  <a:rPr lang="fr-FR" sz="1050" b="1" i="1" u="sng" dirty="0">
+                    <a:latin typeface="Arial" panose="020B0604020202020204" pitchFamily="34" charset="0"/>
+                    <a:cs typeface="Arial" panose="020B0604020202020204" pitchFamily="34" charset="0"/>
+                  </a:rPr>
+                  <a:t>dancing links</a:t>
+                </a:r>
+              </a:p>
+              <a:p>
+                <a:pPr algn="just"/>
+                <a:endParaRPr lang="fr-FR" sz="700" dirty="0">
+                  <a:uFill>
+                    <a:solidFill>
+                      <a:srgbClr val="FF0000"/>
+                    </a:solidFill>
+                  </a:uFill>
+                  <a:latin typeface="Arial" panose="020B0604020202020204" pitchFamily="34" charset="0"/>
+                  <a:cs typeface="Arial" panose="020B0604020202020204" pitchFamily="34" charset="0"/>
+                </a:endParaRPr>
+              </a:p>
+              <a:p>
+                <a:pPr algn="just"/>
+                <a:r>
+                  <a:rPr lang="fr-FR" sz="1050" dirty="0">
+                    <a:uFill>
+                      <a:solidFill>
+                        <a:srgbClr val="FF0000"/>
+                      </a:solidFill>
+                    </a:uFill>
+                    <a:latin typeface="Arial" panose="020B0604020202020204" pitchFamily="34" charset="0"/>
+                    <a:cs typeface="Arial" panose="020B0604020202020204" pitchFamily="34" charset="0"/>
+                  </a:rPr>
+                  <a:t>    </a:t>
+                </a:r>
+                <a:r>
+                  <a:rPr lang="fr-FR" sz="900" dirty="0">
+                    <a:uFill>
+                      <a:solidFill>
+                        <a:srgbClr val="FF0000"/>
+                      </a:solidFill>
+                    </a:uFill>
+                    <a:latin typeface="Arial" panose="020B0604020202020204" pitchFamily="34" charset="0"/>
+                    <a:cs typeface="Arial" panose="020B0604020202020204" pitchFamily="34" charset="0"/>
+                  </a:rPr>
+                  <a:t>Pour résoudre ce problème en pratique, on explore l’ensemble des configurations de manière récursive. À partir d’une matrice courante (notée </a:t>
+                </a:r>
+                <a14:m>
+                  <m:oMath xmlns:m="http://schemas.openxmlformats.org/officeDocument/2006/math">
+                    <m:r>
+                      <a:rPr lang="fr-FR" sz="900" b="0" i="1" smtClean="0">
+                        <a:solidFill>
+                          <a:prstClr val="black"/>
+                        </a:solidFill>
+                        <a:latin typeface="Cambria Math" panose="02040503050406030204" pitchFamily="18" charset="0"/>
+                        <a:cs typeface="Arial" panose="020B0604020202020204" pitchFamily="34" charset="0"/>
+                      </a:rPr>
+                      <m:t>𝐴</m:t>
+                    </m:r>
+                  </m:oMath>
+                </a14:m>
+                <a:r>
+                  <a:rPr lang="fr-FR" sz="900" dirty="0">
+                    <a:uFill>
+                      <a:solidFill>
+                        <a:srgbClr val="FF0000"/>
+                      </a:solidFill>
+                    </a:uFill>
+                    <a:latin typeface="Arial" panose="020B0604020202020204" pitchFamily="34" charset="0"/>
+                    <a:cs typeface="Arial" panose="020B0604020202020204" pitchFamily="34" charset="0"/>
+                  </a:rPr>
+                  <a:t>), on sélectionne une ligne </a:t>
+                </a:r>
+                <a14:m>
+                  <m:oMath xmlns:m="http://schemas.openxmlformats.org/officeDocument/2006/math">
+                    <m:r>
+                      <a:rPr lang="fr-FR" sz="900" b="0" i="1" smtClean="0">
+                        <a:uFill>
+                          <a:solidFill>
+                            <a:srgbClr val="FF0000"/>
+                          </a:solidFill>
+                        </a:uFill>
+                        <a:latin typeface="Cambria Math" panose="02040503050406030204" pitchFamily="18" charset="0"/>
+                        <a:cs typeface="Arial" panose="020B0604020202020204" pitchFamily="34" charset="0"/>
+                      </a:rPr>
+                      <m:t>𝑖</m:t>
+                    </m:r>
+                  </m:oMath>
+                </a14:m>
+                <a:r>
+                  <a:rPr lang="fr-FR" sz="900" dirty="0">
+                    <a:uFill>
+                      <a:solidFill>
+                        <a:srgbClr val="FF0000"/>
+                      </a:solidFill>
+                    </a:uFill>
+                    <a:latin typeface="Arial" panose="020B0604020202020204" pitchFamily="34" charset="0"/>
+                    <a:cs typeface="Arial" panose="020B0604020202020204" pitchFamily="34" charset="0"/>
+                  </a:rPr>
+                  <a:t> que l’on ajoute à la solution courante (notée </a:t>
+                </a:r>
+                <a14:m>
+                  <m:oMath xmlns:m="http://schemas.openxmlformats.org/officeDocument/2006/math">
+                    <m:r>
+                      <a:rPr lang="fr-FR" sz="900" b="0" i="1" smtClean="0">
+                        <a:uFill>
+                          <a:solidFill>
+                            <a:srgbClr val="FF0000"/>
+                          </a:solidFill>
+                        </a:uFill>
+                        <a:latin typeface="Cambria Math" panose="02040503050406030204" pitchFamily="18" charset="0"/>
+                        <a:cs typeface="Arial" panose="020B0604020202020204" pitchFamily="34" charset="0"/>
+                      </a:rPr>
+                      <m:t>𝑆</m:t>
+                    </m:r>
+                  </m:oMath>
+                </a14:m>
+                <a:r>
+                  <a:rPr lang="fr-FR" sz="900" dirty="0">
+                    <a:uFill>
+                      <a:solidFill>
+                        <a:srgbClr val="FF0000"/>
+                      </a:solidFill>
+                    </a:uFill>
+                    <a:latin typeface="Arial" panose="020B0604020202020204" pitchFamily="34" charset="0"/>
+                    <a:cs typeface="Arial" panose="020B0604020202020204" pitchFamily="34" charset="0"/>
+                  </a:rPr>
+                  <a:t>). Puis, on supprime de </a:t>
+                </a:r>
+                <a14:m>
+                  <m:oMath xmlns:m="http://schemas.openxmlformats.org/officeDocument/2006/math">
+                    <m:r>
+                      <a:rPr lang="fr-FR" sz="900" i="1">
+                        <a:solidFill>
+                          <a:prstClr val="black"/>
+                        </a:solidFill>
+                        <a:latin typeface="Cambria Math" panose="02040503050406030204" pitchFamily="18" charset="0"/>
+                        <a:cs typeface="Arial" panose="020B0604020202020204" pitchFamily="34" charset="0"/>
+                      </a:rPr>
+                      <m:t>𝐴</m:t>
+                    </m:r>
+                  </m:oMath>
+                </a14:m>
+                <a:r>
+                  <a:rPr lang="fr-FR" sz="900" dirty="0">
+                    <a:uFill>
+                      <a:solidFill>
+                        <a:srgbClr val="FF0000"/>
+                      </a:solidFill>
+                    </a:uFill>
+                    <a:latin typeface="Arial" panose="020B0604020202020204" pitchFamily="34" charset="0"/>
+                    <a:cs typeface="Arial" panose="020B0604020202020204" pitchFamily="34" charset="0"/>
+                  </a:rPr>
+                  <a:t> toutes les lignes et colonnes qui rentreraient en conflit avec la nouvelle solution courante (</a:t>
+                </a:r>
+                <a:r>
+                  <a:rPr lang="fr-FR" sz="900" i="1" dirty="0">
+                    <a:uFill>
+                      <a:solidFill>
+                        <a:srgbClr val="FF0000"/>
+                      </a:solidFill>
+                    </a:uFill>
+                    <a:latin typeface="Arial" panose="020B0604020202020204" pitchFamily="34" charset="0"/>
+                    <a:cs typeface="Arial" panose="020B0604020202020204" pitchFamily="34" charset="0"/>
+                  </a:rPr>
+                  <a:t>i.e. </a:t>
+                </a:r>
+                <a:r>
+                  <a:rPr lang="fr-FR" sz="900" dirty="0">
+                    <a:uFill>
+                      <a:solidFill>
+                        <a:srgbClr val="FF0000"/>
+                      </a:solidFill>
+                    </a:uFill>
+                    <a:latin typeface="Arial" panose="020B0604020202020204" pitchFamily="34" charset="0"/>
+                    <a:cs typeface="Arial" panose="020B0604020202020204" pitchFamily="34" charset="0"/>
+                  </a:rPr>
+                  <a:t>les lignes possédant des 1 dans les mêmes colonnes que </a:t>
+                </a:r>
+                <a14:m>
+                  <m:oMath xmlns:m="http://schemas.openxmlformats.org/officeDocument/2006/math">
+                    <m:r>
+                      <a:rPr lang="fr-FR" sz="900" b="0" i="1" smtClean="0">
+                        <a:solidFill>
+                          <a:prstClr val="black"/>
+                        </a:solidFill>
+                        <a:latin typeface="Cambria Math" panose="02040503050406030204" pitchFamily="18" charset="0"/>
+                        <a:cs typeface="Arial" panose="020B0604020202020204" pitchFamily="34" charset="0"/>
+                      </a:rPr>
+                      <m:t>𝑖</m:t>
+                    </m:r>
+                  </m:oMath>
+                </a14:m>
+                <a:r>
+                  <a:rPr lang="fr-FR" sz="900" dirty="0">
+                    <a:uFill>
+                      <a:solidFill>
+                        <a:srgbClr val="FF0000"/>
+                      </a:solidFill>
+                    </a:uFill>
+                    <a:latin typeface="Arial" panose="020B0604020202020204" pitchFamily="34" charset="0"/>
+                    <a:cs typeface="Arial" panose="020B0604020202020204" pitchFamily="34" charset="0"/>
+                  </a:rPr>
+                  <a:t> par exemple). Et on itère le processus jusqu’à ce que </a:t>
+                </a:r>
+                <a14:m>
+                  <m:oMath xmlns:m="http://schemas.openxmlformats.org/officeDocument/2006/math">
+                    <m:r>
+                      <a:rPr lang="fr-FR" sz="900" i="1">
+                        <a:solidFill>
+                          <a:prstClr val="black"/>
+                        </a:solidFill>
+                        <a:latin typeface="Cambria Math" panose="02040503050406030204" pitchFamily="18" charset="0"/>
+                        <a:cs typeface="Arial" panose="020B0604020202020204" pitchFamily="34" charset="0"/>
+                      </a:rPr>
+                      <m:t>𝐴</m:t>
+                    </m:r>
+                  </m:oMath>
+                </a14:m>
+                <a:r>
+                  <a:rPr lang="fr-FR" sz="900" dirty="0">
+                    <a:uFill>
+                      <a:solidFill>
+                        <a:srgbClr val="FF0000"/>
+                      </a:solidFill>
+                    </a:uFill>
+                    <a:latin typeface="Arial" panose="020B0604020202020204" pitchFamily="34" charset="0"/>
+                    <a:cs typeface="Arial" panose="020B0604020202020204" pitchFamily="34" charset="0"/>
+                  </a:rPr>
+                  <a:t> soit vide. Dans ce cas, soit la solution courante est de bonne taille, soit il faut effectuer un </a:t>
+                </a:r>
+                <a:r>
+                  <a:rPr lang="fr-FR" sz="900" i="1" dirty="0" err="1">
+                    <a:uFill>
+                      <a:solidFill>
+                        <a:srgbClr val="FF0000"/>
+                      </a:solidFill>
+                    </a:uFill>
+                    <a:latin typeface="Arial" panose="020B0604020202020204" pitchFamily="34" charset="0"/>
+                    <a:cs typeface="Arial" panose="020B0604020202020204" pitchFamily="34" charset="0"/>
+                  </a:rPr>
+                  <a:t>backtracking</a:t>
+                </a:r>
+                <a:r>
+                  <a:rPr lang="fr-FR" sz="900" dirty="0">
+                    <a:uFill>
+                      <a:solidFill>
+                        <a:srgbClr val="FF0000"/>
+                      </a:solidFill>
+                    </a:uFill>
+                    <a:latin typeface="Arial" panose="020B0604020202020204" pitchFamily="34" charset="0"/>
+                    <a:cs typeface="Arial" panose="020B0604020202020204" pitchFamily="34" charset="0"/>
+                  </a:rPr>
+                  <a:t>.</a:t>
+                </a:r>
+                <a:r>
+                  <a:rPr lang="fr-FR" sz="1050" dirty="0">
+                    <a:uFill>
+                      <a:solidFill>
+                        <a:srgbClr val="FF0000"/>
+                      </a:solidFill>
+                    </a:uFill>
+                    <a:latin typeface="Arial" panose="020B0604020202020204" pitchFamily="34" charset="0"/>
+                    <a:cs typeface="Arial" panose="020B0604020202020204" pitchFamily="34" charset="0"/>
+                  </a:rPr>
+                  <a:t> </a:t>
+                </a:r>
+                <a:r>
+                  <a:rPr lang="fr-FR" sz="900" dirty="0">
+                    <a:uFill>
+                      <a:solidFill>
+                        <a:srgbClr val="FF0000"/>
+                      </a:solidFill>
+                    </a:uFill>
+                    <a:latin typeface="Arial" panose="020B0604020202020204" pitchFamily="34" charset="0"/>
+                    <a:cs typeface="Arial" panose="020B0604020202020204" pitchFamily="34" charset="0"/>
+                  </a:rPr>
+                  <a:t>Ce qui consiste à revenir en arrière pour explorer les autres choix possibles de ligne.</a:t>
+                </a:r>
+              </a:p>
+            </p:txBody>
+          </p:sp>
+        </mc:Choice>
+        <mc:Fallback xmlns="">
+          <p:sp>
+            <p:nvSpPr>
+              <p:cNvPr id="74" name="TextBox 73"/>
+              <p:cNvSpPr txBox="1">
+                <a:spLocks noRot="1" noChangeAspect="1" noMove="1" noResize="1" noEditPoints="1" noAdjustHandles="1" noChangeArrowheads="1" noChangeShapeType="1" noTextEdit="1"/>
+              </p:cNvSpPr>
+              <p:nvPr/>
+            </p:nvSpPr>
+            <p:spPr>
+              <a:xfrm>
+                <a:off x="7197321" y="6066020"/>
+                <a:ext cx="3249706" cy="2069797"/>
+              </a:xfrm>
+              <a:prstGeom prst="rect">
+                <a:avLst/>
+              </a:prstGeom>
+              <a:blipFill rotWithShape="0">
+                <a:blip r:embed="rId21"/>
+                <a:stretch>
+                  <a:fillRect/>
+                </a:stretch>
+              </a:blipFill>
+              <a:ln>
+                <a:solidFill>
+                  <a:schemeClr val="bg2"/>
+                </a:solidFill>
+              </a:ln>
+            </p:spPr>
+            <p:txBody>
+              <a:bodyPr/>
+              <a:lstStyle/>
+              <a:p>
+                <a:r>
+                  <a:rPr lang="fr-FR">
+                    <a:noFill/>
+                  </a:rPr>
+                  <a:t> </a:t>
+                </a:r>
+              </a:p>
+            </p:txBody>
+          </p:sp>
+        </mc:Fallback>
+      </mc:AlternateContent>
+      <p:sp>
+        <p:nvSpPr>
+          <p:cNvPr id="76" name="Rounded Rectangle 75"/>
+          <p:cNvSpPr/>
+          <p:nvPr/>
+        </p:nvSpPr>
+        <p:spPr>
+          <a:xfrm>
+            <a:off x="7403628" y="5375111"/>
+            <a:ext cx="2837091" cy="631199"/>
+          </a:xfrm>
+          <a:prstGeom prst="roundRect">
+            <a:avLst/>
+          </a:prstGeom>
+          <a:noFill/>
+          <a:ln>
+            <a:solidFill>
+              <a:srgbClr val="FF0000"/>
+            </a:solidFill>
+          </a:ln>
+        </p:spPr>
+        <p:style>
+          <a:lnRef idx="2">
+            <a:schemeClr val="accent1">
+              <a:shade val="50000"/>
+            </a:schemeClr>
+          </a:lnRef>
+          <a:fillRef idx="1">
+            <a:schemeClr val="accent1"/>
+          </a:fillRef>
+          <a:effectRef idx="0">
+            <a:schemeClr val="accent1"/>
+          </a:effectRef>
+          <a:fontRef idx="minor">
+            <a:schemeClr val="lt1"/>
+          </a:fontRef>
+        </p:style>
+        <p:txBody>
+          <a:bodyPr rtlCol="0" anchor="ctr"/>
+          <a:lstStyle/>
+          <a:p>
+            <a:pPr algn="ctr"/>
+            <a:endParaRPr lang="fr-FR"/>
+          </a:p>
+        </p:txBody>
+      </p:sp>
+      <p:sp>
+        <p:nvSpPr>
+          <p:cNvPr id="5" name="TextBox 4"/>
+          <p:cNvSpPr txBox="1"/>
+          <p:nvPr/>
+        </p:nvSpPr>
+        <p:spPr>
+          <a:xfrm>
+            <a:off x="7322961" y="5375987"/>
+            <a:ext cx="2983348" cy="600164"/>
+          </a:xfrm>
+          <a:prstGeom prst="rect">
+            <a:avLst/>
+          </a:prstGeom>
+          <a:noFill/>
+        </p:spPr>
+        <p:txBody>
+          <a:bodyPr wrap="square" rtlCol="0">
+            <a:spAutoFit/>
+          </a:bodyPr>
+          <a:lstStyle/>
+          <a:p>
+            <a:pPr algn="ctr"/>
+            <a:r>
+              <a:rPr lang="fr-FR" sz="1100" dirty="0">
+                <a:uFill>
+                  <a:solidFill>
+                    <a:srgbClr val="FF0000"/>
+                  </a:solidFill>
+                </a:uFill>
+                <a:latin typeface="Arial" panose="020B0604020202020204" pitchFamily="34" charset="0"/>
+                <a:cs typeface="Arial" panose="020B0604020202020204" pitchFamily="34" charset="0"/>
+              </a:rPr>
+              <a:t>Le problème consiste alors à trouver les sous-ensembles de lignes tels que chaque colonne possède exactement un seul 1.</a:t>
+            </a:r>
+          </a:p>
+        </p:txBody>
+      </p:sp>
+      <p:cxnSp>
+        <p:nvCxnSpPr>
+          <p:cNvPr id="95" name="Straight Arrow Connector 94"/>
+          <p:cNvCxnSpPr>
+            <a:endCxn id="59" idx="1"/>
+          </p:cNvCxnSpPr>
+          <p:nvPr/>
+        </p:nvCxnSpPr>
+        <p:spPr>
+          <a:xfrm flipV="1">
+            <a:off x="8366407" y="8749537"/>
+            <a:ext cx="145709" cy="89262"/>
+          </a:xfrm>
+          <a:prstGeom prst="straightConnector1">
+            <a:avLst/>
+          </a:prstGeom>
+          <a:ln>
+            <a:solidFill>
+              <a:srgbClr val="38ADE3"/>
+            </a:solidFill>
+            <a:tailEnd type="triangle"/>
+          </a:ln>
+        </p:spPr>
+        <p:style>
+          <a:lnRef idx="1">
+            <a:schemeClr val="accent1"/>
+          </a:lnRef>
+          <a:fillRef idx="0">
+            <a:schemeClr val="accent1"/>
+          </a:fillRef>
+          <a:effectRef idx="0">
+            <a:schemeClr val="accent1"/>
+          </a:effectRef>
+          <a:fontRef idx="minor">
+            <a:schemeClr val="tx1"/>
+          </a:fontRef>
+        </p:style>
+      </p:cxnSp>
+      <mc:AlternateContent xmlns:mc="http://schemas.openxmlformats.org/markup-compatibility/2006" xmlns:a14="http://schemas.microsoft.com/office/drawing/2010/main">
+        <mc:Choice Requires="a14">
+          <p:sp>
+            <p:nvSpPr>
+              <p:cNvPr id="98" name="ZoneTexte 58">
+                <a:extLst>
+                  <a:ext uri="{FF2B5EF4-FFF2-40B4-BE49-F238E27FC236}">
+                    <a16:creationId xmlns:a16="http://schemas.microsoft.com/office/drawing/2014/main" id="{7C568E3F-E383-4630-8347-82F234079446}"/>
+                  </a:ext>
+                </a:extLst>
+              </p:cNvPr>
+              <p:cNvSpPr txBox="1"/>
+              <p:nvPr/>
+            </p:nvSpPr>
+            <p:spPr>
+              <a:xfrm>
+                <a:off x="8404271" y="9055987"/>
+                <a:ext cx="180929" cy="276999"/>
+              </a:xfrm>
+              <a:prstGeom prst="rect">
+                <a:avLst/>
+              </a:prstGeom>
+              <a:noFill/>
+            </p:spPr>
+            <p:txBody>
+              <a:bodyPr wrap="square" lIns="0" tIns="0" rIns="0" bIns="0" rtlCol="0">
+                <a:spAutoFit/>
+              </a:bodyPr>
+              <a:lstStyle/>
+              <a:p>
+                <a:pPr/>
+                <a14:m>
+                  <m:oMathPara xmlns:m="http://schemas.openxmlformats.org/officeDocument/2006/math">
+                    <m:oMathParaPr>
+                      <m:jc m:val="centerGroup"/>
+                    </m:oMathParaPr>
+                    <m:oMath xmlns:m="http://schemas.openxmlformats.org/officeDocument/2006/math">
+                      <m:sSub>
+                        <m:sSubPr>
+                          <m:ctrlPr>
+                            <a:rPr lang="fr-FR" sz="900" i="1" smtClean="0">
+                              <a:latin typeface="Cambria Math" panose="02040503050406030204" pitchFamily="18" charset="0"/>
+                            </a:rPr>
+                          </m:ctrlPr>
+                        </m:sSubPr>
+                        <m:e>
+                          <m:r>
+                            <a:rPr lang="fr-FR" sz="900" b="0" i="1" smtClean="0">
+                              <a:latin typeface="Cambria Math" panose="02040503050406030204" pitchFamily="18" charset="0"/>
+                            </a:rPr>
+                            <m:t>𝐴</m:t>
+                          </m:r>
+                        </m:e>
+                        <m:sub>
+                          <m:r>
+                            <a:rPr lang="fr-FR" sz="900" b="0" i="1" smtClean="0">
+                              <a:latin typeface="Cambria Math" panose="02040503050406030204" pitchFamily="18" charset="0"/>
+                            </a:rPr>
+                            <m:t>𝑛</m:t>
+                          </m:r>
+                        </m:sub>
+                      </m:sSub>
+                    </m:oMath>
+                  </m:oMathPara>
+                </a14:m>
+                <a:endParaRPr lang="fr-FR" sz="900" b="0" dirty="0"/>
+              </a:p>
+              <a:p>
+                <a:pPr/>
+                <a14:m>
+                  <m:oMathPara xmlns:m="http://schemas.openxmlformats.org/officeDocument/2006/math">
+                    <m:oMathParaPr>
+                      <m:jc m:val="centerGroup"/>
+                    </m:oMathParaPr>
+                    <m:oMath xmlns:m="http://schemas.openxmlformats.org/officeDocument/2006/math">
+                      <m:sSub>
+                        <m:sSubPr>
+                          <m:ctrlPr>
+                            <a:rPr lang="fr-FR" sz="900" i="1">
+                              <a:latin typeface="Cambria Math" panose="02040503050406030204" pitchFamily="18" charset="0"/>
+                            </a:rPr>
+                          </m:ctrlPr>
+                        </m:sSubPr>
+                        <m:e>
+                          <m:r>
+                            <a:rPr lang="fr-FR" sz="900" i="1">
+                              <a:latin typeface="Cambria Math" panose="02040503050406030204" pitchFamily="18" charset="0"/>
+                            </a:rPr>
+                            <m:t>𝑆</m:t>
+                          </m:r>
+                        </m:e>
+                        <m:sub>
+                          <m:r>
+                            <a:rPr lang="fr-FR" sz="900" i="1">
+                              <a:latin typeface="Cambria Math" panose="02040503050406030204" pitchFamily="18" charset="0"/>
+                            </a:rPr>
+                            <m:t>𝑛</m:t>
+                          </m:r>
+                        </m:sub>
+                      </m:sSub>
+                    </m:oMath>
+                  </m:oMathPara>
+                </a14:m>
+                <a:endParaRPr lang="fr-FR" sz="900" dirty="0"/>
+              </a:p>
+            </p:txBody>
+          </p:sp>
+        </mc:Choice>
+        <mc:Fallback xmlns="">
+          <p:sp>
+            <p:nvSpPr>
+              <p:cNvPr id="98" name="ZoneTexte 58">
+                <a:extLst>
+                  <a:ext uri="{FF2B5EF4-FFF2-40B4-BE49-F238E27FC236}">
+                    <a16:creationId xmlns="" xmlns:a16="http://schemas.microsoft.com/office/drawing/2014/main" xmlns:a14="http://schemas.microsoft.com/office/drawing/2010/main" id="{7C568E3F-E383-4630-8347-82F234079446}"/>
+                  </a:ext>
+                </a:extLst>
+              </p:cNvPr>
+              <p:cNvSpPr txBox="1">
+                <a:spLocks noRot="1" noChangeAspect="1" noMove="1" noResize="1" noEditPoints="1" noAdjustHandles="1" noChangeArrowheads="1" noChangeShapeType="1" noTextEdit="1"/>
+              </p:cNvSpPr>
+              <p:nvPr/>
+            </p:nvSpPr>
+            <p:spPr>
+              <a:xfrm>
+                <a:off x="8404271" y="9055987"/>
+                <a:ext cx="180929" cy="276999"/>
+              </a:xfrm>
+              <a:prstGeom prst="rect">
+                <a:avLst/>
+              </a:prstGeom>
+              <a:blipFill rotWithShape="0">
+                <a:blip r:embed="rId22"/>
+                <a:stretch>
+                  <a:fillRect l="-10345" b="-6667"/>
+                </a:stretch>
+              </a:blipFill>
+            </p:spPr>
+            <p:txBody>
+              <a:bodyPr/>
+              <a:lstStyle/>
+              <a:p>
+                <a:r>
+                  <a:rPr lang="fr-FR">
+                    <a:noFill/>
+                  </a:rPr>
+                  <a:t> </a:t>
+                </a:r>
+              </a:p>
+            </p:txBody>
+          </p:sp>
+        </mc:Fallback>
+      </mc:AlternateContent>
+      <p:grpSp>
+        <p:nvGrpSpPr>
+          <p:cNvPr id="78" name="Groupe 70">
+            <a:extLst>
+              <a:ext uri="{FF2B5EF4-FFF2-40B4-BE49-F238E27FC236}">
+                <a16:creationId xmlns:a16="http://schemas.microsoft.com/office/drawing/2014/main" id="{89D7123B-40C2-4AB2-81C3-610E9E09B9B6}"/>
+              </a:ext>
+            </a:extLst>
+          </p:cNvPr>
+          <p:cNvGrpSpPr>
+            <a:grpSpLocks noChangeAspect="1"/>
+          </p:cNvGrpSpPr>
+          <p:nvPr/>
+        </p:nvGrpSpPr>
+        <p:grpSpPr>
+          <a:xfrm>
+            <a:off x="8757005" y="8322592"/>
+            <a:ext cx="1770030" cy="866546"/>
+            <a:chOff x="3509816" y="1902631"/>
+            <a:chExt cx="8565216" cy="4193235"/>
+          </a:xfrm>
+        </p:grpSpPr>
+        <p:pic>
+          <p:nvPicPr>
+            <p:cNvPr id="79" name="Image 73">
+              <a:extLst>
+                <a:ext uri="{FF2B5EF4-FFF2-40B4-BE49-F238E27FC236}">
+                  <a16:creationId xmlns:a16="http://schemas.microsoft.com/office/drawing/2014/main" id="{CDD56593-C067-4548-A7E2-B7A0CE54F7B1}"/>
+                </a:ext>
+              </a:extLst>
+            </p:cNvPr>
+            <p:cNvPicPr>
+              <a:picLocks noChangeAspect="1"/>
+            </p:cNvPicPr>
+            <p:nvPr/>
+          </p:nvPicPr>
+          <p:blipFill rotWithShape="1">
+            <a:blip r:embed="rId15"/>
+            <a:srcRect l="6106" t="7679" r="8909" b="5711"/>
+            <a:stretch/>
+          </p:blipFill>
+          <p:spPr>
+            <a:xfrm>
+              <a:off x="3509817" y="1902631"/>
+              <a:ext cx="5043055" cy="3860801"/>
+            </a:xfrm>
+            <a:prstGeom prst="rect">
+              <a:avLst/>
+            </a:prstGeom>
+          </p:spPr>
+        </p:pic>
+        <p:sp>
+          <p:nvSpPr>
+            <p:cNvPr id="80" name="ZoneTexte 75">
+              <a:extLst>
+                <a:ext uri="{FF2B5EF4-FFF2-40B4-BE49-F238E27FC236}">
+                  <a16:creationId xmlns:a16="http://schemas.microsoft.com/office/drawing/2014/main" id="{8331F92D-6EBC-4F51-AAC3-9562A470C88F}"/>
+                </a:ext>
+              </a:extLst>
+            </p:cNvPr>
+            <p:cNvSpPr txBox="1"/>
+            <p:nvPr/>
+          </p:nvSpPr>
+          <p:spPr>
+            <a:xfrm>
+              <a:off x="3509817" y="2327506"/>
+              <a:ext cx="5043055" cy="386511"/>
+            </a:xfrm>
+            <a:prstGeom prst="rect">
+              <a:avLst/>
+            </a:prstGeom>
+            <a:noFill/>
+            <a:ln w="22225">
+              <a:solidFill>
+                <a:srgbClr val="C00000"/>
+              </a:solidFill>
+            </a:ln>
+          </p:spPr>
+          <p:txBody>
+            <a:bodyPr wrap="square" rtlCol="0">
+              <a:spAutoFit/>
+            </a:bodyPr>
+            <a:lstStyle/>
+            <a:p>
+              <a:endParaRPr lang="fr-FR" dirty="0"/>
+            </a:p>
+          </p:txBody>
+        </p:sp>
+        <p:sp>
+          <p:nvSpPr>
+            <p:cNvPr id="81" name="ZoneTexte 77">
+              <a:extLst>
+                <a:ext uri="{FF2B5EF4-FFF2-40B4-BE49-F238E27FC236}">
+                  <a16:creationId xmlns:a16="http://schemas.microsoft.com/office/drawing/2014/main" id="{4AB29D26-7DD5-4F26-99D4-729E985C7009}"/>
+                </a:ext>
+              </a:extLst>
+            </p:cNvPr>
+            <p:cNvSpPr txBox="1"/>
+            <p:nvPr/>
+          </p:nvSpPr>
+          <p:spPr>
+            <a:xfrm>
+              <a:off x="3509817" y="2714017"/>
+              <a:ext cx="5043055" cy="424875"/>
+            </a:xfrm>
+            <a:prstGeom prst="rect">
+              <a:avLst/>
+            </a:prstGeom>
+            <a:solidFill>
+              <a:schemeClr val="bg2">
+                <a:alpha val="75000"/>
+              </a:schemeClr>
+            </a:solidFill>
+          </p:spPr>
+          <p:txBody>
+            <a:bodyPr wrap="square" rtlCol="0">
+              <a:spAutoFit/>
+            </a:bodyPr>
+            <a:lstStyle/>
+            <a:p>
+              <a:endParaRPr lang="fr-FR" dirty="0"/>
+            </a:p>
+          </p:txBody>
+        </p:sp>
+        <p:sp>
+          <p:nvSpPr>
+            <p:cNvPr id="82" name="ZoneTexte 78">
+              <a:extLst>
+                <a:ext uri="{FF2B5EF4-FFF2-40B4-BE49-F238E27FC236}">
+                  <a16:creationId xmlns:a16="http://schemas.microsoft.com/office/drawing/2014/main" id="{10E8733F-9F09-4523-907B-142759F66B5D}"/>
+                </a:ext>
+              </a:extLst>
+            </p:cNvPr>
+            <p:cNvSpPr txBox="1"/>
+            <p:nvPr/>
+          </p:nvSpPr>
+          <p:spPr>
+            <a:xfrm>
+              <a:off x="3509816" y="3170168"/>
+              <a:ext cx="5043055" cy="424875"/>
+            </a:xfrm>
+            <a:prstGeom prst="rect">
+              <a:avLst/>
+            </a:prstGeom>
+            <a:solidFill>
+              <a:schemeClr val="bg2">
+                <a:alpha val="75000"/>
+              </a:schemeClr>
+            </a:solidFill>
+          </p:spPr>
+          <p:txBody>
+            <a:bodyPr wrap="square" rtlCol="0">
+              <a:spAutoFit/>
+            </a:bodyPr>
+            <a:lstStyle/>
+            <a:p>
+              <a:endParaRPr lang="fr-FR" dirty="0"/>
+            </a:p>
+          </p:txBody>
+        </p:sp>
+        <p:sp>
+          <p:nvSpPr>
+            <p:cNvPr id="84" name="ZoneTexte 79">
+              <a:extLst>
+                <a:ext uri="{FF2B5EF4-FFF2-40B4-BE49-F238E27FC236}">
+                  <a16:creationId xmlns:a16="http://schemas.microsoft.com/office/drawing/2014/main" id="{F8634C25-5090-4FF2-A745-1B943F3EF1A1}"/>
+                </a:ext>
+              </a:extLst>
+            </p:cNvPr>
+            <p:cNvSpPr txBox="1"/>
+            <p:nvPr/>
+          </p:nvSpPr>
+          <p:spPr>
+            <a:xfrm>
+              <a:off x="3509816" y="3620593"/>
+              <a:ext cx="5043055" cy="424875"/>
+            </a:xfrm>
+            <a:prstGeom prst="rect">
+              <a:avLst/>
+            </a:prstGeom>
+            <a:solidFill>
+              <a:schemeClr val="bg2">
+                <a:alpha val="75000"/>
+              </a:schemeClr>
+            </a:solidFill>
+          </p:spPr>
+          <p:txBody>
+            <a:bodyPr wrap="square" rtlCol="0">
+              <a:spAutoFit/>
+            </a:bodyPr>
+            <a:lstStyle/>
+            <a:p>
+              <a:endParaRPr lang="fr-FR" dirty="0"/>
+            </a:p>
+          </p:txBody>
+        </p:sp>
+        <p:sp>
+          <p:nvSpPr>
+            <p:cNvPr id="86" name="ZoneTexte 80">
+              <a:extLst>
+                <a:ext uri="{FF2B5EF4-FFF2-40B4-BE49-F238E27FC236}">
+                  <a16:creationId xmlns:a16="http://schemas.microsoft.com/office/drawing/2014/main" id="{8B9E6203-EC83-4C92-A511-98A74A6AB22F}"/>
+                </a:ext>
+              </a:extLst>
+            </p:cNvPr>
+            <p:cNvSpPr txBox="1"/>
+            <p:nvPr/>
+          </p:nvSpPr>
+          <p:spPr>
+            <a:xfrm>
+              <a:off x="3509816" y="4462788"/>
+              <a:ext cx="5043055" cy="424875"/>
+            </a:xfrm>
+            <a:prstGeom prst="rect">
+              <a:avLst/>
+            </a:prstGeom>
+            <a:solidFill>
+              <a:schemeClr val="bg2">
+                <a:alpha val="75000"/>
+              </a:schemeClr>
+            </a:solidFill>
+          </p:spPr>
+          <p:txBody>
+            <a:bodyPr wrap="square" rtlCol="0">
+              <a:spAutoFit/>
+            </a:bodyPr>
+            <a:lstStyle/>
+            <a:p>
+              <a:endParaRPr lang="fr-FR" dirty="0"/>
+            </a:p>
+          </p:txBody>
+        </p:sp>
+        <p:sp>
+          <p:nvSpPr>
+            <p:cNvPr id="87" name="ZoneTexte 81">
+              <a:extLst>
+                <a:ext uri="{FF2B5EF4-FFF2-40B4-BE49-F238E27FC236}">
+                  <a16:creationId xmlns:a16="http://schemas.microsoft.com/office/drawing/2014/main" id="{0B79BBC5-3700-45BC-8FB1-8CE2294000B3}"/>
+                </a:ext>
+              </a:extLst>
+            </p:cNvPr>
+            <p:cNvSpPr txBox="1"/>
+            <p:nvPr/>
+          </p:nvSpPr>
+          <p:spPr>
+            <a:xfrm>
+              <a:off x="3509816" y="5314571"/>
+              <a:ext cx="5043055" cy="424875"/>
+            </a:xfrm>
+            <a:prstGeom prst="rect">
+              <a:avLst/>
+            </a:prstGeom>
+            <a:solidFill>
+              <a:schemeClr val="bg2">
+                <a:alpha val="75000"/>
+              </a:schemeClr>
+            </a:solidFill>
+          </p:spPr>
+          <p:txBody>
+            <a:bodyPr wrap="square" rtlCol="0">
+              <a:spAutoFit/>
+            </a:bodyPr>
+            <a:lstStyle/>
+            <a:p>
+              <a:endParaRPr lang="fr-FR" dirty="0"/>
+            </a:p>
+          </p:txBody>
+        </p:sp>
+        <p:sp>
+          <p:nvSpPr>
+            <p:cNvPr id="90" name="ZoneTexte 83">
+              <a:extLst>
+                <a:ext uri="{FF2B5EF4-FFF2-40B4-BE49-F238E27FC236}">
+                  <a16:creationId xmlns:a16="http://schemas.microsoft.com/office/drawing/2014/main" id="{D95FD43E-1041-4EBA-A4FD-B6C4F1A346DB}"/>
+                </a:ext>
+              </a:extLst>
+            </p:cNvPr>
+            <p:cNvSpPr txBox="1"/>
+            <p:nvPr/>
+          </p:nvSpPr>
+          <p:spPr>
+            <a:xfrm>
+              <a:off x="3509816" y="4886458"/>
+              <a:ext cx="5043055" cy="424875"/>
+            </a:xfrm>
+            <a:prstGeom prst="rect">
+              <a:avLst/>
+            </a:prstGeom>
+            <a:solidFill>
+              <a:schemeClr val="bg2">
+                <a:alpha val="75000"/>
+              </a:schemeClr>
+            </a:solidFill>
+          </p:spPr>
+          <p:txBody>
+            <a:bodyPr wrap="square" rtlCol="0">
+              <a:spAutoFit/>
+            </a:bodyPr>
+            <a:lstStyle/>
+            <a:p>
+              <a:endParaRPr lang="fr-FR" dirty="0"/>
+            </a:p>
+          </p:txBody>
+        </p:sp>
+        <p:sp>
+          <p:nvSpPr>
+            <p:cNvPr id="91" name="ZoneTexte 85">
+              <a:extLst>
+                <a:ext uri="{FF2B5EF4-FFF2-40B4-BE49-F238E27FC236}">
+                  <a16:creationId xmlns:a16="http://schemas.microsoft.com/office/drawing/2014/main" id="{42DA62B9-4652-4A32-A896-64D54F3DF898}"/>
+                </a:ext>
+              </a:extLst>
+            </p:cNvPr>
+            <p:cNvSpPr txBox="1"/>
+            <p:nvPr/>
+          </p:nvSpPr>
+          <p:spPr>
+            <a:xfrm>
+              <a:off x="8396491" y="2017894"/>
+              <a:ext cx="3678541" cy="850697"/>
+            </a:xfrm>
+            <a:prstGeom prst="rect">
+              <a:avLst/>
+            </a:prstGeom>
+            <a:noFill/>
+          </p:spPr>
+          <p:txBody>
+            <a:bodyPr wrap="square" rtlCol="0">
+              <a:spAutoFit/>
+            </a:bodyPr>
+            <a:lstStyle/>
+            <a:p>
+              <a:r>
+                <a:rPr lang="fr-FR" sz="600" i="1" dirty="0">
+                  <a:solidFill>
+                    <a:srgbClr val="C00000"/>
+                  </a:solidFill>
+                </a:rPr>
+                <a:t>Sélection ligne 1</a:t>
+              </a:r>
+            </a:p>
+          </p:txBody>
+        </p:sp>
+        <p:sp>
+          <p:nvSpPr>
+            <p:cNvPr id="92" name="ZoneTexte 86">
+              <a:extLst>
+                <a:ext uri="{FF2B5EF4-FFF2-40B4-BE49-F238E27FC236}">
+                  <a16:creationId xmlns:a16="http://schemas.microsoft.com/office/drawing/2014/main" id="{282CF59A-1439-494C-B953-0B3245AF0C30}"/>
+                </a:ext>
+              </a:extLst>
+            </p:cNvPr>
+            <p:cNvSpPr txBox="1"/>
+            <p:nvPr/>
+          </p:nvSpPr>
+          <p:spPr>
+            <a:xfrm>
+              <a:off x="8736098" y="4409701"/>
+              <a:ext cx="2906583" cy="1686165"/>
+            </a:xfrm>
+            <a:prstGeom prst="rect">
+              <a:avLst/>
+            </a:prstGeom>
+            <a:solidFill>
+              <a:schemeClr val="bg2"/>
+            </a:solidFill>
+          </p:spPr>
+          <p:txBody>
+            <a:bodyPr wrap="square" rtlCol="0">
+              <a:spAutoFit/>
+            </a:bodyPr>
+            <a:lstStyle/>
+            <a:p>
+              <a:r>
+                <a:rPr lang="fr-FR" sz="500" i="1" dirty="0"/>
+                <a:t>Suppression des lignes incompatibles</a:t>
+              </a:r>
+            </a:p>
+          </p:txBody>
+        </p:sp>
+      </p:grpSp>
+      <p:sp>
+        <p:nvSpPr>
+          <p:cNvPr id="100" name="Freeform 99"/>
+          <p:cNvSpPr/>
+          <p:nvPr/>
+        </p:nvSpPr>
+        <p:spPr>
+          <a:xfrm>
+            <a:off x="7370801" y="8325852"/>
+            <a:ext cx="1128674" cy="784711"/>
+          </a:xfrm>
+          <a:custGeom>
+            <a:avLst/>
+            <a:gdLst>
+              <a:gd name="connsiteX0" fmla="*/ 992149 w 1128674"/>
+              <a:gd name="connsiteY0" fmla="*/ 65673 h 784711"/>
+              <a:gd name="connsiteX1" fmla="*/ 569874 w 1128674"/>
+              <a:gd name="connsiteY1" fmla="*/ 5348 h 784711"/>
+              <a:gd name="connsiteX2" fmla="*/ 144424 w 1128674"/>
+              <a:gd name="connsiteY2" fmla="*/ 186323 h 784711"/>
+              <a:gd name="connsiteX3" fmla="*/ 14249 w 1128674"/>
+              <a:gd name="connsiteY3" fmla="*/ 633998 h 784711"/>
+              <a:gd name="connsiteX4" fmla="*/ 439699 w 1128674"/>
+              <a:gd name="connsiteY4" fmla="*/ 776873 h 784711"/>
+              <a:gd name="connsiteX5" fmla="*/ 1128674 w 1128674"/>
+              <a:gd name="connsiteY5" fmla="*/ 433973 h 784711"/>
+            </a:gdLst>
+            <a:ahLst/>
+            <a:cxnLst>
+              <a:cxn ang="0">
+                <a:pos x="connsiteX0" y="connsiteY0"/>
+              </a:cxn>
+              <a:cxn ang="0">
+                <a:pos x="connsiteX1" y="connsiteY1"/>
+              </a:cxn>
+              <a:cxn ang="0">
+                <a:pos x="connsiteX2" y="connsiteY2"/>
+              </a:cxn>
+              <a:cxn ang="0">
+                <a:pos x="connsiteX3" y="connsiteY3"/>
+              </a:cxn>
+              <a:cxn ang="0">
+                <a:pos x="connsiteX4" y="connsiteY4"/>
+              </a:cxn>
+              <a:cxn ang="0">
+                <a:pos x="connsiteX5" y="connsiteY5"/>
+              </a:cxn>
+            </a:cxnLst>
+            <a:rect l="l" t="t" r="r" b="b"/>
+            <a:pathLst>
+              <a:path w="1128674" h="784711">
+                <a:moveTo>
+                  <a:pt x="992149" y="65673"/>
+                </a:moveTo>
+                <a:cubicBezTo>
+                  <a:pt x="851655" y="25456"/>
+                  <a:pt x="711161" y="-14760"/>
+                  <a:pt x="569874" y="5348"/>
+                </a:cubicBezTo>
+                <a:cubicBezTo>
+                  <a:pt x="428587" y="25456"/>
+                  <a:pt x="237028" y="81548"/>
+                  <a:pt x="144424" y="186323"/>
+                </a:cubicBezTo>
+                <a:cubicBezTo>
+                  <a:pt x="51820" y="291098"/>
+                  <a:pt x="-34963" y="535573"/>
+                  <a:pt x="14249" y="633998"/>
+                </a:cubicBezTo>
+                <a:cubicBezTo>
+                  <a:pt x="63461" y="732423"/>
+                  <a:pt x="253962" y="810210"/>
+                  <a:pt x="439699" y="776873"/>
+                </a:cubicBezTo>
+                <a:cubicBezTo>
+                  <a:pt x="625436" y="743536"/>
+                  <a:pt x="1021782" y="494827"/>
+                  <a:pt x="1128674" y="433973"/>
+                </a:cubicBezTo>
+              </a:path>
+            </a:pathLst>
+          </a:custGeom>
+          <a:noFill/>
+          <a:ln>
+            <a:solidFill>
+              <a:srgbClr val="38ADE3"/>
+            </a:solidFill>
+          </a:ln>
+        </p:spPr>
+        <p:style>
+          <a:lnRef idx="2">
+            <a:schemeClr val="accent1">
+              <a:shade val="50000"/>
+            </a:schemeClr>
+          </a:lnRef>
+          <a:fillRef idx="1">
+            <a:schemeClr val="accent1"/>
+          </a:fillRef>
+          <a:effectRef idx="0">
+            <a:schemeClr val="accent1"/>
+          </a:effectRef>
+          <a:fontRef idx="minor">
+            <a:schemeClr val="lt1"/>
+          </a:fontRef>
+        </p:style>
+        <p:txBody>
+          <a:bodyPr rtlCol="0" anchor="ctr"/>
+          <a:lstStyle/>
+          <a:p>
+            <a:pPr algn="ctr"/>
+            <a:endParaRPr lang="fr-FR"/>
+          </a:p>
+        </p:txBody>
+      </p:sp>
+      <p:sp>
+        <p:nvSpPr>
+          <p:cNvPr id="103" name="TextBox 102"/>
+          <p:cNvSpPr txBox="1"/>
+          <p:nvPr/>
+        </p:nvSpPr>
+        <p:spPr>
+          <a:xfrm>
+            <a:off x="7178550" y="13043221"/>
+            <a:ext cx="3249706" cy="1146468"/>
+          </a:xfrm>
+          <a:prstGeom prst="rect">
+            <a:avLst/>
+          </a:prstGeom>
+          <a:noFill/>
+          <a:ln>
+            <a:solidFill>
+              <a:schemeClr val="bg2"/>
+            </a:solidFill>
+          </a:ln>
+        </p:spPr>
+        <p:txBody>
+          <a:bodyPr wrap="square" rtlCol="0">
+            <a:spAutoFit/>
+          </a:bodyPr>
+          <a:lstStyle/>
+          <a:p>
+            <a:pPr lvl="0" algn="just"/>
+            <a:r>
+              <a:rPr lang="fr-FR" sz="1100" b="1" u="sng" dirty="0">
+                <a:uFill>
+                  <a:solidFill>
+                    <a:srgbClr val="FF0000"/>
+                  </a:solidFill>
+                </a:uFill>
+                <a:latin typeface="Arial" panose="020B0604020202020204" pitchFamily="34" charset="0"/>
+                <a:cs typeface="Arial" panose="020B0604020202020204" pitchFamily="34" charset="0"/>
+              </a:rPr>
+              <a:t>IV – Bibliographie</a:t>
+            </a:r>
+          </a:p>
+          <a:p>
+            <a:pPr lvl="0" algn="just"/>
+            <a:endParaRPr lang="fr-FR" sz="500" b="1" u="sng" dirty="0">
+              <a:solidFill>
+                <a:prstClr val="black"/>
+              </a:solidFill>
+              <a:uFill>
+                <a:solidFill>
+                  <a:srgbClr val="FF0000"/>
+                </a:solidFill>
+              </a:uFill>
+              <a:latin typeface="Arial" panose="020B0604020202020204" pitchFamily="34" charset="0"/>
+              <a:cs typeface="Arial" panose="020B0604020202020204" pitchFamily="34" charset="0"/>
+            </a:endParaRPr>
+          </a:p>
+          <a:p>
+            <a:pPr lvl="0" algn="just"/>
+            <a:endParaRPr lang="fr-FR" sz="1050" dirty="0">
+              <a:solidFill>
+                <a:prstClr val="black"/>
+              </a:solidFill>
+              <a:latin typeface="Arial" panose="020B0604020202020204" pitchFamily="34" charset="0"/>
+              <a:cs typeface="Arial" panose="020B0604020202020204" pitchFamily="34" charset="0"/>
+            </a:endParaRPr>
+          </a:p>
+          <a:p>
+            <a:pPr lvl="0" algn="just"/>
+            <a:endParaRPr lang="fr-FR" sz="1050" dirty="0">
+              <a:solidFill>
+                <a:prstClr val="black"/>
+              </a:solidFill>
+              <a:latin typeface="Arial" panose="020B0604020202020204" pitchFamily="34" charset="0"/>
+              <a:cs typeface="Arial" panose="020B0604020202020204" pitchFamily="34" charset="0"/>
+            </a:endParaRPr>
+          </a:p>
+          <a:p>
+            <a:pPr lvl="0" algn="just"/>
+            <a:endParaRPr lang="fr-FR" sz="1050" dirty="0">
+              <a:solidFill>
+                <a:prstClr val="black"/>
+              </a:solidFill>
+              <a:latin typeface="Arial" panose="020B0604020202020204" pitchFamily="34" charset="0"/>
+              <a:cs typeface="Arial" panose="020B0604020202020204" pitchFamily="34" charset="0"/>
+            </a:endParaRPr>
+          </a:p>
+          <a:p>
+            <a:pPr lvl="0" algn="just"/>
+            <a:endParaRPr lang="fr-FR" sz="1050" dirty="0">
+              <a:solidFill>
+                <a:prstClr val="black"/>
+              </a:solidFill>
+              <a:latin typeface="Arial" panose="020B0604020202020204" pitchFamily="34" charset="0"/>
+              <a:cs typeface="Arial" panose="020B0604020202020204" pitchFamily="34" charset="0"/>
+            </a:endParaRPr>
+          </a:p>
+          <a:p>
+            <a:pPr lvl="0" algn="just"/>
+            <a:endParaRPr lang="fr-FR" sz="1050" dirty="0">
+              <a:solidFill>
+                <a:prstClr val="black"/>
+              </a:solidFill>
+              <a:latin typeface="Arial" panose="020B0604020202020204" pitchFamily="34" charset="0"/>
+              <a:cs typeface="Arial" panose="020B0604020202020204" pitchFamily="34" charset="0"/>
+            </a:endParaRPr>
+          </a:p>
+        </p:txBody>
+      </p:sp>
+      <p:graphicFrame>
+        <p:nvGraphicFramePr>
+          <p:cNvPr id="104" name="Graphique 89">
+            <a:extLst>
+              <a:ext uri="{FF2B5EF4-FFF2-40B4-BE49-F238E27FC236}">
+                <a16:creationId xmlns:a16="http://schemas.microsoft.com/office/drawing/2014/main" id="{D3B652C3-C9FF-4BEF-9269-B04D2F61FEAC}"/>
+              </a:ext>
+            </a:extLst>
+          </p:cNvPr>
+          <p:cNvGraphicFramePr>
+            <a:graphicFrameLocks noChangeAspect="1"/>
+          </p:cNvGraphicFramePr>
+          <p:nvPr>
+            <p:extLst>
+              <p:ext uri="{D42A27DB-BD31-4B8C-83A1-F6EECF244321}">
+                <p14:modId xmlns:p14="http://schemas.microsoft.com/office/powerpoint/2010/main" val="3844973075"/>
+              </p:ext>
+            </p:extLst>
+          </p:nvPr>
+        </p:nvGraphicFramePr>
+        <p:xfrm>
+          <a:off x="7257303" y="10720007"/>
+          <a:ext cx="3134908" cy="1816469"/>
+        </p:xfrm>
+        <a:graphic>
+          <a:graphicData uri="http://schemas.openxmlformats.org/drawingml/2006/chart">
+            <c:chart xmlns:c="http://schemas.openxmlformats.org/drawingml/2006/chart" xmlns:r="http://schemas.openxmlformats.org/officeDocument/2006/relationships" r:id="rId23"/>
+          </a:graphicData>
+        </a:graphic>
+      </p:graphicFrame>
+      <p:sp>
+        <p:nvSpPr>
+          <p:cNvPr id="106" name="TextBox 105"/>
+          <p:cNvSpPr txBox="1"/>
+          <p:nvPr/>
+        </p:nvSpPr>
+        <p:spPr>
+          <a:xfrm>
+            <a:off x="7406725" y="9287888"/>
+            <a:ext cx="2815819" cy="230832"/>
+          </a:xfrm>
+          <a:prstGeom prst="rect">
+            <a:avLst/>
+          </a:prstGeom>
+          <a:noFill/>
+        </p:spPr>
+        <p:txBody>
+          <a:bodyPr wrap="square" rtlCol="0">
+            <a:spAutoFit/>
+          </a:bodyPr>
+          <a:lstStyle/>
+          <a:p>
+            <a:pPr algn="ctr"/>
+            <a:r>
+              <a:rPr lang="fr-FR" sz="900" i="1" dirty="0"/>
+              <a:t>Exemple simplifié d’une itération en cas de </a:t>
+            </a:r>
+            <a:r>
+              <a:rPr lang="fr-FR" sz="900" dirty="0" err="1"/>
+              <a:t>backtracking</a:t>
+            </a:r>
+            <a:endParaRPr lang="fr-FR" sz="900" dirty="0"/>
           </a:p>
         </p:txBody>
       </p:sp>
@@ -7072,13 +10902,6 @@
   <p:clrMapOvr>
     <a:masterClrMapping/>
   </p:clrMapOvr>
-  <p:timing>
-    <p:tnLst>
-      <p:par>
-        <p:cTn id="1" dur="indefinite" restart="never" nodeType="tmRoot"/>
-      </p:par>
-    </p:tnLst>
-  </p:timing>
 </p:sld>
 </file>
 

--- a/Poster_1.pptx
+++ b/Poster_1.pptx
@@ -1247,8 +1247,8 @@
       </cdr:nvSpPr>
       <cdr:spPr>
         <a:xfrm xmlns:a="http://schemas.openxmlformats.org/drawingml/2006/main">
-          <a:off x="95489" y="1564438"/>
-          <a:ext cx="3128503" cy="238665"/>
+          <a:off x="91696" y="1564434"/>
+          <a:ext cx="3004621" cy="238666"/>
         </a:xfrm>
         <a:prstGeom xmlns:a="http://schemas.openxmlformats.org/drawingml/2006/main" prst="rect">
           <a:avLst/>
@@ -4171,516 +4171,135 @@
           <a:chExt cx="0" cy="0"/>
         </a:xfrm>
       </p:grpSpPr>
-      <mc:AlternateContent xmlns:mc="http://schemas.openxmlformats.org/markup-compatibility/2006" xmlns:a14="http://schemas.microsoft.com/office/drawing/2010/main">
-        <mc:Choice Requires="a14">
-          <p:sp>
-            <p:nvSpPr>
-              <p:cNvPr id="73" name="TextBox 72"/>
-              <p:cNvSpPr txBox="1"/>
-              <p:nvPr/>
-            </p:nvSpPr>
-            <p:spPr>
-              <a:xfrm>
-                <a:off x="271538" y="12051130"/>
-                <a:ext cx="3249706" cy="2169825"/>
-              </a:xfrm>
-              <a:prstGeom prst="rect">
-                <a:avLst/>
-              </a:prstGeom>
-              <a:noFill/>
-              <a:ln>
+      <p:sp>
+        <p:nvSpPr>
+          <p:cNvPr id="94" name="TextBox 102">
+            <a:extLst>
+              <a:ext uri="{FF2B5EF4-FFF2-40B4-BE49-F238E27FC236}">
+                <a16:creationId xmlns:a16="http://schemas.microsoft.com/office/drawing/2014/main" id="{B4547BA0-37B5-4631-8324-ABC068B86951}"/>
+              </a:ext>
+            </a:extLst>
+          </p:cNvPr>
+          <p:cNvSpPr txBox="1"/>
+          <p:nvPr/>
+        </p:nvSpPr>
+        <p:spPr>
+          <a:xfrm>
+            <a:off x="7196352" y="7757450"/>
+            <a:ext cx="3275145" cy="3685624"/>
+          </a:xfrm>
+          <a:prstGeom prst="rect">
+            <a:avLst/>
+          </a:prstGeom>
+          <a:noFill/>
+          <a:ln>
+            <a:solidFill>
+              <a:schemeClr val="bg2"/>
+            </a:solidFill>
+          </a:ln>
+        </p:spPr>
+        <p:txBody>
+          <a:bodyPr wrap="square" rtlCol="0">
+            <a:spAutoFit/>
+          </a:bodyPr>
+          <a:lstStyle/>
+          <a:p>
+            <a:pPr algn="just"/>
+            <a:r>
+              <a:rPr lang="fr-FR" sz="1100" b="1" u="sng" dirty="0">
+                <a:latin typeface="Arial" panose="020B0604020202020204" pitchFamily="34" charset="0"/>
+                <a:cs typeface="Arial" panose="020B0604020202020204" pitchFamily="34" charset="0"/>
+              </a:rPr>
+              <a:t>3- Une méthode d’exploration optimisée</a:t>
+            </a:r>
+          </a:p>
+          <a:p>
+            <a:pPr algn="just"/>
+            <a:endParaRPr lang="fr-FR" sz="700" dirty="0">
+              <a:uFill>
                 <a:solidFill>
-                  <a:schemeClr val="bg2"/>
+                  <a:srgbClr val="FF0000"/>
                 </a:solidFill>
-              </a:ln>
-            </p:spPr>
-            <p:txBody>
-              <a:bodyPr wrap="square" rtlCol="0">
-                <a:spAutoFit/>
-              </a:bodyPr>
-              <a:lstStyle/>
-              <a:p>
-                <a:pPr lvl="0" algn="just"/>
-                <a:r>
-                  <a:rPr lang="fr-FR" sz="900" dirty="0">
-                    <a:solidFill>
-                      <a:prstClr val="black"/>
-                    </a:solidFill>
-                    <a:latin typeface="Arial" panose="020B0604020202020204" pitchFamily="34" charset="0"/>
-                    <a:cs typeface="Arial" panose="020B0604020202020204" pitchFamily="34" charset="0"/>
-                  </a:rPr>
-                  <a:t>La convergence du recuit simulé est prouvée par l’algorithme de </a:t>
-                </a:r>
-                <a:r>
-                  <a:rPr lang="fr-FR" sz="900" dirty="0" err="1">
-                    <a:solidFill>
-                      <a:prstClr val="black"/>
-                    </a:solidFill>
-                    <a:latin typeface="Arial" panose="020B0604020202020204" pitchFamily="34" charset="0"/>
-                    <a:cs typeface="Arial" panose="020B0604020202020204" pitchFamily="34" charset="0"/>
-                  </a:rPr>
-                  <a:t>Metropolis</a:t>
-                </a:r>
-                <a:r>
-                  <a:rPr lang="fr-FR" sz="900" dirty="0">
-                    <a:solidFill>
-                      <a:prstClr val="black"/>
-                    </a:solidFill>
-                    <a:latin typeface="Arial" panose="020B0604020202020204" pitchFamily="34" charset="0"/>
-                    <a:cs typeface="Arial" panose="020B0604020202020204" pitchFamily="34" charset="0"/>
-                  </a:rPr>
-                  <a:t>-Hastings (</a:t>
-                </a:r>
-                <a:r>
-                  <a:rPr lang="fr-FR" sz="900" dirty="0" err="1">
-                    <a:solidFill>
-                      <a:prstClr val="black"/>
-                    </a:solidFill>
-                    <a:latin typeface="Arial" panose="020B0604020202020204" pitchFamily="34" charset="0"/>
-                    <a:cs typeface="Arial" panose="020B0604020202020204" pitchFamily="34" charset="0"/>
-                  </a:rPr>
-                  <a:t>c.f</a:t>
-                </a:r>
-                <a:r>
-                  <a:rPr lang="fr-FR" sz="900" dirty="0">
-                    <a:solidFill>
-                      <a:prstClr val="black"/>
-                    </a:solidFill>
-                    <a:latin typeface="Arial" panose="020B0604020202020204" pitchFamily="34" charset="0"/>
-                    <a:cs typeface="Arial" panose="020B0604020202020204" pitchFamily="34" charset="0"/>
-                  </a:rPr>
-                  <a:t>. [1])</a:t>
-                </a:r>
-                <a:endParaRPr lang="fr-FR" sz="900" b="1" u="sng" dirty="0">
-                  <a:solidFill>
-                    <a:prstClr val="black"/>
-                  </a:solidFill>
-                  <a:latin typeface="Arial" panose="020B0604020202020204" pitchFamily="34" charset="0"/>
-                  <a:cs typeface="Arial" panose="020B0604020202020204" pitchFamily="34" charset="0"/>
-                </a:endParaRPr>
-              </a:p>
-              <a:p>
-                <a:pPr lvl="0" algn="just"/>
-                <a:endParaRPr lang="fr-FR" sz="1000" b="1" u="sng" dirty="0">
-                  <a:solidFill>
-                    <a:prstClr val="black"/>
-                  </a:solidFill>
-                  <a:latin typeface="Arial" panose="020B0604020202020204" pitchFamily="34" charset="0"/>
-                  <a:cs typeface="Arial" panose="020B0604020202020204" pitchFamily="34" charset="0"/>
-                </a:endParaRPr>
-              </a:p>
-              <a:p>
-                <a:pPr lvl="0" algn="just"/>
-                <a:r>
-                  <a:rPr lang="fr-FR" sz="1050" b="1" u="sng" dirty="0">
-                    <a:solidFill>
-                      <a:prstClr val="black"/>
-                    </a:solidFill>
-                    <a:latin typeface="Arial" panose="020B0604020202020204" pitchFamily="34" charset="0"/>
-                    <a:cs typeface="Arial" panose="020B0604020202020204" pitchFamily="34" charset="0"/>
-                  </a:rPr>
-                  <a:t>2- La mesure de Gibbs</a:t>
-                </a:r>
-              </a:p>
-              <a:p>
-                <a:pPr lvl="0" algn="just"/>
-                <a:r>
-                  <a:rPr lang="fr-FR" sz="400" b="1" u="sng" dirty="0">
-                    <a:solidFill>
-                      <a:prstClr val="black"/>
-                    </a:solidFill>
-                    <a:latin typeface="Arial" panose="020B0604020202020204" pitchFamily="34" charset="0"/>
-                    <a:cs typeface="Arial" panose="020B0604020202020204" pitchFamily="34" charset="0"/>
-                  </a:rPr>
-                  <a:t> </a:t>
-                </a:r>
-                <a:endParaRPr lang="fr-FR" sz="300" b="1" u="sng" dirty="0">
-                  <a:solidFill>
-                    <a:prstClr val="black"/>
-                  </a:solidFill>
-                  <a:latin typeface="Arial" panose="020B0604020202020204" pitchFamily="34" charset="0"/>
-                  <a:cs typeface="Arial" panose="020B0604020202020204" pitchFamily="34" charset="0"/>
-                </a:endParaRPr>
-              </a:p>
-              <a:p>
-                <a:pPr lvl="0" algn="just"/>
-                <a:r>
-                  <a:rPr lang="fr-FR" sz="800" dirty="0">
-                    <a:solidFill>
-                      <a:prstClr val="black"/>
-                    </a:solidFill>
-                    <a:latin typeface="Arial" panose="020B0604020202020204" pitchFamily="34" charset="0"/>
-                    <a:cs typeface="Arial" panose="020B0604020202020204" pitchFamily="34" charset="0"/>
-                  </a:rPr>
-                  <a:t>    </a:t>
-                </a:r>
-                <a:r>
-                  <a:rPr lang="fr-FR" sz="900" dirty="0">
-                    <a:solidFill>
-                      <a:prstClr val="black"/>
-                    </a:solidFill>
-                    <a:latin typeface="Arial" panose="020B0604020202020204" pitchFamily="34" charset="0"/>
-                    <a:cs typeface="Arial" panose="020B0604020202020204" pitchFamily="34" charset="0"/>
-                  </a:rPr>
-                  <a:t>Elle est définie de la façon suivante, où l’on note </a:t>
-                </a:r>
-                <a14:m>
-                  <m:oMath xmlns:m="http://schemas.openxmlformats.org/officeDocument/2006/math">
-                    <m:r>
-                      <a:rPr lang="fr-FR" sz="900" b="0" i="1" smtClean="0">
-                        <a:solidFill>
-                          <a:prstClr val="black"/>
-                        </a:solidFill>
-                        <a:latin typeface="Cambria Math" panose="02040503050406030204" pitchFamily="18" charset="0"/>
-                        <a:ea typeface="Cambria Math" panose="02040503050406030204" pitchFamily="18" charset="0"/>
-                      </a:rPr>
-                      <m:t>𝑥</m:t>
-                    </m:r>
-                  </m:oMath>
-                </a14:m>
-                <a:r>
-                  <a:rPr lang="fr-FR" sz="900" dirty="0">
-                    <a:solidFill>
-                      <a:prstClr val="black"/>
-                    </a:solidFill>
-                    <a:latin typeface="Arial" panose="020B0604020202020204" pitchFamily="34" charset="0"/>
-                    <a:cs typeface="Arial" panose="020B0604020202020204" pitchFamily="34" charset="0"/>
-                  </a:rPr>
-                  <a:t> le passage du sommet </a:t>
-                </a:r>
-                <a14:m>
-                  <m:oMath xmlns:m="http://schemas.openxmlformats.org/officeDocument/2006/math">
-                    <m:r>
-                      <a:rPr lang="fr-FR" sz="900" i="1" smtClean="0">
-                        <a:solidFill>
-                          <a:prstClr val="black"/>
-                        </a:solidFill>
-                        <a:latin typeface="Cambria Math" panose="02040503050406030204" pitchFamily="18" charset="0"/>
-                        <a:ea typeface="Cambria Math" panose="02040503050406030204" pitchFamily="18" charset="0"/>
-                      </a:rPr>
-                      <m:t>𝑐</m:t>
-                    </m:r>
-                  </m:oMath>
-                </a14:m>
-                <a:r>
-                  <a:rPr lang="fr-FR" sz="900" dirty="0">
-                    <a:solidFill>
-                      <a:prstClr val="black"/>
-                    </a:solidFill>
-                    <a:latin typeface="Arial" panose="020B0604020202020204" pitchFamily="34" charset="0"/>
-                    <a:cs typeface="Arial" panose="020B0604020202020204" pitchFamily="34" charset="0"/>
-                  </a:rPr>
-                  <a:t> au sommet </a:t>
-                </a:r>
-                <a14:m>
-                  <m:oMath xmlns:m="http://schemas.openxmlformats.org/officeDocument/2006/math">
-                    <m:sSup>
-                      <m:sSupPr>
-                        <m:ctrlPr>
-                          <a:rPr lang="fr-FR" sz="900" i="1">
-                            <a:solidFill>
-                              <a:prstClr val="black"/>
-                            </a:solidFill>
-                            <a:latin typeface="Cambria Math" panose="02040503050406030204" pitchFamily="18" charset="0"/>
-                            <a:ea typeface="Cambria Math" panose="02040503050406030204" pitchFamily="18" charset="0"/>
-                          </a:rPr>
-                        </m:ctrlPr>
-                      </m:sSupPr>
-                      <m:e>
-                        <m:r>
-                          <a:rPr lang="fr-FR" sz="900" i="1">
-                            <a:solidFill>
-                              <a:prstClr val="black"/>
-                            </a:solidFill>
-                            <a:latin typeface="Cambria Math" panose="02040503050406030204" pitchFamily="18" charset="0"/>
-                            <a:ea typeface="Cambria Math" panose="02040503050406030204" pitchFamily="18" charset="0"/>
-                          </a:rPr>
-                          <m:t>𝑐</m:t>
-                        </m:r>
-                      </m:e>
-                      <m:sup>
-                        <m:r>
-                          <a:rPr lang="fr-FR" sz="900" i="1">
-                            <a:solidFill>
-                              <a:prstClr val="black"/>
-                            </a:solidFill>
-                            <a:latin typeface="Cambria Math" panose="02040503050406030204" pitchFamily="18" charset="0"/>
-                            <a:ea typeface="Cambria Math" panose="02040503050406030204" pitchFamily="18" charset="0"/>
-                          </a:rPr>
-                          <m:t>′</m:t>
-                        </m:r>
-                      </m:sup>
-                    </m:sSup>
-                  </m:oMath>
-                </a14:m>
-                <a:r>
-                  <a:rPr lang="fr-FR" sz="900" dirty="0">
-                    <a:solidFill>
-                      <a:prstClr val="black"/>
-                    </a:solidFill>
-                    <a:latin typeface="Arial" panose="020B0604020202020204" pitchFamily="34" charset="0"/>
-                    <a:cs typeface="Arial" panose="020B0604020202020204" pitchFamily="34" charset="0"/>
-                  </a:rPr>
-                  <a:t>:</a:t>
-                </a:r>
-              </a:p>
-              <a:p>
-                <a:pPr lvl="0" algn="just"/>
-                <a:endParaRPr lang="fr-FR" sz="1000" dirty="0">
-                  <a:solidFill>
-                    <a:prstClr val="black"/>
-                  </a:solidFill>
-                  <a:latin typeface="Arial" panose="020B0604020202020204" pitchFamily="34" charset="0"/>
-                  <a:cs typeface="Arial" panose="020B0604020202020204" pitchFamily="34" charset="0"/>
-                </a:endParaRPr>
-              </a:p>
-              <a:p>
-                <a:pPr lvl="0" algn="just"/>
-                <a:endParaRPr lang="fr-FR" sz="1000" dirty="0">
-                  <a:solidFill>
-                    <a:prstClr val="black"/>
-                  </a:solidFill>
-                  <a:latin typeface="Arial" panose="020B0604020202020204" pitchFamily="34" charset="0"/>
-                  <a:cs typeface="Arial" panose="020B0604020202020204" pitchFamily="34" charset="0"/>
-                </a:endParaRPr>
-              </a:p>
-              <a:p>
-                <a:pPr lvl="0" algn="just"/>
-                <a:r>
-                  <a:rPr lang="fr-FR" sz="900" dirty="0">
-                    <a:solidFill>
-                      <a:prstClr val="black"/>
-                    </a:solidFill>
-                    <a:latin typeface="Arial" panose="020B0604020202020204" pitchFamily="34" charset="0"/>
-                    <a:cs typeface="Arial" panose="020B0604020202020204" pitchFamily="34" charset="0"/>
-                  </a:rPr>
-                  <a:t>On remarque que quand </a:t>
-                </a:r>
-                <a14:m>
-                  <m:oMath xmlns:m="http://schemas.openxmlformats.org/officeDocument/2006/math">
-                    <m:r>
-                      <a:rPr lang="fr-FR" sz="900" i="1" dirty="0">
-                        <a:latin typeface="Cambria Math" panose="02040503050406030204" pitchFamily="18" charset="0"/>
-                        <a:ea typeface="Cambria Math" panose="02040503050406030204" pitchFamily="18" charset="0"/>
-                      </a:rPr>
-                      <m:t>𝛽</m:t>
-                    </m:r>
-                    <m:d>
-                      <m:dPr>
-                        <m:ctrlPr>
-                          <a:rPr lang="fr-FR" sz="900" i="1" dirty="0" smtClean="0">
-                            <a:latin typeface="Cambria Math" panose="02040503050406030204" pitchFamily="18" charset="0"/>
-                            <a:ea typeface="Cambria Math" panose="02040503050406030204" pitchFamily="18" charset="0"/>
-                          </a:rPr>
-                        </m:ctrlPr>
-                      </m:dPr>
-                      <m:e>
-                        <m:r>
-                          <a:rPr lang="fr-FR" sz="900" i="1" dirty="0">
-                            <a:latin typeface="Cambria Math" panose="02040503050406030204" pitchFamily="18" charset="0"/>
-                            <a:ea typeface="Cambria Math" panose="02040503050406030204" pitchFamily="18" charset="0"/>
-                          </a:rPr>
-                          <m:t>𝑡</m:t>
-                        </m:r>
-                      </m:e>
-                    </m:d>
-                  </m:oMath>
-                </a14:m>
-                <a:r>
-                  <a:rPr lang="fr-FR" sz="900" dirty="0">
-                    <a:solidFill>
-                      <a:prstClr val="black"/>
-                    </a:solidFill>
-                    <a:latin typeface="Arial" panose="020B0604020202020204" pitchFamily="34" charset="0"/>
-                    <a:cs typeface="Arial" panose="020B0604020202020204" pitchFamily="34" charset="0"/>
-                  </a:rPr>
-                  <a:t> est petit, on tend vers la mesure uniforme, et vers une mesure probabilité nulle sauf si </a:t>
-                </a:r>
-                <a14:m>
-                  <m:oMath xmlns:m="http://schemas.openxmlformats.org/officeDocument/2006/math">
-                    <m:r>
-                      <a:rPr lang="fr-FR" sz="900" i="1" dirty="0">
-                        <a:latin typeface="Cambria Math" panose="02040503050406030204" pitchFamily="18" charset="0"/>
-                        <a:ea typeface="Cambria Math" panose="02040503050406030204" pitchFamily="18" charset="0"/>
-                      </a:rPr>
-                      <m:t>𝑉</m:t>
-                    </m:r>
-                    <m:d>
-                      <m:dPr>
-                        <m:ctrlPr>
-                          <a:rPr lang="fr-FR" sz="900" i="1" dirty="0">
-                            <a:latin typeface="Cambria Math" panose="02040503050406030204" pitchFamily="18" charset="0"/>
-                            <a:ea typeface="Cambria Math" panose="02040503050406030204" pitchFamily="18" charset="0"/>
-                          </a:rPr>
-                        </m:ctrlPr>
-                      </m:dPr>
-                      <m:e>
-                        <m:r>
-                          <a:rPr lang="fr-FR" sz="900" i="1" dirty="0">
-                            <a:latin typeface="Cambria Math" panose="02040503050406030204" pitchFamily="18" charset="0"/>
-                            <a:ea typeface="Cambria Math" panose="02040503050406030204" pitchFamily="18" charset="0"/>
-                          </a:rPr>
-                          <m:t>𝑥</m:t>
-                        </m:r>
-                      </m:e>
-                    </m:d>
-                    <m:r>
-                      <a:rPr lang="fr-FR" sz="900" b="0" i="1" dirty="0" smtClean="0">
-                        <a:latin typeface="Cambria Math" panose="02040503050406030204" pitchFamily="18" charset="0"/>
-                        <a:ea typeface="Cambria Math" panose="02040503050406030204" pitchFamily="18" charset="0"/>
-                      </a:rPr>
-                      <m:t>=0</m:t>
-                    </m:r>
-                  </m:oMath>
-                </a14:m>
-                <a:r>
-                  <a:rPr lang="fr-FR" sz="900" dirty="0">
-                    <a:solidFill>
-                      <a:prstClr val="black"/>
-                    </a:solidFill>
-                    <a:latin typeface="Arial" panose="020B0604020202020204" pitchFamily="34" charset="0"/>
-                    <a:cs typeface="Arial" panose="020B0604020202020204" pitchFamily="34" charset="0"/>
-                  </a:rPr>
-                  <a:t> quand </a:t>
-                </a:r>
-                <a14:m>
-                  <m:oMath xmlns:m="http://schemas.openxmlformats.org/officeDocument/2006/math">
-                    <m:r>
-                      <a:rPr lang="fr-FR" sz="900" i="1" dirty="0">
-                        <a:latin typeface="Cambria Math" panose="02040503050406030204" pitchFamily="18" charset="0"/>
-                        <a:ea typeface="Cambria Math" panose="02040503050406030204" pitchFamily="18" charset="0"/>
-                      </a:rPr>
-                      <m:t>𝛽</m:t>
-                    </m:r>
-                    <m:d>
-                      <m:dPr>
-                        <m:ctrlPr>
-                          <a:rPr lang="fr-FR" sz="900" i="1" dirty="0">
-                            <a:latin typeface="Cambria Math" panose="02040503050406030204" pitchFamily="18" charset="0"/>
-                            <a:ea typeface="Cambria Math" panose="02040503050406030204" pitchFamily="18" charset="0"/>
-                          </a:rPr>
-                        </m:ctrlPr>
-                      </m:dPr>
-                      <m:e>
-                        <m:r>
-                          <a:rPr lang="fr-FR" sz="900" i="1" dirty="0">
-                            <a:latin typeface="Cambria Math" panose="02040503050406030204" pitchFamily="18" charset="0"/>
-                            <a:ea typeface="Cambria Math" panose="02040503050406030204" pitchFamily="18" charset="0"/>
-                          </a:rPr>
-                          <m:t>𝑡</m:t>
-                        </m:r>
-                      </m:e>
-                    </m:d>
-                  </m:oMath>
-                </a14:m>
-                <a:r>
-                  <a:rPr lang="fr-FR" sz="900" dirty="0">
-                    <a:solidFill>
-                      <a:prstClr val="black"/>
-                    </a:solidFill>
-                    <a:latin typeface="Arial" panose="020B0604020202020204" pitchFamily="34" charset="0"/>
-                    <a:cs typeface="Arial" panose="020B0604020202020204" pitchFamily="34" charset="0"/>
-                  </a:rPr>
-                  <a:t> est grand. Ceci nous amène à considérer une fonction </a:t>
-                </a:r>
-                <a14:m>
-                  <m:oMath xmlns:m="http://schemas.openxmlformats.org/officeDocument/2006/math">
-                    <m:r>
-                      <a:rPr lang="fr-FR" sz="900" i="1" dirty="0">
-                        <a:latin typeface="Cambria Math" panose="02040503050406030204" pitchFamily="18" charset="0"/>
-                        <a:ea typeface="Cambria Math" panose="02040503050406030204" pitchFamily="18" charset="0"/>
-                      </a:rPr>
-                      <m:t>𝛽</m:t>
-                    </m:r>
-                    <m:d>
-                      <m:dPr>
-                        <m:ctrlPr>
-                          <a:rPr lang="fr-FR" sz="900" i="1" dirty="0">
-                            <a:latin typeface="Cambria Math" panose="02040503050406030204" pitchFamily="18" charset="0"/>
-                            <a:ea typeface="Cambria Math" panose="02040503050406030204" pitchFamily="18" charset="0"/>
-                          </a:rPr>
-                        </m:ctrlPr>
-                      </m:dPr>
-                      <m:e>
-                        <m:r>
-                          <a:rPr lang="fr-FR" sz="900" i="1" dirty="0">
-                            <a:latin typeface="Cambria Math" panose="02040503050406030204" pitchFamily="18" charset="0"/>
-                            <a:ea typeface="Cambria Math" panose="02040503050406030204" pitchFamily="18" charset="0"/>
-                          </a:rPr>
-                          <m:t>𝑡</m:t>
-                        </m:r>
-                      </m:e>
-                    </m:d>
-                  </m:oMath>
-                </a14:m>
-                <a:r>
-                  <a:rPr lang="fr-FR" sz="900" dirty="0">
-                    <a:solidFill>
-                      <a:prstClr val="black"/>
-                    </a:solidFill>
-                    <a:latin typeface="Arial" panose="020B0604020202020204" pitchFamily="34" charset="0"/>
-                    <a:cs typeface="Arial" panose="020B0604020202020204" pitchFamily="34" charset="0"/>
-                  </a:rPr>
-                  <a:t> croissante, de telle sorte qu’on accepte une solution qui augmente le potentiel avec une probabilité qui tend vers 0.</a:t>
-                </a:r>
-              </a:p>
-            </p:txBody>
-          </p:sp>
-        </mc:Choice>
-        <mc:Fallback xmlns="">
-          <p:sp>
-            <p:nvSpPr>
-              <p:cNvPr id="73" name="TextBox 72"/>
-              <p:cNvSpPr txBox="1">
-                <a:spLocks noRot="1" noChangeAspect="1" noMove="1" noResize="1" noEditPoints="1" noAdjustHandles="1" noChangeArrowheads="1" noChangeShapeType="1" noTextEdit="1"/>
-              </p:cNvSpPr>
-              <p:nvPr/>
-            </p:nvSpPr>
-            <p:spPr>
-              <a:xfrm>
-                <a:off x="271538" y="12051130"/>
-                <a:ext cx="3249706" cy="2169825"/>
-              </a:xfrm>
-              <a:prstGeom prst="rect">
-                <a:avLst/>
-              </a:prstGeom>
-              <a:blipFill rotWithShape="0">
-                <a:blip r:embed="rId2"/>
-                <a:stretch>
-                  <a:fillRect/>
-                </a:stretch>
-              </a:blipFill>
-              <a:ln>
+              </a:uFill>
+              <a:latin typeface="Arial" panose="020B0604020202020204" pitchFamily="34" charset="0"/>
+              <a:cs typeface="Arial" panose="020B0604020202020204" pitchFamily="34" charset="0"/>
+            </a:endParaRPr>
+          </a:p>
+          <a:p>
+            <a:pPr algn="just"/>
+            <a:r>
+              <a:rPr lang="fr-FR" sz="1050" dirty="0">
+                <a:latin typeface="Arial" panose="020B0604020202020204" pitchFamily="34" charset="0"/>
+                <a:cs typeface="Arial" panose="020B0604020202020204" pitchFamily="34" charset="0"/>
+              </a:rPr>
+              <a:t>Néanmoins, le temps de calcul devient très vite prohibitif. Le nombre de configurations à explorer croît très vite avec la taille du puzzle. Nous avons alors mis en place une dernière méthode d’optimisation de calcul. L’heuristique derrière est de réduire la taille de l’arbre d’exploration, en sélectionnant soigneusement l’ordre des lignes, de manière à réduire autant que possible les opérations de </a:t>
+            </a:r>
+            <a:r>
+              <a:rPr lang="fr-FR" sz="1050" i="1" dirty="0">
+                <a:latin typeface="Arial" panose="020B0604020202020204" pitchFamily="34" charset="0"/>
+                <a:cs typeface="Arial" panose="020B0604020202020204" pitchFamily="34" charset="0"/>
+              </a:rPr>
+              <a:t>mise à jour</a:t>
+            </a:r>
+            <a:r>
+              <a:rPr lang="fr-FR" sz="1050" dirty="0">
+                <a:latin typeface="Arial" panose="020B0604020202020204" pitchFamily="34" charset="0"/>
+                <a:cs typeface="Arial" panose="020B0604020202020204" pitchFamily="34" charset="0"/>
+              </a:rPr>
+              <a:t> de la matrice, coûteuses en temps de calcul.</a:t>
+            </a:r>
+          </a:p>
+          <a:p>
+            <a:pPr algn="just"/>
+            <a:endParaRPr lang="fr-FR" sz="1050" dirty="0">
+              <a:uFill>
                 <a:solidFill>
-                  <a:schemeClr val="bg2"/>
+                  <a:srgbClr val="FF0000"/>
                 </a:solidFill>
-              </a:ln>
-            </p:spPr>
-            <p:txBody>
-              <a:bodyPr/>
-              <a:lstStyle/>
-              <a:p>
-                <a:r>
-                  <a:rPr lang="fr-FR">
-                    <a:noFill/>
-                  </a:rPr>
-                  <a:t> </a:t>
-                </a:r>
-              </a:p>
-            </p:txBody>
-          </p:sp>
-        </mc:Fallback>
-      </mc:AlternateContent>
+              </a:uFill>
+              <a:latin typeface="Arial" panose="020B0604020202020204" pitchFamily="34" charset="0"/>
+              <a:cs typeface="Arial" panose="020B0604020202020204" pitchFamily="34" charset="0"/>
+            </a:endParaRPr>
+          </a:p>
+          <a:p>
+            <a:pPr algn="just"/>
+            <a:r>
+              <a:rPr lang="fr-FR" sz="1100" b="1" u="sng" dirty="0">
+                <a:latin typeface="Arial" panose="020B0604020202020204" pitchFamily="34" charset="0"/>
+                <a:cs typeface="Arial" panose="020B0604020202020204" pitchFamily="34" charset="0"/>
+              </a:rPr>
+              <a:t>4- Aperçu des performances de l’algorithme</a:t>
+            </a:r>
+          </a:p>
+          <a:p>
+            <a:pPr algn="just"/>
+            <a:endParaRPr lang="fr-FR" sz="500" dirty="0">
+              <a:latin typeface="Arial" panose="020B0604020202020204" pitchFamily="34" charset="0"/>
+              <a:cs typeface="Arial" panose="020B0604020202020204" pitchFamily="34" charset="0"/>
+            </a:endParaRPr>
+          </a:p>
+          <a:p>
+            <a:pPr algn="just"/>
+            <a:r>
+              <a:rPr lang="fr-FR" sz="1050" dirty="0">
+                <a:latin typeface="Arial" panose="020B0604020202020204" pitchFamily="34" charset="0"/>
+                <a:cs typeface="Arial" panose="020B0604020202020204" pitchFamily="34" charset="0"/>
+              </a:rPr>
+              <a:t>    L’optimisation s’est avérée payante. Elle permet de réduire d’un facteur presque 50 le temps de calcul sur le puzzle 7x7, le ramenant à quelques 30 secondes. On peut constater sur le graphe ci-dessus l’impact de cette mesure d’optimisation du schéma d’exploration des configurations. Il permet de réduire notablement le nombre de mises à jour de la matrice courante :</a:t>
+            </a:r>
+          </a:p>
+        </p:txBody>
+      </p:sp>
       <p:pic>
         <p:nvPicPr>
-          <p:cNvPr id="9" name="Picture 8"/>
+          <p:cNvPr id="108" name="Picture 107"/>
           <p:cNvPicPr>
             <a:picLocks noChangeAspect="1"/>
           </p:cNvPicPr>
           <p:nvPr/>
         </p:nvPicPr>
         <p:blipFill>
-          <a:blip r:embed="rId3">
+          <a:blip r:embed="rId2">
             <a:extLst>
               <a:ext uri="{28A0092B-C50C-407E-A947-70E740481C1C}">
                 <a14:useLocalDpi xmlns:a14="http://schemas.microsoft.com/office/drawing/2010/main" val="0"/>
@@ -4693,8 +4312,8 @@
         </p:blipFill>
         <p:spPr>
           <a:xfrm>
-            <a:off x="766372" y="6081287"/>
-            <a:ext cx="2238048" cy="1409932"/>
+            <a:off x="873368" y="2796438"/>
+            <a:ext cx="2024057" cy="1017605"/>
           </a:xfrm>
           <a:prstGeom prst="rect">
             <a:avLst/>
@@ -4732,7 +4351,7 @@
                 <a:ea typeface="Arial" charset="0"/>
                 <a:cs typeface="Arial" charset="0"/>
               </a:rPr>
-              <a:t>Réalisé Mathieu ROUX et Théo VIEL, sous la direction de Pierre-André ZITT.</a:t>
+              <a:t>Réalisé par Mathieu ROUX et Théo VIEL, sous la direction de Pierre-André ZITT.</a:t>
             </a:r>
             <a:endParaRPr lang="fr-FR" sz="1600" b="1" dirty="0">
               <a:solidFill>
@@ -4833,13 +4452,13 @@
                 <a:latin typeface="Arial" panose="020B0604020202020204" pitchFamily="34" charset="0"/>
                 <a:cs typeface="Arial" panose="020B0604020202020204" pitchFamily="34" charset="0"/>
               </a:rPr>
-              <a:t>    Le but de ce projet est de résoudre un puzzle tel que celui-ci dessous, en implémentant deux algorithmes abordant le problème de façon différentes: un probabiliste et un déterministe. Il est couplé avec le projet du cours de Développement Logiciel, dans le cadre duquel nous avons développé une interface graphique.</a:t>
+              <a:t>    Le but de ce projet est de résoudre un puzzle tel que celui ci-dessous, en implémentant deux algorithmes abordant le problème de façon différentes: un probabiliste et un déterministe. Il est couplé avec le projet du cours de Développement Logiciel, dans le cadre duquel nous avons développé une interface graphique.</a:t>
             </a:r>
           </a:p>
         </p:txBody>
       </p:sp>
-      <mc:AlternateContent xmlns:mc="http://schemas.openxmlformats.org/markup-compatibility/2006" xmlns:a14="http://schemas.microsoft.com/office/drawing/2010/main">
-        <mc:Choice Requires="a14">
+      <mc:AlternateContent xmlns:mc="http://schemas.openxmlformats.org/markup-compatibility/2006">
+        <mc:Choice xmlns:a14="http://schemas.microsoft.com/office/drawing/2010/main" Requires="a14">
           <p:sp>
             <p:nvSpPr>
               <p:cNvPr id="27" name="TextBox 19"/>
@@ -4848,8 +4467,8 @@
             </p:nvSpPr>
             <p:spPr>
               <a:xfrm>
-                <a:off x="299076" y="7693098"/>
-                <a:ext cx="3214467" cy="3070071"/>
+                <a:off x="308709" y="7860574"/>
+                <a:ext cx="3214467" cy="2854628"/>
               </a:xfrm>
               <a:prstGeom prst="rect">
                 <a:avLst/>
@@ -4949,11 +4568,8 @@
                     <a:latin typeface="Arial" panose="020B0604020202020204" pitchFamily="34" charset="0"/>
                     <a:cs typeface="Arial" panose="020B0604020202020204" pitchFamily="34" charset="0"/>
                   </a:rPr>
-                  <a:t>) jusqu’à trouver une solution telle que les pièces ne se chevauchent pas. Mathématiquement, on modélise le problème de la façon suivante:</a:t>
+                  <a:t>) jusqu’à trouver une solution telle que les pièces ne se chevauchent pas. On modélise le problème de la façon mathématique:</a:t>
                 </a:r>
-              </a:p>
-              <a:p>
-                <a:pPr algn="just"/>
                 <a:endParaRPr lang="fr-FR" sz="700" dirty="0">
                   <a:latin typeface="Arial" panose="020B0604020202020204" pitchFamily="34" charset="0"/>
                   <a:cs typeface="Arial" panose="020B0604020202020204" pitchFamily="34" charset="0"/>
@@ -4961,14 +4577,14 @@
               </a:p>
               <a:p>
                 <a:pPr algn="just"/>
-                <a:endParaRPr lang="fr-FR" sz="700" dirty="0">
+                <a:endParaRPr lang="fr-FR" sz="800" dirty="0">
                   <a:latin typeface="Arial" panose="020B0604020202020204" pitchFamily="34" charset="0"/>
                   <a:cs typeface="Arial" panose="020B0604020202020204" pitchFamily="34" charset="0"/>
                 </a:endParaRPr>
               </a:p>
               <a:p>
                 <a:pPr algn="just"/>
-                <a:endParaRPr lang="fr-FR" sz="700" dirty="0">
+                <a:endParaRPr lang="fr-FR" sz="800" dirty="0">
                   <a:latin typeface="Arial" panose="020B0604020202020204" pitchFamily="34" charset="0"/>
                   <a:cs typeface="Arial" panose="020B0604020202020204" pitchFamily="34" charset="0"/>
                 </a:endParaRPr>
@@ -5044,7 +4660,7 @@
                     <a:latin typeface="Arial" panose="020B0604020202020204" pitchFamily="34" charset="0"/>
                     <a:cs typeface="Arial" panose="020B0604020202020204" pitchFamily="34" charset="0"/>
                   </a:rPr>
-                  <a:t>, comptant le nombre recouvrement dans la grille. Notons que quand le puzzle est faisable, alors le minimum de </a:t>
+                  <a:t>, comptant le nombre de recouvrements dans la grille. Notons que quand le puzzle est faisable, alors le minimum de </a:t>
                 </a:r>
                 <a14:m>
                   <m:oMath xmlns:m="http://schemas.openxmlformats.org/officeDocument/2006/math">
@@ -5189,7 +4805,7 @@
             </p:txBody>
           </p:sp>
         </mc:Choice>
-        <mc:Fallback xmlns="">
+        <mc:Fallback>
           <p:sp>
             <p:nvSpPr>
               <p:cNvPr id="27" name="TextBox 19"/>
@@ -5200,14 +4816,14 @@
             </p:nvSpPr>
             <p:spPr>
               <a:xfrm>
-                <a:off x="299076" y="7693098"/>
-                <a:ext cx="3214467" cy="3070071"/>
+                <a:off x="308709" y="7860574"/>
+                <a:ext cx="3214467" cy="2854628"/>
               </a:xfrm>
               <a:prstGeom prst="rect">
                 <a:avLst/>
               </a:prstGeom>
-              <a:blipFill rotWithShape="0">
-                <a:blip r:embed="rId4"/>
+              <a:blipFill>
+                <a:blip r:embed="rId3"/>
                 <a:stretch>
                   <a:fillRect/>
                 </a:stretch>
@@ -5233,94 +4849,6 @@
           </p:sp>
         </mc:Fallback>
       </mc:AlternateContent>
-      <p:sp>
-        <p:nvSpPr>
-          <p:cNvPr id="7" name="TextBox 6"/>
-          <p:cNvSpPr txBox="1"/>
-          <p:nvPr/>
-        </p:nvSpPr>
-        <p:spPr>
-          <a:xfrm>
-            <a:off x="2326723" y="6297434"/>
-            <a:ext cx="865430" cy="215444"/>
-          </a:xfrm>
-          <a:prstGeom prst="rect">
-            <a:avLst/>
-          </a:prstGeom>
-          <a:noFill/>
-        </p:spPr>
-        <p:txBody>
-          <a:bodyPr wrap="square" rtlCol="0">
-            <a:spAutoFit/>
-          </a:bodyPr>
-          <a:lstStyle/>
-          <a:p>
-            <a:r>
-              <a:rPr lang="fr-FR" sz="800" i="1" dirty="0"/>
-              <a:t>Le cylindre</a:t>
-            </a:r>
-          </a:p>
-        </p:txBody>
-      </p:sp>
-      <p:sp>
-        <p:nvSpPr>
-          <p:cNvPr id="8" name="TextBox 7"/>
-          <p:cNvSpPr txBox="1"/>
-          <p:nvPr/>
-        </p:nvSpPr>
-        <p:spPr>
-          <a:xfrm>
-            <a:off x="2339272" y="7159544"/>
-            <a:ext cx="764381" cy="215444"/>
-          </a:xfrm>
-          <a:prstGeom prst="rect">
-            <a:avLst/>
-          </a:prstGeom>
-          <a:noFill/>
-        </p:spPr>
-        <p:txBody>
-          <a:bodyPr wrap="square" rtlCol="0">
-            <a:spAutoFit/>
-          </a:bodyPr>
-          <a:lstStyle/>
-          <a:p>
-            <a:r>
-              <a:rPr lang="fr-FR" sz="800" i="1" dirty="0"/>
-              <a:t>Une pièce</a:t>
-            </a:r>
-          </a:p>
-        </p:txBody>
-      </p:sp>
-      <p:sp>
-        <p:nvSpPr>
-          <p:cNvPr id="10" name="TextBox 9"/>
-          <p:cNvSpPr txBox="1"/>
-          <p:nvPr/>
-        </p:nvSpPr>
-        <p:spPr>
-          <a:xfrm>
-            <a:off x="452158" y="7458384"/>
-            <a:ext cx="2866476" cy="230832"/>
-          </a:xfrm>
-          <a:prstGeom prst="rect">
-            <a:avLst/>
-          </a:prstGeom>
-          <a:noFill/>
-        </p:spPr>
-        <p:txBody>
-          <a:bodyPr wrap="square" rtlCol="0">
-            <a:spAutoFit/>
-          </a:bodyPr>
-          <a:lstStyle/>
-          <a:p>
-            <a:pPr algn="ctr"/>
-            <a:r>
-              <a:rPr lang="fr-FR" sz="900" i="1" dirty="0"/>
-              <a:t>Schéma du puzzle étudié résolu et de ses éléments.</a:t>
-            </a:r>
-          </a:p>
-        </p:txBody>
-      </p:sp>
       <p:sp>
         <p:nvSpPr>
           <p:cNvPr id="11" name="Rectangle 10"/>
@@ -5512,7 +5040,7 @@
           <p:nvPr/>
         </p:nvPicPr>
         <p:blipFill>
-          <a:blip r:embed="rId5">
+          <a:blip r:embed="rId4">
             <a:extLst>
               <a:ext uri="{28A0092B-C50C-407E-A947-70E740481C1C}">
                 <a14:useLocalDpi xmlns:a14="http://schemas.microsoft.com/office/drawing/2010/main" val="0"/>
@@ -5576,8 +5104,8 @@
         </p:nvSpPr>
         <p:spPr>
           <a:xfrm>
-            <a:off x="7349669" y="14498217"/>
-            <a:ext cx="3329320" cy="523220"/>
+            <a:off x="6808220" y="14511253"/>
+            <a:ext cx="3708230" cy="523220"/>
           </a:xfrm>
           <a:prstGeom prst="rect">
             <a:avLst/>
@@ -5590,6 +5118,7 @@
           </a:bodyPr>
           <a:lstStyle/>
           <a:p>
+            <a:pPr algn="r"/>
             <a:r>
               <a:rPr lang="fr-FR" sz="2800" b="1" dirty="0">
                 <a:solidFill>
@@ -5598,7 +5127,7 @@
                 <a:latin typeface="Arial" panose="020B0604020202020204" pitchFamily="34" charset="0"/>
                 <a:cs typeface="Arial" panose="020B0604020202020204" pitchFamily="34" charset="0"/>
               </a:rPr>
-              <a:t>ANNÉE 2017-2018</a:t>
+              <a:t>DÉPARTEMENT IMI</a:t>
             </a:r>
           </a:p>
         </p:txBody>
@@ -5613,8 +5142,8 @@
             </p:nvSpPr>
             <p:spPr>
               <a:xfrm>
-                <a:off x="1006183" y="8955748"/>
-                <a:ext cx="2054857" cy="215444"/>
+                <a:off x="1009954" y="8985975"/>
+                <a:ext cx="1754903" cy="184666"/>
               </a:xfrm>
               <a:prstGeom prst="rect">
                 <a:avLst/>
@@ -5638,39 +5167,39 @@
                         <m:rPr>
                           <m:nor/>
                         </m:rPr>
-                        <a:rPr lang="fr-FR" sz="1400" b="0" i="0" smtClean="0">
+                        <a:rPr lang="fr-FR" sz="1200" b="0" i="0" smtClean="0">
                           <a:latin typeface="Cambria Math" panose="02040503050406030204" pitchFamily="18" charset="0"/>
                         </a:rPr>
                         <m:t>trouver</m:t>
                       </m:r>
                       <m:r>
-                        <a:rPr lang="fr-FR" sz="1400" b="0" i="1" smtClean="0">
+                        <a:rPr lang="fr-FR" sz="1200" b="0" i="1" smtClean="0">
                           <a:latin typeface="Cambria Math" panose="02040503050406030204" pitchFamily="18" charset="0"/>
                         </a:rPr>
                         <m:t> </m:t>
                       </m:r>
                       <m:r>
-                        <a:rPr lang="fr-FR" sz="1400" b="0" i="1" smtClean="0">
+                        <a:rPr lang="fr-FR" sz="1200" b="0" i="1" smtClean="0">
                           <a:latin typeface="Cambria Math" panose="02040503050406030204" pitchFamily="18" charset="0"/>
                         </a:rPr>
                         <m:t>𝑠</m:t>
                       </m:r>
                       <m:r>
-                        <a:rPr lang="fr-FR" sz="1400" b="0" i="1" smtClean="0">
+                        <a:rPr lang="fr-FR" sz="1200" b="0" i="1" smtClean="0">
                           <a:latin typeface="Cambria Math" panose="02040503050406030204" pitchFamily="18" charset="0"/>
                           <a:ea typeface="Cambria Math" panose="02040503050406030204" pitchFamily="18" charset="0"/>
                         </a:rPr>
                         <m:t>∈</m:t>
                       </m:r>
                       <m:r>
-                        <a:rPr lang="fr-FR" sz="1400" b="0" i="1" smtClean="0">
+                        <a:rPr lang="fr-FR" sz="1200" b="0" i="1" smtClean="0">
                           <a:latin typeface="Cambria Math" panose="02040503050406030204" pitchFamily="18" charset="0"/>
                           <a:ea typeface="Cambria Math" panose="02040503050406030204" pitchFamily="18" charset="0"/>
                         </a:rPr>
                         <m:t>𝒞</m:t>
                       </m:r>
                       <m:r>
-                        <a:rPr lang="fr-FR" sz="1400" b="0" i="1" smtClean="0">
+                        <a:rPr lang="fr-FR" sz="1200" b="0" i="1" smtClean="0">
                           <a:latin typeface="Cambria Math" panose="02040503050406030204" pitchFamily="18" charset="0"/>
                         </a:rPr>
                         <m:t>= </m:t>
@@ -5679,19 +5208,19 @@
                         <m:rPr>
                           <m:nor/>
                         </m:rPr>
-                        <a:rPr lang="fr-FR" sz="1400" b="0" i="0" smtClean="0">
+                        <a:rPr lang="fr-FR" sz="1200" b="0" i="0" smtClean="0">
                           <a:latin typeface="Cambria Math" panose="02040503050406030204" pitchFamily="18" charset="0"/>
                         </a:rPr>
                         <m:t>argmin</m:t>
                       </m:r>
                       <m:r>
-                        <a:rPr lang="fr-FR" sz="1400" b="0" i="1" smtClean="0">
+                        <a:rPr lang="fr-FR" sz="1200" b="0" i="1" smtClean="0">
                           <a:latin typeface="Cambria Math" panose="02040503050406030204" pitchFamily="18" charset="0"/>
                         </a:rPr>
                         <m:t> </m:t>
                       </m:r>
                       <m:r>
-                        <a:rPr lang="fr-FR" sz="1400" b="0" i="1" smtClean="0">
+                        <a:rPr lang="fr-FR" sz="1200" b="0" i="1" smtClean="0">
                           <a:latin typeface="Cambria Math" panose="02040503050406030204" pitchFamily="18" charset="0"/>
                         </a:rPr>
                         <m:t>𝑉</m:t>
@@ -5699,7 +5228,7 @@
                     </m:oMath>
                   </m:oMathPara>
                 </a14:m>
-                <a:endParaRPr lang="fr-FR" sz="1400" dirty="0"/>
+                <a:endParaRPr lang="fr-FR" sz="1200" dirty="0"/>
               </a:p>
             </p:txBody>
           </p:sp>
@@ -5715,16 +5244,16 @@
             </p:nvSpPr>
             <p:spPr>
               <a:xfrm>
-                <a:off x="1006183" y="8955748"/>
-                <a:ext cx="2054857" cy="215444"/>
+                <a:off x="1009954" y="8985975"/>
+                <a:ext cx="1754903" cy="184666"/>
               </a:xfrm>
               <a:prstGeom prst="rect">
                 <a:avLst/>
               </a:prstGeom>
               <a:blipFill rotWithShape="0">
-                <a:blip r:embed="rId6"/>
+                <a:blip r:embed="rId5"/>
                 <a:stretch>
-                  <a:fillRect l="-1187" r="-1187" b="-31429"/>
+                  <a:fillRect l="-1389" r="-1736" b="-33333"/>
                 </a:stretch>
               </a:blipFill>
             </p:spPr>
@@ -5743,54 +5272,8 @@
           </p:sp>
         </mc:Fallback>
       </mc:AlternateContent>
-      <p:sp>
-        <p:nvSpPr>
-          <p:cNvPr id="60" name="Rounded Rectangle 59"/>
-          <p:cNvSpPr/>
-          <p:nvPr/>
-        </p:nvSpPr>
-        <p:spPr>
-          <a:xfrm>
-            <a:off x="271538" y="10697756"/>
-            <a:ext cx="3227716" cy="1356451"/>
-          </a:xfrm>
-          <a:prstGeom prst="roundRect">
-            <a:avLst/>
-          </a:prstGeom>
-          <a:noFill/>
-          <a:ln>
-            <a:solidFill>
-              <a:srgbClr val="FF0000"/>
-            </a:solidFill>
-          </a:ln>
-        </p:spPr>
-        <p:style>
-          <a:lnRef idx="2">
-            <a:schemeClr val="accent1">
-              <a:shade val="50000"/>
-            </a:schemeClr>
-          </a:lnRef>
-          <a:fillRef idx="1">
-            <a:schemeClr val="accent1"/>
-          </a:fillRef>
-          <a:effectRef idx="0">
-            <a:schemeClr val="accent1"/>
-          </a:effectRef>
-          <a:fontRef idx="minor">
-            <a:schemeClr val="lt1"/>
-          </a:fontRef>
-        </p:style>
-        <p:txBody>
-          <a:bodyPr rtlCol="0" anchor="ctr"/>
-          <a:lstStyle/>
-          <a:p>
-            <a:pPr algn="ctr"/>
-            <a:endParaRPr lang="fr-FR"/>
-          </a:p>
-        </p:txBody>
-      </p:sp>
-      <mc:AlternateContent xmlns:mc="http://schemas.openxmlformats.org/markup-compatibility/2006" xmlns:a14="http://schemas.microsoft.com/office/drawing/2010/main">
-        <mc:Choice Requires="a14">
+      <mc:AlternateContent xmlns:mc="http://schemas.openxmlformats.org/markup-compatibility/2006">
+        <mc:Choice xmlns:a14="http://schemas.microsoft.com/office/drawing/2010/main" Requires="a14">
           <p:sp>
             <p:nvSpPr>
               <p:cNvPr id="62" name="TextBox 61"/>
@@ -5799,8 +5282,8 @@
             </p:nvSpPr>
             <p:spPr>
               <a:xfrm>
-                <a:off x="314657" y="10720007"/>
-                <a:ext cx="3184597" cy="1323439"/>
+                <a:off x="314657" y="10608881"/>
+                <a:ext cx="3184597" cy="1333827"/>
               </a:xfrm>
               <a:prstGeom prst="rect">
                 <a:avLst/>
@@ -5953,7 +5436,7 @@
                     <a:latin typeface="Arial" panose="020B0604020202020204" pitchFamily="34" charset="0"/>
                     <a:cs typeface="Arial" panose="020B0604020202020204" pitchFamily="34" charset="0"/>
                   </a:rPr>
-                  <a:t>On calcule la variation de potentiel y aller</a:t>
+                  <a:t>On calcule la variation de potentiel pour y aller</a:t>
                 </a:r>
                 <a:endParaRPr lang="fr-FR" sz="1000" dirty="0">
                   <a:solidFill>
@@ -6057,28 +5540,196 @@
                     <a:latin typeface="Arial" panose="020B0604020202020204" pitchFamily="34" charset="0"/>
                     <a:cs typeface="Arial" panose="020B0604020202020204" pitchFamily="34" charset="0"/>
                   </a:rPr>
-                  <a:t> avec une probabilité suivant la </a:t>
+                  <a:t> avec une probabilité de la forme:  </a:t>
                 </a:r>
-                <a:r>
-                  <a:rPr lang="fr-FR" sz="1000" b="1" dirty="0">
-                    <a:solidFill>
-                      <a:prstClr val="black"/>
-                    </a:solidFill>
-                    <a:latin typeface="Arial" panose="020B0604020202020204" pitchFamily="34" charset="0"/>
-                    <a:cs typeface="Arial" panose="020B0604020202020204" pitchFamily="34" charset="0"/>
-                  </a:rPr>
-                  <a:t>mesure de Gibbs</a:t>
-                </a:r>
-                <a:r>
-                  <a:rPr lang="fr-FR" sz="1000" dirty="0">
-                    <a:solidFill>
-                      <a:prstClr val="black"/>
-                    </a:solidFill>
-                    <a:latin typeface="Arial" panose="020B0604020202020204" pitchFamily="34" charset="0"/>
-                    <a:cs typeface="Arial" panose="020B0604020202020204" pitchFamily="34" charset="0"/>
-                  </a:rPr>
-                  <a:t>.</a:t>
-                </a:r>
+                <a14:m>
+                  <m:oMath xmlns:m="http://schemas.openxmlformats.org/officeDocument/2006/math">
+                    <m:r>
+                      <m:rPr>
+                        <m:sty m:val="p"/>
+                      </m:rPr>
+                      <a:rPr lang="el-GR" sz="1050" i="1">
+                        <a:latin typeface="Cambria Math" panose="02040503050406030204" pitchFamily="18" charset="0"/>
+                        <a:ea typeface="Cambria Math" panose="02040503050406030204" pitchFamily="18" charset="0"/>
+                      </a:rPr>
+                      <m:t>Π</m:t>
+                    </m:r>
+                    <m:d>
+                      <m:dPr>
+                        <m:ctrlPr>
+                          <a:rPr lang="fr-FR" sz="1050" i="1">
+                            <a:latin typeface="Cambria Math" panose="02040503050406030204" pitchFamily="18" charset="0"/>
+                            <a:ea typeface="Cambria Math" panose="02040503050406030204" pitchFamily="18" charset="0"/>
+                          </a:rPr>
+                        </m:ctrlPr>
+                      </m:dPr>
+                      <m:e>
+                        <m:r>
+                          <a:rPr lang="fr-FR" sz="1050" b="0" i="1" smtClean="0">
+                            <a:latin typeface="Cambria Math" panose="02040503050406030204" pitchFamily="18" charset="0"/>
+                            <a:ea typeface="Cambria Math" panose="02040503050406030204" pitchFamily="18" charset="0"/>
+                          </a:rPr>
+                          <m:t>𝑐</m:t>
+                        </m:r>
+                        <m:r>
+                          <a:rPr lang="fr-FR" sz="1050" b="0" i="1" smtClean="0">
+                            <a:latin typeface="Cambria Math" panose="02040503050406030204" pitchFamily="18" charset="0"/>
+                            <a:ea typeface="Cambria Math" panose="02040503050406030204" pitchFamily="18" charset="0"/>
+                          </a:rPr>
+                          <m:t>→</m:t>
+                        </m:r>
+                        <m:r>
+                          <a:rPr lang="fr-FR" sz="1050" b="0" i="1" smtClean="0">
+                            <a:latin typeface="Cambria Math" panose="02040503050406030204" pitchFamily="18" charset="0"/>
+                            <a:ea typeface="Cambria Math" panose="02040503050406030204" pitchFamily="18" charset="0"/>
+                          </a:rPr>
+                          <m:t>𝑐</m:t>
+                        </m:r>
+                        <m:r>
+                          <a:rPr lang="fr-FR" sz="1050" b="0" i="1" smtClean="0">
+                            <a:latin typeface="Cambria Math" panose="02040503050406030204" pitchFamily="18" charset="0"/>
+                            <a:ea typeface="Cambria Math" panose="02040503050406030204" pitchFamily="18" charset="0"/>
+                          </a:rPr>
+                          <m:t>′,</m:t>
+                        </m:r>
+                        <m:r>
+                          <a:rPr lang="fr-FR" sz="1050" i="1">
+                            <a:latin typeface="Cambria Math" panose="02040503050406030204" pitchFamily="18" charset="0"/>
+                            <a:ea typeface="Cambria Math" panose="02040503050406030204" pitchFamily="18" charset="0"/>
+                          </a:rPr>
+                          <m:t>𝑡</m:t>
+                        </m:r>
+                      </m:e>
+                    </m:d>
+                    <m:r>
+                      <a:rPr lang="fr-FR" sz="1050" i="1">
+                        <a:latin typeface="Cambria Math" panose="02040503050406030204" pitchFamily="18" charset="0"/>
+                        <a:ea typeface="Cambria Math" panose="02040503050406030204" pitchFamily="18" charset="0"/>
+                      </a:rPr>
+                      <m:t>=</m:t>
+                    </m:r>
+                    <m:sSup>
+                      <m:sSupPr>
+                        <m:ctrlPr>
+                          <a:rPr lang="fr-FR" sz="1050" i="1" dirty="0">
+                            <a:latin typeface="Cambria Math" panose="02040503050406030204" pitchFamily="18" charset="0"/>
+                            <a:ea typeface="Cambria Math" panose="02040503050406030204" pitchFamily="18" charset="0"/>
+                          </a:rPr>
+                        </m:ctrlPr>
+                      </m:sSupPr>
+                      <m:e>
+                        <m:r>
+                          <m:rPr>
+                            <m:nor/>
+                          </m:rPr>
+                          <a:rPr lang="fr-FR" sz="1050" dirty="0">
+                            <a:latin typeface="Cambria Math" panose="02040503050406030204" pitchFamily="18" charset="0"/>
+                            <a:ea typeface="Cambria Math" panose="02040503050406030204" pitchFamily="18" charset="0"/>
+                          </a:rPr>
+                          <m:t>e</m:t>
+                        </m:r>
+                      </m:e>
+                      <m:sup>
+                        <m:r>
+                          <a:rPr lang="fr-FR" sz="1050" i="1" dirty="0">
+                            <a:latin typeface="Cambria Math" panose="02040503050406030204" pitchFamily="18" charset="0"/>
+                            <a:ea typeface="Cambria Math" panose="02040503050406030204" pitchFamily="18" charset="0"/>
+                          </a:rPr>
+                          <m:t>−</m:t>
+                        </m:r>
+                        <m:r>
+                          <a:rPr lang="fr-FR" sz="1050" i="1" dirty="0">
+                            <a:latin typeface="Cambria Math" panose="02040503050406030204" pitchFamily="18" charset="0"/>
+                            <a:ea typeface="Cambria Math" panose="02040503050406030204" pitchFamily="18" charset="0"/>
+                          </a:rPr>
+                          <m:t>𝛽</m:t>
+                        </m:r>
+                        <m:d>
+                          <m:dPr>
+                            <m:ctrlPr>
+                              <a:rPr lang="fr-FR" sz="1050" i="1" dirty="0">
+                                <a:latin typeface="Cambria Math" panose="02040503050406030204" pitchFamily="18" charset="0"/>
+                                <a:ea typeface="Cambria Math" panose="02040503050406030204" pitchFamily="18" charset="0"/>
+                              </a:rPr>
+                            </m:ctrlPr>
+                          </m:dPr>
+                          <m:e>
+                            <m:r>
+                              <a:rPr lang="fr-FR" sz="1050" i="1" dirty="0">
+                                <a:latin typeface="Cambria Math" panose="02040503050406030204" pitchFamily="18" charset="0"/>
+                                <a:ea typeface="Cambria Math" panose="02040503050406030204" pitchFamily="18" charset="0"/>
+                              </a:rPr>
+                              <m:t>𝑡</m:t>
+                            </m:r>
+                          </m:e>
+                        </m:d>
+                        <m:r>
+                          <a:rPr lang="fr-FR" sz="1050" i="1" dirty="0">
+                            <a:latin typeface="Cambria Math" panose="02040503050406030204" pitchFamily="18" charset="0"/>
+                            <a:ea typeface="Cambria Math" panose="02040503050406030204" pitchFamily="18" charset="0"/>
+                          </a:rPr>
+                          <m:t>.</m:t>
+                        </m:r>
+                        <m:r>
+                          <a:rPr lang="fr-FR" sz="1050" i="1" dirty="0" smtClean="0">
+                            <a:latin typeface="Cambria Math" panose="02040503050406030204" pitchFamily="18" charset="0"/>
+                            <a:ea typeface="Cambria Math" panose="02040503050406030204" pitchFamily="18" charset="0"/>
+                          </a:rPr>
+                          <m:t>∆</m:t>
+                        </m:r>
+                        <m:r>
+                          <a:rPr lang="fr-FR" sz="1050" i="1" dirty="0">
+                            <a:latin typeface="Cambria Math" panose="02040503050406030204" pitchFamily="18" charset="0"/>
+                            <a:ea typeface="Cambria Math" panose="02040503050406030204" pitchFamily="18" charset="0"/>
+                          </a:rPr>
+                          <m:t>𝑉</m:t>
+                        </m:r>
+                        <m:r>
+                          <a:rPr lang="fr-FR" sz="1050" i="1" dirty="0">
+                            <a:latin typeface="Cambria Math" panose="02040503050406030204" pitchFamily="18" charset="0"/>
+                            <a:ea typeface="Cambria Math" panose="02040503050406030204" pitchFamily="18" charset="0"/>
+                          </a:rPr>
+                          <m:t>(</m:t>
+                        </m:r>
+                        <m:r>
+                          <a:rPr lang="fr-FR" sz="1050" b="0" i="1" dirty="0" smtClean="0">
+                            <a:latin typeface="Cambria Math" panose="02040503050406030204" pitchFamily="18" charset="0"/>
+                            <a:ea typeface="Cambria Math" panose="02040503050406030204" pitchFamily="18" charset="0"/>
+                          </a:rPr>
+                          <m:t>𝑐</m:t>
+                        </m:r>
+                        <m:r>
+                          <a:rPr lang="fr-FR" sz="1050" b="0" i="1" dirty="0" smtClean="0">
+                            <a:latin typeface="Cambria Math" panose="02040503050406030204" pitchFamily="18" charset="0"/>
+                            <a:ea typeface="Cambria Math" panose="02040503050406030204" pitchFamily="18" charset="0"/>
+                          </a:rPr>
+                          <m:t>→</m:t>
+                        </m:r>
+                        <m:r>
+                          <a:rPr lang="fr-FR" sz="1050" b="0" i="1" dirty="0" smtClean="0">
+                            <a:latin typeface="Cambria Math" panose="02040503050406030204" pitchFamily="18" charset="0"/>
+                            <a:ea typeface="Cambria Math" panose="02040503050406030204" pitchFamily="18" charset="0"/>
+                          </a:rPr>
+                          <m:t>𝑐</m:t>
+                        </m:r>
+                        <m:r>
+                          <a:rPr lang="fr-FR" sz="1050" b="0" i="1" dirty="0" smtClean="0">
+                            <a:latin typeface="Cambria Math" panose="02040503050406030204" pitchFamily="18" charset="0"/>
+                            <a:ea typeface="Cambria Math" panose="02040503050406030204" pitchFamily="18" charset="0"/>
+                          </a:rPr>
+                          <m:t>′)</m:t>
+                        </m:r>
+                      </m:sup>
+                    </m:sSup>
+                  </m:oMath>
+                </a14:m>
+                <a:endParaRPr lang="fr-FR" sz="1000" dirty="0">
+                  <a:solidFill>
+                    <a:prstClr val="black"/>
+                  </a:solidFill>
+                  <a:latin typeface="Arial" panose="020B0604020202020204" pitchFamily="34" charset="0"/>
+                  <a:cs typeface="Arial" panose="020B0604020202020204" pitchFamily="34" charset="0"/>
+                </a:endParaRPr>
               </a:p>
               <a:p>
                 <a:pPr marL="171450" lvl="0" indent="-171450" algn="just">
@@ -6212,7 +5863,7 @@
             </p:txBody>
           </p:sp>
         </mc:Choice>
-        <mc:Fallback xmlns="">
+        <mc:Fallback>
           <p:sp>
             <p:nvSpPr>
               <p:cNvPr id="62" name="TextBox 61"/>
@@ -6223,16 +5874,16 @@
             </p:nvSpPr>
             <p:spPr>
               <a:xfrm>
-                <a:off x="314657" y="10720007"/>
-                <a:ext cx="3184597" cy="1323439"/>
+                <a:off x="314657" y="10608881"/>
+                <a:ext cx="3184597" cy="1333827"/>
               </a:xfrm>
               <a:prstGeom prst="rect">
                 <a:avLst/>
               </a:prstGeom>
-              <a:blipFill rotWithShape="0">
-                <a:blip r:embed="rId7"/>
+              <a:blipFill>
+                <a:blip r:embed="rId6"/>
                 <a:stretch>
-                  <a:fillRect t="-461" b="-922"/>
+                  <a:fillRect b="-1826"/>
                 </a:stretch>
               </a:blipFill>
             </p:spPr>
@@ -6251,225 +5902,8 @@
           </p:sp>
         </mc:Fallback>
       </mc:AlternateContent>
-      <mc:AlternateContent xmlns:mc="http://schemas.openxmlformats.org/markup-compatibility/2006" xmlns:a14="http://schemas.microsoft.com/office/drawing/2010/main">
-        <mc:Choice Requires="a14">
-          <p:sp>
-            <p:nvSpPr>
-              <p:cNvPr id="72" name="TextBox 71"/>
-              <p:cNvSpPr txBox="1"/>
-              <p:nvPr/>
-            </p:nvSpPr>
-            <p:spPr>
-              <a:xfrm>
-                <a:off x="1132187" y="13053573"/>
-                <a:ext cx="1548244" cy="229935"/>
-              </a:xfrm>
-              <a:prstGeom prst="rect">
-                <a:avLst/>
-              </a:prstGeom>
-              <a:noFill/>
-            </p:spPr>
-            <p:txBody>
-              <a:bodyPr wrap="none" lIns="0" tIns="0" rIns="0" bIns="0" rtlCol="0">
-                <a:spAutoFit/>
-              </a:bodyPr>
-              <a:lstStyle/>
-              <a:p>
-                <a14:m>
-                  <m:oMath xmlns:m="http://schemas.openxmlformats.org/officeDocument/2006/math">
-                    <m:r>
-                      <m:rPr>
-                        <m:sty m:val="p"/>
-                      </m:rPr>
-                      <a:rPr lang="el-GR" sz="1400" b="0" i="1" smtClean="0">
-                        <a:latin typeface="Cambria Math" panose="02040503050406030204" pitchFamily="18" charset="0"/>
-                        <a:ea typeface="Cambria Math" panose="02040503050406030204" pitchFamily="18" charset="0"/>
-                      </a:rPr>
-                      <m:t>Π</m:t>
-                    </m:r>
-                    <m:d>
-                      <m:dPr>
-                        <m:ctrlPr>
-                          <a:rPr lang="fr-FR" sz="1400" b="0" i="1" smtClean="0">
-                            <a:latin typeface="Cambria Math" panose="02040503050406030204" pitchFamily="18" charset="0"/>
-                            <a:ea typeface="Cambria Math" panose="02040503050406030204" pitchFamily="18" charset="0"/>
-                          </a:rPr>
-                        </m:ctrlPr>
-                      </m:dPr>
-                      <m:e>
-                        <m:r>
-                          <a:rPr lang="fr-FR" sz="1400" b="0" i="1" smtClean="0">
-                            <a:latin typeface="Cambria Math" panose="02040503050406030204" pitchFamily="18" charset="0"/>
-                            <a:ea typeface="Cambria Math" panose="02040503050406030204" pitchFamily="18" charset="0"/>
-                          </a:rPr>
-                          <m:t>𝑥</m:t>
-                        </m:r>
-                        <m:r>
-                          <a:rPr lang="fr-FR" sz="1400" b="0" i="1" smtClean="0">
-                            <a:latin typeface="Cambria Math" panose="02040503050406030204" pitchFamily="18" charset="0"/>
-                            <a:ea typeface="Cambria Math" panose="02040503050406030204" pitchFamily="18" charset="0"/>
-                          </a:rPr>
-                          <m:t>,</m:t>
-                        </m:r>
-                        <m:r>
-                          <a:rPr lang="fr-FR" sz="1400" b="0" i="1" smtClean="0">
-                            <a:latin typeface="Cambria Math" panose="02040503050406030204" pitchFamily="18" charset="0"/>
-                            <a:ea typeface="Cambria Math" panose="02040503050406030204" pitchFamily="18" charset="0"/>
-                          </a:rPr>
-                          <m:t>𝑡</m:t>
-                        </m:r>
-                      </m:e>
-                    </m:d>
-                    <m:r>
-                      <a:rPr lang="fr-FR" sz="1400" b="0" i="1" smtClean="0">
-                        <a:latin typeface="Cambria Math" panose="02040503050406030204" pitchFamily="18" charset="0"/>
-                        <a:ea typeface="Cambria Math" panose="02040503050406030204" pitchFamily="18" charset="0"/>
-                      </a:rPr>
-                      <m:t>=</m:t>
-                    </m:r>
-                    <m:sSup>
-                      <m:sSupPr>
-                        <m:ctrlPr>
-                          <a:rPr lang="fr-FR" sz="1400" i="1" dirty="0" smtClean="0">
-                            <a:latin typeface="Cambria Math" panose="02040503050406030204" pitchFamily="18" charset="0"/>
-                            <a:ea typeface="Cambria Math" panose="02040503050406030204" pitchFamily="18" charset="0"/>
-                          </a:rPr>
-                        </m:ctrlPr>
-                      </m:sSupPr>
-                      <m:e>
-                        <m:r>
-                          <m:rPr>
-                            <m:nor/>
-                          </m:rPr>
-                          <a:rPr lang="fr-FR" sz="1400" i="0" dirty="0" smtClean="0">
-                            <a:latin typeface="Cambria Math" panose="02040503050406030204" pitchFamily="18" charset="0"/>
-                            <a:ea typeface="Cambria Math" panose="02040503050406030204" pitchFamily="18" charset="0"/>
-                          </a:rPr>
-                          <m:t>e</m:t>
-                        </m:r>
-                      </m:e>
-                      <m:sup>
-                        <m:r>
-                          <a:rPr lang="fr-FR" sz="1400" i="1" dirty="0" smtClean="0">
-                            <a:latin typeface="Cambria Math" panose="02040503050406030204" pitchFamily="18" charset="0"/>
-                            <a:ea typeface="Cambria Math" panose="02040503050406030204" pitchFamily="18" charset="0"/>
-                          </a:rPr>
-                          <m:t>−</m:t>
-                        </m:r>
-                        <m:r>
-                          <a:rPr lang="fr-FR" sz="1400" i="1" dirty="0" smtClean="0">
-                            <a:latin typeface="Cambria Math" panose="02040503050406030204" pitchFamily="18" charset="0"/>
-                            <a:ea typeface="Cambria Math" panose="02040503050406030204" pitchFamily="18" charset="0"/>
-                          </a:rPr>
-                          <m:t>𝛽</m:t>
-                        </m:r>
-                        <m:d>
-                          <m:dPr>
-                            <m:ctrlPr>
-                              <a:rPr lang="fr-FR" sz="1400" b="0" i="1" dirty="0" smtClean="0">
-                                <a:latin typeface="Cambria Math" panose="02040503050406030204" pitchFamily="18" charset="0"/>
-                                <a:ea typeface="Cambria Math" panose="02040503050406030204" pitchFamily="18" charset="0"/>
-                              </a:rPr>
-                            </m:ctrlPr>
-                          </m:dPr>
-                          <m:e>
-                            <m:r>
-                              <a:rPr lang="fr-FR" sz="1400" b="0" i="1" dirty="0" smtClean="0">
-                                <a:latin typeface="Cambria Math" panose="02040503050406030204" pitchFamily="18" charset="0"/>
-                                <a:ea typeface="Cambria Math" panose="02040503050406030204" pitchFamily="18" charset="0"/>
-                              </a:rPr>
-                              <m:t>𝑡</m:t>
-                            </m:r>
-                          </m:e>
-                        </m:d>
-                        <m:r>
-                          <a:rPr lang="fr-FR" sz="1400" b="0" i="1" dirty="0" smtClean="0">
-                            <a:latin typeface="Cambria Math" panose="02040503050406030204" pitchFamily="18" charset="0"/>
-                            <a:ea typeface="Cambria Math" panose="02040503050406030204" pitchFamily="18" charset="0"/>
-                          </a:rPr>
-                          <m:t>.</m:t>
-                        </m:r>
-                        <m:r>
-                          <a:rPr lang="fr-FR" sz="1400" b="0" i="1" dirty="0" smtClean="0">
-                            <a:latin typeface="Cambria Math" panose="02040503050406030204" pitchFamily="18" charset="0"/>
-                            <a:ea typeface="Cambria Math" panose="02040503050406030204" pitchFamily="18" charset="0"/>
-                          </a:rPr>
-                          <m:t>𝑉</m:t>
-                        </m:r>
-                        <m:r>
-                          <a:rPr lang="fr-FR" sz="1400" b="0" i="1" dirty="0" smtClean="0">
-                            <a:latin typeface="Cambria Math" panose="02040503050406030204" pitchFamily="18" charset="0"/>
-                            <a:ea typeface="Cambria Math" panose="02040503050406030204" pitchFamily="18" charset="0"/>
-                          </a:rPr>
-                          <m:t>(</m:t>
-                        </m:r>
-                        <m:r>
-                          <a:rPr lang="fr-FR" sz="1400" b="0" i="1" dirty="0" smtClean="0">
-                            <a:latin typeface="Cambria Math" panose="02040503050406030204" pitchFamily="18" charset="0"/>
-                            <a:ea typeface="Cambria Math" panose="02040503050406030204" pitchFamily="18" charset="0"/>
-                          </a:rPr>
-                          <m:t>𝑥</m:t>
-                        </m:r>
-                        <m:r>
-                          <a:rPr lang="fr-FR" sz="1400" b="0" i="1" dirty="0" smtClean="0">
-                            <a:latin typeface="Cambria Math" panose="02040503050406030204" pitchFamily="18" charset="0"/>
-                            <a:ea typeface="Cambria Math" panose="02040503050406030204" pitchFamily="18" charset="0"/>
-                          </a:rPr>
-                          <m:t>)</m:t>
-                        </m:r>
-                      </m:sup>
-                    </m:sSup>
-                  </m:oMath>
-                </a14:m>
-                <a:r>
-                  <a:rPr lang="fr-FR" sz="1400" dirty="0"/>
-                  <a:t> </a:t>
-                </a:r>
-              </a:p>
-            </p:txBody>
-          </p:sp>
-        </mc:Choice>
-        <mc:Fallback xmlns="">
-          <p:sp>
-            <p:nvSpPr>
-              <p:cNvPr id="72" name="TextBox 71"/>
-              <p:cNvSpPr txBox="1">
-                <a:spLocks noRot="1" noChangeAspect="1" noMove="1" noResize="1" noEditPoints="1" noAdjustHandles="1" noChangeArrowheads="1" noChangeShapeType="1" noTextEdit="1"/>
-              </p:cNvSpPr>
-              <p:nvPr/>
-            </p:nvSpPr>
-            <p:spPr>
-              <a:xfrm>
-                <a:off x="1132187" y="13053573"/>
-                <a:ext cx="1548244" cy="229935"/>
-              </a:xfrm>
-              <a:prstGeom prst="rect">
-                <a:avLst/>
-              </a:prstGeom>
-              <a:blipFill rotWithShape="0">
-                <a:blip r:embed="rId8"/>
-                <a:stretch>
-                  <a:fillRect l="-3937" t="-2632" b="-5263"/>
-                </a:stretch>
-              </a:blipFill>
-            </p:spPr>
-            <p:txBody>
-              <a:bodyPr/>
-              <a:lstStyle/>
-              <a:p>
-                <a:r>
-                  <a:rPr lang="fr-FR">
-                    <a:noFill/>
-                  </a:rPr>
-                  <a:t> </a:t>
-                </a:r>
-              </a:p>
-            </p:txBody>
-          </p:sp>
-        </mc:Fallback>
-      </mc:AlternateContent>
-      <mc:AlternateContent xmlns:mc="http://schemas.openxmlformats.org/markup-compatibility/2006" xmlns:a14="http://schemas.microsoft.com/office/drawing/2010/main">
-        <mc:Choice Requires="a14">
+      <mc:AlternateContent xmlns:mc="http://schemas.openxmlformats.org/markup-compatibility/2006">
+        <mc:Choice xmlns:a14="http://schemas.microsoft.com/office/drawing/2010/main" Requires="a14">
           <p:sp>
             <p:nvSpPr>
               <p:cNvPr id="75" name="TextBox 74"/>
@@ -6478,8 +5912,8 @@
             </p:nvSpPr>
             <p:spPr>
               <a:xfrm>
-                <a:off x="3721053" y="1367656"/>
-                <a:ext cx="3249706" cy="6070893"/>
+                <a:off x="3730877" y="3023970"/>
+                <a:ext cx="3249706" cy="2100575"/>
               </a:xfrm>
               <a:prstGeom prst="rect">
                 <a:avLst/>
@@ -6497,255 +5931,6 @@
               </a:bodyPr>
               <a:lstStyle/>
               <a:p>
-                <a:pPr lvl="0" algn="just"/>
-                <a:r>
-                  <a:rPr lang="fr-FR" sz="1100" b="1" u="sng" dirty="0">
-                    <a:solidFill>
-                      <a:prstClr val="black"/>
-                    </a:solidFill>
-                    <a:latin typeface="Arial" panose="020B0604020202020204" pitchFamily="34" charset="0"/>
-                    <a:cs typeface="Arial" panose="020B0604020202020204" pitchFamily="34" charset="0"/>
-                  </a:rPr>
-                  <a:t>3- Implémentation</a:t>
-                </a:r>
-              </a:p>
-              <a:p>
-                <a:pPr lvl="0" algn="just"/>
-                <a:r>
-                  <a:rPr lang="fr-FR" sz="400" b="1" u="sng" dirty="0">
-                    <a:solidFill>
-                      <a:prstClr val="black"/>
-                    </a:solidFill>
-                    <a:latin typeface="Arial" panose="020B0604020202020204" pitchFamily="34" charset="0"/>
-                    <a:cs typeface="Arial" panose="020B0604020202020204" pitchFamily="34" charset="0"/>
-                  </a:rPr>
-                  <a:t> </a:t>
-                </a:r>
-                <a:endParaRPr lang="fr-FR" sz="300" b="1" u="sng" dirty="0">
-                  <a:solidFill>
-                    <a:prstClr val="black"/>
-                  </a:solidFill>
-                  <a:latin typeface="Arial" panose="020B0604020202020204" pitchFamily="34" charset="0"/>
-                  <a:cs typeface="Arial" panose="020B0604020202020204" pitchFamily="34" charset="0"/>
-                </a:endParaRPr>
-              </a:p>
-              <a:p>
-                <a:pPr lvl="0" algn="just"/>
-                <a:r>
-                  <a:rPr lang="fr-FR" sz="900" dirty="0">
-                    <a:solidFill>
-                      <a:prstClr val="black"/>
-                    </a:solidFill>
-                    <a:latin typeface="Arial" panose="020B0604020202020204" pitchFamily="34" charset="0"/>
-                    <a:cs typeface="Arial" panose="020B0604020202020204" pitchFamily="34" charset="0"/>
-                  </a:rPr>
-                  <a:t>    Nous avons choisi d’utiliser Python pour implémenter le recuit simulé. Voici la structure utilisée:</a:t>
-                </a:r>
-                <a:endParaRPr lang="fr-FR" sz="900" b="1" dirty="0">
-                  <a:solidFill>
-                    <a:prstClr val="black"/>
-                  </a:solidFill>
-                  <a:latin typeface="Arial" panose="020B0604020202020204" pitchFamily="34" charset="0"/>
-                  <a:cs typeface="Arial" panose="020B0604020202020204" pitchFamily="34" charset="0"/>
-                </a:endParaRPr>
-              </a:p>
-              <a:p>
-                <a:pPr lvl="0" algn="just"/>
-                <a:endParaRPr lang="fr-FR" sz="1000" b="1" dirty="0">
-                  <a:solidFill>
-                    <a:prstClr val="black"/>
-                  </a:solidFill>
-                  <a:latin typeface="Arial" panose="020B0604020202020204" pitchFamily="34" charset="0"/>
-                  <a:cs typeface="Arial" panose="020B0604020202020204" pitchFamily="34" charset="0"/>
-                </a:endParaRPr>
-              </a:p>
-              <a:p>
-                <a:pPr lvl="0" algn="just"/>
-                <a:endParaRPr lang="fr-FR" sz="1000" b="1" dirty="0">
-                  <a:solidFill>
-                    <a:prstClr val="black"/>
-                  </a:solidFill>
-                  <a:latin typeface="Arial" panose="020B0604020202020204" pitchFamily="34" charset="0"/>
-                  <a:cs typeface="Arial" panose="020B0604020202020204" pitchFamily="34" charset="0"/>
-                </a:endParaRPr>
-              </a:p>
-              <a:p>
-                <a:pPr lvl="0" algn="just"/>
-                <a:endParaRPr lang="fr-FR" sz="1000" b="1" dirty="0">
-                  <a:solidFill>
-                    <a:prstClr val="black"/>
-                  </a:solidFill>
-                  <a:latin typeface="Arial" panose="020B0604020202020204" pitchFamily="34" charset="0"/>
-                  <a:cs typeface="Arial" panose="020B0604020202020204" pitchFamily="34" charset="0"/>
-                </a:endParaRPr>
-              </a:p>
-              <a:p>
-                <a:pPr lvl="0" algn="just"/>
-                <a:endParaRPr lang="fr-FR" sz="1000" b="1" dirty="0">
-                  <a:solidFill>
-                    <a:prstClr val="black"/>
-                  </a:solidFill>
-                  <a:latin typeface="Arial" panose="020B0604020202020204" pitchFamily="34" charset="0"/>
-                  <a:cs typeface="Arial" panose="020B0604020202020204" pitchFamily="34" charset="0"/>
-                </a:endParaRPr>
-              </a:p>
-              <a:p>
-                <a:pPr lvl="0" algn="just"/>
-                <a:endParaRPr lang="fr-FR" sz="1000" b="1" dirty="0">
-                  <a:solidFill>
-                    <a:prstClr val="black"/>
-                  </a:solidFill>
-                  <a:latin typeface="Arial" panose="020B0604020202020204" pitchFamily="34" charset="0"/>
-                  <a:cs typeface="Arial" panose="020B0604020202020204" pitchFamily="34" charset="0"/>
-                </a:endParaRPr>
-              </a:p>
-              <a:p>
-                <a:pPr lvl="0" algn="just"/>
-                <a:endParaRPr lang="fr-FR" sz="1000" b="1" dirty="0">
-                  <a:solidFill>
-                    <a:prstClr val="black"/>
-                  </a:solidFill>
-                  <a:latin typeface="Arial" panose="020B0604020202020204" pitchFamily="34" charset="0"/>
-                  <a:cs typeface="Arial" panose="020B0604020202020204" pitchFamily="34" charset="0"/>
-                </a:endParaRPr>
-              </a:p>
-              <a:p>
-                <a:pPr lvl="0" algn="just"/>
-                <a:endParaRPr lang="fr-FR" sz="1000" b="1" dirty="0">
-                  <a:solidFill>
-                    <a:prstClr val="black"/>
-                  </a:solidFill>
-                  <a:latin typeface="Arial" panose="020B0604020202020204" pitchFamily="34" charset="0"/>
-                  <a:cs typeface="Arial" panose="020B0604020202020204" pitchFamily="34" charset="0"/>
-                </a:endParaRPr>
-              </a:p>
-              <a:p>
-                <a:pPr lvl="0" algn="just"/>
-                <a:endParaRPr lang="fr-FR" sz="1000" b="1" dirty="0">
-                  <a:solidFill>
-                    <a:prstClr val="black"/>
-                  </a:solidFill>
-                  <a:latin typeface="Arial" panose="020B0604020202020204" pitchFamily="34" charset="0"/>
-                  <a:cs typeface="Arial" panose="020B0604020202020204" pitchFamily="34" charset="0"/>
-                </a:endParaRPr>
-              </a:p>
-              <a:p>
-                <a:pPr lvl="0" algn="just"/>
-                <a:endParaRPr lang="fr-FR" sz="1000" b="1" dirty="0">
-                  <a:solidFill>
-                    <a:prstClr val="black"/>
-                  </a:solidFill>
-                  <a:latin typeface="Arial" panose="020B0604020202020204" pitchFamily="34" charset="0"/>
-                  <a:cs typeface="Arial" panose="020B0604020202020204" pitchFamily="34" charset="0"/>
-                </a:endParaRPr>
-              </a:p>
-              <a:p>
-                <a:pPr lvl="0" algn="just"/>
-                <a:endParaRPr lang="fr-FR" sz="1000" b="1" dirty="0">
-                  <a:solidFill>
-                    <a:prstClr val="black"/>
-                  </a:solidFill>
-                  <a:latin typeface="Arial" panose="020B0604020202020204" pitchFamily="34" charset="0"/>
-                  <a:cs typeface="Arial" panose="020B0604020202020204" pitchFamily="34" charset="0"/>
-                </a:endParaRPr>
-              </a:p>
-              <a:p>
-                <a:pPr lvl="0" algn="just"/>
-                <a:endParaRPr lang="fr-FR" sz="1000" b="1" dirty="0">
-                  <a:solidFill>
-                    <a:prstClr val="black"/>
-                  </a:solidFill>
-                  <a:latin typeface="Arial" panose="020B0604020202020204" pitchFamily="34" charset="0"/>
-                  <a:cs typeface="Arial" panose="020B0604020202020204" pitchFamily="34" charset="0"/>
-                </a:endParaRPr>
-              </a:p>
-              <a:p>
-                <a:pPr lvl="0" algn="just"/>
-                <a:endParaRPr lang="fr-FR" sz="1000" b="1" dirty="0">
-                  <a:solidFill>
-                    <a:prstClr val="black"/>
-                  </a:solidFill>
-                  <a:latin typeface="Arial" panose="020B0604020202020204" pitchFamily="34" charset="0"/>
-                  <a:cs typeface="Arial" panose="020B0604020202020204" pitchFamily="34" charset="0"/>
-                </a:endParaRPr>
-              </a:p>
-              <a:p>
-                <a:pPr lvl="0" algn="just"/>
-                <a:endParaRPr lang="fr-FR" sz="600" b="1" dirty="0">
-                  <a:solidFill>
-                    <a:prstClr val="black"/>
-                  </a:solidFill>
-                  <a:latin typeface="Arial" panose="020B0604020202020204" pitchFamily="34" charset="0"/>
-                  <a:cs typeface="Arial" panose="020B0604020202020204" pitchFamily="34" charset="0"/>
-                </a:endParaRPr>
-              </a:p>
-              <a:p>
-                <a:pPr lvl="0" algn="just"/>
-                <a:endParaRPr lang="fr-FR" sz="900" b="1" dirty="0">
-                  <a:solidFill>
-                    <a:prstClr val="black"/>
-                  </a:solidFill>
-                  <a:latin typeface="Arial" panose="020B0604020202020204" pitchFamily="34" charset="0"/>
-                  <a:cs typeface="Arial" panose="020B0604020202020204" pitchFamily="34" charset="0"/>
-                </a:endParaRPr>
-              </a:p>
-              <a:p>
-                <a:pPr lvl="0" algn="just"/>
-                <a:r>
-                  <a:rPr lang="fr-FR" sz="900" dirty="0">
-                    <a:solidFill>
-                      <a:prstClr val="black"/>
-                    </a:solidFill>
-                    <a:latin typeface="Arial" panose="020B0604020202020204" pitchFamily="34" charset="0"/>
-                    <a:cs typeface="Arial" panose="020B0604020202020204" pitchFamily="34" charset="0"/>
-                  </a:rPr>
-                  <a:t>Notre programme consiste à placer d’abord le bloc à un endroit prédéfini, et les pièces aléatoirement sur une grille, puis tant que le potentiel n’est pas nul, à explorer les voisinages selon l’algorithme décrit précédemment.</a:t>
-                </a:r>
-              </a:p>
-              <a:p>
-                <a:pPr lvl="0" algn="just"/>
-                <a:r>
-                  <a:rPr lang="fr-FR" sz="900" dirty="0">
-                    <a:solidFill>
-                      <a:prstClr val="black"/>
-                    </a:solidFill>
-                    <a:latin typeface="Arial" panose="020B0604020202020204" pitchFamily="34" charset="0"/>
-                    <a:cs typeface="Arial" panose="020B0604020202020204" pitchFamily="34" charset="0"/>
-                  </a:rPr>
-                  <a:t>Les premiers voisinages implémentés sont le déplacement d’une pièce d’une case dans une direction et sa rotation (ou non) d’un quart de tour dans le sens horaire. Les fonctions </a:t>
-                </a:r>
-                <a:r>
-                  <a:rPr lang="fr-FR" sz="900" i="1" dirty="0" err="1">
-                    <a:solidFill>
-                      <a:prstClr val="black"/>
-                    </a:solidFill>
-                    <a:latin typeface="Arial" panose="020B0604020202020204" pitchFamily="34" charset="0"/>
-                    <a:cs typeface="Arial" panose="020B0604020202020204" pitchFamily="34" charset="0"/>
-                  </a:rPr>
-                  <a:t>varV</a:t>
-                </a:r>
-                <a:r>
-                  <a:rPr lang="fr-FR" sz="900" dirty="0">
-                    <a:solidFill>
-                      <a:prstClr val="black"/>
-                    </a:solidFill>
-                    <a:latin typeface="Arial" panose="020B0604020202020204" pitchFamily="34" charset="0"/>
-                    <a:cs typeface="Arial" panose="020B0604020202020204" pitchFamily="34" charset="0"/>
-                  </a:rPr>
-                  <a:t> associées permettent de calculer de manière optimisée la variation de potentiel engendrée.</a:t>
-                </a:r>
-              </a:p>
-              <a:p>
-                <a:pPr lvl="0" algn="just"/>
-                <a:endParaRPr lang="fr-FR" sz="900" dirty="0">
-                  <a:solidFill>
-                    <a:prstClr val="black"/>
-                  </a:solidFill>
-                  <a:latin typeface="Arial" panose="020B0604020202020204" pitchFamily="34" charset="0"/>
-                  <a:cs typeface="Arial" panose="020B0604020202020204" pitchFamily="34" charset="0"/>
-                </a:endParaRPr>
-              </a:p>
-              <a:p>
                 <a:pPr algn="just"/>
                 <a:r>
                   <a:rPr lang="fr-FR" sz="1050" b="1" u="sng" dirty="0">
@@ -6755,12 +5940,12 @@
                     <a:latin typeface="Arial" panose="020B0604020202020204" pitchFamily="34" charset="0"/>
                     <a:cs typeface="Arial" panose="020B0604020202020204" pitchFamily="34" charset="0"/>
                   </a:rPr>
-                  <a:t>4- Premières optimisations</a:t>
+                  <a:t>3- Premières optimisations</a:t>
                 </a:r>
               </a:p>
               <a:p>
                 <a:pPr algn="just"/>
-                <a:endParaRPr lang="fr-FR" sz="400" dirty="0">
+                <a:endParaRPr lang="fr-FR" sz="500" dirty="0">
                   <a:solidFill>
                     <a:prstClr val="black"/>
                   </a:solidFill>
@@ -6823,7 +6008,7 @@
               </a:p>
               <a:p>
                 <a:pPr lvl="0" algn="just"/>
-                <a:endParaRPr lang="fr-FR" sz="1000" dirty="0">
+                <a:endParaRPr lang="fr-FR" sz="700" dirty="0">
                   <a:solidFill>
                     <a:prstClr val="black"/>
                   </a:solidFill>
@@ -6913,13 +6098,13 @@
                     <a:latin typeface="Arial" panose="020B0604020202020204" pitchFamily="34" charset="0"/>
                     <a:cs typeface="Arial" panose="020B0604020202020204" pitchFamily="34" charset="0"/>
                   </a:rPr>
-                  <a:t>. Cette fonction donne 10% de chance d’accepter une variation de potentiel de +1 pour 10000 itérations.</a:t>
+                  <a:t>. Cette fonction donne 10% de chance d’accepter une variation de potentiel de +1 au bout de 10000 itérations.</a:t>
                 </a:r>
               </a:p>
             </p:txBody>
           </p:sp>
         </mc:Choice>
-        <mc:Fallback xmlns="">
+        <mc:Fallback>
           <p:sp>
             <p:nvSpPr>
               <p:cNvPr id="75" name="TextBox 74"/>
@@ -6930,14 +6115,14 @@
             </p:nvSpPr>
             <p:spPr>
               <a:xfrm>
-                <a:off x="3721053" y="1367656"/>
-                <a:ext cx="3249706" cy="6070893"/>
+                <a:off x="3730877" y="3023970"/>
+                <a:ext cx="3249706" cy="2100575"/>
               </a:xfrm>
               <a:prstGeom prst="rect">
                 <a:avLst/>
               </a:prstGeom>
-              <a:blipFill rotWithShape="0">
-                <a:blip r:embed="rId9"/>
+              <a:blipFill>
+                <a:blip r:embed="rId7"/>
                 <a:stretch>
                   <a:fillRect/>
                 </a:stretch>
@@ -6973,7 +6158,7 @@
             </p:nvSpPr>
             <p:spPr>
               <a:xfrm>
-                <a:off x="5027538" y="6294631"/>
+                <a:off x="4968313" y="4008665"/>
                 <a:ext cx="697690" cy="172291"/>
               </a:xfrm>
               <a:prstGeom prst="rect">
@@ -7081,14 +6266,14 @@
             </p:nvSpPr>
             <p:spPr>
               <a:xfrm>
-                <a:off x="5027538" y="6294631"/>
+                <a:off x="4968313" y="4008665"/>
                 <a:ext cx="697690" cy="172291"/>
               </a:xfrm>
               <a:prstGeom prst="rect">
                 <a:avLst/>
               </a:prstGeom>
               <a:blipFill rotWithShape="0">
-                <a:blip r:embed="rId10"/>
+                <a:blip r:embed="rId8"/>
                 <a:stretch>
                   <a:fillRect l="-7018" t="-3571" r="-2632" b="-35714"/>
                 </a:stretch>
@@ -7118,7 +6303,7 @@
           <p:nvPr/>
         </p:nvPicPr>
         <p:blipFill>
-          <a:blip r:embed="rId11">
+          <a:blip r:embed="rId9">
             <a:extLst>
               <a:ext uri="{28A0092B-C50C-407E-A947-70E740481C1C}">
                 <a14:useLocalDpi xmlns:a14="http://schemas.microsoft.com/office/drawing/2010/main" val="0"/>
@@ -7131,8 +6316,8 @@
         </p:blipFill>
         <p:spPr>
           <a:xfrm>
-            <a:off x="3838131" y="1994748"/>
-            <a:ext cx="3015549" cy="1719831"/>
+            <a:off x="4023901" y="1359766"/>
+            <a:ext cx="2695199" cy="1537129"/>
           </a:xfrm>
           <a:prstGeom prst="rect">
             <a:avLst/>
@@ -7147,7 +6332,7 @@
         </p:nvSpPr>
         <p:spPr>
           <a:xfrm>
-            <a:off x="3904365" y="3699513"/>
+            <a:off x="3938523" y="2849464"/>
             <a:ext cx="2866476" cy="246221"/>
           </a:xfrm>
           <a:prstGeom prst="rect">
@@ -7178,7 +6363,7 @@
           <p:nvPr/>
         </p:nvPicPr>
         <p:blipFill rotWithShape="1">
-          <a:blip r:embed="rId12">
+          <a:blip r:embed="rId10">
             <a:extLst>
               <a:ext uri="{28A0092B-C50C-407E-A947-70E740481C1C}">
                 <a14:useLocalDpi xmlns:a14="http://schemas.microsoft.com/office/drawing/2010/main" val="0"/>
@@ -7190,7 +6375,7 @@
         </p:blipFill>
         <p:spPr>
           <a:xfrm>
-            <a:off x="3943145" y="7443161"/>
+            <a:off x="3943145" y="5119056"/>
             <a:ext cx="2771021" cy="1543055"/>
           </a:xfrm>
           <a:prstGeom prst="rect">
@@ -7211,7 +6396,7 @@
         </p:nvSpPr>
         <p:spPr>
           <a:xfrm>
-            <a:off x="3943145" y="8762819"/>
+            <a:off x="3943145" y="6438714"/>
             <a:ext cx="2771021" cy="230832"/>
           </a:xfrm>
           <a:prstGeom prst="rect">
@@ -7233,151 +6418,8 @@
           </a:p>
         </p:txBody>
       </p:sp>
-      <p:sp>
-        <p:nvSpPr>
-          <p:cNvPr id="28" name="ZoneTexte 18"/>
-          <p:cNvSpPr txBox="1"/>
-          <p:nvPr/>
-        </p:nvSpPr>
-        <p:spPr>
-          <a:xfrm>
-            <a:off x="7188119" y="1363782"/>
-            <a:ext cx="3253032" cy="2139047"/>
-          </a:xfrm>
-          <a:prstGeom prst="rect">
-            <a:avLst/>
-          </a:prstGeom>
-          <a:noFill/>
-          <a:ln>
-            <a:solidFill>
-              <a:schemeClr val="bg2"/>
-            </a:solidFill>
-          </a:ln>
-        </p:spPr>
-        <p:txBody>
-          <a:bodyPr wrap="square" rtlCol="0">
-            <a:spAutoFit/>
-          </a:bodyPr>
-          <a:lstStyle/>
-          <a:p>
-            <a:pPr algn="just"/>
-            <a:r>
-              <a:rPr lang="fr-FR" sz="1100" b="1" dirty="0">
-                <a:uFill>
-                  <a:solidFill>
-                    <a:srgbClr val="FF0000"/>
-                  </a:solidFill>
-                </a:uFill>
-                <a:latin typeface="Arial" panose="020B0604020202020204" pitchFamily="34" charset="0"/>
-                <a:cs typeface="Arial" panose="020B0604020202020204" pitchFamily="34" charset="0"/>
-              </a:rPr>
-              <a:t>    </a:t>
-            </a:r>
-            <a:r>
-              <a:rPr lang="fr-FR" sz="1200" b="1" u="sng" dirty="0">
-                <a:uFill>
-                  <a:solidFill>
-                    <a:srgbClr val="FF0000"/>
-                  </a:solidFill>
-                </a:uFill>
-                <a:latin typeface="Arial" panose="020B0604020202020204" pitchFamily="34" charset="0"/>
-                <a:cs typeface="Arial" panose="020B0604020202020204" pitchFamily="34" charset="0"/>
-              </a:rPr>
-              <a:t>III – Méthode déterministe</a:t>
-            </a:r>
-          </a:p>
-          <a:p>
-            <a:pPr algn="just"/>
-            <a:endParaRPr lang="fr-FR" sz="700" b="1" u="sng" dirty="0">
-              <a:uFill>
-                <a:solidFill>
-                  <a:srgbClr val="FF0000"/>
-                </a:solidFill>
-              </a:uFill>
-              <a:latin typeface="Arial" panose="020B0604020202020204" pitchFamily="34" charset="0"/>
-              <a:cs typeface="Arial" panose="020B0604020202020204" pitchFamily="34" charset="0"/>
-            </a:endParaRPr>
-          </a:p>
-          <a:p>
-            <a:pPr algn="just"/>
-            <a:r>
-              <a:rPr lang="fr-FR" sz="1100" b="1" u="sng" dirty="0">
-                <a:latin typeface="Arial" panose="020B0604020202020204" pitchFamily="34" charset="0"/>
-                <a:cs typeface="Arial" panose="020B0604020202020204" pitchFamily="34" charset="0"/>
-              </a:rPr>
-              <a:t>1- Modélisation du problème:</a:t>
-            </a:r>
-          </a:p>
-          <a:p>
-            <a:pPr algn="just"/>
-            <a:endParaRPr lang="fr-FR" sz="400" b="1" u="sng" dirty="0">
-              <a:uFill>
-                <a:solidFill>
-                  <a:srgbClr val="FF0000"/>
-                </a:solidFill>
-              </a:uFill>
-              <a:latin typeface="Arial" panose="020B0604020202020204" pitchFamily="34" charset="0"/>
-              <a:cs typeface="Arial" panose="020B0604020202020204" pitchFamily="34" charset="0"/>
-            </a:endParaRPr>
-          </a:p>
-          <a:p>
-            <a:pPr algn="just"/>
-            <a:r>
-              <a:rPr lang="fr-FR" sz="900" dirty="0">
-                <a:uFill>
-                  <a:solidFill>
-                    <a:srgbClr val="FF0000"/>
-                  </a:solidFill>
-                </a:uFill>
-                <a:latin typeface="Arial" panose="020B0604020202020204" pitchFamily="34" charset="0"/>
-                <a:cs typeface="Arial" panose="020B0604020202020204" pitchFamily="34" charset="0"/>
-              </a:rPr>
-              <a:t>    Dans un deuxième temps, nous nous sommes intéressés à une manière </a:t>
-            </a:r>
-            <a:r>
-              <a:rPr lang="fr-FR" sz="900" i="1" dirty="0">
-                <a:uFill>
-                  <a:solidFill>
-                    <a:srgbClr val="FF0000"/>
-                  </a:solidFill>
-                </a:uFill>
-                <a:latin typeface="Arial" panose="020B0604020202020204" pitchFamily="34" charset="0"/>
-                <a:cs typeface="Arial" panose="020B0604020202020204" pitchFamily="34" charset="0"/>
-              </a:rPr>
-              <a:t>efficace</a:t>
-            </a:r>
-            <a:r>
-              <a:rPr lang="fr-FR" sz="900" dirty="0">
-                <a:uFill>
-                  <a:solidFill>
-                    <a:srgbClr val="FF0000"/>
-                  </a:solidFill>
-                </a:uFill>
-                <a:latin typeface="Arial" panose="020B0604020202020204" pitchFamily="34" charset="0"/>
-                <a:cs typeface="Arial" panose="020B0604020202020204" pitchFamily="34" charset="0"/>
-              </a:rPr>
-              <a:t> de résoudre ce problème de manière déterministe. L’idée sous-jacente est que pour trouver toutes les solutions, il faut explorer toutes les configurations possibles (et il y en a beaucoup !). Heureusement, une implémentations astucieuses permet de gagner beaucoup de temps.</a:t>
-            </a:r>
-          </a:p>
-          <a:p>
-            <a:pPr algn="just"/>
-            <a:r>
-              <a:rPr lang="fr-FR" sz="900" dirty="0">
-                <a:uFill>
-                  <a:solidFill>
-                    <a:srgbClr val="FF0000"/>
-                  </a:solidFill>
-                </a:uFill>
-                <a:latin typeface="Arial" panose="020B0604020202020204" pitchFamily="34" charset="0"/>
-                <a:cs typeface="Arial" panose="020B0604020202020204" pitchFamily="34" charset="0"/>
-              </a:rPr>
-              <a:t>    On représente toutes les configurations que peut occuper chaque pièce de manière matricielle: on numérote les cases de la grille tel qu’illustré ci-dessous, et on indiquant par un 1 si elle est occupée par tel ou tel placement d’une pièce.</a:t>
-            </a:r>
-          </a:p>
-        </p:txBody>
-      </p:sp>
-      <mc:AlternateContent xmlns:mc="http://schemas.openxmlformats.org/markup-compatibility/2006" xmlns:a14="http://schemas.microsoft.com/office/drawing/2010/main">
-        <mc:Choice Requires="a14">
+      <mc:AlternateContent xmlns:mc="http://schemas.openxmlformats.org/markup-compatibility/2006">
+        <mc:Choice xmlns:a14="http://schemas.microsoft.com/office/drawing/2010/main" Requires="a14">
           <p:sp>
             <p:nvSpPr>
               <p:cNvPr id="31" name="TextBox 30"/>
@@ -7386,8 +6428,8 @@
             </p:nvSpPr>
             <p:spPr>
               <a:xfrm>
-                <a:off x="3721053" y="9000217"/>
-                <a:ext cx="3249706" cy="1231106"/>
+                <a:off x="3725632" y="6673627"/>
+                <a:ext cx="3249706" cy="2962349"/>
               </a:xfrm>
               <a:prstGeom prst="rect">
                 <a:avLst/>
@@ -7466,7 +6508,7 @@
               </a:p>
               <a:p>
                 <a:pPr algn="just"/>
-                <a:endParaRPr lang="fr-FR" sz="1000" b="1" u="sng" dirty="0">
+                <a:endParaRPr lang="fr-FR" sz="900" b="1" u="sng" dirty="0">
                   <a:solidFill>
                     <a:prstClr val="black"/>
                   </a:solidFill>
@@ -7484,13 +6526,138 @@
                     <a:latin typeface="Arial" panose="020B0604020202020204" pitchFamily="34" charset="0"/>
                     <a:cs typeface="Arial" panose="020B0604020202020204" pitchFamily="34" charset="0"/>
                   </a:rPr>
-                  <a:t>6- Résultats</a:t>
+                  <a:t>4- Résultats</a:t>
+                </a:r>
+              </a:p>
+              <a:p>
+                <a:pPr lvl="0" algn="just"/>
+                <a:endParaRPr lang="fr-FR" sz="500" b="1" u="sng" dirty="0">
+                  <a:solidFill>
+                    <a:prstClr val="black"/>
+                  </a:solidFill>
+                  <a:latin typeface="Arial" panose="020B0604020202020204" pitchFamily="34" charset="0"/>
+                  <a:cs typeface="Arial" panose="020B0604020202020204" pitchFamily="34" charset="0"/>
+                </a:endParaRPr>
+              </a:p>
+              <a:p>
+                <a:pPr lvl="0" algn="just"/>
+                <a:r>
+                  <a:rPr lang="fr-FR" sz="900" dirty="0">
+                    <a:solidFill>
+                      <a:prstClr val="black"/>
+                    </a:solidFill>
+                    <a:latin typeface="Arial" panose="020B0604020202020204" pitchFamily="34" charset="0"/>
+                    <a:cs typeface="Arial" panose="020B0604020202020204" pitchFamily="34" charset="0"/>
+                  </a:rPr>
+                  <a:t>    Le but était de résoudre le puzzle 7x7, nous avons commencé naïvement par reprendre la fonction </a:t>
+                </a:r>
+                <a14:m>
+                  <m:oMath xmlns:m="http://schemas.openxmlformats.org/officeDocument/2006/math">
+                    <m:r>
+                      <a:rPr lang="fr-FR" sz="900" i="1">
+                        <a:latin typeface="Cambria Math" panose="02040503050406030204" pitchFamily="18" charset="0"/>
+                        <a:ea typeface="Cambria Math" panose="02040503050406030204" pitchFamily="18" charset="0"/>
+                      </a:rPr>
+                      <m:t>𝛽</m:t>
+                    </m:r>
+                    <m:d>
+                      <m:dPr>
+                        <m:ctrlPr>
+                          <a:rPr lang="fr-FR" sz="900" i="1">
+                            <a:latin typeface="Cambria Math" panose="02040503050406030204" pitchFamily="18" charset="0"/>
+                            <a:ea typeface="Cambria Math" panose="02040503050406030204" pitchFamily="18" charset="0"/>
+                          </a:rPr>
+                        </m:ctrlPr>
+                      </m:dPr>
+                      <m:e>
+                        <m:r>
+                          <a:rPr lang="fr-FR" sz="900" i="1">
+                            <a:latin typeface="Cambria Math" panose="02040503050406030204" pitchFamily="18" charset="0"/>
+                            <a:ea typeface="Cambria Math" panose="02040503050406030204" pitchFamily="18" charset="0"/>
+                          </a:rPr>
+                          <m:t>𝑡</m:t>
+                        </m:r>
+                      </m:e>
+                    </m:d>
+                  </m:oMath>
+                </a14:m>
+                <a:r>
+                  <a:rPr lang="fr-FR" sz="900" dirty="0">
+                    <a:solidFill>
+                      <a:prstClr val="black"/>
+                    </a:solidFill>
+                    <a:latin typeface="Arial" panose="020B0604020202020204" pitchFamily="34" charset="0"/>
+                    <a:cs typeface="Arial" panose="020B0604020202020204" pitchFamily="34" charset="0"/>
+                  </a:rPr>
+                  <a:t> pour ce puzzle. Cependant, le nombre d’itérations nécessaires dépassait le million, et le comportement de la fonction était donc totalement différent. Nous avons donc changé les paramètres pour reproduire les comportements de la fonction précédente sur une échelle plus grande. Nous avons finalement opté pour </a:t>
+                </a:r>
+                <a14:m>
+                  <m:oMath xmlns:m="http://schemas.openxmlformats.org/officeDocument/2006/math">
+                    <m:r>
+                      <a:rPr lang="fr-FR" sz="900" i="1">
+                        <a:latin typeface="Cambria Math" panose="02040503050406030204" pitchFamily="18" charset="0"/>
+                        <a:ea typeface="Cambria Math" panose="02040503050406030204" pitchFamily="18" charset="0"/>
+                      </a:rPr>
+                      <m:t>𝑎</m:t>
+                    </m:r>
+                    <m:r>
+                      <a:rPr lang="fr-FR" sz="900" i="1">
+                        <a:latin typeface="Cambria Math" panose="02040503050406030204" pitchFamily="18" charset="0"/>
+                        <a:ea typeface="Cambria Math" panose="02040503050406030204" pitchFamily="18" charset="0"/>
+                      </a:rPr>
+                      <m:t>=0.06</m:t>
+                    </m:r>
+                  </m:oMath>
+                </a14:m>
+                <a:r>
+                  <a:rPr lang="fr-FR" sz="900" dirty="0">
+                    <a:solidFill>
+                      <a:prstClr val="black"/>
+                    </a:solidFill>
+                    <a:latin typeface="Arial" panose="020B0604020202020204" pitchFamily="34" charset="0"/>
+                    <a:cs typeface="Arial" panose="020B0604020202020204" pitchFamily="34" charset="0"/>
+                  </a:rPr>
+                  <a:t> et </a:t>
+                </a:r>
+                <a14:m>
+                  <m:oMath xmlns:m="http://schemas.openxmlformats.org/officeDocument/2006/math">
+                    <m:r>
+                      <a:rPr lang="fr-FR" sz="900" i="1">
+                        <a:solidFill>
+                          <a:prstClr val="black"/>
+                        </a:solidFill>
+                        <a:latin typeface="Cambria Math" panose="02040503050406030204" pitchFamily="18" charset="0"/>
+                        <a:cs typeface="Arial" panose="020B0604020202020204" pitchFamily="34" charset="0"/>
+                      </a:rPr>
+                      <m:t>𝑏</m:t>
+                    </m:r>
+                    <m:r>
+                      <a:rPr lang="fr-FR" sz="900" i="1">
+                        <a:solidFill>
+                          <a:prstClr val="black"/>
+                        </a:solidFill>
+                        <a:latin typeface="Cambria Math" panose="02040503050406030204" pitchFamily="18" charset="0"/>
+                        <a:cs typeface="Arial" panose="020B0604020202020204" pitchFamily="34" charset="0"/>
+                      </a:rPr>
+                      <m:t>=1</m:t>
+                    </m:r>
+                  </m:oMath>
+                </a14:m>
+                <a:r>
+                  <a:rPr lang="fr-FR" sz="900" dirty="0">
+                    <a:solidFill>
+                      <a:prstClr val="black"/>
+                    </a:solidFill>
+                    <a:latin typeface="Arial" panose="020B0604020202020204" pitchFamily="34" charset="0"/>
+                    <a:cs typeface="Arial" panose="020B0604020202020204" pitchFamily="34" charset="0"/>
+                  </a:rPr>
+                  <a:t>. Le puzzle 7x7 montre clairement les limites de la méthode probabiliste, puisqu’il arrive de trouver une solution en 100 000 itérations, aussi bien que de ne pas en trouver au but de 3 millions d’itérations. Ce qui nous amène à la méthode déterministe.</a:t>
                 </a:r>
               </a:p>
             </p:txBody>
           </p:sp>
         </mc:Choice>
-        <mc:Fallback xmlns="">
+        <mc:Fallback>
           <p:sp>
             <p:nvSpPr>
               <p:cNvPr id="31" name="TextBox 30"/>
@@ -7501,16 +6668,16 @@
             </p:nvSpPr>
             <p:spPr>
               <a:xfrm>
-                <a:off x="3721053" y="9000217"/>
-                <a:ext cx="3249706" cy="1231106"/>
+                <a:off x="3725632" y="6673627"/>
+                <a:ext cx="3249706" cy="2962349"/>
               </a:xfrm>
               <a:prstGeom prst="rect">
                 <a:avLst/>
               </a:prstGeom>
-              <a:blipFill rotWithShape="0">
-                <a:blip r:embed="rId13"/>
+              <a:blipFill>
+                <a:blip r:embed="rId11"/>
                 <a:stretch>
-                  <a:fillRect b="-1961"/>
+                  <a:fillRect/>
                 </a:stretch>
               </a:blipFill>
               <a:ln>
@@ -7542,8 +6709,8 @@
         </p:nvSpPr>
         <p:spPr>
           <a:xfrm>
-            <a:off x="7175263" y="9491872"/>
-            <a:ext cx="3249706" cy="1077218"/>
+            <a:off x="7174295" y="4792981"/>
+            <a:ext cx="3249706" cy="1615827"/>
           </a:xfrm>
           <a:prstGeom prst="rect">
             <a:avLst/>
@@ -7572,7 +6739,7 @@
                 <a:latin typeface="Arial" panose="020B0604020202020204" pitchFamily="34" charset="0"/>
                 <a:cs typeface="Arial" panose="020B0604020202020204" pitchFamily="34" charset="0"/>
               </a:rPr>
-              <a:t>Afin d’éviter de multiples copies en mémoire de très grosses matrices, qui plus est creuses, nous avons implémenté la méthode des </a:t>
+              <a:t>    Afin d’éviter de multiples copies en mémoire de très grosses matrices, qui plus est creuses, nous avons implémenté la méthode des </a:t>
             </a:r>
             <a:r>
               <a:rPr lang="fr-FR" sz="900" i="1" dirty="0">
@@ -7584,7 +6751,7 @@
                 <a:latin typeface="Arial" panose="020B0604020202020204" pitchFamily="34" charset="0"/>
                 <a:cs typeface="Arial" panose="020B0604020202020204" pitchFamily="34" charset="0"/>
               </a:rPr>
-              <a:t>dancing links </a:t>
+              <a:t>dancing links, </a:t>
             </a:r>
             <a:r>
               <a:rPr lang="fr-FR" sz="900" dirty="0">
@@ -7596,29 +6763,70 @@
                 <a:latin typeface="Arial" panose="020B0604020202020204" pitchFamily="34" charset="0"/>
                 <a:cs typeface="Arial" panose="020B0604020202020204" pitchFamily="34" charset="0"/>
               </a:rPr>
-              <a:t>évitant les écritures mémoire successives, en reposant notamment sur une représentation des matrices creuses par listes doublement chaînées.</a:t>
+              <a:t>évitant les écritures mémoire successives. Celle-ci repose notamment sur une représentation des matrices creuses par listes doublement chaînées.</a:t>
             </a:r>
-          </a:p>
-          <a:p>
-            <a:pPr algn="just"/>
-            <a:endParaRPr lang="fr-FR" sz="900" dirty="0">
-              <a:uFill>
-                <a:solidFill>
-                  <a:srgbClr val="FF0000"/>
-                </a:solidFill>
-              </a:uFill>
-              <a:latin typeface="Arial" panose="020B0604020202020204" pitchFamily="34" charset="0"/>
-              <a:cs typeface="Arial" panose="020B0604020202020204" pitchFamily="34" charset="0"/>
-            </a:endParaRPr>
           </a:p>
           <a:p>
             <a:pPr algn="just"/>
             <a:r>
-              <a:rPr lang="fr-FR" sz="1000" b="1" u="sng" dirty="0">
+              <a:rPr lang="fr-FR" sz="900" dirty="0">
+                <a:uFill>
+                  <a:solidFill>
+                    <a:srgbClr val="FF0000"/>
+                  </a:solidFill>
+                </a:uFill>
                 <a:latin typeface="Arial" panose="020B0604020202020204" pitchFamily="34" charset="0"/>
                 <a:cs typeface="Arial" panose="020B0604020202020204" pitchFamily="34" charset="0"/>
               </a:rPr>
-              <a:t>3- Aperçu des performances de l’algorithme</a:t>
+              <a:t>Au lieu de tout stocker dans une seule grosse matrice, les listes doublement chaînées permettent de ne stocker en mémoire que les 1 de la matrice dans des </a:t>
+            </a:r>
+            <a:r>
+              <a:rPr lang="fr-FR" sz="900" i="1" dirty="0">
+                <a:uFill>
+                  <a:solidFill>
+                    <a:srgbClr val="FF0000"/>
+                  </a:solidFill>
+                </a:uFill>
+                <a:latin typeface="Arial" panose="020B0604020202020204" pitchFamily="34" charset="0"/>
+                <a:cs typeface="Arial" panose="020B0604020202020204" pitchFamily="34" charset="0"/>
+              </a:rPr>
+              <a:t>nœuds</a:t>
+            </a:r>
+            <a:r>
+              <a:rPr lang="fr-FR" sz="900" dirty="0">
+                <a:uFill>
+                  <a:solidFill>
+                    <a:srgbClr val="FF0000"/>
+                  </a:solidFill>
+                </a:uFill>
+                <a:latin typeface="Arial" panose="020B0604020202020204" pitchFamily="34" charset="0"/>
+                <a:cs typeface="Arial" panose="020B0604020202020204" pitchFamily="34" charset="0"/>
+              </a:rPr>
+              <a:t> contenant des pointeurs vers les 1 voisins (en haut et en bas). Effacer un élément consiste alors à le faire </a:t>
+            </a:r>
+            <a:r>
+              <a:rPr lang="fr-FR" sz="900" i="1" dirty="0">
+                <a:uFill>
+                  <a:solidFill>
+                    <a:srgbClr val="FF0000"/>
+                  </a:solidFill>
+                </a:uFill>
+                <a:latin typeface="Arial" panose="020B0604020202020204" pitchFamily="34" charset="0"/>
+                <a:cs typeface="Arial" panose="020B0604020202020204" pitchFamily="34" charset="0"/>
+              </a:rPr>
+              <a:t>oublier</a:t>
+            </a:r>
+            <a:r>
+              <a:rPr lang="fr-FR" sz="900" dirty="0">
+                <a:uFill>
+                  <a:solidFill>
+                    <a:srgbClr val="FF0000"/>
+                  </a:solidFill>
+                </a:uFill>
+                <a:latin typeface="Arial" panose="020B0604020202020204" pitchFamily="34" charset="0"/>
+                <a:cs typeface="Arial" panose="020B0604020202020204" pitchFamily="34" charset="0"/>
+              </a:rPr>
+              <a:t> de ses voisins.</a:t>
             </a:r>
           </a:p>
         </p:txBody>
@@ -7681,7 +6889,7 @@
         </p:nvSpPr>
         <p:spPr>
           <a:xfrm>
-            <a:off x="259074" y="4219425"/>
+            <a:off x="270144" y="3828862"/>
             <a:ext cx="3253032" cy="1869743"/>
           </a:xfrm>
           <a:prstGeom prst="rect">
@@ -7843,72 +7051,6 @@
           </a:p>
         </p:txBody>
       </p:sp>
-      <p:sp>
-        <p:nvSpPr>
-          <p:cNvPr id="3" name="Rectangle 2"/>
-          <p:cNvSpPr/>
-          <p:nvPr/>
-        </p:nvSpPr>
-        <p:spPr>
-          <a:xfrm>
-            <a:off x="595145" y="2828848"/>
-            <a:ext cx="2580501" cy="1390577"/>
-          </a:xfrm>
-          <a:prstGeom prst="rect">
-            <a:avLst/>
-          </a:prstGeom>
-          <a:solidFill>
-            <a:schemeClr val="accent1">
-              <a:lumMod val="20000"/>
-              <a:lumOff val="80000"/>
-            </a:schemeClr>
-          </a:solidFill>
-          <a:ln w="12700">
-            <a:solidFill>
-              <a:schemeClr val="accent1">
-                <a:lumMod val="75000"/>
-              </a:schemeClr>
-            </a:solidFill>
-          </a:ln>
-        </p:spPr>
-        <p:style>
-          <a:lnRef idx="1">
-            <a:schemeClr val="accent1"/>
-          </a:lnRef>
-          <a:fillRef idx="2">
-            <a:schemeClr val="accent1"/>
-          </a:fillRef>
-          <a:effectRef idx="1">
-            <a:schemeClr val="accent1"/>
-          </a:effectRef>
-          <a:fontRef idx="minor">
-            <a:schemeClr val="dk1"/>
-          </a:fontRef>
-        </p:style>
-        <p:txBody>
-          <a:bodyPr rtlCol="0" anchor="ctr"/>
-          <a:lstStyle/>
-          <a:p>
-            <a:pPr algn="ctr"/>
-            <a:r>
-              <a:rPr lang="fr-FR" i="1" dirty="0">
-                <a:ln w="0"/>
-                <a:solidFill>
-                  <a:schemeClr val="tx1"/>
-                </a:solidFill>
-                <a:effectLst>
-                  <a:outerShdw blurRad="38100" dist="19050" dir="2700000" algn="tl" rotWithShape="0">
-                    <a:schemeClr val="dk1">
-                      <a:alpha val="40000"/>
-                    </a:schemeClr>
-                  </a:outerShdw>
-                </a:effectLst>
-              </a:rPr>
-              <a:t>Photo du Puzzle</a:t>
-            </a:r>
-          </a:p>
-        </p:txBody>
-      </p:sp>
       <p:pic>
         <p:nvPicPr>
           <p:cNvPr id="4" name="Picture 3"/>
@@ -7918,7 +7060,7 @@
           <p:nvPr/>
         </p:nvPicPr>
         <p:blipFill>
-          <a:blip r:embed="rId14">
+          <a:blip r:embed="rId12">
             <a:extLst>
               <a:ext uri="{28A0092B-C50C-407E-A947-70E740481C1C}">
                 <a14:useLocalDpi xmlns:a14="http://schemas.microsoft.com/office/drawing/2010/main" val="0"/>
@@ -7931,8 +7073,8 @@
         </p:blipFill>
         <p:spPr>
           <a:xfrm>
-            <a:off x="3810938" y="11754786"/>
-            <a:ext cx="3078502" cy="2224217"/>
+            <a:off x="574376" y="5704608"/>
+            <a:ext cx="2642602" cy="1909279"/>
           </a:xfrm>
           <a:prstGeom prst="rect">
             <a:avLst/>
@@ -7944,429 +7086,6 @@
           </a:ln>
         </p:spPr>
       </p:pic>
-      <p:sp>
-        <p:nvSpPr>
-          <p:cNvPr id="39" name="TextBox 38"/>
-          <p:cNvSpPr txBox="1"/>
-          <p:nvPr/>
-        </p:nvSpPr>
-        <p:spPr>
-          <a:xfrm>
-            <a:off x="3912668" y="13990123"/>
-            <a:ext cx="2866476" cy="230832"/>
-          </a:xfrm>
-          <a:prstGeom prst="rect">
-            <a:avLst/>
-          </a:prstGeom>
-          <a:noFill/>
-        </p:spPr>
-        <p:txBody>
-          <a:bodyPr wrap="square" rtlCol="0">
-            <a:spAutoFit/>
-          </a:bodyPr>
-          <a:lstStyle/>
-          <a:p>
-            <a:pPr algn="ctr"/>
-            <a:r>
-              <a:rPr lang="fr-FR" sz="900" i="1" dirty="0"/>
-              <a:t>L’API développée dans le cadre du projet </a:t>
-            </a:r>
-            <a:r>
-              <a:rPr lang="fr-FR" sz="900" i="1" dirty="0" err="1"/>
-              <a:t>TDLog</a:t>
-            </a:r>
-            <a:endParaRPr lang="fr-FR" sz="900" i="1" dirty="0"/>
-          </a:p>
-        </p:txBody>
-      </p:sp>
-      <p:grpSp>
-        <p:nvGrpSpPr>
-          <p:cNvPr id="38" name="Groupe 37">
-            <a:extLst>
-              <a:ext uri="{FF2B5EF4-FFF2-40B4-BE49-F238E27FC236}">
-                <a16:creationId xmlns:a16="http://schemas.microsoft.com/office/drawing/2014/main" id="{2E3EBB30-0B91-497F-AF84-F2AA11CA7282}"/>
-              </a:ext>
-            </a:extLst>
-          </p:cNvPr>
-          <p:cNvGrpSpPr>
-            <a:grpSpLocks noChangeAspect="1"/>
-          </p:cNvGrpSpPr>
-          <p:nvPr/>
-        </p:nvGrpSpPr>
-        <p:grpSpPr>
-          <a:xfrm>
-            <a:off x="7462326" y="3496277"/>
-            <a:ext cx="2769548" cy="1576579"/>
-            <a:chOff x="-590945" y="1602627"/>
-            <a:chExt cx="8201711" cy="4668864"/>
-          </a:xfrm>
-        </p:grpSpPr>
-        <p:pic>
-          <p:nvPicPr>
-            <p:cNvPr id="40" name="Image 39">
-              <a:extLst>
-                <a:ext uri="{FF2B5EF4-FFF2-40B4-BE49-F238E27FC236}">
-                  <a16:creationId xmlns:a16="http://schemas.microsoft.com/office/drawing/2014/main" id="{3E8B0AF2-C6D7-4657-83BB-9BA480CD4BE1}"/>
-                </a:ext>
-              </a:extLst>
-            </p:cNvPr>
-            <p:cNvPicPr>
-              <a:picLocks noChangeAspect="1"/>
-            </p:cNvPicPr>
-            <p:nvPr/>
-          </p:nvPicPr>
-          <p:blipFill rotWithShape="1">
-            <a:blip r:embed="rId15"/>
-            <a:srcRect l="6106" t="7679" r="8909" b="5711"/>
-            <a:stretch/>
-          </p:blipFill>
-          <p:spPr>
-            <a:xfrm>
-              <a:off x="2567708" y="2410690"/>
-              <a:ext cx="5043055" cy="3860801"/>
-            </a:xfrm>
-            <a:prstGeom prst="rect">
-              <a:avLst/>
-            </a:prstGeom>
-          </p:spPr>
-        </p:pic>
-        <p:sp>
-          <p:nvSpPr>
-            <p:cNvPr id="41" name="Accolade fermante 40">
-              <a:extLst>
-                <a:ext uri="{FF2B5EF4-FFF2-40B4-BE49-F238E27FC236}">
-                  <a16:creationId xmlns:a16="http://schemas.microsoft.com/office/drawing/2014/main" id="{939B1627-0915-435F-A777-4608ED76D847}"/>
-                </a:ext>
-              </a:extLst>
-            </p:cNvPr>
-            <p:cNvSpPr/>
-            <p:nvPr/>
-          </p:nvSpPr>
-          <p:spPr>
-            <a:xfrm rot="16200000">
-              <a:off x="3278908" y="1320798"/>
-              <a:ext cx="203201" cy="1625601"/>
-            </a:xfrm>
-            <a:prstGeom prst="rightBrace">
-              <a:avLst/>
-            </a:prstGeom>
-          </p:spPr>
-          <p:style>
-            <a:lnRef idx="1">
-              <a:schemeClr val="dk1"/>
-            </a:lnRef>
-            <a:fillRef idx="0">
-              <a:schemeClr val="dk1"/>
-            </a:fillRef>
-            <a:effectRef idx="0">
-              <a:schemeClr val="dk1"/>
-            </a:effectRef>
-            <a:fontRef idx="minor">
-              <a:schemeClr val="tx1"/>
-            </a:fontRef>
-          </p:style>
-          <p:txBody>
-            <a:bodyPr rtlCol="0" anchor="ctr"/>
-            <a:lstStyle/>
-            <a:p>
-              <a:pPr algn="ctr"/>
-              <a:endParaRPr lang="fr-FR"/>
-            </a:p>
-          </p:txBody>
-        </p:sp>
-        <p:sp>
-          <p:nvSpPr>
-            <p:cNvPr id="42" name="Accolade fermante 41">
-              <a:extLst>
-                <a:ext uri="{FF2B5EF4-FFF2-40B4-BE49-F238E27FC236}">
-                  <a16:creationId xmlns:a16="http://schemas.microsoft.com/office/drawing/2014/main" id="{4B6163BE-EFA6-4C31-9443-38808280EE31}"/>
-                </a:ext>
-              </a:extLst>
-            </p:cNvPr>
-            <p:cNvSpPr/>
-            <p:nvPr/>
-          </p:nvSpPr>
-          <p:spPr>
-            <a:xfrm rot="16200000">
-              <a:off x="5841998" y="466433"/>
-              <a:ext cx="203201" cy="3334329"/>
-            </a:xfrm>
-            <a:prstGeom prst="rightBrace">
-              <a:avLst/>
-            </a:prstGeom>
-          </p:spPr>
-          <p:style>
-            <a:lnRef idx="1">
-              <a:schemeClr val="dk1"/>
-            </a:lnRef>
-            <a:fillRef idx="0">
-              <a:schemeClr val="dk1"/>
-            </a:fillRef>
-            <a:effectRef idx="0">
-              <a:schemeClr val="dk1"/>
-            </a:effectRef>
-            <a:fontRef idx="minor">
-              <a:schemeClr val="tx1"/>
-            </a:fontRef>
-          </p:style>
-          <p:txBody>
-            <a:bodyPr rtlCol="0" anchor="ctr"/>
-            <a:lstStyle/>
-            <a:p>
-              <a:pPr algn="ctr"/>
-              <a:endParaRPr lang="fr-FR"/>
-            </a:p>
-          </p:txBody>
-        </p:sp>
-        <p:sp>
-          <p:nvSpPr>
-            <p:cNvPr id="43" name="ZoneTexte 42">
-              <a:extLst>
-                <a:ext uri="{FF2B5EF4-FFF2-40B4-BE49-F238E27FC236}">
-                  <a16:creationId xmlns:a16="http://schemas.microsoft.com/office/drawing/2014/main" id="{E2002905-8B78-466E-B32D-ECBA62B7412C}"/>
-                </a:ext>
-              </a:extLst>
-            </p:cNvPr>
-            <p:cNvSpPr txBox="1"/>
-            <p:nvPr/>
-          </p:nvSpPr>
-          <p:spPr>
-            <a:xfrm>
-              <a:off x="2594101" y="1602627"/>
-              <a:ext cx="1516078" cy="592441"/>
-            </a:xfrm>
-            <a:prstGeom prst="rect">
-              <a:avLst/>
-            </a:prstGeom>
-            <a:noFill/>
-          </p:spPr>
-          <p:txBody>
-            <a:bodyPr wrap="square" rtlCol="0">
-              <a:spAutoFit/>
-            </a:bodyPr>
-            <a:lstStyle/>
-            <a:p>
-              <a:pPr algn="ctr"/>
-              <a:r>
-                <a:rPr lang="fr-FR" sz="700" dirty="0">
-                  <a:latin typeface="Arial" panose="020B0604020202020204" pitchFamily="34" charset="0"/>
-                  <a:cs typeface="Arial" panose="020B0604020202020204" pitchFamily="34" charset="0"/>
-                </a:rPr>
-                <a:t>Pièces</a:t>
-              </a:r>
-              <a:endParaRPr lang="fr-FR" sz="500" dirty="0">
-                <a:latin typeface="Arial" panose="020B0604020202020204" pitchFamily="34" charset="0"/>
-                <a:cs typeface="Arial" panose="020B0604020202020204" pitchFamily="34" charset="0"/>
-              </a:endParaRPr>
-            </a:p>
-          </p:txBody>
-        </p:sp>
-        <p:sp>
-          <p:nvSpPr>
-            <p:cNvPr id="44" name="ZoneTexte 43">
-              <a:extLst>
-                <a:ext uri="{FF2B5EF4-FFF2-40B4-BE49-F238E27FC236}">
-                  <a16:creationId xmlns:a16="http://schemas.microsoft.com/office/drawing/2014/main" id="{93FD8743-B99C-40BE-A31B-0E02A7191D2A}"/>
-                </a:ext>
-              </a:extLst>
-            </p:cNvPr>
-            <p:cNvSpPr txBox="1"/>
-            <p:nvPr/>
-          </p:nvSpPr>
-          <p:spPr>
-            <a:xfrm>
-              <a:off x="4341093" y="1602627"/>
-              <a:ext cx="3269673" cy="592441"/>
-            </a:xfrm>
-            <a:prstGeom prst="rect">
-              <a:avLst/>
-            </a:prstGeom>
-            <a:noFill/>
-          </p:spPr>
-          <p:txBody>
-            <a:bodyPr wrap="square" rtlCol="0">
-              <a:spAutoFit/>
-            </a:bodyPr>
-            <a:lstStyle/>
-            <a:p>
-              <a:pPr algn="ctr"/>
-              <a:r>
-                <a:rPr lang="fr-FR" sz="700" dirty="0">
-                  <a:latin typeface="Arial" panose="020B0604020202020204" pitchFamily="34" charset="0"/>
-                  <a:cs typeface="Arial" panose="020B0604020202020204" pitchFamily="34" charset="0"/>
-                </a:rPr>
-                <a:t>Cases numérotées</a:t>
-              </a:r>
-            </a:p>
-          </p:txBody>
-        </p:sp>
-        <p:sp>
-          <p:nvSpPr>
-            <p:cNvPr id="45" name="Accolade ouvrante 44">
-              <a:extLst>
-                <a:ext uri="{FF2B5EF4-FFF2-40B4-BE49-F238E27FC236}">
-                  <a16:creationId xmlns:a16="http://schemas.microsoft.com/office/drawing/2014/main" id="{A14E7EAD-FE17-465F-A474-EBAB7D313B1F}"/>
-                </a:ext>
-              </a:extLst>
-            </p:cNvPr>
-            <p:cNvSpPr/>
-            <p:nvPr/>
-          </p:nvSpPr>
-          <p:spPr>
-            <a:xfrm>
-              <a:off x="2022764" y="2835564"/>
-              <a:ext cx="397163" cy="1597891"/>
-            </a:xfrm>
-            <a:prstGeom prst="leftBrace">
-              <a:avLst/>
-            </a:prstGeom>
-          </p:spPr>
-          <p:style>
-            <a:lnRef idx="1">
-              <a:schemeClr val="accent1"/>
-            </a:lnRef>
-            <a:fillRef idx="0">
-              <a:schemeClr val="accent1"/>
-            </a:fillRef>
-            <a:effectRef idx="0">
-              <a:schemeClr val="accent1"/>
-            </a:effectRef>
-            <a:fontRef idx="minor">
-              <a:schemeClr val="tx1"/>
-            </a:fontRef>
-          </p:style>
-          <p:txBody>
-            <a:bodyPr rtlCol="0" anchor="ctr"/>
-            <a:lstStyle/>
-            <a:p>
-              <a:pPr algn="ctr"/>
-              <a:endParaRPr lang="fr-FR"/>
-            </a:p>
-          </p:txBody>
-        </p:sp>
-        <p:sp>
-          <p:nvSpPr>
-            <p:cNvPr id="46" name="Accolade ouvrante 45">
-              <a:extLst>
-                <a:ext uri="{FF2B5EF4-FFF2-40B4-BE49-F238E27FC236}">
-                  <a16:creationId xmlns:a16="http://schemas.microsoft.com/office/drawing/2014/main" id="{A95AC5A2-7C68-456D-B2E7-66DEBD65B54D}"/>
-                </a:ext>
-              </a:extLst>
-            </p:cNvPr>
-            <p:cNvSpPr/>
-            <p:nvPr/>
-          </p:nvSpPr>
-          <p:spPr>
-            <a:xfrm>
-              <a:off x="2022764" y="4618180"/>
-              <a:ext cx="397163" cy="1597892"/>
-            </a:xfrm>
-            <a:prstGeom prst="leftBrace">
-              <a:avLst/>
-            </a:prstGeom>
-          </p:spPr>
-          <p:style>
-            <a:lnRef idx="1">
-              <a:schemeClr val="accent1"/>
-            </a:lnRef>
-            <a:fillRef idx="0">
-              <a:schemeClr val="accent1"/>
-            </a:fillRef>
-            <a:effectRef idx="0">
-              <a:schemeClr val="accent1"/>
-            </a:effectRef>
-            <a:fontRef idx="minor">
-              <a:schemeClr val="tx1"/>
-            </a:fontRef>
-          </p:style>
-          <p:txBody>
-            <a:bodyPr rtlCol="0" anchor="ctr"/>
-            <a:lstStyle/>
-            <a:p>
-              <a:pPr algn="ctr"/>
-              <a:endParaRPr lang="fr-FR"/>
-            </a:p>
-          </p:txBody>
-        </p:sp>
-        <p:sp>
-          <p:nvSpPr>
-            <p:cNvPr id="47" name="ZoneTexte 46">
-              <a:extLst>
-                <a:ext uri="{FF2B5EF4-FFF2-40B4-BE49-F238E27FC236}">
-                  <a16:creationId xmlns:a16="http://schemas.microsoft.com/office/drawing/2014/main" id="{DA00F894-CC19-4F4B-8F01-2BF648AE28F7}"/>
-                </a:ext>
-              </a:extLst>
-            </p:cNvPr>
-            <p:cNvSpPr txBox="1"/>
-            <p:nvPr/>
-          </p:nvSpPr>
-          <p:spPr>
-            <a:xfrm>
-              <a:off x="-455251" y="3108855"/>
-              <a:ext cx="2278111" cy="1230451"/>
-            </a:xfrm>
-            <a:prstGeom prst="rect">
-              <a:avLst/>
-            </a:prstGeom>
-            <a:noFill/>
-          </p:spPr>
-          <p:txBody>
-            <a:bodyPr wrap="square" rtlCol="0">
-              <a:spAutoFit/>
-            </a:bodyPr>
-            <a:lstStyle/>
-            <a:p>
-              <a:pPr algn="ctr"/>
-              <a:r>
-                <a:rPr lang="fr-FR" sz="700" dirty="0">
-                  <a:latin typeface="Arial" panose="020B0604020202020204" pitchFamily="34" charset="0"/>
-                  <a:cs typeface="Arial" panose="020B0604020202020204" pitchFamily="34" charset="0"/>
-                </a:rPr>
-                <a:t>Configurations possibles pour la pièce A</a:t>
-              </a:r>
-            </a:p>
-          </p:txBody>
-        </p:sp>
-        <p:sp>
-          <p:nvSpPr>
-            <p:cNvPr id="48" name="ZoneTexte 47">
-              <a:extLst>
-                <a:ext uri="{FF2B5EF4-FFF2-40B4-BE49-F238E27FC236}">
-                  <a16:creationId xmlns:a16="http://schemas.microsoft.com/office/drawing/2014/main" id="{04C70B37-4FAC-49C7-81AE-E8C65E878619}"/>
-                </a:ext>
-              </a:extLst>
-            </p:cNvPr>
-            <p:cNvSpPr txBox="1"/>
-            <p:nvPr/>
-          </p:nvSpPr>
-          <p:spPr>
-            <a:xfrm>
-              <a:off x="-590945" y="4955461"/>
-              <a:ext cx="2465928" cy="1230451"/>
-            </a:xfrm>
-            <a:prstGeom prst="rect">
-              <a:avLst/>
-            </a:prstGeom>
-            <a:noFill/>
-          </p:spPr>
-          <p:txBody>
-            <a:bodyPr wrap="square" rtlCol="0">
-              <a:spAutoFit/>
-            </a:bodyPr>
-            <a:lstStyle/>
-            <a:p>
-              <a:pPr algn="ctr"/>
-              <a:r>
-                <a:rPr lang="fr-FR" sz="700" dirty="0">
-                  <a:latin typeface="Arial" panose="020B0604020202020204" pitchFamily="34" charset="0"/>
-                  <a:cs typeface="Arial" panose="020B0604020202020204" pitchFamily="34" charset="0"/>
-                </a:rPr>
-                <a:t>Configurations possibles pour la pièce B</a:t>
-              </a:r>
-            </a:p>
-          </p:txBody>
-        </p:sp>
-      </p:grpSp>
       <p:grpSp>
         <p:nvGrpSpPr>
           <p:cNvPr id="49" name="Groupe 48">
@@ -8383,7 +7102,7 @@
         </p:nvGrpSpPr>
         <p:grpSpPr>
           <a:xfrm>
-            <a:off x="7220410" y="8090598"/>
+            <a:off x="7219442" y="3391707"/>
             <a:ext cx="1479291" cy="1103889"/>
             <a:chOff x="1936429" y="1055988"/>
             <a:chExt cx="2561680" cy="1783689"/>
@@ -8488,7 +7207,7 @@
           <p:spPr>
             <a:xfrm>
               <a:off x="2174584" y="2336959"/>
-              <a:ext cx="1811932" cy="502718"/>
+              <a:ext cx="1811931" cy="502718"/>
             </a:xfrm>
             <a:prstGeom prst="line">
               <a:avLst/>
@@ -8643,9 +7362,9 @@
                   <a:avLst/>
                 </a:prstGeom>
                 <a:blipFill rotWithShape="0">
-                  <a:blip r:embed="rId16"/>
+                  <a:blip r:embed="rId13"/>
                   <a:stretch>
-                    <a:fillRect l="-17391" r="-8696" b="-12500"/>
+                    <a:fillRect l="-17391" r="-8696" b="-9756"/>
                   </a:stretch>
                 </a:blipFill>
               </p:spPr>
@@ -8796,9 +7515,9 @@
                   <a:avLst/>
                 </a:prstGeom>
                 <a:blipFill rotWithShape="0">
-                  <a:blip r:embed="rId17"/>
+                  <a:blip r:embed="rId14"/>
                   <a:stretch>
-                    <a:fillRect l="-20000" r="-8000" b="-8889"/>
+                    <a:fillRect l="-20000" r="-8000" b="-6522"/>
                   </a:stretch>
                 </a:blipFill>
               </p:spPr>
@@ -9028,7 +7747,7 @@
                   <a:avLst/>
                 </a:prstGeom>
                 <a:blipFill rotWithShape="0">
-                  <a:blip r:embed="rId18"/>
+                  <a:blip r:embed="rId15"/>
                   <a:stretch>
                     <a:fillRect l="-1709" r="-855" b="-4286"/>
                   </a:stretch>
@@ -9260,9 +7979,9 @@
                   <a:avLst/>
                 </a:prstGeom>
                 <a:blipFill rotWithShape="0">
-                  <a:blip r:embed="rId19"/>
+                  <a:blip r:embed="rId16"/>
                   <a:stretch>
-                    <a:fillRect b="-5556"/>
+                    <a:fillRect l="-787" b="-5556"/>
                   </a:stretch>
                 </a:blipFill>
               </p:spPr>
@@ -9413,7 +8132,7 @@
                   <a:avLst/>
                 </a:prstGeom>
                 <a:blipFill rotWithShape="0">
-                  <a:blip r:embed="rId20"/>
+                  <a:blip r:embed="rId17"/>
                   <a:stretch>
                     <a:fillRect l="-14815" r="-3704" b="-8889"/>
                   </a:stretch>
@@ -9556,38 +8275,8 @@
           </p:txBody>
         </p:sp>
       </p:grpSp>
-      <p:sp>
-        <p:nvSpPr>
-          <p:cNvPr id="71" name="TextBox 70"/>
-          <p:cNvSpPr txBox="1"/>
-          <p:nvPr/>
-        </p:nvSpPr>
-        <p:spPr>
-          <a:xfrm>
-            <a:off x="7389962" y="5067701"/>
-            <a:ext cx="2866476" cy="246221"/>
-          </a:xfrm>
-          <a:prstGeom prst="rect">
-            <a:avLst/>
-          </a:prstGeom>
-          <a:noFill/>
-        </p:spPr>
-        <p:txBody>
-          <a:bodyPr wrap="square" rtlCol="0">
-            <a:spAutoFit/>
-          </a:bodyPr>
-          <a:lstStyle/>
-          <a:p>
-            <a:pPr algn="ctr"/>
-            <a:r>
-              <a:rPr lang="fr-FR" sz="1000" i="1" dirty="0"/>
-              <a:t>Matrices pièce 1x1 et une en L dans une  grille 2x2</a:t>
-            </a:r>
-          </a:p>
-        </p:txBody>
-      </p:sp>
-      <mc:AlternateContent xmlns:mc="http://schemas.openxmlformats.org/markup-compatibility/2006" xmlns:a14="http://schemas.microsoft.com/office/drawing/2010/main">
-        <mc:Choice Requires="a14">
+      <mc:AlternateContent xmlns:mc="http://schemas.openxmlformats.org/markup-compatibility/2006">
+        <mc:Choice xmlns:a14="http://schemas.microsoft.com/office/drawing/2010/main" Requires="a14">
           <p:sp>
             <p:nvSpPr>
               <p:cNvPr id="74" name="TextBox 73"/>
@@ -9596,7 +8285,7 @@
             </p:nvSpPr>
             <p:spPr>
               <a:xfrm>
-                <a:off x="7197321" y="6066020"/>
+                <a:off x="7196353" y="1367129"/>
                 <a:ext cx="3249706" cy="2069797"/>
               </a:xfrm>
               <a:prstGeom prst="rect">
@@ -9633,7 +8322,7 @@
               </a:p>
               <a:p>
                 <a:pPr algn="just"/>
-                <a:endParaRPr lang="fr-FR" sz="700" dirty="0">
+                <a:endParaRPr lang="fr-FR" sz="500" dirty="0">
                   <a:uFill>
                     <a:solidFill>
                       <a:srgbClr val="FF0000"/>
@@ -9905,7 +8594,7 @@
             </p:txBody>
           </p:sp>
         </mc:Choice>
-        <mc:Fallback xmlns="">
+        <mc:Fallback>
           <p:sp>
             <p:nvSpPr>
               <p:cNvPr id="74" name="TextBox 73"/>
@@ -9916,14 +8605,14 @@
             </p:nvSpPr>
             <p:spPr>
               <a:xfrm>
-                <a:off x="7197321" y="6066020"/>
+                <a:off x="7196353" y="1367129"/>
                 <a:ext cx="3249706" cy="2069797"/>
               </a:xfrm>
               <a:prstGeom prst="rect">
                 <a:avLst/>
               </a:prstGeom>
-              <a:blipFill rotWithShape="0">
-                <a:blip r:embed="rId21"/>
+              <a:blipFill>
+                <a:blip r:embed="rId18"/>
                 <a:stretch>
                   <a:fillRect/>
                 </a:stretch>
@@ -9957,7 +8646,7 @@
         </p:nvSpPr>
         <p:spPr>
           <a:xfrm>
-            <a:off x="7403628" y="5375111"/>
+            <a:off x="3952956" y="13564563"/>
             <a:ext cx="2837091" cy="631199"/>
           </a:xfrm>
           <a:prstGeom prst="roundRect">
@@ -10003,7 +8692,7 @@
         </p:nvSpPr>
         <p:spPr>
           <a:xfrm>
-            <a:off x="7322961" y="5375987"/>
+            <a:off x="3872289" y="13580999"/>
             <a:ext cx="2983348" cy="600164"/>
           </a:xfrm>
           <a:prstGeom prst="rect">
@@ -10043,7 +8732,7 @@
         </p:nvCxnSpPr>
         <p:spPr>
           <a:xfrm flipV="1">
-            <a:off x="8366407" y="8749537"/>
+            <a:off x="8365439" y="4050646"/>
             <a:ext cx="145709" cy="89262"/>
           </a:xfrm>
           <a:prstGeom prst="straightConnector1">
@@ -10087,7 +8776,7 @@
             </p:nvSpPr>
             <p:spPr>
               <a:xfrm>
-                <a:off x="8404271" y="9055987"/>
+                <a:off x="8403303" y="4357096"/>
                 <a:ext cx="180929" cy="276999"/>
               </a:xfrm>
               <a:prstGeom prst="rect">
@@ -10196,16 +8885,16 @@
             </p:nvSpPr>
             <p:spPr>
               <a:xfrm>
-                <a:off x="8404271" y="9055987"/>
+                <a:off x="8403303" y="4357096"/>
                 <a:ext cx="180929" cy="276999"/>
               </a:xfrm>
               <a:prstGeom prst="rect">
                 <a:avLst/>
               </a:prstGeom>
               <a:blipFill rotWithShape="0">
-                <a:blip r:embed="rId22"/>
+                <a:blip r:embed="rId19"/>
                 <a:stretch>
-                  <a:fillRect l="-10345" b="-6667"/>
+                  <a:fillRect l="-10000" b="-6667"/>
                 </a:stretch>
               </a:blipFill>
             </p:spPr>
@@ -10240,7 +8929,7 @@
         </p:nvGrpSpPr>
         <p:grpSpPr>
           <a:xfrm>
-            <a:off x="8757005" y="8322592"/>
+            <a:off x="8756037" y="3623701"/>
             <a:ext cx="1770030" cy="866546"/>
             <a:chOff x="3509816" y="1902631"/>
             <a:chExt cx="8565216" cy="4193235"/>
@@ -10261,7 +8950,7 @@
             <p:nvPr/>
           </p:nvPicPr>
           <p:blipFill rotWithShape="1">
-            <a:blip r:embed="rId15"/>
+            <a:blip r:embed="rId20"/>
             <a:srcRect l="6106" t="7679" r="8909" b="5711"/>
             <a:stretch/>
           </p:blipFill>
@@ -10613,7 +9302,7 @@
         </p:nvSpPr>
         <p:spPr>
           <a:xfrm>
-            <a:off x="7370801" y="8325852"/>
+            <a:off x="7369833" y="3626961"/>
             <a:ext cx="1128674" cy="784711"/>
           </a:xfrm>
           <a:custGeom>
@@ -10727,8 +9416,8 @@
         </p:nvSpPr>
         <p:spPr>
           <a:xfrm>
-            <a:off x="7178550" y="13043221"/>
-            <a:ext cx="3249706" cy="1146468"/>
+            <a:off x="7199146" y="13488998"/>
+            <a:ext cx="3275145" cy="738664"/>
           </a:xfrm>
           <a:prstGeom prst="rect">
             <a:avLst/>
@@ -10762,10 +9451,7 @@
           </a:p>
           <a:p>
             <a:pPr lvl="0" algn="just"/>
-            <a:endParaRPr lang="fr-FR" sz="500" b="1" u="sng" dirty="0">
-              <a:solidFill>
-                <a:prstClr val="black"/>
-              </a:solidFill>
+            <a:endParaRPr lang="fr-FR" sz="400" b="1" u="sng" dirty="0">
               <a:uFill>
                 <a:solidFill>
                   <a:srgbClr val="FF0000"/>
@@ -10776,47 +9462,88 @@
             </a:endParaRPr>
           </a:p>
           <a:p>
+            <a:pPr algn="just"/>
+            <a:r>
+              <a:rPr lang="fr-FR" sz="900" dirty="0">
+                <a:solidFill>
+                  <a:prstClr val="black"/>
+                </a:solidFill>
+                <a:latin typeface="Arial" panose="020B0604020202020204" pitchFamily="34" charset="0"/>
+                <a:cs typeface="Arial" panose="020B0604020202020204" pitchFamily="34" charset="0"/>
+              </a:rPr>
+              <a:t>[1] </a:t>
+            </a:r>
+            <a:r>
+              <a:rPr lang="fr-FR" sz="900" dirty="0">
+                <a:latin typeface="Arial" panose="020B0604020202020204" pitchFamily="34" charset="0"/>
+                <a:cs typeface="Arial" panose="020B0604020202020204" pitchFamily="34" charset="0"/>
+              </a:rPr>
+              <a:t>D. </a:t>
+            </a:r>
+            <a:r>
+              <a:rPr lang="fr-FR" sz="900" dirty="0" err="1">
+                <a:latin typeface="Arial" panose="020B0604020202020204" pitchFamily="34" charset="0"/>
+                <a:cs typeface="Arial" panose="020B0604020202020204" pitchFamily="34" charset="0"/>
+              </a:rPr>
+              <a:t>Chafaï</a:t>
+            </a:r>
+            <a:r>
+              <a:rPr lang="fr-FR" sz="900" dirty="0">
+                <a:latin typeface="Arial" panose="020B0604020202020204" pitchFamily="34" charset="0"/>
+                <a:cs typeface="Arial" panose="020B0604020202020204" pitchFamily="34" charset="0"/>
+              </a:rPr>
+              <a:t>, F. </a:t>
+            </a:r>
+            <a:r>
+              <a:rPr lang="fr-FR" sz="900" dirty="0" err="1">
+                <a:latin typeface="Arial" panose="020B0604020202020204" pitchFamily="34" charset="0"/>
+                <a:cs typeface="Arial" panose="020B0604020202020204" pitchFamily="34" charset="0"/>
+              </a:rPr>
+              <a:t>Malrieu</a:t>
+            </a:r>
+            <a:r>
+              <a:rPr lang="fr-FR" sz="900" dirty="0">
+                <a:solidFill>
+                  <a:prstClr val="black"/>
+                </a:solidFill>
+                <a:latin typeface="Arial" panose="020B0604020202020204" pitchFamily="34" charset="0"/>
+                <a:cs typeface="Arial" panose="020B0604020202020204" pitchFamily="34" charset="0"/>
+              </a:rPr>
+              <a:t>. 2016. Recueil de    Modèles Aléatoires, 2016</a:t>
+            </a:r>
+          </a:p>
+          <a:p>
             <a:pPr lvl="0" algn="just"/>
-            <a:endParaRPr lang="fr-FR" sz="1050" dirty="0">
-              <a:solidFill>
-                <a:prstClr val="black"/>
-              </a:solidFill>
-              <a:latin typeface="Arial" panose="020B0604020202020204" pitchFamily="34" charset="0"/>
-              <a:cs typeface="Arial" panose="020B0604020202020204" pitchFamily="34" charset="0"/>
-            </a:endParaRPr>
-          </a:p>
-          <a:p>
-            <a:pPr lvl="0" algn="just"/>
-            <a:endParaRPr lang="fr-FR" sz="1050" dirty="0">
-              <a:solidFill>
-                <a:prstClr val="black"/>
-              </a:solidFill>
-              <a:latin typeface="Arial" panose="020B0604020202020204" pitchFamily="34" charset="0"/>
-              <a:cs typeface="Arial" panose="020B0604020202020204" pitchFamily="34" charset="0"/>
-            </a:endParaRPr>
-          </a:p>
-          <a:p>
-            <a:pPr lvl="0" algn="just"/>
-            <a:endParaRPr lang="fr-FR" sz="1050" dirty="0">
-              <a:solidFill>
-                <a:prstClr val="black"/>
-              </a:solidFill>
-              <a:latin typeface="Arial" panose="020B0604020202020204" pitchFamily="34" charset="0"/>
-              <a:cs typeface="Arial" panose="020B0604020202020204" pitchFamily="34" charset="0"/>
-            </a:endParaRPr>
-          </a:p>
-          <a:p>
-            <a:pPr lvl="0" algn="just"/>
-            <a:endParaRPr lang="fr-FR" sz="1050" dirty="0">
-              <a:solidFill>
-                <a:prstClr val="black"/>
-              </a:solidFill>
-              <a:latin typeface="Arial" panose="020B0604020202020204" pitchFamily="34" charset="0"/>
-              <a:cs typeface="Arial" panose="020B0604020202020204" pitchFamily="34" charset="0"/>
-            </a:endParaRPr>
-          </a:p>
-          <a:p>
-            <a:pPr lvl="0" algn="just"/>
+            <a:r>
+              <a:rPr lang="fr-FR" sz="900" dirty="0">
+                <a:solidFill>
+                  <a:prstClr val="black"/>
+                </a:solidFill>
+                <a:latin typeface="Arial" panose="020B0604020202020204" pitchFamily="34" charset="0"/>
+                <a:cs typeface="Arial" panose="020B0604020202020204" pitchFamily="34" charset="0"/>
+              </a:rPr>
+              <a:t>[2] D. E. </a:t>
+            </a:r>
+            <a:r>
+              <a:rPr lang="fr-FR" sz="900" dirty="0" err="1">
+                <a:solidFill>
+                  <a:prstClr val="black"/>
+                </a:solidFill>
+                <a:latin typeface="Arial" panose="020B0604020202020204" pitchFamily="34" charset="0"/>
+                <a:cs typeface="Arial" panose="020B0604020202020204" pitchFamily="34" charset="0"/>
+              </a:rPr>
+              <a:t>Knuth</a:t>
+            </a:r>
+            <a:r>
+              <a:rPr lang="fr-FR" sz="900" dirty="0">
+                <a:solidFill>
+                  <a:prstClr val="black"/>
+                </a:solidFill>
+                <a:latin typeface="Arial" panose="020B0604020202020204" pitchFamily="34" charset="0"/>
+                <a:cs typeface="Arial" panose="020B0604020202020204" pitchFamily="34" charset="0"/>
+              </a:rPr>
+              <a:t>. Dancing Links. 2000</a:t>
+            </a:r>
             <a:endParaRPr lang="fr-FR" sz="1050" dirty="0">
               <a:solidFill>
                 <a:prstClr val="black"/>
@@ -10842,18 +9569,18 @@
           <p:nvPr>
             <p:extLst>
               <p:ext uri="{D42A27DB-BD31-4B8C-83A1-F6EECF244321}">
-                <p14:modId xmlns:p14="http://schemas.microsoft.com/office/powerpoint/2010/main" val="3844973075"/>
+                <p14:modId xmlns:p14="http://schemas.microsoft.com/office/powerpoint/2010/main" val="4289178672"/>
               </p:ext>
             </p:extLst>
           </p:nvPr>
         </p:nvGraphicFramePr>
         <p:xfrm>
-          <a:off x="7257303" y="10720007"/>
+          <a:off x="7288205" y="11555254"/>
           <a:ext cx="3134908" cy="1816469"/>
         </p:xfrm>
         <a:graphic>
           <a:graphicData uri="http://schemas.openxmlformats.org/drawingml/2006/chart">
-            <c:chart xmlns:c="http://schemas.openxmlformats.org/drawingml/2006/chart" xmlns:r="http://schemas.openxmlformats.org/officeDocument/2006/relationships" r:id="rId23"/>
+            <c:chart xmlns:c="http://schemas.openxmlformats.org/drawingml/2006/chart" xmlns:r="http://schemas.openxmlformats.org/officeDocument/2006/relationships" r:id="rId21"/>
           </a:graphicData>
         </a:graphic>
       </p:graphicFrame>
@@ -10865,7 +9592,7 @@
         </p:nvSpPr>
         <p:spPr>
           <a:xfrm>
-            <a:off x="7406725" y="9287888"/>
+            <a:off x="7405757" y="4588997"/>
             <a:ext cx="2815819" cy="230832"/>
           </a:xfrm>
           <a:prstGeom prst="rect">
@@ -10885,13 +9612,3644 @@
               <a:t>Exemple simplifié d’une itération en cas de </a:t>
             </a:r>
             <a:r>
-              <a:rPr lang="fr-FR" sz="900" dirty="0" err="1"/>
+              <a:rPr lang="fr-FR" sz="900" i="1" dirty="0" err="1"/>
               <a:t>backtracking</a:t>
             </a:r>
-            <a:endParaRPr lang="fr-FR" sz="900" dirty="0"/>
+            <a:endParaRPr lang="fr-FR" sz="900" i="1" dirty="0"/>
           </a:p>
         </p:txBody>
       </p:sp>
+      <mc:AlternateContent xmlns:mc="http://schemas.openxmlformats.org/markup-compatibility/2006" xmlns:a14="http://schemas.microsoft.com/office/drawing/2010/main">
+        <mc:Choice Requires="a14">
+          <p:sp>
+            <p:nvSpPr>
+              <p:cNvPr id="110" name="TextBox 109"/>
+              <p:cNvSpPr txBox="1"/>
+              <p:nvPr/>
+            </p:nvSpPr>
+            <p:spPr>
+              <a:xfrm>
+                <a:off x="292100" y="11961761"/>
+                <a:ext cx="3232086" cy="2262158"/>
+              </a:xfrm>
+              <a:prstGeom prst="rect">
+                <a:avLst/>
+              </a:prstGeom>
+              <a:noFill/>
+              <a:ln>
+                <a:solidFill>
+                  <a:schemeClr val="bg2"/>
+                </a:solidFill>
+              </a:ln>
+            </p:spPr>
+            <p:txBody>
+              <a:bodyPr wrap="square" rtlCol="0">
+                <a:spAutoFit/>
+              </a:bodyPr>
+              <a:lstStyle/>
+              <a:p>
+                <a:pPr lvl="0" algn="just"/>
+                <a:r>
+                  <a:rPr lang="fr-FR" sz="1100" b="1" u="sng" dirty="0">
+                    <a:solidFill>
+                      <a:prstClr val="black"/>
+                    </a:solidFill>
+                    <a:latin typeface="Arial" panose="020B0604020202020204" pitchFamily="34" charset="0"/>
+                    <a:cs typeface="Arial" panose="020B0604020202020204" pitchFamily="34" charset="0"/>
+                  </a:rPr>
+                  <a:t>2- Implémentation</a:t>
+                </a:r>
+              </a:p>
+              <a:p>
+                <a:pPr lvl="0" algn="just"/>
+                <a:r>
+                  <a:rPr lang="fr-FR" sz="400" b="1" u="sng" dirty="0">
+                    <a:solidFill>
+                      <a:prstClr val="black"/>
+                    </a:solidFill>
+                    <a:latin typeface="Arial" panose="020B0604020202020204" pitchFamily="34" charset="0"/>
+                    <a:cs typeface="Arial" panose="020B0604020202020204" pitchFamily="34" charset="0"/>
+                  </a:rPr>
+                  <a:t> </a:t>
+                </a:r>
+                <a:endParaRPr lang="fr-FR" sz="300" b="1" u="sng" dirty="0">
+                  <a:solidFill>
+                    <a:prstClr val="black"/>
+                  </a:solidFill>
+                  <a:latin typeface="Arial" panose="020B0604020202020204" pitchFamily="34" charset="0"/>
+                  <a:cs typeface="Arial" panose="020B0604020202020204" pitchFamily="34" charset="0"/>
+                </a:endParaRPr>
+              </a:p>
+              <a:p>
+                <a:pPr lvl="0" algn="just"/>
+                <a:r>
+                  <a:rPr lang="fr-FR" sz="900" dirty="0">
+                    <a:solidFill>
+                      <a:prstClr val="black"/>
+                    </a:solidFill>
+                    <a:latin typeface="Arial" panose="020B0604020202020204" pitchFamily="34" charset="0"/>
+                    <a:cs typeface="Arial" panose="020B0604020202020204" pitchFamily="34" charset="0"/>
+                  </a:rPr>
+                  <a:t>    Nous avons choisi d’utiliser Python pour implémenter le recuit simulé, la structure du code est brièvement décrite avec le diagramme qui suit.</a:t>
+                </a:r>
+              </a:p>
+              <a:p>
+                <a:pPr lvl="0" algn="just"/>
+                <a:r>
+                  <a:rPr lang="fr-FR" sz="900" dirty="0">
+                    <a:solidFill>
+                      <a:prstClr val="black"/>
+                    </a:solidFill>
+                    <a:latin typeface="Arial" panose="020B0604020202020204" pitchFamily="34" charset="0"/>
+                    <a:cs typeface="Arial" panose="020B0604020202020204" pitchFamily="34" charset="0"/>
+                  </a:rPr>
+                  <a:t>Notre programme consiste à placer d’abord le bloc à un endroit prédéfini, et les pièces aléatoirement sur une grille, puis tant que le potentiel n’est pas nul, à explorer les voisinages selon l’algorithme décrit précédemment.</a:t>
+                </a:r>
+              </a:p>
+              <a:p>
+                <a:pPr lvl="0" algn="just"/>
+                <a:r>
+                  <a:rPr lang="fr-FR" sz="900" dirty="0">
+                    <a:solidFill>
+                      <a:prstClr val="black"/>
+                    </a:solidFill>
+                    <a:latin typeface="Arial" panose="020B0604020202020204" pitchFamily="34" charset="0"/>
+                    <a:cs typeface="Arial" panose="020B0604020202020204" pitchFamily="34" charset="0"/>
+                  </a:rPr>
+                  <a:t>Les premiers voisinages implémentés sont le déplacement d’une pièce d’une case dans une direction et sa rotation (ou non) d’un quart de tour dans le sens horaire. Les fonctions </a:t>
+                </a:r>
+                <a:r>
+                  <a:rPr lang="fr-FR" sz="900" i="1" dirty="0" err="1">
+                    <a:solidFill>
+                      <a:prstClr val="black"/>
+                    </a:solidFill>
+                    <a:latin typeface="Arial" panose="020B0604020202020204" pitchFamily="34" charset="0"/>
+                    <a:cs typeface="Arial" panose="020B0604020202020204" pitchFamily="34" charset="0"/>
+                  </a:rPr>
+                  <a:t>varV</a:t>
+                </a:r>
+                <a:r>
+                  <a:rPr lang="fr-FR" sz="900" dirty="0">
+                    <a:solidFill>
+                      <a:prstClr val="black"/>
+                    </a:solidFill>
+                    <a:latin typeface="Arial" panose="020B0604020202020204" pitchFamily="34" charset="0"/>
+                    <a:cs typeface="Arial" panose="020B0604020202020204" pitchFamily="34" charset="0"/>
+                  </a:rPr>
+                  <a:t> associées permettent de calculer de manière optimisée la variation de potentiel engendrée. En effet, recalculer l’intégralité du potentiel se fait en </a:t>
+                </a:r>
+                <a14:m>
+                  <m:oMath xmlns:m="http://schemas.openxmlformats.org/officeDocument/2006/math">
+                    <m:r>
+                      <m:rPr>
+                        <m:sty m:val="p"/>
+                      </m:rPr>
+                      <a:rPr lang="fr-FR" sz="900" b="0" i="0" smtClean="0">
+                        <a:latin typeface="Cambria Math" panose="02040503050406030204" pitchFamily="18" charset="0"/>
+                      </a:rPr>
+                      <m:t>O</m:t>
+                    </m:r>
+                    <m:d>
+                      <m:dPr>
+                        <m:ctrlPr>
+                          <a:rPr lang="fr-FR" sz="900" b="0" i="1" smtClean="0">
+                            <a:latin typeface="Cambria Math" panose="02040503050406030204" pitchFamily="18" charset="0"/>
+                          </a:rPr>
+                        </m:ctrlPr>
+                      </m:dPr>
+                      <m:e>
+                        <m:r>
+                          <a:rPr lang="fr-FR" sz="900" b="0" i="1" smtClean="0">
+                            <a:latin typeface="Cambria Math" panose="02040503050406030204" pitchFamily="18" charset="0"/>
+                          </a:rPr>
+                          <m:t>𝑛</m:t>
+                        </m:r>
+                        <m:r>
+                          <a:rPr lang="fr-FR" sz="900" b="0" i="1" smtClean="0">
+                            <a:latin typeface="Cambria Math" panose="02040503050406030204" pitchFamily="18" charset="0"/>
+                          </a:rPr>
+                          <m:t>²</m:t>
+                        </m:r>
+                      </m:e>
+                    </m:d>
+                  </m:oMath>
+                </a14:m>
+                <a:r>
+                  <a:rPr lang="fr-FR" sz="900" dirty="0">
+                    <a:solidFill>
+                      <a:prstClr val="black"/>
+                    </a:solidFill>
+                    <a:latin typeface="Arial" panose="020B0604020202020204" pitchFamily="34" charset="0"/>
+                    <a:cs typeface="Arial" panose="020B0604020202020204" pitchFamily="34" charset="0"/>
+                  </a:rPr>
+                  <a:t> et nos fonctions implémentées le font en temps constant.  </a:t>
+                </a:r>
+              </a:p>
+            </p:txBody>
+          </p:sp>
+        </mc:Choice>
+        <mc:Fallback xmlns="">
+          <p:sp>
+            <p:nvSpPr>
+              <p:cNvPr id="110" name="TextBox 109"/>
+              <p:cNvSpPr txBox="1">
+                <a:spLocks noRot="1" noChangeAspect="1" noMove="1" noResize="1" noEditPoints="1" noAdjustHandles="1" noChangeArrowheads="1" noChangeShapeType="1" noTextEdit="1"/>
+              </p:cNvSpPr>
+              <p:nvPr/>
+            </p:nvSpPr>
+            <p:spPr>
+              <a:xfrm>
+                <a:off x="292100" y="11961761"/>
+                <a:ext cx="3232086" cy="2262158"/>
+              </a:xfrm>
+              <a:prstGeom prst="rect">
+                <a:avLst/>
+              </a:prstGeom>
+              <a:blipFill rotWithShape="0">
+                <a:blip r:embed="rId22"/>
+                <a:stretch>
+                  <a:fillRect/>
+                </a:stretch>
+              </a:blipFill>
+              <a:ln>
+                <a:solidFill>
+                  <a:schemeClr val="bg2"/>
+                </a:solidFill>
+              </a:ln>
+            </p:spPr>
+            <p:txBody>
+              <a:bodyPr/>
+              <a:lstStyle/>
+              <a:p>
+                <a:r>
+                  <a:rPr lang="fr-FR">
+                    <a:noFill/>
+                  </a:rPr>
+                  <a:t> </a:t>
+                </a:r>
+              </a:p>
+            </p:txBody>
+          </p:sp>
+        </mc:Fallback>
+      </mc:AlternateContent>
+      <p:sp>
+        <p:nvSpPr>
+          <p:cNvPr id="60" name="Rounded Rectangle 59"/>
+          <p:cNvSpPr/>
+          <p:nvPr/>
+        </p:nvSpPr>
+        <p:spPr>
+          <a:xfrm>
+            <a:off x="292100" y="10596156"/>
+            <a:ext cx="3207154" cy="1356451"/>
+          </a:xfrm>
+          <a:prstGeom prst="roundRect">
+            <a:avLst/>
+          </a:prstGeom>
+          <a:noFill/>
+          <a:ln>
+            <a:solidFill>
+              <a:srgbClr val="FF0000"/>
+            </a:solidFill>
+          </a:ln>
+        </p:spPr>
+        <p:style>
+          <a:lnRef idx="2">
+            <a:schemeClr val="accent1">
+              <a:shade val="50000"/>
+            </a:schemeClr>
+          </a:lnRef>
+          <a:fillRef idx="1">
+            <a:schemeClr val="accent1"/>
+          </a:fillRef>
+          <a:effectRef idx="0">
+            <a:schemeClr val="accent1"/>
+          </a:effectRef>
+          <a:fontRef idx="minor">
+            <a:schemeClr val="lt1"/>
+          </a:fontRef>
+        </p:style>
+        <p:txBody>
+          <a:bodyPr rtlCol="0" anchor="ctr"/>
+          <a:lstStyle/>
+          <a:p>
+            <a:pPr algn="ctr"/>
+            <a:endParaRPr lang="fr-FR"/>
+          </a:p>
+        </p:txBody>
+      </p:sp>
+      <p:sp>
+        <p:nvSpPr>
+          <p:cNvPr id="111" name="TextBox 110"/>
+          <p:cNvSpPr txBox="1"/>
+          <p:nvPr/>
+        </p:nvSpPr>
+        <p:spPr>
+          <a:xfrm>
+            <a:off x="476836" y="7629742"/>
+            <a:ext cx="2866476" cy="230832"/>
+          </a:xfrm>
+          <a:prstGeom prst="rect">
+            <a:avLst/>
+          </a:prstGeom>
+          <a:noFill/>
+        </p:spPr>
+        <p:txBody>
+          <a:bodyPr wrap="square" rtlCol="0">
+            <a:spAutoFit/>
+          </a:bodyPr>
+          <a:lstStyle/>
+          <a:p>
+            <a:pPr algn="ctr"/>
+            <a:r>
+              <a:rPr lang="fr-FR" sz="900" i="1" dirty="0"/>
+              <a:t>L’API développée dans le cadre du projet </a:t>
+            </a:r>
+            <a:r>
+              <a:rPr lang="fr-FR" sz="900" i="1" dirty="0" err="1"/>
+              <a:t>TDLog</a:t>
+            </a:r>
+            <a:r>
+              <a:rPr lang="fr-FR" sz="900" i="1" dirty="0"/>
+              <a:t>.</a:t>
+            </a:r>
+          </a:p>
+        </p:txBody>
+      </p:sp>
+      <p:sp>
+        <p:nvSpPr>
+          <p:cNvPr id="112" name="ZoneTexte 18"/>
+          <p:cNvSpPr txBox="1"/>
+          <p:nvPr/>
+        </p:nvSpPr>
+        <p:spPr>
+          <a:xfrm>
+            <a:off x="3724451" y="9596174"/>
+            <a:ext cx="3253032" cy="2015936"/>
+          </a:xfrm>
+          <a:prstGeom prst="rect">
+            <a:avLst/>
+          </a:prstGeom>
+          <a:noFill/>
+          <a:ln>
+            <a:solidFill>
+              <a:schemeClr val="bg2"/>
+            </a:solidFill>
+          </a:ln>
+        </p:spPr>
+        <p:txBody>
+          <a:bodyPr wrap="square" rtlCol="0">
+            <a:spAutoFit/>
+          </a:bodyPr>
+          <a:lstStyle/>
+          <a:p>
+            <a:pPr algn="just"/>
+            <a:r>
+              <a:rPr lang="fr-FR" sz="1100" b="1" dirty="0">
+                <a:uFill>
+                  <a:solidFill>
+                    <a:srgbClr val="FF0000"/>
+                  </a:solidFill>
+                </a:uFill>
+                <a:latin typeface="Arial" panose="020B0604020202020204" pitchFamily="34" charset="0"/>
+                <a:cs typeface="Arial" panose="020B0604020202020204" pitchFamily="34" charset="0"/>
+              </a:rPr>
+              <a:t>    </a:t>
+            </a:r>
+            <a:r>
+              <a:rPr lang="fr-FR" sz="1200" b="1" u="sng" dirty="0">
+                <a:uFill>
+                  <a:solidFill>
+                    <a:srgbClr val="FF0000"/>
+                  </a:solidFill>
+                </a:uFill>
+                <a:latin typeface="Arial" panose="020B0604020202020204" pitchFamily="34" charset="0"/>
+                <a:cs typeface="Arial" panose="020B0604020202020204" pitchFamily="34" charset="0"/>
+              </a:rPr>
+              <a:t>III – Méthode déterministe</a:t>
+            </a:r>
+          </a:p>
+          <a:p>
+            <a:pPr algn="just"/>
+            <a:endParaRPr lang="fr-FR" sz="700" b="1" u="sng" dirty="0">
+              <a:uFill>
+                <a:solidFill>
+                  <a:srgbClr val="FF0000"/>
+                </a:solidFill>
+              </a:uFill>
+              <a:latin typeface="Arial" panose="020B0604020202020204" pitchFamily="34" charset="0"/>
+              <a:cs typeface="Arial" panose="020B0604020202020204" pitchFamily="34" charset="0"/>
+            </a:endParaRPr>
+          </a:p>
+          <a:p>
+            <a:pPr algn="just"/>
+            <a:r>
+              <a:rPr lang="fr-FR" sz="1100" b="1" u="sng" dirty="0">
+                <a:latin typeface="Arial" panose="020B0604020202020204" pitchFamily="34" charset="0"/>
+                <a:cs typeface="Arial" panose="020B0604020202020204" pitchFamily="34" charset="0"/>
+              </a:rPr>
+              <a:t>1- Modélisation du problème:</a:t>
+            </a:r>
+          </a:p>
+          <a:p>
+            <a:pPr algn="just"/>
+            <a:endParaRPr lang="fr-FR" sz="500" b="1" u="sng" dirty="0">
+              <a:uFill>
+                <a:solidFill>
+                  <a:srgbClr val="FF0000"/>
+                </a:solidFill>
+              </a:uFill>
+              <a:latin typeface="Arial" panose="020B0604020202020204" pitchFamily="34" charset="0"/>
+              <a:cs typeface="Arial" panose="020B0604020202020204" pitchFamily="34" charset="0"/>
+            </a:endParaRPr>
+          </a:p>
+          <a:p>
+            <a:pPr algn="just"/>
+            <a:r>
+              <a:rPr lang="fr-FR" sz="900" dirty="0">
+                <a:uFill>
+                  <a:solidFill>
+                    <a:srgbClr val="FF0000"/>
+                  </a:solidFill>
+                </a:uFill>
+                <a:latin typeface="Arial" panose="020B0604020202020204" pitchFamily="34" charset="0"/>
+                <a:cs typeface="Arial" panose="020B0604020202020204" pitchFamily="34" charset="0"/>
+              </a:rPr>
+              <a:t>    A présent, nous nous sommes intéressés à une manière </a:t>
+            </a:r>
+            <a:r>
+              <a:rPr lang="fr-FR" sz="900" i="1" dirty="0">
+                <a:uFill>
+                  <a:solidFill>
+                    <a:srgbClr val="FF0000"/>
+                  </a:solidFill>
+                </a:uFill>
+                <a:latin typeface="Arial" panose="020B0604020202020204" pitchFamily="34" charset="0"/>
+                <a:cs typeface="Arial" panose="020B0604020202020204" pitchFamily="34" charset="0"/>
+              </a:rPr>
+              <a:t>efficace</a:t>
+            </a:r>
+            <a:r>
+              <a:rPr lang="fr-FR" sz="900" dirty="0">
+                <a:uFill>
+                  <a:solidFill>
+                    <a:srgbClr val="FF0000"/>
+                  </a:solidFill>
+                </a:uFill>
+                <a:latin typeface="Arial" panose="020B0604020202020204" pitchFamily="34" charset="0"/>
+                <a:cs typeface="Arial" panose="020B0604020202020204" pitchFamily="34" charset="0"/>
+              </a:rPr>
+              <a:t> de résoudre ce problème de manière déterministe. L’idée sous-jacente est que pour trouver toutes les solutions, il faut explorer toutes les configurations possibles (et il y en a beaucoup !). Heureusement, une implémentation astucieuse permet de gagner beaucoup de temps. On représente toutes les configurations que peut occuper chaque pièce de manière matricielle: on numérote les cases de la grille tel qu’illustré ci-dessous, et on indique par un 1 si elle est occupée par tel ou tel placement d’une pièce.</a:t>
+            </a:r>
+          </a:p>
+        </p:txBody>
+      </p:sp>
+      <p:grpSp>
+        <p:nvGrpSpPr>
+          <p:cNvPr id="113" name="Groupe 37">
+            <a:extLst>
+              <a:ext uri="{FF2B5EF4-FFF2-40B4-BE49-F238E27FC236}">
+                <a16:creationId xmlns:a16="http://schemas.microsoft.com/office/drawing/2014/main" id="{2E3EBB30-0B91-497F-AF84-F2AA11CA7282}"/>
+              </a:ext>
+            </a:extLst>
+          </p:cNvPr>
+          <p:cNvGrpSpPr>
+            <a:grpSpLocks noChangeAspect="1"/>
+          </p:cNvGrpSpPr>
+          <p:nvPr/>
+        </p:nvGrpSpPr>
+        <p:grpSpPr>
+          <a:xfrm>
+            <a:off x="3976081" y="11723412"/>
+            <a:ext cx="2769548" cy="1576579"/>
+            <a:chOff x="-590945" y="1602627"/>
+            <a:chExt cx="8201711" cy="4668864"/>
+          </a:xfrm>
+        </p:grpSpPr>
+        <p:pic>
+          <p:nvPicPr>
+            <p:cNvPr id="114" name="Image 39">
+              <a:extLst>
+                <a:ext uri="{FF2B5EF4-FFF2-40B4-BE49-F238E27FC236}">
+                  <a16:creationId xmlns:a16="http://schemas.microsoft.com/office/drawing/2014/main" id="{3E8B0AF2-C6D7-4657-83BB-9BA480CD4BE1}"/>
+                </a:ext>
+              </a:extLst>
+            </p:cNvPr>
+            <p:cNvPicPr>
+              <a:picLocks noChangeAspect="1"/>
+            </p:cNvPicPr>
+            <p:nvPr/>
+          </p:nvPicPr>
+          <p:blipFill rotWithShape="1">
+            <a:blip r:embed="rId20"/>
+            <a:srcRect l="6106" t="7679" r="8909" b="5711"/>
+            <a:stretch/>
+          </p:blipFill>
+          <p:spPr>
+            <a:xfrm>
+              <a:off x="2567708" y="2410690"/>
+              <a:ext cx="5043055" cy="3860801"/>
+            </a:xfrm>
+            <a:prstGeom prst="rect">
+              <a:avLst/>
+            </a:prstGeom>
+          </p:spPr>
+        </p:pic>
+        <p:sp>
+          <p:nvSpPr>
+            <p:cNvPr id="115" name="Accolade fermante 40">
+              <a:extLst>
+                <a:ext uri="{FF2B5EF4-FFF2-40B4-BE49-F238E27FC236}">
+                  <a16:creationId xmlns:a16="http://schemas.microsoft.com/office/drawing/2014/main" id="{939B1627-0915-435F-A777-4608ED76D847}"/>
+                </a:ext>
+              </a:extLst>
+            </p:cNvPr>
+            <p:cNvSpPr/>
+            <p:nvPr/>
+          </p:nvSpPr>
+          <p:spPr>
+            <a:xfrm rot="16200000">
+              <a:off x="3278908" y="1320798"/>
+              <a:ext cx="203201" cy="1625601"/>
+            </a:xfrm>
+            <a:prstGeom prst="rightBrace">
+              <a:avLst/>
+            </a:prstGeom>
+          </p:spPr>
+          <p:style>
+            <a:lnRef idx="1">
+              <a:schemeClr val="dk1"/>
+            </a:lnRef>
+            <a:fillRef idx="0">
+              <a:schemeClr val="dk1"/>
+            </a:fillRef>
+            <a:effectRef idx="0">
+              <a:schemeClr val="dk1"/>
+            </a:effectRef>
+            <a:fontRef idx="minor">
+              <a:schemeClr val="tx1"/>
+            </a:fontRef>
+          </p:style>
+          <p:txBody>
+            <a:bodyPr rtlCol="0" anchor="ctr"/>
+            <a:lstStyle/>
+            <a:p>
+              <a:pPr algn="ctr"/>
+              <a:endParaRPr lang="fr-FR"/>
+            </a:p>
+          </p:txBody>
+        </p:sp>
+        <p:sp>
+          <p:nvSpPr>
+            <p:cNvPr id="116" name="Accolade fermante 41">
+              <a:extLst>
+                <a:ext uri="{FF2B5EF4-FFF2-40B4-BE49-F238E27FC236}">
+                  <a16:creationId xmlns:a16="http://schemas.microsoft.com/office/drawing/2014/main" id="{4B6163BE-EFA6-4C31-9443-38808280EE31}"/>
+                </a:ext>
+              </a:extLst>
+            </p:cNvPr>
+            <p:cNvSpPr/>
+            <p:nvPr/>
+          </p:nvSpPr>
+          <p:spPr>
+            <a:xfrm rot="16200000">
+              <a:off x="5841998" y="466433"/>
+              <a:ext cx="203201" cy="3334329"/>
+            </a:xfrm>
+            <a:prstGeom prst="rightBrace">
+              <a:avLst/>
+            </a:prstGeom>
+          </p:spPr>
+          <p:style>
+            <a:lnRef idx="1">
+              <a:schemeClr val="dk1"/>
+            </a:lnRef>
+            <a:fillRef idx="0">
+              <a:schemeClr val="dk1"/>
+            </a:fillRef>
+            <a:effectRef idx="0">
+              <a:schemeClr val="dk1"/>
+            </a:effectRef>
+            <a:fontRef idx="minor">
+              <a:schemeClr val="tx1"/>
+            </a:fontRef>
+          </p:style>
+          <p:txBody>
+            <a:bodyPr rtlCol="0" anchor="ctr"/>
+            <a:lstStyle/>
+            <a:p>
+              <a:pPr algn="ctr"/>
+              <a:endParaRPr lang="fr-FR"/>
+            </a:p>
+          </p:txBody>
+        </p:sp>
+        <p:sp>
+          <p:nvSpPr>
+            <p:cNvPr id="118" name="ZoneTexte 42">
+              <a:extLst>
+                <a:ext uri="{FF2B5EF4-FFF2-40B4-BE49-F238E27FC236}">
+                  <a16:creationId xmlns:a16="http://schemas.microsoft.com/office/drawing/2014/main" id="{E2002905-8B78-466E-B32D-ECBA62B7412C}"/>
+                </a:ext>
+              </a:extLst>
+            </p:cNvPr>
+            <p:cNvSpPr txBox="1"/>
+            <p:nvPr/>
+          </p:nvSpPr>
+          <p:spPr>
+            <a:xfrm>
+              <a:off x="2594101" y="1602627"/>
+              <a:ext cx="1516078" cy="592441"/>
+            </a:xfrm>
+            <a:prstGeom prst="rect">
+              <a:avLst/>
+            </a:prstGeom>
+            <a:noFill/>
+          </p:spPr>
+          <p:txBody>
+            <a:bodyPr wrap="square" rtlCol="0">
+              <a:spAutoFit/>
+            </a:bodyPr>
+            <a:lstStyle/>
+            <a:p>
+              <a:pPr algn="ctr"/>
+              <a:r>
+                <a:rPr lang="fr-FR" sz="700" dirty="0">
+                  <a:latin typeface="Arial" panose="020B0604020202020204" pitchFamily="34" charset="0"/>
+                  <a:cs typeface="Arial" panose="020B0604020202020204" pitchFamily="34" charset="0"/>
+                </a:rPr>
+                <a:t>Pièces</a:t>
+              </a:r>
+              <a:endParaRPr lang="fr-FR" sz="500" dirty="0">
+                <a:latin typeface="Arial" panose="020B0604020202020204" pitchFamily="34" charset="0"/>
+                <a:cs typeface="Arial" panose="020B0604020202020204" pitchFamily="34" charset="0"/>
+              </a:endParaRPr>
+            </a:p>
+          </p:txBody>
+        </p:sp>
+        <p:sp>
+          <p:nvSpPr>
+            <p:cNvPr id="119" name="ZoneTexte 43">
+              <a:extLst>
+                <a:ext uri="{FF2B5EF4-FFF2-40B4-BE49-F238E27FC236}">
+                  <a16:creationId xmlns:a16="http://schemas.microsoft.com/office/drawing/2014/main" id="{93FD8743-B99C-40BE-A31B-0E02A7191D2A}"/>
+                </a:ext>
+              </a:extLst>
+            </p:cNvPr>
+            <p:cNvSpPr txBox="1"/>
+            <p:nvPr/>
+          </p:nvSpPr>
+          <p:spPr>
+            <a:xfrm>
+              <a:off x="4341093" y="1602627"/>
+              <a:ext cx="3269673" cy="592441"/>
+            </a:xfrm>
+            <a:prstGeom prst="rect">
+              <a:avLst/>
+            </a:prstGeom>
+            <a:noFill/>
+          </p:spPr>
+          <p:txBody>
+            <a:bodyPr wrap="square" rtlCol="0">
+              <a:spAutoFit/>
+            </a:bodyPr>
+            <a:lstStyle/>
+            <a:p>
+              <a:pPr algn="ctr"/>
+              <a:r>
+                <a:rPr lang="fr-FR" sz="700" dirty="0">
+                  <a:latin typeface="Arial" panose="020B0604020202020204" pitchFamily="34" charset="0"/>
+                  <a:cs typeface="Arial" panose="020B0604020202020204" pitchFamily="34" charset="0"/>
+                </a:rPr>
+                <a:t>Cases numérotées</a:t>
+              </a:r>
+            </a:p>
+          </p:txBody>
+        </p:sp>
+        <p:sp>
+          <p:nvSpPr>
+            <p:cNvPr id="120" name="Accolade ouvrante 44">
+              <a:extLst>
+                <a:ext uri="{FF2B5EF4-FFF2-40B4-BE49-F238E27FC236}">
+                  <a16:creationId xmlns:a16="http://schemas.microsoft.com/office/drawing/2014/main" id="{A14E7EAD-FE17-465F-A474-EBAB7D313B1F}"/>
+                </a:ext>
+              </a:extLst>
+            </p:cNvPr>
+            <p:cNvSpPr/>
+            <p:nvPr/>
+          </p:nvSpPr>
+          <p:spPr>
+            <a:xfrm>
+              <a:off x="2022764" y="2835564"/>
+              <a:ext cx="397163" cy="1597891"/>
+            </a:xfrm>
+            <a:prstGeom prst="leftBrace">
+              <a:avLst/>
+            </a:prstGeom>
+          </p:spPr>
+          <p:style>
+            <a:lnRef idx="1">
+              <a:schemeClr val="accent1"/>
+            </a:lnRef>
+            <a:fillRef idx="0">
+              <a:schemeClr val="accent1"/>
+            </a:fillRef>
+            <a:effectRef idx="0">
+              <a:schemeClr val="accent1"/>
+            </a:effectRef>
+            <a:fontRef idx="minor">
+              <a:schemeClr val="tx1"/>
+            </a:fontRef>
+          </p:style>
+          <p:txBody>
+            <a:bodyPr rtlCol="0" anchor="ctr"/>
+            <a:lstStyle/>
+            <a:p>
+              <a:pPr algn="ctr"/>
+              <a:endParaRPr lang="fr-FR"/>
+            </a:p>
+          </p:txBody>
+        </p:sp>
+        <p:sp>
+          <p:nvSpPr>
+            <p:cNvPr id="121" name="Accolade ouvrante 45">
+              <a:extLst>
+                <a:ext uri="{FF2B5EF4-FFF2-40B4-BE49-F238E27FC236}">
+                  <a16:creationId xmlns:a16="http://schemas.microsoft.com/office/drawing/2014/main" id="{A95AC5A2-7C68-456D-B2E7-66DEBD65B54D}"/>
+                </a:ext>
+              </a:extLst>
+            </p:cNvPr>
+            <p:cNvSpPr/>
+            <p:nvPr/>
+          </p:nvSpPr>
+          <p:spPr>
+            <a:xfrm>
+              <a:off x="2022764" y="4618180"/>
+              <a:ext cx="397163" cy="1597892"/>
+            </a:xfrm>
+            <a:prstGeom prst="leftBrace">
+              <a:avLst/>
+            </a:prstGeom>
+          </p:spPr>
+          <p:style>
+            <a:lnRef idx="1">
+              <a:schemeClr val="accent1"/>
+            </a:lnRef>
+            <a:fillRef idx="0">
+              <a:schemeClr val="accent1"/>
+            </a:fillRef>
+            <a:effectRef idx="0">
+              <a:schemeClr val="accent1"/>
+            </a:effectRef>
+            <a:fontRef idx="minor">
+              <a:schemeClr val="tx1"/>
+            </a:fontRef>
+          </p:style>
+          <p:txBody>
+            <a:bodyPr rtlCol="0" anchor="ctr"/>
+            <a:lstStyle/>
+            <a:p>
+              <a:pPr algn="ctr"/>
+              <a:endParaRPr lang="fr-FR"/>
+            </a:p>
+          </p:txBody>
+        </p:sp>
+        <p:sp>
+          <p:nvSpPr>
+            <p:cNvPr id="122" name="ZoneTexte 46">
+              <a:extLst>
+                <a:ext uri="{FF2B5EF4-FFF2-40B4-BE49-F238E27FC236}">
+                  <a16:creationId xmlns:a16="http://schemas.microsoft.com/office/drawing/2014/main" id="{DA00F894-CC19-4F4B-8F01-2BF648AE28F7}"/>
+                </a:ext>
+              </a:extLst>
+            </p:cNvPr>
+            <p:cNvSpPr txBox="1"/>
+            <p:nvPr/>
+          </p:nvSpPr>
+          <p:spPr>
+            <a:xfrm>
+              <a:off x="-455251" y="3108855"/>
+              <a:ext cx="2278111" cy="1230451"/>
+            </a:xfrm>
+            <a:prstGeom prst="rect">
+              <a:avLst/>
+            </a:prstGeom>
+            <a:noFill/>
+          </p:spPr>
+          <p:txBody>
+            <a:bodyPr wrap="square" rtlCol="0">
+              <a:spAutoFit/>
+            </a:bodyPr>
+            <a:lstStyle/>
+            <a:p>
+              <a:pPr algn="ctr"/>
+              <a:r>
+                <a:rPr lang="fr-FR" sz="700" dirty="0">
+                  <a:latin typeface="Arial" panose="020B0604020202020204" pitchFamily="34" charset="0"/>
+                  <a:cs typeface="Arial" panose="020B0604020202020204" pitchFamily="34" charset="0"/>
+                </a:rPr>
+                <a:t>Configurations possibles pour la pièce A</a:t>
+              </a:r>
+            </a:p>
+          </p:txBody>
+        </p:sp>
+        <p:sp>
+          <p:nvSpPr>
+            <p:cNvPr id="123" name="ZoneTexte 47">
+              <a:extLst>
+                <a:ext uri="{FF2B5EF4-FFF2-40B4-BE49-F238E27FC236}">
+                  <a16:creationId xmlns:a16="http://schemas.microsoft.com/office/drawing/2014/main" id="{04C70B37-4FAC-49C7-81AE-E8C65E878619}"/>
+                </a:ext>
+              </a:extLst>
+            </p:cNvPr>
+            <p:cNvSpPr txBox="1"/>
+            <p:nvPr/>
+          </p:nvSpPr>
+          <p:spPr>
+            <a:xfrm>
+              <a:off x="-590945" y="4955461"/>
+              <a:ext cx="2465928" cy="1230451"/>
+            </a:xfrm>
+            <a:prstGeom prst="rect">
+              <a:avLst/>
+            </a:prstGeom>
+            <a:noFill/>
+          </p:spPr>
+          <p:txBody>
+            <a:bodyPr wrap="square" rtlCol="0">
+              <a:spAutoFit/>
+            </a:bodyPr>
+            <a:lstStyle/>
+            <a:p>
+              <a:pPr algn="ctr"/>
+              <a:r>
+                <a:rPr lang="fr-FR" sz="700" dirty="0">
+                  <a:latin typeface="Arial" panose="020B0604020202020204" pitchFamily="34" charset="0"/>
+                  <a:cs typeface="Arial" panose="020B0604020202020204" pitchFamily="34" charset="0"/>
+                </a:rPr>
+                <a:t>Configurations possibles pour la pièce B</a:t>
+              </a:r>
+            </a:p>
+          </p:txBody>
+        </p:sp>
+      </p:grpSp>
+      <p:sp>
+        <p:nvSpPr>
+          <p:cNvPr id="124" name="TextBox 123"/>
+          <p:cNvSpPr txBox="1"/>
+          <p:nvPr/>
+        </p:nvSpPr>
+        <p:spPr>
+          <a:xfrm>
+            <a:off x="3912668" y="13285702"/>
+            <a:ext cx="2866476" cy="246221"/>
+          </a:xfrm>
+          <a:prstGeom prst="rect">
+            <a:avLst/>
+          </a:prstGeom>
+          <a:noFill/>
+        </p:spPr>
+        <p:txBody>
+          <a:bodyPr wrap="square" rtlCol="0">
+            <a:spAutoFit/>
+          </a:bodyPr>
+          <a:lstStyle/>
+          <a:p>
+            <a:pPr algn="ctr"/>
+            <a:r>
+              <a:rPr lang="fr-FR" sz="1000" i="1" dirty="0"/>
+              <a:t>Matrices pièce 1x1 et une en L dans une  grille 2x2</a:t>
+            </a:r>
+          </a:p>
+        </p:txBody>
+      </p:sp>
+      <p:grpSp>
+        <p:nvGrpSpPr>
+          <p:cNvPr id="157" name="Groupe 156">
+            <a:extLst>
+              <a:ext uri="{FF2B5EF4-FFF2-40B4-BE49-F238E27FC236}">
+                <a16:creationId xmlns:a16="http://schemas.microsoft.com/office/drawing/2014/main" id="{BC1F56CF-1EEC-4286-8995-17B3BD5EA421}"/>
+              </a:ext>
+            </a:extLst>
+          </p:cNvPr>
+          <p:cNvGrpSpPr>
+            <a:grpSpLocks noChangeAspect="1"/>
+          </p:cNvGrpSpPr>
+          <p:nvPr/>
+        </p:nvGrpSpPr>
+        <p:grpSpPr>
+          <a:xfrm>
+            <a:off x="7196353" y="6453466"/>
+            <a:ext cx="3226902" cy="1149366"/>
+            <a:chOff x="721434" y="1828797"/>
+            <a:chExt cx="6740194" cy="2400741"/>
+          </a:xfrm>
+        </p:grpSpPr>
+        <p:grpSp>
+          <p:nvGrpSpPr>
+            <p:cNvPr id="158" name="Groupe 157">
+              <a:extLst>
+                <a:ext uri="{FF2B5EF4-FFF2-40B4-BE49-F238E27FC236}">
+                  <a16:creationId xmlns:a16="http://schemas.microsoft.com/office/drawing/2014/main" id="{428512D3-C90C-4FB6-AB38-C3FCDAFBAA8E}"/>
+                </a:ext>
+              </a:extLst>
+            </p:cNvPr>
+            <p:cNvGrpSpPr/>
+            <p:nvPr/>
+          </p:nvGrpSpPr>
+          <p:grpSpPr>
+            <a:xfrm>
+              <a:off x="830827" y="1828797"/>
+              <a:ext cx="6482436" cy="720253"/>
+              <a:chOff x="830827" y="1828797"/>
+              <a:chExt cx="6482436" cy="720253"/>
+            </a:xfrm>
+          </p:grpSpPr>
+          <mc:AlternateContent xmlns:mc="http://schemas.openxmlformats.org/markup-compatibility/2006">
+            <mc:Choice xmlns:a14="http://schemas.microsoft.com/office/drawing/2010/main" Requires="a14">
+              <p:sp>
+                <p:nvSpPr>
+                  <p:cNvPr id="176" name="ZoneTexte 175">
+                    <a:extLst>
+                      <a:ext uri="{FF2B5EF4-FFF2-40B4-BE49-F238E27FC236}">
+                        <a16:creationId xmlns:a16="http://schemas.microsoft.com/office/drawing/2014/main" id="{BDD5A742-83E1-4E92-8D3F-3C397E4F9AB3}"/>
+                      </a:ext>
+                    </a:extLst>
+                  </p:cNvPr>
+                  <p:cNvSpPr txBox="1">
+                    <a:spLocks/>
+                  </p:cNvSpPr>
+                  <p:nvPr/>
+                </p:nvSpPr>
+                <p:spPr>
+                  <a:xfrm>
+                    <a:off x="2780593" y="1828799"/>
+                    <a:ext cx="633137" cy="685820"/>
+                  </a:xfrm>
+                  <a:prstGeom prst="rect">
+                    <a:avLst/>
+                  </a:prstGeom>
+                  <a:noFill/>
+                  <a:ln>
+                    <a:solidFill>
+                      <a:schemeClr val="accent2"/>
+                    </a:solidFill>
+                  </a:ln>
+                </p:spPr>
+                <p:txBody>
+                  <a:bodyPr wrap="square" rtlCol="0">
+                    <a:spAutoFit/>
+                  </a:bodyPr>
+                  <a:lstStyle/>
+                  <a:p>
+                    <a:pPr algn="ctr"/>
+                    <a:r>
+                      <a:rPr lang="fr-FR" sz="900" dirty="0"/>
+                      <a:t>1</a:t>
+                    </a:r>
+                    <a14:m>
+                      <m:oMath xmlns:m="http://schemas.openxmlformats.org/officeDocument/2006/math">
+                        <m:r>
+                          <a:rPr lang="fr-FR" sz="900" b="0" i="1" smtClean="0">
+                            <a:latin typeface="Cambria Math" panose="02040503050406030204" pitchFamily="18" charset="0"/>
+                          </a:rPr>
+                          <m:t>𝑖</m:t>
+                        </m:r>
+                        <m:r>
+                          <a:rPr lang="fr-FR" sz="900" b="0" i="1" smtClean="0">
+                            <a:latin typeface="Cambria Math" panose="02040503050406030204" pitchFamily="18" charset="0"/>
+                          </a:rPr>
+                          <m:t>, </m:t>
+                        </m:r>
+                        <m:sSub>
+                          <m:sSubPr>
+                            <m:ctrlPr>
+                              <a:rPr lang="fr-FR" sz="900" b="0" i="1" smtClean="0">
+                                <a:latin typeface="Cambria Math" panose="02040503050406030204" pitchFamily="18" charset="0"/>
+                              </a:rPr>
+                            </m:ctrlPr>
+                          </m:sSubPr>
+                          <m:e>
+                            <m:r>
+                              <a:rPr lang="fr-FR" sz="900" b="0" i="1" smtClean="0">
+                                <a:latin typeface="Cambria Math" panose="02040503050406030204" pitchFamily="18" charset="0"/>
+                              </a:rPr>
+                              <m:t>𝑗</m:t>
+                            </m:r>
+                          </m:e>
+                          <m:sub>
+                            <m:r>
+                              <a:rPr lang="fr-FR" sz="900" b="0" i="1" smtClean="0">
+                                <a:latin typeface="Cambria Math" panose="02040503050406030204" pitchFamily="18" charset="0"/>
+                              </a:rPr>
+                              <m:t>2</m:t>
+                            </m:r>
+                          </m:sub>
+                        </m:sSub>
+                      </m:oMath>
+                    </a14:m>
+                    <a:endParaRPr lang="fr-FR" sz="900" dirty="0"/>
+                  </a:p>
+                </p:txBody>
+              </p:sp>
+            </mc:Choice>
+            <mc:Fallback>
+              <p:sp>
+                <p:nvSpPr>
+                  <p:cNvPr id="176" name="ZoneTexte 175">
+                    <a:extLst>
+                      <a:ext uri="{FF2B5EF4-FFF2-40B4-BE49-F238E27FC236}">
+                        <a16:creationId xmlns:a16="http://schemas.microsoft.com/office/drawing/2014/main" id="{BDD5A742-83E1-4E92-8D3F-3C397E4F9AB3}"/>
+                      </a:ext>
+                    </a:extLst>
+                  </p:cNvPr>
+                  <p:cNvSpPr txBox="1">
+                    <a:spLocks noRot="1" noChangeAspect="1" noMove="1" noResize="1" noEditPoints="1" noAdjustHandles="1" noChangeArrowheads="1" noChangeShapeType="1" noTextEdit="1"/>
+                  </p:cNvSpPr>
+                  <p:nvPr/>
+                </p:nvSpPr>
+                <p:spPr>
+                  <a:xfrm>
+                    <a:off x="2780593" y="1828799"/>
+                    <a:ext cx="633137" cy="685820"/>
+                  </a:xfrm>
+                  <a:prstGeom prst="rect">
+                    <a:avLst/>
+                  </a:prstGeom>
+                  <a:blipFill>
+                    <a:blip r:embed="rId23"/>
+                    <a:stretch>
+                      <a:fillRect b="-8929"/>
+                    </a:stretch>
+                  </a:blipFill>
+                  <a:ln>
+                    <a:solidFill>
+                      <a:schemeClr val="accent2"/>
+                    </a:solidFill>
+                  </a:ln>
+                </p:spPr>
+                <p:txBody>
+                  <a:bodyPr/>
+                  <a:lstStyle/>
+                  <a:p>
+                    <a:r>
+                      <a:rPr lang="fr-FR">
+                        <a:noFill/>
+                      </a:rPr>
+                      <a:t> </a:t>
+                    </a:r>
+                  </a:p>
+                </p:txBody>
+              </p:sp>
+            </mc:Fallback>
+          </mc:AlternateContent>
+          <mc:AlternateContent xmlns:mc="http://schemas.openxmlformats.org/markup-compatibility/2006">
+            <mc:Choice xmlns:a14="http://schemas.microsoft.com/office/drawing/2010/main" Requires="a14">
+              <p:sp>
+                <p:nvSpPr>
+                  <p:cNvPr id="177" name="ZoneTexte 176">
+                    <a:extLst>
+                      <a:ext uri="{FF2B5EF4-FFF2-40B4-BE49-F238E27FC236}">
+                        <a16:creationId xmlns:a16="http://schemas.microsoft.com/office/drawing/2014/main" id="{3D846339-D2A4-4A22-B111-D6F70C2C6CEF}"/>
+                      </a:ext>
+                    </a:extLst>
+                  </p:cNvPr>
+                  <p:cNvSpPr txBox="1">
+                    <a:spLocks/>
+                  </p:cNvSpPr>
+                  <p:nvPr/>
+                </p:nvSpPr>
+                <p:spPr>
+                  <a:xfrm>
+                    <a:off x="830827" y="1828799"/>
+                    <a:ext cx="633137" cy="685820"/>
+                  </a:xfrm>
+                  <a:prstGeom prst="rect">
+                    <a:avLst/>
+                  </a:prstGeom>
+                  <a:noFill/>
+                  <a:ln>
+                    <a:solidFill>
+                      <a:schemeClr val="accent2"/>
+                    </a:solidFill>
+                  </a:ln>
+                </p:spPr>
+                <p:txBody>
+                  <a:bodyPr wrap="square" rtlCol="0">
+                    <a:spAutoFit/>
+                  </a:bodyPr>
+                  <a:lstStyle/>
+                  <a:p>
+                    <a:pPr algn="ctr"/>
+                    <a:r>
+                      <a:rPr lang="fr-FR" sz="900" dirty="0"/>
+                      <a:t>1</a:t>
+                    </a:r>
+                    <a14:m>
+                      <m:oMath xmlns:m="http://schemas.openxmlformats.org/officeDocument/2006/math">
+                        <m:r>
+                          <a:rPr lang="fr-FR" sz="900" b="0" i="1" smtClean="0">
+                            <a:latin typeface="Cambria Math" panose="02040503050406030204" pitchFamily="18" charset="0"/>
+                          </a:rPr>
+                          <m:t>𝑖</m:t>
+                        </m:r>
+                        <m:r>
+                          <a:rPr lang="fr-FR" sz="900" b="0" i="1" smtClean="0">
+                            <a:latin typeface="Cambria Math" panose="02040503050406030204" pitchFamily="18" charset="0"/>
+                          </a:rPr>
+                          <m:t>, </m:t>
+                        </m:r>
+                        <m:sSub>
+                          <m:sSubPr>
+                            <m:ctrlPr>
+                              <a:rPr lang="fr-FR" sz="900" b="0" i="1" smtClean="0">
+                                <a:latin typeface="Cambria Math" panose="02040503050406030204" pitchFamily="18" charset="0"/>
+                              </a:rPr>
+                            </m:ctrlPr>
+                          </m:sSubPr>
+                          <m:e>
+                            <m:r>
+                              <a:rPr lang="fr-FR" sz="900" b="0" i="1" smtClean="0">
+                                <a:latin typeface="Cambria Math" panose="02040503050406030204" pitchFamily="18" charset="0"/>
+                              </a:rPr>
+                              <m:t>𝑗</m:t>
+                            </m:r>
+                          </m:e>
+                          <m:sub>
+                            <m:r>
+                              <a:rPr lang="fr-FR" sz="900" b="0" i="1" smtClean="0">
+                                <a:latin typeface="Cambria Math" panose="02040503050406030204" pitchFamily="18" charset="0"/>
+                              </a:rPr>
+                              <m:t>1</m:t>
+                            </m:r>
+                          </m:sub>
+                        </m:sSub>
+                      </m:oMath>
+                    </a14:m>
+                    <a:endParaRPr lang="fr-FR" sz="900" dirty="0"/>
+                  </a:p>
+                </p:txBody>
+              </p:sp>
+            </mc:Choice>
+            <mc:Fallback>
+              <p:sp>
+                <p:nvSpPr>
+                  <p:cNvPr id="177" name="ZoneTexte 176">
+                    <a:extLst>
+                      <a:ext uri="{FF2B5EF4-FFF2-40B4-BE49-F238E27FC236}">
+                        <a16:creationId xmlns:a16="http://schemas.microsoft.com/office/drawing/2014/main" id="{3D846339-D2A4-4A22-B111-D6F70C2C6CEF}"/>
+                      </a:ext>
+                    </a:extLst>
+                  </p:cNvPr>
+                  <p:cNvSpPr txBox="1">
+                    <a:spLocks noRot="1" noChangeAspect="1" noMove="1" noResize="1" noEditPoints="1" noAdjustHandles="1" noChangeArrowheads="1" noChangeShapeType="1" noTextEdit="1"/>
+                  </p:cNvSpPr>
+                  <p:nvPr/>
+                </p:nvSpPr>
+                <p:spPr>
+                  <a:xfrm>
+                    <a:off x="830827" y="1828799"/>
+                    <a:ext cx="633137" cy="685820"/>
+                  </a:xfrm>
+                  <a:prstGeom prst="rect">
+                    <a:avLst/>
+                  </a:prstGeom>
+                  <a:blipFill>
+                    <a:blip r:embed="rId24"/>
+                    <a:stretch>
+                      <a:fillRect b="-8929"/>
+                    </a:stretch>
+                  </a:blipFill>
+                  <a:ln>
+                    <a:solidFill>
+                      <a:schemeClr val="accent2"/>
+                    </a:solidFill>
+                  </a:ln>
+                </p:spPr>
+                <p:txBody>
+                  <a:bodyPr/>
+                  <a:lstStyle/>
+                  <a:p>
+                    <a:r>
+                      <a:rPr lang="fr-FR">
+                        <a:noFill/>
+                      </a:rPr>
+                      <a:t> </a:t>
+                    </a:r>
+                  </a:p>
+                </p:txBody>
+              </p:sp>
+            </mc:Fallback>
+          </mc:AlternateContent>
+          <mc:AlternateContent xmlns:mc="http://schemas.openxmlformats.org/markup-compatibility/2006">
+            <mc:Choice xmlns:a14="http://schemas.microsoft.com/office/drawing/2010/main" Requires="a14">
+              <p:sp>
+                <p:nvSpPr>
+                  <p:cNvPr id="178" name="ZoneTexte 177">
+                    <a:extLst>
+                      <a:ext uri="{FF2B5EF4-FFF2-40B4-BE49-F238E27FC236}">
+                        <a16:creationId xmlns:a16="http://schemas.microsoft.com/office/drawing/2014/main" id="{D95D3851-08B9-4602-81BE-5374A4D5B67F}"/>
+                      </a:ext>
+                    </a:extLst>
+                  </p:cNvPr>
+                  <p:cNvSpPr txBox="1">
+                    <a:spLocks/>
+                  </p:cNvSpPr>
+                  <p:nvPr/>
+                </p:nvSpPr>
+                <p:spPr>
+                  <a:xfrm>
+                    <a:off x="4730359" y="1828799"/>
+                    <a:ext cx="633137" cy="685820"/>
+                  </a:xfrm>
+                  <a:prstGeom prst="rect">
+                    <a:avLst/>
+                  </a:prstGeom>
+                  <a:noFill/>
+                  <a:ln>
+                    <a:solidFill>
+                      <a:schemeClr val="accent2"/>
+                    </a:solidFill>
+                  </a:ln>
+                </p:spPr>
+                <p:txBody>
+                  <a:bodyPr wrap="square" rtlCol="0">
+                    <a:spAutoFit/>
+                  </a:bodyPr>
+                  <a:lstStyle/>
+                  <a:p>
+                    <a:pPr algn="ctr"/>
+                    <a:r>
+                      <a:rPr lang="fr-FR" sz="900" dirty="0"/>
+                      <a:t>1</a:t>
+                    </a:r>
+                    <a14:m>
+                      <m:oMath xmlns:m="http://schemas.openxmlformats.org/officeDocument/2006/math">
+                        <m:r>
+                          <a:rPr lang="fr-FR" sz="900" b="0" i="1" smtClean="0">
+                            <a:latin typeface="Cambria Math" panose="02040503050406030204" pitchFamily="18" charset="0"/>
+                          </a:rPr>
+                          <m:t>𝑖</m:t>
+                        </m:r>
+                        <m:r>
+                          <a:rPr lang="fr-FR" sz="900" b="0" i="1" smtClean="0">
+                            <a:latin typeface="Cambria Math" panose="02040503050406030204" pitchFamily="18" charset="0"/>
+                          </a:rPr>
+                          <m:t>, </m:t>
+                        </m:r>
+                        <m:sSub>
+                          <m:sSubPr>
+                            <m:ctrlPr>
+                              <a:rPr lang="fr-FR" sz="900" b="0" i="1" smtClean="0">
+                                <a:latin typeface="Cambria Math" panose="02040503050406030204" pitchFamily="18" charset="0"/>
+                              </a:rPr>
+                            </m:ctrlPr>
+                          </m:sSubPr>
+                          <m:e>
+                            <m:r>
+                              <a:rPr lang="fr-FR" sz="900" b="0" i="1" smtClean="0">
+                                <a:latin typeface="Cambria Math" panose="02040503050406030204" pitchFamily="18" charset="0"/>
+                              </a:rPr>
+                              <m:t>𝑗</m:t>
+                            </m:r>
+                          </m:e>
+                          <m:sub>
+                            <m:r>
+                              <a:rPr lang="fr-FR" sz="900" b="0" i="1" smtClean="0">
+                                <a:latin typeface="Cambria Math" panose="02040503050406030204" pitchFamily="18" charset="0"/>
+                              </a:rPr>
+                              <m:t>3</m:t>
+                            </m:r>
+                          </m:sub>
+                        </m:sSub>
+                      </m:oMath>
+                    </a14:m>
+                    <a:endParaRPr lang="fr-FR" sz="900" dirty="0"/>
+                  </a:p>
+                </p:txBody>
+              </p:sp>
+            </mc:Choice>
+            <mc:Fallback>
+              <p:sp>
+                <p:nvSpPr>
+                  <p:cNvPr id="178" name="ZoneTexte 177">
+                    <a:extLst>
+                      <a:ext uri="{FF2B5EF4-FFF2-40B4-BE49-F238E27FC236}">
+                        <a16:creationId xmlns:a16="http://schemas.microsoft.com/office/drawing/2014/main" id="{D95D3851-08B9-4602-81BE-5374A4D5B67F}"/>
+                      </a:ext>
+                    </a:extLst>
+                  </p:cNvPr>
+                  <p:cNvSpPr txBox="1">
+                    <a:spLocks noRot="1" noChangeAspect="1" noMove="1" noResize="1" noEditPoints="1" noAdjustHandles="1" noChangeArrowheads="1" noChangeShapeType="1" noTextEdit="1"/>
+                  </p:cNvSpPr>
+                  <p:nvPr/>
+                </p:nvSpPr>
+                <p:spPr>
+                  <a:xfrm>
+                    <a:off x="4730359" y="1828799"/>
+                    <a:ext cx="633137" cy="685820"/>
+                  </a:xfrm>
+                  <a:prstGeom prst="rect">
+                    <a:avLst/>
+                  </a:prstGeom>
+                  <a:blipFill>
+                    <a:blip r:embed="rId25"/>
+                    <a:stretch>
+                      <a:fillRect b="-8929"/>
+                    </a:stretch>
+                  </a:blipFill>
+                  <a:ln>
+                    <a:solidFill>
+                      <a:schemeClr val="accent2"/>
+                    </a:solidFill>
+                  </a:ln>
+                </p:spPr>
+                <p:txBody>
+                  <a:bodyPr/>
+                  <a:lstStyle/>
+                  <a:p>
+                    <a:r>
+                      <a:rPr lang="fr-FR">
+                        <a:noFill/>
+                      </a:rPr>
+                      <a:t> </a:t>
+                    </a:r>
+                  </a:p>
+                </p:txBody>
+              </p:sp>
+            </mc:Fallback>
+          </mc:AlternateContent>
+          <mc:AlternateContent xmlns:mc="http://schemas.openxmlformats.org/markup-compatibility/2006">
+            <mc:Choice xmlns:a14="http://schemas.microsoft.com/office/drawing/2010/main" Requires="a14">
+              <p:sp>
+                <p:nvSpPr>
+                  <p:cNvPr id="179" name="ZoneTexte 178">
+                    <a:extLst>
+                      <a:ext uri="{FF2B5EF4-FFF2-40B4-BE49-F238E27FC236}">
+                        <a16:creationId xmlns:a16="http://schemas.microsoft.com/office/drawing/2014/main" id="{50EB7433-8E39-4C81-9C3B-F2C25BF13985}"/>
+                      </a:ext>
+                    </a:extLst>
+                  </p:cNvPr>
+                  <p:cNvSpPr txBox="1">
+                    <a:spLocks/>
+                  </p:cNvSpPr>
+                  <p:nvPr/>
+                </p:nvSpPr>
+                <p:spPr>
+                  <a:xfrm>
+                    <a:off x="6680126" y="1828797"/>
+                    <a:ext cx="633137" cy="685820"/>
+                  </a:xfrm>
+                  <a:prstGeom prst="rect">
+                    <a:avLst/>
+                  </a:prstGeom>
+                  <a:noFill/>
+                  <a:ln>
+                    <a:solidFill>
+                      <a:schemeClr val="accent2"/>
+                    </a:solidFill>
+                  </a:ln>
+                </p:spPr>
+                <p:txBody>
+                  <a:bodyPr wrap="square" rtlCol="0">
+                    <a:spAutoFit/>
+                  </a:bodyPr>
+                  <a:lstStyle/>
+                  <a:p>
+                    <a:pPr algn="ctr"/>
+                    <a:r>
+                      <a:rPr lang="fr-FR" sz="900" dirty="0"/>
+                      <a:t>1</a:t>
+                    </a:r>
+                    <a14:m>
+                      <m:oMath xmlns:m="http://schemas.openxmlformats.org/officeDocument/2006/math">
+                        <m:r>
+                          <a:rPr lang="fr-FR" sz="900" b="0" i="1" smtClean="0">
+                            <a:latin typeface="Cambria Math" panose="02040503050406030204" pitchFamily="18" charset="0"/>
+                          </a:rPr>
+                          <m:t>𝑖</m:t>
+                        </m:r>
+                        <m:r>
+                          <a:rPr lang="fr-FR" sz="900" b="0" i="1" smtClean="0">
+                            <a:latin typeface="Cambria Math" panose="02040503050406030204" pitchFamily="18" charset="0"/>
+                          </a:rPr>
+                          <m:t>, </m:t>
+                        </m:r>
+                        <m:sSub>
+                          <m:sSubPr>
+                            <m:ctrlPr>
+                              <a:rPr lang="fr-FR" sz="900" b="0" i="1" smtClean="0">
+                                <a:latin typeface="Cambria Math" panose="02040503050406030204" pitchFamily="18" charset="0"/>
+                              </a:rPr>
+                            </m:ctrlPr>
+                          </m:sSubPr>
+                          <m:e>
+                            <m:r>
+                              <a:rPr lang="fr-FR" sz="900" b="0" i="1" smtClean="0">
+                                <a:latin typeface="Cambria Math" panose="02040503050406030204" pitchFamily="18" charset="0"/>
+                              </a:rPr>
+                              <m:t>𝑗</m:t>
+                            </m:r>
+                          </m:e>
+                          <m:sub>
+                            <m:r>
+                              <a:rPr lang="fr-FR" sz="900" b="0" i="1" smtClean="0">
+                                <a:latin typeface="Cambria Math" panose="02040503050406030204" pitchFamily="18" charset="0"/>
+                              </a:rPr>
+                              <m:t>4</m:t>
+                            </m:r>
+                          </m:sub>
+                        </m:sSub>
+                      </m:oMath>
+                    </a14:m>
+                    <a:endParaRPr lang="fr-FR" sz="900" dirty="0"/>
+                  </a:p>
+                </p:txBody>
+              </p:sp>
+            </mc:Choice>
+            <mc:Fallback>
+              <p:sp>
+                <p:nvSpPr>
+                  <p:cNvPr id="179" name="ZoneTexte 178">
+                    <a:extLst>
+                      <a:ext uri="{FF2B5EF4-FFF2-40B4-BE49-F238E27FC236}">
+                        <a16:creationId xmlns:a16="http://schemas.microsoft.com/office/drawing/2014/main" id="{50EB7433-8E39-4C81-9C3B-F2C25BF13985}"/>
+                      </a:ext>
+                    </a:extLst>
+                  </p:cNvPr>
+                  <p:cNvSpPr txBox="1">
+                    <a:spLocks noRot="1" noChangeAspect="1" noMove="1" noResize="1" noEditPoints="1" noAdjustHandles="1" noChangeArrowheads="1" noChangeShapeType="1" noTextEdit="1"/>
+                  </p:cNvSpPr>
+                  <p:nvPr/>
+                </p:nvSpPr>
+                <p:spPr>
+                  <a:xfrm>
+                    <a:off x="6680126" y="1828797"/>
+                    <a:ext cx="633137" cy="685820"/>
+                  </a:xfrm>
+                  <a:prstGeom prst="rect">
+                    <a:avLst/>
+                  </a:prstGeom>
+                  <a:blipFill>
+                    <a:blip r:embed="rId26"/>
+                    <a:stretch>
+                      <a:fillRect b="-8929"/>
+                    </a:stretch>
+                  </a:blipFill>
+                  <a:ln>
+                    <a:solidFill>
+                      <a:schemeClr val="accent2"/>
+                    </a:solidFill>
+                  </a:ln>
+                </p:spPr>
+                <p:txBody>
+                  <a:bodyPr/>
+                  <a:lstStyle/>
+                  <a:p>
+                    <a:r>
+                      <a:rPr lang="fr-FR">
+                        <a:noFill/>
+                      </a:rPr>
+                      <a:t> </a:t>
+                    </a:r>
+                  </a:p>
+                </p:txBody>
+              </p:sp>
+            </mc:Fallback>
+          </mc:AlternateContent>
+          <p:grpSp>
+            <p:nvGrpSpPr>
+              <p:cNvPr id="180" name="Groupe 179">
+                <a:extLst>
+                  <a:ext uri="{FF2B5EF4-FFF2-40B4-BE49-F238E27FC236}">
+                    <a16:creationId xmlns:a16="http://schemas.microsoft.com/office/drawing/2014/main" id="{3AF1CDA2-7F8A-4FFE-9603-3946DFBE35F2}"/>
+                  </a:ext>
+                </a:extLst>
+              </p:cNvPr>
+              <p:cNvGrpSpPr/>
+              <p:nvPr/>
+            </p:nvGrpSpPr>
+            <p:grpSpPr>
+              <a:xfrm>
+                <a:off x="1356852" y="2241755"/>
+                <a:ext cx="1415845" cy="307295"/>
+                <a:chOff x="1356852" y="2241755"/>
+                <a:chExt cx="1415845" cy="307295"/>
+              </a:xfrm>
+            </p:grpSpPr>
+            <p:sp>
+              <p:nvSpPr>
+                <p:cNvPr id="196" name="Forme libre : forme 195">
+                  <a:extLst>
+                    <a:ext uri="{FF2B5EF4-FFF2-40B4-BE49-F238E27FC236}">
+                      <a16:creationId xmlns:a16="http://schemas.microsoft.com/office/drawing/2014/main" id="{B26D69A5-E16F-48CC-89E9-59DD92D1EADB}"/>
+                    </a:ext>
+                  </a:extLst>
+                </p:cNvPr>
+                <p:cNvSpPr/>
+                <p:nvPr/>
+              </p:nvSpPr>
+              <p:spPr>
+                <a:xfrm>
+                  <a:off x="1494503" y="2330245"/>
+                  <a:ext cx="1278194" cy="218805"/>
+                </a:xfrm>
+                <a:custGeom>
+                  <a:avLst/>
+                  <a:gdLst>
+                    <a:gd name="connsiteX0" fmla="*/ 0 w 1278194"/>
+                    <a:gd name="connsiteY0" fmla="*/ 0 h 218805"/>
+                    <a:gd name="connsiteX1" fmla="*/ 609600 w 1278194"/>
+                    <a:gd name="connsiteY1" fmla="*/ 216310 h 218805"/>
+                    <a:gd name="connsiteX2" fmla="*/ 1278194 w 1278194"/>
+                    <a:gd name="connsiteY2" fmla="*/ 98323 h 218805"/>
+                  </a:gdLst>
+                  <a:ahLst/>
+                  <a:cxnLst>
+                    <a:cxn ang="0">
+                      <a:pos x="connsiteX0" y="connsiteY0"/>
+                    </a:cxn>
+                    <a:cxn ang="0">
+                      <a:pos x="connsiteX1" y="connsiteY1"/>
+                    </a:cxn>
+                    <a:cxn ang="0">
+                      <a:pos x="connsiteX2" y="connsiteY2"/>
+                    </a:cxn>
+                  </a:cxnLst>
+                  <a:rect l="l" t="t" r="r" b="b"/>
+                  <a:pathLst>
+                    <a:path w="1278194" h="218805">
+                      <a:moveTo>
+                        <a:pt x="0" y="0"/>
+                      </a:moveTo>
+                      <a:cubicBezTo>
+                        <a:pt x="198284" y="99961"/>
+                        <a:pt x="396568" y="199923"/>
+                        <a:pt x="609600" y="216310"/>
+                      </a:cubicBezTo>
+                      <a:cubicBezTo>
+                        <a:pt x="822632" y="232697"/>
+                        <a:pt x="1050413" y="165510"/>
+                        <a:pt x="1278194" y="98323"/>
+                      </a:cubicBezTo>
+                    </a:path>
+                  </a:pathLst>
+                </a:custGeom>
+                <a:noFill/>
+              </p:spPr>
+              <p:style>
+                <a:lnRef idx="2">
+                  <a:schemeClr val="accent1">
+                    <a:shade val="50000"/>
+                  </a:schemeClr>
+                </a:lnRef>
+                <a:fillRef idx="1">
+                  <a:schemeClr val="accent1"/>
+                </a:fillRef>
+                <a:effectRef idx="0">
+                  <a:schemeClr val="accent1"/>
+                </a:effectRef>
+                <a:fontRef idx="minor">
+                  <a:schemeClr val="lt1"/>
+                </a:fontRef>
+              </p:style>
+              <p:txBody>
+                <a:bodyPr rtlCol="0" anchor="ctr"/>
+                <a:lstStyle/>
+                <a:p>
+                  <a:pPr algn="ctr"/>
+                  <a:endParaRPr lang="fr-FR"/>
+                </a:p>
+              </p:txBody>
+            </p:sp>
+            <p:cxnSp>
+              <p:nvCxnSpPr>
+                <p:cNvPr id="197" name="Connecteur droit avec flèche 196">
+                  <a:extLst>
+                    <a:ext uri="{FF2B5EF4-FFF2-40B4-BE49-F238E27FC236}">
+                      <a16:creationId xmlns:a16="http://schemas.microsoft.com/office/drawing/2014/main" id="{0CD60577-A4D3-4F26-8787-7FA1AA3F3120}"/>
+                    </a:ext>
+                  </a:extLst>
+                </p:cNvPr>
+                <p:cNvCxnSpPr>
+                  <a:cxnSpLocks/>
+                </p:cNvCxnSpPr>
+                <p:nvPr/>
+              </p:nvCxnSpPr>
+              <p:spPr>
+                <a:xfrm flipH="1" flipV="1">
+                  <a:off x="1356852" y="2241755"/>
+                  <a:ext cx="137651" cy="88490"/>
+                </a:xfrm>
+                <a:prstGeom prst="straightConnector1">
+                  <a:avLst/>
+                </a:prstGeom>
+                <a:ln>
+                  <a:tailEnd type="triangle"/>
+                </a:ln>
+              </p:spPr>
+              <p:style>
+                <a:lnRef idx="1">
+                  <a:schemeClr val="accent1"/>
+                </a:lnRef>
+                <a:fillRef idx="0">
+                  <a:schemeClr val="accent1"/>
+                </a:fillRef>
+                <a:effectRef idx="0">
+                  <a:schemeClr val="accent1"/>
+                </a:effectRef>
+                <a:fontRef idx="minor">
+                  <a:schemeClr val="tx1"/>
+                </a:fontRef>
+              </p:style>
+            </p:cxnSp>
+          </p:grpSp>
+          <p:grpSp>
+            <p:nvGrpSpPr>
+              <p:cNvPr id="181" name="Groupe 180">
+                <a:extLst>
+                  <a:ext uri="{FF2B5EF4-FFF2-40B4-BE49-F238E27FC236}">
+                    <a16:creationId xmlns:a16="http://schemas.microsoft.com/office/drawing/2014/main" id="{A72AD089-F435-4C1C-94B0-5B1DB77745D5}"/>
+                  </a:ext>
+                </a:extLst>
+              </p:cNvPr>
+              <p:cNvGrpSpPr/>
+              <p:nvPr/>
+            </p:nvGrpSpPr>
+            <p:grpSpPr>
+              <a:xfrm>
+                <a:off x="1484671" y="1926617"/>
+                <a:ext cx="1423121" cy="226648"/>
+                <a:chOff x="1484671" y="1926617"/>
+                <a:chExt cx="1423121" cy="226648"/>
+              </a:xfrm>
+            </p:grpSpPr>
+            <p:sp>
+              <p:nvSpPr>
+                <p:cNvPr id="194" name="Forme libre : forme 193">
+                  <a:extLst>
+                    <a:ext uri="{FF2B5EF4-FFF2-40B4-BE49-F238E27FC236}">
+                      <a16:creationId xmlns:a16="http://schemas.microsoft.com/office/drawing/2014/main" id="{E76C2658-704C-484D-B512-277D4BAB7E81}"/>
+                    </a:ext>
+                  </a:extLst>
+                </p:cNvPr>
+                <p:cNvSpPr/>
+                <p:nvPr/>
+              </p:nvSpPr>
+              <p:spPr>
+                <a:xfrm>
+                  <a:off x="1484671" y="1926617"/>
+                  <a:ext cx="1278194" cy="226648"/>
+                </a:xfrm>
+                <a:custGeom>
+                  <a:avLst/>
+                  <a:gdLst>
+                    <a:gd name="connsiteX0" fmla="*/ 0 w 1278194"/>
+                    <a:gd name="connsiteY0" fmla="*/ 226648 h 226648"/>
+                    <a:gd name="connsiteX1" fmla="*/ 442452 w 1278194"/>
+                    <a:gd name="connsiteY1" fmla="*/ 506 h 226648"/>
+                    <a:gd name="connsiteX2" fmla="*/ 1278194 w 1278194"/>
+                    <a:gd name="connsiteY2" fmla="*/ 177486 h 226648"/>
+                  </a:gdLst>
+                  <a:ahLst/>
+                  <a:cxnLst>
+                    <a:cxn ang="0">
+                      <a:pos x="connsiteX0" y="connsiteY0"/>
+                    </a:cxn>
+                    <a:cxn ang="0">
+                      <a:pos x="connsiteX1" y="connsiteY1"/>
+                    </a:cxn>
+                    <a:cxn ang="0">
+                      <a:pos x="connsiteX2" y="connsiteY2"/>
+                    </a:cxn>
+                  </a:cxnLst>
+                  <a:rect l="l" t="t" r="r" b="b"/>
+                  <a:pathLst>
+                    <a:path w="1278194" h="226648">
+                      <a:moveTo>
+                        <a:pt x="0" y="226648"/>
+                      </a:moveTo>
+                      <a:cubicBezTo>
+                        <a:pt x="114710" y="117674"/>
+                        <a:pt x="229420" y="8700"/>
+                        <a:pt x="442452" y="506"/>
+                      </a:cubicBezTo>
+                      <a:cubicBezTo>
+                        <a:pt x="655484" y="-7688"/>
+                        <a:pt x="966839" y="84899"/>
+                        <a:pt x="1278194" y="177486"/>
+                      </a:cubicBezTo>
+                    </a:path>
+                  </a:pathLst>
+                </a:custGeom>
+                <a:noFill/>
+              </p:spPr>
+              <p:style>
+                <a:lnRef idx="2">
+                  <a:schemeClr val="accent1">
+                    <a:shade val="50000"/>
+                  </a:schemeClr>
+                </a:lnRef>
+                <a:fillRef idx="1">
+                  <a:schemeClr val="accent1"/>
+                </a:fillRef>
+                <a:effectRef idx="0">
+                  <a:schemeClr val="accent1"/>
+                </a:effectRef>
+                <a:fontRef idx="minor">
+                  <a:schemeClr val="lt1"/>
+                </a:fontRef>
+              </p:style>
+              <p:txBody>
+                <a:bodyPr rtlCol="0" anchor="ctr"/>
+                <a:lstStyle/>
+                <a:p>
+                  <a:pPr algn="ctr"/>
+                  <a:endParaRPr lang="fr-FR"/>
+                </a:p>
+              </p:txBody>
+            </p:sp>
+            <p:cxnSp>
+              <p:nvCxnSpPr>
+                <p:cNvPr id="195" name="Connecteur droit avec flèche 194">
+                  <a:extLst>
+                    <a:ext uri="{FF2B5EF4-FFF2-40B4-BE49-F238E27FC236}">
+                      <a16:creationId xmlns:a16="http://schemas.microsoft.com/office/drawing/2014/main" id="{DD9434F0-63A7-45EA-83CA-499438006B8F}"/>
+                    </a:ext>
+                  </a:extLst>
+                </p:cNvPr>
+                <p:cNvCxnSpPr>
+                  <a:cxnSpLocks/>
+                </p:cNvCxnSpPr>
+                <p:nvPr/>
+              </p:nvCxnSpPr>
+              <p:spPr>
+                <a:xfrm>
+                  <a:off x="2750055" y="2107070"/>
+                  <a:ext cx="157737" cy="46195"/>
+                </a:xfrm>
+                <a:prstGeom prst="straightConnector1">
+                  <a:avLst/>
+                </a:prstGeom>
+                <a:ln>
+                  <a:tailEnd type="triangle"/>
+                </a:ln>
+              </p:spPr>
+              <p:style>
+                <a:lnRef idx="1">
+                  <a:schemeClr val="accent1"/>
+                </a:lnRef>
+                <a:fillRef idx="0">
+                  <a:schemeClr val="accent1"/>
+                </a:fillRef>
+                <a:effectRef idx="0">
+                  <a:schemeClr val="accent1"/>
+                </a:effectRef>
+                <a:fontRef idx="minor">
+                  <a:schemeClr val="tx1"/>
+                </a:fontRef>
+              </p:style>
+            </p:cxnSp>
+          </p:grpSp>
+          <p:grpSp>
+            <p:nvGrpSpPr>
+              <p:cNvPr id="182" name="Groupe 181">
+                <a:extLst>
+                  <a:ext uri="{FF2B5EF4-FFF2-40B4-BE49-F238E27FC236}">
+                    <a16:creationId xmlns:a16="http://schemas.microsoft.com/office/drawing/2014/main" id="{1E1206C1-856D-4BAC-9F08-C86A385C453B}"/>
+                  </a:ext>
+                </a:extLst>
+              </p:cNvPr>
+              <p:cNvGrpSpPr/>
+              <p:nvPr/>
+            </p:nvGrpSpPr>
+            <p:grpSpPr>
+              <a:xfrm>
+                <a:off x="5363497" y="1920595"/>
+                <a:ext cx="1423121" cy="226648"/>
+                <a:chOff x="1484671" y="1926617"/>
+                <a:chExt cx="1423121" cy="226648"/>
+              </a:xfrm>
+            </p:grpSpPr>
+            <p:sp>
+              <p:nvSpPr>
+                <p:cNvPr id="192" name="Forme libre : forme 191">
+                  <a:extLst>
+                    <a:ext uri="{FF2B5EF4-FFF2-40B4-BE49-F238E27FC236}">
+                      <a16:creationId xmlns:a16="http://schemas.microsoft.com/office/drawing/2014/main" id="{87EBE6BA-9FA6-482F-A4DD-65961C58CBF6}"/>
+                    </a:ext>
+                  </a:extLst>
+                </p:cNvPr>
+                <p:cNvSpPr/>
+                <p:nvPr/>
+              </p:nvSpPr>
+              <p:spPr>
+                <a:xfrm>
+                  <a:off x="1484671" y="1926617"/>
+                  <a:ext cx="1278194" cy="226648"/>
+                </a:xfrm>
+                <a:custGeom>
+                  <a:avLst/>
+                  <a:gdLst>
+                    <a:gd name="connsiteX0" fmla="*/ 0 w 1278194"/>
+                    <a:gd name="connsiteY0" fmla="*/ 226648 h 226648"/>
+                    <a:gd name="connsiteX1" fmla="*/ 442452 w 1278194"/>
+                    <a:gd name="connsiteY1" fmla="*/ 506 h 226648"/>
+                    <a:gd name="connsiteX2" fmla="*/ 1278194 w 1278194"/>
+                    <a:gd name="connsiteY2" fmla="*/ 177486 h 226648"/>
+                  </a:gdLst>
+                  <a:ahLst/>
+                  <a:cxnLst>
+                    <a:cxn ang="0">
+                      <a:pos x="connsiteX0" y="connsiteY0"/>
+                    </a:cxn>
+                    <a:cxn ang="0">
+                      <a:pos x="connsiteX1" y="connsiteY1"/>
+                    </a:cxn>
+                    <a:cxn ang="0">
+                      <a:pos x="connsiteX2" y="connsiteY2"/>
+                    </a:cxn>
+                  </a:cxnLst>
+                  <a:rect l="l" t="t" r="r" b="b"/>
+                  <a:pathLst>
+                    <a:path w="1278194" h="226648">
+                      <a:moveTo>
+                        <a:pt x="0" y="226648"/>
+                      </a:moveTo>
+                      <a:cubicBezTo>
+                        <a:pt x="114710" y="117674"/>
+                        <a:pt x="229420" y="8700"/>
+                        <a:pt x="442452" y="506"/>
+                      </a:cubicBezTo>
+                      <a:cubicBezTo>
+                        <a:pt x="655484" y="-7688"/>
+                        <a:pt x="966839" y="84899"/>
+                        <a:pt x="1278194" y="177486"/>
+                      </a:cubicBezTo>
+                    </a:path>
+                  </a:pathLst>
+                </a:custGeom>
+                <a:noFill/>
+              </p:spPr>
+              <p:style>
+                <a:lnRef idx="2">
+                  <a:schemeClr val="accent1">
+                    <a:shade val="50000"/>
+                  </a:schemeClr>
+                </a:lnRef>
+                <a:fillRef idx="1">
+                  <a:schemeClr val="accent1"/>
+                </a:fillRef>
+                <a:effectRef idx="0">
+                  <a:schemeClr val="accent1"/>
+                </a:effectRef>
+                <a:fontRef idx="minor">
+                  <a:schemeClr val="lt1"/>
+                </a:fontRef>
+              </p:style>
+              <p:txBody>
+                <a:bodyPr rtlCol="0" anchor="ctr"/>
+                <a:lstStyle/>
+                <a:p>
+                  <a:pPr algn="ctr"/>
+                  <a:endParaRPr lang="fr-FR"/>
+                </a:p>
+              </p:txBody>
+            </p:sp>
+            <p:cxnSp>
+              <p:nvCxnSpPr>
+                <p:cNvPr id="193" name="Connecteur droit avec flèche 192">
+                  <a:extLst>
+                    <a:ext uri="{FF2B5EF4-FFF2-40B4-BE49-F238E27FC236}">
+                      <a16:creationId xmlns:a16="http://schemas.microsoft.com/office/drawing/2014/main" id="{9C625A16-024C-402C-A14E-00CC1C72C156}"/>
+                    </a:ext>
+                  </a:extLst>
+                </p:cNvPr>
+                <p:cNvCxnSpPr>
+                  <a:cxnSpLocks/>
+                </p:cNvCxnSpPr>
+                <p:nvPr/>
+              </p:nvCxnSpPr>
+              <p:spPr>
+                <a:xfrm>
+                  <a:off x="2750055" y="2107070"/>
+                  <a:ext cx="157737" cy="46195"/>
+                </a:xfrm>
+                <a:prstGeom prst="straightConnector1">
+                  <a:avLst/>
+                </a:prstGeom>
+                <a:ln>
+                  <a:tailEnd type="triangle"/>
+                </a:ln>
+              </p:spPr>
+              <p:style>
+                <a:lnRef idx="1">
+                  <a:schemeClr val="accent1"/>
+                </a:lnRef>
+                <a:fillRef idx="0">
+                  <a:schemeClr val="accent1"/>
+                </a:fillRef>
+                <a:effectRef idx="0">
+                  <a:schemeClr val="accent1"/>
+                </a:effectRef>
+                <a:fontRef idx="minor">
+                  <a:schemeClr val="tx1"/>
+                </a:fontRef>
+              </p:style>
+            </p:cxnSp>
+          </p:grpSp>
+          <p:grpSp>
+            <p:nvGrpSpPr>
+              <p:cNvPr id="183" name="Groupe 182">
+                <a:extLst>
+                  <a:ext uri="{FF2B5EF4-FFF2-40B4-BE49-F238E27FC236}">
+                    <a16:creationId xmlns:a16="http://schemas.microsoft.com/office/drawing/2014/main" id="{38CB0DD7-198B-496B-971F-60231FA5237A}"/>
+                  </a:ext>
+                </a:extLst>
+              </p:cNvPr>
+              <p:cNvGrpSpPr/>
+              <p:nvPr/>
+            </p:nvGrpSpPr>
+            <p:grpSpPr>
+              <a:xfrm>
+                <a:off x="3413731" y="1920595"/>
+                <a:ext cx="1423121" cy="226648"/>
+                <a:chOff x="1484671" y="1926617"/>
+                <a:chExt cx="1423121" cy="226648"/>
+              </a:xfrm>
+            </p:grpSpPr>
+            <p:sp>
+              <p:nvSpPr>
+                <p:cNvPr id="190" name="Forme libre : forme 189">
+                  <a:extLst>
+                    <a:ext uri="{FF2B5EF4-FFF2-40B4-BE49-F238E27FC236}">
+                      <a16:creationId xmlns:a16="http://schemas.microsoft.com/office/drawing/2014/main" id="{244AFC75-5385-4F16-8831-B5597B211E39}"/>
+                    </a:ext>
+                  </a:extLst>
+                </p:cNvPr>
+                <p:cNvSpPr/>
+                <p:nvPr/>
+              </p:nvSpPr>
+              <p:spPr>
+                <a:xfrm>
+                  <a:off x="1484671" y="1926617"/>
+                  <a:ext cx="1278194" cy="226648"/>
+                </a:xfrm>
+                <a:custGeom>
+                  <a:avLst/>
+                  <a:gdLst>
+                    <a:gd name="connsiteX0" fmla="*/ 0 w 1278194"/>
+                    <a:gd name="connsiteY0" fmla="*/ 226648 h 226648"/>
+                    <a:gd name="connsiteX1" fmla="*/ 442452 w 1278194"/>
+                    <a:gd name="connsiteY1" fmla="*/ 506 h 226648"/>
+                    <a:gd name="connsiteX2" fmla="*/ 1278194 w 1278194"/>
+                    <a:gd name="connsiteY2" fmla="*/ 177486 h 226648"/>
+                  </a:gdLst>
+                  <a:ahLst/>
+                  <a:cxnLst>
+                    <a:cxn ang="0">
+                      <a:pos x="connsiteX0" y="connsiteY0"/>
+                    </a:cxn>
+                    <a:cxn ang="0">
+                      <a:pos x="connsiteX1" y="connsiteY1"/>
+                    </a:cxn>
+                    <a:cxn ang="0">
+                      <a:pos x="connsiteX2" y="connsiteY2"/>
+                    </a:cxn>
+                  </a:cxnLst>
+                  <a:rect l="l" t="t" r="r" b="b"/>
+                  <a:pathLst>
+                    <a:path w="1278194" h="226648">
+                      <a:moveTo>
+                        <a:pt x="0" y="226648"/>
+                      </a:moveTo>
+                      <a:cubicBezTo>
+                        <a:pt x="114710" y="117674"/>
+                        <a:pt x="229420" y="8700"/>
+                        <a:pt x="442452" y="506"/>
+                      </a:cubicBezTo>
+                      <a:cubicBezTo>
+                        <a:pt x="655484" y="-7688"/>
+                        <a:pt x="966839" y="84899"/>
+                        <a:pt x="1278194" y="177486"/>
+                      </a:cubicBezTo>
+                    </a:path>
+                  </a:pathLst>
+                </a:custGeom>
+                <a:noFill/>
+              </p:spPr>
+              <p:style>
+                <a:lnRef idx="2">
+                  <a:schemeClr val="accent1">
+                    <a:shade val="50000"/>
+                  </a:schemeClr>
+                </a:lnRef>
+                <a:fillRef idx="1">
+                  <a:schemeClr val="accent1"/>
+                </a:fillRef>
+                <a:effectRef idx="0">
+                  <a:schemeClr val="accent1"/>
+                </a:effectRef>
+                <a:fontRef idx="minor">
+                  <a:schemeClr val="lt1"/>
+                </a:fontRef>
+              </p:style>
+              <p:txBody>
+                <a:bodyPr rtlCol="0" anchor="ctr"/>
+                <a:lstStyle/>
+                <a:p>
+                  <a:pPr algn="ctr"/>
+                  <a:endParaRPr lang="fr-FR"/>
+                </a:p>
+              </p:txBody>
+            </p:sp>
+            <p:cxnSp>
+              <p:nvCxnSpPr>
+                <p:cNvPr id="191" name="Connecteur droit avec flèche 190">
+                  <a:extLst>
+                    <a:ext uri="{FF2B5EF4-FFF2-40B4-BE49-F238E27FC236}">
+                      <a16:creationId xmlns:a16="http://schemas.microsoft.com/office/drawing/2014/main" id="{15F93B16-6426-4959-A0FB-28EC439DD2C8}"/>
+                    </a:ext>
+                  </a:extLst>
+                </p:cNvPr>
+                <p:cNvCxnSpPr>
+                  <a:cxnSpLocks/>
+                </p:cNvCxnSpPr>
+                <p:nvPr/>
+              </p:nvCxnSpPr>
+              <p:spPr>
+                <a:xfrm>
+                  <a:off x="2750055" y="2107070"/>
+                  <a:ext cx="157737" cy="46195"/>
+                </a:xfrm>
+                <a:prstGeom prst="straightConnector1">
+                  <a:avLst/>
+                </a:prstGeom>
+                <a:ln>
+                  <a:tailEnd type="triangle"/>
+                </a:ln>
+              </p:spPr>
+              <p:style>
+                <a:lnRef idx="1">
+                  <a:schemeClr val="accent1"/>
+                </a:lnRef>
+                <a:fillRef idx="0">
+                  <a:schemeClr val="accent1"/>
+                </a:fillRef>
+                <a:effectRef idx="0">
+                  <a:schemeClr val="accent1"/>
+                </a:effectRef>
+                <a:fontRef idx="minor">
+                  <a:schemeClr val="tx1"/>
+                </a:fontRef>
+              </p:style>
+            </p:cxnSp>
+          </p:grpSp>
+          <p:grpSp>
+            <p:nvGrpSpPr>
+              <p:cNvPr id="184" name="Groupe 183">
+                <a:extLst>
+                  <a:ext uri="{FF2B5EF4-FFF2-40B4-BE49-F238E27FC236}">
+                    <a16:creationId xmlns:a16="http://schemas.microsoft.com/office/drawing/2014/main" id="{526A49B2-F6A8-4284-962D-154CC1F1767D}"/>
+                  </a:ext>
+                </a:extLst>
+              </p:cNvPr>
+              <p:cNvGrpSpPr/>
+              <p:nvPr/>
+            </p:nvGrpSpPr>
+            <p:grpSpPr>
+              <a:xfrm>
+                <a:off x="5294672" y="2239039"/>
+                <a:ext cx="1415845" cy="307295"/>
+                <a:chOff x="1356852" y="2241755"/>
+                <a:chExt cx="1415845" cy="307295"/>
+              </a:xfrm>
+            </p:grpSpPr>
+            <p:sp>
+              <p:nvSpPr>
+                <p:cNvPr id="188" name="Forme libre : forme 187">
+                  <a:extLst>
+                    <a:ext uri="{FF2B5EF4-FFF2-40B4-BE49-F238E27FC236}">
+                      <a16:creationId xmlns:a16="http://schemas.microsoft.com/office/drawing/2014/main" id="{DA708B19-1947-434F-80C2-B45A8A565D43}"/>
+                    </a:ext>
+                  </a:extLst>
+                </p:cNvPr>
+                <p:cNvSpPr/>
+                <p:nvPr/>
+              </p:nvSpPr>
+              <p:spPr>
+                <a:xfrm>
+                  <a:off x="1494503" y="2330245"/>
+                  <a:ext cx="1278194" cy="218805"/>
+                </a:xfrm>
+                <a:custGeom>
+                  <a:avLst/>
+                  <a:gdLst>
+                    <a:gd name="connsiteX0" fmla="*/ 0 w 1278194"/>
+                    <a:gd name="connsiteY0" fmla="*/ 0 h 218805"/>
+                    <a:gd name="connsiteX1" fmla="*/ 609600 w 1278194"/>
+                    <a:gd name="connsiteY1" fmla="*/ 216310 h 218805"/>
+                    <a:gd name="connsiteX2" fmla="*/ 1278194 w 1278194"/>
+                    <a:gd name="connsiteY2" fmla="*/ 98323 h 218805"/>
+                  </a:gdLst>
+                  <a:ahLst/>
+                  <a:cxnLst>
+                    <a:cxn ang="0">
+                      <a:pos x="connsiteX0" y="connsiteY0"/>
+                    </a:cxn>
+                    <a:cxn ang="0">
+                      <a:pos x="connsiteX1" y="connsiteY1"/>
+                    </a:cxn>
+                    <a:cxn ang="0">
+                      <a:pos x="connsiteX2" y="connsiteY2"/>
+                    </a:cxn>
+                  </a:cxnLst>
+                  <a:rect l="l" t="t" r="r" b="b"/>
+                  <a:pathLst>
+                    <a:path w="1278194" h="218805">
+                      <a:moveTo>
+                        <a:pt x="0" y="0"/>
+                      </a:moveTo>
+                      <a:cubicBezTo>
+                        <a:pt x="198284" y="99961"/>
+                        <a:pt x="396568" y="199923"/>
+                        <a:pt x="609600" y="216310"/>
+                      </a:cubicBezTo>
+                      <a:cubicBezTo>
+                        <a:pt x="822632" y="232697"/>
+                        <a:pt x="1050413" y="165510"/>
+                        <a:pt x="1278194" y="98323"/>
+                      </a:cubicBezTo>
+                    </a:path>
+                  </a:pathLst>
+                </a:custGeom>
+                <a:noFill/>
+              </p:spPr>
+              <p:style>
+                <a:lnRef idx="2">
+                  <a:schemeClr val="accent1">
+                    <a:shade val="50000"/>
+                  </a:schemeClr>
+                </a:lnRef>
+                <a:fillRef idx="1">
+                  <a:schemeClr val="accent1"/>
+                </a:fillRef>
+                <a:effectRef idx="0">
+                  <a:schemeClr val="accent1"/>
+                </a:effectRef>
+                <a:fontRef idx="minor">
+                  <a:schemeClr val="lt1"/>
+                </a:fontRef>
+              </p:style>
+              <p:txBody>
+                <a:bodyPr rtlCol="0" anchor="ctr"/>
+                <a:lstStyle/>
+                <a:p>
+                  <a:pPr algn="ctr"/>
+                  <a:endParaRPr lang="fr-FR"/>
+                </a:p>
+              </p:txBody>
+            </p:sp>
+            <p:cxnSp>
+              <p:nvCxnSpPr>
+                <p:cNvPr id="189" name="Connecteur droit avec flèche 188">
+                  <a:extLst>
+                    <a:ext uri="{FF2B5EF4-FFF2-40B4-BE49-F238E27FC236}">
+                      <a16:creationId xmlns:a16="http://schemas.microsoft.com/office/drawing/2014/main" id="{4AA2B17A-8649-4837-80C9-D825A54E7730}"/>
+                    </a:ext>
+                  </a:extLst>
+                </p:cNvPr>
+                <p:cNvCxnSpPr>
+                  <a:cxnSpLocks/>
+                </p:cNvCxnSpPr>
+                <p:nvPr/>
+              </p:nvCxnSpPr>
+              <p:spPr>
+                <a:xfrm flipH="1" flipV="1">
+                  <a:off x="1356852" y="2241755"/>
+                  <a:ext cx="137651" cy="88490"/>
+                </a:xfrm>
+                <a:prstGeom prst="straightConnector1">
+                  <a:avLst/>
+                </a:prstGeom>
+                <a:ln>
+                  <a:tailEnd type="triangle"/>
+                </a:ln>
+              </p:spPr>
+              <p:style>
+                <a:lnRef idx="1">
+                  <a:schemeClr val="accent1"/>
+                </a:lnRef>
+                <a:fillRef idx="0">
+                  <a:schemeClr val="accent1"/>
+                </a:fillRef>
+                <a:effectRef idx="0">
+                  <a:schemeClr val="accent1"/>
+                </a:effectRef>
+                <a:fontRef idx="minor">
+                  <a:schemeClr val="tx1"/>
+                </a:fontRef>
+              </p:style>
+            </p:cxnSp>
+          </p:grpSp>
+          <p:grpSp>
+            <p:nvGrpSpPr>
+              <p:cNvPr id="185" name="Groupe 184">
+                <a:extLst>
+                  <a:ext uri="{FF2B5EF4-FFF2-40B4-BE49-F238E27FC236}">
+                    <a16:creationId xmlns:a16="http://schemas.microsoft.com/office/drawing/2014/main" id="{86AB3A9E-99D9-4F05-89C8-03C49DAA53CA}"/>
+                  </a:ext>
+                </a:extLst>
+              </p:cNvPr>
+              <p:cNvGrpSpPr/>
+              <p:nvPr/>
+            </p:nvGrpSpPr>
+            <p:grpSpPr>
+              <a:xfrm>
+                <a:off x="3314514" y="2239039"/>
+                <a:ext cx="1415845" cy="307295"/>
+                <a:chOff x="1356852" y="2241755"/>
+                <a:chExt cx="1415845" cy="307295"/>
+              </a:xfrm>
+            </p:grpSpPr>
+            <p:sp>
+              <p:nvSpPr>
+                <p:cNvPr id="186" name="Forme libre : forme 185">
+                  <a:extLst>
+                    <a:ext uri="{FF2B5EF4-FFF2-40B4-BE49-F238E27FC236}">
+                      <a16:creationId xmlns:a16="http://schemas.microsoft.com/office/drawing/2014/main" id="{72A15036-64F3-45CE-B769-F91421F674CB}"/>
+                    </a:ext>
+                  </a:extLst>
+                </p:cNvPr>
+                <p:cNvSpPr/>
+                <p:nvPr/>
+              </p:nvSpPr>
+              <p:spPr>
+                <a:xfrm>
+                  <a:off x="1494503" y="2330245"/>
+                  <a:ext cx="1278194" cy="218805"/>
+                </a:xfrm>
+                <a:custGeom>
+                  <a:avLst/>
+                  <a:gdLst>
+                    <a:gd name="connsiteX0" fmla="*/ 0 w 1278194"/>
+                    <a:gd name="connsiteY0" fmla="*/ 0 h 218805"/>
+                    <a:gd name="connsiteX1" fmla="*/ 609600 w 1278194"/>
+                    <a:gd name="connsiteY1" fmla="*/ 216310 h 218805"/>
+                    <a:gd name="connsiteX2" fmla="*/ 1278194 w 1278194"/>
+                    <a:gd name="connsiteY2" fmla="*/ 98323 h 218805"/>
+                  </a:gdLst>
+                  <a:ahLst/>
+                  <a:cxnLst>
+                    <a:cxn ang="0">
+                      <a:pos x="connsiteX0" y="connsiteY0"/>
+                    </a:cxn>
+                    <a:cxn ang="0">
+                      <a:pos x="connsiteX1" y="connsiteY1"/>
+                    </a:cxn>
+                    <a:cxn ang="0">
+                      <a:pos x="connsiteX2" y="connsiteY2"/>
+                    </a:cxn>
+                  </a:cxnLst>
+                  <a:rect l="l" t="t" r="r" b="b"/>
+                  <a:pathLst>
+                    <a:path w="1278194" h="218805">
+                      <a:moveTo>
+                        <a:pt x="0" y="0"/>
+                      </a:moveTo>
+                      <a:cubicBezTo>
+                        <a:pt x="198284" y="99961"/>
+                        <a:pt x="396568" y="199923"/>
+                        <a:pt x="609600" y="216310"/>
+                      </a:cubicBezTo>
+                      <a:cubicBezTo>
+                        <a:pt x="822632" y="232697"/>
+                        <a:pt x="1050413" y="165510"/>
+                        <a:pt x="1278194" y="98323"/>
+                      </a:cubicBezTo>
+                    </a:path>
+                  </a:pathLst>
+                </a:custGeom>
+                <a:noFill/>
+              </p:spPr>
+              <p:style>
+                <a:lnRef idx="2">
+                  <a:schemeClr val="accent1">
+                    <a:shade val="50000"/>
+                  </a:schemeClr>
+                </a:lnRef>
+                <a:fillRef idx="1">
+                  <a:schemeClr val="accent1"/>
+                </a:fillRef>
+                <a:effectRef idx="0">
+                  <a:schemeClr val="accent1"/>
+                </a:effectRef>
+                <a:fontRef idx="minor">
+                  <a:schemeClr val="lt1"/>
+                </a:fontRef>
+              </p:style>
+              <p:txBody>
+                <a:bodyPr rtlCol="0" anchor="ctr"/>
+                <a:lstStyle/>
+                <a:p>
+                  <a:pPr algn="ctr"/>
+                  <a:endParaRPr lang="fr-FR"/>
+                </a:p>
+              </p:txBody>
+            </p:sp>
+            <p:cxnSp>
+              <p:nvCxnSpPr>
+                <p:cNvPr id="187" name="Connecteur droit avec flèche 186">
+                  <a:extLst>
+                    <a:ext uri="{FF2B5EF4-FFF2-40B4-BE49-F238E27FC236}">
+                      <a16:creationId xmlns:a16="http://schemas.microsoft.com/office/drawing/2014/main" id="{DD47E5A7-7597-4C5B-B3B6-A805B81A3DD0}"/>
+                    </a:ext>
+                  </a:extLst>
+                </p:cNvPr>
+                <p:cNvCxnSpPr>
+                  <a:cxnSpLocks/>
+                </p:cNvCxnSpPr>
+                <p:nvPr/>
+              </p:nvCxnSpPr>
+              <p:spPr>
+                <a:xfrm flipH="1" flipV="1">
+                  <a:off x="1356852" y="2241755"/>
+                  <a:ext cx="137651" cy="88490"/>
+                </a:xfrm>
+                <a:prstGeom prst="straightConnector1">
+                  <a:avLst/>
+                </a:prstGeom>
+                <a:ln>
+                  <a:tailEnd type="triangle"/>
+                </a:ln>
+              </p:spPr>
+              <p:style>
+                <a:lnRef idx="1">
+                  <a:schemeClr val="accent1"/>
+                </a:lnRef>
+                <a:fillRef idx="0">
+                  <a:schemeClr val="accent1"/>
+                </a:fillRef>
+                <a:effectRef idx="0">
+                  <a:schemeClr val="accent1"/>
+                </a:effectRef>
+                <a:fontRef idx="minor">
+                  <a:schemeClr val="tx1"/>
+                </a:fontRef>
+              </p:style>
+            </p:cxnSp>
+          </p:grpSp>
+        </p:grpSp>
+        <p:grpSp>
+          <p:nvGrpSpPr>
+            <p:cNvPr id="159" name="Groupe 158">
+              <a:extLst>
+                <a:ext uri="{FF2B5EF4-FFF2-40B4-BE49-F238E27FC236}">
+                  <a16:creationId xmlns:a16="http://schemas.microsoft.com/office/drawing/2014/main" id="{4538E65F-B63A-484B-926B-1CE5A819DAFE}"/>
+                </a:ext>
+              </a:extLst>
+            </p:cNvPr>
+            <p:cNvGrpSpPr/>
+            <p:nvPr/>
+          </p:nvGrpSpPr>
+          <p:grpSpPr>
+            <a:xfrm>
+              <a:off x="811610" y="2652108"/>
+              <a:ext cx="6482436" cy="779450"/>
+              <a:chOff x="850044" y="2685465"/>
+              <a:chExt cx="6482436" cy="779450"/>
+            </a:xfrm>
+          </p:grpSpPr>
+          <p:grpSp>
+            <p:nvGrpSpPr>
+              <p:cNvPr id="161" name="Groupe 160">
+                <a:extLst>
+                  <a:ext uri="{FF2B5EF4-FFF2-40B4-BE49-F238E27FC236}">
+                    <a16:creationId xmlns:a16="http://schemas.microsoft.com/office/drawing/2014/main" id="{2756D4B9-D8E6-436E-B0AB-610F5C8E9656}"/>
+                  </a:ext>
+                </a:extLst>
+              </p:cNvPr>
+              <p:cNvGrpSpPr/>
+              <p:nvPr/>
+            </p:nvGrpSpPr>
+            <p:grpSpPr>
+              <a:xfrm>
+                <a:off x="850044" y="2747378"/>
+                <a:ext cx="6482436" cy="717537"/>
+                <a:chOff x="830827" y="1828797"/>
+                <a:chExt cx="6482436" cy="717537"/>
+              </a:xfrm>
+            </p:grpSpPr>
+            <mc:AlternateContent xmlns:mc="http://schemas.openxmlformats.org/markup-compatibility/2006">
+              <mc:Choice xmlns:a14="http://schemas.microsoft.com/office/drawing/2010/main" Requires="a14">
+                <p:sp>
+                  <p:nvSpPr>
+                    <p:cNvPr id="166" name="ZoneTexte 165">
+                      <a:extLst>
+                        <a:ext uri="{FF2B5EF4-FFF2-40B4-BE49-F238E27FC236}">
+                          <a16:creationId xmlns:a16="http://schemas.microsoft.com/office/drawing/2014/main" id="{C32DCCCB-5F59-42EB-A69D-5B28B9A52AE5}"/>
+                        </a:ext>
+                      </a:extLst>
+                    </p:cNvPr>
+                    <p:cNvSpPr txBox="1">
+                      <a:spLocks/>
+                    </p:cNvSpPr>
+                    <p:nvPr/>
+                  </p:nvSpPr>
+                  <p:spPr>
+                    <a:xfrm>
+                      <a:off x="2780593" y="1828799"/>
+                      <a:ext cx="633137" cy="685821"/>
+                    </a:xfrm>
+                    <a:prstGeom prst="rect">
+                      <a:avLst/>
+                    </a:prstGeom>
+                    <a:solidFill>
+                      <a:schemeClr val="bg1">
+                        <a:lumMod val="95000"/>
+                        <a:alpha val="76000"/>
+                      </a:schemeClr>
+                    </a:solidFill>
+                    <a:ln>
+                      <a:solidFill>
+                        <a:schemeClr val="accent2"/>
+                      </a:solidFill>
+                    </a:ln>
+                  </p:spPr>
+                  <p:txBody>
+                    <a:bodyPr wrap="square" rtlCol="0">
+                      <a:spAutoFit/>
+                    </a:bodyPr>
+                    <a:lstStyle/>
+                    <a:p>
+                      <a:pPr algn="ctr"/>
+                      <a:r>
+                        <a:rPr lang="fr-FR" sz="900" dirty="0"/>
+                        <a:t>1</a:t>
+                      </a:r>
+                      <a14:m>
+                        <m:oMath xmlns:m="http://schemas.openxmlformats.org/officeDocument/2006/math">
+                          <m:r>
+                            <a:rPr lang="fr-FR" sz="900" b="0" i="1" smtClean="0">
+                              <a:latin typeface="Cambria Math" panose="02040503050406030204" pitchFamily="18" charset="0"/>
+                            </a:rPr>
+                            <m:t>𝑖</m:t>
+                          </m:r>
+                          <m:r>
+                            <a:rPr lang="fr-FR" sz="900" b="0" i="1" smtClean="0">
+                              <a:latin typeface="Cambria Math" panose="02040503050406030204" pitchFamily="18" charset="0"/>
+                            </a:rPr>
+                            <m:t>, </m:t>
+                          </m:r>
+                          <m:sSub>
+                            <m:sSubPr>
+                              <m:ctrlPr>
+                                <a:rPr lang="fr-FR" sz="900" b="0" i="1" smtClean="0">
+                                  <a:latin typeface="Cambria Math" panose="02040503050406030204" pitchFamily="18" charset="0"/>
+                                </a:rPr>
+                              </m:ctrlPr>
+                            </m:sSubPr>
+                            <m:e>
+                              <m:r>
+                                <a:rPr lang="fr-FR" sz="900" b="0" i="1" smtClean="0">
+                                  <a:latin typeface="Cambria Math" panose="02040503050406030204" pitchFamily="18" charset="0"/>
+                                </a:rPr>
+                                <m:t>𝑗</m:t>
+                              </m:r>
+                            </m:e>
+                            <m:sub>
+                              <m:r>
+                                <a:rPr lang="fr-FR" sz="900" b="0" i="1" smtClean="0">
+                                  <a:latin typeface="Cambria Math" panose="02040503050406030204" pitchFamily="18" charset="0"/>
+                                </a:rPr>
+                                <m:t>2</m:t>
+                              </m:r>
+                            </m:sub>
+                          </m:sSub>
+                        </m:oMath>
+                      </a14:m>
+                      <a:endParaRPr lang="fr-FR" sz="900" dirty="0"/>
+                    </a:p>
+                  </p:txBody>
+                </p:sp>
+              </mc:Choice>
+              <mc:Fallback>
+                <p:sp>
+                  <p:nvSpPr>
+                    <p:cNvPr id="166" name="ZoneTexte 165">
+                      <a:extLst>
+                        <a:ext uri="{FF2B5EF4-FFF2-40B4-BE49-F238E27FC236}">
+                          <a16:creationId xmlns:a16="http://schemas.microsoft.com/office/drawing/2014/main" id="{C32DCCCB-5F59-42EB-A69D-5B28B9A52AE5}"/>
+                        </a:ext>
+                      </a:extLst>
+                    </p:cNvPr>
+                    <p:cNvSpPr txBox="1">
+                      <a:spLocks noRot="1" noChangeAspect="1" noMove="1" noResize="1" noEditPoints="1" noAdjustHandles="1" noChangeArrowheads="1" noChangeShapeType="1" noTextEdit="1"/>
+                    </p:cNvSpPr>
+                    <p:nvPr/>
+                  </p:nvSpPr>
+                  <p:spPr>
+                    <a:xfrm>
+                      <a:off x="2780593" y="1828799"/>
+                      <a:ext cx="633137" cy="685821"/>
+                    </a:xfrm>
+                    <a:prstGeom prst="rect">
+                      <a:avLst/>
+                    </a:prstGeom>
+                    <a:blipFill>
+                      <a:blip r:embed="rId27"/>
+                      <a:stretch>
+                        <a:fillRect b="-10714"/>
+                      </a:stretch>
+                    </a:blipFill>
+                    <a:ln>
+                      <a:solidFill>
+                        <a:schemeClr val="accent2"/>
+                      </a:solidFill>
+                    </a:ln>
+                  </p:spPr>
+                  <p:txBody>
+                    <a:bodyPr/>
+                    <a:lstStyle/>
+                    <a:p>
+                      <a:r>
+                        <a:rPr lang="fr-FR">
+                          <a:noFill/>
+                        </a:rPr>
+                        <a:t> </a:t>
+                      </a:r>
+                    </a:p>
+                  </p:txBody>
+                </p:sp>
+              </mc:Fallback>
+            </mc:AlternateContent>
+            <mc:AlternateContent xmlns:mc="http://schemas.openxmlformats.org/markup-compatibility/2006">
+              <mc:Choice xmlns:a14="http://schemas.microsoft.com/office/drawing/2010/main" Requires="a14">
+                <p:sp>
+                  <p:nvSpPr>
+                    <p:cNvPr id="167" name="ZoneTexte 166">
+                      <a:extLst>
+                        <a:ext uri="{FF2B5EF4-FFF2-40B4-BE49-F238E27FC236}">
+                          <a16:creationId xmlns:a16="http://schemas.microsoft.com/office/drawing/2014/main" id="{0F472BF4-3DAE-471F-88B2-BBB033733303}"/>
+                        </a:ext>
+                      </a:extLst>
+                    </p:cNvPr>
+                    <p:cNvSpPr txBox="1">
+                      <a:spLocks/>
+                    </p:cNvSpPr>
+                    <p:nvPr/>
+                  </p:nvSpPr>
+                  <p:spPr>
+                    <a:xfrm>
+                      <a:off x="830827" y="1828799"/>
+                      <a:ext cx="633137" cy="685821"/>
+                    </a:xfrm>
+                    <a:prstGeom prst="rect">
+                      <a:avLst/>
+                    </a:prstGeom>
+                    <a:noFill/>
+                    <a:ln>
+                      <a:solidFill>
+                        <a:schemeClr val="accent2"/>
+                      </a:solidFill>
+                    </a:ln>
+                  </p:spPr>
+                  <p:txBody>
+                    <a:bodyPr wrap="square" rtlCol="0">
+                      <a:spAutoFit/>
+                    </a:bodyPr>
+                    <a:lstStyle/>
+                    <a:p>
+                      <a:pPr algn="ctr"/>
+                      <a:r>
+                        <a:rPr lang="fr-FR" sz="900" dirty="0"/>
+                        <a:t>1</a:t>
+                      </a:r>
+                      <a14:m>
+                        <m:oMath xmlns:m="http://schemas.openxmlformats.org/officeDocument/2006/math">
+                          <m:r>
+                            <a:rPr lang="fr-FR" sz="900" b="0" i="1" smtClean="0">
+                              <a:latin typeface="Cambria Math" panose="02040503050406030204" pitchFamily="18" charset="0"/>
+                            </a:rPr>
+                            <m:t>𝑖</m:t>
+                          </m:r>
+                          <m:r>
+                            <a:rPr lang="fr-FR" sz="900" b="0" i="1" smtClean="0">
+                              <a:latin typeface="Cambria Math" panose="02040503050406030204" pitchFamily="18" charset="0"/>
+                            </a:rPr>
+                            <m:t>, </m:t>
+                          </m:r>
+                          <m:sSub>
+                            <m:sSubPr>
+                              <m:ctrlPr>
+                                <a:rPr lang="fr-FR" sz="900" b="0" i="1" smtClean="0">
+                                  <a:latin typeface="Cambria Math" panose="02040503050406030204" pitchFamily="18" charset="0"/>
+                                </a:rPr>
+                              </m:ctrlPr>
+                            </m:sSubPr>
+                            <m:e>
+                              <m:r>
+                                <a:rPr lang="fr-FR" sz="900" b="0" i="1" smtClean="0">
+                                  <a:latin typeface="Cambria Math" panose="02040503050406030204" pitchFamily="18" charset="0"/>
+                                </a:rPr>
+                                <m:t>𝑗</m:t>
+                              </m:r>
+                            </m:e>
+                            <m:sub>
+                              <m:r>
+                                <a:rPr lang="fr-FR" sz="900" b="0" i="1" smtClean="0">
+                                  <a:latin typeface="Cambria Math" panose="02040503050406030204" pitchFamily="18" charset="0"/>
+                                </a:rPr>
+                                <m:t>1</m:t>
+                              </m:r>
+                            </m:sub>
+                          </m:sSub>
+                        </m:oMath>
+                      </a14:m>
+                      <a:endParaRPr lang="fr-FR" sz="900" dirty="0"/>
+                    </a:p>
+                  </p:txBody>
+                </p:sp>
+              </mc:Choice>
+              <mc:Fallback>
+                <p:sp>
+                  <p:nvSpPr>
+                    <p:cNvPr id="167" name="ZoneTexte 166">
+                      <a:extLst>
+                        <a:ext uri="{FF2B5EF4-FFF2-40B4-BE49-F238E27FC236}">
+                          <a16:creationId xmlns:a16="http://schemas.microsoft.com/office/drawing/2014/main" id="{0F472BF4-3DAE-471F-88B2-BBB033733303}"/>
+                        </a:ext>
+                      </a:extLst>
+                    </p:cNvPr>
+                    <p:cNvSpPr txBox="1">
+                      <a:spLocks noRot="1" noChangeAspect="1" noMove="1" noResize="1" noEditPoints="1" noAdjustHandles="1" noChangeArrowheads="1" noChangeShapeType="1" noTextEdit="1"/>
+                    </p:cNvSpPr>
+                    <p:nvPr/>
+                  </p:nvSpPr>
+                  <p:spPr>
+                    <a:xfrm>
+                      <a:off x="830827" y="1828799"/>
+                      <a:ext cx="633137" cy="685821"/>
+                    </a:xfrm>
+                    <a:prstGeom prst="rect">
+                      <a:avLst/>
+                    </a:prstGeom>
+                    <a:blipFill>
+                      <a:blip r:embed="rId28"/>
+                      <a:stretch>
+                        <a:fillRect b="-10714"/>
+                      </a:stretch>
+                    </a:blipFill>
+                    <a:ln>
+                      <a:solidFill>
+                        <a:schemeClr val="accent2"/>
+                      </a:solidFill>
+                    </a:ln>
+                  </p:spPr>
+                  <p:txBody>
+                    <a:bodyPr/>
+                    <a:lstStyle/>
+                    <a:p>
+                      <a:r>
+                        <a:rPr lang="fr-FR">
+                          <a:noFill/>
+                        </a:rPr>
+                        <a:t> </a:t>
+                      </a:r>
+                    </a:p>
+                  </p:txBody>
+                </p:sp>
+              </mc:Fallback>
+            </mc:AlternateContent>
+            <mc:AlternateContent xmlns:mc="http://schemas.openxmlformats.org/markup-compatibility/2006">
+              <mc:Choice xmlns:a14="http://schemas.microsoft.com/office/drawing/2010/main" Requires="a14">
+                <p:sp>
+                  <p:nvSpPr>
+                    <p:cNvPr id="168" name="ZoneTexte 167">
+                      <a:extLst>
+                        <a:ext uri="{FF2B5EF4-FFF2-40B4-BE49-F238E27FC236}">
+                          <a16:creationId xmlns:a16="http://schemas.microsoft.com/office/drawing/2014/main" id="{E20C3480-C1C5-4594-B95A-EF6B36AD5621}"/>
+                        </a:ext>
+                      </a:extLst>
+                    </p:cNvPr>
+                    <p:cNvSpPr txBox="1">
+                      <a:spLocks/>
+                    </p:cNvSpPr>
+                    <p:nvPr/>
+                  </p:nvSpPr>
+                  <p:spPr>
+                    <a:xfrm>
+                      <a:off x="4730359" y="1828799"/>
+                      <a:ext cx="633137" cy="685821"/>
+                    </a:xfrm>
+                    <a:prstGeom prst="rect">
+                      <a:avLst/>
+                    </a:prstGeom>
+                    <a:noFill/>
+                    <a:ln>
+                      <a:solidFill>
+                        <a:schemeClr val="accent2"/>
+                      </a:solidFill>
+                    </a:ln>
+                  </p:spPr>
+                  <p:txBody>
+                    <a:bodyPr wrap="square" rtlCol="0">
+                      <a:spAutoFit/>
+                    </a:bodyPr>
+                    <a:lstStyle/>
+                    <a:p>
+                      <a:pPr algn="ctr"/>
+                      <a:r>
+                        <a:rPr lang="fr-FR" sz="900" dirty="0"/>
+                        <a:t>1</a:t>
+                      </a:r>
+                      <a14:m>
+                        <m:oMath xmlns:m="http://schemas.openxmlformats.org/officeDocument/2006/math">
+                          <m:r>
+                            <a:rPr lang="fr-FR" sz="900" b="0" i="1" smtClean="0">
+                              <a:latin typeface="Cambria Math" panose="02040503050406030204" pitchFamily="18" charset="0"/>
+                            </a:rPr>
+                            <m:t>𝑖</m:t>
+                          </m:r>
+                          <m:r>
+                            <a:rPr lang="fr-FR" sz="900" b="0" i="1" smtClean="0">
+                              <a:latin typeface="Cambria Math" panose="02040503050406030204" pitchFamily="18" charset="0"/>
+                            </a:rPr>
+                            <m:t>, </m:t>
+                          </m:r>
+                          <m:sSub>
+                            <m:sSubPr>
+                              <m:ctrlPr>
+                                <a:rPr lang="fr-FR" sz="900" b="0" i="1" smtClean="0">
+                                  <a:latin typeface="Cambria Math" panose="02040503050406030204" pitchFamily="18" charset="0"/>
+                                </a:rPr>
+                              </m:ctrlPr>
+                            </m:sSubPr>
+                            <m:e>
+                              <m:r>
+                                <a:rPr lang="fr-FR" sz="900" b="0" i="1" smtClean="0">
+                                  <a:latin typeface="Cambria Math" panose="02040503050406030204" pitchFamily="18" charset="0"/>
+                                </a:rPr>
+                                <m:t>𝑗</m:t>
+                              </m:r>
+                            </m:e>
+                            <m:sub>
+                              <m:r>
+                                <a:rPr lang="fr-FR" sz="900" b="0" i="1" smtClean="0">
+                                  <a:latin typeface="Cambria Math" panose="02040503050406030204" pitchFamily="18" charset="0"/>
+                                </a:rPr>
+                                <m:t>3</m:t>
+                              </m:r>
+                            </m:sub>
+                          </m:sSub>
+                        </m:oMath>
+                      </a14:m>
+                      <a:endParaRPr lang="fr-FR" sz="900" dirty="0"/>
+                    </a:p>
+                  </p:txBody>
+                </p:sp>
+              </mc:Choice>
+              <mc:Fallback>
+                <p:sp>
+                  <p:nvSpPr>
+                    <p:cNvPr id="168" name="ZoneTexte 167">
+                      <a:extLst>
+                        <a:ext uri="{FF2B5EF4-FFF2-40B4-BE49-F238E27FC236}">
+                          <a16:creationId xmlns:a16="http://schemas.microsoft.com/office/drawing/2014/main" id="{E20C3480-C1C5-4594-B95A-EF6B36AD5621}"/>
+                        </a:ext>
+                      </a:extLst>
+                    </p:cNvPr>
+                    <p:cNvSpPr txBox="1">
+                      <a:spLocks noRot="1" noChangeAspect="1" noMove="1" noResize="1" noEditPoints="1" noAdjustHandles="1" noChangeArrowheads="1" noChangeShapeType="1" noTextEdit="1"/>
+                    </p:cNvSpPr>
+                    <p:nvPr/>
+                  </p:nvSpPr>
+                  <p:spPr>
+                    <a:xfrm>
+                      <a:off x="4730359" y="1828799"/>
+                      <a:ext cx="633137" cy="685821"/>
+                    </a:xfrm>
+                    <a:prstGeom prst="rect">
+                      <a:avLst/>
+                    </a:prstGeom>
+                    <a:blipFill>
+                      <a:blip r:embed="rId29"/>
+                      <a:stretch>
+                        <a:fillRect b="-10714"/>
+                      </a:stretch>
+                    </a:blipFill>
+                    <a:ln>
+                      <a:solidFill>
+                        <a:schemeClr val="accent2"/>
+                      </a:solidFill>
+                    </a:ln>
+                  </p:spPr>
+                  <p:txBody>
+                    <a:bodyPr/>
+                    <a:lstStyle/>
+                    <a:p>
+                      <a:r>
+                        <a:rPr lang="fr-FR">
+                          <a:noFill/>
+                        </a:rPr>
+                        <a:t> </a:t>
+                      </a:r>
+                    </a:p>
+                  </p:txBody>
+                </p:sp>
+              </mc:Fallback>
+            </mc:AlternateContent>
+            <mc:AlternateContent xmlns:mc="http://schemas.openxmlformats.org/markup-compatibility/2006">
+              <mc:Choice xmlns:a14="http://schemas.microsoft.com/office/drawing/2010/main" Requires="a14">
+                <p:sp>
+                  <p:nvSpPr>
+                    <p:cNvPr id="169" name="ZoneTexte 168">
+                      <a:extLst>
+                        <a:ext uri="{FF2B5EF4-FFF2-40B4-BE49-F238E27FC236}">
+                          <a16:creationId xmlns:a16="http://schemas.microsoft.com/office/drawing/2014/main" id="{4953892F-BCF8-41FB-80DF-C48D561D9A9F}"/>
+                        </a:ext>
+                      </a:extLst>
+                    </p:cNvPr>
+                    <p:cNvSpPr txBox="1">
+                      <a:spLocks/>
+                    </p:cNvSpPr>
+                    <p:nvPr/>
+                  </p:nvSpPr>
+                  <p:spPr>
+                    <a:xfrm>
+                      <a:off x="6680126" y="1828797"/>
+                      <a:ext cx="633137" cy="685821"/>
+                    </a:xfrm>
+                    <a:prstGeom prst="rect">
+                      <a:avLst/>
+                    </a:prstGeom>
+                    <a:noFill/>
+                    <a:ln>
+                      <a:solidFill>
+                        <a:schemeClr val="accent2"/>
+                      </a:solidFill>
+                    </a:ln>
+                  </p:spPr>
+                  <p:txBody>
+                    <a:bodyPr wrap="square" rtlCol="0">
+                      <a:spAutoFit/>
+                    </a:bodyPr>
+                    <a:lstStyle/>
+                    <a:p>
+                      <a:pPr algn="ctr"/>
+                      <a:r>
+                        <a:rPr lang="fr-FR" sz="900" dirty="0"/>
+                        <a:t>1</a:t>
+                      </a:r>
+                      <a14:m>
+                        <m:oMath xmlns:m="http://schemas.openxmlformats.org/officeDocument/2006/math">
+                          <m:r>
+                            <a:rPr lang="fr-FR" sz="900" b="0" i="1" smtClean="0">
+                              <a:latin typeface="Cambria Math" panose="02040503050406030204" pitchFamily="18" charset="0"/>
+                            </a:rPr>
+                            <m:t>𝑖</m:t>
+                          </m:r>
+                          <m:r>
+                            <a:rPr lang="fr-FR" sz="900" b="0" i="1" smtClean="0">
+                              <a:latin typeface="Cambria Math" panose="02040503050406030204" pitchFamily="18" charset="0"/>
+                            </a:rPr>
+                            <m:t>, </m:t>
+                          </m:r>
+                          <m:sSub>
+                            <m:sSubPr>
+                              <m:ctrlPr>
+                                <a:rPr lang="fr-FR" sz="900" b="0" i="1" smtClean="0">
+                                  <a:latin typeface="Cambria Math" panose="02040503050406030204" pitchFamily="18" charset="0"/>
+                                </a:rPr>
+                              </m:ctrlPr>
+                            </m:sSubPr>
+                            <m:e>
+                              <m:r>
+                                <a:rPr lang="fr-FR" sz="900" b="0" i="1" smtClean="0">
+                                  <a:latin typeface="Cambria Math" panose="02040503050406030204" pitchFamily="18" charset="0"/>
+                                </a:rPr>
+                                <m:t>𝑗</m:t>
+                              </m:r>
+                            </m:e>
+                            <m:sub>
+                              <m:r>
+                                <a:rPr lang="fr-FR" sz="900" b="0" i="1" smtClean="0">
+                                  <a:latin typeface="Cambria Math" panose="02040503050406030204" pitchFamily="18" charset="0"/>
+                                </a:rPr>
+                                <m:t>4</m:t>
+                              </m:r>
+                            </m:sub>
+                          </m:sSub>
+                        </m:oMath>
+                      </a14:m>
+                      <a:endParaRPr lang="fr-FR" sz="900" dirty="0"/>
+                    </a:p>
+                  </p:txBody>
+                </p:sp>
+              </mc:Choice>
+              <mc:Fallback>
+                <p:sp>
+                  <p:nvSpPr>
+                    <p:cNvPr id="169" name="ZoneTexte 168">
+                      <a:extLst>
+                        <a:ext uri="{FF2B5EF4-FFF2-40B4-BE49-F238E27FC236}">
+                          <a16:creationId xmlns:a16="http://schemas.microsoft.com/office/drawing/2014/main" id="{4953892F-BCF8-41FB-80DF-C48D561D9A9F}"/>
+                        </a:ext>
+                      </a:extLst>
+                    </p:cNvPr>
+                    <p:cNvSpPr txBox="1">
+                      <a:spLocks noRot="1" noChangeAspect="1" noMove="1" noResize="1" noEditPoints="1" noAdjustHandles="1" noChangeArrowheads="1" noChangeShapeType="1" noTextEdit="1"/>
+                    </p:cNvSpPr>
+                    <p:nvPr/>
+                  </p:nvSpPr>
+                  <p:spPr>
+                    <a:xfrm>
+                      <a:off x="6680126" y="1828797"/>
+                      <a:ext cx="633137" cy="685821"/>
+                    </a:xfrm>
+                    <a:prstGeom prst="rect">
+                      <a:avLst/>
+                    </a:prstGeom>
+                    <a:blipFill>
+                      <a:blip r:embed="rId30"/>
+                      <a:stretch>
+                        <a:fillRect b="-10714"/>
+                      </a:stretch>
+                    </a:blipFill>
+                    <a:ln>
+                      <a:solidFill>
+                        <a:schemeClr val="accent2"/>
+                      </a:solidFill>
+                    </a:ln>
+                  </p:spPr>
+                  <p:txBody>
+                    <a:bodyPr/>
+                    <a:lstStyle/>
+                    <a:p>
+                      <a:r>
+                        <a:rPr lang="fr-FR">
+                          <a:noFill/>
+                        </a:rPr>
+                        <a:t> </a:t>
+                      </a:r>
+                    </a:p>
+                  </p:txBody>
+                </p:sp>
+              </mc:Fallback>
+            </mc:AlternateContent>
+            <p:grpSp>
+              <p:nvGrpSpPr>
+                <p:cNvPr id="170" name="Groupe 169">
+                  <a:extLst>
+                    <a:ext uri="{FF2B5EF4-FFF2-40B4-BE49-F238E27FC236}">
+                      <a16:creationId xmlns:a16="http://schemas.microsoft.com/office/drawing/2014/main" id="{E7F83AE6-5BD5-4342-9009-696C4D316D3A}"/>
+                    </a:ext>
+                  </a:extLst>
+                </p:cNvPr>
+                <p:cNvGrpSpPr/>
+                <p:nvPr/>
+              </p:nvGrpSpPr>
+              <p:grpSpPr>
+                <a:xfrm>
+                  <a:off x="5363497" y="1920595"/>
+                  <a:ext cx="1423121" cy="226648"/>
+                  <a:chOff x="1484671" y="1926617"/>
+                  <a:chExt cx="1423121" cy="226648"/>
+                </a:xfrm>
+              </p:grpSpPr>
+              <p:sp>
+                <p:nvSpPr>
+                  <p:cNvPr id="174" name="Forme libre : forme 173">
+                    <a:extLst>
+                      <a:ext uri="{FF2B5EF4-FFF2-40B4-BE49-F238E27FC236}">
+                        <a16:creationId xmlns:a16="http://schemas.microsoft.com/office/drawing/2014/main" id="{9251C838-501F-49F1-9C0E-0C83F948AE3E}"/>
+                      </a:ext>
+                    </a:extLst>
+                  </p:cNvPr>
+                  <p:cNvSpPr/>
+                  <p:nvPr/>
+                </p:nvSpPr>
+                <p:spPr>
+                  <a:xfrm>
+                    <a:off x="1484671" y="1926617"/>
+                    <a:ext cx="1278194" cy="226648"/>
+                  </a:xfrm>
+                  <a:custGeom>
+                    <a:avLst/>
+                    <a:gdLst>
+                      <a:gd name="connsiteX0" fmla="*/ 0 w 1278194"/>
+                      <a:gd name="connsiteY0" fmla="*/ 226648 h 226648"/>
+                      <a:gd name="connsiteX1" fmla="*/ 442452 w 1278194"/>
+                      <a:gd name="connsiteY1" fmla="*/ 506 h 226648"/>
+                      <a:gd name="connsiteX2" fmla="*/ 1278194 w 1278194"/>
+                      <a:gd name="connsiteY2" fmla="*/ 177486 h 226648"/>
+                    </a:gdLst>
+                    <a:ahLst/>
+                    <a:cxnLst>
+                      <a:cxn ang="0">
+                        <a:pos x="connsiteX0" y="connsiteY0"/>
+                      </a:cxn>
+                      <a:cxn ang="0">
+                        <a:pos x="connsiteX1" y="connsiteY1"/>
+                      </a:cxn>
+                      <a:cxn ang="0">
+                        <a:pos x="connsiteX2" y="connsiteY2"/>
+                      </a:cxn>
+                    </a:cxnLst>
+                    <a:rect l="l" t="t" r="r" b="b"/>
+                    <a:pathLst>
+                      <a:path w="1278194" h="226648">
+                        <a:moveTo>
+                          <a:pt x="0" y="226648"/>
+                        </a:moveTo>
+                        <a:cubicBezTo>
+                          <a:pt x="114710" y="117674"/>
+                          <a:pt x="229420" y="8700"/>
+                          <a:pt x="442452" y="506"/>
+                        </a:cubicBezTo>
+                        <a:cubicBezTo>
+                          <a:pt x="655484" y="-7688"/>
+                          <a:pt x="966839" y="84899"/>
+                          <a:pt x="1278194" y="177486"/>
+                        </a:cubicBezTo>
+                      </a:path>
+                    </a:pathLst>
+                  </a:custGeom>
+                  <a:noFill/>
+                </p:spPr>
+                <p:style>
+                  <a:lnRef idx="2">
+                    <a:schemeClr val="accent1">
+                      <a:shade val="50000"/>
+                    </a:schemeClr>
+                  </a:lnRef>
+                  <a:fillRef idx="1">
+                    <a:schemeClr val="accent1"/>
+                  </a:fillRef>
+                  <a:effectRef idx="0">
+                    <a:schemeClr val="accent1"/>
+                  </a:effectRef>
+                  <a:fontRef idx="minor">
+                    <a:schemeClr val="lt1"/>
+                  </a:fontRef>
+                </p:style>
+                <p:txBody>
+                  <a:bodyPr rtlCol="0" anchor="ctr"/>
+                  <a:lstStyle/>
+                  <a:p>
+                    <a:pPr algn="ctr"/>
+                    <a:endParaRPr lang="fr-FR"/>
+                  </a:p>
+                </p:txBody>
+              </p:sp>
+              <p:cxnSp>
+                <p:nvCxnSpPr>
+                  <p:cNvPr id="175" name="Connecteur droit avec flèche 174">
+                    <a:extLst>
+                      <a:ext uri="{FF2B5EF4-FFF2-40B4-BE49-F238E27FC236}">
+                        <a16:creationId xmlns:a16="http://schemas.microsoft.com/office/drawing/2014/main" id="{BF7D50FB-0C04-4A02-8E71-C5F9A0F08757}"/>
+                      </a:ext>
+                    </a:extLst>
+                  </p:cNvPr>
+                  <p:cNvCxnSpPr>
+                    <a:cxnSpLocks/>
+                  </p:cNvCxnSpPr>
+                  <p:nvPr/>
+                </p:nvCxnSpPr>
+                <p:spPr>
+                  <a:xfrm>
+                    <a:off x="2750055" y="2107070"/>
+                    <a:ext cx="157737" cy="46195"/>
+                  </a:xfrm>
+                  <a:prstGeom prst="straightConnector1">
+                    <a:avLst/>
+                  </a:prstGeom>
+                  <a:ln>
+                    <a:tailEnd type="triangle"/>
+                  </a:ln>
+                </p:spPr>
+                <p:style>
+                  <a:lnRef idx="1">
+                    <a:schemeClr val="accent1"/>
+                  </a:lnRef>
+                  <a:fillRef idx="0">
+                    <a:schemeClr val="accent1"/>
+                  </a:fillRef>
+                  <a:effectRef idx="0">
+                    <a:schemeClr val="accent1"/>
+                  </a:effectRef>
+                  <a:fontRef idx="minor">
+                    <a:schemeClr val="tx1"/>
+                  </a:fontRef>
+                </p:style>
+              </p:cxnSp>
+            </p:grpSp>
+            <p:grpSp>
+              <p:nvGrpSpPr>
+                <p:cNvPr id="171" name="Groupe 170">
+                  <a:extLst>
+                    <a:ext uri="{FF2B5EF4-FFF2-40B4-BE49-F238E27FC236}">
+                      <a16:creationId xmlns:a16="http://schemas.microsoft.com/office/drawing/2014/main" id="{83D7DD17-5CAC-49A6-85C9-35D62C2C1105}"/>
+                    </a:ext>
+                  </a:extLst>
+                </p:cNvPr>
+                <p:cNvGrpSpPr/>
+                <p:nvPr/>
+              </p:nvGrpSpPr>
+              <p:grpSpPr>
+                <a:xfrm>
+                  <a:off x="5294672" y="2239039"/>
+                  <a:ext cx="1415845" cy="307295"/>
+                  <a:chOff x="1356852" y="2241755"/>
+                  <a:chExt cx="1415845" cy="307295"/>
+                </a:xfrm>
+              </p:grpSpPr>
+              <p:sp>
+                <p:nvSpPr>
+                  <p:cNvPr id="172" name="Forme libre : forme 171">
+                    <a:extLst>
+                      <a:ext uri="{FF2B5EF4-FFF2-40B4-BE49-F238E27FC236}">
+                        <a16:creationId xmlns:a16="http://schemas.microsoft.com/office/drawing/2014/main" id="{C8424DE6-D08B-497E-8DA6-308CCFE235D5}"/>
+                      </a:ext>
+                    </a:extLst>
+                  </p:cNvPr>
+                  <p:cNvSpPr/>
+                  <p:nvPr/>
+                </p:nvSpPr>
+                <p:spPr>
+                  <a:xfrm>
+                    <a:off x="1494503" y="2330245"/>
+                    <a:ext cx="1278194" cy="218805"/>
+                  </a:xfrm>
+                  <a:custGeom>
+                    <a:avLst/>
+                    <a:gdLst>
+                      <a:gd name="connsiteX0" fmla="*/ 0 w 1278194"/>
+                      <a:gd name="connsiteY0" fmla="*/ 0 h 218805"/>
+                      <a:gd name="connsiteX1" fmla="*/ 609600 w 1278194"/>
+                      <a:gd name="connsiteY1" fmla="*/ 216310 h 218805"/>
+                      <a:gd name="connsiteX2" fmla="*/ 1278194 w 1278194"/>
+                      <a:gd name="connsiteY2" fmla="*/ 98323 h 218805"/>
+                    </a:gdLst>
+                    <a:ahLst/>
+                    <a:cxnLst>
+                      <a:cxn ang="0">
+                        <a:pos x="connsiteX0" y="connsiteY0"/>
+                      </a:cxn>
+                      <a:cxn ang="0">
+                        <a:pos x="connsiteX1" y="connsiteY1"/>
+                      </a:cxn>
+                      <a:cxn ang="0">
+                        <a:pos x="connsiteX2" y="connsiteY2"/>
+                      </a:cxn>
+                    </a:cxnLst>
+                    <a:rect l="l" t="t" r="r" b="b"/>
+                    <a:pathLst>
+                      <a:path w="1278194" h="218805">
+                        <a:moveTo>
+                          <a:pt x="0" y="0"/>
+                        </a:moveTo>
+                        <a:cubicBezTo>
+                          <a:pt x="198284" y="99961"/>
+                          <a:pt x="396568" y="199923"/>
+                          <a:pt x="609600" y="216310"/>
+                        </a:cubicBezTo>
+                        <a:cubicBezTo>
+                          <a:pt x="822632" y="232697"/>
+                          <a:pt x="1050413" y="165510"/>
+                          <a:pt x="1278194" y="98323"/>
+                        </a:cubicBezTo>
+                      </a:path>
+                    </a:pathLst>
+                  </a:custGeom>
+                  <a:noFill/>
+                </p:spPr>
+                <p:style>
+                  <a:lnRef idx="2">
+                    <a:schemeClr val="accent1">
+                      <a:shade val="50000"/>
+                    </a:schemeClr>
+                  </a:lnRef>
+                  <a:fillRef idx="1">
+                    <a:schemeClr val="accent1"/>
+                  </a:fillRef>
+                  <a:effectRef idx="0">
+                    <a:schemeClr val="accent1"/>
+                  </a:effectRef>
+                  <a:fontRef idx="minor">
+                    <a:schemeClr val="lt1"/>
+                  </a:fontRef>
+                </p:style>
+                <p:txBody>
+                  <a:bodyPr rtlCol="0" anchor="ctr"/>
+                  <a:lstStyle/>
+                  <a:p>
+                    <a:pPr algn="ctr"/>
+                    <a:endParaRPr lang="fr-FR"/>
+                  </a:p>
+                </p:txBody>
+              </p:sp>
+              <p:cxnSp>
+                <p:nvCxnSpPr>
+                  <p:cNvPr id="173" name="Connecteur droit avec flèche 172">
+                    <a:extLst>
+                      <a:ext uri="{FF2B5EF4-FFF2-40B4-BE49-F238E27FC236}">
+                        <a16:creationId xmlns:a16="http://schemas.microsoft.com/office/drawing/2014/main" id="{3E8E257B-6266-46AD-842D-15989865D0EB}"/>
+                      </a:ext>
+                    </a:extLst>
+                  </p:cNvPr>
+                  <p:cNvCxnSpPr>
+                    <a:cxnSpLocks/>
+                  </p:cNvCxnSpPr>
+                  <p:nvPr/>
+                </p:nvCxnSpPr>
+                <p:spPr>
+                  <a:xfrm flipH="1" flipV="1">
+                    <a:off x="1356852" y="2241755"/>
+                    <a:ext cx="137651" cy="88490"/>
+                  </a:xfrm>
+                  <a:prstGeom prst="straightConnector1">
+                    <a:avLst/>
+                  </a:prstGeom>
+                  <a:ln>
+                    <a:tailEnd type="triangle"/>
+                  </a:ln>
+                </p:spPr>
+                <p:style>
+                  <a:lnRef idx="1">
+                    <a:schemeClr val="accent1"/>
+                  </a:lnRef>
+                  <a:fillRef idx="0">
+                    <a:schemeClr val="accent1"/>
+                  </a:fillRef>
+                  <a:effectRef idx="0">
+                    <a:schemeClr val="accent1"/>
+                  </a:effectRef>
+                  <a:fontRef idx="minor">
+                    <a:schemeClr val="tx1"/>
+                  </a:fontRef>
+                </p:style>
+              </p:cxnSp>
+            </p:grpSp>
+          </p:grpSp>
+          <p:sp>
+            <p:nvSpPr>
+              <p:cNvPr id="162" name="Forme libre : forme 161">
+                <a:extLst>
+                  <a:ext uri="{FF2B5EF4-FFF2-40B4-BE49-F238E27FC236}">
+                    <a16:creationId xmlns:a16="http://schemas.microsoft.com/office/drawing/2014/main" id="{30668CA9-F2F4-4A2B-9394-08641E0BA546}"/>
+                  </a:ext>
+                </a:extLst>
+              </p:cNvPr>
+              <p:cNvSpPr/>
+              <p:nvPr/>
+            </p:nvSpPr>
+            <p:spPr>
+              <a:xfrm>
+                <a:off x="1489710" y="2685465"/>
+                <a:ext cx="3196590" cy="232995"/>
+              </a:xfrm>
+              <a:custGeom>
+                <a:avLst/>
+                <a:gdLst>
+                  <a:gd name="connsiteX0" fmla="*/ 0 w 3196590"/>
+                  <a:gd name="connsiteY0" fmla="*/ 221565 h 232995"/>
+                  <a:gd name="connsiteX1" fmla="*/ 1036320 w 3196590"/>
+                  <a:gd name="connsiteY1" fmla="*/ 27255 h 232995"/>
+                  <a:gd name="connsiteX2" fmla="*/ 2202180 w 3196590"/>
+                  <a:gd name="connsiteY2" fmla="*/ 23445 h 232995"/>
+                  <a:gd name="connsiteX3" fmla="*/ 3196590 w 3196590"/>
+                  <a:gd name="connsiteY3" fmla="*/ 232995 h 232995"/>
+                </a:gdLst>
+                <a:ahLst/>
+                <a:cxnLst>
+                  <a:cxn ang="0">
+                    <a:pos x="connsiteX0" y="connsiteY0"/>
+                  </a:cxn>
+                  <a:cxn ang="0">
+                    <a:pos x="connsiteX1" y="connsiteY1"/>
+                  </a:cxn>
+                  <a:cxn ang="0">
+                    <a:pos x="connsiteX2" y="connsiteY2"/>
+                  </a:cxn>
+                  <a:cxn ang="0">
+                    <a:pos x="connsiteX3" y="connsiteY3"/>
+                  </a:cxn>
+                </a:cxnLst>
+                <a:rect l="l" t="t" r="r" b="b"/>
+                <a:pathLst>
+                  <a:path w="3196590" h="232995">
+                    <a:moveTo>
+                      <a:pt x="0" y="221565"/>
+                    </a:moveTo>
+                    <a:cubicBezTo>
+                      <a:pt x="334645" y="140920"/>
+                      <a:pt x="669290" y="60275"/>
+                      <a:pt x="1036320" y="27255"/>
+                    </a:cubicBezTo>
+                    <a:cubicBezTo>
+                      <a:pt x="1403350" y="-5765"/>
+                      <a:pt x="1842135" y="-10845"/>
+                      <a:pt x="2202180" y="23445"/>
+                    </a:cubicBezTo>
+                    <a:cubicBezTo>
+                      <a:pt x="2562225" y="57735"/>
+                      <a:pt x="2879407" y="145365"/>
+                      <a:pt x="3196590" y="232995"/>
+                    </a:cubicBezTo>
+                  </a:path>
+                </a:pathLst>
+              </a:custGeom>
+              <a:noFill/>
+            </p:spPr>
+            <p:style>
+              <a:lnRef idx="2">
+                <a:schemeClr val="accent1">
+                  <a:shade val="50000"/>
+                </a:schemeClr>
+              </a:lnRef>
+              <a:fillRef idx="1">
+                <a:schemeClr val="accent1"/>
+              </a:fillRef>
+              <a:effectRef idx="0">
+                <a:schemeClr val="accent1"/>
+              </a:effectRef>
+              <a:fontRef idx="minor">
+                <a:schemeClr val="lt1"/>
+              </a:fontRef>
+            </p:style>
+            <p:txBody>
+              <a:bodyPr rtlCol="0" anchor="ctr"/>
+              <a:lstStyle/>
+              <a:p>
+                <a:pPr algn="ctr"/>
+                <a:endParaRPr lang="fr-FR"/>
+              </a:p>
+            </p:txBody>
+          </p:sp>
+          <p:sp>
+            <p:nvSpPr>
+              <p:cNvPr id="163" name="Forme libre : forme 162">
+                <a:extLst>
+                  <a:ext uri="{FF2B5EF4-FFF2-40B4-BE49-F238E27FC236}">
+                    <a16:creationId xmlns:a16="http://schemas.microsoft.com/office/drawing/2014/main" id="{AE0E81DF-4614-41D5-B237-232A0A566967}"/>
+                  </a:ext>
+                </a:extLst>
+              </p:cNvPr>
+              <p:cNvSpPr/>
+              <p:nvPr/>
+            </p:nvSpPr>
+            <p:spPr>
+              <a:xfrm rot="10800000">
+                <a:off x="1546458" y="3217665"/>
+                <a:ext cx="3196590" cy="232995"/>
+              </a:xfrm>
+              <a:custGeom>
+                <a:avLst/>
+                <a:gdLst>
+                  <a:gd name="connsiteX0" fmla="*/ 0 w 3196590"/>
+                  <a:gd name="connsiteY0" fmla="*/ 221565 h 232995"/>
+                  <a:gd name="connsiteX1" fmla="*/ 1036320 w 3196590"/>
+                  <a:gd name="connsiteY1" fmla="*/ 27255 h 232995"/>
+                  <a:gd name="connsiteX2" fmla="*/ 2202180 w 3196590"/>
+                  <a:gd name="connsiteY2" fmla="*/ 23445 h 232995"/>
+                  <a:gd name="connsiteX3" fmla="*/ 3196590 w 3196590"/>
+                  <a:gd name="connsiteY3" fmla="*/ 232995 h 232995"/>
+                </a:gdLst>
+                <a:ahLst/>
+                <a:cxnLst>
+                  <a:cxn ang="0">
+                    <a:pos x="connsiteX0" y="connsiteY0"/>
+                  </a:cxn>
+                  <a:cxn ang="0">
+                    <a:pos x="connsiteX1" y="connsiteY1"/>
+                  </a:cxn>
+                  <a:cxn ang="0">
+                    <a:pos x="connsiteX2" y="connsiteY2"/>
+                  </a:cxn>
+                  <a:cxn ang="0">
+                    <a:pos x="connsiteX3" y="connsiteY3"/>
+                  </a:cxn>
+                </a:cxnLst>
+                <a:rect l="l" t="t" r="r" b="b"/>
+                <a:pathLst>
+                  <a:path w="3196590" h="232995">
+                    <a:moveTo>
+                      <a:pt x="0" y="221565"/>
+                    </a:moveTo>
+                    <a:cubicBezTo>
+                      <a:pt x="334645" y="140920"/>
+                      <a:pt x="669290" y="60275"/>
+                      <a:pt x="1036320" y="27255"/>
+                    </a:cubicBezTo>
+                    <a:cubicBezTo>
+                      <a:pt x="1403350" y="-5765"/>
+                      <a:pt x="1842135" y="-10845"/>
+                      <a:pt x="2202180" y="23445"/>
+                    </a:cubicBezTo>
+                    <a:cubicBezTo>
+                      <a:pt x="2562225" y="57735"/>
+                      <a:pt x="2879407" y="145365"/>
+                      <a:pt x="3196590" y="232995"/>
+                    </a:cubicBezTo>
+                  </a:path>
+                </a:pathLst>
+              </a:custGeom>
+              <a:noFill/>
+            </p:spPr>
+            <p:style>
+              <a:lnRef idx="2">
+                <a:schemeClr val="accent1">
+                  <a:shade val="50000"/>
+                </a:schemeClr>
+              </a:lnRef>
+              <a:fillRef idx="1">
+                <a:schemeClr val="accent1"/>
+              </a:fillRef>
+              <a:effectRef idx="0">
+                <a:schemeClr val="accent1"/>
+              </a:effectRef>
+              <a:fontRef idx="minor">
+                <a:schemeClr val="lt1"/>
+              </a:fontRef>
+            </p:style>
+            <p:txBody>
+              <a:bodyPr rtlCol="0" anchor="ctr"/>
+              <a:lstStyle/>
+              <a:p>
+                <a:pPr algn="ctr"/>
+                <a:endParaRPr lang="fr-FR"/>
+              </a:p>
+            </p:txBody>
+          </p:sp>
+          <p:cxnSp>
+            <p:nvCxnSpPr>
+              <p:cNvPr id="164" name="Connecteur droit avec flèche 163">
+                <a:extLst>
+                  <a:ext uri="{FF2B5EF4-FFF2-40B4-BE49-F238E27FC236}">
+                    <a16:creationId xmlns:a16="http://schemas.microsoft.com/office/drawing/2014/main" id="{937ED5AF-4EA9-40DB-A035-A72B4BE7EE34}"/>
+                  </a:ext>
+                </a:extLst>
+              </p:cNvPr>
+              <p:cNvCxnSpPr>
+                <a:stCxn id="163" idx="3"/>
+              </p:cNvCxnSpPr>
+              <p:nvPr/>
+            </p:nvCxnSpPr>
+            <p:spPr>
+              <a:xfrm flipH="1" flipV="1">
+                <a:off x="1425677" y="3157620"/>
+                <a:ext cx="120781" cy="60045"/>
+              </a:xfrm>
+              <a:prstGeom prst="straightConnector1">
+                <a:avLst/>
+              </a:prstGeom>
+              <a:ln>
+                <a:tailEnd type="triangle"/>
+              </a:ln>
+            </p:spPr>
+            <p:style>
+              <a:lnRef idx="1">
+                <a:schemeClr val="accent1"/>
+              </a:lnRef>
+              <a:fillRef idx="0">
+                <a:schemeClr val="accent1"/>
+              </a:fillRef>
+              <a:effectRef idx="0">
+                <a:schemeClr val="accent1"/>
+              </a:effectRef>
+              <a:fontRef idx="minor">
+                <a:schemeClr val="tx1"/>
+              </a:fontRef>
+            </p:style>
+          </p:cxnSp>
+          <p:cxnSp>
+            <p:nvCxnSpPr>
+              <p:cNvPr id="165" name="Connecteur droit avec flèche 164">
+                <a:extLst>
+                  <a:ext uri="{FF2B5EF4-FFF2-40B4-BE49-F238E27FC236}">
+                    <a16:creationId xmlns:a16="http://schemas.microsoft.com/office/drawing/2014/main" id="{533D58FE-360A-4403-BA95-1D2459299835}"/>
+                  </a:ext>
+                </a:extLst>
+              </p:cNvPr>
+              <p:cNvCxnSpPr/>
+              <p:nvPr/>
+            </p:nvCxnSpPr>
+            <p:spPr>
+              <a:xfrm>
+                <a:off x="4685922" y="2918460"/>
+                <a:ext cx="107058" cy="47725"/>
+              </a:xfrm>
+              <a:prstGeom prst="straightConnector1">
+                <a:avLst/>
+              </a:prstGeom>
+              <a:ln>
+                <a:tailEnd type="triangle"/>
+              </a:ln>
+            </p:spPr>
+            <p:style>
+              <a:lnRef idx="1">
+                <a:schemeClr val="accent1"/>
+              </a:lnRef>
+              <a:fillRef idx="0">
+                <a:schemeClr val="accent1"/>
+              </a:fillRef>
+              <a:effectRef idx="0">
+                <a:schemeClr val="accent1"/>
+              </a:effectRef>
+              <a:fontRef idx="minor">
+                <a:schemeClr val="tx1"/>
+              </a:fontRef>
+            </p:style>
+          </p:cxnSp>
+        </p:grpSp>
+        <mc:AlternateContent xmlns:mc="http://schemas.openxmlformats.org/markup-compatibility/2006">
+          <mc:Choice xmlns:a14="http://schemas.microsoft.com/office/drawing/2010/main" Requires="a14">
+            <p:sp>
+              <p:nvSpPr>
+                <p:cNvPr id="160" name="ZoneTexte 159">
+                  <a:extLst>
+                    <a:ext uri="{FF2B5EF4-FFF2-40B4-BE49-F238E27FC236}">
+                      <a16:creationId xmlns:a16="http://schemas.microsoft.com/office/drawing/2014/main" id="{957E7A5C-FACA-49FD-8C3C-A073729D5E2E}"/>
+                    </a:ext>
+                  </a:extLst>
+                </p:cNvPr>
+                <p:cNvSpPr txBox="1"/>
+                <p:nvPr/>
+              </p:nvSpPr>
+              <p:spPr>
+                <a:xfrm>
+                  <a:off x="721434" y="3499664"/>
+                  <a:ext cx="6740194" cy="729874"/>
+                </a:xfrm>
+                <a:prstGeom prst="rect">
+                  <a:avLst/>
+                </a:prstGeom>
+                <a:noFill/>
+              </p:spPr>
+              <p:txBody>
+                <a:bodyPr wrap="square" rtlCol="0">
+                  <a:spAutoFit/>
+                </a:bodyPr>
+                <a:lstStyle/>
+                <a:p>
+                  <a:pPr algn="ctr"/>
+                  <a:r>
+                    <a:rPr lang="fr-FR" sz="900" i="1" dirty="0">
+                      <a:latin typeface="Arial" panose="020B0604020202020204" pitchFamily="34" charset="0"/>
+                      <a:cs typeface="Arial" panose="020B0604020202020204" pitchFamily="34" charset="0"/>
+                    </a:rPr>
+                    <a:t>Illustration des </a:t>
+                  </a:r>
+                  <a:r>
+                    <a:rPr lang="fr-FR" sz="900" dirty="0">
+                      <a:latin typeface="Arial" panose="020B0604020202020204" pitchFamily="34" charset="0"/>
+                      <a:cs typeface="Arial" panose="020B0604020202020204" pitchFamily="34" charset="0"/>
+                    </a:rPr>
+                    <a:t>dancing links</a:t>
+                  </a:r>
+                  <a:r>
+                    <a:rPr lang="fr-FR" sz="900" i="1" dirty="0">
+                      <a:latin typeface="Arial" panose="020B0604020202020204" pitchFamily="34" charset="0"/>
+                      <a:cs typeface="Arial" panose="020B0604020202020204" pitchFamily="34" charset="0"/>
+                    </a:rPr>
+                    <a:t> sur une liste simplement chaînée :</a:t>
+                  </a:r>
+                </a:p>
+                <a:p>
+                  <a:pPr algn="ctr"/>
+                  <a:r>
+                    <a:rPr lang="fr-FR" sz="900" i="1" dirty="0">
+                      <a:latin typeface="Arial" panose="020B0604020202020204" pitchFamily="34" charset="0"/>
+                      <a:cs typeface="Arial" panose="020B0604020202020204" pitchFamily="34" charset="0"/>
+                    </a:rPr>
+                    <a:t>Effacement de la colonne </a:t>
+                  </a:r>
+                  <a14:m>
+                    <m:oMath xmlns:m="http://schemas.openxmlformats.org/officeDocument/2006/math">
+                      <m:sSub>
+                        <m:sSubPr>
+                          <m:ctrlPr>
+                            <a:rPr lang="fr-FR" sz="900" i="1" smtClean="0">
+                              <a:latin typeface="Cambria Math" panose="02040503050406030204" pitchFamily="18" charset="0"/>
+                              <a:cs typeface="Arial" panose="020B0604020202020204" pitchFamily="34" charset="0"/>
+                            </a:rPr>
+                          </m:ctrlPr>
+                        </m:sSubPr>
+                        <m:e>
+                          <m:r>
+                            <a:rPr lang="fr-FR" sz="900" b="0" i="1" smtClean="0">
+                              <a:latin typeface="Cambria Math" panose="02040503050406030204" pitchFamily="18" charset="0"/>
+                              <a:cs typeface="Arial" panose="020B0604020202020204" pitchFamily="34" charset="0"/>
+                            </a:rPr>
+                            <m:t>𝑗</m:t>
+                          </m:r>
+                        </m:e>
+                        <m:sub>
+                          <m:r>
+                            <a:rPr lang="fr-FR" sz="900" b="0" i="1" smtClean="0">
+                              <a:latin typeface="Cambria Math" panose="02040503050406030204" pitchFamily="18" charset="0"/>
+                              <a:cs typeface="Arial" panose="020B0604020202020204" pitchFamily="34" charset="0"/>
+                            </a:rPr>
+                            <m:t>2</m:t>
+                          </m:r>
+                        </m:sub>
+                      </m:sSub>
+                    </m:oMath>
+                  </a14:m>
+                  <a:endParaRPr lang="fr-FR" sz="900" i="1" dirty="0">
+                    <a:latin typeface="Arial" panose="020B0604020202020204" pitchFamily="34" charset="0"/>
+                    <a:cs typeface="Arial" panose="020B0604020202020204" pitchFamily="34" charset="0"/>
+                  </a:endParaRPr>
+                </a:p>
+              </p:txBody>
+            </p:sp>
+          </mc:Choice>
+          <mc:Fallback>
+            <p:sp>
+              <p:nvSpPr>
+                <p:cNvPr id="160" name="ZoneTexte 159">
+                  <a:extLst>
+                    <a:ext uri="{FF2B5EF4-FFF2-40B4-BE49-F238E27FC236}">
+                      <a16:creationId xmlns:a16="http://schemas.microsoft.com/office/drawing/2014/main" id="{957E7A5C-FACA-49FD-8C3C-A073729D5E2E}"/>
+                    </a:ext>
+                  </a:extLst>
+                </p:cNvPr>
+                <p:cNvSpPr txBox="1">
+                  <a:spLocks noRot="1" noChangeAspect="1" noMove="1" noResize="1" noEditPoints="1" noAdjustHandles="1" noChangeArrowheads="1" noChangeShapeType="1" noTextEdit="1"/>
+                </p:cNvSpPr>
+                <p:nvPr/>
+              </p:nvSpPr>
+              <p:spPr>
+                <a:xfrm>
+                  <a:off x="721434" y="3499664"/>
+                  <a:ext cx="6740194" cy="729874"/>
+                </a:xfrm>
+                <a:prstGeom prst="rect">
+                  <a:avLst/>
+                </a:prstGeom>
+                <a:blipFill>
+                  <a:blip r:embed="rId31"/>
+                  <a:stretch>
+                    <a:fillRect b="-50877"/>
+                  </a:stretch>
+                </a:blipFill>
+              </p:spPr>
+              <p:txBody>
+                <a:bodyPr/>
+                <a:lstStyle/>
+                <a:p>
+                  <a:r>
+                    <a:rPr lang="fr-FR">
+                      <a:noFill/>
+                    </a:rPr>
+                    <a:t> </a:t>
+                  </a:r>
+                </a:p>
+              </p:txBody>
+            </p:sp>
+          </mc:Fallback>
+        </mc:AlternateContent>
+      </p:grpSp>
     </p:spTree>
     <p:extLst>
       <p:ext uri="{BB962C8B-B14F-4D97-AF65-F5344CB8AC3E}">

--- a/Poster_1.pptx
+++ b/Poster_1.pptx
@@ -350,11 +350,11 @@
         </c:dLbls>
         <c:marker val="1"/>
         <c:smooth val="0"/>
-        <c:axId val="179462064"/>
-        <c:axId val="179467504"/>
+        <c:axId val="278148704"/>
+        <c:axId val="278149248"/>
       </c:lineChart>
       <c:catAx>
-        <c:axId val="179462064"/>
+        <c:axId val="278148704"/>
         <c:scaling>
           <c:orientation val="minMax"/>
         </c:scaling>
@@ -460,7 +460,7 @@
             <a:endParaRPr lang="fr-FR"/>
           </a:p>
         </c:txPr>
-        <c:crossAx val="179467504"/>
+        <c:crossAx val="278149248"/>
         <c:crosses val="autoZero"/>
         <c:auto val="1"/>
         <c:lblAlgn val="ctr"/>
@@ -468,7 +468,7 @@
         <c:noMultiLvlLbl val="0"/>
       </c:catAx>
       <c:valAx>
-        <c:axId val="179467504"/>
+        <c:axId val="278149248"/>
         <c:scaling>
           <c:orientation val="minMax"/>
         </c:scaling>
@@ -595,7 +595,7 @@
             <a:endParaRPr lang="fr-FR"/>
           </a:p>
         </c:txPr>
-        <c:crossAx val="179462064"/>
+        <c:crossAx val="278148704"/>
         <c:crosses val="autoZero"/>
         <c:crossBetween val="between"/>
         <c:majorUnit val="10000"/>
@@ -4185,8 +4185,8 @@
         </p:nvSpPr>
         <p:spPr>
           <a:xfrm>
-            <a:off x="7196352" y="7757450"/>
-            <a:ext cx="3275145" cy="3685624"/>
+            <a:off x="7191990" y="8101610"/>
+            <a:ext cx="3275145" cy="3477875"/>
           </a:xfrm>
           <a:prstGeom prst="rect">
             <a:avLst/>
@@ -4206,7 +4206,49 @@
           <a:p>
             <a:pPr algn="just"/>
             <a:r>
-              <a:rPr lang="fr-FR" sz="1100" b="1" u="sng" dirty="0">
+              <a:rPr lang="fr-FR" sz="900" dirty="0">
+                <a:latin typeface="Arial" panose="020B0604020202020204" pitchFamily="34" charset="0"/>
+                <a:cs typeface="Arial" panose="020B0604020202020204" pitchFamily="34" charset="0"/>
+              </a:rPr>
+              <a:t>    De plus, cela rend le </a:t>
+            </a:r>
+            <a:r>
+              <a:rPr lang="fr-FR" sz="900" i="1" dirty="0" err="1">
+                <a:latin typeface="Arial" panose="020B0604020202020204" pitchFamily="34" charset="0"/>
+                <a:cs typeface="Arial" panose="020B0604020202020204" pitchFamily="34" charset="0"/>
+              </a:rPr>
+              <a:t>backtracking</a:t>
+            </a:r>
+            <a:r>
+              <a:rPr lang="fr-FR" sz="900" dirty="0">
+                <a:latin typeface="Arial" panose="020B0604020202020204" pitchFamily="34" charset="0"/>
+                <a:cs typeface="Arial" panose="020B0604020202020204" pitchFamily="34" charset="0"/>
+              </a:rPr>
+              <a:t> très efficace puisque lorsque l’on revient en arrière (c’est-à-dire que l’on remonte au niveau supérieur de récursivité), il est aisé de réinsérer la ligne effacée, sans opération mémoire </a:t>
+            </a:r>
+            <a:r>
+              <a:rPr lang="fr-FR" sz="900">
+                <a:latin typeface="Arial" panose="020B0604020202020204" pitchFamily="34" charset="0"/>
+                <a:cs typeface="Arial" panose="020B0604020202020204" pitchFamily="34" charset="0"/>
+              </a:rPr>
+              <a:t>vraiment coûteuse.</a:t>
+            </a:r>
+            <a:endParaRPr lang="fr-FR" sz="900" dirty="0">
+              <a:latin typeface="Arial" panose="020B0604020202020204" pitchFamily="34" charset="0"/>
+              <a:cs typeface="Arial" panose="020B0604020202020204" pitchFamily="34" charset="0"/>
+            </a:endParaRPr>
+          </a:p>
+          <a:p>
+            <a:pPr algn="just"/>
+            <a:endParaRPr lang="fr-FR" sz="900" dirty="0">
+              <a:latin typeface="Arial" panose="020B0604020202020204" pitchFamily="34" charset="0"/>
+              <a:cs typeface="Arial" panose="020B0604020202020204" pitchFamily="34" charset="0"/>
+            </a:endParaRPr>
+          </a:p>
+          <a:p>
+            <a:pPr algn="just"/>
+            <a:r>
+              <a:rPr lang="fr-FR" sz="1050" b="1" u="sng" dirty="0">
                 <a:latin typeface="Arial" panose="020B0604020202020204" pitchFamily="34" charset="0"/>
                 <a:cs typeface="Arial" panose="020B0604020202020204" pitchFamily="34" charset="0"/>
               </a:rPr>
@@ -4215,7 +4257,7 @@
           </a:p>
           <a:p>
             <a:pPr algn="just"/>
-            <a:endParaRPr lang="fr-FR" sz="700" dirty="0">
+            <a:endParaRPr lang="fr-FR" sz="500" dirty="0">
               <a:uFill>
                 <a:solidFill>
                   <a:srgbClr val="FF0000"/>
@@ -4228,21 +4270,21 @@
           <a:p>
             <a:pPr algn="just"/>
             <a:r>
-              <a:rPr lang="fr-FR" sz="1050" dirty="0">
+              <a:rPr lang="fr-FR" sz="900" dirty="0">
                 <a:latin typeface="Arial" panose="020B0604020202020204" pitchFamily="34" charset="0"/>
                 <a:cs typeface="Arial" panose="020B0604020202020204" pitchFamily="34" charset="0"/>
               </a:rPr>
-              <a:t>Néanmoins, le temps de calcul devient très vite prohibitif. Le nombre de configurations à explorer croît très vite avec la taille du puzzle. Nous avons alors mis en place une dernière méthode d’optimisation de calcul. L’heuristique derrière est de réduire la taille de l’arbre d’exploration, en sélectionnant soigneusement l’ordre des lignes, de manière à réduire autant que possible les opérations de </a:t>
+              <a:t>    Néanmoins, le temps de calcul devient très vite prohibitif. Le nombre de configurations à explorer croît très vite avec la taille du puzzle. Nous avons alors mis en place une dernière méthode d’optimisation de calcul. L’heuristique derrière est de réduire la taille de l’arbre d’exploration, en sélectionnant soigneusement l’ordre des lignes, de manière à réduire autant que possible les opérations de </a:t>
             </a:r>
             <a:r>
-              <a:rPr lang="fr-FR" sz="1050" i="1" dirty="0">
+              <a:rPr lang="fr-FR" sz="900" i="1" dirty="0">
                 <a:latin typeface="Arial" panose="020B0604020202020204" pitchFamily="34" charset="0"/>
                 <a:cs typeface="Arial" panose="020B0604020202020204" pitchFamily="34" charset="0"/>
               </a:rPr>
               <a:t>mise à jour</a:t>
             </a:r>
             <a:r>
-              <a:rPr lang="fr-FR" sz="1050" dirty="0">
+              <a:rPr lang="fr-FR" sz="900" dirty="0">
                 <a:latin typeface="Arial" panose="020B0604020202020204" pitchFamily="34" charset="0"/>
                 <a:cs typeface="Arial" panose="020B0604020202020204" pitchFamily="34" charset="0"/>
               </a:rPr>
@@ -4251,7 +4293,7 @@
           </a:p>
           <a:p>
             <a:pPr algn="just"/>
-            <a:endParaRPr lang="fr-FR" sz="1050" dirty="0">
+            <a:endParaRPr lang="fr-FR" sz="900" dirty="0">
               <a:uFill>
                 <a:solidFill>
                   <a:srgbClr val="FF0000"/>
@@ -4264,7 +4306,7 @@
           <a:p>
             <a:pPr algn="just"/>
             <a:r>
-              <a:rPr lang="fr-FR" sz="1100" b="1" u="sng" dirty="0">
+              <a:rPr lang="fr-FR" sz="1050" b="1" u="sng" dirty="0">
                 <a:latin typeface="Arial" panose="020B0604020202020204" pitchFamily="34" charset="0"/>
                 <a:cs typeface="Arial" panose="020B0604020202020204" pitchFamily="34" charset="0"/>
               </a:rPr>
@@ -4281,11 +4323,11 @@
           <a:p>
             <a:pPr algn="just"/>
             <a:r>
-              <a:rPr lang="fr-FR" sz="1050" dirty="0">
+              <a:rPr lang="fr-FR" sz="900" dirty="0">
                 <a:latin typeface="Arial" panose="020B0604020202020204" pitchFamily="34" charset="0"/>
                 <a:cs typeface="Arial" panose="020B0604020202020204" pitchFamily="34" charset="0"/>
               </a:rPr>
-              <a:t>    L’optimisation s’est avérée payante. Elle permet de réduire d’un facteur presque 50 le temps de calcul sur le puzzle 7x7, le ramenant à quelques 30 secondes. On peut constater sur le graphe ci-dessus l’impact de cette mesure d’optimisation du schéma d’exploration des configurations. Il permet de réduire notablement le nombre de mises à jour de la matrice courante :</a:t>
+              <a:t>    L’optimisation s’est avérée payante. Elle permet de réduire d’un facteur presque 50 le temps de calcul sur le puzzle 7x7, le ramenant à environ 30 secondes. On peut constater sur le graphe ci-dessus l’impact de cette mesure d’optimisation du schéma d’exploration des configurations. Il permet de réduire notablement le nombre de mises à jour de la matrice courante :</a:t>
             </a:r>
           </a:p>
         </p:txBody>
@@ -4457,8 +4499,8 @@
           </a:p>
         </p:txBody>
       </p:sp>
-      <mc:AlternateContent xmlns:mc="http://schemas.openxmlformats.org/markup-compatibility/2006">
-        <mc:Choice xmlns:a14="http://schemas.microsoft.com/office/drawing/2010/main" Requires="a14">
+      <mc:AlternateContent xmlns:mc="http://schemas.openxmlformats.org/markup-compatibility/2006" xmlns:a14="http://schemas.microsoft.com/office/drawing/2010/main">
+        <mc:Choice Requires="a14">
           <p:sp>
             <p:nvSpPr>
               <p:cNvPr id="27" name="TextBox 19"/>
@@ -4805,7 +4847,7 @@
             </p:txBody>
           </p:sp>
         </mc:Choice>
-        <mc:Fallback>
+        <mc:Fallback xmlns="">
           <p:sp>
             <p:nvSpPr>
               <p:cNvPr id="27" name="TextBox 19"/>
@@ -5272,8 +5314,8 @@
           </p:sp>
         </mc:Fallback>
       </mc:AlternateContent>
-      <mc:AlternateContent xmlns:mc="http://schemas.openxmlformats.org/markup-compatibility/2006">
-        <mc:Choice xmlns:a14="http://schemas.microsoft.com/office/drawing/2010/main" Requires="a14">
+      <mc:AlternateContent xmlns:mc="http://schemas.openxmlformats.org/markup-compatibility/2006" xmlns:a14="http://schemas.microsoft.com/office/drawing/2010/main">
+        <mc:Choice Requires="a14">
           <p:sp>
             <p:nvSpPr>
               <p:cNvPr id="62" name="TextBox 61"/>
@@ -5863,7 +5905,7 @@
             </p:txBody>
           </p:sp>
         </mc:Choice>
-        <mc:Fallback>
+        <mc:Fallback xmlns="">
           <p:sp>
             <p:nvSpPr>
               <p:cNvPr id="62" name="TextBox 61"/>
@@ -5902,8 +5944,8 @@
           </p:sp>
         </mc:Fallback>
       </mc:AlternateContent>
-      <mc:AlternateContent xmlns:mc="http://schemas.openxmlformats.org/markup-compatibility/2006">
-        <mc:Choice xmlns:a14="http://schemas.microsoft.com/office/drawing/2010/main" Requires="a14">
+      <mc:AlternateContent xmlns:mc="http://schemas.openxmlformats.org/markup-compatibility/2006" xmlns:a14="http://schemas.microsoft.com/office/drawing/2010/main">
+        <mc:Choice Requires="a14">
           <p:sp>
             <p:nvSpPr>
               <p:cNvPr id="75" name="TextBox 74"/>
@@ -6104,7 +6146,7 @@
             </p:txBody>
           </p:sp>
         </mc:Choice>
-        <mc:Fallback>
+        <mc:Fallback xmlns="">
           <p:sp>
             <p:nvSpPr>
               <p:cNvPr id="75" name="TextBox 74"/>
@@ -6418,8 +6460,8 @@
           </a:p>
         </p:txBody>
       </p:sp>
-      <mc:AlternateContent xmlns:mc="http://schemas.openxmlformats.org/markup-compatibility/2006">
-        <mc:Choice xmlns:a14="http://schemas.microsoft.com/office/drawing/2010/main" Requires="a14">
+      <mc:AlternateContent xmlns:mc="http://schemas.openxmlformats.org/markup-compatibility/2006" xmlns:a14="http://schemas.microsoft.com/office/drawing/2010/main">
+        <mc:Choice Requires="a14">
           <p:sp>
             <p:nvSpPr>
               <p:cNvPr id="31" name="TextBox 30"/>
@@ -6657,7 +6699,7 @@
             </p:txBody>
           </p:sp>
         </mc:Choice>
-        <mc:Fallback>
+        <mc:Fallback xmlns="">
           <p:sp>
             <p:nvSpPr>
               <p:cNvPr id="31" name="TextBox 30"/>
@@ -6710,7 +6752,7 @@
         <p:spPr>
           <a:xfrm>
             <a:off x="7174295" y="4792981"/>
-            <a:ext cx="3249706" cy="1615827"/>
+            <a:ext cx="3249706" cy="2031325"/>
           </a:xfrm>
           <a:prstGeom prst="rect">
             <a:avLst/>
@@ -6739,7 +6781,7 @@
                 <a:latin typeface="Arial" panose="020B0604020202020204" pitchFamily="34" charset="0"/>
                 <a:cs typeface="Arial" panose="020B0604020202020204" pitchFamily="34" charset="0"/>
               </a:rPr>
-              <a:t>    Afin d’éviter de multiples copies en mémoire de très grosses matrices, qui plus est creuses, nous avons implémenté la méthode des </a:t>
+              <a:t>Afin d’éviter de multiples copies en mémoire de très grosses matrices, qui plus est creuses, nous avons implémenté la méthode des </a:t>
             </a:r>
             <a:r>
               <a:rPr lang="fr-FR" sz="900" i="1" dirty="0">
@@ -6790,6 +6832,30 @@
                 <a:latin typeface="Arial" panose="020B0604020202020204" pitchFamily="34" charset="0"/>
                 <a:cs typeface="Arial" panose="020B0604020202020204" pitchFamily="34" charset="0"/>
               </a:rPr>
+              <a:t>nœuds. </a:t>
+            </a:r>
+            <a:r>
+              <a:rPr lang="fr-FR" sz="900" dirty="0">
+                <a:uFill>
+                  <a:solidFill>
+                    <a:srgbClr val="FF0000"/>
+                  </a:solidFill>
+                </a:uFill>
+                <a:latin typeface="Arial" panose="020B0604020202020204" pitchFamily="34" charset="0"/>
+                <a:cs typeface="Arial" panose="020B0604020202020204" pitchFamily="34" charset="0"/>
+              </a:rPr>
+              <a:t>Ces </a:t>
+            </a:r>
+            <a:r>
+              <a:rPr lang="fr-FR" sz="900" i="1" dirty="0">
+                <a:uFill>
+                  <a:solidFill>
+                    <a:srgbClr val="FF0000"/>
+                  </a:solidFill>
+                </a:uFill>
+                <a:latin typeface="Arial" panose="020B0604020202020204" pitchFamily="34" charset="0"/>
+                <a:cs typeface="Arial" panose="020B0604020202020204" pitchFamily="34" charset="0"/>
+              </a:rPr>
               <a:t>nœuds</a:t>
             </a:r>
             <a:r>
@@ -6802,7 +6868,7 @@
                 <a:latin typeface="Arial" panose="020B0604020202020204" pitchFamily="34" charset="0"/>
                 <a:cs typeface="Arial" panose="020B0604020202020204" pitchFamily="34" charset="0"/>
               </a:rPr>
-              <a:t> contenant des pointeurs vers les 1 voisins (en haut et en bas). Effacer un élément consiste alors à le faire </a:t>
+              <a:t> contiennent les indices de ligne et de colonne du 1 de la matrice, ainsi que des pointeurs vers les 1 voisins (en haut et en bas). Effacer un élément consiste alors à le faire </a:t>
             </a:r>
             <a:r>
               <a:rPr lang="fr-FR" sz="900" i="1" dirty="0">
@@ -6826,7 +6892,7 @@
                 <a:latin typeface="Arial" panose="020B0604020202020204" pitchFamily="34" charset="0"/>
                 <a:cs typeface="Arial" panose="020B0604020202020204" pitchFamily="34" charset="0"/>
               </a:rPr>
-              <a:t> de ses voisins.</a:t>
+              <a:t> de ses voisins. C’est de cette manière que l’on efface des lignes et des colonnes.</a:t>
             </a:r>
           </a:p>
         </p:txBody>
@@ -8275,8 +8341,8 @@
           </p:txBody>
         </p:sp>
       </p:grpSp>
-      <mc:AlternateContent xmlns:mc="http://schemas.openxmlformats.org/markup-compatibility/2006">
-        <mc:Choice xmlns:a14="http://schemas.microsoft.com/office/drawing/2010/main" Requires="a14">
+      <mc:AlternateContent xmlns:mc="http://schemas.openxmlformats.org/markup-compatibility/2006" xmlns:a14="http://schemas.microsoft.com/office/drawing/2010/main">
+        <mc:Choice Requires="a14">
           <p:sp>
             <p:nvSpPr>
               <p:cNvPr id="74" name="TextBox 73"/>
@@ -8594,7 +8660,7 @@
             </p:txBody>
           </p:sp>
         </mc:Choice>
-        <mc:Fallback>
+        <mc:Fallback xmlns="">
           <p:sp>
             <p:nvSpPr>
               <p:cNvPr id="74" name="TextBox 73"/>
@@ -8930,9 +8996,9 @@
         <p:grpSpPr>
           <a:xfrm>
             <a:off x="8756037" y="3623701"/>
-            <a:ext cx="1770030" cy="866546"/>
+            <a:ext cx="1770030" cy="841259"/>
             <a:chOff x="3509816" y="1902631"/>
-            <a:chExt cx="8565216" cy="4193235"/>
+            <a:chExt cx="8565216" cy="4070870"/>
           </a:xfrm>
         </p:grpSpPr>
         <p:pic>
@@ -9270,8 +9336,8 @@
           </p:nvSpPr>
           <p:spPr>
             <a:xfrm>
-              <a:off x="8736098" y="4409701"/>
-              <a:ext cx="2906583" cy="1686165"/>
+              <a:off x="8736096" y="4409699"/>
+              <a:ext cx="2906583" cy="1563802"/>
             </a:xfrm>
             <a:prstGeom prst="rect">
               <a:avLst/>
@@ -9286,6 +9352,7 @@
             </a:bodyPr>
             <a:lstStyle/>
             <a:p>
+              <a:pPr algn="ctr"/>
               <a:r>
                 <a:rPr lang="fr-FR" sz="500" i="1" dirty="0"/>
                 <a:t>Suppression des lignes incompatibles</a:t>
@@ -9569,13 +9636,13 @@
           <p:nvPr>
             <p:extLst>
               <p:ext uri="{D42A27DB-BD31-4B8C-83A1-F6EECF244321}">
-                <p14:modId xmlns:p14="http://schemas.microsoft.com/office/powerpoint/2010/main" val="4289178672"/>
+                <p14:modId xmlns:p14="http://schemas.microsoft.com/office/powerpoint/2010/main" val="1851730421"/>
               </p:ext>
             </p:extLst>
           </p:nvPr>
         </p:nvGraphicFramePr>
         <p:xfrm>
-          <a:off x="7288205" y="11555254"/>
+          <a:off x="7269264" y="11646259"/>
           <a:ext cx="3134908" cy="1816469"/>
         </p:xfrm>
         <a:graphic>
@@ -9909,10 +9976,7 @@
               <a:rPr lang="fr-FR" sz="900" i="1" dirty="0" err="1"/>
               <a:t>TDLog</a:t>
             </a:r>
-            <a:r>
-              <a:rPr lang="fr-FR" sz="900" i="1" dirty="0"/>
-              <a:t>.</a:t>
-            </a:r>
+            <a:endParaRPr lang="fr-FR" sz="900" i="1" dirty="0"/>
           </a:p>
         </p:txBody>
       </p:sp>
@@ -9984,7 +10048,7 @@
           <a:p>
             <a:pPr algn="just"/>
             <a:r>
-              <a:rPr lang="fr-FR" sz="1100" b="1" u="sng" dirty="0">
+              <a:rPr lang="fr-FR" sz="1050" b="1" u="sng" dirty="0">
                 <a:latin typeface="Arial" panose="020B0604020202020204" pitchFamily="34" charset="0"/>
                 <a:cs typeface="Arial" panose="020B0604020202020204" pitchFamily="34" charset="0"/>
               </a:rPr>
@@ -10015,7 +10079,7 @@
                 <a:latin typeface="Arial" panose="020B0604020202020204" pitchFamily="34" charset="0"/>
                 <a:cs typeface="Arial" panose="020B0604020202020204" pitchFamily="34" charset="0"/>
               </a:rPr>
-              <a:t>    A présent, nous nous sommes intéressés à une manière </a:t>
+              <a:t>    À présent, nous nous intéressons à une manière </a:t>
             </a:r>
             <a:r>
               <a:rPr lang="fr-FR" sz="900" i="1" dirty="0">
@@ -10440,7 +10504,7 @@
         </p:nvSpPr>
         <p:spPr>
           <a:xfrm>
-            <a:off x="3912668" y="13285702"/>
+            <a:off x="3912668" y="13290465"/>
             <a:ext cx="2866476" cy="246221"/>
           </a:xfrm>
           <a:prstGeom prst="rect">
@@ -10478,10 +10542,10 @@
         </p:nvGrpSpPr>
         <p:grpSpPr>
           <a:xfrm>
-            <a:off x="7196353" y="6453466"/>
-            <a:ext cx="3226902" cy="1149366"/>
+            <a:off x="7196353" y="6839546"/>
+            <a:ext cx="3226902" cy="1169267"/>
             <a:chOff x="721434" y="1828797"/>
-            <a:chExt cx="6740194" cy="2400741"/>
+            <a:chExt cx="6740194" cy="2442309"/>
           </a:xfrm>
         </p:grpSpPr>
         <p:grpSp>
@@ -10504,8 +10568,8 @@
               <a:chExt cx="6482436" cy="720253"/>
             </a:xfrm>
           </p:grpSpPr>
-          <mc:AlternateContent xmlns:mc="http://schemas.openxmlformats.org/markup-compatibility/2006">
-            <mc:Choice xmlns:a14="http://schemas.microsoft.com/office/drawing/2010/main" Requires="a14">
+          <mc:AlternateContent xmlns:mc="http://schemas.openxmlformats.org/markup-compatibility/2006" xmlns:a14="http://schemas.microsoft.com/office/drawing/2010/main">
+            <mc:Choice Requires="a14">
               <p:sp>
                 <p:nvSpPr>
                   <p:cNvPr id="176" name="ZoneTexte 175">
@@ -10592,7 +10656,7 @@
                 </p:txBody>
               </p:sp>
             </mc:Choice>
-            <mc:Fallback>
+            <mc:Fallback xmlns="">
               <p:sp>
                 <p:nvSpPr>
                   <p:cNvPr id="176" name="ZoneTexte 175">
@@ -10642,8 +10706,8 @@
               </p:sp>
             </mc:Fallback>
           </mc:AlternateContent>
-          <mc:AlternateContent xmlns:mc="http://schemas.openxmlformats.org/markup-compatibility/2006">
-            <mc:Choice xmlns:a14="http://schemas.microsoft.com/office/drawing/2010/main" Requires="a14">
+          <mc:AlternateContent xmlns:mc="http://schemas.openxmlformats.org/markup-compatibility/2006" xmlns:a14="http://schemas.microsoft.com/office/drawing/2010/main">
+            <mc:Choice Requires="a14">
               <p:sp>
                 <p:nvSpPr>
                   <p:cNvPr id="177" name="ZoneTexte 176">
@@ -10730,7 +10794,7 @@
                 </p:txBody>
               </p:sp>
             </mc:Choice>
-            <mc:Fallback>
+            <mc:Fallback xmlns="">
               <p:sp>
                 <p:nvSpPr>
                   <p:cNvPr id="177" name="ZoneTexte 176">
@@ -10780,8 +10844,8 @@
               </p:sp>
             </mc:Fallback>
           </mc:AlternateContent>
-          <mc:AlternateContent xmlns:mc="http://schemas.openxmlformats.org/markup-compatibility/2006">
-            <mc:Choice xmlns:a14="http://schemas.microsoft.com/office/drawing/2010/main" Requires="a14">
+          <mc:AlternateContent xmlns:mc="http://schemas.openxmlformats.org/markup-compatibility/2006" xmlns:a14="http://schemas.microsoft.com/office/drawing/2010/main">
+            <mc:Choice Requires="a14">
               <p:sp>
                 <p:nvSpPr>
                   <p:cNvPr id="178" name="ZoneTexte 177">
@@ -10868,7 +10932,7 @@
                 </p:txBody>
               </p:sp>
             </mc:Choice>
-            <mc:Fallback>
+            <mc:Fallback xmlns="">
               <p:sp>
                 <p:nvSpPr>
                   <p:cNvPr id="178" name="ZoneTexte 177">
@@ -10918,8 +10982,8 @@
               </p:sp>
             </mc:Fallback>
           </mc:AlternateContent>
-          <mc:AlternateContent xmlns:mc="http://schemas.openxmlformats.org/markup-compatibility/2006">
-            <mc:Choice xmlns:a14="http://schemas.microsoft.com/office/drawing/2010/main" Requires="a14">
+          <mc:AlternateContent xmlns:mc="http://schemas.openxmlformats.org/markup-compatibility/2006" xmlns:a14="http://schemas.microsoft.com/office/drawing/2010/main">
+            <mc:Choice Requires="a14">
               <p:sp>
                 <p:nvSpPr>
                   <p:cNvPr id="179" name="ZoneTexte 178">
@@ -11006,7 +11070,7 @@
                 </p:txBody>
               </p:sp>
             </mc:Choice>
-            <mc:Fallback>
+            <mc:Fallback xmlns="">
               <p:sp>
                 <p:nvSpPr>
                   <p:cNvPr id="179" name="ZoneTexte 178">
@@ -11979,8 +12043,8 @@
                 <a:chExt cx="6482436" cy="717537"/>
               </a:xfrm>
             </p:grpSpPr>
-            <mc:AlternateContent xmlns:mc="http://schemas.openxmlformats.org/markup-compatibility/2006">
-              <mc:Choice xmlns:a14="http://schemas.microsoft.com/office/drawing/2010/main" Requires="a14">
+            <mc:AlternateContent xmlns:mc="http://schemas.openxmlformats.org/markup-compatibility/2006" xmlns:a14="http://schemas.microsoft.com/office/drawing/2010/main">
+              <mc:Choice Requires="a14">
                 <p:sp>
                   <p:nvSpPr>
                     <p:cNvPr id="166" name="ZoneTexte 165">
@@ -12072,7 +12136,7 @@
                   </p:txBody>
                 </p:sp>
               </mc:Choice>
-              <mc:Fallback>
+              <mc:Fallback xmlns="">
                 <p:sp>
                   <p:nvSpPr>
                     <p:cNvPr id="166" name="ZoneTexte 165">
@@ -12122,8 +12186,8 @@
                 </p:sp>
               </mc:Fallback>
             </mc:AlternateContent>
-            <mc:AlternateContent xmlns:mc="http://schemas.openxmlformats.org/markup-compatibility/2006">
-              <mc:Choice xmlns:a14="http://schemas.microsoft.com/office/drawing/2010/main" Requires="a14">
+            <mc:AlternateContent xmlns:mc="http://schemas.openxmlformats.org/markup-compatibility/2006" xmlns:a14="http://schemas.microsoft.com/office/drawing/2010/main">
+              <mc:Choice Requires="a14">
                 <p:sp>
                   <p:nvSpPr>
                     <p:cNvPr id="167" name="ZoneTexte 166">
@@ -12210,7 +12274,7 @@
                   </p:txBody>
                 </p:sp>
               </mc:Choice>
-              <mc:Fallback>
+              <mc:Fallback xmlns="">
                 <p:sp>
                   <p:nvSpPr>
                     <p:cNvPr id="167" name="ZoneTexte 166">
@@ -12260,8 +12324,8 @@
                 </p:sp>
               </mc:Fallback>
             </mc:AlternateContent>
-            <mc:AlternateContent xmlns:mc="http://schemas.openxmlformats.org/markup-compatibility/2006">
-              <mc:Choice xmlns:a14="http://schemas.microsoft.com/office/drawing/2010/main" Requires="a14">
+            <mc:AlternateContent xmlns:mc="http://schemas.openxmlformats.org/markup-compatibility/2006" xmlns:a14="http://schemas.microsoft.com/office/drawing/2010/main">
+              <mc:Choice Requires="a14">
                 <p:sp>
                   <p:nvSpPr>
                     <p:cNvPr id="168" name="ZoneTexte 167">
@@ -12348,7 +12412,7 @@
                   </p:txBody>
                 </p:sp>
               </mc:Choice>
-              <mc:Fallback>
+              <mc:Fallback xmlns="">
                 <p:sp>
                   <p:nvSpPr>
                     <p:cNvPr id="168" name="ZoneTexte 167">
@@ -12398,8 +12462,8 @@
                 </p:sp>
               </mc:Fallback>
             </mc:AlternateContent>
-            <mc:AlternateContent xmlns:mc="http://schemas.openxmlformats.org/markup-compatibility/2006">
-              <mc:Choice xmlns:a14="http://schemas.microsoft.com/office/drawing/2010/main" Requires="a14">
+            <mc:AlternateContent xmlns:mc="http://schemas.openxmlformats.org/markup-compatibility/2006" xmlns:a14="http://schemas.microsoft.com/office/drawing/2010/main">
+              <mc:Choice Requires="a14">
                 <p:sp>
                   <p:nvSpPr>
                     <p:cNvPr id="169" name="ZoneTexte 168">
@@ -12486,7 +12550,7 @@
                   </p:txBody>
                 </p:sp>
               </mc:Choice>
-              <mc:Fallback>
+              <mc:Fallback xmlns="">
                 <p:sp>
                   <p:nvSpPr>
                     <p:cNvPr id="169" name="ZoneTexte 168">
@@ -13102,8 +13166,8 @@
             </p:style>
           </p:cxnSp>
         </p:grpSp>
-        <mc:AlternateContent xmlns:mc="http://schemas.openxmlformats.org/markup-compatibility/2006">
-          <mc:Choice xmlns:a14="http://schemas.microsoft.com/office/drawing/2010/main" Requires="a14">
+        <mc:AlternateContent xmlns:mc="http://schemas.openxmlformats.org/markup-compatibility/2006" xmlns:a14="http://schemas.microsoft.com/office/drawing/2010/main">
+          <mc:Choice Requires="a14">
             <p:sp>
               <p:nvSpPr>
                 <p:cNvPr id="160" name="ZoneTexte 159">
@@ -13118,8 +13182,8 @@
               </p:nvSpPr>
               <p:spPr>
                 <a:xfrm>
-                  <a:off x="721434" y="3499664"/>
-                  <a:ext cx="6740194" cy="729874"/>
+                  <a:off x="721434" y="3499663"/>
+                  <a:ext cx="6740194" cy="771443"/>
                 </a:xfrm>
                 <a:prstGeom prst="rect">
                   <a:avLst/>
@@ -13152,17 +13216,7 @@
                       <a:latin typeface="Arial" panose="020B0604020202020204" pitchFamily="34" charset="0"/>
                       <a:cs typeface="Arial" panose="020B0604020202020204" pitchFamily="34" charset="0"/>
                     </a:rPr>
-                    <a:t> sur une liste simplement chaînée :</a:t>
-                  </a:r>
-                </a:p>
-                <a:p>
-                  <a:pPr algn="ctr"/>
-                  <a:r>
-                    <a:rPr lang="fr-FR" sz="900" i="1" dirty="0">
-                      <a:latin typeface="Arial" panose="020B0604020202020204" pitchFamily="34" charset="0"/>
-                      <a:cs typeface="Arial" panose="020B0604020202020204" pitchFamily="34" charset="0"/>
-                    </a:rPr>
-                    <a:t>Effacement de la colonne </a:t>
+                    <a:t> sur une liste simplement chaînée : Effacement de la colonne </a:t>
                   </a:r>
                   <a14:m>
                     <m:oMath xmlns:m="http://schemas.openxmlformats.org/officeDocument/2006/math">
@@ -13204,13 +13258,13 @@
               </p:txBody>
             </p:sp>
           </mc:Choice>
-          <mc:Fallback>
+          <mc:Fallback xmlns="">
             <p:sp>
               <p:nvSpPr>
                 <p:cNvPr id="160" name="ZoneTexte 159">
                   <a:extLst>
                     <a:ext uri="{FF2B5EF4-FFF2-40B4-BE49-F238E27FC236}">
-                      <a16:creationId xmlns:a16="http://schemas.microsoft.com/office/drawing/2014/main" id="{957E7A5C-FACA-49FD-8C3C-A073729D5E2E}"/>
+                      <a16:creationId xmlns:a16="http://schemas.microsoft.com/office/drawing/2014/main" xmlns:a14="http://schemas.microsoft.com/office/drawing/2010/main" xmlns="" id="{957E7A5C-FACA-49FD-8C3C-A073729D5E2E}"/>
                     </a:ext>
                   </a:extLst>
                 </p:cNvPr>
@@ -13221,16 +13275,16 @@
               </p:nvSpPr>
               <p:spPr>
                 <a:xfrm>
-                  <a:off x="721434" y="3499664"/>
-                  <a:ext cx="6740194" cy="729874"/>
+                  <a:off x="721434" y="3499663"/>
+                  <a:ext cx="6740194" cy="771443"/>
                 </a:xfrm>
                 <a:prstGeom prst="rect">
                   <a:avLst/>
                 </a:prstGeom>
-                <a:blipFill>
+                <a:blipFill rotWithShape="0">
                   <a:blip r:embed="rId31"/>
                   <a:stretch>
-                    <a:fillRect b="-50877"/>
+                    <a:fillRect b="-6667"/>
                   </a:stretch>
                 </a:blipFill>
               </p:spPr>

--- a/Poster_1.pptx
+++ b/Poster_1.pptx
@@ -1498,7 +1498,7 @@
           <a:p>
             <a:fld id="{A8490EA5-CA6F-8D4B-8D24-9E860C725A80}" type="datetimeFigureOut">
               <a:rPr lang="fr-FR" smtClean="0"/>
-              <a:t>31/01/2018</a:t>
+              <a:t>01/02/2018</a:t>
             </a:fld>
             <a:endParaRPr lang="fr-FR"/>
           </a:p>
@@ -1663,7 +1663,7 @@
           <a:p>
             <a:fld id="{A8490EA5-CA6F-8D4B-8D24-9E860C725A80}" type="datetimeFigureOut">
               <a:rPr lang="fr-FR" smtClean="0"/>
-              <a:t>31/01/2018</a:t>
+              <a:t>01/02/2018</a:t>
             </a:fld>
             <a:endParaRPr lang="fr-FR"/>
           </a:p>
@@ -1838,7 +1838,7 @@
           <a:p>
             <a:fld id="{A8490EA5-CA6F-8D4B-8D24-9E860C725A80}" type="datetimeFigureOut">
               <a:rPr lang="fr-FR" smtClean="0"/>
-              <a:t>31/01/2018</a:t>
+              <a:t>01/02/2018</a:t>
             </a:fld>
             <a:endParaRPr lang="fr-FR"/>
           </a:p>
@@ -2003,7 +2003,7 @@
           <a:p>
             <a:fld id="{A8490EA5-CA6F-8D4B-8D24-9E860C725A80}" type="datetimeFigureOut">
               <a:rPr lang="fr-FR" smtClean="0"/>
-              <a:t>31/01/2018</a:t>
+              <a:t>01/02/2018</a:t>
             </a:fld>
             <a:endParaRPr lang="fr-FR"/>
           </a:p>
@@ -2242,7 +2242,7 @@
           <a:p>
             <a:fld id="{A8490EA5-CA6F-8D4B-8D24-9E860C725A80}" type="datetimeFigureOut">
               <a:rPr lang="fr-FR" smtClean="0"/>
-              <a:t>31/01/2018</a:t>
+              <a:t>01/02/2018</a:t>
             </a:fld>
             <a:endParaRPr lang="fr-FR"/>
           </a:p>
@@ -2469,7 +2469,7 @@
           <a:p>
             <a:fld id="{A8490EA5-CA6F-8D4B-8D24-9E860C725A80}" type="datetimeFigureOut">
               <a:rPr lang="fr-FR" smtClean="0"/>
-              <a:t>31/01/2018</a:t>
+              <a:t>01/02/2018</a:t>
             </a:fld>
             <a:endParaRPr lang="fr-FR"/>
           </a:p>
@@ -2831,7 +2831,7 @@
           <a:p>
             <a:fld id="{A8490EA5-CA6F-8D4B-8D24-9E860C725A80}" type="datetimeFigureOut">
               <a:rPr lang="fr-FR" smtClean="0"/>
-              <a:t>31/01/2018</a:t>
+              <a:t>01/02/2018</a:t>
             </a:fld>
             <a:endParaRPr lang="fr-FR"/>
           </a:p>
@@ -2944,7 +2944,7 @@
           <a:p>
             <a:fld id="{A8490EA5-CA6F-8D4B-8D24-9E860C725A80}" type="datetimeFigureOut">
               <a:rPr lang="fr-FR" smtClean="0"/>
-              <a:t>31/01/2018</a:t>
+              <a:t>01/02/2018</a:t>
             </a:fld>
             <a:endParaRPr lang="fr-FR"/>
           </a:p>
@@ -3034,7 +3034,7 @@
           <a:p>
             <a:fld id="{A8490EA5-CA6F-8D4B-8D24-9E860C725A80}" type="datetimeFigureOut">
               <a:rPr lang="fr-FR" smtClean="0"/>
-              <a:t>31/01/2018</a:t>
+              <a:t>01/02/2018</a:t>
             </a:fld>
             <a:endParaRPr lang="fr-FR"/>
           </a:p>
@@ -3306,7 +3306,7 @@
           <a:p>
             <a:fld id="{A8490EA5-CA6F-8D4B-8D24-9E860C725A80}" type="datetimeFigureOut">
               <a:rPr lang="fr-FR" smtClean="0"/>
-              <a:t>31/01/2018</a:t>
+              <a:t>01/02/2018</a:t>
             </a:fld>
             <a:endParaRPr lang="fr-FR"/>
           </a:p>
@@ -3558,7 +3558,7 @@
           <a:p>
             <a:fld id="{A8490EA5-CA6F-8D4B-8D24-9E860C725A80}" type="datetimeFigureOut">
               <a:rPr lang="fr-FR" smtClean="0"/>
-              <a:t>31/01/2018</a:t>
+              <a:t>01/02/2018</a:t>
             </a:fld>
             <a:endParaRPr lang="fr-FR"/>
           </a:p>
@@ -3766,7 +3766,7 @@
           <a:p>
             <a:fld id="{A8490EA5-CA6F-8D4B-8D24-9E860C725A80}" type="datetimeFigureOut">
               <a:rPr lang="fr-FR" smtClean="0"/>
-              <a:t>31/01/2018</a:t>
+              <a:t>01/02/2018</a:t>
             </a:fld>
             <a:endParaRPr lang="fr-FR"/>
           </a:p>
@@ -4193,9 +4193,7 @@
           </a:prstGeom>
           <a:noFill/>
           <a:ln>
-            <a:solidFill>
-              <a:schemeClr val="bg2"/>
-            </a:solidFill>
+            <a:noFill/>
           </a:ln>
         </p:spPr>
         <p:txBody>
@@ -4419,9 +4417,7 @@
           </a:prstGeom>
           <a:noFill/>
           <a:ln>
-            <a:solidFill>
-              <a:schemeClr val="bg2"/>
-            </a:solidFill>
+            <a:noFill/>
           </a:ln>
         </p:spPr>
         <p:txBody>
@@ -4499,8 +4495,8 @@
           </a:p>
         </p:txBody>
       </p:sp>
-      <mc:AlternateContent xmlns:mc="http://schemas.openxmlformats.org/markup-compatibility/2006" xmlns:a14="http://schemas.microsoft.com/office/drawing/2010/main">
-        <mc:Choice Requires="a14">
+      <mc:AlternateContent xmlns:mc="http://schemas.openxmlformats.org/markup-compatibility/2006">
+        <mc:Choice xmlns:a14="http://schemas.microsoft.com/office/drawing/2010/main" Requires="a14">
           <p:sp>
             <p:nvSpPr>
               <p:cNvPr id="27" name="TextBox 19"/>
@@ -4517,9 +4513,7 @@
               </a:prstGeom>
               <a:noFill/>
               <a:ln>
-                <a:solidFill>
-                  <a:schemeClr val="bg2"/>
-                </a:solidFill>
+                <a:noFill/>
               </a:ln>
             </p:spPr>
             <p:txBody>
@@ -4847,7 +4841,7 @@
             </p:txBody>
           </p:sp>
         </mc:Choice>
-        <mc:Fallback xmlns="">
+        <mc:Fallback>
           <p:sp>
             <p:nvSpPr>
               <p:cNvPr id="27" name="TextBox 19"/>
@@ -4867,13 +4861,11 @@
               <a:blipFill>
                 <a:blip r:embed="rId3"/>
                 <a:stretch>
-                  <a:fillRect/>
+                  <a:fillRect t="-213"/>
                 </a:stretch>
               </a:blipFill>
               <a:ln>
-                <a:solidFill>
-                  <a:schemeClr val="bg2"/>
-                </a:solidFill>
+                <a:noFill/>
               </a:ln>
             </p:spPr>
             <p:txBody>
@@ -5944,8 +5936,8 @@
           </p:sp>
         </mc:Fallback>
       </mc:AlternateContent>
-      <mc:AlternateContent xmlns:mc="http://schemas.openxmlformats.org/markup-compatibility/2006" xmlns:a14="http://schemas.microsoft.com/office/drawing/2010/main">
-        <mc:Choice Requires="a14">
+      <mc:AlternateContent xmlns:mc="http://schemas.openxmlformats.org/markup-compatibility/2006">
+        <mc:Choice xmlns:a14="http://schemas.microsoft.com/office/drawing/2010/main" Requires="a14">
           <p:sp>
             <p:nvSpPr>
               <p:cNvPr id="75" name="TextBox 74"/>
@@ -5962,9 +5954,7 @@
               </a:prstGeom>
               <a:noFill/>
               <a:ln>
-                <a:solidFill>
-                  <a:schemeClr val="bg2"/>
-                </a:solidFill>
+                <a:noFill/>
               </a:ln>
             </p:spPr>
             <p:txBody>
@@ -6146,7 +6136,7 @@
             </p:txBody>
           </p:sp>
         </mc:Choice>
-        <mc:Fallback xmlns="">
+        <mc:Fallback>
           <p:sp>
             <p:nvSpPr>
               <p:cNvPr id="75" name="TextBox 74"/>
@@ -6170,9 +6160,7 @@
                 </a:stretch>
               </a:blipFill>
               <a:ln>
-                <a:solidFill>
-                  <a:schemeClr val="bg2"/>
-                </a:solidFill>
+                <a:noFill/>
               </a:ln>
             </p:spPr>
             <p:txBody>
@@ -6460,8 +6448,8 @@
           </a:p>
         </p:txBody>
       </p:sp>
-      <mc:AlternateContent xmlns:mc="http://schemas.openxmlformats.org/markup-compatibility/2006" xmlns:a14="http://schemas.microsoft.com/office/drawing/2010/main">
-        <mc:Choice Requires="a14">
+      <mc:AlternateContent xmlns:mc="http://schemas.openxmlformats.org/markup-compatibility/2006">
+        <mc:Choice xmlns:a14="http://schemas.microsoft.com/office/drawing/2010/main" Requires="a14">
           <p:sp>
             <p:nvSpPr>
               <p:cNvPr id="31" name="TextBox 30"/>
@@ -6478,9 +6466,7 @@
               </a:prstGeom>
               <a:noFill/>
               <a:ln>
-                <a:solidFill>
-                  <a:schemeClr val="bg2"/>
-                </a:solidFill>
+                <a:noFill/>
               </a:ln>
             </p:spPr>
             <p:txBody>
@@ -6699,7 +6685,7 @@
             </p:txBody>
           </p:sp>
         </mc:Choice>
-        <mc:Fallback xmlns="">
+        <mc:Fallback>
           <p:sp>
             <p:nvSpPr>
               <p:cNvPr id="31" name="TextBox 30"/>
@@ -6723,9 +6709,7 @@
                 </a:stretch>
               </a:blipFill>
               <a:ln>
-                <a:solidFill>
-                  <a:schemeClr val="bg2"/>
-                </a:solidFill>
+                <a:noFill/>
               </a:ln>
             </p:spPr>
             <p:txBody>
@@ -6759,9 +6743,7 @@
           </a:prstGeom>
           <a:noFill/>
           <a:ln>
-            <a:solidFill>
-              <a:schemeClr val="bg2"/>
-            </a:solidFill>
+            <a:noFill/>
           </a:ln>
         </p:spPr>
         <p:txBody>
@@ -6899,56 +6881,6 @@
       </p:sp>
       <p:sp>
         <p:nvSpPr>
-          <p:cNvPr id="32" name="Rectangle 31"/>
-          <p:cNvSpPr/>
-          <p:nvPr/>
-        </p:nvSpPr>
-        <p:spPr>
-          <a:xfrm>
-            <a:off x="6977347" y="1367656"/>
-            <a:ext cx="207510" cy="12854508"/>
-          </a:xfrm>
-          <a:prstGeom prst="rect">
-            <a:avLst/>
-          </a:prstGeom>
-          <a:solidFill>
-            <a:schemeClr val="bg2"/>
-          </a:solidFill>
-          <a:ln>
-            <a:solidFill>
-              <a:schemeClr val="bg2">
-                <a:lumMod val="75000"/>
-              </a:schemeClr>
-            </a:solidFill>
-          </a:ln>
-        </p:spPr>
-        <p:style>
-          <a:lnRef idx="2">
-            <a:schemeClr val="accent1">
-              <a:shade val="50000"/>
-            </a:schemeClr>
-          </a:lnRef>
-          <a:fillRef idx="1">
-            <a:schemeClr val="accent1"/>
-          </a:fillRef>
-          <a:effectRef idx="0">
-            <a:schemeClr val="accent1"/>
-          </a:effectRef>
-          <a:fontRef idx="minor">
-            <a:schemeClr val="lt1"/>
-          </a:fontRef>
-        </p:style>
-        <p:txBody>
-          <a:bodyPr rtlCol="0" anchor="ctr"/>
-          <a:lstStyle/>
-          <a:p>
-            <a:pPr algn="ctr"/>
-            <a:endParaRPr lang="fr-FR"/>
-          </a:p>
-        </p:txBody>
-      </p:sp>
-      <p:sp>
-        <p:nvSpPr>
           <p:cNvPr id="34" name="ZoneTexte 18"/>
           <p:cNvSpPr txBox="1"/>
           <p:nvPr/>
@@ -6963,9 +6895,7 @@
           </a:prstGeom>
           <a:noFill/>
           <a:ln>
-            <a:solidFill>
-              <a:schemeClr val="bg2"/>
-            </a:solidFill>
+            <a:noFill/>
           </a:ln>
         </p:spPr>
         <p:txBody>
@@ -7064,56 +6994,6 @@
               </a:rPr>
               <a:t> et est représenté ci-dessous. Nous avons généralisé à d’autres tailles.</a:t>
             </a:r>
-          </a:p>
-        </p:txBody>
-      </p:sp>
-      <p:sp>
-        <p:nvSpPr>
-          <p:cNvPr id="2" name="Rectangle 1"/>
-          <p:cNvSpPr/>
-          <p:nvPr/>
-        </p:nvSpPr>
-        <p:spPr>
-          <a:xfrm>
-            <a:off x="3513543" y="1363782"/>
-            <a:ext cx="207510" cy="12858382"/>
-          </a:xfrm>
-          <a:prstGeom prst="rect">
-            <a:avLst/>
-          </a:prstGeom>
-          <a:solidFill>
-            <a:schemeClr val="bg2"/>
-          </a:solidFill>
-          <a:ln>
-            <a:solidFill>
-              <a:schemeClr val="bg2">
-                <a:lumMod val="75000"/>
-              </a:schemeClr>
-            </a:solidFill>
-          </a:ln>
-        </p:spPr>
-        <p:style>
-          <a:lnRef idx="2">
-            <a:schemeClr val="accent1">
-              <a:shade val="50000"/>
-            </a:schemeClr>
-          </a:lnRef>
-          <a:fillRef idx="1">
-            <a:schemeClr val="accent1"/>
-          </a:fillRef>
-          <a:effectRef idx="0">
-            <a:schemeClr val="accent1"/>
-          </a:effectRef>
-          <a:fontRef idx="minor">
-            <a:schemeClr val="lt1"/>
-          </a:fontRef>
-        </p:style>
-        <p:txBody>
-          <a:bodyPr rtlCol="0" anchor="ctr"/>
-          <a:lstStyle/>
-          <a:p>
-            <a:pPr algn="ctr"/>
-            <a:endParaRPr lang="fr-FR"/>
           </a:p>
         </p:txBody>
       </p:sp>
@@ -8341,8 +8221,8 @@
           </p:txBody>
         </p:sp>
       </p:grpSp>
-      <mc:AlternateContent xmlns:mc="http://schemas.openxmlformats.org/markup-compatibility/2006" xmlns:a14="http://schemas.microsoft.com/office/drawing/2010/main">
-        <mc:Choice Requires="a14">
+      <mc:AlternateContent xmlns:mc="http://schemas.openxmlformats.org/markup-compatibility/2006">
+        <mc:Choice xmlns:a14="http://schemas.microsoft.com/office/drawing/2010/main" Requires="a14">
           <p:sp>
             <p:nvSpPr>
               <p:cNvPr id="74" name="TextBox 73"/>
@@ -8359,9 +8239,7 @@
               </a:prstGeom>
               <a:noFill/>
               <a:ln>
-                <a:solidFill>
-                  <a:schemeClr val="bg2"/>
-                </a:solidFill>
+                <a:noFill/>
               </a:ln>
             </p:spPr>
             <p:txBody>
@@ -8660,7 +8538,7 @@
             </p:txBody>
           </p:sp>
         </mc:Choice>
-        <mc:Fallback xmlns="">
+        <mc:Fallback>
           <p:sp>
             <p:nvSpPr>
               <p:cNvPr id="74" name="TextBox 73"/>
@@ -8684,9 +8562,7 @@
                 </a:stretch>
               </a:blipFill>
               <a:ln>
-                <a:solidFill>
-                  <a:schemeClr val="bg2"/>
-                </a:solidFill>
+                <a:noFill/>
               </a:ln>
             </p:spPr>
             <p:txBody>
@@ -9484,16 +9360,14 @@
         <p:spPr>
           <a:xfrm>
             <a:off x="7199146" y="13488998"/>
-            <a:ext cx="3275145" cy="738664"/>
+            <a:ext cx="3326921" cy="600164"/>
           </a:xfrm>
           <a:prstGeom prst="rect">
             <a:avLst/>
           </a:prstGeom>
           <a:noFill/>
           <a:ln>
-            <a:solidFill>
-              <a:schemeClr val="bg2"/>
-            </a:solidFill>
+            <a:noFill/>
           </a:ln>
         </p:spPr>
         <p:txBody>
@@ -9559,14 +9433,7 @@
                 <a:latin typeface="Arial" panose="020B0604020202020204" pitchFamily="34" charset="0"/>
                 <a:cs typeface="Arial" panose="020B0604020202020204" pitchFamily="34" charset="0"/>
               </a:rPr>
-              <a:t>, F. </a:t>
-            </a:r>
-            <a:r>
-              <a:rPr lang="fr-FR" sz="900" dirty="0" err="1">
-                <a:latin typeface="Arial" panose="020B0604020202020204" pitchFamily="34" charset="0"/>
-                <a:cs typeface="Arial" panose="020B0604020202020204" pitchFamily="34" charset="0"/>
-              </a:rPr>
-              <a:t>Malrieu</a:t>
+              <a:t>, F. Malrieu</a:t>
             </a:r>
             <a:r>
               <a:rPr lang="fr-FR" sz="900" dirty="0">
@@ -9576,7 +9443,7 @@
                 <a:latin typeface="Arial" panose="020B0604020202020204" pitchFamily="34" charset="0"/>
                 <a:cs typeface="Arial" panose="020B0604020202020204" pitchFamily="34" charset="0"/>
               </a:rPr>
-              <a:t>. 2016. Recueil de    Modèles Aléatoires, 2016</a:t>
+              <a:t>. Recueil de Modèles Aléatoires, 2016</a:t>
             </a:r>
           </a:p>
           <a:p>
@@ -9686,8 +9553,8 @@
           </a:p>
         </p:txBody>
       </p:sp>
-      <mc:AlternateContent xmlns:mc="http://schemas.openxmlformats.org/markup-compatibility/2006" xmlns:a14="http://schemas.microsoft.com/office/drawing/2010/main">
-        <mc:Choice Requires="a14">
+      <mc:AlternateContent xmlns:mc="http://schemas.openxmlformats.org/markup-compatibility/2006">
+        <mc:Choice xmlns:a14="http://schemas.microsoft.com/office/drawing/2010/main" Requires="a14">
           <p:sp>
             <p:nvSpPr>
               <p:cNvPr id="110" name="TextBox 109"/>
@@ -9704,9 +9571,7 @@
               </a:prstGeom>
               <a:noFill/>
               <a:ln>
-                <a:solidFill>
-                  <a:schemeClr val="bg2"/>
-                </a:solidFill>
+                <a:noFill/>
               </a:ln>
             </p:spPr>
             <p:txBody>
@@ -9855,7 +9720,7 @@
             </p:txBody>
           </p:sp>
         </mc:Choice>
-        <mc:Fallback xmlns="">
+        <mc:Fallback>
           <p:sp>
             <p:nvSpPr>
               <p:cNvPr id="110" name="TextBox 109"/>
@@ -9872,16 +9737,14 @@
               <a:prstGeom prst="rect">
                 <a:avLst/>
               </a:prstGeom>
-              <a:blipFill rotWithShape="0">
+              <a:blipFill>
                 <a:blip r:embed="rId22"/>
                 <a:stretch>
-                  <a:fillRect/>
+                  <a:fillRect t="-270" b="-270"/>
                 </a:stretch>
               </a:blipFill>
               <a:ln>
-                <a:solidFill>
-                  <a:schemeClr val="bg2"/>
-                </a:solidFill>
+                <a:noFill/>
               </a:ln>
             </p:spPr>
             <p:txBody>
@@ -9996,9 +9859,7 @@
           </a:prstGeom>
           <a:noFill/>
           <a:ln>
-            <a:solidFill>
-              <a:schemeClr val="bg2"/>
-            </a:solidFill>
+            <a:noFill/>
           </a:ln>
         </p:spPr>
         <p:txBody>
@@ -10542,7 +10403,7 @@
         </p:nvGrpSpPr>
         <p:grpSpPr>
           <a:xfrm>
-            <a:off x="7196353" y="6839546"/>
+            <a:off x="7196353" y="6885266"/>
             <a:ext cx="3226902" cy="1169267"/>
             <a:chOff x="721434" y="1828797"/>
             <a:chExt cx="6740194" cy="2442309"/>

--- a/Poster_1.pptx
+++ b/Poster_1.pptx
@@ -117,9 +117,9 @@
 </file>
 
 <file path=ppt/charts/chart1.xml><?xml version="1.0" encoding="utf-8"?>
-<c:chartSpace xmlns:c="http://schemas.openxmlformats.org/drawingml/2006/chart" xmlns:a="http://schemas.openxmlformats.org/drawingml/2006/main" xmlns:r="http://schemas.openxmlformats.org/officeDocument/2006/relationships" xmlns:c16r2="http://schemas.microsoft.com/office/drawing/2015/06/chart">
+<c:chartSpace xmlns:c="http://schemas.openxmlformats.org/drawingml/2006/chart" xmlns:a="http://schemas.openxmlformats.org/drawingml/2006/main" xmlns:r="http://schemas.openxmlformats.org/officeDocument/2006/relationships">
   <c:date1904 val="0"/>
-  <c:lang val="fr-FR"/>
+  <c:lang val="en-US"/>
   <c:roundedCorners val="0"/>
   <mc:AlternateContent xmlns:mc="http://schemas.openxmlformats.org/markup-compatibility/2006">
     <mc:Choice xmlns:c14="http://schemas.microsoft.com/office/drawing/2007/8/2/chart" Requires="c14">
@@ -237,7 +237,7 @@
             </c:numRef>
           </c:val>
           <c:smooth val="0"/>
-          <c:extLst>
+          <c:extLst xmlns:c16r2="http://schemas.microsoft.com/office/drawing/2015/06/chart">
             <c:ext xmlns:c16="http://schemas.microsoft.com/office/drawing/2014/chart" uri="{C3380CC4-5D6E-409C-BE32-E72D297353CC}">
               <c16:uniqueId val="{00000000-A35B-4B5B-B4F6-EBC780F9EB1F}"/>
             </c:ext>
@@ -334,7 +334,7 @@
             </c:numRef>
           </c:val>
           <c:smooth val="0"/>
-          <c:extLst>
+          <c:extLst xmlns:c16r2="http://schemas.microsoft.com/office/drawing/2015/06/chart">
             <c:ext xmlns:c16="http://schemas.microsoft.com/office/drawing/2014/chart" uri="{C3380CC4-5D6E-409C-BE32-E72D297353CC}">
               <c16:uniqueId val="{00000001-A35B-4B5B-B4F6-EBC780F9EB1F}"/>
             </c:ext>
@@ -350,11 +350,11 @@
         </c:dLbls>
         <c:marker val="1"/>
         <c:smooth val="0"/>
-        <c:axId val="278148704"/>
-        <c:axId val="278149248"/>
+        <c:axId val="198344256"/>
+        <c:axId val="198344800"/>
       </c:lineChart>
       <c:catAx>
-        <c:axId val="278148704"/>
+        <c:axId val="198344256"/>
         <c:scaling>
           <c:orientation val="minMax"/>
         </c:scaling>
@@ -460,7 +460,7 @@
             <a:endParaRPr lang="fr-FR"/>
           </a:p>
         </c:txPr>
-        <c:crossAx val="278149248"/>
+        <c:crossAx val="198344800"/>
         <c:crosses val="autoZero"/>
         <c:auto val="1"/>
         <c:lblAlgn val="ctr"/>
@@ -468,7 +468,7 @@
         <c:noMultiLvlLbl val="0"/>
       </c:catAx>
       <c:valAx>
-        <c:axId val="278149248"/>
+        <c:axId val="198344800"/>
         <c:scaling>
           <c:orientation val="minMax"/>
         </c:scaling>
@@ -595,7 +595,7 @@
             <a:endParaRPr lang="fr-FR"/>
           </a:p>
         </c:txPr>
-        <c:crossAx val="278148704"/>
+        <c:crossAx val="198344256"/>
         <c:crosses val="autoZero"/>
         <c:crossBetween val="between"/>
         <c:majorUnit val="10000"/>
@@ -651,14 +651,14 @@
     </c:legend>
     <c:plotVisOnly val="1"/>
     <c:dispBlanksAs val="zero"/>
-    <c:extLst>
+    <c:showDLblsOverMax val="0"/>
+    <c:extLst xmlns:c16r2="http://schemas.microsoft.com/office/drawing/2015/06/chart">
       <c:ext xmlns:c16r3="http://schemas.microsoft.com/office/drawing/2017/03/chart" uri="{56B9EC1D-385E-4148-901F-78D8002777C0}">
         <c16r3:dataDisplayOptions16>
           <c16r3:dispNaAsBlank val="1"/>
         </c16r3:dataDisplayOptions16>
       </c:ext>
     </c:extLst>
-    <c:showDLblsOverMax val="0"/>
   </c:chart>
   <c:spPr>
     <a:noFill/>
@@ -1498,7 +1498,7 @@
           <a:p>
             <a:fld id="{A8490EA5-CA6F-8D4B-8D24-9E860C725A80}" type="datetimeFigureOut">
               <a:rPr lang="fr-FR" smtClean="0"/>
-              <a:t>01/02/2018</a:t>
+              <a:t>05/02/2018</a:t>
             </a:fld>
             <a:endParaRPr lang="fr-FR"/>
           </a:p>
@@ -1540,7 +1540,7 @@
           <a:p>
             <a:fld id="{0E1C6588-574C-564D-9A5F-65E9E31ED340}" type="slidenum">
               <a:rPr lang="fr-FR" smtClean="0"/>
-              <a:t>‹N°›</a:t>
+              <a:t>‹#›</a:t>
             </a:fld>
             <a:endParaRPr lang="fr-FR"/>
           </a:p>
@@ -1663,7 +1663,7 @@
           <a:p>
             <a:fld id="{A8490EA5-CA6F-8D4B-8D24-9E860C725A80}" type="datetimeFigureOut">
               <a:rPr lang="fr-FR" smtClean="0"/>
-              <a:t>01/02/2018</a:t>
+              <a:t>05/02/2018</a:t>
             </a:fld>
             <a:endParaRPr lang="fr-FR"/>
           </a:p>
@@ -1705,7 +1705,7 @@
           <a:p>
             <a:fld id="{0E1C6588-574C-564D-9A5F-65E9E31ED340}" type="slidenum">
               <a:rPr lang="fr-FR" smtClean="0"/>
-              <a:t>‹N°›</a:t>
+              <a:t>‹#›</a:t>
             </a:fld>
             <a:endParaRPr lang="fr-FR"/>
           </a:p>
@@ -1838,7 +1838,7 @@
           <a:p>
             <a:fld id="{A8490EA5-CA6F-8D4B-8D24-9E860C725A80}" type="datetimeFigureOut">
               <a:rPr lang="fr-FR" smtClean="0"/>
-              <a:t>01/02/2018</a:t>
+              <a:t>05/02/2018</a:t>
             </a:fld>
             <a:endParaRPr lang="fr-FR"/>
           </a:p>
@@ -1880,7 +1880,7 @@
           <a:p>
             <a:fld id="{0E1C6588-574C-564D-9A5F-65E9E31ED340}" type="slidenum">
               <a:rPr lang="fr-FR" smtClean="0"/>
-              <a:t>‹N°›</a:t>
+              <a:t>‹#›</a:t>
             </a:fld>
             <a:endParaRPr lang="fr-FR"/>
           </a:p>
@@ -2003,7 +2003,7 @@
           <a:p>
             <a:fld id="{A8490EA5-CA6F-8D4B-8D24-9E860C725A80}" type="datetimeFigureOut">
               <a:rPr lang="fr-FR" smtClean="0"/>
-              <a:t>01/02/2018</a:t>
+              <a:t>05/02/2018</a:t>
             </a:fld>
             <a:endParaRPr lang="fr-FR"/>
           </a:p>
@@ -2045,7 +2045,7 @@
           <a:p>
             <a:fld id="{0E1C6588-574C-564D-9A5F-65E9E31ED340}" type="slidenum">
               <a:rPr lang="fr-FR" smtClean="0"/>
-              <a:t>‹N°›</a:t>
+              <a:t>‹#›</a:t>
             </a:fld>
             <a:endParaRPr lang="fr-FR"/>
           </a:p>
@@ -2242,7 +2242,7 @@
           <a:p>
             <a:fld id="{A8490EA5-CA6F-8D4B-8D24-9E860C725A80}" type="datetimeFigureOut">
               <a:rPr lang="fr-FR" smtClean="0"/>
-              <a:t>01/02/2018</a:t>
+              <a:t>05/02/2018</a:t>
             </a:fld>
             <a:endParaRPr lang="fr-FR"/>
           </a:p>
@@ -2284,7 +2284,7 @@
           <a:p>
             <a:fld id="{0E1C6588-574C-564D-9A5F-65E9E31ED340}" type="slidenum">
               <a:rPr lang="fr-FR" smtClean="0"/>
-              <a:t>‹N°›</a:t>
+              <a:t>‹#›</a:t>
             </a:fld>
             <a:endParaRPr lang="fr-FR"/>
           </a:p>
@@ -2469,7 +2469,7 @@
           <a:p>
             <a:fld id="{A8490EA5-CA6F-8D4B-8D24-9E860C725A80}" type="datetimeFigureOut">
               <a:rPr lang="fr-FR" smtClean="0"/>
-              <a:t>01/02/2018</a:t>
+              <a:t>05/02/2018</a:t>
             </a:fld>
             <a:endParaRPr lang="fr-FR"/>
           </a:p>
@@ -2511,7 +2511,7 @@
           <a:p>
             <a:fld id="{0E1C6588-574C-564D-9A5F-65E9E31ED340}" type="slidenum">
               <a:rPr lang="fr-FR" smtClean="0"/>
-              <a:t>‹N°›</a:t>
+              <a:t>‹#›</a:t>
             </a:fld>
             <a:endParaRPr lang="fr-FR"/>
           </a:p>
@@ -2831,7 +2831,7 @@
           <a:p>
             <a:fld id="{A8490EA5-CA6F-8D4B-8D24-9E860C725A80}" type="datetimeFigureOut">
               <a:rPr lang="fr-FR" smtClean="0"/>
-              <a:t>01/02/2018</a:t>
+              <a:t>05/02/2018</a:t>
             </a:fld>
             <a:endParaRPr lang="fr-FR"/>
           </a:p>
@@ -2873,7 +2873,7 @@
           <a:p>
             <a:fld id="{0E1C6588-574C-564D-9A5F-65E9E31ED340}" type="slidenum">
               <a:rPr lang="fr-FR" smtClean="0"/>
-              <a:t>‹N°›</a:t>
+              <a:t>‹#›</a:t>
             </a:fld>
             <a:endParaRPr lang="fr-FR"/>
           </a:p>
@@ -2944,7 +2944,7 @@
           <a:p>
             <a:fld id="{A8490EA5-CA6F-8D4B-8D24-9E860C725A80}" type="datetimeFigureOut">
               <a:rPr lang="fr-FR" smtClean="0"/>
-              <a:t>01/02/2018</a:t>
+              <a:t>05/02/2018</a:t>
             </a:fld>
             <a:endParaRPr lang="fr-FR"/>
           </a:p>
@@ -2986,7 +2986,7 @@
           <a:p>
             <a:fld id="{0E1C6588-574C-564D-9A5F-65E9E31ED340}" type="slidenum">
               <a:rPr lang="fr-FR" smtClean="0"/>
-              <a:t>‹N°›</a:t>
+              <a:t>‹#›</a:t>
             </a:fld>
             <a:endParaRPr lang="fr-FR"/>
           </a:p>
@@ -3034,7 +3034,7 @@
           <a:p>
             <a:fld id="{A8490EA5-CA6F-8D4B-8D24-9E860C725A80}" type="datetimeFigureOut">
               <a:rPr lang="fr-FR" smtClean="0"/>
-              <a:t>01/02/2018</a:t>
+              <a:t>05/02/2018</a:t>
             </a:fld>
             <a:endParaRPr lang="fr-FR"/>
           </a:p>
@@ -3076,7 +3076,7 @@
           <a:p>
             <a:fld id="{0E1C6588-574C-564D-9A5F-65E9E31ED340}" type="slidenum">
               <a:rPr lang="fr-FR" smtClean="0"/>
-              <a:t>‹N°›</a:t>
+              <a:t>‹#›</a:t>
             </a:fld>
             <a:endParaRPr lang="fr-FR"/>
           </a:p>
@@ -3306,7 +3306,7 @@
           <a:p>
             <a:fld id="{A8490EA5-CA6F-8D4B-8D24-9E860C725A80}" type="datetimeFigureOut">
               <a:rPr lang="fr-FR" smtClean="0"/>
-              <a:t>01/02/2018</a:t>
+              <a:t>05/02/2018</a:t>
             </a:fld>
             <a:endParaRPr lang="fr-FR"/>
           </a:p>
@@ -3348,7 +3348,7 @@
           <a:p>
             <a:fld id="{0E1C6588-574C-564D-9A5F-65E9E31ED340}" type="slidenum">
               <a:rPr lang="fr-FR" smtClean="0"/>
-              <a:t>‹N°›</a:t>
+              <a:t>‹#›</a:t>
             </a:fld>
             <a:endParaRPr lang="fr-FR"/>
           </a:p>
@@ -3558,7 +3558,7 @@
           <a:p>
             <a:fld id="{A8490EA5-CA6F-8D4B-8D24-9E860C725A80}" type="datetimeFigureOut">
               <a:rPr lang="fr-FR" smtClean="0"/>
-              <a:t>01/02/2018</a:t>
+              <a:t>05/02/2018</a:t>
             </a:fld>
             <a:endParaRPr lang="fr-FR"/>
           </a:p>
@@ -3600,7 +3600,7 @@
           <a:p>
             <a:fld id="{0E1C6588-574C-564D-9A5F-65E9E31ED340}" type="slidenum">
               <a:rPr lang="fr-FR" smtClean="0"/>
-              <a:t>‹N°›</a:t>
+              <a:t>‹#›</a:t>
             </a:fld>
             <a:endParaRPr lang="fr-FR"/>
           </a:p>
@@ -3766,7 +3766,7 @@
           <a:p>
             <a:fld id="{A8490EA5-CA6F-8D4B-8D24-9E860C725A80}" type="datetimeFigureOut">
               <a:rPr lang="fr-FR" smtClean="0"/>
-              <a:t>01/02/2018</a:t>
+              <a:t>05/02/2018</a:t>
             </a:fld>
             <a:endParaRPr lang="fr-FR"/>
           </a:p>
@@ -3844,7 +3844,7 @@
           <a:p>
             <a:fld id="{0E1C6588-574C-564D-9A5F-65E9E31ED340}" type="slidenum">
               <a:rPr lang="fr-FR" smtClean="0"/>
-              <a:t>‹N°›</a:t>
+              <a:t>‹#›</a:t>
             </a:fld>
             <a:endParaRPr lang="fr-FR"/>
           </a:p>
@@ -4176,7 +4176,7 @@
           <p:cNvPr id="94" name="TextBox 102">
             <a:extLst>
               <a:ext uri="{FF2B5EF4-FFF2-40B4-BE49-F238E27FC236}">
-                <a16:creationId xmlns:a16="http://schemas.microsoft.com/office/drawing/2014/main" id="{B4547BA0-37B5-4631-8324-ABC068B86951}"/>
+                <a16:creationId xmlns:a16="http://schemas.microsoft.com/office/drawing/2014/main" xmlns="" id="{B4547BA0-37B5-4631-8324-ABC068B86951}"/>
               </a:ext>
             </a:extLst>
           </p:cNvPr>
@@ -4495,8 +4495,8 @@
           </a:p>
         </p:txBody>
       </p:sp>
-      <mc:AlternateContent xmlns:mc="http://schemas.openxmlformats.org/markup-compatibility/2006">
-        <mc:Choice xmlns:a14="http://schemas.microsoft.com/office/drawing/2010/main" Requires="a14">
+      <mc:AlternateContent xmlns:mc="http://schemas.openxmlformats.org/markup-compatibility/2006" xmlns:a14="http://schemas.microsoft.com/office/drawing/2010/main">
+        <mc:Choice Requires="a14">
           <p:sp>
             <p:nvSpPr>
               <p:cNvPr id="27" name="TextBox 19"/>
@@ -4841,7 +4841,7 @@
             </p:txBody>
           </p:sp>
         </mc:Choice>
-        <mc:Fallback>
+        <mc:Fallback xmlns="">
           <p:sp>
             <p:nvSpPr>
               <p:cNvPr id="27" name="TextBox 19"/>
@@ -5936,8 +5936,8 @@
           </p:sp>
         </mc:Fallback>
       </mc:AlternateContent>
-      <mc:AlternateContent xmlns:mc="http://schemas.openxmlformats.org/markup-compatibility/2006">
-        <mc:Choice xmlns:a14="http://schemas.microsoft.com/office/drawing/2010/main" Requires="a14">
+      <mc:AlternateContent xmlns:mc="http://schemas.openxmlformats.org/markup-compatibility/2006" xmlns:a14="http://schemas.microsoft.com/office/drawing/2010/main">
+        <mc:Choice Requires="a14">
           <p:sp>
             <p:nvSpPr>
               <p:cNvPr id="75" name="TextBox 74"/>
@@ -6136,7 +6136,7 @@
             </p:txBody>
           </p:sp>
         </mc:Choice>
-        <mc:Fallback>
+        <mc:Fallback xmlns="">
           <p:sp>
             <p:nvSpPr>
               <p:cNvPr id="75" name="TextBox 74"/>
@@ -6178,8 +6178,8 @@
           </p:sp>
         </mc:Fallback>
       </mc:AlternateContent>
-      <mc:AlternateContent xmlns:mc="http://schemas.openxmlformats.org/markup-compatibility/2006" xmlns:a14="http://schemas.microsoft.com/office/drawing/2010/main">
-        <mc:Choice Requires="a14">
+      <mc:AlternateContent xmlns:mc="http://schemas.openxmlformats.org/markup-compatibility/2006">
+        <mc:Choice xmlns:a14="http://schemas.microsoft.com/office/drawing/2010/main" Requires="a14">
           <p:sp>
             <p:nvSpPr>
               <p:cNvPr id="77" name="TextBox 76"/>
@@ -6189,7 +6189,7 @@
             <p:spPr>
               <a:xfrm>
                 <a:off x="4968313" y="4008665"/>
-                <a:ext cx="697690" cy="172291"/>
+                <a:ext cx="697050" cy="169277"/>
               </a:xfrm>
               <a:prstGeom prst="rect">
                 <a:avLst/>
@@ -6247,7 +6247,7 @@
                           <a:latin typeface="Cambria Math" panose="02040503050406030204" pitchFamily="18" charset="0"/>
                           <a:ea typeface="Cambria Math" panose="02040503050406030204" pitchFamily="18" charset="0"/>
                         </a:rPr>
-                        <m:t>𝑎</m:t>
+                        <m:t>𝑏</m:t>
                       </m:r>
                       <m:sSup>
                         <m:sSupPr>
@@ -6273,7 +6273,7 @@
                               <a:latin typeface="Cambria Math" panose="02040503050406030204" pitchFamily="18" charset="0"/>
                               <a:ea typeface="Cambria Math" panose="02040503050406030204" pitchFamily="18" charset="0"/>
                             </a:rPr>
-                            <m:t>𝑏</m:t>
+                            <m:t>𝑎</m:t>
                           </m:r>
                         </m:sup>
                       </m:sSup>
@@ -6285,7 +6285,7 @@
             </p:txBody>
           </p:sp>
         </mc:Choice>
-        <mc:Fallback xmlns="">
+        <mc:Fallback>
           <p:sp>
             <p:nvSpPr>
               <p:cNvPr id="77" name="TextBox 76"/>
@@ -6297,7 +6297,7 @@
             <p:spPr>
               <a:xfrm>
                 <a:off x="4968313" y="4008665"/>
-                <a:ext cx="697690" cy="172291"/>
+                <a:ext cx="697050" cy="169277"/>
               </a:xfrm>
               <a:prstGeom prst="rect">
                 <a:avLst/>
@@ -6305,7 +6305,7 @@
               <a:blipFill rotWithShape="0">
                 <a:blip r:embed="rId8"/>
                 <a:stretch>
-                  <a:fillRect l="-7018" t="-3571" r="-2632" b="-35714"/>
+                  <a:fillRect l="-7018" r="-1754" b="-40741"/>
                 </a:stretch>
               </a:blipFill>
             </p:spPr>
@@ -6448,8 +6448,8 @@
           </a:p>
         </p:txBody>
       </p:sp>
-      <mc:AlternateContent xmlns:mc="http://schemas.openxmlformats.org/markup-compatibility/2006">
-        <mc:Choice xmlns:a14="http://schemas.microsoft.com/office/drawing/2010/main" Requires="a14">
+      <mc:AlternateContent xmlns:mc="http://schemas.openxmlformats.org/markup-compatibility/2006" xmlns:a14="http://schemas.microsoft.com/office/drawing/2010/main">
+        <mc:Choice Requires="a14">
           <p:sp>
             <p:nvSpPr>
               <p:cNvPr id="31" name="TextBox 30"/>
@@ -6685,7 +6685,7 @@
             </p:txBody>
           </p:sp>
         </mc:Choice>
-        <mc:Fallback>
+        <mc:Fallback xmlns="">
           <p:sp>
             <p:nvSpPr>
               <p:cNvPr id="31" name="TextBox 30"/>
@@ -7037,7 +7037,7 @@
           <p:cNvPr id="49" name="Groupe 48">
             <a:extLst>
               <a:ext uri="{FF2B5EF4-FFF2-40B4-BE49-F238E27FC236}">
-                <a16:creationId xmlns:a16="http://schemas.microsoft.com/office/drawing/2014/main" id="{AB032BDB-2565-4D71-80FD-BE57A68770B4}"/>
+                <a16:creationId xmlns:a16="http://schemas.microsoft.com/office/drawing/2014/main" xmlns="" id="{AB032BDB-2565-4D71-80FD-BE57A68770B4}"/>
               </a:ext>
             </a:extLst>
           </p:cNvPr>
@@ -7059,7 +7059,7 @@
             <p:cNvPr id="50" name="Connecteur droit 49">
               <a:extLst>
                 <a:ext uri="{FF2B5EF4-FFF2-40B4-BE49-F238E27FC236}">
-                  <a16:creationId xmlns:a16="http://schemas.microsoft.com/office/drawing/2014/main" id="{784EAA63-4361-4142-97E1-C243EB3A5FA3}"/>
+                  <a16:creationId xmlns:a16="http://schemas.microsoft.com/office/drawing/2014/main" xmlns="" id="{784EAA63-4361-4142-97E1-C243EB3A5FA3}"/>
                 </a:ext>
               </a:extLst>
             </p:cNvPr>
@@ -7099,7 +7099,7 @@
             <p:cNvPr id="51" name="Connecteur droit 50">
               <a:extLst>
                 <a:ext uri="{FF2B5EF4-FFF2-40B4-BE49-F238E27FC236}">
-                  <a16:creationId xmlns:a16="http://schemas.microsoft.com/office/drawing/2014/main" id="{01A845D8-2CE1-4CB0-BB0D-F7E13F8FA999}"/>
+                  <a16:creationId xmlns:a16="http://schemas.microsoft.com/office/drawing/2014/main" xmlns="" id="{01A845D8-2CE1-4CB0-BB0D-F7E13F8FA999}"/>
                 </a:ext>
               </a:extLst>
             </p:cNvPr>
@@ -7139,7 +7139,7 @@
             <p:cNvPr id="53" name="Connecteur droit 52">
               <a:extLst>
                 <a:ext uri="{FF2B5EF4-FFF2-40B4-BE49-F238E27FC236}">
-                  <a16:creationId xmlns:a16="http://schemas.microsoft.com/office/drawing/2014/main" id="{3E25EF25-8A2A-433B-8E21-A207D639CFFC}"/>
+                  <a16:creationId xmlns:a16="http://schemas.microsoft.com/office/drawing/2014/main" xmlns="" id="{3E25EF25-8A2A-433B-8E21-A207D639CFFC}"/>
                 </a:ext>
               </a:extLst>
             </p:cNvPr>
@@ -7181,7 +7181,7 @@
                 <p:cNvPr id="54" name="ZoneTexte 53">
                   <a:extLst>
                     <a:ext uri="{FF2B5EF4-FFF2-40B4-BE49-F238E27FC236}">
-                      <a16:creationId xmlns:a16="http://schemas.microsoft.com/office/drawing/2014/main" id="{DDFF042B-8AE8-4662-ACB0-73BAC3690636}"/>
+                      <a16:creationId xmlns:a16="http://schemas.microsoft.com/office/drawing/2014/main" xmlns="" id="{DDFF042B-8AE8-4662-ACB0-73BAC3690636}"/>
                     </a:ext>
                   </a:extLst>
                 </p:cNvPr>
@@ -7336,7 +7336,7 @@
                 <p:cNvPr id="55" name="ZoneTexte 54">
                   <a:extLst>
                     <a:ext uri="{FF2B5EF4-FFF2-40B4-BE49-F238E27FC236}">
-                      <a16:creationId xmlns:a16="http://schemas.microsoft.com/office/drawing/2014/main" id="{504D86AE-3572-4429-B2BD-B7A71B9612B0}"/>
+                      <a16:creationId xmlns:a16="http://schemas.microsoft.com/office/drawing/2014/main" xmlns="" id="{504D86AE-3572-4429-B2BD-B7A71B9612B0}"/>
                     </a:ext>
                   </a:extLst>
                 </p:cNvPr>
@@ -7489,7 +7489,7 @@
                 <p:cNvPr id="56" name="ZoneTexte 55">
                   <a:extLst>
                     <a:ext uri="{FF2B5EF4-FFF2-40B4-BE49-F238E27FC236}">
-                      <a16:creationId xmlns:a16="http://schemas.microsoft.com/office/drawing/2014/main" id="{890482B5-BE1A-40CB-B391-AE7C0AD37D2A}"/>
+                      <a16:creationId xmlns:a16="http://schemas.microsoft.com/office/drawing/2014/main" xmlns="" id="{890482B5-BE1A-40CB-B391-AE7C0AD37D2A}"/>
                     </a:ext>
                   </a:extLst>
                 </p:cNvPr>
@@ -7721,7 +7721,7 @@
                 <p:cNvPr id="58" name="ZoneTexte 57">
                   <a:extLst>
                     <a:ext uri="{FF2B5EF4-FFF2-40B4-BE49-F238E27FC236}">
-                      <a16:creationId xmlns:a16="http://schemas.microsoft.com/office/drawing/2014/main" id="{495F5CA5-A3AC-4DA3-B505-37EB48F34ADD}"/>
+                      <a16:creationId xmlns:a16="http://schemas.microsoft.com/office/drawing/2014/main" xmlns="" id="{495F5CA5-A3AC-4DA3-B505-37EB48F34ADD}"/>
                     </a:ext>
                   </a:extLst>
                 </p:cNvPr>
@@ -7953,7 +7953,7 @@
                 <p:cNvPr id="59" name="ZoneTexte 58">
                   <a:extLst>
                     <a:ext uri="{FF2B5EF4-FFF2-40B4-BE49-F238E27FC236}">
-                      <a16:creationId xmlns:a16="http://schemas.microsoft.com/office/drawing/2014/main" id="{7C568E3F-E383-4630-8347-82F234079446}"/>
+                      <a16:creationId xmlns:a16="http://schemas.microsoft.com/office/drawing/2014/main" xmlns="" id="{7C568E3F-E383-4630-8347-82F234079446}"/>
                     </a:ext>
                   </a:extLst>
                 </p:cNvPr>
@@ -8104,7 +8104,7 @@
             <p:cNvPr id="63" name="ZoneTexte 62">
               <a:extLst>
                 <a:ext uri="{FF2B5EF4-FFF2-40B4-BE49-F238E27FC236}">
-                  <a16:creationId xmlns:a16="http://schemas.microsoft.com/office/drawing/2014/main" id="{720A9898-D6EC-4B99-A522-FEE81F1DB4AE}"/>
+                  <a16:creationId xmlns:a16="http://schemas.microsoft.com/office/drawing/2014/main" xmlns="" id="{720A9898-D6EC-4B99-A522-FEE81F1DB4AE}"/>
                 </a:ext>
               </a:extLst>
             </p:cNvPr>
@@ -8139,7 +8139,7 @@
             <p:cNvPr id="64" name="ZoneTexte 63">
               <a:extLst>
                 <a:ext uri="{FF2B5EF4-FFF2-40B4-BE49-F238E27FC236}">
-                  <a16:creationId xmlns:a16="http://schemas.microsoft.com/office/drawing/2014/main" id="{7C942E7D-B77D-47D1-B5D8-0A2A677B301A}"/>
+                  <a16:creationId xmlns:a16="http://schemas.microsoft.com/office/drawing/2014/main" xmlns="" id="{7C942E7D-B77D-47D1-B5D8-0A2A677B301A}"/>
                 </a:ext>
               </a:extLst>
             </p:cNvPr>
@@ -8181,7 +8181,7 @@
             <p:cNvPr id="70" name="ZoneTexte 69">
               <a:extLst>
                 <a:ext uri="{FF2B5EF4-FFF2-40B4-BE49-F238E27FC236}">
-                  <a16:creationId xmlns:a16="http://schemas.microsoft.com/office/drawing/2014/main" id="{DF191EE8-4069-4050-937E-AA2F95551182}"/>
+                  <a16:creationId xmlns:a16="http://schemas.microsoft.com/office/drawing/2014/main" xmlns="" id="{DF191EE8-4069-4050-937E-AA2F95551182}"/>
                 </a:ext>
               </a:extLst>
             </p:cNvPr>
@@ -8221,8 +8221,8 @@
           </p:txBody>
         </p:sp>
       </p:grpSp>
-      <mc:AlternateContent xmlns:mc="http://schemas.openxmlformats.org/markup-compatibility/2006">
-        <mc:Choice xmlns:a14="http://schemas.microsoft.com/office/drawing/2010/main" Requires="a14">
+      <mc:AlternateContent xmlns:mc="http://schemas.openxmlformats.org/markup-compatibility/2006" xmlns:a14="http://schemas.microsoft.com/office/drawing/2010/main">
+        <mc:Choice Requires="a14">
           <p:sp>
             <p:nvSpPr>
               <p:cNvPr id="74" name="TextBox 73"/>
@@ -8538,7 +8538,7 @@
             </p:txBody>
           </p:sp>
         </mc:Choice>
-        <mc:Fallback>
+        <mc:Fallback xmlns="">
           <p:sp>
             <p:nvSpPr>
               <p:cNvPr id="74" name="TextBox 73"/>
@@ -8709,7 +8709,7 @@
               <p:cNvPr id="98" name="ZoneTexte 58">
                 <a:extLst>
                   <a:ext uri="{FF2B5EF4-FFF2-40B4-BE49-F238E27FC236}">
-                    <a16:creationId xmlns:a16="http://schemas.microsoft.com/office/drawing/2014/main" id="{7C568E3F-E383-4630-8347-82F234079446}"/>
+                    <a16:creationId xmlns:a16="http://schemas.microsoft.com/office/drawing/2014/main" xmlns="" id="{7C568E3F-E383-4630-8347-82F234079446}"/>
                   </a:ext>
                 </a:extLst>
               </p:cNvPr>
@@ -8860,7 +8860,7 @@
           <p:cNvPr id="78" name="Groupe 70">
             <a:extLst>
               <a:ext uri="{FF2B5EF4-FFF2-40B4-BE49-F238E27FC236}">
-                <a16:creationId xmlns:a16="http://schemas.microsoft.com/office/drawing/2014/main" id="{89D7123B-40C2-4AB2-81C3-610E9E09B9B6}"/>
+                <a16:creationId xmlns:a16="http://schemas.microsoft.com/office/drawing/2014/main" xmlns="" id="{89D7123B-40C2-4AB2-81C3-610E9E09B9B6}"/>
               </a:ext>
             </a:extLst>
           </p:cNvPr>
@@ -8882,7 +8882,7 @@
             <p:cNvPr id="79" name="Image 73">
               <a:extLst>
                 <a:ext uri="{FF2B5EF4-FFF2-40B4-BE49-F238E27FC236}">
-                  <a16:creationId xmlns:a16="http://schemas.microsoft.com/office/drawing/2014/main" id="{CDD56593-C067-4548-A7E2-B7A0CE54F7B1}"/>
+                  <a16:creationId xmlns:a16="http://schemas.microsoft.com/office/drawing/2014/main" xmlns="" id="{CDD56593-C067-4548-A7E2-B7A0CE54F7B1}"/>
                 </a:ext>
               </a:extLst>
             </p:cNvPr>
@@ -8911,7 +8911,7 @@
             <p:cNvPr id="80" name="ZoneTexte 75">
               <a:extLst>
                 <a:ext uri="{FF2B5EF4-FFF2-40B4-BE49-F238E27FC236}">
-                  <a16:creationId xmlns:a16="http://schemas.microsoft.com/office/drawing/2014/main" id="{8331F92D-6EBC-4F51-AAC3-9562A470C88F}"/>
+                  <a16:creationId xmlns:a16="http://schemas.microsoft.com/office/drawing/2014/main" xmlns="" id="{8331F92D-6EBC-4F51-AAC3-9562A470C88F}"/>
                 </a:ext>
               </a:extLst>
             </p:cNvPr>
@@ -8948,7 +8948,7 @@
             <p:cNvPr id="81" name="ZoneTexte 77">
               <a:extLst>
                 <a:ext uri="{FF2B5EF4-FFF2-40B4-BE49-F238E27FC236}">
-                  <a16:creationId xmlns:a16="http://schemas.microsoft.com/office/drawing/2014/main" id="{4AB29D26-7DD5-4F26-99D4-729E985C7009}"/>
+                  <a16:creationId xmlns:a16="http://schemas.microsoft.com/office/drawing/2014/main" xmlns="" id="{4AB29D26-7DD5-4F26-99D4-729E985C7009}"/>
                 </a:ext>
               </a:extLst>
             </p:cNvPr>
@@ -8984,7 +8984,7 @@
             <p:cNvPr id="82" name="ZoneTexte 78">
               <a:extLst>
                 <a:ext uri="{FF2B5EF4-FFF2-40B4-BE49-F238E27FC236}">
-                  <a16:creationId xmlns:a16="http://schemas.microsoft.com/office/drawing/2014/main" id="{10E8733F-9F09-4523-907B-142759F66B5D}"/>
+                  <a16:creationId xmlns:a16="http://schemas.microsoft.com/office/drawing/2014/main" xmlns="" id="{10E8733F-9F09-4523-907B-142759F66B5D}"/>
                 </a:ext>
               </a:extLst>
             </p:cNvPr>
@@ -9020,7 +9020,7 @@
             <p:cNvPr id="84" name="ZoneTexte 79">
               <a:extLst>
                 <a:ext uri="{FF2B5EF4-FFF2-40B4-BE49-F238E27FC236}">
-                  <a16:creationId xmlns:a16="http://schemas.microsoft.com/office/drawing/2014/main" id="{F8634C25-5090-4FF2-A745-1B943F3EF1A1}"/>
+                  <a16:creationId xmlns:a16="http://schemas.microsoft.com/office/drawing/2014/main" xmlns="" id="{F8634C25-5090-4FF2-A745-1B943F3EF1A1}"/>
                 </a:ext>
               </a:extLst>
             </p:cNvPr>
@@ -9056,7 +9056,7 @@
             <p:cNvPr id="86" name="ZoneTexte 80">
               <a:extLst>
                 <a:ext uri="{FF2B5EF4-FFF2-40B4-BE49-F238E27FC236}">
-                  <a16:creationId xmlns:a16="http://schemas.microsoft.com/office/drawing/2014/main" id="{8B9E6203-EC83-4C92-A511-98A74A6AB22F}"/>
+                  <a16:creationId xmlns:a16="http://schemas.microsoft.com/office/drawing/2014/main" xmlns="" id="{8B9E6203-EC83-4C92-A511-98A74A6AB22F}"/>
                 </a:ext>
               </a:extLst>
             </p:cNvPr>
@@ -9092,7 +9092,7 @@
             <p:cNvPr id="87" name="ZoneTexte 81">
               <a:extLst>
                 <a:ext uri="{FF2B5EF4-FFF2-40B4-BE49-F238E27FC236}">
-                  <a16:creationId xmlns:a16="http://schemas.microsoft.com/office/drawing/2014/main" id="{0B79BBC5-3700-45BC-8FB1-8CE2294000B3}"/>
+                  <a16:creationId xmlns:a16="http://schemas.microsoft.com/office/drawing/2014/main" xmlns="" id="{0B79BBC5-3700-45BC-8FB1-8CE2294000B3}"/>
                 </a:ext>
               </a:extLst>
             </p:cNvPr>
@@ -9128,7 +9128,7 @@
             <p:cNvPr id="90" name="ZoneTexte 83">
               <a:extLst>
                 <a:ext uri="{FF2B5EF4-FFF2-40B4-BE49-F238E27FC236}">
-                  <a16:creationId xmlns:a16="http://schemas.microsoft.com/office/drawing/2014/main" id="{D95FD43E-1041-4EBA-A4FD-B6C4F1A346DB}"/>
+                  <a16:creationId xmlns:a16="http://schemas.microsoft.com/office/drawing/2014/main" xmlns="" id="{D95FD43E-1041-4EBA-A4FD-B6C4F1A346DB}"/>
                 </a:ext>
               </a:extLst>
             </p:cNvPr>
@@ -9164,7 +9164,7 @@
             <p:cNvPr id="91" name="ZoneTexte 85">
               <a:extLst>
                 <a:ext uri="{FF2B5EF4-FFF2-40B4-BE49-F238E27FC236}">
-                  <a16:creationId xmlns:a16="http://schemas.microsoft.com/office/drawing/2014/main" id="{42DA62B9-4652-4A32-A896-64D54F3DF898}"/>
+                  <a16:creationId xmlns:a16="http://schemas.microsoft.com/office/drawing/2014/main" xmlns="" id="{42DA62B9-4652-4A32-A896-64D54F3DF898}"/>
                 </a:ext>
               </a:extLst>
             </p:cNvPr>
@@ -9203,7 +9203,7 @@
             <p:cNvPr id="92" name="ZoneTexte 86">
               <a:extLst>
                 <a:ext uri="{FF2B5EF4-FFF2-40B4-BE49-F238E27FC236}">
-                  <a16:creationId xmlns:a16="http://schemas.microsoft.com/office/drawing/2014/main" id="{282CF59A-1439-494C-B953-0B3245AF0C30}"/>
+                  <a16:creationId xmlns:a16="http://schemas.microsoft.com/office/drawing/2014/main" xmlns="" id="{282CF59A-1439-494C-B953-0B3245AF0C30}"/>
                 </a:ext>
               </a:extLst>
             </p:cNvPr>
@@ -9493,7 +9493,7 @@
           <p:cNvPr id="104" name="Graphique 89">
             <a:extLst>
               <a:ext uri="{FF2B5EF4-FFF2-40B4-BE49-F238E27FC236}">
-                <a16:creationId xmlns:a16="http://schemas.microsoft.com/office/drawing/2014/main" id="{D3B652C3-C9FF-4BEF-9269-B04D2F61FEAC}"/>
+                <a16:creationId xmlns:a16="http://schemas.microsoft.com/office/drawing/2014/main" xmlns="" id="{D3B652C3-C9FF-4BEF-9269-B04D2F61FEAC}"/>
               </a:ext>
             </a:extLst>
           </p:cNvPr>
@@ -9553,8 +9553,8 @@
           </a:p>
         </p:txBody>
       </p:sp>
-      <mc:AlternateContent xmlns:mc="http://schemas.openxmlformats.org/markup-compatibility/2006">
-        <mc:Choice xmlns:a14="http://schemas.microsoft.com/office/drawing/2010/main" Requires="a14">
+      <mc:AlternateContent xmlns:mc="http://schemas.openxmlformats.org/markup-compatibility/2006" xmlns:a14="http://schemas.microsoft.com/office/drawing/2010/main">
+        <mc:Choice Requires="a14">
           <p:sp>
             <p:nvSpPr>
               <p:cNvPr id="110" name="TextBox 109"/>
@@ -9720,7 +9720,7 @@
             </p:txBody>
           </p:sp>
         </mc:Choice>
-        <mc:Fallback>
+        <mc:Fallback xmlns="">
           <p:sp>
             <p:nvSpPr>
               <p:cNvPr id="110" name="TextBox 109"/>
@@ -9974,7 +9974,7 @@
           <p:cNvPr id="113" name="Groupe 37">
             <a:extLst>
               <a:ext uri="{FF2B5EF4-FFF2-40B4-BE49-F238E27FC236}">
-                <a16:creationId xmlns:a16="http://schemas.microsoft.com/office/drawing/2014/main" id="{2E3EBB30-0B91-497F-AF84-F2AA11CA7282}"/>
+                <a16:creationId xmlns:a16="http://schemas.microsoft.com/office/drawing/2014/main" xmlns="" id="{2E3EBB30-0B91-497F-AF84-F2AA11CA7282}"/>
               </a:ext>
             </a:extLst>
           </p:cNvPr>
@@ -9996,7 +9996,7 @@
             <p:cNvPr id="114" name="Image 39">
               <a:extLst>
                 <a:ext uri="{FF2B5EF4-FFF2-40B4-BE49-F238E27FC236}">
-                  <a16:creationId xmlns:a16="http://schemas.microsoft.com/office/drawing/2014/main" id="{3E8B0AF2-C6D7-4657-83BB-9BA480CD4BE1}"/>
+                  <a16:creationId xmlns:a16="http://schemas.microsoft.com/office/drawing/2014/main" xmlns="" id="{3E8B0AF2-C6D7-4657-83BB-9BA480CD4BE1}"/>
                 </a:ext>
               </a:extLst>
             </p:cNvPr>
@@ -10025,7 +10025,7 @@
             <p:cNvPr id="115" name="Accolade fermante 40">
               <a:extLst>
                 <a:ext uri="{FF2B5EF4-FFF2-40B4-BE49-F238E27FC236}">
-                  <a16:creationId xmlns:a16="http://schemas.microsoft.com/office/drawing/2014/main" id="{939B1627-0915-435F-A777-4608ED76D847}"/>
+                  <a16:creationId xmlns:a16="http://schemas.microsoft.com/office/drawing/2014/main" xmlns="" id="{939B1627-0915-435F-A777-4608ED76D847}"/>
                 </a:ext>
               </a:extLst>
             </p:cNvPr>
@@ -10069,7 +10069,7 @@
             <p:cNvPr id="116" name="Accolade fermante 41">
               <a:extLst>
                 <a:ext uri="{FF2B5EF4-FFF2-40B4-BE49-F238E27FC236}">
-                  <a16:creationId xmlns:a16="http://schemas.microsoft.com/office/drawing/2014/main" id="{4B6163BE-EFA6-4C31-9443-38808280EE31}"/>
+                  <a16:creationId xmlns:a16="http://schemas.microsoft.com/office/drawing/2014/main" xmlns="" id="{4B6163BE-EFA6-4C31-9443-38808280EE31}"/>
                 </a:ext>
               </a:extLst>
             </p:cNvPr>
@@ -10113,7 +10113,7 @@
             <p:cNvPr id="118" name="ZoneTexte 42">
               <a:extLst>
                 <a:ext uri="{FF2B5EF4-FFF2-40B4-BE49-F238E27FC236}">
-                  <a16:creationId xmlns:a16="http://schemas.microsoft.com/office/drawing/2014/main" id="{E2002905-8B78-466E-B32D-ECBA62B7412C}"/>
+                  <a16:creationId xmlns:a16="http://schemas.microsoft.com/office/drawing/2014/main" xmlns="" id="{E2002905-8B78-466E-B32D-ECBA62B7412C}"/>
                 </a:ext>
               </a:extLst>
             </p:cNvPr>
@@ -10156,7 +10156,7 @@
             <p:cNvPr id="119" name="ZoneTexte 43">
               <a:extLst>
                 <a:ext uri="{FF2B5EF4-FFF2-40B4-BE49-F238E27FC236}">
-                  <a16:creationId xmlns:a16="http://schemas.microsoft.com/office/drawing/2014/main" id="{93FD8743-B99C-40BE-A31B-0E02A7191D2A}"/>
+                  <a16:creationId xmlns:a16="http://schemas.microsoft.com/office/drawing/2014/main" xmlns="" id="{93FD8743-B99C-40BE-A31B-0E02A7191D2A}"/>
                 </a:ext>
               </a:extLst>
             </p:cNvPr>
@@ -10195,7 +10195,7 @@
             <p:cNvPr id="120" name="Accolade ouvrante 44">
               <a:extLst>
                 <a:ext uri="{FF2B5EF4-FFF2-40B4-BE49-F238E27FC236}">
-                  <a16:creationId xmlns:a16="http://schemas.microsoft.com/office/drawing/2014/main" id="{A14E7EAD-FE17-465F-A474-EBAB7D313B1F}"/>
+                  <a16:creationId xmlns:a16="http://schemas.microsoft.com/office/drawing/2014/main" xmlns="" id="{A14E7EAD-FE17-465F-A474-EBAB7D313B1F}"/>
                 </a:ext>
               </a:extLst>
             </p:cNvPr>
@@ -10239,7 +10239,7 @@
             <p:cNvPr id="121" name="Accolade ouvrante 45">
               <a:extLst>
                 <a:ext uri="{FF2B5EF4-FFF2-40B4-BE49-F238E27FC236}">
-                  <a16:creationId xmlns:a16="http://schemas.microsoft.com/office/drawing/2014/main" id="{A95AC5A2-7C68-456D-B2E7-66DEBD65B54D}"/>
+                  <a16:creationId xmlns:a16="http://schemas.microsoft.com/office/drawing/2014/main" xmlns="" id="{A95AC5A2-7C68-456D-B2E7-66DEBD65B54D}"/>
                 </a:ext>
               </a:extLst>
             </p:cNvPr>
@@ -10283,7 +10283,7 @@
             <p:cNvPr id="122" name="ZoneTexte 46">
               <a:extLst>
                 <a:ext uri="{FF2B5EF4-FFF2-40B4-BE49-F238E27FC236}">
-                  <a16:creationId xmlns:a16="http://schemas.microsoft.com/office/drawing/2014/main" id="{DA00F894-CC19-4F4B-8F01-2BF648AE28F7}"/>
+                  <a16:creationId xmlns:a16="http://schemas.microsoft.com/office/drawing/2014/main" xmlns="" id="{DA00F894-CC19-4F4B-8F01-2BF648AE28F7}"/>
                 </a:ext>
               </a:extLst>
             </p:cNvPr>
@@ -10322,7 +10322,7 @@
             <p:cNvPr id="123" name="ZoneTexte 47">
               <a:extLst>
                 <a:ext uri="{FF2B5EF4-FFF2-40B4-BE49-F238E27FC236}">
-                  <a16:creationId xmlns:a16="http://schemas.microsoft.com/office/drawing/2014/main" id="{04C70B37-4FAC-49C7-81AE-E8C65E878619}"/>
+                  <a16:creationId xmlns:a16="http://schemas.microsoft.com/office/drawing/2014/main" xmlns="" id="{04C70B37-4FAC-49C7-81AE-E8C65E878619}"/>
                 </a:ext>
               </a:extLst>
             </p:cNvPr>
@@ -10392,7 +10392,7 @@
           <p:cNvPr id="157" name="Groupe 156">
             <a:extLst>
               <a:ext uri="{FF2B5EF4-FFF2-40B4-BE49-F238E27FC236}">
-                <a16:creationId xmlns:a16="http://schemas.microsoft.com/office/drawing/2014/main" id="{BC1F56CF-1EEC-4286-8995-17B3BD5EA421}"/>
+                <a16:creationId xmlns:a16="http://schemas.microsoft.com/office/drawing/2014/main" xmlns="" id="{BC1F56CF-1EEC-4286-8995-17B3BD5EA421}"/>
               </a:ext>
             </a:extLst>
           </p:cNvPr>
@@ -10414,7 +10414,7 @@
             <p:cNvPr id="158" name="Groupe 157">
               <a:extLst>
                 <a:ext uri="{FF2B5EF4-FFF2-40B4-BE49-F238E27FC236}">
-                  <a16:creationId xmlns:a16="http://schemas.microsoft.com/office/drawing/2014/main" id="{428512D3-C90C-4FB6-AB38-C3FCDAFBAA8E}"/>
+                  <a16:creationId xmlns:a16="http://schemas.microsoft.com/office/drawing/2014/main" xmlns="" id="{428512D3-C90C-4FB6-AB38-C3FCDAFBAA8E}"/>
                 </a:ext>
               </a:extLst>
             </p:cNvPr>
@@ -10436,7 +10436,7 @@
                   <p:cNvPr id="176" name="ZoneTexte 175">
                     <a:extLst>
                       <a:ext uri="{FF2B5EF4-FFF2-40B4-BE49-F238E27FC236}">
-                        <a16:creationId xmlns:a16="http://schemas.microsoft.com/office/drawing/2014/main" id="{BDD5A742-83E1-4E92-8D3F-3C397E4F9AB3}"/>
+                        <a16:creationId xmlns:a16="http://schemas.microsoft.com/office/drawing/2014/main" xmlns="" id="{BDD5A742-83E1-4E92-8D3F-3C397E4F9AB3}"/>
                       </a:ext>
                     </a:extLst>
                   </p:cNvPr>
@@ -10574,7 +10574,7 @@
                   <p:cNvPr id="177" name="ZoneTexte 176">
                     <a:extLst>
                       <a:ext uri="{FF2B5EF4-FFF2-40B4-BE49-F238E27FC236}">
-                        <a16:creationId xmlns:a16="http://schemas.microsoft.com/office/drawing/2014/main" id="{3D846339-D2A4-4A22-B111-D6F70C2C6CEF}"/>
+                        <a16:creationId xmlns:a16="http://schemas.microsoft.com/office/drawing/2014/main" xmlns="" id="{3D846339-D2A4-4A22-B111-D6F70C2C6CEF}"/>
                       </a:ext>
                     </a:extLst>
                   </p:cNvPr>
@@ -10712,7 +10712,7 @@
                   <p:cNvPr id="178" name="ZoneTexte 177">
                     <a:extLst>
                       <a:ext uri="{FF2B5EF4-FFF2-40B4-BE49-F238E27FC236}">
-                        <a16:creationId xmlns:a16="http://schemas.microsoft.com/office/drawing/2014/main" id="{D95D3851-08B9-4602-81BE-5374A4D5B67F}"/>
+                        <a16:creationId xmlns:a16="http://schemas.microsoft.com/office/drawing/2014/main" xmlns="" id="{D95D3851-08B9-4602-81BE-5374A4D5B67F}"/>
                       </a:ext>
                     </a:extLst>
                   </p:cNvPr>
@@ -10850,7 +10850,7 @@
                   <p:cNvPr id="179" name="ZoneTexte 178">
                     <a:extLst>
                       <a:ext uri="{FF2B5EF4-FFF2-40B4-BE49-F238E27FC236}">
-                        <a16:creationId xmlns:a16="http://schemas.microsoft.com/office/drawing/2014/main" id="{50EB7433-8E39-4C81-9C3B-F2C25BF13985}"/>
+                        <a16:creationId xmlns:a16="http://schemas.microsoft.com/office/drawing/2014/main" xmlns="" id="{50EB7433-8E39-4C81-9C3B-F2C25BF13985}"/>
                       </a:ext>
                     </a:extLst>
                   </p:cNvPr>
@@ -10986,7 +10986,7 @@
               <p:cNvPr id="180" name="Groupe 179">
                 <a:extLst>
                   <a:ext uri="{FF2B5EF4-FFF2-40B4-BE49-F238E27FC236}">
-                    <a16:creationId xmlns:a16="http://schemas.microsoft.com/office/drawing/2014/main" id="{3AF1CDA2-7F8A-4FFE-9603-3946DFBE35F2}"/>
+                    <a16:creationId xmlns:a16="http://schemas.microsoft.com/office/drawing/2014/main" xmlns="" id="{3AF1CDA2-7F8A-4FFE-9603-3946DFBE35F2}"/>
                   </a:ext>
                 </a:extLst>
               </p:cNvPr>
@@ -11006,7 +11006,7 @@
                 <p:cNvPr id="196" name="Forme libre : forme 195">
                   <a:extLst>
                     <a:ext uri="{FF2B5EF4-FFF2-40B4-BE49-F238E27FC236}">
-                      <a16:creationId xmlns:a16="http://schemas.microsoft.com/office/drawing/2014/main" id="{B26D69A5-E16F-48CC-89E9-59DD92D1EADB}"/>
+                      <a16:creationId xmlns:a16="http://schemas.microsoft.com/office/drawing/2014/main" xmlns="" id="{B26D69A5-E16F-48CC-89E9-59DD92D1EADB}"/>
                     </a:ext>
                   </a:extLst>
                 </p:cNvPr>
@@ -11091,7 +11091,7 @@
                 <p:cNvPr id="197" name="Connecteur droit avec flèche 196">
                   <a:extLst>
                     <a:ext uri="{FF2B5EF4-FFF2-40B4-BE49-F238E27FC236}">
-                      <a16:creationId xmlns:a16="http://schemas.microsoft.com/office/drawing/2014/main" id="{0CD60577-A4D3-4F26-8787-7FA1AA3F3120}"/>
+                      <a16:creationId xmlns:a16="http://schemas.microsoft.com/office/drawing/2014/main" xmlns="" id="{0CD60577-A4D3-4F26-8787-7FA1AA3F3120}"/>
                     </a:ext>
                   </a:extLst>
                 </p:cNvPr>
@@ -11133,7 +11133,7 @@
               <p:cNvPr id="181" name="Groupe 180">
                 <a:extLst>
                   <a:ext uri="{FF2B5EF4-FFF2-40B4-BE49-F238E27FC236}">
-                    <a16:creationId xmlns:a16="http://schemas.microsoft.com/office/drawing/2014/main" id="{A72AD089-F435-4C1C-94B0-5B1DB77745D5}"/>
+                    <a16:creationId xmlns:a16="http://schemas.microsoft.com/office/drawing/2014/main" xmlns="" id="{A72AD089-F435-4C1C-94B0-5B1DB77745D5}"/>
                   </a:ext>
                 </a:extLst>
               </p:cNvPr>
@@ -11153,7 +11153,7 @@
                 <p:cNvPr id="194" name="Forme libre : forme 193">
                   <a:extLst>
                     <a:ext uri="{FF2B5EF4-FFF2-40B4-BE49-F238E27FC236}">
-                      <a16:creationId xmlns:a16="http://schemas.microsoft.com/office/drawing/2014/main" id="{E76C2658-704C-484D-B512-277D4BAB7E81}"/>
+                      <a16:creationId xmlns:a16="http://schemas.microsoft.com/office/drawing/2014/main" xmlns="" id="{E76C2658-704C-484D-B512-277D4BAB7E81}"/>
                     </a:ext>
                   </a:extLst>
                 </p:cNvPr>
@@ -11238,7 +11238,7 @@
                 <p:cNvPr id="195" name="Connecteur droit avec flèche 194">
                   <a:extLst>
                     <a:ext uri="{FF2B5EF4-FFF2-40B4-BE49-F238E27FC236}">
-                      <a16:creationId xmlns:a16="http://schemas.microsoft.com/office/drawing/2014/main" id="{DD9434F0-63A7-45EA-83CA-499438006B8F}"/>
+                      <a16:creationId xmlns:a16="http://schemas.microsoft.com/office/drawing/2014/main" xmlns="" id="{DD9434F0-63A7-45EA-83CA-499438006B8F}"/>
                     </a:ext>
                   </a:extLst>
                 </p:cNvPr>
@@ -11280,7 +11280,7 @@
               <p:cNvPr id="182" name="Groupe 181">
                 <a:extLst>
                   <a:ext uri="{FF2B5EF4-FFF2-40B4-BE49-F238E27FC236}">
-                    <a16:creationId xmlns:a16="http://schemas.microsoft.com/office/drawing/2014/main" id="{1E1206C1-856D-4BAC-9F08-C86A385C453B}"/>
+                    <a16:creationId xmlns:a16="http://schemas.microsoft.com/office/drawing/2014/main" xmlns="" id="{1E1206C1-856D-4BAC-9F08-C86A385C453B}"/>
                   </a:ext>
                 </a:extLst>
               </p:cNvPr>
@@ -11300,7 +11300,7 @@
                 <p:cNvPr id="192" name="Forme libre : forme 191">
                   <a:extLst>
                     <a:ext uri="{FF2B5EF4-FFF2-40B4-BE49-F238E27FC236}">
-                      <a16:creationId xmlns:a16="http://schemas.microsoft.com/office/drawing/2014/main" id="{87EBE6BA-9FA6-482F-A4DD-65961C58CBF6}"/>
+                      <a16:creationId xmlns:a16="http://schemas.microsoft.com/office/drawing/2014/main" xmlns="" id="{87EBE6BA-9FA6-482F-A4DD-65961C58CBF6}"/>
                     </a:ext>
                   </a:extLst>
                 </p:cNvPr>
@@ -11385,7 +11385,7 @@
                 <p:cNvPr id="193" name="Connecteur droit avec flèche 192">
                   <a:extLst>
                     <a:ext uri="{FF2B5EF4-FFF2-40B4-BE49-F238E27FC236}">
-                      <a16:creationId xmlns:a16="http://schemas.microsoft.com/office/drawing/2014/main" id="{9C625A16-024C-402C-A14E-00CC1C72C156}"/>
+                      <a16:creationId xmlns:a16="http://schemas.microsoft.com/office/drawing/2014/main" xmlns="" id="{9C625A16-024C-402C-A14E-00CC1C72C156}"/>
                     </a:ext>
                   </a:extLst>
                 </p:cNvPr>
@@ -11427,7 +11427,7 @@
               <p:cNvPr id="183" name="Groupe 182">
                 <a:extLst>
                   <a:ext uri="{FF2B5EF4-FFF2-40B4-BE49-F238E27FC236}">
-                    <a16:creationId xmlns:a16="http://schemas.microsoft.com/office/drawing/2014/main" id="{38CB0DD7-198B-496B-971F-60231FA5237A}"/>
+                    <a16:creationId xmlns:a16="http://schemas.microsoft.com/office/drawing/2014/main" xmlns="" id="{38CB0DD7-198B-496B-971F-60231FA5237A}"/>
                   </a:ext>
                 </a:extLst>
               </p:cNvPr>
@@ -11447,7 +11447,7 @@
                 <p:cNvPr id="190" name="Forme libre : forme 189">
                   <a:extLst>
                     <a:ext uri="{FF2B5EF4-FFF2-40B4-BE49-F238E27FC236}">
-                      <a16:creationId xmlns:a16="http://schemas.microsoft.com/office/drawing/2014/main" id="{244AFC75-5385-4F16-8831-B5597B211E39}"/>
+                      <a16:creationId xmlns:a16="http://schemas.microsoft.com/office/drawing/2014/main" xmlns="" id="{244AFC75-5385-4F16-8831-B5597B211E39}"/>
                     </a:ext>
                   </a:extLst>
                 </p:cNvPr>
@@ -11532,7 +11532,7 @@
                 <p:cNvPr id="191" name="Connecteur droit avec flèche 190">
                   <a:extLst>
                     <a:ext uri="{FF2B5EF4-FFF2-40B4-BE49-F238E27FC236}">
-                      <a16:creationId xmlns:a16="http://schemas.microsoft.com/office/drawing/2014/main" id="{15F93B16-6426-4959-A0FB-28EC439DD2C8}"/>
+                      <a16:creationId xmlns:a16="http://schemas.microsoft.com/office/drawing/2014/main" xmlns="" id="{15F93B16-6426-4959-A0FB-28EC439DD2C8}"/>
                     </a:ext>
                   </a:extLst>
                 </p:cNvPr>
@@ -11574,7 +11574,7 @@
               <p:cNvPr id="184" name="Groupe 183">
                 <a:extLst>
                   <a:ext uri="{FF2B5EF4-FFF2-40B4-BE49-F238E27FC236}">
-                    <a16:creationId xmlns:a16="http://schemas.microsoft.com/office/drawing/2014/main" id="{526A49B2-F6A8-4284-962D-154CC1F1767D}"/>
+                    <a16:creationId xmlns:a16="http://schemas.microsoft.com/office/drawing/2014/main" xmlns="" id="{526A49B2-F6A8-4284-962D-154CC1F1767D}"/>
                   </a:ext>
                 </a:extLst>
               </p:cNvPr>
@@ -11594,7 +11594,7 @@
                 <p:cNvPr id="188" name="Forme libre : forme 187">
                   <a:extLst>
                     <a:ext uri="{FF2B5EF4-FFF2-40B4-BE49-F238E27FC236}">
-                      <a16:creationId xmlns:a16="http://schemas.microsoft.com/office/drawing/2014/main" id="{DA708B19-1947-434F-80C2-B45A8A565D43}"/>
+                      <a16:creationId xmlns:a16="http://schemas.microsoft.com/office/drawing/2014/main" xmlns="" id="{DA708B19-1947-434F-80C2-B45A8A565D43}"/>
                     </a:ext>
                   </a:extLst>
                 </p:cNvPr>
@@ -11679,7 +11679,7 @@
                 <p:cNvPr id="189" name="Connecteur droit avec flèche 188">
                   <a:extLst>
                     <a:ext uri="{FF2B5EF4-FFF2-40B4-BE49-F238E27FC236}">
-                      <a16:creationId xmlns:a16="http://schemas.microsoft.com/office/drawing/2014/main" id="{4AA2B17A-8649-4837-80C9-D825A54E7730}"/>
+                      <a16:creationId xmlns:a16="http://schemas.microsoft.com/office/drawing/2014/main" xmlns="" id="{4AA2B17A-8649-4837-80C9-D825A54E7730}"/>
                     </a:ext>
                   </a:extLst>
                 </p:cNvPr>
@@ -11721,7 +11721,7 @@
               <p:cNvPr id="185" name="Groupe 184">
                 <a:extLst>
                   <a:ext uri="{FF2B5EF4-FFF2-40B4-BE49-F238E27FC236}">
-                    <a16:creationId xmlns:a16="http://schemas.microsoft.com/office/drawing/2014/main" id="{86AB3A9E-99D9-4F05-89C8-03C49DAA53CA}"/>
+                    <a16:creationId xmlns:a16="http://schemas.microsoft.com/office/drawing/2014/main" xmlns="" id="{86AB3A9E-99D9-4F05-89C8-03C49DAA53CA}"/>
                   </a:ext>
                 </a:extLst>
               </p:cNvPr>
@@ -11741,7 +11741,7 @@
                 <p:cNvPr id="186" name="Forme libre : forme 185">
                   <a:extLst>
                     <a:ext uri="{FF2B5EF4-FFF2-40B4-BE49-F238E27FC236}">
-                      <a16:creationId xmlns:a16="http://schemas.microsoft.com/office/drawing/2014/main" id="{72A15036-64F3-45CE-B769-F91421F674CB}"/>
+                      <a16:creationId xmlns:a16="http://schemas.microsoft.com/office/drawing/2014/main" xmlns="" id="{72A15036-64F3-45CE-B769-F91421F674CB}"/>
                     </a:ext>
                   </a:extLst>
                 </p:cNvPr>
@@ -11826,7 +11826,7 @@
                 <p:cNvPr id="187" name="Connecteur droit avec flèche 186">
                   <a:extLst>
                     <a:ext uri="{FF2B5EF4-FFF2-40B4-BE49-F238E27FC236}">
-                      <a16:creationId xmlns:a16="http://schemas.microsoft.com/office/drawing/2014/main" id="{DD47E5A7-7597-4C5B-B3B6-A805B81A3DD0}"/>
+                      <a16:creationId xmlns:a16="http://schemas.microsoft.com/office/drawing/2014/main" xmlns="" id="{DD47E5A7-7597-4C5B-B3B6-A805B81A3DD0}"/>
                     </a:ext>
                   </a:extLst>
                 </p:cNvPr>
@@ -11869,7 +11869,7 @@
             <p:cNvPr id="159" name="Groupe 158">
               <a:extLst>
                 <a:ext uri="{FF2B5EF4-FFF2-40B4-BE49-F238E27FC236}">
-                  <a16:creationId xmlns:a16="http://schemas.microsoft.com/office/drawing/2014/main" id="{4538E65F-B63A-484B-926B-1CE5A819DAFE}"/>
+                  <a16:creationId xmlns:a16="http://schemas.microsoft.com/office/drawing/2014/main" xmlns="" id="{4538E65F-B63A-484B-926B-1CE5A819DAFE}"/>
                 </a:ext>
               </a:extLst>
             </p:cNvPr>
@@ -11889,7 +11889,7 @@
               <p:cNvPr id="161" name="Groupe 160">
                 <a:extLst>
                   <a:ext uri="{FF2B5EF4-FFF2-40B4-BE49-F238E27FC236}">
-                    <a16:creationId xmlns:a16="http://schemas.microsoft.com/office/drawing/2014/main" id="{2756D4B9-D8E6-436E-B0AB-610F5C8E9656}"/>
+                    <a16:creationId xmlns:a16="http://schemas.microsoft.com/office/drawing/2014/main" xmlns="" id="{2756D4B9-D8E6-436E-B0AB-610F5C8E9656}"/>
                   </a:ext>
                 </a:extLst>
               </p:cNvPr>
@@ -11911,7 +11911,7 @@
                     <p:cNvPr id="166" name="ZoneTexte 165">
                       <a:extLst>
                         <a:ext uri="{FF2B5EF4-FFF2-40B4-BE49-F238E27FC236}">
-                          <a16:creationId xmlns:a16="http://schemas.microsoft.com/office/drawing/2014/main" id="{C32DCCCB-5F59-42EB-A69D-5B28B9A52AE5}"/>
+                          <a16:creationId xmlns:a16="http://schemas.microsoft.com/office/drawing/2014/main" xmlns="" id="{C32DCCCB-5F59-42EB-A69D-5B28B9A52AE5}"/>
                         </a:ext>
                       </a:extLst>
                     </p:cNvPr>
@@ -12054,7 +12054,7 @@
                     <p:cNvPr id="167" name="ZoneTexte 166">
                       <a:extLst>
                         <a:ext uri="{FF2B5EF4-FFF2-40B4-BE49-F238E27FC236}">
-                          <a16:creationId xmlns:a16="http://schemas.microsoft.com/office/drawing/2014/main" id="{0F472BF4-3DAE-471F-88B2-BBB033733303}"/>
+                          <a16:creationId xmlns:a16="http://schemas.microsoft.com/office/drawing/2014/main" xmlns="" id="{0F472BF4-3DAE-471F-88B2-BBB033733303}"/>
                         </a:ext>
                       </a:extLst>
                     </p:cNvPr>
@@ -12192,7 +12192,7 @@
                     <p:cNvPr id="168" name="ZoneTexte 167">
                       <a:extLst>
                         <a:ext uri="{FF2B5EF4-FFF2-40B4-BE49-F238E27FC236}">
-                          <a16:creationId xmlns:a16="http://schemas.microsoft.com/office/drawing/2014/main" id="{E20C3480-C1C5-4594-B95A-EF6B36AD5621}"/>
+                          <a16:creationId xmlns:a16="http://schemas.microsoft.com/office/drawing/2014/main" xmlns="" id="{E20C3480-C1C5-4594-B95A-EF6B36AD5621}"/>
                         </a:ext>
                       </a:extLst>
                     </p:cNvPr>
@@ -12330,7 +12330,7 @@
                     <p:cNvPr id="169" name="ZoneTexte 168">
                       <a:extLst>
                         <a:ext uri="{FF2B5EF4-FFF2-40B4-BE49-F238E27FC236}">
-                          <a16:creationId xmlns:a16="http://schemas.microsoft.com/office/drawing/2014/main" id="{4953892F-BCF8-41FB-80DF-C48D561D9A9F}"/>
+                          <a16:creationId xmlns:a16="http://schemas.microsoft.com/office/drawing/2014/main" xmlns="" id="{4953892F-BCF8-41FB-80DF-C48D561D9A9F}"/>
                         </a:ext>
                       </a:extLst>
                     </p:cNvPr>
@@ -12466,7 +12466,7 @@
                 <p:cNvPr id="170" name="Groupe 169">
                   <a:extLst>
                     <a:ext uri="{FF2B5EF4-FFF2-40B4-BE49-F238E27FC236}">
-                      <a16:creationId xmlns:a16="http://schemas.microsoft.com/office/drawing/2014/main" id="{E7F83AE6-5BD5-4342-9009-696C4D316D3A}"/>
+                      <a16:creationId xmlns:a16="http://schemas.microsoft.com/office/drawing/2014/main" xmlns="" id="{E7F83AE6-5BD5-4342-9009-696C4D316D3A}"/>
                     </a:ext>
                   </a:extLst>
                 </p:cNvPr>
@@ -12486,7 +12486,7 @@
                   <p:cNvPr id="174" name="Forme libre : forme 173">
                     <a:extLst>
                       <a:ext uri="{FF2B5EF4-FFF2-40B4-BE49-F238E27FC236}">
-                        <a16:creationId xmlns:a16="http://schemas.microsoft.com/office/drawing/2014/main" id="{9251C838-501F-49F1-9C0E-0C83F948AE3E}"/>
+                        <a16:creationId xmlns:a16="http://schemas.microsoft.com/office/drawing/2014/main" xmlns="" id="{9251C838-501F-49F1-9C0E-0C83F948AE3E}"/>
                       </a:ext>
                     </a:extLst>
                   </p:cNvPr>
@@ -12571,7 +12571,7 @@
                   <p:cNvPr id="175" name="Connecteur droit avec flèche 174">
                     <a:extLst>
                       <a:ext uri="{FF2B5EF4-FFF2-40B4-BE49-F238E27FC236}">
-                        <a16:creationId xmlns:a16="http://schemas.microsoft.com/office/drawing/2014/main" id="{BF7D50FB-0C04-4A02-8E71-C5F9A0F08757}"/>
+                        <a16:creationId xmlns:a16="http://schemas.microsoft.com/office/drawing/2014/main" xmlns="" id="{BF7D50FB-0C04-4A02-8E71-C5F9A0F08757}"/>
                       </a:ext>
                     </a:extLst>
                   </p:cNvPr>
@@ -12613,7 +12613,7 @@
                 <p:cNvPr id="171" name="Groupe 170">
                   <a:extLst>
                     <a:ext uri="{FF2B5EF4-FFF2-40B4-BE49-F238E27FC236}">
-                      <a16:creationId xmlns:a16="http://schemas.microsoft.com/office/drawing/2014/main" id="{83D7DD17-5CAC-49A6-85C9-35D62C2C1105}"/>
+                      <a16:creationId xmlns:a16="http://schemas.microsoft.com/office/drawing/2014/main" xmlns="" id="{83D7DD17-5CAC-49A6-85C9-35D62C2C1105}"/>
                     </a:ext>
                   </a:extLst>
                 </p:cNvPr>
@@ -12633,7 +12633,7 @@
                   <p:cNvPr id="172" name="Forme libre : forme 171">
                     <a:extLst>
                       <a:ext uri="{FF2B5EF4-FFF2-40B4-BE49-F238E27FC236}">
-                        <a16:creationId xmlns:a16="http://schemas.microsoft.com/office/drawing/2014/main" id="{C8424DE6-D08B-497E-8DA6-308CCFE235D5}"/>
+                        <a16:creationId xmlns:a16="http://schemas.microsoft.com/office/drawing/2014/main" xmlns="" id="{C8424DE6-D08B-497E-8DA6-308CCFE235D5}"/>
                       </a:ext>
                     </a:extLst>
                   </p:cNvPr>
@@ -12718,7 +12718,7 @@
                   <p:cNvPr id="173" name="Connecteur droit avec flèche 172">
                     <a:extLst>
                       <a:ext uri="{FF2B5EF4-FFF2-40B4-BE49-F238E27FC236}">
-                        <a16:creationId xmlns:a16="http://schemas.microsoft.com/office/drawing/2014/main" id="{3E8E257B-6266-46AD-842D-15989865D0EB}"/>
+                        <a16:creationId xmlns:a16="http://schemas.microsoft.com/office/drawing/2014/main" xmlns="" id="{3E8E257B-6266-46AD-842D-15989865D0EB}"/>
                       </a:ext>
                     </a:extLst>
                   </p:cNvPr>
@@ -12761,7 +12761,7 @@
               <p:cNvPr id="162" name="Forme libre : forme 161">
                 <a:extLst>
                   <a:ext uri="{FF2B5EF4-FFF2-40B4-BE49-F238E27FC236}">
-                    <a16:creationId xmlns:a16="http://schemas.microsoft.com/office/drawing/2014/main" id="{30668CA9-F2F4-4A2B-9394-08641E0BA546}"/>
+                    <a16:creationId xmlns:a16="http://schemas.microsoft.com/office/drawing/2014/main" xmlns="" id="{30668CA9-F2F4-4A2B-9394-08641E0BA546}"/>
                   </a:ext>
                 </a:extLst>
               </p:cNvPr>
@@ -12856,7 +12856,7 @@
               <p:cNvPr id="163" name="Forme libre : forme 162">
                 <a:extLst>
                   <a:ext uri="{FF2B5EF4-FFF2-40B4-BE49-F238E27FC236}">
-                    <a16:creationId xmlns:a16="http://schemas.microsoft.com/office/drawing/2014/main" id="{AE0E81DF-4614-41D5-B237-232A0A566967}"/>
+                    <a16:creationId xmlns:a16="http://schemas.microsoft.com/office/drawing/2014/main" xmlns="" id="{AE0E81DF-4614-41D5-B237-232A0A566967}"/>
                   </a:ext>
                 </a:extLst>
               </p:cNvPr>
@@ -12951,7 +12951,7 @@
               <p:cNvPr id="164" name="Connecteur droit avec flèche 163">
                 <a:extLst>
                   <a:ext uri="{FF2B5EF4-FFF2-40B4-BE49-F238E27FC236}">
-                    <a16:creationId xmlns:a16="http://schemas.microsoft.com/office/drawing/2014/main" id="{937ED5AF-4EA9-40DB-A035-A72B4BE7EE34}"/>
+                    <a16:creationId xmlns:a16="http://schemas.microsoft.com/office/drawing/2014/main" xmlns="" id="{937ED5AF-4EA9-40DB-A035-A72B4BE7EE34}"/>
                   </a:ext>
                 </a:extLst>
               </p:cNvPr>
@@ -12992,7 +12992,7 @@
               <p:cNvPr id="165" name="Connecteur droit avec flèche 164">
                 <a:extLst>
                   <a:ext uri="{FF2B5EF4-FFF2-40B4-BE49-F238E27FC236}">
-                    <a16:creationId xmlns:a16="http://schemas.microsoft.com/office/drawing/2014/main" id="{533D58FE-360A-4403-BA95-1D2459299835}"/>
+                    <a16:creationId xmlns:a16="http://schemas.microsoft.com/office/drawing/2014/main" xmlns="" id="{533D58FE-360A-4403-BA95-1D2459299835}"/>
                   </a:ext>
                 </a:extLst>
               </p:cNvPr>
@@ -13034,7 +13034,7 @@
                 <p:cNvPr id="160" name="ZoneTexte 159">
                   <a:extLst>
                     <a:ext uri="{FF2B5EF4-FFF2-40B4-BE49-F238E27FC236}">
-                      <a16:creationId xmlns:a16="http://schemas.microsoft.com/office/drawing/2014/main" id="{957E7A5C-FACA-49FD-8C3C-A073729D5E2E}"/>
+                      <a16:creationId xmlns:a16="http://schemas.microsoft.com/office/drawing/2014/main" xmlns="" id="{957E7A5C-FACA-49FD-8C3C-A073729D5E2E}"/>
                     </a:ext>
                   </a:extLst>
                 </p:cNvPr>
